--- a/Unit 3-4 Theorems.pptx
+++ b/Unit 3-4 Theorems.pptx
@@ -24,6 +24,13 @@
     <p:sldId id="269" r:id="rId21"/>
     <p:sldId id="270" r:id="rId22"/>
     <p:sldId id="271" r:id="rId23"/>
+    <p:sldId id="276" r:id="rId24"/>
+    <p:sldId id="277" r:id="rId25"/>
+    <p:sldId id="278" r:id="rId26"/>
+    <p:sldId id="279" r:id="rId27"/>
+    <p:sldId id="280" r:id="rId28"/>
+    <p:sldId id="281" r:id="rId29"/>
+    <p:sldId id="282" r:id="rId30"/>
   </p:sldIdLst>
   <p:sldSz cx="12192000" cy="6858000"/>
   <p:notesSz cx="6858000" cy="9144000"/>
@@ -122,7 +129,32 @@
       </a:defRPr>
     </a:lvl9pPr>
   </p:defaultTextStyle>
+  <p:extLst>
+    <p:ext uri="{EFAFB233-063F-42B5-8137-9DF3F51BA10A}">
+      <p15:sldGuideLst xmlns:p15="http://schemas.microsoft.com/office/powerpoint/2012/main"/>
+    </p:ext>
+  </p:extLst>
 </p:presentation>
+</file>
+
+<file path=ppt/commentAuthors.xml><?xml version="1.0" encoding="utf-8"?>
+<p:cmAuthorLst xmlns:a="http://schemas.openxmlformats.org/drawingml/2006/main" xmlns:r="http://schemas.openxmlformats.org/officeDocument/2006/relationships" xmlns:p="http://schemas.openxmlformats.org/presentationml/2006/main">
+  <p:cmAuthor id="1" name="Chen, Jeff" initials="CJ" lastIdx="1" clrIdx="0">
+    <p:extLst>
+      <p:ext uri="{19B8F6BF-5375-455C-9EA6-DF929625EA0E}">
+        <p15:presenceInfo xmlns:p15="http://schemas.microsoft.com/office/powerpoint/2012/main" userId="Chen, Jeff" providerId="None"/>
+      </p:ext>
+    </p:extLst>
+  </p:cmAuthor>
+</p:cmAuthorLst>
+</file>
+
+<file path=ppt/revisionInfo.xml><?xml version="1.0" encoding="utf-8"?>
+<p1510:revInfo xmlns:a="http://schemas.openxmlformats.org/drawingml/2006/main" xmlns:r="http://schemas.openxmlformats.org/officeDocument/2006/relationships" xmlns:p1510="http://schemas.microsoft.com/office/powerpoint/2015/10/main">
+  <p1510:revLst>
+    <p1510:client id="{80965980-7CDF-4379-9A6F-B1F09123E494}" v="1" dt="2021-03-09T18:25:33.936"/>
+  </p1510:revLst>
+</p1510:revInfo>
 </file>
 
 <file path=ppt/changesInfos/changesInfo1.xml><?xml version="1.0" encoding="utf-8"?>
@@ -130,10 +162,49 @@
   <pc:docChgLst>
     <pc:chgData name="Chen, Jeff" userId="9a3224f5-9893-4468-acd0-6d03119f890b" providerId="ADAL" clId="{80965980-7CDF-4379-9A6F-B1F09123E494}"/>
     <pc:docChg chg="custSel addSld delSld modSld">
-      <pc:chgData name="Chen, Jeff" userId="9a3224f5-9893-4468-acd0-6d03119f890b" providerId="ADAL" clId="{80965980-7CDF-4379-9A6F-B1F09123E494}" dt="2021-03-08T22:43:12.505" v="43" actId="1076"/>
+      <pc:chgData name="Chen, Jeff" userId="9a3224f5-9893-4468-acd0-6d03119f890b" providerId="ADAL" clId="{80965980-7CDF-4379-9A6F-B1F09123E494}" dt="2021-03-09T18:25:33.935" v="221"/>
       <pc:docMkLst>
         <pc:docMk/>
       </pc:docMkLst>
+      <pc:sldChg chg="addSp modSp mod setBg">
+        <pc:chgData name="Chen, Jeff" userId="9a3224f5-9893-4468-acd0-6d03119f890b" providerId="ADAL" clId="{80965980-7CDF-4379-9A6F-B1F09123E494}" dt="2021-03-09T18:18:22.418" v="60" actId="26606"/>
+        <pc:sldMkLst>
+          <pc:docMk/>
+          <pc:sldMk cId="1612242428" sldId="271"/>
+        </pc:sldMkLst>
+        <pc:spChg chg="mod">
+          <ac:chgData name="Chen, Jeff" userId="9a3224f5-9893-4468-acd0-6d03119f890b" providerId="ADAL" clId="{80965980-7CDF-4379-9A6F-B1F09123E494}" dt="2021-03-09T18:18:22.418" v="60" actId="26606"/>
+          <ac:spMkLst>
+            <pc:docMk/>
+            <pc:sldMk cId="1612242428" sldId="271"/>
+            <ac:spMk id="2" creationId="{72FB57F0-9EAD-452E-BB40-52AE41C56EF7}"/>
+          </ac:spMkLst>
+        </pc:spChg>
+        <pc:spChg chg="add">
+          <ac:chgData name="Chen, Jeff" userId="9a3224f5-9893-4468-acd0-6d03119f890b" providerId="ADAL" clId="{80965980-7CDF-4379-9A6F-B1F09123E494}" dt="2021-03-09T18:18:22.418" v="60" actId="26606"/>
+          <ac:spMkLst>
+            <pc:docMk/>
+            <pc:sldMk cId="1612242428" sldId="271"/>
+            <ac:spMk id="9" creationId="{EB270761-CC40-4F3F-A916-7E3BC3989348}"/>
+          </ac:spMkLst>
+        </pc:spChg>
+        <pc:spChg chg="add">
+          <ac:chgData name="Chen, Jeff" userId="9a3224f5-9893-4468-acd0-6d03119f890b" providerId="ADAL" clId="{80965980-7CDF-4379-9A6F-B1F09123E494}" dt="2021-03-09T18:18:22.418" v="60" actId="26606"/>
+          <ac:spMkLst>
+            <pc:docMk/>
+            <pc:sldMk cId="1612242428" sldId="271"/>
+            <ac:spMk id="11" creationId="{A2555B16-BE1D-4C33-A27C-FF0671B6C94C}"/>
+          </ac:spMkLst>
+        </pc:spChg>
+        <pc:picChg chg="add mod">
+          <ac:chgData name="Chen, Jeff" userId="9a3224f5-9893-4468-acd0-6d03119f890b" providerId="ADAL" clId="{80965980-7CDF-4379-9A6F-B1F09123E494}" dt="2021-03-09T18:18:22.418" v="60" actId="26606"/>
+          <ac:picMkLst>
+            <pc:docMk/>
+            <pc:sldMk cId="1612242428" sldId="271"/>
+            <ac:picMk id="4" creationId="{4FB498DD-189C-4050-86A0-F81D2616E3D8}"/>
+          </ac:picMkLst>
+        </pc:picChg>
+      </pc:sldChg>
       <pc:sldChg chg="addSp modSp new del mod">
         <pc:chgData name="Chen, Jeff" userId="9a3224f5-9893-4468-acd0-6d03119f890b" providerId="ADAL" clId="{80965980-7CDF-4379-9A6F-B1F09123E494}" dt="2021-03-08T22:43:01.690" v="23" actId="2696"/>
         <pc:sldMkLst>
@@ -188,9 +259,184 @@
           </ac:picMkLst>
         </pc:picChg>
       </pc:sldChg>
+      <pc:sldChg chg="addSp modSp new mod setBg">
+        <pc:chgData name="Chen, Jeff" userId="9a3224f5-9893-4468-acd0-6d03119f890b" providerId="ADAL" clId="{80965980-7CDF-4379-9A6F-B1F09123E494}" dt="2021-03-09T18:19:54.353" v="109" actId="26606"/>
+        <pc:sldMkLst>
+          <pc:docMk/>
+          <pc:sldMk cId="1594308202" sldId="276"/>
+        </pc:sldMkLst>
+        <pc:spChg chg="mod">
+          <ac:chgData name="Chen, Jeff" userId="9a3224f5-9893-4468-acd0-6d03119f890b" providerId="ADAL" clId="{80965980-7CDF-4379-9A6F-B1F09123E494}" dt="2021-03-09T18:19:54.353" v="109" actId="26606"/>
+          <ac:spMkLst>
+            <pc:docMk/>
+            <pc:sldMk cId="1594308202" sldId="276"/>
+            <ac:spMk id="2" creationId="{3ED66A6E-D5D5-46CF-9374-C69149E57A1C}"/>
+          </ac:spMkLst>
+        </pc:spChg>
+        <pc:spChg chg="add">
+          <ac:chgData name="Chen, Jeff" userId="9a3224f5-9893-4468-acd0-6d03119f890b" providerId="ADAL" clId="{80965980-7CDF-4379-9A6F-B1F09123E494}" dt="2021-03-09T18:19:54.353" v="109" actId="26606"/>
+          <ac:spMkLst>
+            <pc:docMk/>
+            <pc:sldMk cId="1594308202" sldId="276"/>
+            <ac:spMk id="9" creationId="{EB270761-CC40-4F3F-A916-7E3BC3989348}"/>
+          </ac:spMkLst>
+        </pc:spChg>
+        <pc:spChg chg="add">
+          <ac:chgData name="Chen, Jeff" userId="9a3224f5-9893-4468-acd0-6d03119f890b" providerId="ADAL" clId="{80965980-7CDF-4379-9A6F-B1F09123E494}" dt="2021-03-09T18:19:54.353" v="109" actId="26606"/>
+          <ac:spMkLst>
+            <pc:docMk/>
+            <pc:sldMk cId="1594308202" sldId="276"/>
+            <ac:spMk id="11" creationId="{A2555B16-BE1D-4C33-A27C-FF0671B6C94C}"/>
+          </ac:spMkLst>
+        </pc:spChg>
+        <pc:picChg chg="add mod">
+          <ac:chgData name="Chen, Jeff" userId="9a3224f5-9893-4468-acd0-6d03119f890b" providerId="ADAL" clId="{80965980-7CDF-4379-9A6F-B1F09123E494}" dt="2021-03-09T18:19:54.353" v="109" actId="26606"/>
+          <ac:picMkLst>
+            <pc:docMk/>
+            <pc:sldMk cId="1594308202" sldId="276"/>
+            <ac:picMk id="4" creationId="{177343F9-AD92-4E54-BF99-E754D618E9E7}"/>
+          </ac:picMkLst>
+        </pc:picChg>
+      </pc:sldChg>
+      <pc:sldChg chg="addSp delSp modSp new mod setBg">
+        <pc:chgData name="Chen, Jeff" userId="9a3224f5-9893-4468-acd0-6d03119f890b" providerId="ADAL" clId="{80965980-7CDF-4379-9A6F-B1F09123E494}" dt="2021-03-09T18:22:57.569" v="140" actId="478"/>
+        <pc:sldMkLst>
+          <pc:docMk/>
+          <pc:sldMk cId="955675857" sldId="277"/>
+        </pc:sldMkLst>
+        <pc:spChg chg="mod">
+          <ac:chgData name="Chen, Jeff" userId="9a3224f5-9893-4468-acd0-6d03119f890b" providerId="ADAL" clId="{80965980-7CDF-4379-9A6F-B1F09123E494}" dt="2021-03-09T18:22:31.668" v="137" actId="20577"/>
+          <ac:spMkLst>
+            <pc:docMk/>
+            <pc:sldMk cId="955675857" sldId="277"/>
+            <ac:spMk id="2" creationId="{2850A7ED-96D2-417C-B903-C6CAE2CE7669}"/>
+          </ac:spMkLst>
+        </pc:spChg>
+        <pc:spChg chg="add">
+          <ac:chgData name="Chen, Jeff" userId="9a3224f5-9893-4468-acd0-6d03119f890b" providerId="ADAL" clId="{80965980-7CDF-4379-9A6F-B1F09123E494}" dt="2021-03-09T18:22:03.014" v="124" actId="26606"/>
+          <ac:spMkLst>
+            <pc:docMk/>
+            <pc:sldMk cId="955675857" sldId="277"/>
+            <ac:spMk id="11" creationId="{EB270761-CC40-4F3F-A916-7E3BC3989348}"/>
+          </ac:spMkLst>
+        </pc:spChg>
+        <pc:spChg chg="add">
+          <ac:chgData name="Chen, Jeff" userId="9a3224f5-9893-4468-acd0-6d03119f890b" providerId="ADAL" clId="{80965980-7CDF-4379-9A6F-B1F09123E494}" dt="2021-03-09T18:22:03.014" v="124" actId="26606"/>
+          <ac:spMkLst>
+            <pc:docMk/>
+            <pc:sldMk cId="955675857" sldId="277"/>
+            <ac:spMk id="13" creationId="{A2555B16-BE1D-4C33-A27C-FF0671B6C94C}"/>
+          </ac:spMkLst>
+        </pc:spChg>
+        <pc:picChg chg="add del">
+          <ac:chgData name="Chen, Jeff" userId="9a3224f5-9893-4468-acd0-6d03119f890b" providerId="ADAL" clId="{80965980-7CDF-4379-9A6F-B1F09123E494}" dt="2021-03-09T18:21:09.358" v="111" actId="478"/>
+          <ac:picMkLst>
+            <pc:docMk/>
+            <pc:sldMk cId="955675857" sldId="277"/>
+            <ac:picMk id="4" creationId="{FFCD01C9-E1F8-45A5-8001-C2449A484DE0}"/>
+          </ac:picMkLst>
+        </pc:picChg>
+        <pc:picChg chg="add mod">
+          <ac:chgData name="Chen, Jeff" userId="9a3224f5-9893-4468-acd0-6d03119f890b" providerId="ADAL" clId="{80965980-7CDF-4379-9A6F-B1F09123E494}" dt="2021-03-09T18:22:03.014" v="124" actId="26606"/>
+          <ac:picMkLst>
+            <pc:docMk/>
+            <pc:sldMk cId="955675857" sldId="277"/>
+            <ac:picMk id="6" creationId="{7AE99F1D-800D-4B83-B3BD-6D467FF33D0C}"/>
+          </ac:picMkLst>
+        </pc:picChg>
+        <pc:picChg chg="add del mod">
+          <ac:chgData name="Chen, Jeff" userId="9a3224f5-9893-4468-acd0-6d03119f890b" providerId="ADAL" clId="{80965980-7CDF-4379-9A6F-B1F09123E494}" dt="2021-03-09T18:22:57.569" v="140" actId="478"/>
+          <ac:picMkLst>
+            <pc:docMk/>
+            <pc:sldMk cId="955675857" sldId="277"/>
+            <ac:picMk id="8" creationId="{F8C8425B-6131-4A5C-AD39-F6446D3AAA8E}"/>
+          </ac:picMkLst>
+        </pc:picChg>
+      </pc:sldChg>
+      <pc:sldChg chg="addSp modSp new mod setBg addCm modCm">
+        <pc:chgData name="Chen, Jeff" userId="9a3224f5-9893-4468-acd0-6d03119f890b" providerId="ADAL" clId="{80965980-7CDF-4379-9A6F-B1F09123E494}" dt="2021-03-09T18:25:33.935" v="221"/>
+        <pc:sldMkLst>
+          <pc:docMk/>
+          <pc:sldMk cId="1125068611" sldId="278"/>
+        </pc:sldMkLst>
+        <pc:spChg chg="mod">
+          <ac:chgData name="Chen, Jeff" userId="9a3224f5-9893-4468-acd0-6d03119f890b" providerId="ADAL" clId="{80965980-7CDF-4379-9A6F-B1F09123E494}" dt="2021-03-09T18:24:20.529" v="219" actId="20577"/>
+          <ac:spMkLst>
+            <pc:docMk/>
+            <pc:sldMk cId="1125068611" sldId="278"/>
+            <ac:spMk id="2" creationId="{55C4CDE4-E951-449C-A932-89AA243A481C}"/>
+          </ac:spMkLst>
+        </pc:spChg>
+        <pc:spChg chg="add">
+          <ac:chgData name="Chen, Jeff" userId="9a3224f5-9893-4468-acd0-6d03119f890b" providerId="ADAL" clId="{80965980-7CDF-4379-9A6F-B1F09123E494}" dt="2021-03-09T18:24:08.478" v="211" actId="26606"/>
+          <ac:spMkLst>
+            <pc:docMk/>
+            <pc:sldMk cId="1125068611" sldId="278"/>
+            <ac:spMk id="9" creationId="{EB270761-CC40-4F3F-A916-7E3BC3989348}"/>
+          </ac:spMkLst>
+        </pc:spChg>
+        <pc:spChg chg="add">
+          <ac:chgData name="Chen, Jeff" userId="9a3224f5-9893-4468-acd0-6d03119f890b" providerId="ADAL" clId="{80965980-7CDF-4379-9A6F-B1F09123E494}" dt="2021-03-09T18:24:08.478" v="211" actId="26606"/>
+          <ac:spMkLst>
+            <pc:docMk/>
+            <pc:sldMk cId="1125068611" sldId="278"/>
+            <ac:spMk id="11" creationId="{A2555B16-BE1D-4C33-A27C-FF0671B6C94C}"/>
+          </ac:spMkLst>
+        </pc:spChg>
+        <pc:picChg chg="add mod">
+          <ac:chgData name="Chen, Jeff" userId="9a3224f5-9893-4468-acd0-6d03119f890b" providerId="ADAL" clId="{80965980-7CDF-4379-9A6F-B1F09123E494}" dt="2021-03-09T18:24:08.478" v="211" actId="26606"/>
+          <ac:picMkLst>
+            <pc:docMk/>
+            <pc:sldMk cId="1125068611" sldId="278"/>
+            <ac:picMk id="4" creationId="{71397B19-8B36-4F9A-837A-8B9638FAEAC6}"/>
+          </ac:picMkLst>
+        </pc:picChg>
+      </pc:sldChg>
+      <pc:sldChg chg="new">
+        <pc:chgData name="Chen, Jeff" userId="9a3224f5-9893-4468-acd0-6d03119f890b" providerId="ADAL" clId="{80965980-7CDF-4379-9A6F-B1F09123E494}" dt="2021-03-09T18:18:30.494" v="64" actId="680"/>
+        <pc:sldMkLst>
+          <pc:docMk/>
+          <pc:sldMk cId="1070451020" sldId="279"/>
+        </pc:sldMkLst>
+      </pc:sldChg>
+      <pc:sldChg chg="new">
+        <pc:chgData name="Chen, Jeff" userId="9a3224f5-9893-4468-acd0-6d03119f890b" providerId="ADAL" clId="{80965980-7CDF-4379-9A6F-B1F09123E494}" dt="2021-03-09T18:18:30.884" v="65" actId="680"/>
+        <pc:sldMkLst>
+          <pc:docMk/>
+          <pc:sldMk cId="3924658005" sldId="280"/>
+        </pc:sldMkLst>
+      </pc:sldChg>
+      <pc:sldChg chg="new">
+        <pc:chgData name="Chen, Jeff" userId="9a3224f5-9893-4468-acd0-6d03119f890b" providerId="ADAL" clId="{80965980-7CDF-4379-9A6F-B1F09123E494}" dt="2021-03-09T18:18:30.895" v="66" actId="680"/>
+        <pc:sldMkLst>
+          <pc:docMk/>
+          <pc:sldMk cId="2308443354" sldId="281"/>
+        </pc:sldMkLst>
+      </pc:sldChg>
+      <pc:sldChg chg="new">
+        <pc:chgData name="Chen, Jeff" userId="9a3224f5-9893-4468-acd0-6d03119f890b" providerId="ADAL" clId="{80965980-7CDF-4379-9A6F-B1F09123E494}" dt="2021-03-09T18:18:30.913" v="67" actId="680"/>
+        <pc:sldMkLst>
+          <pc:docMk/>
+          <pc:sldMk cId="2063718745" sldId="282"/>
+        </pc:sldMkLst>
+      </pc:sldChg>
     </pc:docChg>
   </pc:docChgLst>
 </pc:chgInfo>
+</file>
+
+<file path=ppt/comments/comment1.xml><?xml version="1.0" encoding="utf-8"?>
+<p:cmLst xmlns:a="http://schemas.openxmlformats.org/drawingml/2006/main" xmlns:r="http://schemas.openxmlformats.org/officeDocument/2006/relationships" xmlns:p="http://schemas.openxmlformats.org/presentationml/2006/main">
+  <p:cm authorId="1" dt="2021-03-09T13:25:20.796" idx="1">
+    <p:pos x="10" y="10"/>
+    <p:text>Stopped before Eigenvalues</p:text>
+    <p:extLst>
+      <p:ext uri="{C676402C-5697-4E1C-873F-D02D1690AC5C}">
+        <p15:threadingInfo xmlns:p15="http://schemas.microsoft.com/office/powerpoint/2012/main" timeZoneBias="300"/>
+      </p:ext>
+    </p:extLst>
+  </p:cm>
+</p:cmLst>
 </file>
 
 <file path=ppt/slideLayouts/slideLayout1.xml><?xml version="1.0" encoding="utf-8"?>
@@ -340,7 +586,7 @@
           <a:p>
             <a:fld id="{C868AB9E-4FA6-4C7D-A415-A317424E55FE}" type="datetimeFigureOut">
               <a:rPr lang="en-US" smtClean="0"/>
-              <a:t>3/8/2021</a:t>
+              <a:t>3/9/2021</a:t>
             </a:fld>
             <a:endParaRPr lang="en-US"/>
           </a:p>
@@ -538,7 +784,7 @@
           <a:p>
             <a:fld id="{C868AB9E-4FA6-4C7D-A415-A317424E55FE}" type="datetimeFigureOut">
               <a:rPr lang="en-US" smtClean="0"/>
-              <a:t>3/8/2021</a:t>
+              <a:t>3/9/2021</a:t>
             </a:fld>
             <a:endParaRPr lang="en-US"/>
           </a:p>
@@ -746,7 +992,7 @@
           <a:p>
             <a:fld id="{C868AB9E-4FA6-4C7D-A415-A317424E55FE}" type="datetimeFigureOut">
               <a:rPr lang="en-US" smtClean="0"/>
-              <a:t>3/8/2021</a:t>
+              <a:t>3/9/2021</a:t>
             </a:fld>
             <a:endParaRPr lang="en-US"/>
           </a:p>
@@ -944,7 +1190,7 @@
           <a:p>
             <a:fld id="{C868AB9E-4FA6-4C7D-A415-A317424E55FE}" type="datetimeFigureOut">
               <a:rPr lang="en-US" smtClean="0"/>
-              <a:t>3/8/2021</a:t>
+              <a:t>3/9/2021</a:t>
             </a:fld>
             <a:endParaRPr lang="en-US"/>
           </a:p>
@@ -1219,7 +1465,7 @@
           <a:p>
             <a:fld id="{C868AB9E-4FA6-4C7D-A415-A317424E55FE}" type="datetimeFigureOut">
               <a:rPr lang="en-US" smtClean="0"/>
-              <a:t>3/8/2021</a:t>
+              <a:t>3/9/2021</a:t>
             </a:fld>
             <a:endParaRPr lang="en-US"/>
           </a:p>
@@ -1484,7 +1730,7 @@
           <a:p>
             <a:fld id="{C868AB9E-4FA6-4C7D-A415-A317424E55FE}" type="datetimeFigureOut">
               <a:rPr lang="en-US" smtClean="0"/>
-              <a:t>3/8/2021</a:t>
+              <a:t>3/9/2021</a:t>
             </a:fld>
             <a:endParaRPr lang="en-US"/>
           </a:p>
@@ -1896,7 +2142,7 @@
           <a:p>
             <a:fld id="{C868AB9E-4FA6-4C7D-A415-A317424E55FE}" type="datetimeFigureOut">
               <a:rPr lang="en-US" smtClean="0"/>
-              <a:t>3/8/2021</a:t>
+              <a:t>3/9/2021</a:t>
             </a:fld>
             <a:endParaRPr lang="en-US"/>
           </a:p>
@@ -2037,7 +2283,7 @@
           <a:p>
             <a:fld id="{C868AB9E-4FA6-4C7D-A415-A317424E55FE}" type="datetimeFigureOut">
               <a:rPr lang="en-US" smtClean="0"/>
-              <a:t>3/8/2021</a:t>
+              <a:t>3/9/2021</a:t>
             </a:fld>
             <a:endParaRPr lang="en-US"/>
           </a:p>
@@ -2150,7 +2396,7 @@
           <a:p>
             <a:fld id="{C868AB9E-4FA6-4C7D-A415-A317424E55FE}" type="datetimeFigureOut">
               <a:rPr lang="en-US" smtClean="0"/>
-              <a:t>3/8/2021</a:t>
+              <a:t>3/9/2021</a:t>
             </a:fld>
             <a:endParaRPr lang="en-US"/>
           </a:p>
@@ -2461,7 +2707,7 @@
           <a:p>
             <a:fld id="{C868AB9E-4FA6-4C7D-A415-A317424E55FE}" type="datetimeFigureOut">
               <a:rPr lang="en-US" smtClean="0"/>
-              <a:t>3/8/2021</a:t>
+              <a:t>3/9/2021</a:t>
             </a:fld>
             <a:endParaRPr lang="en-US"/>
           </a:p>
@@ -2749,7 +2995,7 @@
           <a:p>
             <a:fld id="{C868AB9E-4FA6-4C7D-A415-A317424E55FE}" type="datetimeFigureOut">
               <a:rPr lang="en-US" smtClean="0"/>
-              <a:t>3/8/2021</a:t>
+              <a:t>3/9/2021</a:t>
             </a:fld>
             <a:endParaRPr lang="en-US"/>
           </a:p>
@@ -2990,7 +3236,7 @@
           <a:p>
             <a:fld id="{C868AB9E-4FA6-4C7D-A415-A317424E55FE}" type="datetimeFigureOut">
               <a:rPr lang="en-US" smtClean="0"/>
-              <a:t>3/8/2021</a:t>
+              <a:t>3/9/2021</a:t>
             </a:fld>
             <a:endParaRPr lang="en-US"/>
           </a:p>
@@ -6443,6 +6689,14 @@
 <file path=ppt/slides/slide19.xml><?xml version="1.0" encoding="utf-8"?>
 <p:sld xmlns:a="http://schemas.openxmlformats.org/drawingml/2006/main" xmlns:r="http://schemas.openxmlformats.org/officeDocument/2006/relationships" xmlns:p="http://schemas.openxmlformats.org/presentationml/2006/main">
   <p:cSld>
+    <p:bg>
+      <p:bgPr>
+        <a:solidFill>
+          <a:schemeClr val="bg1"/>
+        </a:solidFill>
+        <a:effectLst/>
+      </p:bgPr>
+    </p:bg>
     <p:spTree>
       <p:nvGrpSpPr>
         <p:cNvPr id="1" name=""/>
@@ -6457,6 +6711,66 @@
           <a:chExt cx="0" cy="0"/>
         </a:xfrm>
       </p:grpSpPr>
+      <p:sp useBgFill="1">
+        <p:nvSpPr>
+          <p:cNvPr id="9" name="Rectangle 8">
+            <a:extLst>
+              <a:ext uri="{FF2B5EF4-FFF2-40B4-BE49-F238E27FC236}">
+                <a16:creationId xmlns:a16="http://schemas.microsoft.com/office/drawing/2014/main" id="{EB270761-CC40-4F3F-A916-7E3BC3989348}"/>
+              </a:ext>
+              <a:ext uri="{C183D7F6-B498-43B3-948B-1728B52AA6E4}">
+                <adec:decorative xmlns:adec="http://schemas.microsoft.com/office/drawing/2017/decorative" val="1"/>
+              </a:ext>
+            </a:extLst>
+          </p:cNvPr>
+          <p:cNvSpPr>
+            <a:spLocks noGrp="1" noRot="1" noChangeAspect="1" noMove="1" noResize="1" noEditPoints="1" noAdjustHandles="1" noChangeArrowheads="1" noChangeShapeType="1" noTextEdit="1"/>
+          </p:cNvSpPr>
+          <p:nvPr>
+            <p:extLst>
+              <p:ext uri="{386F3935-93C4-4BCD-93E2-E3B085C9AB24}">
+                <p16:designElem xmlns:p16="http://schemas.microsoft.com/office/powerpoint/2015/main" val="1"/>
+              </p:ext>
+            </p:extLst>
+          </p:nvPr>
+        </p:nvSpPr>
+        <p:spPr>
+          <a:xfrm>
+            <a:off x="-1" y="0"/>
+            <a:ext cx="12191695" cy="6858000"/>
+          </a:xfrm>
+          <a:prstGeom prst="rect">
+            <a:avLst/>
+          </a:prstGeom>
+          <a:ln>
+            <a:noFill/>
+          </a:ln>
+        </p:spPr>
+        <p:style>
+          <a:lnRef idx="2">
+            <a:schemeClr val="accent1">
+              <a:shade val="50000"/>
+            </a:schemeClr>
+          </a:lnRef>
+          <a:fillRef idx="1">
+            <a:schemeClr val="accent1"/>
+          </a:fillRef>
+          <a:effectRef idx="0">
+            <a:schemeClr val="accent1"/>
+          </a:effectRef>
+          <a:fontRef idx="minor">
+            <a:schemeClr val="lt1"/>
+          </a:fontRef>
+        </p:style>
+        <p:txBody>
+          <a:bodyPr rtlCol="0" anchor="ctr"/>
+          <a:lstStyle/>
+          <a:p>
+            <a:pPr algn="ctr"/>
+            <a:endParaRPr lang="en-US"/>
+          </a:p>
+        </p:txBody>
+      </p:sp>
       <p:sp>
         <p:nvSpPr>
           <p:cNvPr id="2" name="Title 1">
@@ -6473,15 +6787,132 @@
             <p:ph type="title"/>
           </p:nvPr>
         </p:nvSpPr>
-        <p:spPr/>
-        <p:txBody>
-          <a:bodyPr/>
-          <a:lstStyle/>
-          <a:p>
+        <p:spPr>
+          <a:xfrm>
+            <a:off x="1366160" y="4376508"/>
+            <a:ext cx="9623404" cy="1257202"/>
+          </a:xfrm>
+        </p:spPr>
+        <p:txBody>
+          <a:bodyPr vert="horz" lIns="91440" tIns="45720" rIns="91440" bIns="45720" rtlCol="0" anchor="b">
+            <a:normAutofit/>
+          </a:bodyPr>
+          <a:lstStyle/>
+          <a:p>
+            <a:r>
+              <a:rPr lang="en-US" sz="6600" kern="1200">
+                <a:solidFill>
+                  <a:schemeClr val="tx1"/>
+                </a:solidFill>
+                <a:latin typeface="+mj-lt"/>
+                <a:ea typeface="+mj-ea"/>
+                <a:cs typeface="+mj-cs"/>
+              </a:rPr>
+              <a:t>Standard Matrix</a:t>
+            </a:r>
+          </a:p>
+        </p:txBody>
+      </p:sp>
+      <p:sp>
+        <p:nvSpPr>
+          <p:cNvPr id="11" name="Rectangle 10">
+            <a:extLst>
+              <a:ext uri="{FF2B5EF4-FFF2-40B4-BE49-F238E27FC236}">
+                <a16:creationId xmlns:a16="http://schemas.microsoft.com/office/drawing/2014/main" id="{A2555B16-BE1D-4C33-A27C-FF0671B6C94C}"/>
+              </a:ext>
+              <a:ext uri="{C183D7F6-B498-43B3-948B-1728B52AA6E4}">
+                <adec:decorative xmlns:adec="http://schemas.microsoft.com/office/drawing/2017/decorative" val="1"/>
+              </a:ext>
+            </a:extLst>
+          </p:cNvPr>
+          <p:cNvSpPr>
+            <a:spLocks noGrp="1" noRot="1" noChangeAspect="1" noMove="1" noResize="1" noEditPoints="1" noAdjustHandles="1" noChangeArrowheads="1" noChangeShapeType="1" noTextEdit="1"/>
+          </p:cNvSpPr>
+          <p:nvPr>
+            <p:extLst>
+              <p:ext uri="{386F3935-93C4-4BCD-93E2-E3B085C9AB24}">
+                <p16:designElem xmlns:p16="http://schemas.microsoft.com/office/powerpoint/2015/main" val="1"/>
+              </p:ext>
+            </p:extLst>
+          </p:nvPr>
+        </p:nvSpPr>
+        <p:spPr>
+          <a:xfrm>
+            <a:off x="0" y="891540"/>
+            <a:ext cx="722376" cy="5071110"/>
+          </a:xfrm>
+          <a:prstGeom prst="rect">
+            <a:avLst/>
+          </a:prstGeom>
+          <a:solidFill>
+            <a:srgbClr val="4C5254"/>
+          </a:solidFill>
+          <a:ln>
+            <a:noFill/>
+          </a:ln>
+        </p:spPr>
+        <p:style>
+          <a:lnRef idx="2">
+            <a:schemeClr val="accent1">
+              <a:shade val="50000"/>
+            </a:schemeClr>
+          </a:lnRef>
+          <a:fillRef idx="1">
+            <a:schemeClr val="accent1"/>
+          </a:fillRef>
+          <a:effectRef idx="0">
+            <a:schemeClr val="accent1"/>
+          </a:effectRef>
+          <a:fontRef idx="minor">
+            <a:schemeClr val="lt1"/>
+          </a:fontRef>
+        </p:style>
+        <p:txBody>
+          <a:bodyPr rtlCol="0" anchor="ctr"/>
+          <a:lstStyle/>
+          <a:p>
+            <a:pPr algn="ctr"/>
             <a:endParaRPr lang="en-US"/>
           </a:p>
         </p:txBody>
       </p:sp>
+      <p:pic>
+        <p:nvPicPr>
+          <p:cNvPr id="4" name="Picture 3">
+            <a:extLst>
+              <a:ext uri="{FF2B5EF4-FFF2-40B4-BE49-F238E27FC236}">
+                <a16:creationId xmlns:a16="http://schemas.microsoft.com/office/drawing/2014/main" id="{4FB498DD-189C-4050-86A0-F81D2616E3D8}"/>
+              </a:ext>
+            </a:extLst>
+          </p:cNvPr>
+          <p:cNvPicPr>
+            <a:picLocks noChangeAspect="1"/>
+          </p:cNvPicPr>
+          <p:nvPr/>
+        </p:nvPicPr>
+        <p:blipFill>
+          <a:blip r:embed="rId2"/>
+          <a:stretch>
+            <a:fillRect/>
+          </a:stretch>
+        </p:blipFill>
+        <p:spPr>
+          <a:xfrm>
+            <a:off x="1365855" y="1469492"/>
+            <a:ext cx="9934606" cy="2061429"/>
+          </a:xfrm>
+          <a:prstGeom prst="rect">
+            <a:avLst/>
+          </a:prstGeom>
+          <a:effectLst>
+            <a:outerShdw blurRad="406400" dist="317500" dir="5400000" sx="89000" sy="89000" rotWithShape="0">
+              <a:prstClr val="black">
+                <a:alpha val="15000"/>
+              </a:prstClr>
+            </a:outerShdw>
+          </a:effectLst>
+        </p:spPr>
+      </p:pic>
     </p:spTree>
     <p:extLst>
       <p:ext uri="{BB962C8B-B14F-4D97-AF65-F5344CB8AC3E}">
@@ -6804,6 +7235,961 @@
     <p:extLst>
       <p:ext uri="{BB962C8B-B14F-4D97-AF65-F5344CB8AC3E}">
         <p14:creationId xmlns:p14="http://schemas.microsoft.com/office/powerpoint/2010/main" val="2593938880"/>
+      </p:ext>
+    </p:extLst>
+  </p:cSld>
+  <p:clrMapOvr>
+    <a:masterClrMapping/>
+  </p:clrMapOvr>
+</p:sld>
+</file>
+
+<file path=ppt/slides/slide20.xml><?xml version="1.0" encoding="utf-8"?>
+<p:sld xmlns:a="http://schemas.openxmlformats.org/drawingml/2006/main" xmlns:r="http://schemas.openxmlformats.org/officeDocument/2006/relationships" xmlns:p="http://schemas.openxmlformats.org/presentationml/2006/main">
+  <p:cSld>
+    <p:bg>
+      <p:bgPr>
+        <a:solidFill>
+          <a:schemeClr val="bg1"/>
+        </a:solidFill>
+        <a:effectLst/>
+      </p:bgPr>
+    </p:bg>
+    <p:spTree>
+      <p:nvGrpSpPr>
+        <p:cNvPr id="1" name=""/>
+        <p:cNvGrpSpPr/>
+        <p:nvPr/>
+      </p:nvGrpSpPr>
+      <p:grpSpPr>
+        <a:xfrm>
+          <a:off x="0" y="0"/>
+          <a:ext cx="0" cy="0"/>
+          <a:chOff x="0" y="0"/>
+          <a:chExt cx="0" cy="0"/>
+        </a:xfrm>
+      </p:grpSpPr>
+      <p:sp useBgFill="1">
+        <p:nvSpPr>
+          <p:cNvPr id="9" name="Rectangle 8">
+            <a:extLst>
+              <a:ext uri="{FF2B5EF4-FFF2-40B4-BE49-F238E27FC236}">
+                <a16:creationId xmlns:a16="http://schemas.microsoft.com/office/drawing/2014/main" id="{EB270761-CC40-4F3F-A916-7E3BC3989348}"/>
+              </a:ext>
+              <a:ext uri="{C183D7F6-B498-43B3-948B-1728B52AA6E4}">
+                <adec:decorative xmlns:adec="http://schemas.microsoft.com/office/drawing/2017/decorative" val="1"/>
+              </a:ext>
+            </a:extLst>
+          </p:cNvPr>
+          <p:cNvSpPr>
+            <a:spLocks noGrp="1" noRot="1" noChangeAspect="1" noMove="1" noResize="1" noEditPoints="1" noAdjustHandles="1" noChangeArrowheads="1" noChangeShapeType="1" noTextEdit="1"/>
+          </p:cNvSpPr>
+          <p:nvPr>
+            <p:extLst>
+              <p:ext uri="{386F3935-93C4-4BCD-93E2-E3B085C9AB24}">
+                <p16:designElem xmlns:p16="http://schemas.microsoft.com/office/powerpoint/2015/main" val="1"/>
+              </p:ext>
+            </p:extLst>
+          </p:nvPr>
+        </p:nvSpPr>
+        <p:spPr>
+          <a:xfrm>
+            <a:off x="-1" y="0"/>
+            <a:ext cx="12191695" cy="6858000"/>
+          </a:xfrm>
+          <a:prstGeom prst="rect">
+            <a:avLst/>
+          </a:prstGeom>
+          <a:ln>
+            <a:noFill/>
+          </a:ln>
+        </p:spPr>
+        <p:style>
+          <a:lnRef idx="2">
+            <a:schemeClr val="accent1">
+              <a:shade val="50000"/>
+            </a:schemeClr>
+          </a:lnRef>
+          <a:fillRef idx="1">
+            <a:schemeClr val="accent1"/>
+          </a:fillRef>
+          <a:effectRef idx="0">
+            <a:schemeClr val="accent1"/>
+          </a:effectRef>
+          <a:fontRef idx="minor">
+            <a:schemeClr val="lt1"/>
+          </a:fontRef>
+        </p:style>
+        <p:txBody>
+          <a:bodyPr rtlCol="0" anchor="ctr"/>
+          <a:lstStyle/>
+          <a:p>
+            <a:pPr algn="ctr"/>
+            <a:endParaRPr lang="en-US"/>
+          </a:p>
+        </p:txBody>
+      </p:sp>
+      <p:sp>
+        <p:nvSpPr>
+          <p:cNvPr id="2" name="Title 1">
+            <a:extLst>
+              <a:ext uri="{FF2B5EF4-FFF2-40B4-BE49-F238E27FC236}">
+                <a16:creationId xmlns:a16="http://schemas.microsoft.com/office/drawing/2014/main" id="{3ED66A6E-D5D5-46CF-9374-C69149E57A1C}"/>
+              </a:ext>
+            </a:extLst>
+          </p:cNvPr>
+          <p:cNvSpPr>
+            <a:spLocks noGrp="1"/>
+          </p:cNvSpPr>
+          <p:nvPr>
+            <p:ph type="title"/>
+          </p:nvPr>
+        </p:nvSpPr>
+        <p:spPr>
+          <a:xfrm>
+            <a:off x="1366160" y="4376508"/>
+            <a:ext cx="9623404" cy="1257202"/>
+          </a:xfrm>
+        </p:spPr>
+        <p:txBody>
+          <a:bodyPr vert="horz" lIns="91440" tIns="45720" rIns="91440" bIns="45720" rtlCol="0" anchor="b">
+            <a:normAutofit/>
+          </a:bodyPr>
+          <a:lstStyle/>
+          <a:p>
+            <a:r>
+              <a:rPr lang="en-US" sz="5100" kern="1200">
+                <a:solidFill>
+                  <a:schemeClr val="tx1"/>
+                </a:solidFill>
+                <a:latin typeface="+mj-lt"/>
+                <a:ea typeface="+mj-ea"/>
+                <a:cs typeface="+mj-cs"/>
+              </a:rPr>
+              <a:t>Standard Matrix Multiplication????</a:t>
+            </a:r>
+          </a:p>
+        </p:txBody>
+      </p:sp>
+      <p:sp>
+        <p:nvSpPr>
+          <p:cNvPr id="11" name="Rectangle 10">
+            <a:extLst>
+              <a:ext uri="{FF2B5EF4-FFF2-40B4-BE49-F238E27FC236}">
+                <a16:creationId xmlns:a16="http://schemas.microsoft.com/office/drawing/2014/main" id="{A2555B16-BE1D-4C33-A27C-FF0671B6C94C}"/>
+              </a:ext>
+              <a:ext uri="{C183D7F6-B498-43B3-948B-1728B52AA6E4}">
+                <adec:decorative xmlns:adec="http://schemas.microsoft.com/office/drawing/2017/decorative" val="1"/>
+              </a:ext>
+            </a:extLst>
+          </p:cNvPr>
+          <p:cNvSpPr>
+            <a:spLocks noGrp="1" noRot="1" noChangeAspect="1" noMove="1" noResize="1" noEditPoints="1" noAdjustHandles="1" noChangeArrowheads="1" noChangeShapeType="1" noTextEdit="1"/>
+          </p:cNvSpPr>
+          <p:nvPr>
+            <p:extLst>
+              <p:ext uri="{386F3935-93C4-4BCD-93E2-E3B085C9AB24}">
+                <p16:designElem xmlns:p16="http://schemas.microsoft.com/office/powerpoint/2015/main" val="1"/>
+              </p:ext>
+            </p:extLst>
+          </p:nvPr>
+        </p:nvSpPr>
+        <p:spPr>
+          <a:xfrm>
+            <a:off x="0" y="891540"/>
+            <a:ext cx="722376" cy="5071110"/>
+          </a:xfrm>
+          <a:prstGeom prst="rect">
+            <a:avLst/>
+          </a:prstGeom>
+          <a:solidFill>
+            <a:srgbClr val="4C5254"/>
+          </a:solidFill>
+          <a:ln>
+            <a:noFill/>
+          </a:ln>
+        </p:spPr>
+        <p:style>
+          <a:lnRef idx="2">
+            <a:schemeClr val="accent1">
+              <a:shade val="50000"/>
+            </a:schemeClr>
+          </a:lnRef>
+          <a:fillRef idx="1">
+            <a:schemeClr val="accent1"/>
+          </a:fillRef>
+          <a:effectRef idx="0">
+            <a:schemeClr val="accent1"/>
+          </a:effectRef>
+          <a:fontRef idx="minor">
+            <a:schemeClr val="lt1"/>
+          </a:fontRef>
+        </p:style>
+        <p:txBody>
+          <a:bodyPr rtlCol="0" anchor="ctr"/>
+          <a:lstStyle/>
+          <a:p>
+            <a:pPr algn="ctr"/>
+            <a:endParaRPr lang="en-US"/>
+          </a:p>
+        </p:txBody>
+      </p:sp>
+      <p:pic>
+        <p:nvPicPr>
+          <p:cNvPr id="4" name="Picture 3">
+            <a:extLst>
+              <a:ext uri="{FF2B5EF4-FFF2-40B4-BE49-F238E27FC236}">
+                <a16:creationId xmlns:a16="http://schemas.microsoft.com/office/drawing/2014/main" id="{177343F9-AD92-4E54-BF99-E754D618E9E7}"/>
+              </a:ext>
+            </a:extLst>
+          </p:cNvPr>
+          <p:cNvPicPr>
+            <a:picLocks noChangeAspect="1"/>
+          </p:cNvPicPr>
+          <p:nvPr/>
+        </p:nvPicPr>
+        <p:blipFill>
+          <a:blip r:embed="rId2"/>
+          <a:stretch>
+            <a:fillRect/>
+          </a:stretch>
+        </p:blipFill>
+        <p:spPr>
+          <a:xfrm>
+            <a:off x="1365855" y="1668183"/>
+            <a:ext cx="9934606" cy="1664046"/>
+          </a:xfrm>
+          <a:prstGeom prst="rect">
+            <a:avLst/>
+          </a:prstGeom>
+          <a:effectLst>
+            <a:outerShdw blurRad="406400" dist="317500" dir="5400000" sx="89000" sy="89000" rotWithShape="0">
+              <a:prstClr val="black">
+                <a:alpha val="15000"/>
+              </a:prstClr>
+            </a:outerShdw>
+          </a:effectLst>
+        </p:spPr>
+      </p:pic>
+    </p:spTree>
+    <p:extLst>
+      <p:ext uri="{BB962C8B-B14F-4D97-AF65-F5344CB8AC3E}">
+        <p14:creationId xmlns:p14="http://schemas.microsoft.com/office/powerpoint/2010/main" val="1594308202"/>
+      </p:ext>
+    </p:extLst>
+  </p:cSld>
+  <p:clrMapOvr>
+    <a:masterClrMapping/>
+  </p:clrMapOvr>
+</p:sld>
+</file>
+
+<file path=ppt/slides/slide21.xml><?xml version="1.0" encoding="utf-8"?>
+<p:sld xmlns:a="http://schemas.openxmlformats.org/drawingml/2006/main" xmlns:r="http://schemas.openxmlformats.org/officeDocument/2006/relationships" xmlns:p="http://schemas.openxmlformats.org/presentationml/2006/main">
+  <p:cSld>
+    <p:bg>
+      <p:bgPr>
+        <a:solidFill>
+          <a:schemeClr val="bg1"/>
+        </a:solidFill>
+        <a:effectLst/>
+      </p:bgPr>
+    </p:bg>
+    <p:spTree>
+      <p:nvGrpSpPr>
+        <p:cNvPr id="1" name=""/>
+        <p:cNvGrpSpPr/>
+        <p:nvPr/>
+      </p:nvGrpSpPr>
+      <p:grpSpPr>
+        <a:xfrm>
+          <a:off x="0" y="0"/>
+          <a:ext cx="0" cy="0"/>
+          <a:chOff x="0" y="0"/>
+          <a:chExt cx="0" cy="0"/>
+        </a:xfrm>
+      </p:grpSpPr>
+      <p:sp useBgFill="1">
+        <p:nvSpPr>
+          <p:cNvPr id="11" name="Rectangle 10">
+            <a:extLst>
+              <a:ext uri="{FF2B5EF4-FFF2-40B4-BE49-F238E27FC236}">
+                <a16:creationId xmlns:a16="http://schemas.microsoft.com/office/drawing/2014/main" id="{EB270761-CC40-4F3F-A916-7E3BC3989348}"/>
+              </a:ext>
+              <a:ext uri="{C183D7F6-B498-43B3-948B-1728B52AA6E4}">
+                <adec:decorative xmlns:adec="http://schemas.microsoft.com/office/drawing/2017/decorative" val="1"/>
+              </a:ext>
+            </a:extLst>
+          </p:cNvPr>
+          <p:cNvSpPr>
+            <a:spLocks noGrp="1" noRot="1" noChangeAspect="1" noMove="1" noResize="1" noEditPoints="1" noAdjustHandles="1" noChangeArrowheads="1" noChangeShapeType="1" noTextEdit="1"/>
+          </p:cNvSpPr>
+          <p:nvPr>
+            <p:extLst>
+              <p:ext uri="{386F3935-93C4-4BCD-93E2-E3B085C9AB24}">
+                <p16:designElem xmlns:p16="http://schemas.microsoft.com/office/powerpoint/2015/main" val="1"/>
+              </p:ext>
+            </p:extLst>
+          </p:nvPr>
+        </p:nvSpPr>
+        <p:spPr>
+          <a:xfrm>
+            <a:off x="-1" y="0"/>
+            <a:ext cx="12191695" cy="6858000"/>
+          </a:xfrm>
+          <a:prstGeom prst="rect">
+            <a:avLst/>
+          </a:prstGeom>
+          <a:ln>
+            <a:noFill/>
+          </a:ln>
+        </p:spPr>
+        <p:style>
+          <a:lnRef idx="2">
+            <a:schemeClr val="accent1">
+              <a:shade val="50000"/>
+            </a:schemeClr>
+          </a:lnRef>
+          <a:fillRef idx="1">
+            <a:schemeClr val="accent1"/>
+          </a:fillRef>
+          <a:effectRef idx="0">
+            <a:schemeClr val="accent1"/>
+          </a:effectRef>
+          <a:fontRef idx="minor">
+            <a:schemeClr val="lt1"/>
+          </a:fontRef>
+        </p:style>
+        <p:txBody>
+          <a:bodyPr rtlCol="0" anchor="ctr"/>
+          <a:lstStyle/>
+          <a:p>
+            <a:pPr algn="ctr"/>
+            <a:endParaRPr lang="en-US"/>
+          </a:p>
+        </p:txBody>
+      </p:sp>
+      <p:sp>
+        <p:nvSpPr>
+          <p:cNvPr id="2" name="Title 1">
+            <a:extLst>
+              <a:ext uri="{FF2B5EF4-FFF2-40B4-BE49-F238E27FC236}">
+                <a16:creationId xmlns:a16="http://schemas.microsoft.com/office/drawing/2014/main" id="{2850A7ED-96D2-417C-B903-C6CAE2CE7669}"/>
+              </a:ext>
+            </a:extLst>
+          </p:cNvPr>
+          <p:cNvSpPr>
+            <a:spLocks noGrp="1"/>
+          </p:cNvSpPr>
+          <p:nvPr>
+            <p:ph type="title"/>
+          </p:nvPr>
+        </p:nvSpPr>
+        <p:spPr>
+          <a:xfrm>
+            <a:off x="1366160" y="4376508"/>
+            <a:ext cx="9623404" cy="1257202"/>
+          </a:xfrm>
+        </p:spPr>
+        <p:txBody>
+          <a:bodyPr vert="horz" lIns="91440" tIns="45720" rIns="91440" bIns="45720" rtlCol="0" anchor="b">
+            <a:normAutofit/>
+          </a:bodyPr>
+          <a:lstStyle/>
+          <a:p>
+            <a:r>
+              <a:rPr lang="en-US" sz="6600" kern="1200" dirty="0">
+                <a:solidFill>
+                  <a:schemeClr val="tx1"/>
+                </a:solidFill>
+                <a:latin typeface="+mj-lt"/>
+                <a:ea typeface="+mj-ea"/>
+                <a:cs typeface="+mj-cs"/>
+              </a:rPr>
+              <a:t>Isomorphism</a:t>
+            </a:r>
+          </a:p>
+        </p:txBody>
+      </p:sp>
+      <p:sp>
+        <p:nvSpPr>
+          <p:cNvPr id="13" name="Rectangle 12">
+            <a:extLst>
+              <a:ext uri="{FF2B5EF4-FFF2-40B4-BE49-F238E27FC236}">
+                <a16:creationId xmlns:a16="http://schemas.microsoft.com/office/drawing/2014/main" id="{A2555B16-BE1D-4C33-A27C-FF0671B6C94C}"/>
+              </a:ext>
+              <a:ext uri="{C183D7F6-B498-43B3-948B-1728B52AA6E4}">
+                <adec:decorative xmlns:adec="http://schemas.microsoft.com/office/drawing/2017/decorative" val="1"/>
+              </a:ext>
+            </a:extLst>
+          </p:cNvPr>
+          <p:cNvSpPr>
+            <a:spLocks noGrp="1" noRot="1" noChangeAspect="1" noMove="1" noResize="1" noEditPoints="1" noAdjustHandles="1" noChangeArrowheads="1" noChangeShapeType="1" noTextEdit="1"/>
+          </p:cNvSpPr>
+          <p:nvPr>
+            <p:extLst>
+              <p:ext uri="{386F3935-93C4-4BCD-93E2-E3B085C9AB24}">
+                <p16:designElem xmlns:p16="http://schemas.microsoft.com/office/powerpoint/2015/main" val="1"/>
+              </p:ext>
+            </p:extLst>
+          </p:nvPr>
+        </p:nvSpPr>
+        <p:spPr>
+          <a:xfrm>
+            <a:off x="0" y="891540"/>
+            <a:ext cx="722376" cy="5071110"/>
+          </a:xfrm>
+          <a:prstGeom prst="rect">
+            <a:avLst/>
+          </a:prstGeom>
+          <a:solidFill>
+            <a:srgbClr val="4C5254"/>
+          </a:solidFill>
+          <a:ln>
+            <a:noFill/>
+          </a:ln>
+        </p:spPr>
+        <p:style>
+          <a:lnRef idx="2">
+            <a:schemeClr val="accent1">
+              <a:shade val="50000"/>
+            </a:schemeClr>
+          </a:lnRef>
+          <a:fillRef idx="1">
+            <a:schemeClr val="accent1"/>
+          </a:fillRef>
+          <a:effectRef idx="0">
+            <a:schemeClr val="accent1"/>
+          </a:effectRef>
+          <a:fontRef idx="minor">
+            <a:schemeClr val="lt1"/>
+          </a:fontRef>
+        </p:style>
+        <p:txBody>
+          <a:bodyPr rtlCol="0" anchor="ctr"/>
+          <a:lstStyle/>
+          <a:p>
+            <a:pPr algn="ctr"/>
+            <a:endParaRPr lang="en-US"/>
+          </a:p>
+        </p:txBody>
+      </p:sp>
+      <p:pic>
+        <p:nvPicPr>
+          <p:cNvPr id="6" name="Picture 5">
+            <a:extLst>
+              <a:ext uri="{FF2B5EF4-FFF2-40B4-BE49-F238E27FC236}">
+                <a16:creationId xmlns:a16="http://schemas.microsoft.com/office/drawing/2014/main" id="{7AE99F1D-800D-4B83-B3BD-6D467FF33D0C}"/>
+              </a:ext>
+            </a:extLst>
+          </p:cNvPr>
+          <p:cNvPicPr>
+            <a:picLocks noChangeAspect="1"/>
+          </p:cNvPicPr>
+          <p:nvPr/>
+        </p:nvPicPr>
+        <p:blipFill>
+          <a:blip r:embed="rId2"/>
+          <a:stretch>
+            <a:fillRect/>
+          </a:stretch>
+        </p:blipFill>
+        <p:spPr>
+          <a:xfrm>
+            <a:off x="1365855" y="1904130"/>
+            <a:ext cx="9934606" cy="1192153"/>
+          </a:xfrm>
+          <a:prstGeom prst="rect">
+            <a:avLst/>
+          </a:prstGeom>
+          <a:effectLst>
+            <a:outerShdw blurRad="406400" dist="317500" dir="5400000" sx="89000" sy="89000" rotWithShape="0">
+              <a:prstClr val="black">
+                <a:alpha val="15000"/>
+              </a:prstClr>
+            </a:outerShdw>
+          </a:effectLst>
+        </p:spPr>
+      </p:pic>
+    </p:spTree>
+    <p:extLst>
+      <p:ext uri="{BB962C8B-B14F-4D97-AF65-F5344CB8AC3E}">
+        <p14:creationId xmlns:p14="http://schemas.microsoft.com/office/powerpoint/2010/main" val="955675857"/>
+      </p:ext>
+    </p:extLst>
+  </p:cSld>
+  <p:clrMapOvr>
+    <a:masterClrMapping/>
+  </p:clrMapOvr>
+</p:sld>
+</file>
+
+<file path=ppt/slides/slide22.xml><?xml version="1.0" encoding="utf-8"?>
+<p:sld xmlns:a="http://schemas.openxmlformats.org/drawingml/2006/main" xmlns:r="http://schemas.openxmlformats.org/officeDocument/2006/relationships" xmlns:p="http://schemas.openxmlformats.org/presentationml/2006/main">
+  <p:cSld>
+    <p:bg>
+      <p:bgPr>
+        <a:solidFill>
+          <a:schemeClr val="bg1"/>
+        </a:solidFill>
+        <a:effectLst/>
+      </p:bgPr>
+    </p:bg>
+    <p:spTree>
+      <p:nvGrpSpPr>
+        <p:cNvPr id="1" name=""/>
+        <p:cNvGrpSpPr/>
+        <p:nvPr/>
+      </p:nvGrpSpPr>
+      <p:grpSpPr>
+        <a:xfrm>
+          <a:off x="0" y="0"/>
+          <a:ext cx="0" cy="0"/>
+          <a:chOff x="0" y="0"/>
+          <a:chExt cx="0" cy="0"/>
+        </a:xfrm>
+      </p:grpSpPr>
+      <p:sp useBgFill="1">
+        <p:nvSpPr>
+          <p:cNvPr id="9" name="Rectangle 8">
+            <a:extLst>
+              <a:ext uri="{FF2B5EF4-FFF2-40B4-BE49-F238E27FC236}">
+                <a16:creationId xmlns:a16="http://schemas.microsoft.com/office/drawing/2014/main" id="{EB270761-CC40-4F3F-A916-7E3BC3989348}"/>
+              </a:ext>
+              <a:ext uri="{C183D7F6-B498-43B3-948B-1728B52AA6E4}">
+                <adec:decorative xmlns:adec="http://schemas.microsoft.com/office/drawing/2017/decorative" val="1"/>
+              </a:ext>
+            </a:extLst>
+          </p:cNvPr>
+          <p:cNvSpPr>
+            <a:spLocks noGrp="1" noRot="1" noChangeAspect="1" noMove="1" noResize="1" noEditPoints="1" noAdjustHandles="1" noChangeArrowheads="1" noChangeShapeType="1" noTextEdit="1"/>
+          </p:cNvSpPr>
+          <p:nvPr>
+            <p:extLst>
+              <p:ext uri="{386F3935-93C4-4BCD-93E2-E3B085C9AB24}">
+                <p16:designElem xmlns:p16="http://schemas.microsoft.com/office/powerpoint/2015/main" val="1"/>
+              </p:ext>
+            </p:extLst>
+          </p:nvPr>
+        </p:nvSpPr>
+        <p:spPr>
+          <a:xfrm>
+            <a:off x="-1" y="0"/>
+            <a:ext cx="12191695" cy="6858000"/>
+          </a:xfrm>
+          <a:prstGeom prst="rect">
+            <a:avLst/>
+          </a:prstGeom>
+          <a:ln>
+            <a:noFill/>
+          </a:ln>
+        </p:spPr>
+        <p:style>
+          <a:lnRef idx="2">
+            <a:schemeClr val="accent1">
+              <a:shade val="50000"/>
+            </a:schemeClr>
+          </a:lnRef>
+          <a:fillRef idx="1">
+            <a:schemeClr val="accent1"/>
+          </a:fillRef>
+          <a:effectRef idx="0">
+            <a:schemeClr val="accent1"/>
+          </a:effectRef>
+          <a:fontRef idx="minor">
+            <a:schemeClr val="lt1"/>
+          </a:fontRef>
+        </p:style>
+        <p:txBody>
+          <a:bodyPr rtlCol="0" anchor="ctr"/>
+          <a:lstStyle/>
+          <a:p>
+            <a:pPr algn="ctr"/>
+            <a:endParaRPr lang="en-US"/>
+          </a:p>
+        </p:txBody>
+      </p:sp>
+      <p:sp>
+        <p:nvSpPr>
+          <p:cNvPr id="2" name="Title 1">
+            <a:extLst>
+              <a:ext uri="{FF2B5EF4-FFF2-40B4-BE49-F238E27FC236}">
+                <a16:creationId xmlns:a16="http://schemas.microsoft.com/office/drawing/2014/main" id="{55C4CDE4-E951-449C-A932-89AA243A481C}"/>
+              </a:ext>
+            </a:extLst>
+          </p:cNvPr>
+          <p:cNvSpPr>
+            <a:spLocks noGrp="1"/>
+          </p:cNvSpPr>
+          <p:nvPr>
+            <p:ph type="title"/>
+          </p:nvPr>
+        </p:nvSpPr>
+        <p:spPr>
+          <a:xfrm>
+            <a:off x="1366160" y="4376508"/>
+            <a:ext cx="9623404" cy="1257202"/>
+          </a:xfrm>
+        </p:spPr>
+        <p:txBody>
+          <a:bodyPr vert="horz" lIns="91440" tIns="45720" rIns="91440" bIns="45720" rtlCol="0" anchor="b">
+            <a:normAutofit/>
+          </a:bodyPr>
+          <a:lstStyle/>
+          <a:p>
+            <a:r>
+              <a:rPr lang="en-US" sz="4100" kern="1200" dirty="0">
+                <a:solidFill>
+                  <a:schemeClr val="tx1"/>
+                </a:solidFill>
+                <a:latin typeface="+mj-lt"/>
+                <a:ea typeface="+mj-ea"/>
+                <a:cs typeface="+mj-cs"/>
+              </a:rPr>
+              <a:t>Invertible Linear Transformation and Standard </a:t>
+            </a:r>
+            <a:r>
+              <a:rPr lang="en-US" sz="4100" dirty="0"/>
+              <a:t>M</a:t>
+            </a:r>
+            <a:r>
+              <a:rPr lang="en-US" sz="4100" kern="1200" dirty="0">
+                <a:solidFill>
+                  <a:schemeClr val="tx1"/>
+                </a:solidFill>
+                <a:latin typeface="+mj-lt"/>
+                <a:ea typeface="+mj-ea"/>
+                <a:cs typeface="+mj-cs"/>
+              </a:rPr>
+              <a:t>atrix</a:t>
+            </a:r>
+          </a:p>
+        </p:txBody>
+      </p:sp>
+      <p:sp>
+        <p:nvSpPr>
+          <p:cNvPr id="11" name="Rectangle 10">
+            <a:extLst>
+              <a:ext uri="{FF2B5EF4-FFF2-40B4-BE49-F238E27FC236}">
+                <a16:creationId xmlns:a16="http://schemas.microsoft.com/office/drawing/2014/main" id="{A2555B16-BE1D-4C33-A27C-FF0671B6C94C}"/>
+              </a:ext>
+              <a:ext uri="{C183D7F6-B498-43B3-948B-1728B52AA6E4}">
+                <adec:decorative xmlns:adec="http://schemas.microsoft.com/office/drawing/2017/decorative" val="1"/>
+              </a:ext>
+            </a:extLst>
+          </p:cNvPr>
+          <p:cNvSpPr>
+            <a:spLocks noGrp="1" noRot="1" noChangeAspect="1" noMove="1" noResize="1" noEditPoints="1" noAdjustHandles="1" noChangeArrowheads="1" noChangeShapeType="1" noTextEdit="1"/>
+          </p:cNvSpPr>
+          <p:nvPr>
+            <p:extLst>
+              <p:ext uri="{386F3935-93C4-4BCD-93E2-E3B085C9AB24}">
+                <p16:designElem xmlns:p16="http://schemas.microsoft.com/office/powerpoint/2015/main" val="1"/>
+              </p:ext>
+            </p:extLst>
+          </p:nvPr>
+        </p:nvSpPr>
+        <p:spPr>
+          <a:xfrm>
+            <a:off x="0" y="891540"/>
+            <a:ext cx="722376" cy="5071110"/>
+          </a:xfrm>
+          <a:prstGeom prst="rect">
+            <a:avLst/>
+          </a:prstGeom>
+          <a:solidFill>
+            <a:srgbClr val="4C5254"/>
+          </a:solidFill>
+          <a:ln>
+            <a:noFill/>
+          </a:ln>
+        </p:spPr>
+        <p:style>
+          <a:lnRef idx="2">
+            <a:schemeClr val="accent1">
+              <a:shade val="50000"/>
+            </a:schemeClr>
+          </a:lnRef>
+          <a:fillRef idx="1">
+            <a:schemeClr val="accent1"/>
+          </a:fillRef>
+          <a:effectRef idx="0">
+            <a:schemeClr val="accent1"/>
+          </a:effectRef>
+          <a:fontRef idx="minor">
+            <a:schemeClr val="lt1"/>
+          </a:fontRef>
+        </p:style>
+        <p:txBody>
+          <a:bodyPr rtlCol="0" anchor="ctr"/>
+          <a:lstStyle/>
+          <a:p>
+            <a:pPr algn="ctr"/>
+            <a:endParaRPr lang="en-US"/>
+          </a:p>
+        </p:txBody>
+      </p:sp>
+      <p:pic>
+        <p:nvPicPr>
+          <p:cNvPr id="4" name="Picture 3">
+            <a:extLst>
+              <a:ext uri="{FF2B5EF4-FFF2-40B4-BE49-F238E27FC236}">
+                <a16:creationId xmlns:a16="http://schemas.microsoft.com/office/drawing/2014/main" id="{71397B19-8B36-4F9A-837A-8B9638FAEAC6}"/>
+              </a:ext>
+            </a:extLst>
+          </p:cNvPr>
+          <p:cNvPicPr>
+            <a:picLocks noChangeAspect="1"/>
+          </p:cNvPicPr>
+          <p:nvPr/>
+        </p:nvPicPr>
+        <p:blipFill>
+          <a:blip r:embed="rId2"/>
+          <a:stretch>
+            <a:fillRect/>
+          </a:stretch>
+        </p:blipFill>
+        <p:spPr>
+          <a:xfrm>
+            <a:off x="1365855" y="1941385"/>
+            <a:ext cx="9934606" cy="1117643"/>
+          </a:xfrm>
+          <a:prstGeom prst="rect">
+            <a:avLst/>
+          </a:prstGeom>
+          <a:effectLst>
+            <a:outerShdw blurRad="406400" dist="317500" dir="5400000" sx="89000" sy="89000" rotWithShape="0">
+              <a:prstClr val="black">
+                <a:alpha val="15000"/>
+              </a:prstClr>
+            </a:outerShdw>
+          </a:effectLst>
+        </p:spPr>
+      </p:pic>
+    </p:spTree>
+    <p:extLst>
+      <p:ext uri="{BB962C8B-B14F-4D97-AF65-F5344CB8AC3E}">
+        <p14:creationId xmlns:p14="http://schemas.microsoft.com/office/powerpoint/2010/main" val="1125068611"/>
+      </p:ext>
+    </p:extLst>
+  </p:cSld>
+  <p:clrMapOvr>
+    <a:masterClrMapping/>
+  </p:clrMapOvr>
+</p:sld>
+</file>
+
+<file path=ppt/slides/slide23.xml><?xml version="1.0" encoding="utf-8"?>
+<p:sld xmlns:a="http://schemas.openxmlformats.org/drawingml/2006/main" xmlns:r="http://schemas.openxmlformats.org/officeDocument/2006/relationships" xmlns:p="http://schemas.openxmlformats.org/presentationml/2006/main">
+  <p:cSld>
+    <p:spTree>
+      <p:nvGrpSpPr>
+        <p:cNvPr id="1" name=""/>
+        <p:cNvGrpSpPr/>
+        <p:nvPr/>
+      </p:nvGrpSpPr>
+      <p:grpSpPr>
+        <a:xfrm>
+          <a:off x="0" y="0"/>
+          <a:ext cx="0" cy="0"/>
+          <a:chOff x="0" y="0"/>
+          <a:chExt cx="0" cy="0"/>
+        </a:xfrm>
+      </p:grpSpPr>
+      <p:sp>
+        <p:nvSpPr>
+          <p:cNvPr id="2" name="Title 1">
+            <a:extLst>
+              <a:ext uri="{FF2B5EF4-FFF2-40B4-BE49-F238E27FC236}">
+                <a16:creationId xmlns:a16="http://schemas.microsoft.com/office/drawing/2014/main" id="{888F8FB0-8E20-4D8F-AA61-40944173C802}"/>
+              </a:ext>
+            </a:extLst>
+          </p:cNvPr>
+          <p:cNvSpPr>
+            <a:spLocks noGrp="1"/>
+          </p:cNvSpPr>
+          <p:nvPr>
+            <p:ph type="title"/>
+          </p:nvPr>
+        </p:nvSpPr>
+        <p:spPr/>
+        <p:txBody>
+          <a:bodyPr/>
+          <a:lstStyle/>
+          <a:p>
+            <a:endParaRPr lang="en-US"/>
+          </a:p>
+        </p:txBody>
+      </p:sp>
+    </p:spTree>
+    <p:extLst>
+      <p:ext uri="{BB962C8B-B14F-4D97-AF65-F5344CB8AC3E}">
+        <p14:creationId xmlns:p14="http://schemas.microsoft.com/office/powerpoint/2010/main" val="1070451020"/>
+      </p:ext>
+    </p:extLst>
+  </p:cSld>
+  <p:clrMapOvr>
+    <a:masterClrMapping/>
+  </p:clrMapOvr>
+</p:sld>
+</file>
+
+<file path=ppt/slides/slide24.xml><?xml version="1.0" encoding="utf-8"?>
+<p:sld xmlns:a="http://schemas.openxmlformats.org/drawingml/2006/main" xmlns:r="http://schemas.openxmlformats.org/officeDocument/2006/relationships" xmlns:p="http://schemas.openxmlformats.org/presentationml/2006/main">
+  <p:cSld>
+    <p:spTree>
+      <p:nvGrpSpPr>
+        <p:cNvPr id="1" name=""/>
+        <p:cNvGrpSpPr/>
+        <p:nvPr/>
+      </p:nvGrpSpPr>
+      <p:grpSpPr>
+        <a:xfrm>
+          <a:off x="0" y="0"/>
+          <a:ext cx="0" cy="0"/>
+          <a:chOff x="0" y="0"/>
+          <a:chExt cx="0" cy="0"/>
+        </a:xfrm>
+      </p:grpSpPr>
+      <p:sp>
+        <p:nvSpPr>
+          <p:cNvPr id="2" name="Title 1">
+            <a:extLst>
+              <a:ext uri="{FF2B5EF4-FFF2-40B4-BE49-F238E27FC236}">
+                <a16:creationId xmlns:a16="http://schemas.microsoft.com/office/drawing/2014/main" id="{E2A30878-7531-452D-9EE5-AC3CB34AE565}"/>
+              </a:ext>
+            </a:extLst>
+          </p:cNvPr>
+          <p:cNvSpPr>
+            <a:spLocks noGrp="1"/>
+          </p:cNvSpPr>
+          <p:nvPr>
+            <p:ph type="title"/>
+          </p:nvPr>
+        </p:nvSpPr>
+        <p:spPr/>
+        <p:txBody>
+          <a:bodyPr/>
+          <a:lstStyle/>
+          <a:p>
+            <a:endParaRPr lang="en-US"/>
+          </a:p>
+        </p:txBody>
+      </p:sp>
+    </p:spTree>
+    <p:extLst>
+      <p:ext uri="{BB962C8B-B14F-4D97-AF65-F5344CB8AC3E}">
+        <p14:creationId xmlns:p14="http://schemas.microsoft.com/office/powerpoint/2010/main" val="3924658005"/>
+      </p:ext>
+    </p:extLst>
+  </p:cSld>
+  <p:clrMapOvr>
+    <a:masterClrMapping/>
+  </p:clrMapOvr>
+</p:sld>
+</file>
+
+<file path=ppt/slides/slide25.xml><?xml version="1.0" encoding="utf-8"?>
+<p:sld xmlns:a="http://schemas.openxmlformats.org/drawingml/2006/main" xmlns:r="http://schemas.openxmlformats.org/officeDocument/2006/relationships" xmlns:p="http://schemas.openxmlformats.org/presentationml/2006/main">
+  <p:cSld>
+    <p:spTree>
+      <p:nvGrpSpPr>
+        <p:cNvPr id="1" name=""/>
+        <p:cNvGrpSpPr/>
+        <p:nvPr/>
+      </p:nvGrpSpPr>
+      <p:grpSpPr>
+        <a:xfrm>
+          <a:off x="0" y="0"/>
+          <a:ext cx="0" cy="0"/>
+          <a:chOff x="0" y="0"/>
+          <a:chExt cx="0" cy="0"/>
+        </a:xfrm>
+      </p:grpSpPr>
+      <p:sp>
+        <p:nvSpPr>
+          <p:cNvPr id="2" name="Title 1">
+            <a:extLst>
+              <a:ext uri="{FF2B5EF4-FFF2-40B4-BE49-F238E27FC236}">
+                <a16:creationId xmlns:a16="http://schemas.microsoft.com/office/drawing/2014/main" id="{6EFA2E8B-CA8F-40AD-AC05-3230142BD5E0}"/>
+              </a:ext>
+            </a:extLst>
+          </p:cNvPr>
+          <p:cNvSpPr>
+            <a:spLocks noGrp="1"/>
+          </p:cNvSpPr>
+          <p:nvPr>
+            <p:ph type="title"/>
+          </p:nvPr>
+        </p:nvSpPr>
+        <p:spPr/>
+        <p:txBody>
+          <a:bodyPr/>
+          <a:lstStyle/>
+          <a:p>
+            <a:endParaRPr lang="en-US"/>
+          </a:p>
+        </p:txBody>
+      </p:sp>
+    </p:spTree>
+    <p:extLst>
+      <p:ext uri="{BB962C8B-B14F-4D97-AF65-F5344CB8AC3E}">
+        <p14:creationId xmlns:p14="http://schemas.microsoft.com/office/powerpoint/2010/main" val="2308443354"/>
+      </p:ext>
+    </p:extLst>
+  </p:cSld>
+  <p:clrMapOvr>
+    <a:masterClrMapping/>
+  </p:clrMapOvr>
+</p:sld>
+</file>
+
+<file path=ppt/slides/slide26.xml><?xml version="1.0" encoding="utf-8"?>
+<p:sld xmlns:a="http://schemas.openxmlformats.org/drawingml/2006/main" xmlns:r="http://schemas.openxmlformats.org/officeDocument/2006/relationships" xmlns:p="http://schemas.openxmlformats.org/presentationml/2006/main">
+  <p:cSld>
+    <p:spTree>
+      <p:nvGrpSpPr>
+        <p:cNvPr id="1" name=""/>
+        <p:cNvGrpSpPr/>
+        <p:nvPr/>
+      </p:nvGrpSpPr>
+      <p:grpSpPr>
+        <a:xfrm>
+          <a:off x="0" y="0"/>
+          <a:ext cx="0" cy="0"/>
+          <a:chOff x="0" y="0"/>
+          <a:chExt cx="0" cy="0"/>
+        </a:xfrm>
+      </p:grpSpPr>
+      <p:sp>
+        <p:nvSpPr>
+          <p:cNvPr id="2" name="Title 1">
+            <a:extLst>
+              <a:ext uri="{FF2B5EF4-FFF2-40B4-BE49-F238E27FC236}">
+                <a16:creationId xmlns:a16="http://schemas.microsoft.com/office/drawing/2014/main" id="{27AEA607-A0F9-4168-8DD6-2B5F01670AE9}"/>
+              </a:ext>
+            </a:extLst>
+          </p:cNvPr>
+          <p:cNvSpPr>
+            <a:spLocks noGrp="1"/>
+          </p:cNvSpPr>
+          <p:nvPr>
+            <p:ph type="title"/>
+          </p:nvPr>
+        </p:nvSpPr>
+        <p:spPr/>
+        <p:txBody>
+          <a:bodyPr/>
+          <a:lstStyle/>
+          <a:p>
+            <a:endParaRPr lang="en-US"/>
+          </a:p>
+        </p:txBody>
+      </p:sp>
+    </p:spTree>
+    <p:extLst>
+      <p:ext uri="{BB962C8B-B14F-4D97-AF65-F5344CB8AC3E}">
+        <p14:creationId xmlns:p14="http://schemas.microsoft.com/office/powerpoint/2010/main" val="2063718745"/>
       </p:ext>
     </p:extLst>
   </p:cSld>
@@ -9399,18 +10785,18 @@
 </file>
 
 <file path=customXml/item2.xml><?xml version="1.0" encoding="utf-8"?>
+<p:properties xmlns:p="http://schemas.microsoft.com/office/2006/metadata/properties" xmlns:xsi="http://www.w3.org/2001/XMLSchema-instance" xmlns:pc="http://schemas.microsoft.com/office/infopath/2007/PartnerControls">
+  <documentManagement/>
+</p:properties>
+</file>
+
+<file path=customXml/item3.xml><?xml version="1.0" encoding="utf-8"?>
 <?mso-contentType ?>
 <FormTemplates xmlns="http://schemas.microsoft.com/sharepoint/v3/contenttype/forms">
   <Display>DocumentLibraryForm</Display>
   <Edit>DocumentLibraryForm</Edit>
   <New>DocumentLibraryForm</New>
 </FormTemplates>
-</file>
-
-<file path=customXml/item3.xml><?xml version="1.0" encoding="utf-8"?>
-<p:properties xmlns:p="http://schemas.microsoft.com/office/2006/metadata/properties" xmlns:xsi="http://www.w3.org/2001/XMLSchema-instance" xmlns:pc="http://schemas.microsoft.com/office/infopath/2007/PartnerControls">
-  <documentManagement/>
-</p:properties>
 </file>
 
 <file path=customXml/itemProps1.xml><?xml version="1.0" encoding="utf-8"?>
@@ -9432,14 +10818,6 @@
 </file>
 
 <file path=customXml/itemProps2.xml><?xml version="1.0" encoding="utf-8"?>
-<ds:datastoreItem xmlns:ds="http://schemas.openxmlformats.org/officeDocument/2006/customXml" ds:itemID="{97011689-39C2-4FF2-8A9A-B371DB6366C2}">
-  <ds:schemaRefs>
-    <ds:schemaRef ds:uri="http://schemas.microsoft.com/sharepoint/v3/contenttype/forms"/>
-  </ds:schemaRefs>
-</ds:datastoreItem>
-</file>
-
-<file path=customXml/itemProps3.xml><?xml version="1.0" encoding="utf-8"?>
 <ds:datastoreItem xmlns:ds="http://schemas.openxmlformats.org/officeDocument/2006/customXml" ds:itemID="{B1A9F696-FA5F-4B34-B731-F825EC19C60A}">
   <ds:schemaRefs>
     <ds:schemaRef ds:uri="http://purl.org/dc/dcmitype/"/>
@@ -9453,4 +10831,12 @@
     <ds:schemaRef ds:uri="http://schemas.microsoft.com/office/2006/metadata/properties"/>
   </ds:schemaRefs>
 </ds:datastoreItem>
+</file>
+
+<file path=customXml/itemProps3.xml><?xml version="1.0" encoding="utf-8"?>
+<ds:datastoreItem xmlns:ds="http://schemas.openxmlformats.org/officeDocument/2006/customXml" ds:itemID="{97011689-39C2-4FF2-8A9A-B371DB6366C2}">
+  <ds:schemaRefs>
+    <ds:schemaRef ds:uri="http://schemas.microsoft.com/sharepoint/v3/contenttype/forms"/>
+  </ds:schemaRefs>
+</ds:datastoreItem>
 </file>
--- a/Unit 3-4 Theorems.pptx
+++ b/Unit 3-4 Theorems.pptx
@@ -4,33 +4,36 @@
   <p:sldMasterIdLst>
     <p:sldMasterId id="2147483648" r:id="rId4"/>
   </p:sldMasterIdLst>
+  <p:notesMasterIdLst>
+    <p:notesMasterId r:id="rId31"/>
+  </p:notesMasterIdLst>
   <p:sldIdLst>
     <p:sldId id="256" r:id="rId5"/>
     <p:sldId id="273" r:id="rId6"/>
     <p:sldId id="272" r:id="rId7"/>
-    <p:sldId id="257" r:id="rId8"/>
-    <p:sldId id="258" r:id="rId9"/>
-    <p:sldId id="259" r:id="rId10"/>
-    <p:sldId id="260" r:id="rId11"/>
-    <p:sldId id="261" r:id="rId12"/>
-    <p:sldId id="262" r:id="rId13"/>
-    <p:sldId id="263" r:id="rId14"/>
-    <p:sldId id="264" r:id="rId15"/>
-    <p:sldId id="265" r:id="rId16"/>
-    <p:sldId id="266" r:id="rId17"/>
-    <p:sldId id="267" r:id="rId18"/>
-    <p:sldId id="275" r:id="rId19"/>
-    <p:sldId id="268" r:id="rId20"/>
-    <p:sldId id="269" r:id="rId21"/>
-    <p:sldId id="270" r:id="rId22"/>
-    <p:sldId id="271" r:id="rId23"/>
-    <p:sldId id="276" r:id="rId24"/>
-    <p:sldId id="277" r:id="rId25"/>
-    <p:sldId id="278" r:id="rId26"/>
-    <p:sldId id="279" r:id="rId27"/>
-    <p:sldId id="280" r:id="rId28"/>
-    <p:sldId id="281" r:id="rId29"/>
-    <p:sldId id="282" r:id="rId30"/>
+    <p:sldId id="258" r:id="rId8"/>
+    <p:sldId id="259" r:id="rId9"/>
+    <p:sldId id="260" r:id="rId10"/>
+    <p:sldId id="261" r:id="rId11"/>
+    <p:sldId id="262" r:id="rId12"/>
+    <p:sldId id="263" r:id="rId13"/>
+    <p:sldId id="264" r:id="rId14"/>
+    <p:sldId id="265" r:id="rId15"/>
+    <p:sldId id="266" r:id="rId16"/>
+    <p:sldId id="267" r:id="rId17"/>
+    <p:sldId id="275" r:id="rId18"/>
+    <p:sldId id="268" r:id="rId19"/>
+    <p:sldId id="269" r:id="rId20"/>
+    <p:sldId id="270" r:id="rId21"/>
+    <p:sldId id="271" r:id="rId22"/>
+    <p:sldId id="276" r:id="rId23"/>
+    <p:sldId id="277" r:id="rId24"/>
+    <p:sldId id="278" r:id="rId25"/>
+    <p:sldId id="283" r:id="rId26"/>
+    <p:sldId id="280" r:id="rId27"/>
+    <p:sldId id="284" r:id="rId28"/>
+    <p:sldId id="282" r:id="rId29"/>
+    <p:sldId id="285" r:id="rId30"/>
   </p:sldIdLst>
   <p:sldSz cx="12192000" cy="6858000"/>
   <p:notesSz cx="6858000" cy="9144000"/>
@@ -152,7 +155,7 @@
 <file path=ppt/revisionInfo.xml><?xml version="1.0" encoding="utf-8"?>
 <p1510:revInfo xmlns:a="http://schemas.openxmlformats.org/drawingml/2006/main" xmlns:r="http://schemas.openxmlformats.org/officeDocument/2006/relationships" xmlns:p1510="http://schemas.microsoft.com/office/powerpoint/2015/10/main">
   <p1510:revLst>
-    <p1510:client id="{80965980-7CDF-4379-9A6F-B1F09123E494}" v="1" dt="2021-03-09T18:25:33.936"/>
+    <p1510:client id="{80965980-7CDF-4379-9A6F-B1F09123E494}" v="1014" dt="2021-03-20T19:57:19.288"/>
   </p1510:revLst>
 </p1510:revInfo>
 </file>
@@ -162,10 +165,165 @@
   <pc:docChgLst>
     <pc:chgData name="Chen, Jeff" userId="9a3224f5-9893-4468-acd0-6d03119f890b" providerId="ADAL" clId="{80965980-7CDF-4379-9A6F-B1F09123E494}"/>
     <pc:docChg chg="custSel addSld delSld modSld">
-      <pc:chgData name="Chen, Jeff" userId="9a3224f5-9893-4468-acd0-6d03119f890b" providerId="ADAL" clId="{80965980-7CDF-4379-9A6F-B1F09123E494}" dt="2021-03-09T18:25:33.935" v="221"/>
+      <pc:chgData name="Chen, Jeff" userId="9a3224f5-9893-4468-acd0-6d03119f890b" providerId="ADAL" clId="{80965980-7CDF-4379-9A6F-B1F09123E494}" dt="2021-03-20T20:00:10.118" v="2734" actId="20577"/>
       <pc:docMkLst>
         <pc:docMk/>
       </pc:docMkLst>
+      <pc:sldChg chg="addSp delSp modSp mod modNotesTx">
+        <pc:chgData name="Chen, Jeff" userId="9a3224f5-9893-4468-acd0-6d03119f890b" providerId="ADAL" clId="{80965980-7CDF-4379-9A6F-B1F09123E494}" dt="2021-03-20T19:54:20.571" v="2563" actId="478"/>
+        <pc:sldMkLst>
+          <pc:docMk/>
+          <pc:sldMk cId="29733914" sldId="256"/>
+        </pc:sldMkLst>
+        <pc:picChg chg="add del mod">
+          <ac:chgData name="Chen, Jeff" userId="9a3224f5-9893-4468-acd0-6d03119f890b" providerId="ADAL" clId="{80965980-7CDF-4379-9A6F-B1F09123E494}" dt="2021-03-20T19:54:20.571" v="2563" actId="478"/>
+          <ac:picMkLst>
+            <pc:docMk/>
+            <pc:sldMk cId="29733914" sldId="256"/>
+            <ac:picMk id="3" creationId="{D88CB668-8EE9-472F-896E-F3FF46AF7920}"/>
+          </ac:picMkLst>
+        </pc:picChg>
+      </pc:sldChg>
+      <pc:sldChg chg="del mod modShow modNotesTx">
+        <pc:chgData name="Chen, Jeff" userId="9a3224f5-9893-4468-acd0-6d03119f890b" providerId="ADAL" clId="{80965980-7CDF-4379-9A6F-B1F09123E494}" dt="2021-03-20T18:06:23.093" v="769" actId="2696"/>
+        <pc:sldMkLst>
+          <pc:docMk/>
+          <pc:sldMk cId="3436881607" sldId="257"/>
+        </pc:sldMkLst>
+      </pc:sldChg>
+      <pc:sldChg chg="delSp modSp mod modNotesTx">
+        <pc:chgData name="Chen, Jeff" userId="9a3224f5-9893-4468-acd0-6d03119f890b" providerId="ADAL" clId="{80965980-7CDF-4379-9A6F-B1F09123E494}" dt="2021-03-20T18:06:38.901" v="770" actId="1076"/>
+        <pc:sldMkLst>
+          <pc:docMk/>
+          <pc:sldMk cId="2757558888" sldId="258"/>
+        </pc:sldMkLst>
+        <pc:spChg chg="mod">
+          <ac:chgData name="Chen, Jeff" userId="9a3224f5-9893-4468-acd0-6d03119f890b" providerId="ADAL" clId="{80965980-7CDF-4379-9A6F-B1F09123E494}" dt="2021-03-20T18:06:38.901" v="770" actId="1076"/>
+          <ac:spMkLst>
+            <pc:docMk/>
+            <pc:sldMk cId="2757558888" sldId="258"/>
+            <ac:spMk id="2" creationId="{680F8C69-9CA1-4A6F-A404-62AF57BFA10A}"/>
+          </ac:spMkLst>
+        </pc:spChg>
+        <pc:spChg chg="del">
+          <ac:chgData name="Chen, Jeff" userId="9a3224f5-9893-4468-acd0-6d03119f890b" providerId="ADAL" clId="{80965980-7CDF-4379-9A6F-B1F09123E494}" dt="2021-03-20T18:05:52.987" v="766" actId="478"/>
+          <ac:spMkLst>
+            <pc:docMk/>
+            <pc:sldMk cId="2757558888" sldId="258"/>
+            <ac:spMk id="5" creationId="{A48E6A68-96F3-4FC9-B61D-D1224EB71820}"/>
+          </ac:spMkLst>
+        </pc:spChg>
+      </pc:sldChg>
+      <pc:sldChg chg="modSp mod modNotesTx">
+        <pc:chgData name="Chen, Jeff" userId="9a3224f5-9893-4468-acd0-6d03119f890b" providerId="ADAL" clId="{80965980-7CDF-4379-9A6F-B1F09123E494}" dt="2021-03-20T18:17:17.433" v="1405" actId="1076"/>
+        <pc:sldMkLst>
+          <pc:docMk/>
+          <pc:sldMk cId="1991670598" sldId="259"/>
+        </pc:sldMkLst>
+        <pc:spChg chg="mod">
+          <ac:chgData name="Chen, Jeff" userId="9a3224f5-9893-4468-acd0-6d03119f890b" providerId="ADAL" clId="{80965980-7CDF-4379-9A6F-B1F09123E494}" dt="2021-03-20T18:17:17.433" v="1405" actId="1076"/>
+          <ac:spMkLst>
+            <pc:docMk/>
+            <pc:sldMk cId="1991670598" sldId="259"/>
+            <ac:spMk id="2" creationId="{20B5CE18-CA98-4B05-A4D5-CCA115C9B431}"/>
+          </ac:spMkLst>
+        </pc:spChg>
+      </pc:sldChg>
+      <pc:sldChg chg="modSp mod modNotesTx">
+        <pc:chgData name="Chen, Jeff" userId="9a3224f5-9893-4468-acd0-6d03119f890b" providerId="ADAL" clId="{80965980-7CDF-4379-9A6F-B1F09123E494}" dt="2021-03-20T18:16:51.875" v="1376" actId="20577"/>
+        <pc:sldMkLst>
+          <pc:docMk/>
+          <pc:sldMk cId="812683747" sldId="260"/>
+        </pc:sldMkLst>
+        <pc:spChg chg="mod">
+          <ac:chgData name="Chen, Jeff" userId="9a3224f5-9893-4468-acd0-6d03119f890b" providerId="ADAL" clId="{80965980-7CDF-4379-9A6F-B1F09123E494}" dt="2021-03-20T18:16:51.875" v="1376" actId="20577"/>
+          <ac:spMkLst>
+            <pc:docMk/>
+            <pc:sldMk cId="812683747" sldId="260"/>
+            <ac:spMk id="2" creationId="{07C7CC1C-7727-407C-BE37-78148E72947D}"/>
+          </ac:spMkLst>
+        </pc:spChg>
+      </pc:sldChg>
+      <pc:sldChg chg="modSp mod modNotesTx">
+        <pc:chgData name="Chen, Jeff" userId="9a3224f5-9893-4468-acd0-6d03119f890b" providerId="ADAL" clId="{80965980-7CDF-4379-9A6F-B1F09123E494}" dt="2021-03-20T18:16:38.907" v="1367" actId="20577"/>
+        <pc:sldMkLst>
+          <pc:docMk/>
+          <pc:sldMk cId="1853451456" sldId="261"/>
+        </pc:sldMkLst>
+        <pc:spChg chg="mod">
+          <ac:chgData name="Chen, Jeff" userId="9a3224f5-9893-4468-acd0-6d03119f890b" providerId="ADAL" clId="{80965980-7CDF-4379-9A6F-B1F09123E494}" dt="2021-03-20T18:16:38.907" v="1367" actId="20577"/>
+          <ac:spMkLst>
+            <pc:docMk/>
+            <pc:sldMk cId="1853451456" sldId="261"/>
+            <ac:spMk id="2" creationId="{ACB835E5-0992-455E-8EC2-8CBED764D737}"/>
+          </ac:spMkLst>
+        </pc:spChg>
+      </pc:sldChg>
+      <pc:sldChg chg="modSp mod modNotesTx">
+        <pc:chgData name="Chen, Jeff" userId="9a3224f5-9893-4468-acd0-6d03119f890b" providerId="ADAL" clId="{80965980-7CDF-4379-9A6F-B1F09123E494}" dt="2021-03-20T18:16:19.129" v="1358" actId="20577"/>
+        <pc:sldMkLst>
+          <pc:docMk/>
+          <pc:sldMk cId="1416143624" sldId="262"/>
+        </pc:sldMkLst>
+        <pc:spChg chg="mod">
+          <ac:chgData name="Chen, Jeff" userId="9a3224f5-9893-4468-acd0-6d03119f890b" providerId="ADAL" clId="{80965980-7CDF-4379-9A6F-B1F09123E494}" dt="2021-03-20T18:16:19.129" v="1358" actId="20577"/>
+          <ac:spMkLst>
+            <pc:docMk/>
+            <pc:sldMk cId="1416143624" sldId="262"/>
+            <ac:spMk id="2" creationId="{ACD2A192-E2B9-4439-ABD6-CB6A9D20A011}"/>
+          </ac:spMkLst>
+        </pc:spChg>
+      </pc:sldChg>
+      <pc:sldChg chg="modNotesTx">
+        <pc:chgData name="Chen, Jeff" userId="9a3224f5-9893-4468-acd0-6d03119f890b" providerId="ADAL" clId="{80965980-7CDF-4379-9A6F-B1F09123E494}" dt="2021-03-20T18:28:31.658" v="1550" actId="20577"/>
+        <pc:sldMkLst>
+          <pc:docMk/>
+          <pc:sldMk cId="1496410469" sldId="263"/>
+        </pc:sldMkLst>
+      </pc:sldChg>
+      <pc:sldChg chg="modNotesTx">
+        <pc:chgData name="Chen, Jeff" userId="9a3224f5-9893-4468-acd0-6d03119f890b" providerId="ADAL" clId="{80965980-7CDF-4379-9A6F-B1F09123E494}" dt="2021-03-20T18:37:56.506" v="1857" actId="20577"/>
+        <pc:sldMkLst>
+          <pc:docMk/>
+          <pc:sldMk cId="2795545218" sldId="264"/>
+        </pc:sldMkLst>
+      </pc:sldChg>
+      <pc:sldChg chg="modNotesTx">
+        <pc:chgData name="Chen, Jeff" userId="9a3224f5-9893-4468-acd0-6d03119f890b" providerId="ADAL" clId="{80965980-7CDF-4379-9A6F-B1F09123E494}" dt="2021-03-20T18:40:49.977" v="1987" actId="20577"/>
+        <pc:sldMkLst>
+          <pc:docMk/>
+          <pc:sldMk cId="873162044" sldId="265"/>
+        </pc:sldMkLst>
+      </pc:sldChg>
+      <pc:sldChg chg="modNotesTx">
+        <pc:chgData name="Chen, Jeff" userId="9a3224f5-9893-4468-acd0-6d03119f890b" providerId="ADAL" clId="{80965980-7CDF-4379-9A6F-B1F09123E494}" dt="2021-03-20T18:50:09.887" v="2313" actId="20577"/>
+        <pc:sldMkLst>
+          <pc:docMk/>
+          <pc:sldMk cId="456529095" sldId="266"/>
+        </pc:sldMkLst>
+      </pc:sldChg>
+      <pc:sldChg chg="modNotesTx">
+        <pc:chgData name="Chen, Jeff" userId="9a3224f5-9893-4468-acd0-6d03119f890b" providerId="ADAL" clId="{80965980-7CDF-4379-9A6F-B1F09123E494}" dt="2021-03-20T19:03:52.315" v="2445" actId="20577"/>
+        <pc:sldMkLst>
+          <pc:docMk/>
+          <pc:sldMk cId="770335875" sldId="267"/>
+        </pc:sldMkLst>
+      </pc:sldChg>
+      <pc:sldChg chg="modSp mod">
+        <pc:chgData name="Chen, Jeff" userId="9a3224f5-9893-4468-acd0-6d03119f890b" providerId="ADAL" clId="{80965980-7CDF-4379-9A6F-B1F09123E494}" dt="2021-03-20T19:05:34.868" v="2446" actId="1076"/>
+        <pc:sldMkLst>
+          <pc:docMk/>
+          <pc:sldMk cId="3451654432" sldId="269"/>
+        </pc:sldMkLst>
+        <pc:spChg chg="mod">
+          <ac:chgData name="Chen, Jeff" userId="9a3224f5-9893-4468-acd0-6d03119f890b" providerId="ADAL" clId="{80965980-7CDF-4379-9A6F-B1F09123E494}" dt="2021-03-20T19:05:34.868" v="2446" actId="1076"/>
+          <ac:spMkLst>
+            <pc:docMk/>
+            <pc:sldMk cId="3451654432" sldId="269"/>
+            <ac:spMk id="2" creationId="{62F6FF29-B927-4B81-BB79-EBC67A98BBCE}"/>
+          </ac:spMkLst>
+        </pc:spChg>
+      </pc:sldChg>
       <pc:sldChg chg="addSp modSp mod setBg">
         <pc:chgData name="Chen, Jeff" userId="9a3224f5-9893-4468-acd0-6d03119f890b" providerId="ADAL" clId="{80965980-7CDF-4379-9A6F-B1F09123E494}" dt="2021-03-09T18:18:22.418" v="60" actId="26606"/>
         <pc:sldMkLst>
@@ -204,6 +362,36 @@
             <ac:picMk id="4" creationId="{4FB498DD-189C-4050-86A0-F81D2616E3D8}"/>
           </ac:picMkLst>
         </pc:picChg>
+      </pc:sldChg>
+      <pc:sldChg chg="modSp mod modNotesTx">
+        <pc:chgData name="Chen, Jeff" userId="9a3224f5-9893-4468-acd0-6d03119f890b" providerId="ADAL" clId="{80965980-7CDF-4379-9A6F-B1F09123E494}" dt="2021-03-20T18:01:27.906" v="363" actId="20577"/>
+        <pc:sldMkLst>
+          <pc:docMk/>
+          <pc:sldMk cId="3313180855" sldId="272"/>
+        </pc:sldMkLst>
+        <pc:spChg chg="mod">
+          <ac:chgData name="Chen, Jeff" userId="9a3224f5-9893-4468-acd0-6d03119f890b" providerId="ADAL" clId="{80965980-7CDF-4379-9A6F-B1F09123E494}" dt="2021-03-20T18:01:27.906" v="363" actId="20577"/>
+          <ac:spMkLst>
+            <pc:docMk/>
+            <pc:sldMk cId="3313180855" sldId="272"/>
+            <ac:spMk id="2" creationId="{FFDA9969-0353-44B2-8C7D-7CC34B3B6DA2}"/>
+          </ac:spMkLst>
+        </pc:spChg>
+      </pc:sldChg>
+      <pc:sldChg chg="modSp mod modNotesTx">
+        <pc:chgData name="Chen, Jeff" userId="9a3224f5-9893-4468-acd0-6d03119f890b" providerId="ADAL" clId="{80965980-7CDF-4379-9A6F-B1F09123E494}" dt="2021-03-20T18:17:40.030" v="1413" actId="20577"/>
+        <pc:sldMkLst>
+          <pc:docMk/>
+          <pc:sldMk cId="2593938880" sldId="273"/>
+        </pc:sldMkLst>
+        <pc:spChg chg="mod">
+          <ac:chgData name="Chen, Jeff" userId="9a3224f5-9893-4468-acd0-6d03119f890b" providerId="ADAL" clId="{80965980-7CDF-4379-9A6F-B1F09123E494}" dt="2021-03-20T18:17:40.030" v="1413" actId="20577"/>
+          <ac:spMkLst>
+            <pc:docMk/>
+            <pc:sldMk cId="2593938880" sldId="273"/>
+            <ac:spMk id="2" creationId="{67F004FA-BCDB-4471-9AB7-0356203A84D8}"/>
+          </ac:spMkLst>
+        </pc:spChg>
       </pc:sldChg>
       <pc:sldChg chg="addSp modSp new del mod">
         <pc:chgData name="Chen, Jeff" userId="9a3224f5-9893-4468-acd0-6d03119f890b" providerId="ADAL" clId="{80965980-7CDF-4379-9A6F-B1F09123E494}" dt="2021-03-08T22:43:01.690" v="23" actId="2696"/>
@@ -392,33 +580,437 @@
           </ac:picMkLst>
         </pc:picChg>
       </pc:sldChg>
-      <pc:sldChg chg="new">
-        <pc:chgData name="Chen, Jeff" userId="9a3224f5-9893-4468-acd0-6d03119f890b" providerId="ADAL" clId="{80965980-7CDF-4379-9A6F-B1F09123E494}" dt="2021-03-09T18:18:30.494" v="64" actId="680"/>
+      <pc:sldChg chg="addSp delSp modSp new del mod">
+        <pc:chgData name="Chen, Jeff" userId="9a3224f5-9893-4468-acd0-6d03119f890b" providerId="ADAL" clId="{80965980-7CDF-4379-9A6F-B1F09123E494}" dt="2021-03-20T19:55:53.541" v="2587" actId="2696"/>
         <pc:sldMkLst>
           <pc:docMk/>
           <pc:sldMk cId="1070451020" sldId="279"/>
         </pc:sldMkLst>
+        <pc:spChg chg="add mod">
+          <ac:chgData name="Chen, Jeff" userId="9a3224f5-9893-4468-acd0-6d03119f890b" providerId="ADAL" clId="{80965980-7CDF-4379-9A6F-B1F09123E494}" dt="2021-03-20T19:44:21.488" v="2479" actId="20577"/>
+          <ac:spMkLst>
+            <pc:docMk/>
+            <pc:sldMk cId="1070451020" sldId="279"/>
+            <ac:spMk id="13" creationId="{0F8F53FD-180B-48BD-AC9D-EAFFD47487B2}"/>
+          </ac:spMkLst>
+        </pc:spChg>
+        <pc:spChg chg="add mod">
+          <ac:chgData name="Chen, Jeff" userId="9a3224f5-9893-4468-acd0-6d03119f890b" providerId="ADAL" clId="{80965980-7CDF-4379-9A6F-B1F09123E494}" dt="2021-03-20T19:44:37.708" v="2491" actId="1076"/>
+          <ac:spMkLst>
+            <pc:docMk/>
+            <pc:sldMk cId="1070451020" sldId="279"/>
+            <ac:spMk id="14" creationId="{6C21D000-0C5F-480D-8C3E-178FE19711EC}"/>
+          </ac:spMkLst>
+        </pc:spChg>
+        <pc:spChg chg="add mod">
+          <ac:chgData name="Chen, Jeff" userId="9a3224f5-9893-4468-acd0-6d03119f890b" providerId="ADAL" clId="{80965980-7CDF-4379-9A6F-B1F09123E494}" dt="2021-03-20T19:44:59.477" v="2506" actId="207"/>
+          <ac:spMkLst>
+            <pc:docMk/>
+            <pc:sldMk cId="1070451020" sldId="279"/>
+            <ac:spMk id="15" creationId="{6E45299F-F336-4B34-A631-791423B9CC6D}"/>
+          </ac:spMkLst>
+        </pc:spChg>
+        <pc:picChg chg="add del">
+          <ac:chgData name="Chen, Jeff" userId="9a3224f5-9893-4468-acd0-6d03119f890b" providerId="ADAL" clId="{80965980-7CDF-4379-9A6F-B1F09123E494}" dt="2021-03-20T19:09:00.467" v="2448" actId="478"/>
+          <ac:picMkLst>
+            <pc:docMk/>
+            <pc:sldMk cId="1070451020" sldId="279"/>
+            <ac:picMk id="4" creationId="{08C8B5E7-8C28-45B9-A1D9-4762398F32CD}"/>
+          </ac:picMkLst>
+        </pc:picChg>
+        <pc:picChg chg="add del">
+          <ac:chgData name="Chen, Jeff" userId="9a3224f5-9893-4468-acd0-6d03119f890b" providerId="ADAL" clId="{80965980-7CDF-4379-9A6F-B1F09123E494}" dt="2021-03-20T19:10:39.369" v="2456" actId="478"/>
+          <ac:picMkLst>
+            <pc:docMk/>
+            <pc:sldMk cId="1070451020" sldId="279"/>
+            <ac:picMk id="6" creationId="{18C6A3BA-5A70-4AD0-A42A-236657F79DDC}"/>
+          </ac:picMkLst>
+        </pc:picChg>
+        <pc:picChg chg="add">
+          <ac:chgData name="Chen, Jeff" userId="9a3224f5-9893-4468-acd0-6d03119f890b" providerId="ADAL" clId="{80965980-7CDF-4379-9A6F-B1F09123E494}" dt="2021-03-20T19:21:09.725" v="2457" actId="22"/>
+          <ac:picMkLst>
+            <pc:docMk/>
+            <pc:sldMk cId="1070451020" sldId="279"/>
+            <ac:picMk id="8" creationId="{D433757C-B7B1-4C51-AD81-57EF1CE3DF8B}"/>
+          </ac:picMkLst>
+        </pc:picChg>
+        <pc:picChg chg="add mod">
+          <ac:chgData name="Chen, Jeff" userId="9a3224f5-9893-4468-acd0-6d03119f890b" providerId="ADAL" clId="{80965980-7CDF-4379-9A6F-B1F09123E494}" dt="2021-03-20T19:45:04.476" v="2507" actId="1076"/>
+          <ac:picMkLst>
+            <pc:docMk/>
+            <pc:sldMk cId="1070451020" sldId="279"/>
+            <ac:picMk id="10" creationId="{8F110291-2921-4733-8241-ACE0E93738BE}"/>
+          </ac:picMkLst>
+        </pc:picChg>
+        <pc:picChg chg="add del mod">
+          <ac:chgData name="Chen, Jeff" userId="9a3224f5-9893-4468-acd0-6d03119f890b" providerId="ADAL" clId="{80965980-7CDF-4379-9A6F-B1F09123E494}" dt="2021-03-20T19:45:33.716" v="2509" actId="478"/>
+          <ac:picMkLst>
+            <pc:docMk/>
+            <pc:sldMk cId="1070451020" sldId="279"/>
+            <ac:picMk id="12" creationId="{AD5F2419-7B0B-4862-B941-58B995F07EF3}"/>
+          </ac:picMkLst>
+        </pc:picChg>
       </pc:sldChg>
-      <pc:sldChg chg="new">
-        <pc:chgData name="Chen, Jeff" userId="9a3224f5-9893-4468-acd0-6d03119f890b" providerId="ADAL" clId="{80965980-7CDF-4379-9A6F-B1F09123E494}" dt="2021-03-09T18:18:30.884" v="65" actId="680"/>
+      <pc:sldChg chg="addSp delSp modSp new mod setBg">
+        <pc:chgData name="Chen, Jeff" userId="9a3224f5-9893-4468-acd0-6d03119f890b" providerId="ADAL" clId="{80965980-7CDF-4379-9A6F-B1F09123E494}" dt="2021-03-20T19:57:01.427" v="2639" actId="478"/>
         <pc:sldMkLst>
           <pc:docMk/>
           <pc:sldMk cId="3924658005" sldId="280"/>
         </pc:sldMkLst>
+        <pc:spChg chg="mod">
+          <ac:chgData name="Chen, Jeff" userId="9a3224f5-9893-4468-acd0-6d03119f890b" providerId="ADAL" clId="{80965980-7CDF-4379-9A6F-B1F09123E494}" dt="2021-03-20T19:56:34.554" v="2638" actId="20577"/>
+          <ac:spMkLst>
+            <pc:docMk/>
+            <pc:sldMk cId="3924658005" sldId="280"/>
+            <ac:spMk id="2" creationId="{E2A30878-7531-452D-9EE5-AC3CB34AE565}"/>
+          </ac:spMkLst>
+        </pc:spChg>
+        <pc:spChg chg="add">
+          <ac:chgData name="Chen, Jeff" userId="9a3224f5-9893-4468-acd0-6d03119f890b" providerId="ADAL" clId="{80965980-7CDF-4379-9A6F-B1F09123E494}" dt="2021-03-20T19:55:28.530" v="2581" actId="26606"/>
+          <ac:spMkLst>
+            <pc:docMk/>
+            <pc:sldMk cId="3924658005" sldId="280"/>
+            <ac:spMk id="9" creationId="{D17A94B4-8121-4ED6-AB0D-69EE9A6332E6}"/>
+          </ac:spMkLst>
+        </pc:spChg>
+        <pc:spChg chg="add">
+          <ac:chgData name="Chen, Jeff" userId="9a3224f5-9893-4468-acd0-6d03119f890b" providerId="ADAL" clId="{80965980-7CDF-4379-9A6F-B1F09123E494}" dt="2021-03-20T19:55:28.530" v="2581" actId="26606"/>
+          <ac:spMkLst>
+            <pc:docMk/>
+            <pc:sldMk cId="3924658005" sldId="280"/>
+            <ac:spMk id="13" creationId="{53FD85F6-ECDC-4124-9916-6444E142C663}"/>
+          </ac:spMkLst>
+        </pc:spChg>
+        <pc:spChg chg="add mod">
+          <ac:chgData name="Chen, Jeff" userId="9a3224f5-9893-4468-acd0-6d03119f890b" providerId="ADAL" clId="{80965980-7CDF-4379-9A6F-B1F09123E494}" dt="2021-03-20T19:55:46.463" v="2586" actId="1076"/>
+          <ac:spMkLst>
+            <pc:docMk/>
+            <pc:sldMk cId="3924658005" sldId="280"/>
+            <ac:spMk id="14" creationId="{043C79A1-3B38-4867-A5F1-1A6716FF29DF}"/>
+          </ac:spMkLst>
+        </pc:spChg>
+        <pc:spChg chg="add">
+          <ac:chgData name="Chen, Jeff" userId="9a3224f5-9893-4468-acd0-6d03119f890b" providerId="ADAL" clId="{80965980-7CDF-4379-9A6F-B1F09123E494}" dt="2021-03-20T19:55:28.530" v="2581" actId="26606"/>
+          <ac:spMkLst>
+            <pc:docMk/>
+            <pc:sldMk cId="3924658005" sldId="280"/>
+            <ac:spMk id="15" creationId="{FB5D26B4-74AD-4118-8F13-7051DA3BFA87}"/>
+          </ac:spMkLst>
+        </pc:spChg>
+        <pc:spChg chg="add mod">
+          <ac:chgData name="Chen, Jeff" userId="9a3224f5-9893-4468-acd0-6d03119f890b" providerId="ADAL" clId="{80965980-7CDF-4379-9A6F-B1F09123E494}" dt="2021-03-20T19:55:46.463" v="2586" actId="1076"/>
+          <ac:spMkLst>
+            <pc:docMk/>
+            <pc:sldMk cId="3924658005" sldId="280"/>
+            <ac:spMk id="16" creationId="{EA08A5BC-E6C9-471E-BA2C-980B57AC91C7}"/>
+          </ac:spMkLst>
+        </pc:spChg>
+        <pc:spChg chg="add mod">
+          <ac:chgData name="Chen, Jeff" userId="9a3224f5-9893-4468-acd0-6d03119f890b" providerId="ADAL" clId="{80965980-7CDF-4379-9A6F-B1F09123E494}" dt="2021-03-20T19:55:46.463" v="2586" actId="1076"/>
+          <ac:spMkLst>
+            <pc:docMk/>
+            <pc:sldMk cId="3924658005" sldId="280"/>
+            <ac:spMk id="17" creationId="{AE080991-D627-4E71-8643-B4DDF1CD8C46}"/>
+          </ac:spMkLst>
+        </pc:spChg>
+        <pc:picChg chg="add del mod">
+          <ac:chgData name="Chen, Jeff" userId="9a3224f5-9893-4468-acd0-6d03119f890b" providerId="ADAL" clId="{80965980-7CDF-4379-9A6F-B1F09123E494}" dt="2021-03-20T19:55:25.910" v="2579" actId="478"/>
+          <ac:picMkLst>
+            <pc:docMk/>
+            <pc:sldMk cId="3924658005" sldId="280"/>
+            <ac:picMk id="3" creationId="{CB4D0BB5-3133-4F5E-820C-7CB4C568C2AC}"/>
+          </ac:picMkLst>
+        </pc:picChg>
+        <pc:picChg chg="add del mod">
+          <ac:chgData name="Chen, Jeff" userId="9a3224f5-9893-4468-acd0-6d03119f890b" providerId="ADAL" clId="{80965980-7CDF-4379-9A6F-B1F09123E494}" dt="2021-03-20T19:55:35.939" v="2582" actId="478"/>
+          <ac:picMkLst>
+            <pc:docMk/>
+            <pc:sldMk cId="3924658005" sldId="280"/>
+            <ac:picMk id="4" creationId="{88B1759C-78B8-4F85-98DF-FAE0253C2064}"/>
+          </ac:picMkLst>
+        </pc:picChg>
+        <pc:picChg chg="add mod">
+          <ac:chgData name="Chen, Jeff" userId="9a3224f5-9893-4468-acd0-6d03119f890b" providerId="ADAL" clId="{80965980-7CDF-4379-9A6F-B1F09123E494}" dt="2021-03-20T19:55:46.463" v="2586" actId="1076"/>
+          <ac:picMkLst>
+            <pc:docMk/>
+            <pc:sldMk cId="3924658005" sldId="280"/>
+            <ac:picMk id="10" creationId="{3C69FA36-1F89-4934-8185-252156F16280}"/>
+          </ac:picMkLst>
+        </pc:picChg>
+        <pc:picChg chg="add">
+          <ac:chgData name="Chen, Jeff" userId="9a3224f5-9893-4468-acd0-6d03119f890b" providerId="ADAL" clId="{80965980-7CDF-4379-9A6F-B1F09123E494}" dt="2021-03-20T19:55:28.530" v="2581" actId="26606"/>
+          <ac:picMkLst>
+            <pc:docMk/>
+            <pc:sldMk cId="3924658005" sldId="280"/>
+            <ac:picMk id="11" creationId="{4741521E-DC76-41B9-8A47-448CD4F9FA46}"/>
+          </ac:picMkLst>
+        </pc:picChg>
+        <pc:picChg chg="add del mod">
+          <ac:chgData name="Chen, Jeff" userId="9a3224f5-9893-4468-acd0-6d03119f890b" providerId="ADAL" clId="{80965980-7CDF-4379-9A6F-B1F09123E494}" dt="2021-03-20T19:57:01.427" v="2639" actId="478"/>
+          <ac:picMkLst>
+            <pc:docMk/>
+            <pc:sldMk cId="3924658005" sldId="280"/>
+            <ac:picMk id="12" creationId="{AE9C44CC-5B3F-4459-8643-3BEAF7C92700}"/>
+          </ac:picMkLst>
+        </pc:picChg>
       </pc:sldChg>
-      <pc:sldChg chg="new">
-        <pc:chgData name="Chen, Jeff" userId="9a3224f5-9893-4468-acd0-6d03119f890b" providerId="ADAL" clId="{80965980-7CDF-4379-9A6F-B1F09123E494}" dt="2021-03-09T18:18:30.895" v="66" actId="680"/>
+      <pc:sldChg chg="addSp modSp new del mod">
+        <pc:chgData name="Chen, Jeff" userId="9a3224f5-9893-4468-acd0-6d03119f890b" providerId="ADAL" clId="{80965980-7CDF-4379-9A6F-B1F09123E494}" dt="2021-03-20T19:57:46.846" v="2675" actId="2696"/>
         <pc:sldMkLst>
           <pc:docMk/>
           <pc:sldMk cId="2308443354" sldId="281"/>
         </pc:sldMkLst>
+        <pc:spChg chg="mod">
+          <ac:chgData name="Chen, Jeff" userId="9a3224f5-9893-4468-acd0-6d03119f890b" providerId="ADAL" clId="{80965980-7CDF-4379-9A6F-B1F09123E494}" dt="2021-03-20T19:57:07.428" v="2644" actId="20577"/>
+          <ac:spMkLst>
+            <pc:docMk/>
+            <pc:sldMk cId="2308443354" sldId="281"/>
+            <ac:spMk id="2" creationId="{6EFA2E8B-CA8F-40AD-AC05-3230142BD5E0}"/>
+          </ac:spMkLst>
+        </pc:spChg>
+        <pc:picChg chg="add mod">
+          <ac:chgData name="Chen, Jeff" userId="9a3224f5-9893-4468-acd0-6d03119f890b" providerId="ADAL" clId="{80965980-7CDF-4379-9A6F-B1F09123E494}" dt="2021-03-20T19:57:04.771" v="2640"/>
+          <ac:picMkLst>
+            <pc:docMk/>
+            <pc:sldMk cId="2308443354" sldId="281"/>
+            <ac:picMk id="3" creationId="{C0086C6C-3826-49A1-96F3-C327326FB1D5}"/>
+          </ac:picMkLst>
+        </pc:picChg>
       </pc:sldChg>
-      <pc:sldChg chg="new">
-        <pc:chgData name="Chen, Jeff" userId="9a3224f5-9893-4468-acd0-6d03119f890b" providerId="ADAL" clId="{80965980-7CDF-4379-9A6F-B1F09123E494}" dt="2021-03-09T18:18:30.913" v="67" actId="680"/>
+      <pc:sldChg chg="addSp modSp new mod setBg">
+        <pc:chgData name="Chen, Jeff" userId="9a3224f5-9893-4468-acd0-6d03119f890b" providerId="ADAL" clId="{80965980-7CDF-4379-9A6F-B1F09123E494}" dt="2021-03-20T19:58:19.441" v="2699" actId="20577"/>
         <pc:sldMkLst>
           <pc:docMk/>
           <pc:sldMk cId="2063718745" sldId="282"/>
         </pc:sldMkLst>
+        <pc:spChg chg="mod">
+          <ac:chgData name="Chen, Jeff" userId="9a3224f5-9893-4468-acd0-6d03119f890b" providerId="ADAL" clId="{80965980-7CDF-4379-9A6F-B1F09123E494}" dt="2021-03-20T19:58:19.441" v="2699" actId="20577"/>
+          <ac:spMkLst>
+            <pc:docMk/>
+            <pc:sldMk cId="2063718745" sldId="282"/>
+            <ac:spMk id="2" creationId="{27AEA607-A0F9-4168-8DD6-2B5F01670AE9}"/>
+          </ac:spMkLst>
+        </pc:spChg>
+        <pc:spChg chg="add">
+          <ac:chgData name="Chen, Jeff" userId="9a3224f5-9893-4468-acd0-6d03119f890b" providerId="ADAL" clId="{80965980-7CDF-4379-9A6F-B1F09123E494}" dt="2021-03-20T19:58:07.535" v="2677" actId="26606"/>
+          <ac:spMkLst>
+            <pc:docMk/>
+            <pc:sldMk cId="2063718745" sldId="282"/>
+            <ac:spMk id="11" creationId="{7F57BEA8-497D-4AA8-8A18-BDCD696B25FE}"/>
+          </ac:spMkLst>
+        </pc:spChg>
+        <pc:picChg chg="add mod">
+          <ac:chgData name="Chen, Jeff" userId="9a3224f5-9893-4468-acd0-6d03119f890b" providerId="ADAL" clId="{80965980-7CDF-4379-9A6F-B1F09123E494}" dt="2021-03-20T19:58:07.535" v="2677" actId="26606"/>
+          <ac:picMkLst>
+            <pc:docMk/>
+            <pc:sldMk cId="2063718745" sldId="282"/>
+            <ac:picMk id="4" creationId="{22D162FA-9060-4D50-A932-2FD05AA20403}"/>
+          </ac:picMkLst>
+        </pc:picChg>
+        <pc:cxnChg chg="add">
+          <ac:chgData name="Chen, Jeff" userId="9a3224f5-9893-4468-acd0-6d03119f890b" providerId="ADAL" clId="{80965980-7CDF-4379-9A6F-B1F09123E494}" dt="2021-03-20T19:58:07.535" v="2677" actId="26606"/>
+          <ac:cxnSpMkLst>
+            <pc:docMk/>
+            <pc:sldMk cId="2063718745" sldId="282"/>
+            <ac:cxnSpMk id="9" creationId="{D2E961F1-4A28-4A5F-BBD4-6E400E5E6C75}"/>
+          </ac:cxnSpMkLst>
+        </pc:cxnChg>
+        <pc:cxnChg chg="add">
+          <ac:chgData name="Chen, Jeff" userId="9a3224f5-9893-4468-acd0-6d03119f890b" providerId="ADAL" clId="{80965980-7CDF-4379-9A6F-B1F09123E494}" dt="2021-03-20T19:58:07.535" v="2677" actId="26606"/>
+          <ac:cxnSpMkLst>
+            <pc:docMk/>
+            <pc:sldMk cId="2063718745" sldId="282"/>
+            <ac:cxnSpMk id="13" creationId="{A82415D3-DDE5-4D63-8CB3-23A5EC581B27}"/>
+          </ac:cxnSpMkLst>
+        </pc:cxnChg>
+        <pc:cxnChg chg="add">
+          <ac:chgData name="Chen, Jeff" userId="9a3224f5-9893-4468-acd0-6d03119f890b" providerId="ADAL" clId="{80965980-7CDF-4379-9A6F-B1F09123E494}" dt="2021-03-20T19:58:07.535" v="2677" actId="26606"/>
+          <ac:cxnSpMkLst>
+            <pc:docMk/>
+            <pc:sldMk cId="2063718745" sldId="282"/>
+            <ac:cxnSpMk id="15" creationId="{AD7193FB-6AE6-4B3B-8F89-56B55DD63B4D}"/>
+          </ac:cxnSpMkLst>
+        </pc:cxnChg>
+      </pc:sldChg>
+      <pc:sldChg chg="addSp delSp modSp add mod">
+        <pc:chgData name="Chen, Jeff" userId="9a3224f5-9893-4468-acd0-6d03119f890b" providerId="ADAL" clId="{80965980-7CDF-4379-9A6F-B1F09123E494}" dt="2021-03-20T19:09:42.704" v="2454" actId="1076"/>
+        <pc:sldMkLst>
+          <pc:docMk/>
+          <pc:sldMk cId="713579245" sldId="283"/>
+        </pc:sldMkLst>
+        <pc:picChg chg="del">
+          <ac:chgData name="Chen, Jeff" userId="9a3224f5-9893-4468-acd0-6d03119f890b" providerId="ADAL" clId="{80965980-7CDF-4379-9A6F-B1F09123E494}" dt="2021-03-20T19:09:07.021" v="2451" actId="478"/>
+          <ac:picMkLst>
+            <pc:docMk/>
+            <pc:sldMk cId="713579245" sldId="283"/>
+            <ac:picMk id="4" creationId="{71397B19-8B36-4F9A-837A-8B9638FAEAC6}"/>
+          </ac:picMkLst>
+        </pc:picChg>
+        <pc:picChg chg="add mod">
+          <ac:chgData name="Chen, Jeff" userId="9a3224f5-9893-4468-acd0-6d03119f890b" providerId="ADAL" clId="{80965980-7CDF-4379-9A6F-B1F09123E494}" dt="2021-03-20T19:09:10.309" v="2452" actId="1076"/>
+          <ac:picMkLst>
+            <pc:docMk/>
+            <pc:sldMk cId="713579245" sldId="283"/>
+            <ac:picMk id="5" creationId="{14ABC56A-927A-4952-B432-56A0FE916C19}"/>
+          </ac:picMkLst>
+        </pc:picChg>
+        <pc:picChg chg="add mod">
+          <ac:chgData name="Chen, Jeff" userId="9a3224f5-9893-4468-acd0-6d03119f890b" providerId="ADAL" clId="{80965980-7CDF-4379-9A6F-B1F09123E494}" dt="2021-03-20T19:09:42.704" v="2454" actId="1076"/>
+          <ac:picMkLst>
+            <pc:docMk/>
+            <pc:sldMk cId="713579245" sldId="283"/>
+            <ac:picMk id="7" creationId="{4355A3DC-94E3-469F-9904-99CA9F73E02E}"/>
+          </ac:picMkLst>
+        </pc:picChg>
+      </pc:sldChg>
+      <pc:sldChg chg="addSp delSp modSp add mod">
+        <pc:chgData name="Chen, Jeff" userId="9a3224f5-9893-4468-acd0-6d03119f890b" providerId="ADAL" clId="{80965980-7CDF-4379-9A6F-B1F09123E494}" dt="2021-03-20T19:57:41.759" v="2674" actId="1076"/>
+        <pc:sldMkLst>
+          <pc:docMk/>
+          <pc:sldMk cId="698715463" sldId="284"/>
+        </pc:sldMkLst>
+        <pc:spChg chg="mod">
+          <ac:chgData name="Chen, Jeff" userId="9a3224f5-9893-4468-acd0-6d03119f890b" providerId="ADAL" clId="{80965980-7CDF-4379-9A6F-B1F09123E494}" dt="2021-03-20T19:57:30.852" v="2673" actId="20577"/>
+          <ac:spMkLst>
+            <pc:docMk/>
+            <pc:sldMk cId="698715463" sldId="284"/>
+            <ac:spMk id="2" creationId="{E2A30878-7531-452D-9EE5-AC3CB34AE565}"/>
+          </ac:spMkLst>
+        </pc:spChg>
+        <pc:spChg chg="del">
+          <ac:chgData name="Chen, Jeff" userId="9a3224f5-9893-4468-acd0-6d03119f890b" providerId="ADAL" clId="{80965980-7CDF-4379-9A6F-B1F09123E494}" dt="2021-03-20T19:57:13.689" v="2646" actId="478"/>
+          <ac:spMkLst>
+            <pc:docMk/>
+            <pc:sldMk cId="698715463" sldId="284"/>
+            <ac:spMk id="14" creationId="{043C79A1-3B38-4867-A5F1-1A6716FF29DF}"/>
+          </ac:spMkLst>
+        </pc:spChg>
+        <pc:spChg chg="del">
+          <ac:chgData name="Chen, Jeff" userId="9a3224f5-9893-4468-acd0-6d03119f890b" providerId="ADAL" clId="{80965980-7CDF-4379-9A6F-B1F09123E494}" dt="2021-03-20T19:57:15.543" v="2647" actId="478"/>
+          <ac:spMkLst>
+            <pc:docMk/>
+            <pc:sldMk cId="698715463" sldId="284"/>
+            <ac:spMk id="16" creationId="{EA08A5BC-E6C9-471E-BA2C-980B57AC91C7}"/>
+          </ac:spMkLst>
+        </pc:spChg>
+        <pc:spChg chg="del">
+          <ac:chgData name="Chen, Jeff" userId="9a3224f5-9893-4468-acd0-6d03119f890b" providerId="ADAL" clId="{80965980-7CDF-4379-9A6F-B1F09123E494}" dt="2021-03-20T19:57:13.689" v="2646" actId="478"/>
+          <ac:spMkLst>
+            <pc:docMk/>
+            <pc:sldMk cId="698715463" sldId="284"/>
+            <ac:spMk id="17" creationId="{AE080991-D627-4E71-8643-B4DDF1CD8C46}"/>
+          </ac:spMkLst>
+        </pc:spChg>
+        <pc:picChg chg="del mod">
+          <ac:chgData name="Chen, Jeff" userId="9a3224f5-9893-4468-acd0-6d03119f890b" providerId="ADAL" clId="{80965980-7CDF-4379-9A6F-B1F09123E494}" dt="2021-03-20T19:57:16.584" v="2649" actId="478"/>
+          <ac:picMkLst>
+            <pc:docMk/>
+            <pc:sldMk cId="698715463" sldId="284"/>
+            <ac:picMk id="10" creationId="{3C69FA36-1F89-4934-8185-252156F16280}"/>
+          </ac:picMkLst>
+        </pc:picChg>
+        <pc:picChg chg="add mod">
+          <ac:chgData name="Chen, Jeff" userId="9a3224f5-9893-4468-acd0-6d03119f890b" providerId="ADAL" clId="{80965980-7CDF-4379-9A6F-B1F09123E494}" dt="2021-03-20T19:57:41.759" v="2674" actId="1076"/>
+          <ac:picMkLst>
+            <pc:docMk/>
+            <pc:sldMk cId="698715463" sldId="284"/>
+            <ac:picMk id="12" creationId="{97D501FF-BDD6-4B5A-AB25-7F40E129DDB1}"/>
+          </ac:picMkLst>
+        </pc:picChg>
+      </pc:sldChg>
+      <pc:sldChg chg="addSp modSp new mod setBg">
+        <pc:chgData name="Chen, Jeff" userId="9a3224f5-9893-4468-acd0-6d03119f890b" providerId="ADAL" clId="{80965980-7CDF-4379-9A6F-B1F09123E494}" dt="2021-03-20T20:00:10.118" v="2734" actId="20577"/>
+        <pc:sldMkLst>
+          <pc:docMk/>
+          <pc:sldMk cId="1728493956" sldId="285"/>
+        </pc:sldMkLst>
+        <pc:spChg chg="mod">
+          <ac:chgData name="Chen, Jeff" userId="9a3224f5-9893-4468-acd0-6d03119f890b" providerId="ADAL" clId="{80965980-7CDF-4379-9A6F-B1F09123E494}" dt="2021-03-20T20:00:10.118" v="2734" actId="20577"/>
+          <ac:spMkLst>
+            <pc:docMk/>
+            <pc:sldMk cId="1728493956" sldId="285"/>
+            <ac:spMk id="2" creationId="{7E3F400C-8895-434A-8D30-FF206CC53F01}"/>
+          </ac:spMkLst>
+        </pc:spChg>
+        <pc:spChg chg="add">
+          <ac:chgData name="Chen, Jeff" userId="9a3224f5-9893-4468-acd0-6d03119f890b" providerId="ADAL" clId="{80965980-7CDF-4379-9A6F-B1F09123E494}" dt="2021-03-20T20:00:00.594" v="2702" actId="26606"/>
+          <ac:spMkLst>
+            <pc:docMk/>
+            <pc:sldMk cId="1728493956" sldId="285"/>
+            <ac:spMk id="11" creationId="{7F57BEA8-497D-4AA8-8A18-BDCD696B25FE}"/>
+          </ac:spMkLst>
+        </pc:spChg>
+        <pc:picChg chg="add mod">
+          <ac:chgData name="Chen, Jeff" userId="9a3224f5-9893-4468-acd0-6d03119f890b" providerId="ADAL" clId="{80965980-7CDF-4379-9A6F-B1F09123E494}" dt="2021-03-20T20:00:00.594" v="2702" actId="26606"/>
+          <ac:picMkLst>
+            <pc:docMk/>
+            <pc:sldMk cId="1728493956" sldId="285"/>
+            <ac:picMk id="4" creationId="{67363577-34DB-4E92-84EE-E901E4279454}"/>
+          </ac:picMkLst>
+        </pc:picChg>
+        <pc:cxnChg chg="add">
+          <ac:chgData name="Chen, Jeff" userId="9a3224f5-9893-4468-acd0-6d03119f890b" providerId="ADAL" clId="{80965980-7CDF-4379-9A6F-B1F09123E494}" dt="2021-03-20T20:00:00.594" v="2702" actId="26606"/>
+          <ac:cxnSpMkLst>
+            <pc:docMk/>
+            <pc:sldMk cId="1728493956" sldId="285"/>
+            <ac:cxnSpMk id="9" creationId="{D2E961F1-4A28-4A5F-BBD4-6E400E5E6C75}"/>
+          </ac:cxnSpMkLst>
+        </pc:cxnChg>
+        <pc:cxnChg chg="add">
+          <ac:chgData name="Chen, Jeff" userId="9a3224f5-9893-4468-acd0-6d03119f890b" providerId="ADAL" clId="{80965980-7CDF-4379-9A6F-B1F09123E494}" dt="2021-03-20T20:00:00.594" v="2702" actId="26606"/>
+          <ac:cxnSpMkLst>
+            <pc:docMk/>
+            <pc:sldMk cId="1728493956" sldId="285"/>
+            <ac:cxnSpMk id="13" creationId="{A82415D3-DDE5-4D63-8CB3-23A5EC581B27}"/>
+          </ac:cxnSpMkLst>
+        </pc:cxnChg>
+        <pc:cxnChg chg="add">
+          <ac:chgData name="Chen, Jeff" userId="9a3224f5-9893-4468-acd0-6d03119f890b" providerId="ADAL" clId="{80965980-7CDF-4379-9A6F-B1F09123E494}" dt="2021-03-20T20:00:00.594" v="2702" actId="26606"/>
+          <ac:cxnSpMkLst>
+            <pc:docMk/>
+            <pc:sldMk cId="1728493956" sldId="285"/>
+            <ac:cxnSpMk id="15" creationId="{AD7193FB-6AE6-4B3B-8F89-56B55DD63B4D}"/>
+          </ac:cxnSpMkLst>
+        </pc:cxnChg>
+      </pc:sldChg>
+      <pc:sldChg chg="addSp delSp add del setBg delDesignElem">
+        <pc:chgData name="Chen, Jeff" userId="9a3224f5-9893-4468-acd0-6d03119f890b" providerId="ADAL" clId="{80965980-7CDF-4379-9A6F-B1F09123E494}" dt="2021-03-20T19:55:08.361" v="2576"/>
+        <pc:sldMkLst>
+          <pc:docMk/>
+          <pc:sldMk cId="3897652649" sldId="290"/>
+        </pc:sldMkLst>
+        <pc:spChg chg="add del">
+          <ac:chgData name="Chen, Jeff" userId="9a3224f5-9893-4468-acd0-6d03119f890b" providerId="ADAL" clId="{80965980-7CDF-4379-9A6F-B1F09123E494}" dt="2021-03-20T19:55:08.361" v="2576"/>
+          <ac:spMkLst>
+            <pc:docMk/>
+            <pc:sldMk cId="3897652649" sldId="290"/>
+            <ac:spMk id="9" creationId="{D17A94B4-8121-4ED6-AB0D-69EE9A6332E6}"/>
+          </ac:spMkLst>
+        </pc:spChg>
+        <pc:spChg chg="add del">
+          <ac:chgData name="Chen, Jeff" userId="9a3224f5-9893-4468-acd0-6d03119f890b" providerId="ADAL" clId="{80965980-7CDF-4379-9A6F-B1F09123E494}" dt="2021-03-20T19:55:08.361" v="2576"/>
+          <ac:spMkLst>
+            <pc:docMk/>
+            <pc:sldMk cId="3897652649" sldId="290"/>
+            <ac:spMk id="13" creationId="{53FD85F6-ECDC-4124-9916-6444E142C663}"/>
+          </ac:spMkLst>
+        </pc:spChg>
+        <pc:spChg chg="add del">
+          <ac:chgData name="Chen, Jeff" userId="9a3224f5-9893-4468-acd0-6d03119f890b" providerId="ADAL" clId="{80965980-7CDF-4379-9A6F-B1F09123E494}" dt="2021-03-20T19:55:08.361" v="2576"/>
+          <ac:spMkLst>
+            <pc:docMk/>
+            <pc:sldMk cId="3897652649" sldId="290"/>
+            <ac:spMk id="15" creationId="{FB5D26B4-74AD-4118-8F13-7051DA3BFA87}"/>
+          </ac:spMkLst>
+        </pc:spChg>
+        <pc:picChg chg="add del">
+          <ac:chgData name="Chen, Jeff" userId="9a3224f5-9893-4468-acd0-6d03119f890b" providerId="ADAL" clId="{80965980-7CDF-4379-9A6F-B1F09123E494}" dt="2021-03-20T19:55:08.361" v="2576"/>
+          <ac:picMkLst>
+            <pc:docMk/>
+            <pc:sldMk cId="3897652649" sldId="290"/>
+            <ac:picMk id="11" creationId="{4741521E-DC76-41B9-8A47-448CD4F9FA46}"/>
+          </ac:picMkLst>
+        </pc:picChg>
       </pc:sldChg>
     </pc:docChg>
   </pc:docChgLst>
@@ -437,6 +1029,2919 @@
     </p:extLst>
   </p:cm>
 </p:cmLst>
+</file>
+
+<file path=ppt/notesMasters/notesMaster1.xml><?xml version="1.0" encoding="utf-8"?>
+<p:notesMaster xmlns:a="http://schemas.openxmlformats.org/drawingml/2006/main" xmlns:r="http://schemas.openxmlformats.org/officeDocument/2006/relationships" xmlns:p="http://schemas.openxmlformats.org/presentationml/2006/main">
+  <p:cSld>
+    <p:bg>
+      <p:bgRef idx="1001">
+        <a:schemeClr val="bg1"/>
+      </p:bgRef>
+    </p:bg>
+    <p:spTree>
+      <p:nvGrpSpPr>
+        <p:cNvPr id="1" name=""/>
+        <p:cNvGrpSpPr/>
+        <p:nvPr/>
+      </p:nvGrpSpPr>
+      <p:grpSpPr>
+        <a:xfrm>
+          <a:off x="0" y="0"/>
+          <a:ext cx="0" cy="0"/>
+          <a:chOff x="0" y="0"/>
+          <a:chExt cx="0" cy="0"/>
+        </a:xfrm>
+      </p:grpSpPr>
+      <p:sp>
+        <p:nvSpPr>
+          <p:cNvPr id="2" name="Header Placeholder 1"/>
+          <p:cNvSpPr>
+            <a:spLocks noGrp="1"/>
+          </p:cNvSpPr>
+          <p:nvPr>
+            <p:ph type="hdr" sz="quarter"/>
+          </p:nvPr>
+        </p:nvSpPr>
+        <p:spPr>
+          <a:xfrm>
+            <a:off x="0" y="0"/>
+            <a:ext cx="2971800" cy="458788"/>
+          </a:xfrm>
+          <a:prstGeom prst="rect">
+            <a:avLst/>
+          </a:prstGeom>
+        </p:spPr>
+        <p:txBody>
+          <a:bodyPr vert="horz" lIns="91440" tIns="45720" rIns="91440" bIns="45720" rtlCol="0"/>
+          <a:lstStyle>
+            <a:lvl1pPr algn="l">
+              <a:defRPr sz="1200"/>
+            </a:lvl1pPr>
+          </a:lstStyle>
+          <a:p>
+            <a:endParaRPr lang="en-US"/>
+          </a:p>
+        </p:txBody>
+      </p:sp>
+      <p:sp>
+        <p:nvSpPr>
+          <p:cNvPr id="3" name="Date Placeholder 2"/>
+          <p:cNvSpPr>
+            <a:spLocks noGrp="1"/>
+          </p:cNvSpPr>
+          <p:nvPr>
+            <p:ph type="dt" idx="1"/>
+          </p:nvPr>
+        </p:nvSpPr>
+        <p:spPr>
+          <a:xfrm>
+            <a:off x="3884613" y="0"/>
+            <a:ext cx="2971800" cy="458788"/>
+          </a:xfrm>
+          <a:prstGeom prst="rect">
+            <a:avLst/>
+          </a:prstGeom>
+        </p:spPr>
+        <p:txBody>
+          <a:bodyPr vert="horz" lIns="91440" tIns="45720" rIns="91440" bIns="45720" rtlCol="0"/>
+          <a:lstStyle>
+            <a:lvl1pPr algn="r">
+              <a:defRPr sz="1200"/>
+            </a:lvl1pPr>
+          </a:lstStyle>
+          <a:p>
+            <a:fld id="{9A3F3F89-75A5-4264-8D28-B8F9E037C0AE}" type="datetimeFigureOut">
+              <a:rPr lang="en-US" smtClean="0"/>
+              <a:t>3/20/2021</a:t>
+            </a:fld>
+            <a:endParaRPr lang="en-US"/>
+          </a:p>
+        </p:txBody>
+      </p:sp>
+      <p:sp>
+        <p:nvSpPr>
+          <p:cNvPr id="4" name="Slide Image Placeholder 3"/>
+          <p:cNvSpPr>
+            <a:spLocks noGrp="1" noRot="1" noChangeAspect="1"/>
+          </p:cNvSpPr>
+          <p:nvPr>
+            <p:ph type="sldImg" idx="2"/>
+          </p:nvPr>
+        </p:nvSpPr>
+        <p:spPr>
+          <a:xfrm>
+            <a:off x="685800" y="1143000"/>
+            <a:ext cx="5486400" cy="3086100"/>
+          </a:xfrm>
+          <a:prstGeom prst="rect">
+            <a:avLst/>
+          </a:prstGeom>
+          <a:noFill/>
+          <a:ln w="12700">
+            <a:solidFill>
+              <a:prstClr val="black"/>
+            </a:solidFill>
+          </a:ln>
+        </p:spPr>
+        <p:txBody>
+          <a:bodyPr vert="horz" lIns="91440" tIns="45720" rIns="91440" bIns="45720" rtlCol="0" anchor="ctr"/>
+          <a:lstStyle/>
+          <a:p>
+            <a:endParaRPr lang="en-US"/>
+          </a:p>
+        </p:txBody>
+      </p:sp>
+      <p:sp>
+        <p:nvSpPr>
+          <p:cNvPr id="5" name="Notes Placeholder 4"/>
+          <p:cNvSpPr>
+            <a:spLocks noGrp="1"/>
+          </p:cNvSpPr>
+          <p:nvPr>
+            <p:ph type="body" sz="quarter" idx="3"/>
+          </p:nvPr>
+        </p:nvSpPr>
+        <p:spPr>
+          <a:xfrm>
+            <a:off x="685800" y="4400550"/>
+            <a:ext cx="5486400" cy="3600450"/>
+          </a:xfrm>
+          <a:prstGeom prst="rect">
+            <a:avLst/>
+          </a:prstGeom>
+        </p:spPr>
+        <p:txBody>
+          <a:bodyPr vert="horz" lIns="91440" tIns="45720" rIns="91440" bIns="45720" rtlCol="0"/>
+          <a:lstStyle/>
+          <a:p>
+            <a:pPr lvl="0"/>
+            <a:r>
+              <a:rPr lang="en-US"/>
+              <a:t>Click to edit Master text styles</a:t>
+            </a:r>
+          </a:p>
+          <a:p>
+            <a:pPr lvl="1"/>
+            <a:r>
+              <a:rPr lang="en-US"/>
+              <a:t>Second level</a:t>
+            </a:r>
+          </a:p>
+          <a:p>
+            <a:pPr lvl="2"/>
+            <a:r>
+              <a:rPr lang="en-US"/>
+              <a:t>Third level</a:t>
+            </a:r>
+          </a:p>
+          <a:p>
+            <a:pPr lvl="3"/>
+            <a:r>
+              <a:rPr lang="en-US"/>
+              <a:t>Fourth level</a:t>
+            </a:r>
+          </a:p>
+          <a:p>
+            <a:pPr lvl="4"/>
+            <a:r>
+              <a:rPr lang="en-US"/>
+              <a:t>Fifth level</a:t>
+            </a:r>
+          </a:p>
+        </p:txBody>
+      </p:sp>
+      <p:sp>
+        <p:nvSpPr>
+          <p:cNvPr id="6" name="Footer Placeholder 5"/>
+          <p:cNvSpPr>
+            <a:spLocks noGrp="1"/>
+          </p:cNvSpPr>
+          <p:nvPr>
+            <p:ph type="ftr" sz="quarter" idx="4"/>
+          </p:nvPr>
+        </p:nvSpPr>
+        <p:spPr>
+          <a:xfrm>
+            <a:off x="0" y="8685213"/>
+            <a:ext cx="2971800" cy="458787"/>
+          </a:xfrm>
+          <a:prstGeom prst="rect">
+            <a:avLst/>
+          </a:prstGeom>
+        </p:spPr>
+        <p:txBody>
+          <a:bodyPr vert="horz" lIns="91440" tIns="45720" rIns="91440" bIns="45720" rtlCol="0" anchor="b"/>
+          <a:lstStyle>
+            <a:lvl1pPr algn="l">
+              <a:defRPr sz="1200"/>
+            </a:lvl1pPr>
+          </a:lstStyle>
+          <a:p>
+            <a:endParaRPr lang="en-US"/>
+          </a:p>
+        </p:txBody>
+      </p:sp>
+      <p:sp>
+        <p:nvSpPr>
+          <p:cNvPr id="7" name="Slide Number Placeholder 6"/>
+          <p:cNvSpPr>
+            <a:spLocks noGrp="1"/>
+          </p:cNvSpPr>
+          <p:nvPr>
+            <p:ph type="sldNum" sz="quarter" idx="5"/>
+          </p:nvPr>
+        </p:nvSpPr>
+        <p:spPr>
+          <a:xfrm>
+            <a:off x="3884613" y="8685213"/>
+            <a:ext cx="2971800" cy="458787"/>
+          </a:xfrm>
+          <a:prstGeom prst="rect">
+            <a:avLst/>
+          </a:prstGeom>
+        </p:spPr>
+        <p:txBody>
+          <a:bodyPr vert="horz" lIns="91440" tIns="45720" rIns="91440" bIns="45720" rtlCol="0" anchor="b"/>
+          <a:lstStyle>
+            <a:lvl1pPr algn="r">
+              <a:defRPr sz="1200"/>
+            </a:lvl1pPr>
+          </a:lstStyle>
+          <a:p>
+            <a:fld id="{B2AFC0E1-9A48-4B26-9FCC-0F0ED76BE088}" type="slidenum">
+              <a:rPr lang="en-US" smtClean="0"/>
+              <a:t>‹#›</a:t>
+            </a:fld>
+            <a:endParaRPr lang="en-US"/>
+          </a:p>
+        </p:txBody>
+      </p:sp>
+    </p:spTree>
+    <p:extLst>
+      <p:ext uri="{BB962C8B-B14F-4D97-AF65-F5344CB8AC3E}">
+        <p14:creationId xmlns:p14="http://schemas.microsoft.com/office/powerpoint/2010/main" val="1020453345"/>
+      </p:ext>
+    </p:extLst>
+  </p:cSld>
+  <p:clrMap bg1="lt1" tx1="dk1" bg2="lt2" tx2="dk2" accent1="accent1" accent2="accent2" accent3="accent3" accent4="accent4" accent5="accent5" accent6="accent6" hlink="hlink" folHlink="folHlink"/>
+  <p:notesStyle>
+    <a:lvl1pPr marL="0" algn="l" defTabSz="914400" rtl="0" eaLnBrk="1" latinLnBrk="0" hangingPunct="1">
+      <a:defRPr sz="1200" kern="1200">
+        <a:solidFill>
+          <a:schemeClr val="tx1"/>
+        </a:solidFill>
+        <a:latin typeface="+mn-lt"/>
+        <a:ea typeface="+mn-ea"/>
+        <a:cs typeface="+mn-cs"/>
+      </a:defRPr>
+    </a:lvl1pPr>
+    <a:lvl2pPr marL="457200" algn="l" defTabSz="914400" rtl="0" eaLnBrk="1" latinLnBrk="0" hangingPunct="1">
+      <a:defRPr sz="1200" kern="1200">
+        <a:solidFill>
+          <a:schemeClr val="tx1"/>
+        </a:solidFill>
+        <a:latin typeface="+mn-lt"/>
+        <a:ea typeface="+mn-ea"/>
+        <a:cs typeface="+mn-cs"/>
+      </a:defRPr>
+    </a:lvl2pPr>
+    <a:lvl3pPr marL="914400" algn="l" defTabSz="914400" rtl="0" eaLnBrk="1" latinLnBrk="0" hangingPunct="1">
+      <a:defRPr sz="1200" kern="1200">
+        <a:solidFill>
+          <a:schemeClr val="tx1"/>
+        </a:solidFill>
+        <a:latin typeface="+mn-lt"/>
+        <a:ea typeface="+mn-ea"/>
+        <a:cs typeface="+mn-cs"/>
+      </a:defRPr>
+    </a:lvl3pPr>
+    <a:lvl4pPr marL="1371600" algn="l" defTabSz="914400" rtl="0" eaLnBrk="1" latinLnBrk="0" hangingPunct="1">
+      <a:defRPr sz="1200" kern="1200">
+        <a:solidFill>
+          <a:schemeClr val="tx1"/>
+        </a:solidFill>
+        <a:latin typeface="+mn-lt"/>
+        <a:ea typeface="+mn-ea"/>
+        <a:cs typeface="+mn-cs"/>
+      </a:defRPr>
+    </a:lvl4pPr>
+    <a:lvl5pPr marL="1828800" algn="l" defTabSz="914400" rtl="0" eaLnBrk="1" latinLnBrk="0" hangingPunct="1">
+      <a:defRPr sz="1200" kern="1200">
+        <a:solidFill>
+          <a:schemeClr val="tx1"/>
+        </a:solidFill>
+        <a:latin typeface="+mn-lt"/>
+        <a:ea typeface="+mn-ea"/>
+        <a:cs typeface="+mn-cs"/>
+      </a:defRPr>
+    </a:lvl5pPr>
+    <a:lvl6pPr marL="2286000" algn="l" defTabSz="914400" rtl="0" eaLnBrk="1" latinLnBrk="0" hangingPunct="1">
+      <a:defRPr sz="1200" kern="1200">
+        <a:solidFill>
+          <a:schemeClr val="tx1"/>
+        </a:solidFill>
+        <a:latin typeface="+mn-lt"/>
+        <a:ea typeface="+mn-ea"/>
+        <a:cs typeface="+mn-cs"/>
+      </a:defRPr>
+    </a:lvl6pPr>
+    <a:lvl7pPr marL="2743200" algn="l" defTabSz="914400" rtl="0" eaLnBrk="1" latinLnBrk="0" hangingPunct="1">
+      <a:defRPr sz="1200" kern="1200">
+        <a:solidFill>
+          <a:schemeClr val="tx1"/>
+        </a:solidFill>
+        <a:latin typeface="+mn-lt"/>
+        <a:ea typeface="+mn-ea"/>
+        <a:cs typeface="+mn-cs"/>
+      </a:defRPr>
+    </a:lvl7pPr>
+    <a:lvl8pPr marL="3200400" algn="l" defTabSz="914400" rtl="0" eaLnBrk="1" latinLnBrk="0" hangingPunct="1">
+      <a:defRPr sz="1200" kern="1200">
+        <a:solidFill>
+          <a:schemeClr val="tx1"/>
+        </a:solidFill>
+        <a:latin typeface="+mn-lt"/>
+        <a:ea typeface="+mn-ea"/>
+        <a:cs typeface="+mn-cs"/>
+      </a:defRPr>
+    </a:lvl8pPr>
+    <a:lvl9pPr marL="3657600" algn="l" defTabSz="914400" rtl="0" eaLnBrk="1" latinLnBrk="0" hangingPunct="1">
+      <a:defRPr sz="1200" kern="1200">
+        <a:solidFill>
+          <a:schemeClr val="tx1"/>
+        </a:solidFill>
+        <a:latin typeface="+mn-lt"/>
+        <a:ea typeface="+mn-ea"/>
+        <a:cs typeface="+mn-cs"/>
+      </a:defRPr>
+    </a:lvl9pPr>
+  </p:notesStyle>
+</p:notesMaster>
+</file>
+
+<file path=ppt/notesSlides/notesSlide1.xml><?xml version="1.0" encoding="utf-8"?>
+<p:notes xmlns:a="http://schemas.openxmlformats.org/drawingml/2006/main" xmlns:r="http://schemas.openxmlformats.org/officeDocument/2006/relationships" xmlns:p="http://schemas.openxmlformats.org/presentationml/2006/main">
+  <p:cSld>
+    <p:spTree>
+      <p:nvGrpSpPr>
+        <p:cNvPr id="1" name=""/>
+        <p:cNvGrpSpPr/>
+        <p:nvPr/>
+      </p:nvGrpSpPr>
+      <p:grpSpPr>
+        <a:xfrm>
+          <a:off x="0" y="0"/>
+          <a:ext cx="0" cy="0"/>
+          <a:chOff x="0" y="0"/>
+          <a:chExt cx="0" cy="0"/>
+        </a:xfrm>
+      </p:grpSpPr>
+      <p:sp>
+        <p:nvSpPr>
+          <p:cNvPr id="2" name="Slide Image Placeholder 1"/>
+          <p:cNvSpPr>
+            <a:spLocks noGrp="1" noRot="1" noChangeAspect="1"/>
+          </p:cNvSpPr>
+          <p:nvPr>
+            <p:ph type="sldImg"/>
+          </p:nvPr>
+        </p:nvSpPr>
+        <p:spPr/>
+      </p:sp>
+      <mc:AlternateContent xmlns:mc="http://schemas.openxmlformats.org/markup-compatibility/2006">
+        <mc:Choice xmlns:a14="http://schemas.microsoft.com/office/drawing/2010/main" Requires="a14">
+          <p:sp>
+            <p:nvSpPr>
+              <p:cNvPr id="3" name="Notes Placeholder 2"/>
+              <p:cNvSpPr>
+                <a:spLocks noGrp="1"/>
+              </p:cNvSpPr>
+              <p:nvPr>
+                <p:ph type="body" idx="1"/>
+              </p:nvPr>
+            </p:nvSpPr>
+            <p:spPr/>
+            <p:txBody>
+              <a:bodyPr/>
+              <a:lstStyle/>
+              <a:p>
+                <a:r>
+                  <a:rPr lang="en-US" dirty="0"/>
+                  <a:t>If AB = </a:t>
+                </a:r>
+                <a14:m>
+                  <m:oMath xmlns:m="http://schemas.openxmlformats.org/officeDocument/2006/math">
+                    <m:sSub>
+                      <m:sSubPr>
+                        <m:ctrlPr>
+                          <a:rPr lang="en-US" i="1" smtClean="0">
+                            <a:latin typeface="Cambria Math" panose="02040503050406030204" pitchFamily="18" charset="0"/>
+                          </a:rPr>
+                        </m:ctrlPr>
+                      </m:sSubPr>
+                      <m:e>
+                        <m:r>
+                          <a:rPr lang="en-US" b="0" i="1" smtClean="0">
+                            <a:latin typeface="Cambria Math" panose="02040503050406030204" pitchFamily="18" charset="0"/>
+                          </a:rPr>
+                          <m:t>𝐼</m:t>
+                        </m:r>
+                      </m:e>
+                      <m:sub>
+                        <m:r>
+                          <a:rPr lang="en-US" b="0" i="1" smtClean="0">
+                            <a:latin typeface="Cambria Math" panose="02040503050406030204" pitchFamily="18" charset="0"/>
+                          </a:rPr>
+                          <m:t>𝑛</m:t>
+                        </m:r>
+                      </m:sub>
+                    </m:sSub>
+                  </m:oMath>
+                </a14:m>
+                <a:r>
+                  <a:rPr lang="en-US" dirty="0"/>
+                  <a:t> or BA = </a:t>
+                </a:r>
+                <a14:m>
+                  <m:oMath xmlns:m="http://schemas.openxmlformats.org/officeDocument/2006/math">
+                    <m:sSub>
+                      <m:sSubPr>
+                        <m:ctrlPr>
+                          <a:rPr lang="en-US" i="1" smtClean="0">
+                            <a:latin typeface="Cambria Math" panose="02040503050406030204" pitchFamily="18" charset="0"/>
+                          </a:rPr>
+                        </m:ctrlPr>
+                      </m:sSubPr>
+                      <m:e>
+                        <m:r>
+                          <a:rPr lang="en-US" b="0" i="1" smtClean="0">
+                            <a:latin typeface="Cambria Math" panose="02040503050406030204" pitchFamily="18" charset="0"/>
+                          </a:rPr>
+                          <m:t>𝐼</m:t>
+                        </m:r>
+                      </m:e>
+                      <m:sub>
+                        <m:r>
+                          <a:rPr lang="en-US" b="0" i="1" smtClean="0">
+                            <a:latin typeface="Cambria Math" panose="02040503050406030204" pitchFamily="18" charset="0"/>
+                          </a:rPr>
+                          <m:t>𝑛</m:t>
+                        </m:r>
+                      </m:sub>
+                    </m:sSub>
+                  </m:oMath>
+                </a14:m>
+                <a:r>
+                  <a:rPr lang="en-US" dirty="0"/>
+                  <a:t> then A is invertible with inverse B and</a:t>
+                </a:r>
+                <a:r>
+                  <a:rPr lang="en-US" baseline="0" dirty="0"/>
+                  <a:t> B is invertible with inverse A. </a:t>
+                </a:r>
+              </a:p>
+              <a:p>
+                <a:r>
+                  <a:rPr lang="en-US" baseline="0" dirty="0"/>
+                  <a:t>Listed another theorem </a:t>
+                </a:r>
+                <a:endParaRPr lang="en-US" dirty="0"/>
+              </a:p>
+            </p:txBody>
+          </p:sp>
+        </mc:Choice>
+        <mc:Fallback>
+          <p:sp>
+            <p:nvSpPr>
+              <p:cNvPr id="3" name="Notes Placeholder 2"/>
+              <p:cNvSpPr>
+                <a:spLocks noGrp="1"/>
+              </p:cNvSpPr>
+              <p:nvPr>
+                <p:ph type="body" idx="1"/>
+              </p:nvPr>
+            </p:nvSpPr>
+            <p:spPr/>
+            <p:txBody>
+              <a:bodyPr/>
+              <a:lstStyle/>
+              <a:p>
+                <a:r>
+                  <a:rPr lang="en-US" dirty="0"/>
+                  <a:t>If AB = </a:t>
+                </a:r>
+                <a:r>
+                  <a:rPr lang="en-US" b="0" i="0">
+                    <a:latin typeface="Cambria Math" panose="02040503050406030204" pitchFamily="18" charset="0"/>
+                  </a:rPr>
+                  <a:t>𝐼_𝑛</a:t>
+                </a:r>
+                <a:r>
+                  <a:rPr lang="en-US" dirty="0"/>
+                  <a:t> or BA = </a:t>
+                </a:r>
+                <a:r>
+                  <a:rPr lang="en-US" b="0" i="0">
+                    <a:latin typeface="Cambria Math" panose="02040503050406030204" pitchFamily="18" charset="0"/>
+                  </a:rPr>
+                  <a:t>𝐼_𝑛</a:t>
+                </a:r>
+                <a:r>
+                  <a:rPr lang="en-US" dirty="0"/>
+                  <a:t> then A is invertible with inverse B and</a:t>
+                </a:r>
+                <a:r>
+                  <a:rPr lang="en-US" baseline="0" dirty="0"/>
+                  <a:t> B is invertible with inverse A. </a:t>
+                </a:r>
+              </a:p>
+              <a:p>
+                <a:r>
+                  <a:rPr lang="en-US" baseline="0" dirty="0"/>
+                  <a:t>Listed another theorem </a:t>
+                </a:r>
+                <a:endParaRPr lang="en-US" dirty="0"/>
+              </a:p>
+            </p:txBody>
+          </p:sp>
+        </mc:Fallback>
+      </mc:AlternateContent>
+      <p:sp>
+        <p:nvSpPr>
+          <p:cNvPr id="4" name="Slide Number Placeholder 3"/>
+          <p:cNvSpPr>
+            <a:spLocks noGrp="1"/>
+          </p:cNvSpPr>
+          <p:nvPr>
+            <p:ph type="sldNum" sz="quarter" idx="5"/>
+          </p:nvPr>
+        </p:nvSpPr>
+        <p:spPr/>
+        <p:txBody>
+          <a:bodyPr/>
+          <a:lstStyle/>
+          <a:p>
+            <a:fld id="{B2AFC0E1-9A48-4B26-9FCC-0F0ED76BE088}" type="slidenum">
+              <a:rPr lang="en-US" smtClean="0"/>
+              <a:t>1</a:t>
+            </a:fld>
+            <a:endParaRPr lang="en-US"/>
+          </a:p>
+        </p:txBody>
+      </p:sp>
+    </p:spTree>
+    <p:extLst>
+      <p:ext uri="{BB962C8B-B14F-4D97-AF65-F5344CB8AC3E}">
+        <p14:creationId xmlns:p14="http://schemas.microsoft.com/office/powerpoint/2010/main" val="2323687947"/>
+      </p:ext>
+    </p:extLst>
+  </p:cSld>
+  <p:clrMapOvr>
+    <a:masterClrMapping/>
+  </p:clrMapOvr>
+</p:notes>
+</file>
+
+<file path=ppt/notesSlides/notesSlide10.xml><?xml version="1.0" encoding="utf-8"?>
+<p:notes xmlns:a="http://schemas.openxmlformats.org/drawingml/2006/main" xmlns:r="http://schemas.openxmlformats.org/officeDocument/2006/relationships" xmlns:p="http://schemas.openxmlformats.org/presentationml/2006/main">
+  <p:cSld>
+    <p:spTree>
+      <p:nvGrpSpPr>
+        <p:cNvPr id="1" name=""/>
+        <p:cNvGrpSpPr/>
+        <p:nvPr/>
+      </p:nvGrpSpPr>
+      <p:grpSpPr>
+        <a:xfrm>
+          <a:off x="0" y="0"/>
+          <a:ext cx="0" cy="0"/>
+          <a:chOff x="0" y="0"/>
+          <a:chExt cx="0" cy="0"/>
+        </a:xfrm>
+      </p:grpSpPr>
+      <p:sp>
+        <p:nvSpPr>
+          <p:cNvPr id="2" name="Slide Image Placeholder 1"/>
+          <p:cNvSpPr>
+            <a:spLocks noGrp="1" noRot="1" noChangeAspect="1"/>
+          </p:cNvSpPr>
+          <p:nvPr>
+            <p:ph type="sldImg"/>
+          </p:nvPr>
+        </p:nvSpPr>
+        <p:spPr/>
+      </p:sp>
+      <mc:AlternateContent xmlns:mc="http://schemas.openxmlformats.org/markup-compatibility/2006">
+        <mc:Choice xmlns:a14="http://schemas.microsoft.com/office/drawing/2010/main" Requires="a14">
+          <p:sp>
+            <p:nvSpPr>
+              <p:cNvPr id="3" name="Notes Placeholder 2"/>
+              <p:cNvSpPr>
+                <a:spLocks noGrp="1"/>
+              </p:cNvSpPr>
+              <p:nvPr>
+                <p:ph type="body" idx="1"/>
+              </p:nvPr>
+            </p:nvSpPr>
+            <p:spPr/>
+            <p:txBody>
+              <a:bodyPr/>
+              <a:lstStyle/>
+              <a:p>
+                <a:r>
+                  <a:rPr lang="en-US" dirty="0"/>
+                  <a:t>If the vectors </a:t>
+                </a:r>
+                <a14:m>
+                  <m:oMath xmlns:m="http://schemas.openxmlformats.org/officeDocument/2006/math">
+                    <m:sSub>
+                      <m:sSubPr>
+                        <m:ctrlPr>
+                          <a:rPr lang="en-US" i="1" smtClean="0">
+                            <a:latin typeface="Cambria Math" panose="02040503050406030204" pitchFamily="18" charset="0"/>
+                          </a:rPr>
+                        </m:ctrlPr>
+                      </m:sSubPr>
+                      <m:e>
+                        <m:r>
+                          <a:rPr lang="en-US" b="0" i="1" smtClean="0">
+                            <a:latin typeface="Cambria Math" panose="02040503050406030204" pitchFamily="18" charset="0"/>
+                          </a:rPr>
+                          <m:t>𝑣</m:t>
+                        </m:r>
+                      </m:e>
+                      <m:sub>
+                        <m:r>
+                          <a:rPr lang="en-US" b="0" i="1" smtClean="0">
+                            <a:latin typeface="Cambria Math" panose="02040503050406030204" pitchFamily="18" charset="0"/>
+                          </a:rPr>
+                          <m:t>1</m:t>
+                        </m:r>
+                      </m:sub>
+                    </m:sSub>
+                  </m:oMath>
+                </a14:m>
+                <a:r>
+                  <a:rPr lang="en-US" dirty="0"/>
+                  <a:t>,…,</a:t>
+                </a:r>
+                <a14:m>
+                  <m:oMath xmlns:m="http://schemas.openxmlformats.org/officeDocument/2006/math">
+                    <m:sSub>
+                      <m:sSubPr>
+                        <m:ctrlPr>
+                          <a:rPr lang="en-US" i="1" smtClean="0">
+                            <a:latin typeface="Cambria Math" panose="02040503050406030204" pitchFamily="18" charset="0"/>
+                          </a:rPr>
+                        </m:ctrlPr>
+                      </m:sSubPr>
+                      <m:e>
+                        <m:r>
+                          <a:rPr lang="en-US" b="0" i="1" smtClean="0">
+                            <a:latin typeface="Cambria Math" panose="02040503050406030204" pitchFamily="18" charset="0"/>
+                          </a:rPr>
+                          <m:t>𝑣</m:t>
+                        </m:r>
+                      </m:e>
+                      <m:sub>
+                        <m:r>
+                          <a:rPr lang="en-US" b="0" i="1" smtClean="0">
+                            <a:latin typeface="Cambria Math" panose="02040503050406030204" pitchFamily="18" charset="0"/>
+                          </a:rPr>
+                          <m:t>𝑛</m:t>
+                        </m:r>
+                      </m:sub>
+                    </m:sSub>
+                  </m:oMath>
+                </a14:m>
+                <a:r>
+                  <a:rPr lang="en-US" dirty="0"/>
+                  <a:t> in subspace W span W then:</a:t>
+                </a:r>
+              </a:p>
+              <a:p>
+                <a:pPr marL="228600" indent="-228600">
+                  <a:buAutoNum type="arabicPeriod"/>
+                </a:pPr>
+                <a:r>
+                  <a:rPr lang="en-US" dirty="0"/>
+                  <a:t>n ≥ dim(W)           (in order to span R2 for instance, we need at least 2 vectors).</a:t>
+                </a:r>
+              </a:p>
+              <a:p>
+                <a:pPr marL="228600" indent="-228600">
+                  <a:buAutoNum type="arabicPeriod"/>
+                </a:pPr>
+                <a:r>
+                  <a:rPr lang="en-US" dirty="0"/>
+                  <a:t>If n = dim(W), </a:t>
+                </a:r>
+                <a14:m>
+                  <m:oMath xmlns:m="http://schemas.openxmlformats.org/officeDocument/2006/math">
+                    <m:sSub>
+                      <m:sSubPr>
+                        <m:ctrlPr>
+                          <a:rPr lang="en-US" i="1" smtClean="0">
+                            <a:latin typeface="Cambria Math" panose="02040503050406030204" pitchFamily="18" charset="0"/>
+                          </a:rPr>
+                        </m:ctrlPr>
+                      </m:sSubPr>
+                      <m:e>
+                        <m:r>
+                          <a:rPr lang="en-US" b="0" i="1" smtClean="0">
+                            <a:latin typeface="Cambria Math" panose="02040503050406030204" pitchFamily="18" charset="0"/>
+                          </a:rPr>
+                          <m:t>𝑣</m:t>
+                        </m:r>
+                      </m:e>
+                      <m:sub>
+                        <m:r>
+                          <a:rPr lang="en-US" b="0" i="1" smtClean="0">
+                            <a:latin typeface="Cambria Math" panose="02040503050406030204" pitchFamily="18" charset="0"/>
+                          </a:rPr>
+                          <m:t>1</m:t>
+                        </m:r>
+                      </m:sub>
+                    </m:sSub>
+                  </m:oMath>
+                </a14:m>
+                <a:r>
+                  <a:rPr lang="en-US" dirty="0"/>
+                  <a:t>,…,</a:t>
+                </a:r>
+                <a14:m>
+                  <m:oMath xmlns:m="http://schemas.openxmlformats.org/officeDocument/2006/math">
+                    <m:sSub>
+                      <m:sSubPr>
+                        <m:ctrlPr>
+                          <a:rPr lang="en-US" i="1" smtClean="0">
+                            <a:latin typeface="Cambria Math" panose="02040503050406030204" pitchFamily="18" charset="0"/>
+                          </a:rPr>
+                        </m:ctrlPr>
+                      </m:sSubPr>
+                      <m:e>
+                        <m:r>
+                          <a:rPr lang="en-US" b="0" i="1" smtClean="0">
+                            <a:latin typeface="Cambria Math" panose="02040503050406030204" pitchFamily="18" charset="0"/>
+                          </a:rPr>
+                          <m:t>𝑣</m:t>
+                        </m:r>
+                      </m:e>
+                      <m:sub>
+                        <m:r>
+                          <a:rPr lang="en-US" b="0" i="1" smtClean="0">
+                            <a:latin typeface="Cambria Math" panose="02040503050406030204" pitchFamily="18" charset="0"/>
+                          </a:rPr>
+                          <m:t>𝑛</m:t>
+                        </m:r>
+                      </m:sub>
+                    </m:sSub>
+                  </m:oMath>
+                </a14:m>
+                <a:r>
+                  <a:rPr lang="en-US" dirty="0"/>
+                  <a:t> are linear independent.  (If we have 2 vectors in R2 that span R2, they must be pointing in different directions).</a:t>
+                </a:r>
+              </a:p>
+              <a:p>
+                <a:pPr marL="228600" indent="-228600">
+                  <a:buAutoNum type="arabicPeriod"/>
+                </a:pPr>
+                <a:endParaRPr lang="en-US" dirty="0"/>
+              </a:p>
+              <a:p>
+                <a:pPr marL="0" indent="0">
+                  <a:buNone/>
+                </a:pPr>
+                <a:r>
+                  <a:rPr lang="en-US" dirty="0"/>
+                  <a:t>Note that n is the number of vectors in </a:t>
+                </a:r>
+                <a14:m>
+                  <m:oMath xmlns:m="http://schemas.openxmlformats.org/officeDocument/2006/math">
+                    <m:sSub>
+                      <m:sSubPr>
+                        <m:ctrlPr>
+                          <a:rPr lang="en-US" i="1" smtClean="0">
+                            <a:latin typeface="Cambria Math" panose="02040503050406030204" pitchFamily="18" charset="0"/>
+                          </a:rPr>
+                        </m:ctrlPr>
+                      </m:sSubPr>
+                      <m:e>
+                        <m:r>
+                          <a:rPr lang="en-US" b="0" i="1" smtClean="0">
+                            <a:latin typeface="Cambria Math" panose="02040503050406030204" pitchFamily="18" charset="0"/>
+                          </a:rPr>
+                          <m:t>𝑣</m:t>
+                        </m:r>
+                      </m:e>
+                      <m:sub>
+                        <m:r>
+                          <a:rPr lang="en-US" b="0" i="1" smtClean="0">
+                            <a:latin typeface="Cambria Math" panose="02040503050406030204" pitchFamily="18" charset="0"/>
+                          </a:rPr>
+                          <m:t>1</m:t>
+                        </m:r>
+                      </m:sub>
+                    </m:sSub>
+                  </m:oMath>
+                </a14:m>
+                <a:r>
+                  <a:rPr lang="en-US" dirty="0"/>
+                  <a:t>,…,</a:t>
+                </a:r>
+                <a14:m>
+                  <m:oMath xmlns:m="http://schemas.openxmlformats.org/officeDocument/2006/math">
+                    <m:sSub>
+                      <m:sSubPr>
+                        <m:ctrlPr>
+                          <a:rPr lang="en-US" i="1" smtClean="0">
+                            <a:latin typeface="Cambria Math" panose="02040503050406030204" pitchFamily="18" charset="0"/>
+                          </a:rPr>
+                        </m:ctrlPr>
+                      </m:sSubPr>
+                      <m:e>
+                        <m:r>
+                          <a:rPr lang="en-US" b="0" i="1" smtClean="0">
+                            <a:latin typeface="Cambria Math" panose="02040503050406030204" pitchFamily="18" charset="0"/>
+                          </a:rPr>
+                          <m:t>𝑣</m:t>
+                        </m:r>
+                      </m:e>
+                      <m:sub>
+                        <m:r>
+                          <a:rPr lang="en-US" b="0" i="1" smtClean="0">
+                            <a:latin typeface="Cambria Math" panose="02040503050406030204" pitchFamily="18" charset="0"/>
+                          </a:rPr>
+                          <m:t>𝑛</m:t>
+                        </m:r>
+                      </m:sub>
+                    </m:sSub>
+                  </m:oMath>
+                </a14:m>
+                <a:r>
+                  <a:rPr lang="en-US" dirty="0"/>
+                  <a:t>.</a:t>
+                </a:r>
+              </a:p>
+            </p:txBody>
+          </p:sp>
+        </mc:Choice>
+        <mc:Fallback>
+          <p:sp>
+            <p:nvSpPr>
+              <p:cNvPr id="3" name="Notes Placeholder 2"/>
+              <p:cNvSpPr>
+                <a:spLocks noGrp="1"/>
+              </p:cNvSpPr>
+              <p:nvPr>
+                <p:ph type="body" idx="1"/>
+              </p:nvPr>
+            </p:nvSpPr>
+            <p:spPr/>
+            <p:txBody>
+              <a:bodyPr/>
+              <a:lstStyle/>
+              <a:p>
+                <a:r>
+                  <a:rPr lang="en-US" dirty="0"/>
+                  <a:t>If the vectors </a:t>
+                </a:r>
+                <a:r>
+                  <a:rPr lang="en-US" b="0" i="0">
+                    <a:latin typeface="Cambria Math" panose="02040503050406030204" pitchFamily="18" charset="0"/>
+                  </a:rPr>
+                  <a:t>𝑣_1</a:t>
+                </a:r>
+                <a:r>
+                  <a:rPr lang="en-US" dirty="0"/>
+                  <a:t>,…,</a:t>
+                </a:r>
+                <a:r>
+                  <a:rPr lang="en-US" b="0" i="0">
+                    <a:latin typeface="Cambria Math" panose="02040503050406030204" pitchFamily="18" charset="0"/>
+                  </a:rPr>
+                  <a:t>𝑣_𝑛</a:t>
+                </a:r>
+                <a:r>
+                  <a:rPr lang="en-US" dirty="0"/>
+                  <a:t> in subspace W span W then:</a:t>
+                </a:r>
+              </a:p>
+              <a:p>
+                <a:pPr marL="228600" indent="-228600">
+                  <a:buAutoNum type="arabicPeriod"/>
+                </a:pPr>
+                <a:r>
+                  <a:rPr lang="en-US" dirty="0"/>
+                  <a:t>n ≥ dim(W)           (in order to span R2 for instance, we need at least 2 vectors).</a:t>
+                </a:r>
+              </a:p>
+              <a:p>
+                <a:pPr marL="228600" indent="-228600">
+                  <a:buAutoNum type="arabicPeriod"/>
+                </a:pPr>
+                <a:r>
+                  <a:rPr lang="en-US" dirty="0"/>
+                  <a:t>If n = dim(W), </a:t>
+                </a:r>
+                <a:r>
+                  <a:rPr lang="en-US" b="0" i="0">
+                    <a:latin typeface="Cambria Math" panose="02040503050406030204" pitchFamily="18" charset="0"/>
+                  </a:rPr>
+                  <a:t>𝑣_1</a:t>
+                </a:r>
+                <a:r>
+                  <a:rPr lang="en-US" dirty="0"/>
+                  <a:t>,…,</a:t>
+                </a:r>
+                <a:r>
+                  <a:rPr lang="en-US" b="0" i="0">
+                    <a:latin typeface="Cambria Math" panose="02040503050406030204" pitchFamily="18" charset="0"/>
+                  </a:rPr>
+                  <a:t>𝑣_𝑛</a:t>
+                </a:r>
+                <a:r>
+                  <a:rPr lang="en-US" dirty="0"/>
+                  <a:t> are linear independent.  (If we have 2 vectors in R2 that span R2, they must be pointing in different directions).</a:t>
+                </a:r>
+              </a:p>
+              <a:p>
+                <a:pPr marL="228600" indent="-228600">
+                  <a:buAutoNum type="arabicPeriod"/>
+                </a:pPr>
+                <a:endParaRPr lang="en-US" dirty="0"/>
+              </a:p>
+              <a:p>
+                <a:pPr marL="0" indent="0">
+                  <a:buNone/>
+                </a:pPr>
+                <a:r>
+                  <a:rPr lang="en-US" dirty="0"/>
+                  <a:t>Note that n is the number of vectors in </a:t>
+                </a:r>
+                <a:r>
+                  <a:rPr lang="en-US" b="0" i="0">
+                    <a:latin typeface="Cambria Math" panose="02040503050406030204" pitchFamily="18" charset="0"/>
+                  </a:rPr>
+                  <a:t>𝑣_1</a:t>
+                </a:r>
+                <a:r>
+                  <a:rPr lang="en-US" dirty="0"/>
+                  <a:t>,…,</a:t>
+                </a:r>
+                <a:r>
+                  <a:rPr lang="en-US" b="0" i="0">
+                    <a:latin typeface="Cambria Math" panose="02040503050406030204" pitchFamily="18" charset="0"/>
+                  </a:rPr>
+                  <a:t>𝑣_𝑛</a:t>
+                </a:r>
+                <a:r>
+                  <a:rPr lang="en-US" dirty="0"/>
+                  <a:t>.</a:t>
+                </a:r>
+              </a:p>
+            </p:txBody>
+          </p:sp>
+        </mc:Fallback>
+      </mc:AlternateContent>
+      <p:sp>
+        <p:nvSpPr>
+          <p:cNvPr id="4" name="Slide Number Placeholder 3"/>
+          <p:cNvSpPr>
+            <a:spLocks noGrp="1"/>
+          </p:cNvSpPr>
+          <p:nvPr>
+            <p:ph type="sldNum" sz="quarter" idx="5"/>
+          </p:nvPr>
+        </p:nvSpPr>
+        <p:spPr/>
+        <p:txBody>
+          <a:bodyPr/>
+          <a:lstStyle/>
+          <a:p>
+            <a:fld id="{B2AFC0E1-9A48-4B26-9FCC-0F0ED76BE088}" type="slidenum">
+              <a:rPr lang="en-US" smtClean="0"/>
+              <a:t>10</a:t>
+            </a:fld>
+            <a:endParaRPr lang="en-US"/>
+          </a:p>
+        </p:txBody>
+      </p:sp>
+    </p:spTree>
+    <p:extLst>
+      <p:ext uri="{BB962C8B-B14F-4D97-AF65-F5344CB8AC3E}">
+        <p14:creationId xmlns:p14="http://schemas.microsoft.com/office/powerpoint/2010/main" val="994784428"/>
+      </p:ext>
+    </p:extLst>
+  </p:cSld>
+  <p:clrMapOvr>
+    <a:masterClrMapping/>
+  </p:clrMapOvr>
+</p:notes>
+</file>
+
+<file path=ppt/notesSlides/notesSlide11.xml><?xml version="1.0" encoding="utf-8"?>
+<p:notes xmlns:a="http://schemas.openxmlformats.org/drawingml/2006/main" xmlns:r="http://schemas.openxmlformats.org/officeDocument/2006/relationships" xmlns:p="http://schemas.openxmlformats.org/presentationml/2006/main">
+  <p:cSld>
+    <p:spTree>
+      <p:nvGrpSpPr>
+        <p:cNvPr id="1" name=""/>
+        <p:cNvGrpSpPr/>
+        <p:nvPr/>
+      </p:nvGrpSpPr>
+      <p:grpSpPr>
+        <a:xfrm>
+          <a:off x="0" y="0"/>
+          <a:ext cx="0" cy="0"/>
+          <a:chOff x="0" y="0"/>
+          <a:chExt cx="0" cy="0"/>
+        </a:xfrm>
+      </p:grpSpPr>
+      <p:sp>
+        <p:nvSpPr>
+          <p:cNvPr id="2" name="Slide Image Placeholder 1"/>
+          <p:cNvSpPr>
+            <a:spLocks noGrp="1" noRot="1" noChangeAspect="1"/>
+          </p:cNvSpPr>
+          <p:nvPr>
+            <p:ph type="sldImg"/>
+          </p:nvPr>
+        </p:nvSpPr>
+        <p:spPr/>
+      </p:sp>
+      <mc:AlternateContent xmlns:mc="http://schemas.openxmlformats.org/markup-compatibility/2006">
+        <mc:Choice xmlns:a14="http://schemas.microsoft.com/office/drawing/2010/main" Requires="a14">
+          <p:sp>
+            <p:nvSpPr>
+              <p:cNvPr id="3" name="Notes Placeholder 2"/>
+              <p:cNvSpPr>
+                <a:spLocks noGrp="1"/>
+              </p:cNvSpPr>
+              <p:nvPr>
+                <p:ph type="body" idx="1"/>
+              </p:nvPr>
+            </p:nvSpPr>
+            <p:spPr/>
+            <p:txBody>
+              <a:bodyPr/>
+              <a:lstStyle/>
+              <a:p>
+                <a:r>
+                  <a:rPr lang="en-US" dirty="0"/>
+                  <a:t>If the vectors </a:t>
+                </a:r>
+                <a14:m>
+                  <m:oMath xmlns:m="http://schemas.openxmlformats.org/officeDocument/2006/math">
+                    <m:sSub>
+                      <m:sSubPr>
+                        <m:ctrlPr>
+                          <a:rPr lang="en-US" i="1" smtClean="0">
+                            <a:latin typeface="Cambria Math" panose="02040503050406030204" pitchFamily="18" charset="0"/>
+                          </a:rPr>
+                        </m:ctrlPr>
+                      </m:sSubPr>
+                      <m:e>
+                        <m:r>
+                          <a:rPr lang="en-US" b="0" i="1" smtClean="0">
+                            <a:latin typeface="Cambria Math" panose="02040503050406030204" pitchFamily="18" charset="0"/>
+                          </a:rPr>
+                          <m:t>𝑣</m:t>
+                        </m:r>
+                      </m:e>
+                      <m:sub>
+                        <m:r>
+                          <a:rPr lang="en-US" b="0" i="1" smtClean="0">
+                            <a:latin typeface="Cambria Math" panose="02040503050406030204" pitchFamily="18" charset="0"/>
+                          </a:rPr>
+                          <m:t>1</m:t>
+                        </m:r>
+                      </m:sub>
+                    </m:sSub>
+                  </m:oMath>
+                </a14:m>
+                <a:r>
+                  <a:rPr lang="en-US" dirty="0"/>
+                  <a:t>,…,</a:t>
+                </a:r>
+                <a14:m>
+                  <m:oMath xmlns:m="http://schemas.openxmlformats.org/officeDocument/2006/math">
+                    <m:sSub>
+                      <m:sSubPr>
+                        <m:ctrlPr>
+                          <a:rPr lang="en-US" i="1" smtClean="0">
+                            <a:latin typeface="Cambria Math" panose="02040503050406030204" pitchFamily="18" charset="0"/>
+                          </a:rPr>
+                        </m:ctrlPr>
+                      </m:sSubPr>
+                      <m:e>
+                        <m:r>
+                          <a:rPr lang="en-US" b="0" i="1" smtClean="0">
+                            <a:latin typeface="Cambria Math" panose="02040503050406030204" pitchFamily="18" charset="0"/>
+                          </a:rPr>
+                          <m:t>𝑣</m:t>
+                        </m:r>
+                      </m:e>
+                      <m:sub>
+                        <m:r>
+                          <a:rPr lang="en-US" b="0" i="1" smtClean="0">
+                            <a:latin typeface="Cambria Math" panose="02040503050406030204" pitchFamily="18" charset="0"/>
+                          </a:rPr>
+                          <m:t>𝑛</m:t>
+                        </m:r>
+                      </m:sub>
+                    </m:sSub>
+                  </m:oMath>
+                </a14:m>
+                <a:r>
+                  <a:rPr lang="en-US" dirty="0"/>
+                  <a:t> in subspace W are linearly independent</a:t>
+                </a:r>
+                <a:r>
+                  <a:rPr lang="en-US" baseline="0" dirty="0"/>
+                  <a:t> then:</a:t>
+                </a:r>
+              </a:p>
+              <a:p>
+                <a:pPr marL="228600" indent="-228600">
+                  <a:buAutoNum type="arabicPeriod"/>
+                </a:pPr>
+                <a:r>
+                  <a:rPr lang="en-US" baseline="0" dirty="0"/>
+                  <a:t>n ≤ dim(W)              (Linear independent vectors cannot be reduced, therefore, the upper limit of n is the number of vectors in W).</a:t>
+                </a:r>
+              </a:p>
+              <a:p>
+                <a:pPr marL="228600" indent="-228600">
+                  <a:buAutoNum type="arabicPeriod"/>
+                </a:pPr>
+                <a:r>
+                  <a:rPr lang="en-US" baseline="0" dirty="0"/>
+                  <a:t>If n = dim(W), </a:t>
+                </a:r>
+                <a14:m>
+                  <m:oMath xmlns:m="http://schemas.openxmlformats.org/officeDocument/2006/math">
+                    <m:sSub>
+                      <m:sSubPr>
+                        <m:ctrlPr>
+                          <a:rPr lang="en-US" i="1" smtClean="0">
+                            <a:latin typeface="Cambria Math" panose="02040503050406030204" pitchFamily="18" charset="0"/>
+                          </a:rPr>
+                        </m:ctrlPr>
+                      </m:sSubPr>
+                      <m:e>
+                        <m:r>
+                          <a:rPr lang="en-US" b="0" i="1" smtClean="0">
+                            <a:latin typeface="Cambria Math" panose="02040503050406030204" pitchFamily="18" charset="0"/>
+                          </a:rPr>
+                          <m:t>𝑣</m:t>
+                        </m:r>
+                      </m:e>
+                      <m:sub>
+                        <m:r>
+                          <a:rPr lang="en-US" b="0" i="1" smtClean="0">
+                            <a:latin typeface="Cambria Math" panose="02040503050406030204" pitchFamily="18" charset="0"/>
+                          </a:rPr>
+                          <m:t>1</m:t>
+                        </m:r>
+                      </m:sub>
+                    </m:sSub>
+                  </m:oMath>
+                </a14:m>
+                <a:r>
+                  <a:rPr lang="en-US" dirty="0"/>
+                  <a:t>,…,</a:t>
+                </a:r>
+                <a14:m>
+                  <m:oMath xmlns:m="http://schemas.openxmlformats.org/officeDocument/2006/math">
+                    <m:sSub>
+                      <m:sSubPr>
+                        <m:ctrlPr>
+                          <a:rPr lang="en-US" i="1" smtClean="0">
+                            <a:latin typeface="Cambria Math" panose="02040503050406030204" pitchFamily="18" charset="0"/>
+                          </a:rPr>
+                        </m:ctrlPr>
+                      </m:sSubPr>
+                      <m:e>
+                        <m:r>
+                          <a:rPr lang="en-US" b="0" i="1" smtClean="0">
+                            <a:latin typeface="Cambria Math" panose="02040503050406030204" pitchFamily="18" charset="0"/>
+                          </a:rPr>
+                          <m:t>𝑣</m:t>
+                        </m:r>
+                      </m:e>
+                      <m:sub>
+                        <m:r>
+                          <a:rPr lang="en-US" b="0" i="1" smtClean="0">
+                            <a:latin typeface="Cambria Math" panose="02040503050406030204" pitchFamily="18" charset="0"/>
+                          </a:rPr>
+                          <m:t>𝑛</m:t>
+                        </m:r>
+                      </m:sub>
+                    </m:sSub>
+                  </m:oMath>
+                </a14:m>
+                <a:r>
+                  <a:rPr lang="en-US" baseline="0" dirty="0"/>
+                  <a:t> span W.  (If W consists of only linearly independent vectors, then those vectors generate all of W).</a:t>
+                </a:r>
+                <a:endParaRPr lang="en-US" dirty="0"/>
+              </a:p>
+            </p:txBody>
+          </p:sp>
+        </mc:Choice>
+        <mc:Fallback>
+          <p:sp>
+            <p:nvSpPr>
+              <p:cNvPr id="3" name="Notes Placeholder 2"/>
+              <p:cNvSpPr>
+                <a:spLocks noGrp="1"/>
+              </p:cNvSpPr>
+              <p:nvPr>
+                <p:ph type="body" idx="1"/>
+              </p:nvPr>
+            </p:nvSpPr>
+            <p:spPr/>
+            <p:txBody>
+              <a:bodyPr/>
+              <a:lstStyle/>
+              <a:p>
+                <a:r>
+                  <a:rPr lang="en-US" dirty="0"/>
+                  <a:t>If the vectors </a:t>
+                </a:r>
+                <a:r>
+                  <a:rPr lang="en-US" b="0" i="0">
+                    <a:latin typeface="Cambria Math" panose="02040503050406030204" pitchFamily="18" charset="0"/>
+                  </a:rPr>
+                  <a:t>𝑣_1</a:t>
+                </a:r>
+                <a:r>
+                  <a:rPr lang="en-US" dirty="0"/>
+                  <a:t>,…,</a:t>
+                </a:r>
+                <a:r>
+                  <a:rPr lang="en-US" b="0" i="0">
+                    <a:latin typeface="Cambria Math" panose="02040503050406030204" pitchFamily="18" charset="0"/>
+                  </a:rPr>
+                  <a:t>𝑣_𝑛</a:t>
+                </a:r>
+                <a:r>
+                  <a:rPr lang="en-US" dirty="0"/>
+                  <a:t> in subspace W are linearly independent</a:t>
+                </a:r>
+                <a:r>
+                  <a:rPr lang="en-US" baseline="0" dirty="0"/>
+                  <a:t> then:</a:t>
+                </a:r>
+              </a:p>
+              <a:p>
+                <a:pPr marL="228600" indent="-228600">
+                  <a:buAutoNum type="arabicPeriod"/>
+                </a:pPr>
+                <a:r>
+                  <a:rPr lang="en-US" baseline="0" dirty="0"/>
+                  <a:t>n ≤ dim(W)              (Linear independent vectors cannot be reduced, therefore, the upper limit of n is the number of vectors in W).</a:t>
+                </a:r>
+              </a:p>
+              <a:p>
+                <a:pPr marL="228600" indent="-228600">
+                  <a:buAutoNum type="arabicPeriod"/>
+                </a:pPr>
+                <a:r>
+                  <a:rPr lang="en-US" baseline="0" dirty="0"/>
+                  <a:t>If n = dim(W), </a:t>
+                </a:r>
+                <a:r>
+                  <a:rPr lang="en-US" b="0" i="0">
+                    <a:latin typeface="Cambria Math" panose="02040503050406030204" pitchFamily="18" charset="0"/>
+                  </a:rPr>
+                  <a:t>𝑣_1</a:t>
+                </a:r>
+                <a:r>
+                  <a:rPr lang="en-US" dirty="0"/>
+                  <a:t>,…,</a:t>
+                </a:r>
+                <a:r>
+                  <a:rPr lang="en-US" b="0" i="0">
+                    <a:latin typeface="Cambria Math" panose="02040503050406030204" pitchFamily="18" charset="0"/>
+                  </a:rPr>
+                  <a:t>𝑣_𝑛</a:t>
+                </a:r>
+                <a:r>
+                  <a:rPr lang="en-US" baseline="0" dirty="0"/>
+                  <a:t> span W.  (If W consists of only linearly independent vectors, then those vectors generate all of W).</a:t>
+                </a:r>
+                <a:endParaRPr lang="en-US" dirty="0"/>
+              </a:p>
+            </p:txBody>
+          </p:sp>
+        </mc:Fallback>
+      </mc:AlternateContent>
+      <p:sp>
+        <p:nvSpPr>
+          <p:cNvPr id="4" name="Slide Number Placeholder 3"/>
+          <p:cNvSpPr>
+            <a:spLocks noGrp="1"/>
+          </p:cNvSpPr>
+          <p:nvPr>
+            <p:ph type="sldNum" sz="quarter" idx="5"/>
+          </p:nvPr>
+        </p:nvSpPr>
+        <p:spPr/>
+        <p:txBody>
+          <a:bodyPr/>
+          <a:lstStyle/>
+          <a:p>
+            <a:fld id="{B2AFC0E1-9A48-4B26-9FCC-0F0ED76BE088}" type="slidenum">
+              <a:rPr lang="en-US" smtClean="0"/>
+              <a:t>11</a:t>
+            </a:fld>
+            <a:endParaRPr lang="en-US"/>
+          </a:p>
+        </p:txBody>
+      </p:sp>
+    </p:spTree>
+    <p:extLst>
+      <p:ext uri="{BB962C8B-B14F-4D97-AF65-F5344CB8AC3E}">
+        <p14:creationId xmlns:p14="http://schemas.microsoft.com/office/powerpoint/2010/main" val="2865145220"/>
+      </p:ext>
+    </p:extLst>
+  </p:cSld>
+  <p:clrMapOvr>
+    <a:masterClrMapping/>
+  </p:clrMapOvr>
+</p:notes>
+</file>
+
+<file path=ppt/notesSlides/notesSlide12.xml><?xml version="1.0" encoding="utf-8"?>
+<p:notes xmlns:a="http://schemas.openxmlformats.org/drawingml/2006/main" xmlns:r="http://schemas.openxmlformats.org/officeDocument/2006/relationships" xmlns:p="http://schemas.openxmlformats.org/presentationml/2006/main">
+  <p:cSld>
+    <p:spTree>
+      <p:nvGrpSpPr>
+        <p:cNvPr id="1" name=""/>
+        <p:cNvGrpSpPr/>
+        <p:nvPr/>
+      </p:nvGrpSpPr>
+      <p:grpSpPr>
+        <a:xfrm>
+          <a:off x="0" y="0"/>
+          <a:ext cx="0" cy="0"/>
+          <a:chOff x="0" y="0"/>
+          <a:chExt cx="0" cy="0"/>
+        </a:xfrm>
+      </p:grpSpPr>
+      <p:sp>
+        <p:nvSpPr>
+          <p:cNvPr id="2" name="Slide Image Placeholder 1"/>
+          <p:cNvSpPr>
+            <a:spLocks noGrp="1" noRot="1" noChangeAspect="1"/>
+          </p:cNvSpPr>
+          <p:nvPr>
+            <p:ph type="sldImg"/>
+          </p:nvPr>
+        </p:nvSpPr>
+        <p:spPr/>
+      </p:sp>
+      <mc:AlternateContent xmlns:mc="http://schemas.openxmlformats.org/markup-compatibility/2006">
+        <mc:Choice xmlns:a14="http://schemas.microsoft.com/office/drawing/2010/main" Requires="a14">
+          <p:sp>
+            <p:nvSpPr>
+              <p:cNvPr id="3" name="Notes Placeholder 2"/>
+              <p:cNvSpPr>
+                <a:spLocks noGrp="1"/>
+              </p:cNvSpPr>
+              <p:nvPr>
+                <p:ph type="body" idx="1"/>
+              </p:nvPr>
+            </p:nvSpPr>
+            <p:spPr/>
+            <p:txBody>
+              <a:bodyPr/>
+              <a:lstStyle/>
+              <a:p>
+                <a:r>
+                  <a:rPr lang="en-US" dirty="0"/>
+                  <a:t>If W is a subspace of </a:t>
+                </a:r>
+                <a14:m>
+                  <m:oMath xmlns:m="http://schemas.openxmlformats.org/officeDocument/2006/math">
+                    <m:sSup>
+                      <m:sSupPr>
+                        <m:ctrlPr>
+                          <a:rPr lang="en-US" i="1" smtClean="0">
+                            <a:latin typeface="Cambria Math" panose="02040503050406030204" pitchFamily="18" charset="0"/>
+                          </a:rPr>
+                        </m:ctrlPr>
+                      </m:sSupPr>
+                      <m:e>
+                        <m:r>
+                          <a:rPr lang="en-US" b="0" i="1" smtClean="0">
+                            <a:latin typeface="Cambria Math" panose="02040503050406030204" pitchFamily="18" charset="0"/>
+                          </a:rPr>
+                          <m:t>𝑅</m:t>
+                        </m:r>
+                      </m:e>
+                      <m:sup>
+                        <m:r>
+                          <a:rPr lang="en-US" b="0" i="1" smtClean="0">
+                            <a:latin typeface="Cambria Math" panose="02040503050406030204" pitchFamily="18" charset="0"/>
+                          </a:rPr>
+                          <m:t>𝑚</m:t>
+                        </m:r>
+                      </m:sup>
+                    </m:sSup>
+                  </m:oMath>
+                </a14:m>
+                <a:r>
+                  <a:rPr lang="en-US" dirty="0"/>
+                  <a:t> then:</a:t>
+                </a:r>
+              </a:p>
+              <a:p>
+                <a:r>
+                  <a:rPr lang="en-US" dirty="0"/>
+                  <a:t>1. dim(W) ≤ m   (If you have 3 linearly independent vectors, there exists 3 components in W (</a:t>
+                </a:r>
+                <a:r>
+                  <a:rPr lang="en-US" dirty="0" err="1"/>
+                  <a:t>xyz</a:t>
+                </a:r>
+                <a:r>
+                  <a:rPr lang="en-US" dirty="0"/>
+                  <a:t>) so W cannot exist in R2).</a:t>
+                </a:r>
+              </a:p>
+              <a:p>
+                <a:r>
+                  <a:rPr lang="en-US" dirty="0"/>
+                  <a:t>2. W = </a:t>
+                </a:r>
+                <a14:m>
+                  <m:oMath xmlns:m="http://schemas.openxmlformats.org/officeDocument/2006/math">
+                    <m:sSup>
+                      <m:sSupPr>
+                        <m:ctrlPr>
+                          <a:rPr lang="en-US" i="1" smtClean="0">
+                            <a:latin typeface="Cambria Math" panose="02040503050406030204" pitchFamily="18" charset="0"/>
+                          </a:rPr>
+                        </m:ctrlPr>
+                      </m:sSupPr>
+                      <m:e>
+                        <m:r>
+                          <a:rPr lang="en-US" b="0" i="1" smtClean="0">
+                            <a:latin typeface="Cambria Math" panose="02040503050406030204" pitchFamily="18" charset="0"/>
+                          </a:rPr>
+                          <m:t>𝑅</m:t>
+                        </m:r>
+                      </m:e>
+                      <m:sup>
+                        <m:r>
+                          <a:rPr lang="en-US" b="0" i="1" smtClean="0">
+                            <a:latin typeface="Cambria Math" panose="02040503050406030204" pitchFamily="18" charset="0"/>
+                          </a:rPr>
+                          <m:t>𝑚</m:t>
+                        </m:r>
+                      </m:sup>
+                    </m:sSup>
+                  </m:oMath>
+                </a14:m>
+                <a:r>
+                  <a:rPr lang="en-US" dirty="0"/>
+                  <a:t> </a:t>
+                </a:r>
+                <a:r>
+                  <a:rPr lang="en-US" u="sng" dirty="0"/>
+                  <a:t>if and only </a:t>
+                </a:r>
+                <a:r>
+                  <a:rPr lang="en-US" dirty="0"/>
+                  <a:t>if dim(W) = m </a:t>
+                </a:r>
+                <a:r>
+                  <a:rPr lang="en-US" baseline="0" dirty="0"/>
+                  <a:t> (If you have 2 linearly independent vectors, they span R2, no exceptions)</a:t>
+                </a:r>
+                <a:endParaRPr lang="en-US" dirty="0"/>
+              </a:p>
+            </p:txBody>
+          </p:sp>
+        </mc:Choice>
+        <mc:Fallback>
+          <p:sp>
+            <p:nvSpPr>
+              <p:cNvPr id="3" name="Notes Placeholder 2"/>
+              <p:cNvSpPr>
+                <a:spLocks noGrp="1"/>
+              </p:cNvSpPr>
+              <p:nvPr>
+                <p:ph type="body" idx="1"/>
+              </p:nvPr>
+            </p:nvSpPr>
+            <p:spPr/>
+            <p:txBody>
+              <a:bodyPr/>
+              <a:lstStyle/>
+              <a:p>
+                <a:r>
+                  <a:rPr lang="en-US" dirty="0"/>
+                  <a:t>If W is a subspace of </a:t>
+                </a:r>
+                <a:r>
+                  <a:rPr lang="en-US" b="0" i="0">
+                    <a:latin typeface="Cambria Math" panose="02040503050406030204" pitchFamily="18" charset="0"/>
+                  </a:rPr>
+                  <a:t>𝑅^𝑚</a:t>
+                </a:r>
+                <a:r>
+                  <a:rPr lang="en-US" dirty="0"/>
+                  <a:t> then:</a:t>
+                </a:r>
+              </a:p>
+              <a:p>
+                <a:r>
+                  <a:rPr lang="en-US" dirty="0"/>
+                  <a:t>1. dim(W) ≤ m   (If you have 3 linearly independent vectors, there exists 3 components in W (</a:t>
+                </a:r>
+                <a:r>
+                  <a:rPr lang="en-US" dirty="0" err="1"/>
+                  <a:t>xyz</a:t>
+                </a:r>
+                <a:r>
+                  <a:rPr lang="en-US" dirty="0"/>
+                  <a:t>) so W cannot exist in R2).</a:t>
+                </a:r>
+              </a:p>
+              <a:p>
+                <a:r>
+                  <a:rPr lang="en-US" dirty="0"/>
+                  <a:t>2. W = </a:t>
+                </a:r>
+                <a:r>
+                  <a:rPr lang="en-US" b="0" i="0">
+                    <a:latin typeface="Cambria Math" panose="02040503050406030204" pitchFamily="18" charset="0"/>
+                  </a:rPr>
+                  <a:t>𝑅^𝑚</a:t>
+                </a:r>
+                <a:r>
+                  <a:rPr lang="en-US" dirty="0"/>
+                  <a:t> </a:t>
+                </a:r>
+                <a:r>
+                  <a:rPr lang="en-US" u="sng" dirty="0"/>
+                  <a:t>if and only </a:t>
+                </a:r>
+                <a:r>
+                  <a:rPr lang="en-US" dirty="0"/>
+                  <a:t>if dim(W) = m </a:t>
+                </a:r>
+                <a:r>
+                  <a:rPr lang="en-US" baseline="0" dirty="0"/>
+                  <a:t> (If you have 2 linearly independent vectors, they span R2, no exceptions)</a:t>
+                </a:r>
+                <a:endParaRPr lang="en-US" dirty="0"/>
+              </a:p>
+            </p:txBody>
+          </p:sp>
+        </mc:Fallback>
+      </mc:AlternateContent>
+      <p:sp>
+        <p:nvSpPr>
+          <p:cNvPr id="4" name="Slide Number Placeholder 3"/>
+          <p:cNvSpPr>
+            <a:spLocks noGrp="1"/>
+          </p:cNvSpPr>
+          <p:nvPr>
+            <p:ph type="sldNum" sz="quarter" idx="5"/>
+          </p:nvPr>
+        </p:nvSpPr>
+        <p:spPr/>
+        <p:txBody>
+          <a:bodyPr/>
+          <a:lstStyle/>
+          <a:p>
+            <a:fld id="{B2AFC0E1-9A48-4B26-9FCC-0F0ED76BE088}" type="slidenum">
+              <a:rPr lang="en-US" smtClean="0"/>
+              <a:t>12</a:t>
+            </a:fld>
+            <a:endParaRPr lang="en-US"/>
+          </a:p>
+        </p:txBody>
+      </p:sp>
+    </p:spTree>
+    <p:extLst>
+      <p:ext uri="{BB962C8B-B14F-4D97-AF65-F5344CB8AC3E}">
+        <p14:creationId xmlns:p14="http://schemas.microsoft.com/office/powerpoint/2010/main" val="1570073112"/>
+      </p:ext>
+    </p:extLst>
+  </p:cSld>
+  <p:clrMapOvr>
+    <a:masterClrMapping/>
+  </p:clrMapOvr>
+</p:notes>
+</file>
+
+<file path=ppt/notesSlides/notesSlide13.xml><?xml version="1.0" encoding="utf-8"?>
+<p:notes xmlns:a="http://schemas.openxmlformats.org/drawingml/2006/main" xmlns:r="http://schemas.openxmlformats.org/officeDocument/2006/relationships" xmlns:p="http://schemas.openxmlformats.org/presentationml/2006/main">
+  <p:cSld>
+    <p:spTree>
+      <p:nvGrpSpPr>
+        <p:cNvPr id="1" name=""/>
+        <p:cNvGrpSpPr/>
+        <p:nvPr/>
+      </p:nvGrpSpPr>
+      <p:grpSpPr>
+        <a:xfrm>
+          <a:off x="0" y="0"/>
+          <a:ext cx="0" cy="0"/>
+          <a:chOff x="0" y="0"/>
+          <a:chExt cx="0" cy="0"/>
+        </a:xfrm>
+      </p:grpSpPr>
+      <p:sp>
+        <p:nvSpPr>
+          <p:cNvPr id="2" name="Slide Image Placeholder 1"/>
+          <p:cNvSpPr>
+            <a:spLocks noGrp="1" noRot="1" noChangeAspect="1"/>
+          </p:cNvSpPr>
+          <p:nvPr>
+            <p:ph type="sldImg"/>
+          </p:nvPr>
+        </p:nvSpPr>
+        <p:spPr/>
+      </p:sp>
+      <p:sp>
+        <p:nvSpPr>
+          <p:cNvPr id="3" name="Notes Placeholder 2"/>
+          <p:cNvSpPr>
+            <a:spLocks noGrp="1"/>
+          </p:cNvSpPr>
+          <p:nvPr>
+            <p:ph type="body" idx="1"/>
+          </p:nvPr>
+        </p:nvSpPr>
+        <p:spPr/>
+        <p:txBody>
+          <a:bodyPr/>
+          <a:lstStyle/>
+          <a:p>
+            <a:endParaRPr lang="en-US" dirty="0"/>
+          </a:p>
+        </p:txBody>
+      </p:sp>
+      <p:sp>
+        <p:nvSpPr>
+          <p:cNvPr id="4" name="Slide Number Placeholder 3"/>
+          <p:cNvSpPr>
+            <a:spLocks noGrp="1"/>
+          </p:cNvSpPr>
+          <p:nvPr>
+            <p:ph type="sldNum" sz="quarter" idx="5"/>
+          </p:nvPr>
+        </p:nvSpPr>
+        <p:spPr/>
+        <p:txBody>
+          <a:bodyPr/>
+          <a:lstStyle/>
+          <a:p>
+            <a:fld id="{B2AFC0E1-9A48-4B26-9FCC-0F0ED76BE088}" type="slidenum">
+              <a:rPr lang="en-US" smtClean="0"/>
+              <a:t>13</a:t>
+            </a:fld>
+            <a:endParaRPr lang="en-US"/>
+          </a:p>
+        </p:txBody>
+      </p:sp>
+    </p:spTree>
+    <p:extLst>
+      <p:ext uri="{BB962C8B-B14F-4D97-AF65-F5344CB8AC3E}">
+        <p14:creationId xmlns:p14="http://schemas.microsoft.com/office/powerpoint/2010/main" val="1664312764"/>
+      </p:ext>
+    </p:extLst>
+  </p:cSld>
+  <p:clrMapOvr>
+    <a:masterClrMapping/>
+  </p:clrMapOvr>
+</p:notes>
+</file>
+
+<file path=ppt/notesSlides/notesSlide14.xml><?xml version="1.0" encoding="utf-8"?>
+<p:notes xmlns:a="http://schemas.openxmlformats.org/drawingml/2006/main" xmlns:r="http://schemas.openxmlformats.org/officeDocument/2006/relationships" xmlns:p="http://schemas.openxmlformats.org/presentationml/2006/main">
+  <p:cSld>
+    <p:spTree>
+      <p:nvGrpSpPr>
+        <p:cNvPr id="1" name=""/>
+        <p:cNvGrpSpPr/>
+        <p:nvPr/>
+      </p:nvGrpSpPr>
+      <p:grpSpPr>
+        <a:xfrm>
+          <a:off x="0" y="0"/>
+          <a:ext cx="0" cy="0"/>
+          <a:chOff x="0" y="0"/>
+          <a:chExt cx="0" cy="0"/>
+        </a:xfrm>
+      </p:grpSpPr>
+      <p:sp>
+        <p:nvSpPr>
+          <p:cNvPr id="2" name="Slide Image Placeholder 1"/>
+          <p:cNvSpPr>
+            <a:spLocks noGrp="1" noRot="1" noChangeAspect="1"/>
+          </p:cNvSpPr>
+          <p:nvPr>
+            <p:ph type="sldImg"/>
+          </p:nvPr>
+        </p:nvSpPr>
+        <p:spPr/>
+      </p:sp>
+      <p:sp>
+        <p:nvSpPr>
+          <p:cNvPr id="3" name="Notes Placeholder 2"/>
+          <p:cNvSpPr>
+            <a:spLocks noGrp="1"/>
+          </p:cNvSpPr>
+          <p:nvPr>
+            <p:ph type="body" idx="1"/>
+          </p:nvPr>
+        </p:nvSpPr>
+        <p:spPr/>
+        <p:txBody>
+          <a:bodyPr/>
+          <a:lstStyle/>
+          <a:p>
+            <a:endParaRPr lang="en-US" dirty="0"/>
+          </a:p>
+        </p:txBody>
+      </p:sp>
+      <p:sp>
+        <p:nvSpPr>
+          <p:cNvPr id="4" name="Slide Number Placeholder 3"/>
+          <p:cNvSpPr>
+            <a:spLocks noGrp="1"/>
+          </p:cNvSpPr>
+          <p:nvPr>
+            <p:ph type="sldNum" sz="quarter" idx="5"/>
+          </p:nvPr>
+        </p:nvSpPr>
+        <p:spPr/>
+        <p:txBody>
+          <a:bodyPr/>
+          <a:lstStyle/>
+          <a:p>
+            <a:fld id="{B2AFC0E1-9A48-4B26-9FCC-0F0ED76BE088}" type="slidenum">
+              <a:rPr lang="en-US" smtClean="0"/>
+              <a:t>14</a:t>
+            </a:fld>
+            <a:endParaRPr lang="en-US"/>
+          </a:p>
+        </p:txBody>
+      </p:sp>
+    </p:spTree>
+    <p:extLst>
+      <p:ext uri="{BB962C8B-B14F-4D97-AF65-F5344CB8AC3E}">
+        <p14:creationId xmlns:p14="http://schemas.microsoft.com/office/powerpoint/2010/main" val="1860395743"/>
+      </p:ext>
+    </p:extLst>
+  </p:cSld>
+  <p:clrMapOvr>
+    <a:masterClrMapping/>
+  </p:clrMapOvr>
+</p:notes>
+</file>
+
+<file path=ppt/notesSlides/notesSlide2.xml><?xml version="1.0" encoding="utf-8"?>
+<p:notes xmlns:a="http://schemas.openxmlformats.org/drawingml/2006/main" xmlns:r="http://schemas.openxmlformats.org/officeDocument/2006/relationships" xmlns:p="http://schemas.openxmlformats.org/presentationml/2006/main">
+  <p:cSld>
+    <p:spTree>
+      <p:nvGrpSpPr>
+        <p:cNvPr id="1" name=""/>
+        <p:cNvGrpSpPr/>
+        <p:nvPr/>
+      </p:nvGrpSpPr>
+      <p:grpSpPr>
+        <a:xfrm>
+          <a:off x="0" y="0"/>
+          <a:ext cx="0" cy="0"/>
+          <a:chOff x="0" y="0"/>
+          <a:chExt cx="0" cy="0"/>
+        </a:xfrm>
+      </p:grpSpPr>
+      <p:sp>
+        <p:nvSpPr>
+          <p:cNvPr id="2" name="Slide Image Placeholder 1"/>
+          <p:cNvSpPr>
+            <a:spLocks noGrp="1" noRot="1" noChangeAspect="1"/>
+          </p:cNvSpPr>
+          <p:nvPr>
+            <p:ph type="sldImg"/>
+          </p:nvPr>
+        </p:nvSpPr>
+        <p:spPr/>
+      </p:sp>
+      <p:sp>
+        <p:nvSpPr>
+          <p:cNvPr id="3" name="Notes Placeholder 2"/>
+          <p:cNvSpPr>
+            <a:spLocks noGrp="1"/>
+          </p:cNvSpPr>
+          <p:nvPr>
+            <p:ph type="body" idx="1"/>
+          </p:nvPr>
+        </p:nvSpPr>
+        <p:spPr/>
+        <p:txBody>
+          <a:bodyPr/>
+          <a:lstStyle/>
+          <a:p>
+            <a:r>
+              <a:rPr lang="en-US" dirty="0"/>
+              <a:t>Invertible matrices only have one inverse. </a:t>
+            </a:r>
+          </a:p>
+        </p:txBody>
+      </p:sp>
+      <p:sp>
+        <p:nvSpPr>
+          <p:cNvPr id="4" name="Slide Number Placeholder 3"/>
+          <p:cNvSpPr>
+            <a:spLocks noGrp="1"/>
+          </p:cNvSpPr>
+          <p:nvPr>
+            <p:ph type="sldNum" sz="quarter" idx="5"/>
+          </p:nvPr>
+        </p:nvSpPr>
+        <p:spPr/>
+        <p:txBody>
+          <a:bodyPr/>
+          <a:lstStyle/>
+          <a:p>
+            <a:fld id="{B2AFC0E1-9A48-4B26-9FCC-0F0ED76BE088}" type="slidenum">
+              <a:rPr lang="en-US" smtClean="0"/>
+              <a:t>2</a:t>
+            </a:fld>
+            <a:endParaRPr lang="en-US"/>
+          </a:p>
+        </p:txBody>
+      </p:sp>
+    </p:spTree>
+    <p:extLst>
+      <p:ext uri="{BB962C8B-B14F-4D97-AF65-F5344CB8AC3E}">
+        <p14:creationId xmlns:p14="http://schemas.microsoft.com/office/powerpoint/2010/main" val="2431700241"/>
+      </p:ext>
+    </p:extLst>
+  </p:cSld>
+  <p:clrMapOvr>
+    <a:masterClrMapping/>
+  </p:clrMapOvr>
+</p:notes>
+</file>
+
+<file path=ppt/notesSlides/notesSlide3.xml><?xml version="1.0" encoding="utf-8"?>
+<p:notes xmlns:a="http://schemas.openxmlformats.org/drawingml/2006/main" xmlns:r="http://schemas.openxmlformats.org/officeDocument/2006/relationships" xmlns:p="http://schemas.openxmlformats.org/presentationml/2006/main">
+  <p:cSld>
+    <p:spTree>
+      <p:nvGrpSpPr>
+        <p:cNvPr id="1" name=""/>
+        <p:cNvGrpSpPr/>
+        <p:nvPr/>
+      </p:nvGrpSpPr>
+      <p:grpSpPr>
+        <a:xfrm>
+          <a:off x="0" y="0"/>
+          <a:ext cx="0" cy="0"/>
+          <a:chOff x="0" y="0"/>
+          <a:chExt cx="0" cy="0"/>
+        </a:xfrm>
+      </p:grpSpPr>
+      <p:sp>
+        <p:nvSpPr>
+          <p:cNvPr id="2" name="Slide Image Placeholder 1"/>
+          <p:cNvSpPr>
+            <a:spLocks noGrp="1" noRot="1" noChangeAspect="1"/>
+          </p:cNvSpPr>
+          <p:nvPr>
+            <p:ph type="sldImg"/>
+          </p:nvPr>
+        </p:nvSpPr>
+        <p:spPr/>
+      </p:sp>
+      <mc:AlternateContent xmlns:mc="http://schemas.openxmlformats.org/markup-compatibility/2006">
+        <mc:Choice xmlns:a14="http://schemas.microsoft.com/office/drawing/2010/main" Requires="a14">
+          <p:sp>
+            <p:nvSpPr>
+              <p:cNvPr id="3" name="Notes Placeholder 2"/>
+              <p:cNvSpPr>
+                <a:spLocks noGrp="1"/>
+              </p:cNvSpPr>
+              <p:nvPr>
+                <p:ph type="body" idx="1"/>
+              </p:nvPr>
+            </p:nvSpPr>
+            <p:spPr/>
+            <p:txBody>
+              <a:bodyPr/>
+              <a:lstStyle/>
+              <a:p>
+                <a14:m>
+                  <m:oMath xmlns:m="http://schemas.openxmlformats.org/officeDocument/2006/math">
+                    <m:sSup>
+                      <m:sSupPr>
+                        <m:ctrlPr>
+                          <a:rPr lang="en-US" i="1" smtClean="0">
+                            <a:latin typeface="Cambria Math" panose="02040503050406030204" pitchFamily="18" charset="0"/>
+                          </a:rPr>
+                        </m:ctrlPr>
+                      </m:sSupPr>
+                      <m:e>
+                        <m:r>
+                          <a:rPr lang="en-US" b="0" i="1" smtClean="0">
+                            <a:latin typeface="Cambria Math" panose="02040503050406030204" pitchFamily="18" charset="0"/>
+                          </a:rPr>
+                          <m:t>𝐴</m:t>
+                        </m:r>
+                      </m:e>
+                      <m:sup>
+                        <m:r>
+                          <a:rPr lang="en-US" b="0" i="1" smtClean="0">
+                            <a:latin typeface="Cambria Math" panose="02040503050406030204" pitchFamily="18" charset="0"/>
+                          </a:rPr>
+                          <m:t>−1</m:t>
+                        </m:r>
+                      </m:sup>
+                    </m:sSup>
+                    <m:r>
+                      <m:rPr>
+                        <m:sty m:val="p"/>
+                      </m:rPr>
+                      <a:rPr lang="en-US" b="0" i="0" smtClean="0">
+                        <a:latin typeface="Cambria Math" panose="02040503050406030204" pitchFamily="18" charset="0"/>
+                      </a:rPr>
+                      <m:t>b</m:t>
+                    </m:r>
+                  </m:oMath>
+                </a14:m>
+                <a:r>
+                  <a:rPr lang="en-US" dirty="0"/>
+                  <a:t> = x in Ax = b</a:t>
+                </a:r>
+              </a:p>
+            </p:txBody>
+          </p:sp>
+        </mc:Choice>
+        <mc:Fallback>
+          <p:sp>
+            <p:nvSpPr>
+              <p:cNvPr id="3" name="Notes Placeholder 2"/>
+              <p:cNvSpPr>
+                <a:spLocks noGrp="1"/>
+              </p:cNvSpPr>
+              <p:nvPr>
+                <p:ph type="body" idx="1"/>
+              </p:nvPr>
+            </p:nvSpPr>
+            <p:spPr/>
+            <p:txBody>
+              <a:bodyPr/>
+              <a:lstStyle/>
+              <a:p>
+                <a:r>
+                  <a:rPr lang="en-US" b="0" i="0">
+                    <a:latin typeface="Cambria Math" panose="02040503050406030204" pitchFamily="18" charset="0"/>
+                  </a:rPr>
+                  <a:t>𝐴^(−1) b</a:t>
+                </a:r>
+                <a:r>
+                  <a:rPr lang="en-US" dirty="0"/>
+                  <a:t> = x in Ax = b</a:t>
+                </a:r>
+              </a:p>
+            </p:txBody>
+          </p:sp>
+        </mc:Fallback>
+      </mc:AlternateContent>
+      <p:sp>
+        <p:nvSpPr>
+          <p:cNvPr id="4" name="Slide Number Placeholder 3"/>
+          <p:cNvSpPr>
+            <a:spLocks noGrp="1"/>
+          </p:cNvSpPr>
+          <p:nvPr>
+            <p:ph type="sldNum" sz="quarter" idx="5"/>
+          </p:nvPr>
+        </p:nvSpPr>
+        <p:spPr/>
+        <p:txBody>
+          <a:bodyPr/>
+          <a:lstStyle/>
+          <a:p>
+            <a:fld id="{B2AFC0E1-9A48-4B26-9FCC-0F0ED76BE088}" type="slidenum">
+              <a:rPr lang="en-US" smtClean="0"/>
+              <a:t>3</a:t>
+            </a:fld>
+            <a:endParaRPr lang="en-US"/>
+          </a:p>
+        </p:txBody>
+      </p:sp>
+    </p:spTree>
+    <p:extLst>
+      <p:ext uri="{BB962C8B-B14F-4D97-AF65-F5344CB8AC3E}">
+        <p14:creationId xmlns:p14="http://schemas.microsoft.com/office/powerpoint/2010/main" val="2726939786"/>
+      </p:ext>
+    </p:extLst>
+  </p:cSld>
+  <p:clrMapOvr>
+    <a:masterClrMapping/>
+  </p:clrMapOvr>
+</p:notes>
+</file>
+
+<file path=ppt/notesSlides/notesSlide4.xml><?xml version="1.0" encoding="utf-8"?>
+<p:notes xmlns:a="http://schemas.openxmlformats.org/drawingml/2006/main" xmlns:r="http://schemas.openxmlformats.org/officeDocument/2006/relationships" xmlns:p="http://schemas.openxmlformats.org/presentationml/2006/main">
+  <p:cSld>
+    <p:spTree>
+      <p:nvGrpSpPr>
+        <p:cNvPr id="1" name=""/>
+        <p:cNvGrpSpPr/>
+        <p:nvPr/>
+      </p:nvGrpSpPr>
+      <p:grpSpPr>
+        <a:xfrm>
+          <a:off x="0" y="0"/>
+          <a:ext cx="0" cy="0"/>
+          <a:chOff x="0" y="0"/>
+          <a:chExt cx="0" cy="0"/>
+        </a:xfrm>
+      </p:grpSpPr>
+      <p:sp>
+        <p:nvSpPr>
+          <p:cNvPr id="2" name="Slide Image Placeholder 1"/>
+          <p:cNvSpPr>
+            <a:spLocks noGrp="1" noRot="1" noChangeAspect="1"/>
+          </p:cNvSpPr>
+          <p:nvPr>
+            <p:ph type="sldImg"/>
+          </p:nvPr>
+        </p:nvSpPr>
+        <p:spPr/>
+      </p:sp>
+      <mc:AlternateContent xmlns:mc="http://schemas.openxmlformats.org/markup-compatibility/2006">
+        <mc:Choice xmlns:a14="http://schemas.microsoft.com/office/drawing/2010/main" Requires="a14">
+          <p:sp>
+            <p:nvSpPr>
+              <p:cNvPr id="3" name="Notes Placeholder 2"/>
+              <p:cNvSpPr>
+                <a:spLocks noGrp="1"/>
+              </p:cNvSpPr>
+              <p:nvPr>
+                <p:ph type="body" idx="1"/>
+              </p:nvPr>
+            </p:nvSpPr>
+            <p:spPr/>
+            <p:txBody>
+              <a:bodyPr/>
+              <a:lstStyle/>
+              <a:p>
+                <a:pPr marL="228600" indent="-228600">
+                  <a:buAutoNum type="arabicParenR"/>
+                </a:pPr>
+                <a:r>
+                  <a:rPr lang="en-US" dirty="0"/>
+                  <a:t>A is invertible</a:t>
+                </a:r>
+              </a:p>
+              <a:p>
+                <a:pPr marL="228600" indent="-228600">
+                  <a:buAutoNum type="arabicParenR"/>
+                </a:pPr>
+                <a:r>
+                  <a:rPr lang="en-US" dirty="0"/>
+                  <a:t>rank(A) = n</a:t>
+                </a:r>
+              </a:p>
+              <a:p>
+                <a:pPr marL="228600" indent="-228600">
+                  <a:buAutoNum type="arabicParenR"/>
+                </a:pPr>
+                <a:r>
+                  <a:rPr lang="en-US" dirty="0"/>
+                  <a:t>Ax=b has no free variables and zero rows (excluding b).</a:t>
+                </a:r>
+              </a:p>
+              <a:p>
+                <a:pPr marL="228600" indent="-228600">
+                  <a:buAutoNum type="arabicParenR"/>
+                </a:pPr>
+                <a:r>
+                  <a:rPr lang="en-US" dirty="0"/>
+                  <a:t>Homogenous linear system Ax = 0 has only trivial solution x = 0.</a:t>
+                </a:r>
+              </a:p>
+              <a:p>
+                <a:pPr marL="228600" indent="-228600">
+                  <a:buAutoNum type="arabicParenR"/>
+                </a:pPr>
+                <a:r>
+                  <a:rPr lang="en-US" dirty="0"/>
+                  <a:t>A reduces to</a:t>
+                </a:r>
+                <a:r>
+                  <a:rPr lang="en-US" baseline="0" dirty="0"/>
+                  <a:t> </a:t>
+                </a:r>
+                <a14:m>
+                  <m:oMath xmlns:m="http://schemas.openxmlformats.org/officeDocument/2006/math">
+                    <m:sSub>
+                      <m:sSubPr>
+                        <m:ctrlPr>
+                          <a:rPr lang="en-US" i="1" baseline="0" smtClean="0">
+                            <a:latin typeface="Cambria Math" panose="02040503050406030204" pitchFamily="18" charset="0"/>
+                          </a:rPr>
+                        </m:ctrlPr>
+                      </m:sSubPr>
+                      <m:e>
+                        <m:r>
+                          <a:rPr lang="en-US" b="0" i="1" baseline="0" smtClean="0">
+                            <a:latin typeface="Cambria Math" panose="02040503050406030204" pitchFamily="18" charset="0"/>
+                          </a:rPr>
+                          <m:t>𝐼</m:t>
+                        </m:r>
+                      </m:e>
+                      <m:sub>
+                        <m:r>
+                          <a:rPr lang="en-US" b="0" i="1" baseline="0" smtClean="0">
+                            <a:latin typeface="Cambria Math" panose="02040503050406030204" pitchFamily="18" charset="0"/>
+                          </a:rPr>
+                          <m:t>𝑛</m:t>
+                        </m:r>
+                      </m:sub>
+                    </m:sSub>
+                  </m:oMath>
+                </a14:m>
+                <a:endParaRPr lang="en-US" dirty="0"/>
+              </a:p>
+            </p:txBody>
+          </p:sp>
+        </mc:Choice>
+        <mc:Fallback>
+          <p:sp>
+            <p:nvSpPr>
+              <p:cNvPr id="3" name="Notes Placeholder 2"/>
+              <p:cNvSpPr>
+                <a:spLocks noGrp="1"/>
+              </p:cNvSpPr>
+              <p:nvPr>
+                <p:ph type="body" idx="1"/>
+              </p:nvPr>
+            </p:nvSpPr>
+            <p:spPr/>
+            <p:txBody>
+              <a:bodyPr/>
+              <a:lstStyle/>
+              <a:p>
+                <a:pPr marL="228600" indent="-228600">
+                  <a:buAutoNum type="arabicParenR"/>
+                </a:pPr>
+                <a:r>
+                  <a:rPr lang="en-US" dirty="0"/>
+                  <a:t>A is invertible</a:t>
+                </a:r>
+              </a:p>
+              <a:p>
+                <a:pPr marL="228600" indent="-228600">
+                  <a:buAutoNum type="arabicParenR"/>
+                </a:pPr>
+                <a:r>
+                  <a:rPr lang="en-US" dirty="0"/>
+                  <a:t>rank(A) = n</a:t>
+                </a:r>
+              </a:p>
+              <a:p>
+                <a:pPr marL="228600" indent="-228600">
+                  <a:buAutoNum type="arabicParenR"/>
+                </a:pPr>
+                <a:r>
+                  <a:rPr lang="en-US" dirty="0"/>
+                  <a:t>Ax=b has no free variables and zero rows (excluding b).</a:t>
+                </a:r>
+              </a:p>
+              <a:p>
+                <a:pPr marL="228600" indent="-228600">
+                  <a:buAutoNum type="arabicParenR"/>
+                </a:pPr>
+                <a:r>
+                  <a:rPr lang="en-US" dirty="0"/>
+                  <a:t>Homogenous linear system Ax = 0 has only trivial solution x = 0.</a:t>
+                </a:r>
+              </a:p>
+              <a:p>
+                <a:pPr marL="228600" indent="-228600">
+                  <a:buAutoNum type="arabicParenR"/>
+                </a:pPr>
+                <a:r>
+                  <a:rPr lang="en-US" dirty="0"/>
+                  <a:t>A reduces to</a:t>
+                </a:r>
+                <a:r>
+                  <a:rPr lang="en-US" baseline="0" dirty="0"/>
+                  <a:t> </a:t>
+                </a:r>
+                <a:r>
+                  <a:rPr lang="en-US" b="0" i="0" baseline="0">
+                    <a:latin typeface="Cambria Math" panose="02040503050406030204" pitchFamily="18" charset="0"/>
+                  </a:rPr>
+                  <a:t>𝐼_𝑛</a:t>
+                </a:r>
+                <a:endParaRPr lang="en-US" dirty="0"/>
+              </a:p>
+            </p:txBody>
+          </p:sp>
+        </mc:Fallback>
+      </mc:AlternateContent>
+      <p:sp>
+        <p:nvSpPr>
+          <p:cNvPr id="4" name="Slide Number Placeholder 3"/>
+          <p:cNvSpPr>
+            <a:spLocks noGrp="1"/>
+          </p:cNvSpPr>
+          <p:nvPr>
+            <p:ph type="sldNum" sz="quarter" idx="5"/>
+          </p:nvPr>
+        </p:nvSpPr>
+        <p:spPr/>
+        <p:txBody>
+          <a:bodyPr/>
+          <a:lstStyle/>
+          <a:p>
+            <a:fld id="{B2AFC0E1-9A48-4B26-9FCC-0F0ED76BE088}" type="slidenum">
+              <a:rPr lang="en-US" smtClean="0"/>
+              <a:t>4</a:t>
+            </a:fld>
+            <a:endParaRPr lang="en-US"/>
+          </a:p>
+        </p:txBody>
+      </p:sp>
+    </p:spTree>
+    <p:extLst>
+      <p:ext uri="{BB962C8B-B14F-4D97-AF65-F5344CB8AC3E}">
+        <p14:creationId xmlns:p14="http://schemas.microsoft.com/office/powerpoint/2010/main" val="4124847009"/>
+      </p:ext>
+    </p:extLst>
+  </p:cSld>
+  <p:clrMapOvr>
+    <a:masterClrMapping/>
+  </p:clrMapOvr>
+</p:notes>
+</file>
+
+<file path=ppt/notesSlides/notesSlide5.xml><?xml version="1.0" encoding="utf-8"?>
+<p:notes xmlns:a="http://schemas.openxmlformats.org/drawingml/2006/main" xmlns:r="http://schemas.openxmlformats.org/officeDocument/2006/relationships" xmlns:p="http://schemas.openxmlformats.org/presentationml/2006/main">
+  <p:cSld>
+    <p:spTree>
+      <p:nvGrpSpPr>
+        <p:cNvPr id="1" name=""/>
+        <p:cNvGrpSpPr/>
+        <p:nvPr/>
+      </p:nvGrpSpPr>
+      <p:grpSpPr>
+        <a:xfrm>
+          <a:off x="0" y="0"/>
+          <a:ext cx="0" cy="0"/>
+          <a:chOff x="0" y="0"/>
+          <a:chExt cx="0" cy="0"/>
+        </a:xfrm>
+      </p:grpSpPr>
+      <p:sp>
+        <p:nvSpPr>
+          <p:cNvPr id="2" name="Slide Image Placeholder 1"/>
+          <p:cNvSpPr>
+            <a:spLocks noGrp="1" noRot="1" noChangeAspect="1"/>
+          </p:cNvSpPr>
+          <p:nvPr>
+            <p:ph type="sldImg"/>
+          </p:nvPr>
+        </p:nvSpPr>
+        <p:spPr/>
+      </p:sp>
+      <p:sp>
+        <p:nvSpPr>
+          <p:cNvPr id="3" name="Notes Placeholder 2"/>
+          <p:cNvSpPr>
+            <a:spLocks noGrp="1"/>
+          </p:cNvSpPr>
+          <p:nvPr>
+            <p:ph type="body" idx="1"/>
+          </p:nvPr>
+        </p:nvSpPr>
+        <p:spPr/>
+        <p:txBody>
+          <a:bodyPr/>
+          <a:lstStyle/>
+          <a:p>
+            <a:r>
+              <a:rPr lang="en-US" dirty="0"/>
+              <a:t>Subspace contain every linear combination of nonzero vectors contained in it.</a:t>
+            </a:r>
+          </a:p>
+          <a:p>
+            <a:r>
+              <a:rPr lang="en-US" dirty="0"/>
+              <a:t>Only subspace {0} is finite.</a:t>
+            </a:r>
+          </a:p>
+        </p:txBody>
+      </p:sp>
+      <p:sp>
+        <p:nvSpPr>
+          <p:cNvPr id="4" name="Slide Number Placeholder 3"/>
+          <p:cNvSpPr>
+            <a:spLocks noGrp="1"/>
+          </p:cNvSpPr>
+          <p:nvPr>
+            <p:ph type="sldNum" sz="quarter" idx="5"/>
+          </p:nvPr>
+        </p:nvSpPr>
+        <p:spPr/>
+        <p:txBody>
+          <a:bodyPr/>
+          <a:lstStyle/>
+          <a:p>
+            <a:fld id="{B2AFC0E1-9A48-4B26-9FCC-0F0ED76BE088}" type="slidenum">
+              <a:rPr lang="en-US" smtClean="0"/>
+              <a:t>5</a:t>
+            </a:fld>
+            <a:endParaRPr lang="en-US"/>
+          </a:p>
+        </p:txBody>
+      </p:sp>
+    </p:spTree>
+    <p:extLst>
+      <p:ext uri="{BB962C8B-B14F-4D97-AF65-F5344CB8AC3E}">
+        <p14:creationId xmlns:p14="http://schemas.microsoft.com/office/powerpoint/2010/main" val="3027415795"/>
+      </p:ext>
+    </p:extLst>
+  </p:cSld>
+  <p:clrMapOvr>
+    <a:masterClrMapping/>
+  </p:clrMapOvr>
+</p:notes>
+</file>
+
+<file path=ppt/notesSlides/notesSlide6.xml><?xml version="1.0" encoding="utf-8"?>
+<p:notes xmlns:a="http://schemas.openxmlformats.org/drawingml/2006/main" xmlns:r="http://schemas.openxmlformats.org/officeDocument/2006/relationships" xmlns:p="http://schemas.openxmlformats.org/presentationml/2006/main">
+  <p:cSld>
+    <p:spTree>
+      <p:nvGrpSpPr>
+        <p:cNvPr id="1" name=""/>
+        <p:cNvGrpSpPr/>
+        <p:nvPr/>
+      </p:nvGrpSpPr>
+      <p:grpSpPr>
+        <a:xfrm>
+          <a:off x="0" y="0"/>
+          <a:ext cx="0" cy="0"/>
+          <a:chOff x="0" y="0"/>
+          <a:chExt cx="0" cy="0"/>
+        </a:xfrm>
+      </p:grpSpPr>
+      <p:sp>
+        <p:nvSpPr>
+          <p:cNvPr id="2" name="Slide Image Placeholder 1"/>
+          <p:cNvSpPr>
+            <a:spLocks noGrp="1" noRot="1" noChangeAspect="1"/>
+          </p:cNvSpPr>
+          <p:nvPr>
+            <p:ph type="sldImg"/>
+          </p:nvPr>
+        </p:nvSpPr>
+        <p:spPr/>
+      </p:sp>
+      <mc:AlternateContent xmlns:mc="http://schemas.openxmlformats.org/markup-compatibility/2006">
+        <mc:Choice xmlns:a14="http://schemas.microsoft.com/office/drawing/2010/main" Requires="a14">
+          <p:sp>
+            <p:nvSpPr>
+              <p:cNvPr id="3" name="Notes Placeholder 2"/>
+              <p:cNvSpPr>
+                <a:spLocks noGrp="1"/>
+              </p:cNvSpPr>
+              <p:nvPr>
+                <p:ph type="body" idx="1"/>
+              </p:nvPr>
+            </p:nvSpPr>
+            <p:spPr/>
+            <p:txBody>
+              <a:bodyPr/>
+              <a:lstStyle/>
+              <a:p>
+                <a:r>
+                  <a:rPr lang="en-US" dirty="0"/>
+                  <a:t>The linear combination of the vectors in </a:t>
+                </a:r>
+                <a14:m>
+                  <m:oMath xmlns:m="http://schemas.openxmlformats.org/officeDocument/2006/math">
+                    <m:sSup>
+                      <m:sSupPr>
+                        <m:ctrlPr>
+                          <a:rPr lang="en-US" i="1" smtClean="0">
+                            <a:latin typeface="Cambria Math" panose="02040503050406030204" pitchFamily="18" charset="0"/>
+                          </a:rPr>
+                        </m:ctrlPr>
+                      </m:sSupPr>
+                      <m:e>
+                        <m:r>
+                          <a:rPr lang="en-US" b="0" i="1" smtClean="0">
+                            <a:latin typeface="Cambria Math" panose="02040503050406030204" pitchFamily="18" charset="0"/>
+                          </a:rPr>
+                          <m:t>𝑅</m:t>
+                        </m:r>
+                      </m:e>
+                      <m:sup>
+                        <m:r>
+                          <a:rPr lang="en-US" b="0" i="1" smtClean="0">
+                            <a:latin typeface="Cambria Math" panose="02040503050406030204" pitchFamily="18" charset="0"/>
+                          </a:rPr>
+                          <m:t>𝑚</m:t>
+                        </m:r>
+                      </m:sup>
+                    </m:sSup>
+                  </m:oMath>
+                </a14:m>
+                <a:r>
+                  <a:rPr lang="en-US" dirty="0"/>
+                  <a:t> named</a:t>
+                </a:r>
+                <a:r>
+                  <a:rPr lang="en-US" baseline="0" dirty="0"/>
+                  <a:t> W is a subspace of </a:t>
+                </a:r>
+                <a14:m>
+                  <m:oMath xmlns:m="http://schemas.openxmlformats.org/officeDocument/2006/math">
+                    <m:sSup>
+                      <m:sSupPr>
+                        <m:ctrlPr>
+                          <a:rPr lang="en-US" i="1" smtClean="0">
+                            <a:latin typeface="Cambria Math" panose="02040503050406030204" pitchFamily="18" charset="0"/>
+                          </a:rPr>
+                        </m:ctrlPr>
+                      </m:sSupPr>
+                      <m:e>
+                        <m:r>
+                          <a:rPr lang="en-US" b="0" i="1" smtClean="0">
+                            <a:latin typeface="Cambria Math" panose="02040503050406030204" pitchFamily="18" charset="0"/>
+                          </a:rPr>
+                          <m:t>𝑅</m:t>
+                        </m:r>
+                      </m:e>
+                      <m:sup>
+                        <m:r>
+                          <a:rPr lang="en-US" b="0" i="1" smtClean="0">
+                            <a:latin typeface="Cambria Math" panose="02040503050406030204" pitchFamily="18" charset="0"/>
+                          </a:rPr>
+                          <m:t>𝑚</m:t>
+                        </m:r>
+                      </m:sup>
+                    </m:sSup>
+                  </m:oMath>
+                </a14:m>
+                <a:r>
+                  <a:rPr lang="en-US" dirty="0"/>
+                  <a:t>.</a:t>
+                </a:r>
+              </a:p>
+            </p:txBody>
+          </p:sp>
+        </mc:Choice>
+        <mc:Fallback>
+          <p:sp>
+            <p:nvSpPr>
+              <p:cNvPr id="3" name="Notes Placeholder 2"/>
+              <p:cNvSpPr>
+                <a:spLocks noGrp="1"/>
+              </p:cNvSpPr>
+              <p:nvPr>
+                <p:ph type="body" idx="1"/>
+              </p:nvPr>
+            </p:nvSpPr>
+            <p:spPr/>
+            <p:txBody>
+              <a:bodyPr/>
+              <a:lstStyle/>
+              <a:p>
+                <a:r>
+                  <a:rPr lang="en-US" dirty="0"/>
+                  <a:t>The linear combination of the vectors in </a:t>
+                </a:r>
+                <a:r>
+                  <a:rPr lang="en-US" b="0" i="0">
+                    <a:latin typeface="Cambria Math" panose="02040503050406030204" pitchFamily="18" charset="0"/>
+                  </a:rPr>
+                  <a:t>𝑅^𝑚</a:t>
+                </a:r>
+                <a:r>
+                  <a:rPr lang="en-US" dirty="0"/>
+                  <a:t> named</a:t>
+                </a:r>
+                <a:r>
+                  <a:rPr lang="en-US" baseline="0" dirty="0"/>
+                  <a:t> W is a subspace of </a:t>
+                </a:r>
+                <a:r>
+                  <a:rPr lang="en-US" b="0" i="0">
+                    <a:latin typeface="Cambria Math" panose="02040503050406030204" pitchFamily="18" charset="0"/>
+                  </a:rPr>
+                  <a:t>𝑅^𝑚</a:t>
+                </a:r>
+                <a:r>
+                  <a:rPr lang="en-US" dirty="0"/>
+                  <a:t>.</a:t>
+                </a:r>
+              </a:p>
+            </p:txBody>
+          </p:sp>
+        </mc:Fallback>
+      </mc:AlternateContent>
+      <p:sp>
+        <p:nvSpPr>
+          <p:cNvPr id="4" name="Slide Number Placeholder 3"/>
+          <p:cNvSpPr>
+            <a:spLocks noGrp="1"/>
+          </p:cNvSpPr>
+          <p:nvPr>
+            <p:ph type="sldNum" sz="quarter" idx="5"/>
+          </p:nvPr>
+        </p:nvSpPr>
+        <p:spPr/>
+        <p:txBody>
+          <a:bodyPr/>
+          <a:lstStyle/>
+          <a:p>
+            <a:fld id="{B2AFC0E1-9A48-4B26-9FCC-0F0ED76BE088}" type="slidenum">
+              <a:rPr lang="en-US" smtClean="0"/>
+              <a:t>6</a:t>
+            </a:fld>
+            <a:endParaRPr lang="en-US"/>
+          </a:p>
+        </p:txBody>
+      </p:sp>
+    </p:spTree>
+    <p:extLst>
+      <p:ext uri="{BB962C8B-B14F-4D97-AF65-F5344CB8AC3E}">
+        <p14:creationId xmlns:p14="http://schemas.microsoft.com/office/powerpoint/2010/main" val="3590466130"/>
+      </p:ext>
+    </p:extLst>
+  </p:cSld>
+  <p:clrMapOvr>
+    <a:masterClrMapping/>
+  </p:clrMapOvr>
+</p:notes>
+</file>
+
+<file path=ppt/notesSlides/notesSlide7.xml><?xml version="1.0" encoding="utf-8"?>
+<p:notes xmlns:a="http://schemas.openxmlformats.org/drawingml/2006/main" xmlns:r="http://schemas.openxmlformats.org/officeDocument/2006/relationships" xmlns:p="http://schemas.openxmlformats.org/presentationml/2006/main">
+  <p:cSld>
+    <p:spTree>
+      <p:nvGrpSpPr>
+        <p:cNvPr id="1" name=""/>
+        <p:cNvGrpSpPr/>
+        <p:nvPr/>
+      </p:nvGrpSpPr>
+      <p:grpSpPr>
+        <a:xfrm>
+          <a:off x="0" y="0"/>
+          <a:ext cx="0" cy="0"/>
+          <a:chOff x="0" y="0"/>
+          <a:chExt cx="0" cy="0"/>
+        </a:xfrm>
+      </p:grpSpPr>
+      <p:sp>
+        <p:nvSpPr>
+          <p:cNvPr id="2" name="Slide Image Placeholder 1"/>
+          <p:cNvSpPr>
+            <a:spLocks noGrp="1" noRot="1" noChangeAspect="1"/>
+          </p:cNvSpPr>
+          <p:nvPr>
+            <p:ph type="sldImg"/>
+          </p:nvPr>
+        </p:nvSpPr>
+        <p:spPr/>
+      </p:sp>
+      <p:sp>
+        <p:nvSpPr>
+          <p:cNvPr id="3" name="Notes Placeholder 2"/>
+          <p:cNvSpPr>
+            <a:spLocks noGrp="1"/>
+          </p:cNvSpPr>
+          <p:nvPr>
+            <p:ph type="body" idx="1"/>
+          </p:nvPr>
+        </p:nvSpPr>
+        <p:spPr/>
+        <p:txBody>
+          <a:bodyPr/>
+          <a:lstStyle/>
+          <a:p>
+            <a:r>
+              <a:rPr lang="en-US" dirty="0"/>
+              <a:t>Basis is the set of linearly independent vectors that represent subspace W which is not an empty set.  (refer to slide 5)</a:t>
+            </a:r>
+          </a:p>
+        </p:txBody>
+      </p:sp>
+      <p:sp>
+        <p:nvSpPr>
+          <p:cNvPr id="4" name="Slide Number Placeholder 3"/>
+          <p:cNvSpPr>
+            <a:spLocks noGrp="1"/>
+          </p:cNvSpPr>
+          <p:nvPr>
+            <p:ph type="sldNum" sz="quarter" idx="5"/>
+          </p:nvPr>
+        </p:nvSpPr>
+        <p:spPr/>
+        <p:txBody>
+          <a:bodyPr/>
+          <a:lstStyle/>
+          <a:p>
+            <a:fld id="{B2AFC0E1-9A48-4B26-9FCC-0F0ED76BE088}" type="slidenum">
+              <a:rPr lang="en-US" smtClean="0"/>
+              <a:t>7</a:t>
+            </a:fld>
+            <a:endParaRPr lang="en-US"/>
+          </a:p>
+        </p:txBody>
+      </p:sp>
+    </p:spTree>
+    <p:extLst>
+      <p:ext uri="{BB962C8B-B14F-4D97-AF65-F5344CB8AC3E}">
+        <p14:creationId xmlns:p14="http://schemas.microsoft.com/office/powerpoint/2010/main" val="3287671314"/>
+      </p:ext>
+    </p:extLst>
+  </p:cSld>
+  <p:clrMapOvr>
+    <a:masterClrMapping/>
+  </p:clrMapOvr>
+</p:notes>
+</file>
+
+<file path=ppt/notesSlides/notesSlide8.xml><?xml version="1.0" encoding="utf-8"?>
+<p:notes xmlns:a="http://schemas.openxmlformats.org/drawingml/2006/main" xmlns:r="http://schemas.openxmlformats.org/officeDocument/2006/relationships" xmlns:p="http://schemas.openxmlformats.org/presentationml/2006/main">
+  <p:cSld>
+    <p:spTree>
+      <p:nvGrpSpPr>
+        <p:cNvPr id="1" name=""/>
+        <p:cNvGrpSpPr/>
+        <p:nvPr/>
+      </p:nvGrpSpPr>
+      <p:grpSpPr>
+        <a:xfrm>
+          <a:off x="0" y="0"/>
+          <a:ext cx="0" cy="0"/>
+          <a:chOff x="0" y="0"/>
+          <a:chExt cx="0" cy="0"/>
+        </a:xfrm>
+      </p:grpSpPr>
+      <p:sp>
+        <p:nvSpPr>
+          <p:cNvPr id="2" name="Slide Image Placeholder 1"/>
+          <p:cNvSpPr>
+            <a:spLocks noGrp="1" noRot="1" noChangeAspect="1"/>
+          </p:cNvSpPr>
+          <p:nvPr>
+            <p:ph type="sldImg"/>
+          </p:nvPr>
+        </p:nvSpPr>
+        <p:spPr/>
+      </p:sp>
+      <p:sp>
+        <p:nvSpPr>
+          <p:cNvPr id="3" name="Notes Placeholder 2"/>
+          <p:cNvSpPr>
+            <a:spLocks noGrp="1"/>
+          </p:cNvSpPr>
+          <p:nvPr>
+            <p:ph type="body" idx="1"/>
+          </p:nvPr>
+        </p:nvSpPr>
+        <p:spPr/>
+        <p:txBody>
+          <a:bodyPr/>
+          <a:lstStyle/>
+          <a:p>
+            <a:r>
+              <a:rPr lang="en-US" dirty="0"/>
+              <a:t>Any subspace W has:</a:t>
+            </a:r>
+          </a:p>
+          <a:p>
+            <a:pPr marL="171450" indent="-171450">
+              <a:buFontTx/>
+              <a:buChar char="-"/>
+            </a:pPr>
+            <a:r>
+              <a:rPr lang="en-US" dirty="0"/>
+              <a:t>A basis </a:t>
+            </a:r>
+            <a:r>
+              <a:rPr lang="el-GR" b="0" dirty="0">
+                <a:effectLst/>
+              </a:rPr>
+              <a:t>β</a:t>
+            </a:r>
+            <a:r>
+              <a:rPr lang="en-US" b="0" dirty="0">
+                <a:effectLst/>
+              </a:rPr>
+              <a:t> for W</a:t>
+            </a:r>
+          </a:p>
+          <a:p>
+            <a:pPr marL="171450" indent="-171450">
+              <a:buFontTx/>
+              <a:buChar char="-"/>
+            </a:pPr>
+            <a:r>
+              <a:rPr lang="en-US" b="0" dirty="0">
+                <a:effectLst/>
+              </a:rPr>
+              <a:t>If another basis </a:t>
+            </a:r>
+            <a:r>
+              <a:rPr lang="el-GR" b="0" i="0" dirty="0">
+                <a:solidFill>
+                  <a:srgbClr val="343A40"/>
+                </a:solidFill>
+                <a:effectLst/>
+                <a:latin typeface="Open Sans"/>
+              </a:rPr>
+              <a:t>γ</a:t>
+            </a:r>
+            <a:r>
+              <a:rPr lang="en-US" b="0" i="0" dirty="0">
+                <a:solidFill>
+                  <a:srgbClr val="343A40"/>
+                </a:solidFill>
+                <a:effectLst/>
+                <a:latin typeface="Open Sans"/>
+              </a:rPr>
+              <a:t> exist, </a:t>
+            </a:r>
+            <a:r>
+              <a:rPr lang="el-GR" b="0" dirty="0">
+                <a:effectLst/>
+              </a:rPr>
+              <a:t>β</a:t>
+            </a:r>
+            <a:r>
+              <a:rPr lang="en-US" b="0" dirty="0">
+                <a:effectLst/>
+              </a:rPr>
+              <a:t> and </a:t>
+            </a:r>
+            <a:r>
+              <a:rPr lang="el-GR" b="0" i="0" dirty="0">
+                <a:solidFill>
+                  <a:srgbClr val="343A40"/>
+                </a:solidFill>
+                <a:effectLst/>
+                <a:latin typeface="Open Sans"/>
+              </a:rPr>
+              <a:t>γ</a:t>
+            </a:r>
+            <a:r>
+              <a:rPr lang="en-US" b="0" i="0" dirty="0">
+                <a:solidFill>
+                  <a:srgbClr val="343A40"/>
+                </a:solidFill>
+                <a:effectLst/>
+                <a:latin typeface="Open Sans"/>
+              </a:rPr>
+              <a:t> have same number of vectors.</a:t>
+            </a:r>
+            <a:endParaRPr lang="en-US" b="0" dirty="0"/>
+          </a:p>
+        </p:txBody>
+      </p:sp>
+      <p:sp>
+        <p:nvSpPr>
+          <p:cNvPr id="4" name="Slide Number Placeholder 3"/>
+          <p:cNvSpPr>
+            <a:spLocks noGrp="1"/>
+          </p:cNvSpPr>
+          <p:nvPr>
+            <p:ph type="sldNum" sz="quarter" idx="5"/>
+          </p:nvPr>
+        </p:nvSpPr>
+        <p:spPr/>
+        <p:txBody>
+          <a:bodyPr/>
+          <a:lstStyle/>
+          <a:p>
+            <a:fld id="{B2AFC0E1-9A48-4B26-9FCC-0F0ED76BE088}" type="slidenum">
+              <a:rPr lang="en-US" smtClean="0"/>
+              <a:t>8</a:t>
+            </a:fld>
+            <a:endParaRPr lang="en-US"/>
+          </a:p>
+        </p:txBody>
+      </p:sp>
+    </p:spTree>
+    <p:extLst>
+      <p:ext uri="{BB962C8B-B14F-4D97-AF65-F5344CB8AC3E}">
+        <p14:creationId xmlns:p14="http://schemas.microsoft.com/office/powerpoint/2010/main" val="941598719"/>
+      </p:ext>
+    </p:extLst>
+  </p:cSld>
+  <p:clrMapOvr>
+    <a:masterClrMapping/>
+  </p:clrMapOvr>
+</p:notes>
+</file>
+
+<file path=ppt/notesSlides/notesSlide9.xml><?xml version="1.0" encoding="utf-8"?>
+<p:notes xmlns:a="http://schemas.openxmlformats.org/drawingml/2006/main" xmlns:r="http://schemas.openxmlformats.org/officeDocument/2006/relationships" xmlns:p="http://schemas.openxmlformats.org/presentationml/2006/main">
+  <p:cSld>
+    <p:spTree>
+      <p:nvGrpSpPr>
+        <p:cNvPr id="1" name=""/>
+        <p:cNvGrpSpPr/>
+        <p:nvPr/>
+      </p:nvGrpSpPr>
+      <p:grpSpPr>
+        <a:xfrm>
+          <a:off x="0" y="0"/>
+          <a:ext cx="0" cy="0"/>
+          <a:chOff x="0" y="0"/>
+          <a:chExt cx="0" cy="0"/>
+        </a:xfrm>
+      </p:grpSpPr>
+      <p:sp>
+        <p:nvSpPr>
+          <p:cNvPr id="2" name="Slide Image Placeholder 1"/>
+          <p:cNvSpPr>
+            <a:spLocks noGrp="1" noRot="1" noChangeAspect="1"/>
+          </p:cNvSpPr>
+          <p:nvPr>
+            <p:ph type="sldImg"/>
+          </p:nvPr>
+        </p:nvSpPr>
+        <p:spPr/>
+      </p:sp>
+      <p:sp>
+        <p:nvSpPr>
+          <p:cNvPr id="3" name="Notes Placeholder 2"/>
+          <p:cNvSpPr>
+            <a:spLocks noGrp="1"/>
+          </p:cNvSpPr>
+          <p:nvPr>
+            <p:ph type="body" idx="1"/>
+          </p:nvPr>
+        </p:nvSpPr>
+        <p:spPr/>
+        <p:txBody>
+          <a:bodyPr/>
+          <a:lstStyle/>
+          <a:p>
+            <a:r>
+              <a:rPr lang="en-US" dirty="0"/>
+              <a:t>Basically, how find the basis from a set of vectors. Look at the notes if you forgot how to find basis.</a:t>
+            </a:r>
+          </a:p>
+        </p:txBody>
+      </p:sp>
+      <p:sp>
+        <p:nvSpPr>
+          <p:cNvPr id="4" name="Slide Number Placeholder 3"/>
+          <p:cNvSpPr>
+            <a:spLocks noGrp="1"/>
+          </p:cNvSpPr>
+          <p:nvPr>
+            <p:ph type="sldNum" sz="quarter" idx="5"/>
+          </p:nvPr>
+        </p:nvSpPr>
+        <p:spPr/>
+        <p:txBody>
+          <a:bodyPr/>
+          <a:lstStyle/>
+          <a:p>
+            <a:fld id="{B2AFC0E1-9A48-4B26-9FCC-0F0ED76BE088}" type="slidenum">
+              <a:rPr lang="en-US" smtClean="0"/>
+              <a:t>9</a:t>
+            </a:fld>
+            <a:endParaRPr lang="en-US"/>
+          </a:p>
+        </p:txBody>
+      </p:sp>
+    </p:spTree>
+    <p:extLst>
+      <p:ext uri="{BB962C8B-B14F-4D97-AF65-F5344CB8AC3E}">
+        <p14:creationId xmlns:p14="http://schemas.microsoft.com/office/powerpoint/2010/main" val="3690950850"/>
+      </p:ext>
+    </p:extLst>
+  </p:cSld>
+  <p:clrMapOvr>
+    <a:masterClrMapping/>
+  </p:clrMapOvr>
+</p:notes>
 </file>
 
 <file path=ppt/slideLayouts/slideLayout1.xml><?xml version="1.0" encoding="utf-8"?>
@@ -586,7 +4091,7 @@
           <a:p>
             <a:fld id="{C868AB9E-4FA6-4C7D-A415-A317424E55FE}" type="datetimeFigureOut">
               <a:rPr lang="en-US" smtClean="0"/>
-              <a:t>3/9/2021</a:t>
+              <a:t>3/19/2021</a:t>
             </a:fld>
             <a:endParaRPr lang="en-US"/>
           </a:p>
@@ -784,7 +4289,7 @@
           <a:p>
             <a:fld id="{C868AB9E-4FA6-4C7D-A415-A317424E55FE}" type="datetimeFigureOut">
               <a:rPr lang="en-US" smtClean="0"/>
-              <a:t>3/9/2021</a:t>
+              <a:t>3/19/2021</a:t>
             </a:fld>
             <a:endParaRPr lang="en-US"/>
           </a:p>
@@ -992,7 +4497,7 @@
           <a:p>
             <a:fld id="{C868AB9E-4FA6-4C7D-A415-A317424E55FE}" type="datetimeFigureOut">
               <a:rPr lang="en-US" smtClean="0"/>
-              <a:t>3/9/2021</a:t>
+              <a:t>3/19/2021</a:t>
             </a:fld>
             <a:endParaRPr lang="en-US"/>
           </a:p>
@@ -1190,7 +4695,7 @@
           <a:p>
             <a:fld id="{C868AB9E-4FA6-4C7D-A415-A317424E55FE}" type="datetimeFigureOut">
               <a:rPr lang="en-US" smtClean="0"/>
-              <a:t>3/9/2021</a:t>
+              <a:t>3/19/2021</a:t>
             </a:fld>
             <a:endParaRPr lang="en-US"/>
           </a:p>
@@ -1465,7 +4970,7 @@
           <a:p>
             <a:fld id="{C868AB9E-4FA6-4C7D-A415-A317424E55FE}" type="datetimeFigureOut">
               <a:rPr lang="en-US" smtClean="0"/>
-              <a:t>3/9/2021</a:t>
+              <a:t>3/19/2021</a:t>
             </a:fld>
             <a:endParaRPr lang="en-US"/>
           </a:p>
@@ -1730,7 +5235,7 @@
           <a:p>
             <a:fld id="{C868AB9E-4FA6-4C7D-A415-A317424E55FE}" type="datetimeFigureOut">
               <a:rPr lang="en-US" smtClean="0"/>
-              <a:t>3/9/2021</a:t>
+              <a:t>3/19/2021</a:t>
             </a:fld>
             <a:endParaRPr lang="en-US"/>
           </a:p>
@@ -2142,7 +5647,7 @@
           <a:p>
             <a:fld id="{C868AB9E-4FA6-4C7D-A415-A317424E55FE}" type="datetimeFigureOut">
               <a:rPr lang="en-US" smtClean="0"/>
-              <a:t>3/9/2021</a:t>
+              <a:t>3/19/2021</a:t>
             </a:fld>
             <a:endParaRPr lang="en-US"/>
           </a:p>
@@ -2283,7 +5788,7 @@
           <a:p>
             <a:fld id="{C868AB9E-4FA6-4C7D-A415-A317424E55FE}" type="datetimeFigureOut">
               <a:rPr lang="en-US" smtClean="0"/>
-              <a:t>3/9/2021</a:t>
+              <a:t>3/19/2021</a:t>
             </a:fld>
             <a:endParaRPr lang="en-US"/>
           </a:p>
@@ -2396,7 +5901,7 @@
           <a:p>
             <a:fld id="{C868AB9E-4FA6-4C7D-A415-A317424E55FE}" type="datetimeFigureOut">
               <a:rPr lang="en-US" smtClean="0"/>
-              <a:t>3/9/2021</a:t>
+              <a:t>3/19/2021</a:t>
             </a:fld>
             <a:endParaRPr lang="en-US"/>
           </a:p>
@@ -2707,7 +6212,7 @@
           <a:p>
             <a:fld id="{C868AB9E-4FA6-4C7D-A415-A317424E55FE}" type="datetimeFigureOut">
               <a:rPr lang="en-US" smtClean="0"/>
-              <a:t>3/9/2021</a:t>
+              <a:t>3/19/2021</a:t>
             </a:fld>
             <a:endParaRPr lang="en-US"/>
           </a:p>
@@ -2995,7 +6500,7 @@
           <a:p>
             <a:fld id="{C868AB9E-4FA6-4C7D-A415-A317424E55FE}" type="datetimeFigureOut">
               <a:rPr lang="en-US" smtClean="0"/>
-              <a:t>3/9/2021</a:t>
+              <a:t>3/19/2021</a:t>
             </a:fld>
             <a:endParaRPr lang="en-US"/>
           </a:p>
@@ -3236,7 +6741,7 @@
           <a:p>
             <a:fld id="{C868AB9E-4FA6-4C7D-A415-A317424E55FE}" type="datetimeFigureOut">
               <a:rPr lang="en-US" smtClean="0"/>
-              <a:t>3/9/2021</a:t>
+              <a:t>3/19/2021</a:t>
             </a:fld>
             <a:endParaRPr lang="en-US"/>
           </a:p>
@@ -3736,7 +7241,7 @@
           <p:nvPr/>
         </p:nvPicPr>
         <p:blipFill>
-          <a:blip r:embed="rId2"/>
+          <a:blip r:embed="rId3"/>
           <a:stretch>
             <a:fillRect/>
           </a:stretch>
@@ -4025,7 +7530,7 @@
           <p:cNvPr id="4" name="Picture 3">
             <a:extLst>
               <a:ext uri="{FF2B5EF4-FFF2-40B4-BE49-F238E27FC236}">
-                <a16:creationId xmlns:a16="http://schemas.microsoft.com/office/drawing/2014/main" id="{ACDE7D8F-DD79-4F4C-82AB-014479EFBA39}"/>
+                <a16:creationId xmlns:a16="http://schemas.microsoft.com/office/drawing/2014/main" id="{CE85D1CA-0826-41CB-B764-F19E73A83405}"/>
               </a:ext>
             </a:extLst>
           </p:cNvPr>
@@ -4035,15 +7540,15 @@
           <p:nvPr/>
         </p:nvPicPr>
         <p:blipFill>
-          <a:blip r:embed="rId2"/>
+          <a:blip r:embed="rId3"/>
           <a:stretch>
             <a:fillRect/>
           </a:stretch>
         </p:blipFill>
         <p:spPr>
           <a:xfrm>
-            <a:off x="1289303" y="1119116"/>
-            <a:ext cx="6972078" cy="2213635"/>
+            <a:off x="1289303" y="1144426"/>
+            <a:ext cx="9613397" cy="2163015"/>
           </a:xfrm>
           <a:prstGeom prst="rect">
             <a:avLst/>
@@ -4184,7 +7689,7 @@
           <p:cNvPr id="2" name="Title 1">
             <a:extLst>
               <a:ext uri="{FF2B5EF4-FFF2-40B4-BE49-F238E27FC236}">
-                <a16:creationId xmlns:a16="http://schemas.microsoft.com/office/drawing/2014/main" id="{D8507F17-F0EF-4A6C-BA74-C85C4CBC339B}"/>
+                <a16:creationId xmlns:a16="http://schemas.microsoft.com/office/drawing/2014/main" id="{D933ABDB-25D1-4D48-9320-2E0F5EDEB8C3}"/>
               </a:ext>
             </a:extLst>
           </p:cNvPr>
@@ -4216,7 +7721,7 @@
                 <a:ea typeface="+mj-ea"/>
                 <a:cs typeface="+mj-cs"/>
               </a:rPr>
-              <a:t>Reduction Algorithm</a:t>
+              <a:t>Reduction Corollary</a:t>
             </a:r>
           </a:p>
         </p:txBody>
@@ -4224,7 +7729,7 @@
     </p:spTree>
     <p:extLst>
       <p:ext uri="{BB962C8B-B14F-4D97-AF65-F5344CB8AC3E}">
-        <p14:creationId xmlns:p14="http://schemas.microsoft.com/office/powerpoint/2010/main" val="1496410469"/>
+        <p14:creationId xmlns:p14="http://schemas.microsoft.com/office/powerpoint/2010/main" val="2795545218"/>
       </p:ext>
     </p:extLst>
   </p:cSld>
@@ -4324,7 +7829,7 @@
           <p:cNvPr id="4" name="Picture 3">
             <a:extLst>
               <a:ext uri="{FF2B5EF4-FFF2-40B4-BE49-F238E27FC236}">
-                <a16:creationId xmlns:a16="http://schemas.microsoft.com/office/drawing/2014/main" id="{CE85D1CA-0826-41CB-B764-F19E73A83405}"/>
+                <a16:creationId xmlns:a16="http://schemas.microsoft.com/office/drawing/2014/main" id="{7BE8B9A2-7626-4F19-9B8F-153391264AF2}"/>
               </a:ext>
             </a:extLst>
           </p:cNvPr>
@@ -4334,7 +7839,7 @@
           <p:nvPr/>
         </p:nvPicPr>
         <p:blipFill>
-          <a:blip r:embed="rId2"/>
+          <a:blip r:embed="rId3"/>
           <a:stretch>
             <a:fillRect/>
           </a:stretch>
@@ -4483,7 +7988,7 @@
           <p:cNvPr id="2" name="Title 1">
             <a:extLst>
               <a:ext uri="{FF2B5EF4-FFF2-40B4-BE49-F238E27FC236}">
-                <a16:creationId xmlns:a16="http://schemas.microsoft.com/office/drawing/2014/main" id="{D933ABDB-25D1-4D48-9320-2E0F5EDEB8C3}"/>
+                <a16:creationId xmlns:a16="http://schemas.microsoft.com/office/drawing/2014/main" id="{CBBE04A7-E9E6-4DCF-B773-BEF8A032D92E}"/>
               </a:ext>
             </a:extLst>
           </p:cNvPr>
@@ -4515,7 +8020,7 @@
                 <a:ea typeface="+mj-ea"/>
                 <a:cs typeface="+mj-cs"/>
               </a:rPr>
-              <a:t>Reduction Corollary</a:t>
+              <a:t>Extension Corollary</a:t>
             </a:r>
           </a:p>
         </p:txBody>
@@ -4523,7 +8028,7 @@
     </p:spTree>
     <p:extLst>
       <p:ext uri="{BB962C8B-B14F-4D97-AF65-F5344CB8AC3E}">
-        <p14:creationId xmlns:p14="http://schemas.microsoft.com/office/powerpoint/2010/main" val="2795545218"/>
+        <p14:creationId xmlns:p14="http://schemas.microsoft.com/office/powerpoint/2010/main" val="873162044"/>
       </p:ext>
     </p:extLst>
   </p:cSld>
@@ -4623,7 +8128,7 @@
           <p:cNvPr id="4" name="Picture 3">
             <a:extLst>
               <a:ext uri="{FF2B5EF4-FFF2-40B4-BE49-F238E27FC236}">
-                <a16:creationId xmlns:a16="http://schemas.microsoft.com/office/drawing/2014/main" id="{7BE8B9A2-7626-4F19-9B8F-153391264AF2}"/>
+                <a16:creationId xmlns:a16="http://schemas.microsoft.com/office/drawing/2014/main" id="{B522859C-8734-4E6D-9355-E76FDCCC31DB}"/>
               </a:ext>
             </a:extLst>
           </p:cNvPr>
@@ -4633,15 +8138,15 @@
           <p:nvPr/>
         </p:nvPicPr>
         <p:blipFill>
-          <a:blip r:embed="rId2"/>
+          <a:blip r:embed="rId3"/>
           <a:stretch>
             <a:fillRect/>
           </a:stretch>
         </p:blipFill>
         <p:spPr>
           <a:xfrm>
-            <a:off x="1289303" y="1144426"/>
-            <a:ext cx="9613397" cy="2163015"/>
+            <a:off x="1289303" y="1336695"/>
+            <a:ext cx="9613397" cy="1778477"/>
           </a:xfrm>
           <a:prstGeom prst="rect">
             <a:avLst/>
@@ -4782,7 +8287,7 @@
           <p:cNvPr id="2" name="Title 1">
             <a:extLst>
               <a:ext uri="{FF2B5EF4-FFF2-40B4-BE49-F238E27FC236}">
-                <a16:creationId xmlns:a16="http://schemas.microsoft.com/office/drawing/2014/main" id="{CBBE04A7-E9E6-4DCF-B773-BEF8A032D92E}"/>
+                <a16:creationId xmlns:a16="http://schemas.microsoft.com/office/drawing/2014/main" id="{905BD345-A718-4308-821A-8A397FD97143}"/>
               </a:ext>
             </a:extLst>
           </p:cNvPr>
@@ -4814,7 +8319,7 @@
                 <a:ea typeface="+mj-ea"/>
                 <a:cs typeface="+mj-cs"/>
               </a:rPr>
-              <a:t>Extension Corollary</a:t>
+              <a:t>Subspace Properties</a:t>
             </a:r>
           </a:p>
         </p:txBody>
@@ -4822,7 +8327,7 @@
     </p:spTree>
     <p:extLst>
       <p:ext uri="{BB962C8B-B14F-4D97-AF65-F5344CB8AC3E}">
-        <p14:creationId xmlns:p14="http://schemas.microsoft.com/office/powerpoint/2010/main" val="873162044"/>
+        <p14:creationId xmlns:p14="http://schemas.microsoft.com/office/powerpoint/2010/main" val="456529095"/>
       </p:ext>
     </p:extLst>
   </p:cSld>
@@ -4922,7 +8427,7 @@
           <p:cNvPr id="4" name="Picture 3">
             <a:extLst>
               <a:ext uri="{FF2B5EF4-FFF2-40B4-BE49-F238E27FC236}">
-                <a16:creationId xmlns:a16="http://schemas.microsoft.com/office/drawing/2014/main" id="{B522859C-8734-4E6D-9355-E76FDCCC31DB}"/>
+                <a16:creationId xmlns:a16="http://schemas.microsoft.com/office/drawing/2014/main" id="{F4AFAF6A-1497-4C3B-B030-18292727D1EC}"/>
               </a:ext>
             </a:extLst>
           </p:cNvPr>
@@ -4932,15 +8437,15 @@
           <p:nvPr/>
         </p:nvPicPr>
         <p:blipFill>
-          <a:blip r:embed="rId2"/>
+          <a:blip r:embed="rId3"/>
           <a:stretch>
             <a:fillRect/>
           </a:stretch>
         </p:blipFill>
         <p:spPr>
           <a:xfrm>
-            <a:off x="1289303" y="1336695"/>
-            <a:ext cx="9613397" cy="1778477"/>
+            <a:off x="1289303" y="1552996"/>
+            <a:ext cx="9613397" cy="1345874"/>
           </a:xfrm>
           <a:prstGeom prst="rect">
             <a:avLst/>
@@ -5081,7 +8586,7 @@
           <p:cNvPr id="2" name="Title 1">
             <a:extLst>
               <a:ext uri="{FF2B5EF4-FFF2-40B4-BE49-F238E27FC236}">
-                <a16:creationId xmlns:a16="http://schemas.microsoft.com/office/drawing/2014/main" id="{905BD345-A718-4308-821A-8A397FD97143}"/>
+                <a16:creationId xmlns:a16="http://schemas.microsoft.com/office/drawing/2014/main" id="{53198689-4904-4F94-BE17-CF8C682A2A50}"/>
               </a:ext>
             </a:extLst>
           </p:cNvPr>
@@ -5105,7 +8610,7 @@
           <a:lstStyle/>
           <a:p>
             <a:r>
-              <a:rPr lang="en-US" sz="8000" kern="1200">
+              <a:rPr lang="en-US" sz="6200" kern="1200">
                 <a:solidFill>
                   <a:schemeClr val="tx1"/>
                 </a:solidFill>
@@ -5113,7 +8618,7 @@
                 <a:ea typeface="+mj-ea"/>
                 <a:cs typeface="+mj-cs"/>
               </a:rPr>
-              <a:t>Subspace Properties</a:t>
+              <a:t>Rank &amp; Column Dimension</a:t>
             </a:r>
           </a:p>
         </p:txBody>
@@ -5121,7 +8626,7 @@
     </p:spTree>
     <p:extLst>
       <p:ext uri="{BB962C8B-B14F-4D97-AF65-F5344CB8AC3E}">
-        <p14:creationId xmlns:p14="http://schemas.microsoft.com/office/powerpoint/2010/main" val="456529095"/>
+        <p14:creationId xmlns:p14="http://schemas.microsoft.com/office/powerpoint/2010/main" val="770335875"/>
       </p:ext>
     </p:extLst>
   </p:cSld>
@@ -5216,36 +8721,6 @@
           </a:p>
         </p:txBody>
       </p:sp>
-      <p:pic>
-        <p:nvPicPr>
-          <p:cNvPr id="4" name="Picture 3">
-            <a:extLst>
-              <a:ext uri="{FF2B5EF4-FFF2-40B4-BE49-F238E27FC236}">
-                <a16:creationId xmlns:a16="http://schemas.microsoft.com/office/drawing/2014/main" id="{F4AFAF6A-1497-4C3B-B030-18292727D1EC}"/>
-              </a:ext>
-            </a:extLst>
-          </p:cNvPr>
-          <p:cNvPicPr>
-            <a:picLocks noChangeAspect="1"/>
-          </p:cNvPicPr>
-          <p:nvPr/>
-        </p:nvPicPr>
-        <p:blipFill>
-          <a:blip r:embed="rId2"/>
-          <a:stretch>
-            <a:fillRect/>
-          </a:stretch>
-        </p:blipFill>
-        <p:spPr>
-          <a:xfrm>
-            <a:off x="1289303" y="1552996"/>
-            <a:ext cx="9613397" cy="1345874"/>
-          </a:xfrm>
-          <a:prstGeom prst="rect">
-            <a:avLst/>
-          </a:prstGeom>
-        </p:spPr>
-      </p:pic>
       <p:sp>
         <p:nvSpPr>
           <p:cNvPr id="11" name="Right Triangle 10">
@@ -5404,7 +8879,7 @@
           <a:lstStyle/>
           <a:p>
             <a:r>
-              <a:rPr lang="en-US" sz="6200" kern="1200">
+              <a:rPr lang="en-US" sz="6200" kern="1200" dirty="0">
                 <a:solidFill>
                   <a:schemeClr val="tx1"/>
                 </a:solidFill>
@@ -5412,15 +8887,45 @@
                 <a:ea typeface="+mj-ea"/>
                 <a:cs typeface="+mj-cs"/>
               </a:rPr>
-              <a:t>Rank &amp; Column Dimension</a:t>
+              <a:t>Null and Subspace</a:t>
             </a:r>
           </a:p>
         </p:txBody>
       </p:sp>
+      <p:pic>
+        <p:nvPicPr>
+          <p:cNvPr id="5" name="Picture 4">
+            <a:extLst>
+              <a:ext uri="{FF2B5EF4-FFF2-40B4-BE49-F238E27FC236}">
+                <a16:creationId xmlns:a16="http://schemas.microsoft.com/office/drawing/2014/main" id="{1483740A-C689-4018-81DC-C339F338AC20}"/>
+              </a:ext>
+            </a:extLst>
+          </p:cNvPr>
+          <p:cNvPicPr>
+            <a:picLocks noChangeAspect="1"/>
+          </p:cNvPicPr>
+          <p:nvPr/>
+        </p:nvPicPr>
+        <p:blipFill>
+          <a:blip r:embed="rId3"/>
+          <a:stretch>
+            <a:fillRect/>
+          </a:stretch>
+        </p:blipFill>
+        <p:spPr>
+          <a:xfrm>
+            <a:off x="1736612" y="2044873"/>
+            <a:ext cx="8715375" cy="590550"/>
+          </a:xfrm>
+          <a:prstGeom prst="rect">
+            <a:avLst/>
+          </a:prstGeom>
+        </p:spPr>
+      </p:pic>
     </p:spTree>
     <p:extLst>
       <p:ext uri="{BB962C8B-B14F-4D97-AF65-F5344CB8AC3E}">
-        <p14:creationId xmlns:p14="http://schemas.microsoft.com/office/powerpoint/2010/main" val="770335875"/>
+        <p14:creationId xmlns:p14="http://schemas.microsoft.com/office/powerpoint/2010/main" val="2220551215"/>
       </p:ext>
     </p:extLst>
   </p:cSld>
@@ -5515,6 +9020,36 @@
           </a:p>
         </p:txBody>
       </p:sp>
+      <p:pic>
+        <p:nvPicPr>
+          <p:cNvPr id="4" name="Picture 3">
+            <a:extLst>
+              <a:ext uri="{FF2B5EF4-FFF2-40B4-BE49-F238E27FC236}">
+                <a16:creationId xmlns:a16="http://schemas.microsoft.com/office/drawing/2014/main" id="{06BD9B59-5BCA-4A20-B938-99C0CCB7A0BA}"/>
+              </a:ext>
+            </a:extLst>
+          </p:cNvPr>
+          <p:cNvPicPr>
+            <a:picLocks noChangeAspect="1"/>
+          </p:cNvPicPr>
+          <p:nvPr/>
+        </p:nvPicPr>
+        <p:blipFill>
+          <a:blip r:embed="rId2"/>
+          <a:stretch>
+            <a:fillRect/>
+          </a:stretch>
+        </p:blipFill>
+        <p:spPr>
+          <a:xfrm>
+            <a:off x="1289303" y="1552996"/>
+            <a:ext cx="9613397" cy="1345874"/>
+          </a:xfrm>
+          <a:prstGeom prst="rect">
+            <a:avLst/>
+          </a:prstGeom>
+        </p:spPr>
+      </p:pic>
       <p:sp>
         <p:nvSpPr>
           <p:cNvPr id="11" name="Right Triangle 10">
@@ -5649,7 +9184,7 @@
           <p:cNvPr id="2" name="Title 1">
             <a:extLst>
               <a:ext uri="{FF2B5EF4-FFF2-40B4-BE49-F238E27FC236}">
-                <a16:creationId xmlns:a16="http://schemas.microsoft.com/office/drawing/2014/main" id="{53198689-4904-4F94-BE17-CF8C682A2A50}"/>
+                <a16:creationId xmlns:a16="http://schemas.microsoft.com/office/drawing/2014/main" id="{87E36A2C-F8A6-487C-AF08-4C602521E1CB}"/>
               </a:ext>
             </a:extLst>
           </p:cNvPr>
@@ -5673,7 +9208,7 @@
           <a:lstStyle/>
           <a:p>
             <a:r>
-              <a:rPr lang="en-US" sz="6200" kern="1200" dirty="0">
+              <a:rPr lang="en-US" sz="7400" kern="1200">
                 <a:solidFill>
                   <a:schemeClr val="tx1"/>
                 </a:solidFill>
@@ -5681,45 +9216,15 @@
                 <a:ea typeface="+mj-ea"/>
                 <a:cs typeface="+mj-cs"/>
               </a:rPr>
-              <a:t>Null and Subspace</a:t>
+              <a:t>Rank Nullity Theorem</a:t>
             </a:r>
           </a:p>
         </p:txBody>
       </p:sp>
-      <p:pic>
-        <p:nvPicPr>
-          <p:cNvPr id="5" name="Picture 4">
-            <a:extLst>
-              <a:ext uri="{FF2B5EF4-FFF2-40B4-BE49-F238E27FC236}">
-                <a16:creationId xmlns:a16="http://schemas.microsoft.com/office/drawing/2014/main" id="{1483740A-C689-4018-81DC-C339F338AC20}"/>
-              </a:ext>
-            </a:extLst>
-          </p:cNvPr>
-          <p:cNvPicPr>
-            <a:picLocks noChangeAspect="1"/>
-          </p:cNvPicPr>
-          <p:nvPr/>
-        </p:nvPicPr>
-        <p:blipFill>
-          <a:blip r:embed="rId2"/>
-          <a:stretch>
-            <a:fillRect/>
-          </a:stretch>
-        </p:blipFill>
-        <p:spPr>
-          <a:xfrm>
-            <a:off x="1736612" y="2044873"/>
-            <a:ext cx="8715375" cy="590550"/>
-          </a:xfrm>
-          <a:prstGeom prst="rect">
-            <a:avLst/>
-          </a:prstGeom>
-        </p:spPr>
-      </p:pic>
     </p:spTree>
     <p:extLst>
       <p:ext uri="{BB962C8B-B14F-4D97-AF65-F5344CB8AC3E}">
-        <p14:creationId xmlns:p14="http://schemas.microsoft.com/office/powerpoint/2010/main" val="2220551215"/>
+        <p14:creationId xmlns:p14="http://schemas.microsoft.com/office/powerpoint/2010/main" val="845806760"/>
       </p:ext>
     </p:extLst>
   </p:cSld>
@@ -5819,7 +9324,7 @@
           <p:cNvPr id="4" name="Picture 3">
             <a:extLst>
               <a:ext uri="{FF2B5EF4-FFF2-40B4-BE49-F238E27FC236}">
-                <a16:creationId xmlns:a16="http://schemas.microsoft.com/office/drawing/2014/main" id="{06BD9B59-5BCA-4A20-B938-99C0CCB7A0BA}"/>
+                <a16:creationId xmlns:a16="http://schemas.microsoft.com/office/drawing/2014/main" id="{54D0DB54-31E9-4DF0-BED7-4366A0A93A06}"/>
               </a:ext>
             </a:extLst>
           </p:cNvPr>
@@ -5836,8 +9341,8 @@
         </p:blipFill>
         <p:spPr>
           <a:xfrm>
-            <a:off x="1289303" y="1552996"/>
-            <a:ext cx="9613397" cy="1345874"/>
+            <a:off x="1289303" y="1589047"/>
+            <a:ext cx="9613397" cy="1273773"/>
           </a:xfrm>
           <a:prstGeom prst="rect">
             <a:avLst/>
@@ -5978,7 +9483,7 @@
           <p:cNvPr id="2" name="Title 1">
             <a:extLst>
               <a:ext uri="{FF2B5EF4-FFF2-40B4-BE49-F238E27FC236}">
-                <a16:creationId xmlns:a16="http://schemas.microsoft.com/office/drawing/2014/main" id="{87E36A2C-F8A6-487C-AF08-4C602521E1CB}"/>
+                <a16:creationId xmlns:a16="http://schemas.microsoft.com/office/drawing/2014/main" id="{62F6FF29-B927-4B81-BB79-EBC67A98BBCE}"/>
               </a:ext>
             </a:extLst>
           </p:cNvPr>
@@ -5991,7 +9496,7 @@
         </p:nvSpPr>
         <p:spPr>
           <a:xfrm>
-            <a:off x="1289304" y="3429000"/>
+            <a:off x="1289303" y="3608124"/>
             <a:ext cx="8921672" cy="1713305"/>
           </a:xfrm>
         </p:spPr>
@@ -6002,7 +9507,7 @@
           <a:lstStyle/>
           <a:p>
             <a:r>
-              <a:rPr lang="en-US" sz="7400" kern="1200">
+              <a:rPr lang="en-US" sz="8000" kern="1200" dirty="0">
                 <a:solidFill>
                   <a:schemeClr val="tx1"/>
                 </a:solidFill>
@@ -6010,15 +9515,75 @@
                 <a:ea typeface="+mj-ea"/>
                 <a:cs typeface="+mj-cs"/>
               </a:rPr>
-              <a:t>Rank Nullity Theorem</a:t>
+              <a:t>Row Equivalent Rank</a:t>
             </a:r>
           </a:p>
         </p:txBody>
       </p:sp>
+      <p:pic>
+        <p:nvPicPr>
+          <p:cNvPr id="6" name="Picture 5">
+            <a:extLst>
+              <a:ext uri="{FF2B5EF4-FFF2-40B4-BE49-F238E27FC236}">
+                <a16:creationId xmlns:a16="http://schemas.microsoft.com/office/drawing/2014/main" id="{B09B94B1-C64D-4FCC-9696-0BDE2A832080}"/>
+              </a:ext>
+            </a:extLst>
+          </p:cNvPr>
+          <p:cNvPicPr>
+            <a:picLocks noChangeAspect="1"/>
+          </p:cNvPicPr>
+          <p:nvPr/>
+        </p:nvPicPr>
+        <p:blipFill>
+          <a:blip r:embed="rId3"/>
+          <a:stretch>
+            <a:fillRect/>
+          </a:stretch>
+        </p:blipFill>
+        <p:spPr>
+          <a:xfrm>
+            <a:off x="1456592" y="2755413"/>
+            <a:ext cx="8839200" cy="723900"/>
+          </a:xfrm>
+          <a:prstGeom prst="rect">
+            <a:avLst/>
+          </a:prstGeom>
+        </p:spPr>
+      </p:pic>
+      <p:pic>
+        <p:nvPicPr>
+          <p:cNvPr id="8" name="Picture 7">
+            <a:extLst>
+              <a:ext uri="{FF2B5EF4-FFF2-40B4-BE49-F238E27FC236}">
+                <a16:creationId xmlns:a16="http://schemas.microsoft.com/office/drawing/2014/main" id="{036AFBDB-FE06-476A-A832-F04DC7276004}"/>
+              </a:ext>
+            </a:extLst>
+          </p:cNvPr>
+          <p:cNvPicPr>
+            <a:picLocks noChangeAspect="1"/>
+          </p:cNvPicPr>
+          <p:nvPr/>
+        </p:nvPicPr>
+        <p:blipFill>
+          <a:blip r:embed="rId4"/>
+          <a:stretch>
+            <a:fillRect/>
+          </a:stretch>
+        </p:blipFill>
+        <p:spPr>
+          <a:xfrm>
+            <a:off x="1456592" y="3360780"/>
+            <a:ext cx="8915400" cy="790575"/>
+          </a:xfrm>
+          <a:prstGeom prst="rect">
+            <a:avLst/>
+          </a:prstGeom>
+        </p:spPr>
+      </p:pic>
     </p:spTree>
     <p:extLst>
       <p:ext uri="{BB962C8B-B14F-4D97-AF65-F5344CB8AC3E}">
-        <p14:creationId xmlns:p14="http://schemas.microsoft.com/office/powerpoint/2010/main" val="845806760"/>
+        <p14:creationId xmlns:p14="http://schemas.microsoft.com/office/powerpoint/2010/main" val="3451654432"/>
       </p:ext>
     </p:extLst>
   </p:cSld>
@@ -6118,7 +9683,7 @@
           <p:cNvPr id="4" name="Picture 3">
             <a:extLst>
               <a:ext uri="{FF2B5EF4-FFF2-40B4-BE49-F238E27FC236}">
-                <a16:creationId xmlns:a16="http://schemas.microsoft.com/office/drawing/2014/main" id="{54D0DB54-31E9-4DF0-BED7-4366A0A93A06}"/>
+                <a16:creationId xmlns:a16="http://schemas.microsoft.com/office/drawing/2014/main" id="{324EEEDC-E83B-442C-AF4F-A2684BECF8C1}"/>
               </a:ext>
             </a:extLst>
           </p:cNvPr>
@@ -6135,8 +9700,8 @@
         </p:blipFill>
         <p:spPr>
           <a:xfrm>
-            <a:off x="1289303" y="1589047"/>
-            <a:ext cx="9613397" cy="1273773"/>
+            <a:off x="1289303" y="1613079"/>
+            <a:ext cx="9613397" cy="1225708"/>
           </a:xfrm>
           <a:prstGeom prst="rect">
             <a:avLst/>
@@ -6277,7 +9842,7 @@
           <p:cNvPr id="2" name="Title 1">
             <a:extLst>
               <a:ext uri="{FF2B5EF4-FFF2-40B4-BE49-F238E27FC236}">
-                <a16:creationId xmlns:a16="http://schemas.microsoft.com/office/drawing/2014/main" id="{62F6FF29-B927-4B81-BB79-EBC67A98BBCE}"/>
+                <a16:creationId xmlns:a16="http://schemas.microsoft.com/office/drawing/2014/main" id="{D3AB2CBD-2410-413B-B053-FE09DE09C5F3}"/>
               </a:ext>
             </a:extLst>
           </p:cNvPr>
@@ -6301,7 +9866,7 @@
           <a:lstStyle/>
           <a:p>
             <a:r>
-              <a:rPr lang="en-US" sz="8000" kern="1200">
+              <a:rPr lang="en-US" sz="6800" kern="1200">
                 <a:solidFill>
                   <a:schemeClr val="tx1"/>
                 </a:solidFill>
@@ -6309,75 +9874,15 @@
                 <a:ea typeface="+mj-ea"/>
                 <a:cs typeface="+mj-cs"/>
               </a:rPr>
-              <a:t>Row Equivalent Rank</a:t>
+              <a:t>Rank vs Rank Transpose</a:t>
             </a:r>
           </a:p>
         </p:txBody>
       </p:sp>
-      <p:pic>
-        <p:nvPicPr>
-          <p:cNvPr id="6" name="Picture 5">
-            <a:extLst>
-              <a:ext uri="{FF2B5EF4-FFF2-40B4-BE49-F238E27FC236}">
-                <a16:creationId xmlns:a16="http://schemas.microsoft.com/office/drawing/2014/main" id="{B09B94B1-C64D-4FCC-9696-0BDE2A832080}"/>
-              </a:ext>
-            </a:extLst>
-          </p:cNvPr>
-          <p:cNvPicPr>
-            <a:picLocks noChangeAspect="1"/>
-          </p:cNvPicPr>
-          <p:nvPr/>
-        </p:nvPicPr>
-        <p:blipFill>
-          <a:blip r:embed="rId3"/>
-          <a:stretch>
-            <a:fillRect/>
-          </a:stretch>
-        </p:blipFill>
-        <p:spPr>
-          <a:xfrm>
-            <a:off x="1456592" y="2755413"/>
-            <a:ext cx="8839200" cy="723900"/>
-          </a:xfrm>
-          <a:prstGeom prst="rect">
-            <a:avLst/>
-          </a:prstGeom>
-        </p:spPr>
-      </p:pic>
-      <p:pic>
-        <p:nvPicPr>
-          <p:cNvPr id="8" name="Picture 7">
-            <a:extLst>
-              <a:ext uri="{FF2B5EF4-FFF2-40B4-BE49-F238E27FC236}">
-                <a16:creationId xmlns:a16="http://schemas.microsoft.com/office/drawing/2014/main" id="{036AFBDB-FE06-476A-A832-F04DC7276004}"/>
-              </a:ext>
-            </a:extLst>
-          </p:cNvPr>
-          <p:cNvPicPr>
-            <a:picLocks noChangeAspect="1"/>
-          </p:cNvPicPr>
-          <p:nvPr/>
-        </p:nvPicPr>
-        <p:blipFill>
-          <a:blip r:embed="rId4"/>
-          <a:stretch>
-            <a:fillRect/>
-          </a:stretch>
-        </p:blipFill>
-        <p:spPr>
-          <a:xfrm>
-            <a:off x="1456592" y="3360780"/>
-            <a:ext cx="8915400" cy="790575"/>
-          </a:xfrm>
-          <a:prstGeom prst="rect">
-            <a:avLst/>
-          </a:prstGeom>
-        </p:spPr>
-      </p:pic>
     </p:spTree>
     <p:extLst>
       <p:ext uri="{BB962C8B-B14F-4D97-AF65-F5344CB8AC3E}">
-        <p14:creationId xmlns:p14="http://schemas.microsoft.com/office/powerpoint/2010/main" val="3451654432"/>
+        <p14:creationId xmlns:p14="http://schemas.microsoft.com/office/powerpoint/2010/main" val="2079620567"/>
       </p:ext>
     </p:extLst>
   </p:cSld>
@@ -6417,7 +9922,7 @@
           <p:cNvPr id="9" name="Rectangle 8">
             <a:extLst>
               <a:ext uri="{FF2B5EF4-FFF2-40B4-BE49-F238E27FC236}">
-                <a16:creationId xmlns:a16="http://schemas.microsoft.com/office/drawing/2014/main" id="{19D32F93-50AC-4C46-A5DB-291C60DDB7BD}"/>
+                <a16:creationId xmlns:a16="http://schemas.microsoft.com/office/drawing/2014/main" id="{EB270761-CC40-4F3F-A916-7E3BC3989348}"/>
               </a:ext>
               <a:ext uri="{C183D7F6-B498-43B3-948B-1728B52AA6E4}">
                 <adec:decorative xmlns:adec="http://schemas.microsoft.com/office/drawing/2017/decorative" val="1"/>
@@ -6437,8 +9942,8 @@
         </p:nvSpPr>
         <p:spPr>
           <a:xfrm>
-            <a:off x="0" y="0"/>
-            <a:ext cx="12192000" cy="6858000"/>
+            <a:off x="-1" y="0"/>
+            <a:ext cx="12191695" cy="6858000"/>
           </a:xfrm>
           <a:prstGeom prst="rect">
             <a:avLst/>
@@ -6472,42 +9977,54 @@
           </a:p>
         </p:txBody>
       </p:sp>
-      <p:pic>
-        <p:nvPicPr>
-          <p:cNvPr id="4" name="Picture 3">
-            <a:extLst>
-              <a:ext uri="{FF2B5EF4-FFF2-40B4-BE49-F238E27FC236}">
-                <a16:creationId xmlns:a16="http://schemas.microsoft.com/office/drawing/2014/main" id="{324EEEDC-E83B-442C-AF4F-A2684BECF8C1}"/>
-              </a:ext>
-            </a:extLst>
-          </p:cNvPr>
-          <p:cNvPicPr>
-            <a:picLocks noChangeAspect="1"/>
-          </p:cNvPicPr>
-          <p:nvPr/>
-        </p:nvPicPr>
-        <p:blipFill>
-          <a:blip r:embed="rId2"/>
-          <a:stretch>
-            <a:fillRect/>
-          </a:stretch>
-        </p:blipFill>
+      <p:sp>
+        <p:nvSpPr>
+          <p:cNvPr id="2" name="Title 1">
+            <a:extLst>
+              <a:ext uri="{FF2B5EF4-FFF2-40B4-BE49-F238E27FC236}">
+                <a16:creationId xmlns:a16="http://schemas.microsoft.com/office/drawing/2014/main" id="{72FB57F0-9EAD-452E-BB40-52AE41C56EF7}"/>
+              </a:ext>
+            </a:extLst>
+          </p:cNvPr>
+          <p:cNvSpPr>
+            <a:spLocks noGrp="1"/>
+          </p:cNvSpPr>
+          <p:nvPr>
+            <p:ph type="title"/>
+          </p:nvPr>
+        </p:nvSpPr>
         <p:spPr>
           <a:xfrm>
-            <a:off x="1289303" y="1613079"/>
-            <a:ext cx="9613397" cy="1225708"/>
-          </a:xfrm>
-          <a:prstGeom prst="rect">
-            <a:avLst/>
-          </a:prstGeom>
-        </p:spPr>
-      </p:pic>
-      <p:sp>
-        <p:nvSpPr>
-          <p:cNvPr id="11" name="Right Triangle 10">
-            <a:extLst>
-              <a:ext uri="{FF2B5EF4-FFF2-40B4-BE49-F238E27FC236}">
-                <a16:creationId xmlns:a16="http://schemas.microsoft.com/office/drawing/2014/main" id="{827DC2C4-B485-428A-BF4A-472D2967F47F}"/>
+            <a:off x="1366160" y="4376508"/>
+            <a:ext cx="9623404" cy="1257202"/>
+          </a:xfrm>
+        </p:spPr>
+        <p:txBody>
+          <a:bodyPr vert="horz" lIns="91440" tIns="45720" rIns="91440" bIns="45720" rtlCol="0" anchor="b">
+            <a:normAutofit/>
+          </a:bodyPr>
+          <a:lstStyle/>
+          <a:p>
+            <a:r>
+              <a:rPr lang="en-US" sz="6600" kern="1200">
+                <a:solidFill>
+                  <a:schemeClr val="tx1"/>
+                </a:solidFill>
+                <a:latin typeface="+mj-lt"/>
+                <a:ea typeface="+mj-ea"/>
+                <a:cs typeface="+mj-cs"/>
+              </a:rPr>
+              <a:t>Standard Matrix</a:t>
+            </a:r>
+          </a:p>
+        </p:txBody>
+      </p:sp>
+      <p:sp>
+        <p:nvSpPr>
+          <p:cNvPr id="11" name="Rectangle 10">
+            <a:extLst>
+              <a:ext uri="{FF2B5EF4-FFF2-40B4-BE49-F238E27FC236}">
+                <a16:creationId xmlns:a16="http://schemas.microsoft.com/office/drawing/2014/main" id="{A2555B16-BE1D-4C33-A27C-FF0671B6C94C}"/>
               </a:ext>
               <a:ext uri="{C183D7F6-B498-43B3-948B-1728B52AA6E4}">
                 <adec:decorative xmlns:adec="http://schemas.microsoft.com/office/drawing/2017/decorative" val="1"/>
@@ -6526,15 +10043,15 @@
           </p:nvPr>
         </p:nvSpPr>
         <p:spPr>
-          <a:xfrm flipH="1">
-            <a:off x="8576720" y="3335867"/>
-            <a:ext cx="3291840" cy="3200400"/>
-          </a:xfrm>
-          <a:prstGeom prst="rtTriangle">
+          <a:xfrm>
+            <a:off x="0" y="891540"/>
+            <a:ext cx="722376" cy="5071110"/>
+          </a:xfrm>
+          <a:prstGeom prst="rect">
             <a:avLst/>
           </a:prstGeom>
           <a:solidFill>
-            <a:schemeClr val="accent4"/>
+            <a:srgbClr val="4C5254"/>
           </a:solidFill>
           <a:ln>
             <a:noFill/>
@@ -6561,122 +10078,51 @@
           <a:lstStyle/>
           <a:p>
             <a:pPr algn="ctr"/>
-            <a:endParaRPr lang="en-US" dirty="0"/>
-          </a:p>
-        </p:txBody>
-      </p:sp>
-      <p:sp>
-        <p:nvSpPr>
-          <p:cNvPr id="13" name="Rectangle 12">
-            <a:extLst>
-              <a:ext uri="{FF2B5EF4-FFF2-40B4-BE49-F238E27FC236}">
-                <a16:creationId xmlns:a16="http://schemas.microsoft.com/office/drawing/2014/main" id="{EE04B5EB-F158-4507-90DD-BD23620C7CC9}"/>
-              </a:ext>
-              <a:ext uri="{C183D7F6-B498-43B3-948B-1728B52AA6E4}">
-                <adec:decorative xmlns:adec="http://schemas.microsoft.com/office/drawing/2017/decorative" val="1"/>
-              </a:ext>
-            </a:extLst>
-          </p:cNvPr>
-          <p:cNvSpPr>
-            <a:spLocks noGrp="1" noRot="1" noChangeAspect="1" noMove="1" noResize="1" noEditPoints="1" noAdjustHandles="1" noChangeArrowheads="1" noChangeShapeType="1" noTextEdit="1"/>
-          </p:cNvSpPr>
-          <p:nvPr>
-            <p:extLst>
-              <p:ext uri="{386F3935-93C4-4BCD-93E2-E3B085C9AB24}">
-                <p16:designElem xmlns:p16="http://schemas.microsoft.com/office/powerpoint/2015/main" val="1"/>
-              </p:ext>
-            </p:extLst>
-          </p:nvPr>
-        </p:nvSpPr>
+            <a:endParaRPr lang="en-US"/>
+          </a:p>
+        </p:txBody>
+      </p:sp>
+      <p:pic>
+        <p:nvPicPr>
+          <p:cNvPr id="4" name="Picture 3">
+            <a:extLst>
+              <a:ext uri="{FF2B5EF4-FFF2-40B4-BE49-F238E27FC236}">
+                <a16:creationId xmlns:a16="http://schemas.microsoft.com/office/drawing/2014/main" id="{4FB498DD-189C-4050-86A0-F81D2616E3D8}"/>
+              </a:ext>
+            </a:extLst>
+          </p:cNvPr>
+          <p:cNvPicPr>
+            <a:picLocks noChangeAspect="1"/>
+          </p:cNvPicPr>
+          <p:nvPr/>
+        </p:nvPicPr>
+        <p:blipFill>
+          <a:blip r:embed="rId2"/>
+          <a:stretch>
+            <a:fillRect/>
+          </a:stretch>
+        </p:blipFill>
         <p:spPr>
           <a:xfrm>
-            <a:off x="641774" y="623275"/>
-            <a:ext cx="10905053" cy="5607882"/>
+            <a:off x="1365855" y="1469492"/>
+            <a:ext cx="9934606" cy="2061429"/>
           </a:xfrm>
           <a:prstGeom prst="rect">
             <a:avLst/>
           </a:prstGeom>
-          <a:noFill/>
-          <a:ln w="19050">
-            <a:solidFill>
-              <a:schemeClr val="tx1">
-                <a:lumMod val="75000"/>
-                <a:lumOff val="25000"/>
-              </a:schemeClr>
-            </a:solidFill>
-          </a:ln>
-        </p:spPr>
-        <p:style>
-          <a:lnRef idx="2">
-            <a:schemeClr val="accent1">
-              <a:shade val="50000"/>
-            </a:schemeClr>
-          </a:lnRef>
-          <a:fillRef idx="1">
-            <a:schemeClr val="accent1"/>
-          </a:fillRef>
-          <a:effectRef idx="0">
-            <a:schemeClr val="accent1"/>
-          </a:effectRef>
-          <a:fontRef idx="minor">
-            <a:schemeClr val="lt1"/>
-          </a:fontRef>
-        </p:style>
-        <p:txBody>
-          <a:bodyPr rtlCol="0" anchor="ctr"/>
-          <a:lstStyle/>
-          <a:p>
-            <a:pPr algn="ctr"/>
-            <a:endParaRPr lang="en-US"/>
-          </a:p>
-        </p:txBody>
-      </p:sp>
-      <p:sp>
-        <p:nvSpPr>
-          <p:cNvPr id="2" name="Title 1">
-            <a:extLst>
-              <a:ext uri="{FF2B5EF4-FFF2-40B4-BE49-F238E27FC236}">
-                <a16:creationId xmlns:a16="http://schemas.microsoft.com/office/drawing/2014/main" id="{D3AB2CBD-2410-413B-B053-FE09DE09C5F3}"/>
-              </a:ext>
-            </a:extLst>
-          </p:cNvPr>
-          <p:cNvSpPr>
-            <a:spLocks noGrp="1"/>
-          </p:cNvSpPr>
-          <p:nvPr>
-            <p:ph type="title"/>
-          </p:nvPr>
-        </p:nvSpPr>
-        <p:spPr>
-          <a:xfrm>
-            <a:off x="1289304" y="3429000"/>
-            <a:ext cx="8921672" cy="1713305"/>
-          </a:xfrm>
-        </p:spPr>
-        <p:txBody>
-          <a:bodyPr vert="horz" lIns="91440" tIns="45720" rIns="91440" bIns="45720" rtlCol="0" anchor="b">
-            <a:normAutofit/>
-          </a:bodyPr>
-          <a:lstStyle/>
-          <a:p>
-            <a:r>
-              <a:rPr lang="en-US" sz="6800" kern="1200">
-                <a:solidFill>
-                  <a:schemeClr val="tx1"/>
-                </a:solidFill>
-                <a:latin typeface="+mj-lt"/>
-                <a:ea typeface="+mj-ea"/>
-                <a:cs typeface="+mj-cs"/>
-              </a:rPr>
-              <a:t>Rank vs Rank Transpose</a:t>
-            </a:r>
-          </a:p>
-        </p:txBody>
-      </p:sp>
+          <a:effectLst>
+            <a:outerShdw blurRad="406400" dist="317500" dir="5400000" sx="89000" sy="89000" rotWithShape="0">
+              <a:prstClr val="black">
+                <a:alpha val="15000"/>
+              </a:prstClr>
+            </a:outerShdw>
+          </a:effectLst>
+        </p:spPr>
+      </p:pic>
     </p:spTree>
     <p:extLst>
       <p:ext uri="{BB962C8B-B14F-4D97-AF65-F5344CB8AC3E}">
-        <p14:creationId xmlns:p14="http://schemas.microsoft.com/office/powerpoint/2010/main" val="2079620567"/>
+        <p14:creationId xmlns:p14="http://schemas.microsoft.com/office/powerpoint/2010/main" val="1612242428"/>
       </p:ext>
     </p:extLst>
   </p:cSld>
@@ -6776,7 +10222,7 @@
           <p:cNvPr id="2" name="Title 1">
             <a:extLst>
               <a:ext uri="{FF2B5EF4-FFF2-40B4-BE49-F238E27FC236}">
-                <a16:creationId xmlns:a16="http://schemas.microsoft.com/office/drawing/2014/main" id="{72FB57F0-9EAD-452E-BB40-52AE41C56EF7}"/>
+                <a16:creationId xmlns:a16="http://schemas.microsoft.com/office/drawing/2014/main" id="{3ED66A6E-D5D5-46CF-9374-C69149E57A1C}"/>
               </a:ext>
             </a:extLst>
           </p:cNvPr>
@@ -6800,7 +10246,7 @@
           <a:lstStyle/>
           <a:p>
             <a:r>
-              <a:rPr lang="en-US" sz="6600" kern="1200">
+              <a:rPr lang="en-US" sz="5100" kern="1200">
                 <a:solidFill>
                   <a:schemeClr val="tx1"/>
                 </a:solidFill>
@@ -6808,7 +10254,7 @@
                 <a:ea typeface="+mj-ea"/>
                 <a:cs typeface="+mj-cs"/>
               </a:rPr>
-              <a:t>Standard Matrix</a:t>
+              <a:t>Standard Matrix Multiplication????</a:t>
             </a:r>
           </a:p>
         </p:txBody>
@@ -6881,7 +10327,7 @@
           <p:cNvPr id="4" name="Picture 3">
             <a:extLst>
               <a:ext uri="{FF2B5EF4-FFF2-40B4-BE49-F238E27FC236}">
-                <a16:creationId xmlns:a16="http://schemas.microsoft.com/office/drawing/2014/main" id="{4FB498DD-189C-4050-86A0-F81D2616E3D8}"/>
+                <a16:creationId xmlns:a16="http://schemas.microsoft.com/office/drawing/2014/main" id="{177343F9-AD92-4E54-BF99-E754D618E9E7}"/>
               </a:ext>
             </a:extLst>
           </p:cNvPr>
@@ -6898,8 +10344,8 @@
         </p:blipFill>
         <p:spPr>
           <a:xfrm>
-            <a:off x="1365855" y="1469492"/>
-            <a:ext cx="9934606" cy="2061429"/>
+            <a:off x="1365855" y="1668183"/>
+            <a:ext cx="9934606" cy="1664046"/>
           </a:xfrm>
           <a:prstGeom prst="rect">
             <a:avLst/>
@@ -6916,7 +10362,7 @@
     </p:spTree>
     <p:extLst>
       <p:ext uri="{BB962C8B-B14F-4D97-AF65-F5344CB8AC3E}">
-        <p14:creationId xmlns:p14="http://schemas.microsoft.com/office/powerpoint/2010/main" val="1612242428"/>
+        <p14:creationId xmlns:p14="http://schemas.microsoft.com/office/powerpoint/2010/main" val="1594308202"/>
       </p:ext>
     </p:extLst>
   </p:cSld>
@@ -7026,7 +10472,7 @@
           <p:nvPr/>
         </p:nvPicPr>
         <p:blipFill>
-          <a:blip r:embed="rId2"/>
+          <a:blip r:embed="rId3"/>
           <a:stretch>
             <a:fillRect/>
           </a:stretch>
@@ -7207,27 +10653,8 @@
                 <a:ea typeface="+mj-ea"/>
                 <a:cs typeface="+mj-cs"/>
               </a:rPr>
-              <a:t>Unique </a:t>
+              <a:t>Unique Inverse</a:t>
             </a:r>
-            <a:r>
-              <a:rPr lang="en-US" sz="8000" kern="1200" dirty="0" err="1">
-                <a:solidFill>
-                  <a:schemeClr val="tx1"/>
-                </a:solidFill>
-                <a:latin typeface="+mj-lt"/>
-                <a:ea typeface="+mj-ea"/>
-                <a:cs typeface="+mj-cs"/>
-              </a:rPr>
-              <a:t>Invertibles</a:t>
-            </a:r>
-            <a:endParaRPr lang="en-US" sz="8000" kern="1200" dirty="0">
-              <a:solidFill>
-                <a:schemeClr val="tx1"/>
-              </a:solidFill>
-              <a:latin typeface="+mj-lt"/>
-              <a:ea typeface="+mj-ea"/>
-              <a:cs typeface="+mj-cs"/>
-            </a:endParaRPr>
           </a:p>
         </p:txBody>
       </p:sp>
@@ -7271,7 +10698,7 @@
       </p:grpSpPr>
       <p:sp useBgFill="1">
         <p:nvSpPr>
-          <p:cNvPr id="9" name="Rectangle 8">
+          <p:cNvPr id="11" name="Rectangle 10">
             <a:extLst>
               <a:ext uri="{FF2B5EF4-FFF2-40B4-BE49-F238E27FC236}">
                 <a16:creationId xmlns:a16="http://schemas.microsoft.com/office/drawing/2014/main" id="{EB270761-CC40-4F3F-A916-7E3BC3989348}"/>
@@ -7334,7 +10761,7 @@
           <p:cNvPr id="2" name="Title 1">
             <a:extLst>
               <a:ext uri="{FF2B5EF4-FFF2-40B4-BE49-F238E27FC236}">
-                <a16:creationId xmlns:a16="http://schemas.microsoft.com/office/drawing/2014/main" id="{3ED66A6E-D5D5-46CF-9374-C69149E57A1C}"/>
+                <a16:creationId xmlns:a16="http://schemas.microsoft.com/office/drawing/2014/main" id="{2850A7ED-96D2-417C-B903-C6CAE2CE7669}"/>
               </a:ext>
             </a:extLst>
           </p:cNvPr>
@@ -7358,7 +10785,7 @@
           <a:lstStyle/>
           <a:p>
             <a:r>
-              <a:rPr lang="en-US" sz="5100" kern="1200">
+              <a:rPr lang="en-US" sz="6600" kern="1200" dirty="0">
                 <a:solidFill>
                   <a:schemeClr val="tx1"/>
                 </a:solidFill>
@@ -7366,14 +10793,14 @@
                 <a:ea typeface="+mj-ea"/>
                 <a:cs typeface="+mj-cs"/>
               </a:rPr>
-              <a:t>Standard Matrix Multiplication????</a:t>
+              <a:t>Isomorphism</a:t>
             </a:r>
           </a:p>
         </p:txBody>
       </p:sp>
       <p:sp>
         <p:nvSpPr>
-          <p:cNvPr id="11" name="Rectangle 10">
+          <p:cNvPr id="13" name="Rectangle 12">
             <a:extLst>
               <a:ext uri="{FF2B5EF4-FFF2-40B4-BE49-F238E27FC236}">
                 <a16:creationId xmlns:a16="http://schemas.microsoft.com/office/drawing/2014/main" id="{A2555B16-BE1D-4C33-A27C-FF0671B6C94C}"/>
@@ -7436,10 +10863,10 @@
       </p:sp>
       <p:pic>
         <p:nvPicPr>
-          <p:cNvPr id="4" name="Picture 3">
-            <a:extLst>
-              <a:ext uri="{FF2B5EF4-FFF2-40B4-BE49-F238E27FC236}">
-                <a16:creationId xmlns:a16="http://schemas.microsoft.com/office/drawing/2014/main" id="{177343F9-AD92-4E54-BF99-E754D618E9E7}"/>
+          <p:cNvPr id="6" name="Picture 5">
+            <a:extLst>
+              <a:ext uri="{FF2B5EF4-FFF2-40B4-BE49-F238E27FC236}">
+                <a16:creationId xmlns:a16="http://schemas.microsoft.com/office/drawing/2014/main" id="{7AE99F1D-800D-4B83-B3BD-6D467FF33D0C}"/>
               </a:ext>
             </a:extLst>
           </p:cNvPr>
@@ -7456,8 +10883,8 @@
         </p:blipFill>
         <p:spPr>
           <a:xfrm>
-            <a:off x="1365855" y="1668183"/>
-            <a:ext cx="9934606" cy="1664046"/>
+            <a:off x="1365855" y="1904130"/>
+            <a:ext cx="9934606" cy="1192153"/>
           </a:xfrm>
           <a:prstGeom prst="rect">
             <a:avLst/>
@@ -7474,7 +10901,7 @@
     </p:spTree>
     <p:extLst>
       <p:ext uri="{BB962C8B-B14F-4D97-AF65-F5344CB8AC3E}">
-        <p14:creationId xmlns:p14="http://schemas.microsoft.com/office/powerpoint/2010/main" val="1594308202"/>
+        <p14:creationId xmlns:p14="http://schemas.microsoft.com/office/powerpoint/2010/main" val="955675857"/>
       </p:ext>
     </p:extLst>
   </p:cSld>
@@ -7511,7 +10938,7 @@
       </p:grpSpPr>
       <p:sp useBgFill="1">
         <p:nvSpPr>
-          <p:cNvPr id="11" name="Rectangle 10">
+          <p:cNvPr id="9" name="Rectangle 8">
             <a:extLst>
               <a:ext uri="{FF2B5EF4-FFF2-40B4-BE49-F238E27FC236}">
                 <a16:creationId xmlns:a16="http://schemas.microsoft.com/office/drawing/2014/main" id="{EB270761-CC40-4F3F-A916-7E3BC3989348}"/>
@@ -7574,7 +11001,7 @@
           <p:cNvPr id="2" name="Title 1">
             <a:extLst>
               <a:ext uri="{FF2B5EF4-FFF2-40B4-BE49-F238E27FC236}">
-                <a16:creationId xmlns:a16="http://schemas.microsoft.com/office/drawing/2014/main" id="{2850A7ED-96D2-417C-B903-C6CAE2CE7669}"/>
+                <a16:creationId xmlns:a16="http://schemas.microsoft.com/office/drawing/2014/main" id="{55C4CDE4-E951-449C-A932-89AA243A481C}"/>
               </a:ext>
             </a:extLst>
           </p:cNvPr>
@@ -7598,7 +11025,7 @@
           <a:lstStyle/>
           <a:p>
             <a:r>
-              <a:rPr lang="en-US" sz="6600" kern="1200" dirty="0">
+              <a:rPr lang="en-US" sz="4100" kern="1200" dirty="0">
                 <a:solidFill>
                   <a:schemeClr val="tx1"/>
                 </a:solidFill>
@@ -7606,14 +11033,29 @@
                 <a:ea typeface="+mj-ea"/>
                 <a:cs typeface="+mj-cs"/>
               </a:rPr>
-              <a:t>Isomorphism</a:t>
+              <a:t>Invertible Linear Transformation and Standard </a:t>
             </a:r>
-          </a:p>
-        </p:txBody>
-      </p:sp>
-      <p:sp>
-        <p:nvSpPr>
-          <p:cNvPr id="13" name="Rectangle 12">
+            <a:r>
+              <a:rPr lang="en-US" sz="4100" dirty="0"/>
+              <a:t>M</a:t>
+            </a:r>
+            <a:r>
+              <a:rPr lang="en-US" sz="4100" kern="1200" dirty="0">
+                <a:solidFill>
+                  <a:schemeClr val="tx1"/>
+                </a:solidFill>
+                <a:latin typeface="+mj-lt"/>
+                <a:ea typeface="+mj-ea"/>
+                <a:cs typeface="+mj-cs"/>
+              </a:rPr>
+              <a:t>atrix</a:t>
+            </a:r>
+          </a:p>
+        </p:txBody>
+      </p:sp>
+      <p:sp>
+        <p:nvSpPr>
+          <p:cNvPr id="11" name="Rectangle 10">
             <a:extLst>
               <a:ext uri="{FF2B5EF4-FFF2-40B4-BE49-F238E27FC236}">
                 <a16:creationId xmlns:a16="http://schemas.microsoft.com/office/drawing/2014/main" id="{A2555B16-BE1D-4C33-A27C-FF0671B6C94C}"/>
@@ -7676,10 +11118,10 @@
       </p:sp>
       <p:pic>
         <p:nvPicPr>
-          <p:cNvPr id="6" name="Picture 5">
-            <a:extLst>
-              <a:ext uri="{FF2B5EF4-FFF2-40B4-BE49-F238E27FC236}">
-                <a16:creationId xmlns:a16="http://schemas.microsoft.com/office/drawing/2014/main" id="{7AE99F1D-800D-4B83-B3BD-6D467FF33D0C}"/>
+          <p:cNvPr id="4" name="Picture 3">
+            <a:extLst>
+              <a:ext uri="{FF2B5EF4-FFF2-40B4-BE49-F238E27FC236}">
+                <a16:creationId xmlns:a16="http://schemas.microsoft.com/office/drawing/2014/main" id="{71397B19-8B36-4F9A-837A-8B9638FAEAC6}"/>
               </a:ext>
             </a:extLst>
           </p:cNvPr>
@@ -7696,8 +11138,8 @@
         </p:blipFill>
         <p:spPr>
           <a:xfrm>
-            <a:off x="1365855" y="1904130"/>
-            <a:ext cx="9934606" cy="1192153"/>
+            <a:off x="1365855" y="1941385"/>
+            <a:ext cx="9934606" cy="1117643"/>
           </a:xfrm>
           <a:prstGeom prst="rect">
             <a:avLst/>
@@ -7714,7 +11156,7 @@
     </p:spTree>
     <p:extLst>
       <p:ext uri="{BB962C8B-B14F-4D97-AF65-F5344CB8AC3E}">
-        <p14:creationId xmlns:p14="http://schemas.microsoft.com/office/powerpoint/2010/main" val="955675857"/>
+        <p14:creationId xmlns:p14="http://schemas.microsoft.com/office/powerpoint/2010/main" val="1125068611"/>
       </p:ext>
     </p:extLst>
   </p:cSld>
@@ -7931,10 +11373,10 @@
       </p:sp>
       <p:pic>
         <p:nvPicPr>
-          <p:cNvPr id="4" name="Picture 3">
-            <a:extLst>
-              <a:ext uri="{FF2B5EF4-FFF2-40B4-BE49-F238E27FC236}">
-                <a16:creationId xmlns:a16="http://schemas.microsoft.com/office/drawing/2014/main" id="{71397B19-8B36-4F9A-837A-8B9638FAEAC6}"/>
+          <p:cNvPr id="5" name="Picture 4">
+            <a:extLst>
+              <a:ext uri="{FF2B5EF4-FFF2-40B4-BE49-F238E27FC236}">
+                <a16:creationId xmlns:a16="http://schemas.microsoft.com/office/drawing/2014/main" id="{14ABC56A-927A-4952-B432-56A0FE916C19}"/>
               </a:ext>
             </a:extLst>
           </p:cNvPr>
@@ -7951,25 +11393,48 @@
         </p:blipFill>
         <p:spPr>
           <a:xfrm>
-            <a:off x="1365855" y="1941385"/>
-            <a:ext cx="9934606" cy="1117643"/>
+            <a:off x="1361921" y="2106953"/>
+            <a:ext cx="9467850" cy="1028700"/>
           </a:xfrm>
           <a:prstGeom prst="rect">
             <a:avLst/>
           </a:prstGeom>
-          <a:effectLst>
-            <a:outerShdw blurRad="406400" dist="317500" dir="5400000" sx="89000" sy="89000" rotWithShape="0">
-              <a:prstClr val="black">
-                <a:alpha val="15000"/>
-              </a:prstClr>
-            </a:outerShdw>
-          </a:effectLst>
+        </p:spPr>
+      </p:pic>
+      <p:pic>
+        <p:nvPicPr>
+          <p:cNvPr id="7" name="Picture 6">
+            <a:extLst>
+              <a:ext uri="{FF2B5EF4-FFF2-40B4-BE49-F238E27FC236}">
+                <a16:creationId xmlns:a16="http://schemas.microsoft.com/office/drawing/2014/main" id="{4355A3DC-94E3-469F-9904-99CA9F73E02E}"/>
+              </a:ext>
+            </a:extLst>
+          </p:cNvPr>
+          <p:cNvPicPr>
+            <a:picLocks noChangeAspect="1"/>
+          </p:cNvPicPr>
+          <p:nvPr/>
+        </p:nvPicPr>
+        <p:blipFill>
+          <a:blip r:embed="rId3"/>
+          <a:stretch>
+            <a:fillRect/>
+          </a:stretch>
+        </p:blipFill>
+        <p:spPr>
+          <a:xfrm>
+            <a:off x="1312164" y="3041332"/>
+            <a:ext cx="9677400" cy="771525"/>
+          </a:xfrm>
+          <a:prstGeom prst="rect">
+            <a:avLst/>
+          </a:prstGeom>
         </p:spPr>
       </p:pic>
     </p:spTree>
     <p:extLst>
       <p:ext uri="{BB962C8B-B14F-4D97-AF65-F5344CB8AC3E}">
-        <p14:creationId xmlns:p14="http://schemas.microsoft.com/office/powerpoint/2010/main" val="1125068611"/>
+        <p14:creationId xmlns:p14="http://schemas.microsoft.com/office/powerpoint/2010/main" val="713579245"/>
       </p:ext>
     </p:extLst>
   </p:cSld>
@@ -7982,6 +11447,14 @@
 <file path=ppt/slides/slide23.xml><?xml version="1.0" encoding="utf-8"?>
 <p:sld xmlns:a="http://schemas.openxmlformats.org/drawingml/2006/main" xmlns:r="http://schemas.openxmlformats.org/officeDocument/2006/relationships" xmlns:p="http://schemas.openxmlformats.org/presentationml/2006/main">
   <p:cSld>
+    <p:bg>
+      <p:bgPr>
+        <a:solidFill>
+          <a:schemeClr val="bg1"/>
+        </a:solidFill>
+        <a:effectLst/>
+      </p:bgPr>
+    </p:bg>
     <p:spTree>
       <p:nvGrpSpPr>
         <p:cNvPr id="1" name=""/>
@@ -7996,12 +11469,120 @@
           <a:chExt cx="0" cy="0"/>
         </a:xfrm>
       </p:grpSpPr>
+      <p:sp useBgFill="1">
+        <p:nvSpPr>
+          <p:cNvPr id="9" name="Rectangle 8">
+            <a:extLst>
+              <a:ext uri="{FF2B5EF4-FFF2-40B4-BE49-F238E27FC236}">
+                <a16:creationId xmlns:a16="http://schemas.microsoft.com/office/drawing/2014/main" id="{D17A94B4-8121-4ED6-AB0D-69EE9A6332E6}"/>
+              </a:ext>
+              <a:ext uri="{C183D7F6-B498-43B3-948B-1728B52AA6E4}">
+                <adec:decorative xmlns:adec="http://schemas.microsoft.com/office/drawing/2017/decorative" val="1"/>
+              </a:ext>
+            </a:extLst>
+          </p:cNvPr>
+          <p:cNvSpPr>
+            <a:spLocks noGrp="1" noRot="1" noChangeAspect="1" noMove="1" noResize="1" noEditPoints="1" noAdjustHandles="1" noChangeArrowheads="1" noChangeShapeType="1" noTextEdit="1"/>
+          </p:cNvSpPr>
+          <p:nvPr>
+            <p:extLst>
+              <p:ext uri="{386F3935-93C4-4BCD-93E2-E3B085C9AB24}">
+                <p16:designElem xmlns:p16="http://schemas.microsoft.com/office/powerpoint/2015/main" val="1"/>
+              </p:ext>
+            </p:extLst>
+          </p:nvPr>
+        </p:nvSpPr>
+        <p:spPr>
+          <a:xfrm>
+            <a:off x="-1" y="0"/>
+            <a:ext cx="12188952" cy="6858000"/>
+          </a:xfrm>
+          <a:prstGeom prst="rect">
+            <a:avLst/>
+          </a:prstGeom>
+          <a:ln>
+            <a:noFill/>
+          </a:ln>
+        </p:spPr>
+        <p:style>
+          <a:lnRef idx="2">
+            <a:schemeClr val="accent1">
+              <a:shade val="50000"/>
+            </a:schemeClr>
+          </a:lnRef>
+          <a:fillRef idx="1">
+            <a:schemeClr val="accent1"/>
+          </a:fillRef>
+          <a:effectRef idx="0">
+            <a:schemeClr val="accent1"/>
+          </a:effectRef>
+          <a:fontRef idx="minor">
+            <a:schemeClr val="lt1"/>
+          </a:fontRef>
+        </p:style>
+        <p:txBody>
+          <a:bodyPr rtlCol="0" anchor="ctr"/>
+          <a:lstStyle/>
+          <a:p>
+            <a:pPr algn="ctr"/>
+            <a:endParaRPr lang="en-US"/>
+          </a:p>
+        </p:txBody>
+      </p:sp>
+      <p:pic>
+        <p:nvPicPr>
+          <p:cNvPr id="11" name="Graphic 10">
+            <a:extLst>
+              <a:ext uri="{FF2B5EF4-FFF2-40B4-BE49-F238E27FC236}">
+                <a16:creationId xmlns:a16="http://schemas.microsoft.com/office/drawing/2014/main" id="{4741521E-DC76-41B9-8A47-448CD4F9FA46}"/>
+              </a:ext>
+              <a:ext uri="{C183D7F6-B498-43B3-948B-1728B52AA6E4}">
+                <adec:decorative xmlns:adec="http://schemas.microsoft.com/office/drawing/2017/decorative" val="1"/>
+              </a:ext>
+            </a:extLst>
+          </p:cNvPr>
+          <p:cNvPicPr>
+            <a:picLocks noGrp="1" noRot="1" noChangeAspect="1" noMove="1" noResize="1" noEditPoints="1" noAdjustHandles="1" noChangeArrowheads="1" noChangeShapeType="1" noCrop="1"/>
+          </p:cNvPicPr>
+          <p:nvPr>
+            <p:extLst>
+              <p:ext uri="{386F3935-93C4-4BCD-93E2-E3B085C9AB24}">
+                <p16:designElem xmlns:p16="http://schemas.microsoft.com/office/powerpoint/2015/main" val="1"/>
+              </p:ext>
+            </p:extLst>
+          </p:nvPr>
+        </p:nvPicPr>
+        <p:blipFill>
+          <a:blip r:embed="rId2">
+            <a:extLst>
+              <a:ext uri="{28A0092B-C50C-407E-A947-70E740481C1C}">
+                <a14:useLocalDpi xmlns:a14="http://schemas.microsoft.com/office/drawing/2010/main" val="0"/>
+              </a:ext>
+              <a:ext uri="{96DAC541-7B7A-43D3-8B79-37D633B846F1}">
+                <asvg:svgBlip xmlns:asvg="http://schemas.microsoft.com/office/drawing/2016/SVG/main" r:embed="rId3"/>
+              </a:ext>
+            </a:extLst>
+          </a:blip>
+          <a:stretch>
+            <a:fillRect/>
+          </a:stretch>
+        </p:blipFill>
+        <p:spPr>
+          <a:xfrm rot="5400000">
+            <a:off x="3372661" y="-3359290"/>
+            <a:ext cx="5470372" cy="12188952"/>
+          </a:xfrm>
+          <a:prstGeom prst="rect">
+            <a:avLst/>
+          </a:prstGeom>
+        </p:spPr>
+      </p:pic>
       <p:sp>
         <p:nvSpPr>
           <p:cNvPr id="2" name="Title 1">
             <a:extLst>
               <a:ext uri="{FF2B5EF4-FFF2-40B4-BE49-F238E27FC236}">
-                <a16:creationId xmlns:a16="http://schemas.microsoft.com/office/drawing/2014/main" id="{888F8FB0-8E20-4D8F-AA61-40944173C802}"/>
+                <a16:creationId xmlns:a16="http://schemas.microsoft.com/office/drawing/2014/main" id="{E2A30878-7531-452D-9EE5-AC3CB34AE565}"/>
               </a:ext>
             </a:extLst>
           </p:cNvPr>
@@ -8012,19 +11593,324 @@
             <p:ph type="title"/>
           </p:nvPr>
         </p:nvSpPr>
-        <p:spPr/>
-        <p:txBody>
-          <a:bodyPr/>
-          <a:lstStyle/>
-          <a:p>
+        <p:spPr>
+          <a:xfrm>
+            <a:off x="1403632" y="184336"/>
+            <a:ext cx="9283781" cy="1405965"/>
+          </a:xfrm>
+        </p:spPr>
+        <p:txBody>
+          <a:bodyPr vert="horz" lIns="91440" tIns="45720" rIns="91440" bIns="45720" rtlCol="0" anchor="b">
+            <a:normAutofit/>
+          </a:bodyPr>
+          <a:lstStyle/>
+          <a:p>
+            <a:pPr algn="ctr"/>
+            <a:r>
+              <a:rPr lang="en-US" sz="5000" dirty="0"/>
+              <a:t>Probability of State change</a:t>
+            </a:r>
+            <a:endParaRPr lang="en-US" sz="5000" kern="1200" dirty="0">
+              <a:solidFill>
+                <a:schemeClr val="tx1"/>
+              </a:solidFill>
+              <a:latin typeface="+mj-lt"/>
+              <a:ea typeface="+mj-ea"/>
+              <a:cs typeface="+mj-cs"/>
+            </a:endParaRPr>
+          </a:p>
+        </p:txBody>
+      </p:sp>
+      <p:sp>
+        <p:nvSpPr>
+          <p:cNvPr id="13" name="Rectangle 12">
+            <a:extLst>
+              <a:ext uri="{FF2B5EF4-FFF2-40B4-BE49-F238E27FC236}">
+                <a16:creationId xmlns:a16="http://schemas.microsoft.com/office/drawing/2014/main" id="{53FD85F6-ECDC-4124-9916-6444E142C663}"/>
+              </a:ext>
+              <a:ext uri="{C183D7F6-B498-43B3-948B-1728B52AA6E4}">
+                <adec:decorative xmlns:adec="http://schemas.microsoft.com/office/drawing/2017/decorative" val="1"/>
+              </a:ext>
+            </a:extLst>
+          </p:cNvPr>
+          <p:cNvSpPr>
+            <a:spLocks noGrp="1" noRot="1" noChangeAspect="1" noMove="1" noResize="1" noEditPoints="1" noAdjustHandles="1" noChangeArrowheads="1" noChangeShapeType="1" noTextEdit="1"/>
+          </p:cNvSpPr>
+          <p:nvPr>
+            <p:extLst>
+              <p:ext uri="{386F3935-93C4-4BCD-93E2-E3B085C9AB24}">
+                <p16:designElem xmlns:p16="http://schemas.microsoft.com/office/powerpoint/2015/main" val="1"/>
+              </p:ext>
+            </p:extLst>
+          </p:nvPr>
+        </p:nvSpPr>
+        <p:spPr>
+          <a:xfrm>
+            <a:off x="-1078" y="685797"/>
+            <a:ext cx="118872" cy="1550455"/>
+          </a:xfrm>
+          <a:prstGeom prst="rect">
+            <a:avLst/>
+          </a:prstGeom>
+          <a:solidFill>
+            <a:schemeClr val="accent2"/>
+          </a:solidFill>
+          <a:ln>
+            <a:noFill/>
+          </a:ln>
+        </p:spPr>
+        <p:style>
+          <a:lnRef idx="2">
+            <a:schemeClr val="accent1">
+              <a:shade val="50000"/>
+            </a:schemeClr>
+          </a:lnRef>
+          <a:fillRef idx="1">
+            <a:schemeClr val="accent1"/>
+          </a:fillRef>
+          <a:effectRef idx="0">
+            <a:schemeClr val="accent1"/>
+          </a:effectRef>
+          <a:fontRef idx="minor">
+            <a:schemeClr val="lt1"/>
+          </a:fontRef>
+        </p:style>
+        <p:txBody>
+          <a:bodyPr rtlCol="0" anchor="ctr"/>
+          <a:lstStyle/>
+          <a:p>
+            <a:pPr algn="ctr"/>
             <a:endParaRPr lang="en-US"/>
+          </a:p>
+        </p:txBody>
+      </p:sp>
+      <p:sp>
+        <p:nvSpPr>
+          <p:cNvPr id="15" name="Rectangle 14">
+            <a:extLst>
+              <a:ext uri="{FF2B5EF4-FFF2-40B4-BE49-F238E27FC236}">
+                <a16:creationId xmlns:a16="http://schemas.microsoft.com/office/drawing/2014/main" id="{FB5D26B4-74AD-4118-8F13-7051DA3BFA87}"/>
+              </a:ext>
+              <a:ext uri="{C183D7F6-B498-43B3-948B-1728B52AA6E4}">
+                <adec:decorative xmlns:adec="http://schemas.microsoft.com/office/drawing/2017/decorative" val="1"/>
+              </a:ext>
+            </a:extLst>
+          </p:cNvPr>
+          <p:cNvSpPr>
+            <a:spLocks noGrp="1" noRot="1" noChangeAspect="1" noMove="1" noResize="1" noEditPoints="1" noAdjustHandles="1" noChangeArrowheads="1" noChangeShapeType="1" noTextEdit="1"/>
+          </p:cNvSpPr>
+          <p:nvPr>
+            <p:extLst>
+              <p:ext uri="{386F3935-93C4-4BCD-93E2-E3B085C9AB24}">
+                <p16:designElem xmlns:p16="http://schemas.microsoft.com/office/powerpoint/2015/main" val="1"/>
+              </p:ext>
+            </p:extLst>
+          </p:nvPr>
+        </p:nvSpPr>
+        <p:spPr>
+          <a:xfrm>
+            <a:off x="12073128" y="6172201"/>
+            <a:ext cx="118872" cy="685800"/>
+          </a:xfrm>
+          <a:prstGeom prst="rect">
+            <a:avLst/>
+          </a:prstGeom>
+          <a:solidFill>
+            <a:schemeClr val="accent2"/>
+          </a:solidFill>
+          <a:ln>
+            <a:noFill/>
+          </a:ln>
+        </p:spPr>
+        <p:style>
+          <a:lnRef idx="2">
+            <a:schemeClr val="accent1">
+              <a:shade val="50000"/>
+            </a:schemeClr>
+          </a:lnRef>
+          <a:fillRef idx="1">
+            <a:schemeClr val="accent1"/>
+          </a:fillRef>
+          <a:effectRef idx="0">
+            <a:schemeClr val="accent1"/>
+          </a:effectRef>
+          <a:fontRef idx="minor">
+            <a:schemeClr val="lt1"/>
+          </a:fontRef>
+        </p:style>
+        <p:txBody>
+          <a:bodyPr rtlCol="0" anchor="ctr"/>
+          <a:lstStyle/>
+          <a:p>
+            <a:pPr algn="ctr"/>
+            <a:endParaRPr lang="en-US"/>
+          </a:p>
+        </p:txBody>
+      </p:sp>
+      <p:pic>
+        <p:nvPicPr>
+          <p:cNvPr id="10" name="Picture 9">
+            <a:extLst>
+              <a:ext uri="{FF2B5EF4-FFF2-40B4-BE49-F238E27FC236}">
+                <a16:creationId xmlns:a16="http://schemas.microsoft.com/office/drawing/2014/main" id="{3C69FA36-1F89-4934-8185-252156F16280}"/>
+              </a:ext>
+            </a:extLst>
+          </p:cNvPr>
+          <p:cNvPicPr>
+            <a:picLocks noChangeAspect="1"/>
+          </p:cNvPicPr>
+          <p:nvPr/>
+        </p:nvPicPr>
+        <p:blipFill>
+          <a:blip r:embed="rId4"/>
+          <a:stretch>
+            <a:fillRect/>
+          </a:stretch>
+        </p:blipFill>
+        <p:spPr>
+          <a:xfrm>
+            <a:off x="1483131" y="3803724"/>
+            <a:ext cx="9629775" cy="714375"/>
+          </a:xfrm>
+          <a:prstGeom prst="rect">
+            <a:avLst/>
+          </a:prstGeom>
+        </p:spPr>
+      </p:pic>
+      <p:sp>
+        <p:nvSpPr>
+          <p:cNvPr id="14" name="TextBox 13">
+            <a:extLst>
+              <a:ext uri="{FF2B5EF4-FFF2-40B4-BE49-F238E27FC236}">
+                <a16:creationId xmlns:a16="http://schemas.microsoft.com/office/drawing/2014/main" id="{043C79A1-3B38-4867-A5F1-1A6716FF29DF}"/>
+              </a:ext>
+            </a:extLst>
+          </p:cNvPr>
+          <p:cNvSpPr txBox="1"/>
+          <p:nvPr/>
+        </p:nvSpPr>
+        <p:spPr>
+          <a:xfrm>
+            <a:off x="6772940" y="3791579"/>
+            <a:ext cx="770339" cy="369332"/>
+          </a:xfrm>
+          <a:prstGeom prst="rect">
+            <a:avLst/>
+          </a:prstGeom>
+          <a:noFill/>
+        </p:spPr>
+        <p:txBody>
+          <a:bodyPr wrap="none" rtlCol="0">
+            <a:spAutoFit/>
+          </a:bodyPr>
+          <a:lstStyle/>
+          <a:p>
+            <a:r>
+              <a:rPr lang="en-US" dirty="0">
+                <a:solidFill>
+                  <a:srgbClr val="FF0000"/>
+                </a:solidFill>
+              </a:rPr>
+              <a:t>State j</a:t>
+            </a:r>
+          </a:p>
+        </p:txBody>
+      </p:sp>
+      <p:sp>
+        <p:nvSpPr>
+          <p:cNvPr id="16" name="TextBox 15">
+            <a:extLst>
+              <a:ext uri="{FF2B5EF4-FFF2-40B4-BE49-F238E27FC236}">
+                <a16:creationId xmlns:a16="http://schemas.microsoft.com/office/drawing/2014/main" id="{EA08A5BC-E6C9-471E-BA2C-980B57AC91C7}"/>
+              </a:ext>
+            </a:extLst>
+          </p:cNvPr>
+          <p:cNvSpPr txBox="1"/>
+          <p:nvPr/>
+        </p:nvSpPr>
+        <p:spPr>
+          <a:xfrm>
+            <a:off x="9189983" y="3803724"/>
+            <a:ext cx="768737" cy="369332"/>
+          </a:xfrm>
+          <a:prstGeom prst="rect">
+            <a:avLst/>
+          </a:prstGeom>
+          <a:noFill/>
+        </p:spPr>
+        <p:txBody>
+          <a:bodyPr wrap="none" rtlCol="0">
+            <a:spAutoFit/>
+          </a:bodyPr>
+          <a:lstStyle/>
+          <a:p>
+            <a:r>
+              <a:rPr lang="en-US" dirty="0">
+                <a:solidFill>
+                  <a:srgbClr val="FF0000"/>
+                </a:solidFill>
+              </a:rPr>
+              <a:t>State </a:t>
+            </a:r>
+            <a:r>
+              <a:rPr lang="en-US" dirty="0" err="1">
+                <a:solidFill>
+                  <a:srgbClr val="FF0000"/>
+                </a:solidFill>
+              </a:rPr>
+              <a:t>i</a:t>
+            </a:r>
+            <a:endParaRPr lang="en-US" dirty="0">
+              <a:solidFill>
+                <a:srgbClr val="FF0000"/>
+              </a:solidFill>
+            </a:endParaRPr>
+          </a:p>
+        </p:txBody>
+      </p:sp>
+      <p:sp>
+        <p:nvSpPr>
+          <p:cNvPr id="17" name="TextBox 16">
+            <a:extLst>
+              <a:ext uri="{FF2B5EF4-FFF2-40B4-BE49-F238E27FC236}">
+                <a16:creationId xmlns:a16="http://schemas.microsoft.com/office/drawing/2014/main" id="{AE080991-D627-4E71-8643-B4DDF1CD8C46}"/>
+              </a:ext>
+            </a:extLst>
+          </p:cNvPr>
+          <p:cNvSpPr txBox="1"/>
+          <p:nvPr/>
+        </p:nvSpPr>
+        <p:spPr>
+          <a:xfrm>
+            <a:off x="2504881" y="4102524"/>
+            <a:ext cx="829266" cy="369332"/>
+          </a:xfrm>
+          <a:prstGeom prst="rect">
+            <a:avLst/>
+          </a:prstGeom>
+          <a:noFill/>
+        </p:spPr>
+        <p:txBody>
+          <a:bodyPr wrap="none" rtlCol="0">
+            <a:spAutoFit/>
+          </a:bodyPr>
+          <a:lstStyle/>
+          <a:p>
+            <a:r>
+              <a:rPr lang="en-US" dirty="0">
+                <a:solidFill>
+                  <a:srgbClr val="FF0000"/>
+                </a:solidFill>
+              </a:rPr>
+              <a:t>k steps</a:t>
+            </a:r>
           </a:p>
         </p:txBody>
       </p:sp>
     </p:spTree>
     <p:extLst>
       <p:ext uri="{BB962C8B-B14F-4D97-AF65-F5344CB8AC3E}">
-        <p14:creationId xmlns:p14="http://schemas.microsoft.com/office/powerpoint/2010/main" val="1070451020"/>
+        <p14:creationId xmlns:p14="http://schemas.microsoft.com/office/powerpoint/2010/main" val="3924658005"/>
       </p:ext>
     </p:extLst>
   </p:cSld>
@@ -8037,6 +11923,14 @@
 <file path=ppt/slides/slide24.xml><?xml version="1.0" encoding="utf-8"?>
 <p:sld xmlns:a="http://schemas.openxmlformats.org/drawingml/2006/main" xmlns:r="http://schemas.openxmlformats.org/officeDocument/2006/relationships" xmlns:p="http://schemas.openxmlformats.org/presentationml/2006/main">
   <p:cSld>
+    <p:bg>
+      <p:bgPr>
+        <a:solidFill>
+          <a:schemeClr val="bg1"/>
+        </a:solidFill>
+        <a:effectLst/>
+      </p:bgPr>
+    </p:bg>
     <p:spTree>
       <p:nvGrpSpPr>
         <p:cNvPr id="1" name=""/>
@@ -8051,6 +11945,114 @@
           <a:chExt cx="0" cy="0"/>
         </a:xfrm>
       </p:grpSpPr>
+      <p:sp useBgFill="1">
+        <p:nvSpPr>
+          <p:cNvPr id="9" name="Rectangle 8">
+            <a:extLst>
+              <a:ext uri="{FF2B5EF4-FFF2-40B4-BE49-F238E27FC236}">
+                <a16:creationId xmlns:a16="http://schemas.microsoft.com/office/drawing/2014/main" id="{D17A94B4-8121-4ED6-AB0D-69EE9A6332E6}"/>
+              </a:ext>
+              <a:ext uri="{C183D7F6-B498-43B3-948B-1728B52AA6E4}">
+                <adec:decorative xmlns:adec="http://schemas.microsoft.com/office/drawing/2017/decorative" val="1"/>
+              </a:ext>
+            </a:extLst>
+          </p:cNvPr>
+          <p:cNvSpPr>
+            <a:spLocks noGrp="1" noRot="1" noChangeAspect="1" noMove="1" noResize="1" noEditPoints="1" noAdjustHandles="1" noChangeArrowheads="1" noChangeShapeType="1" noTextEdit="1"/>
+          </p:cNvSpPr>
+          <p:nvPr>
+            <p:extLst>
+              <p:ext uri="{386F3935-93C4-4BCD-93E2-E3B085C9AB24}">
+                <p16:designElem xmlns:p16="http://schemas.microsoft.com/office/powerpoint/2015/main" val="1"/>
+              </p:ext>
+            </p:extLst>
+          </p:nvPr>
+        </p:nvSpPr>
+        <p:spPr>
+          <a:xfrm>
+            <a:off x="-1" y="0"/>
+            <a:ext cx="12188952" cy="6858000"/>
+          </a:xfrm>
+          <a:prstGeom prst="rect">
+            <a:avLst/>
+          </a:prstGeom>
+          <a:ln>
+            <a:noFill/>
+          </a:ln>
+        </p:spPr>
+        <p:style>
+          <a:lnRef idx="2">
+            <a:schemeClr val="accent1">
+              <a:shade val="50000"/>
+            </a:schemeClr>
+          </a:lnRef>
+          <a:fillRef idx="1">
+            <a:schemeClr val="accent1"/>
+          </a:fillRef>
+          <a:effectRef idx="0">
+            <a:schemeClr val="accent1"/>
+          </a:effectRef>
+          <a:fontRef idx="minor">
+            <a:schemeClr val="lt1"/>
+          </a:fontRef>
+        </p:style>
+        <p:txBody>
+          <a:bodyPr rtlCol="0" anchor="ctr"/>
+          <a:lstStyle/>
+          <a:p>
+            <a:pPr algn="ctr"/>
+            <a:endParaRPr lang="en-US"/>
+          </a:p>
+        </p:txBody>
+      </p:sp>
+      <p:pic>
+        <p:nvPicPr>
+          <p:cNvPr id="11" name="Graphic 10">
+            <a:extLst>
+              <a:ext uri="{FF2B5EF4-FFF2-40B4-BE49-F238E27FC236}">
+                <a16:creationId xmlns:a16="http://schemas.microsoft.com/office/drawing/2014/main" id="{4741521E-DC76-41B9-8A47-448CD4F9FA46}"/>
+              </a:ext>
+              <a:ext uri="{C183D7F6-B498-43B3-948B-1728B52AA6E4}">
+                <adec:decorative xmlns:adec="http://schemas.microsoft.com/office/drawing/2017/decorative" val="1"/>
+              </a:ext>
+            </a:extLst>
+          </p:cNvPr>
+          <p:cNvPicPr>
+            <a:picLocks noGrp="1" noRot="1" noChangeAspect="1" noMove="1" noResize="1" noEditPoints="1" noAdjustHandles="1" noChangeArrowheads="1" noChangeShapeType="1" noCrop="1"/>
+          </p:cNvPicPr>
+          <p:nvPr>
+            <p:extLst>
+              <p:ext uri="{386F3935-93C4-4BCD-93E2-E3B085C9AB24}">
+                <p16:designElem xmlns:p16="http://schemas.microsoft.com/office/powerpoint/2015/main" val="1"/>
+              </p:ext>
+            </p:extLst>
+          </p:nvPr>
+        </p:nvPicPr>
+        <p:blipFill>
+          <a:blip r:embed="rId2">
+            <a:extLst>
+              <a:ext uri="{28A0092B-C50C-407E-A947-70E740481C1C}">
+                <a14:useLocalDpi xmlns:a14="http://schemas.microsoft.com/office/drawing/2010/main" val="0"/>
+              </a:ext>
+              <a:ext uri="{96DAC541-7B7A-43D3-8B79-37D633B846F1}">
+                <asvg:svgBlip xmlns:asvg="http://schemas.microsoft.com/office/drawing/2016/SVG/main" r:embed="rId3"/>
+              </a:ext>
+            </a:extLst>
+          </a:blip>
+          <a:stretch>
+            <a:fillRect/>
+          </a:stretch>
+        </p:blipFill>
+        <p:spPr>
+          <a:xfrm rot="5400000">
+            <a:off x="3372661" y="-3359290"/>
+            <a:ext cx="5470372" cy="12188952"/>
+          </a:xfrm>
+          <a:prstGeom prst="rect">
+            <a:avLst/>
+          </a:prstGeom>
+        </p:spPr>
+      </p:pic>
       <p:sp>
         <p:nvSpPr>
           <p:cNvPr id="2" name="Title 1">
@@ -8067,19 +12069,194 @@
             <p:ph type="title"/>
           </p:nvPr>
         </p:nvSpPr>
-        <p:spPr/>
-        <p:txBody>
-          <a:bodyPr/>
-          <a:lstStyle/>
-          <a:p>
+        <p:spPr>
+          <a:xfrm>
+            <a:off x="1403632" y="184336"/>
+            <a:ext cx="9283781" cy="1405965"/>
+          </a:xfrm>
+        </p:spPr>
+        <p:txBody>
+          <a:bodyPr vert="horz" lIns="91440" tIns="45720" rIns="91440" bIns="45720" rtlCol="0" anchor="b">
+            <a:normAutofit/>
+          </a:bodyPr>
+          <a:lstStyle/>
+          <a:p>
+            <a:pPr algn="ctr"/>
+            <a:r>
+              <a:rPr lang="en-US" sz="5000" dirty="0"/>
+              <a:t>Infinite State change</a:t>
+            </a:r>
+            <a:endParaRPr lang="en-US" sz="5000" kern="1200" dirty="0">
+              <a:solidFill>
+                <a:schemeClr val="tx1"/>
+              </a:solidFill>
+              <a:latin typeface="+mj-lt"/>
+              <a:ea typeface="+mj-ea"/>
+              <a:cs typeface="+mj-cs"/>
+            </a:endParaRPr>
+          </a:p>
+        </p:txBody>
+      </p:sp>
+      <p:sp>
+        <p:nvSpPr>
+          <p:cNvPr id="13" name="Rectangle 12">
+            <a:extLst>
+              <a:ext uri="{FF2B5EF4-FFF2-40B4-BE49-F238E27FC236}">
+                <a16:creationId xmlns:a16="http://schemas.microsoft.com/office/drawing/2014/main" id="{53FD85F6-ECDC-4124-9916-6444E142C663}"/>
+              </a:ext>
+              <a:ext uri="{C183D7F6-B498-43B3-948B-1728B52AA6E4}">
+                <adec:decorative xmlns:adec="http://schemas.microsoft.com/office/drawing/2017/decorative" val="1"/>
+              </a:ext>
+            </a:extLst>
+          </p:cNvPr>
+          <p:cNvSpPr>
+            <a:spLocks noGrp="1" noRot="1" noChangeAspect="1" noMove="1" noResize="1" noEditPoints="1" noAdjustHandles="1" noChangeArrowheads="1" noChangeShapeType="1" noTextEdit="1"/>
+          </p:cNvSpPr>
+          <p:nvPr>
+            <p:extLst>
+              <p:ext uri="{386F3935-93C4-4BCD-93E2-E3B085C9AB24}">
+                <p16:designElem xmlns:p16="http://schemas.microsoft.com/office/powerpoint/2015/main" val="1"/>
+              </p:ext>
+            </p:extLst>
+          </p:nvPr>
+        </p:nvSpPr>
+        <p:spPr>
+          <a:xfrm>
+            <a:off x="-1078" y="685797"/>
+            <a:ext cx="118872" cy="1550455"/>
+          </a:xfrm>
+          <a:prstGeom prst="rect">
+            <a:avLst/>
+          </a:prstGeom>
+          <a:solidFill>
+            <a:schemeClr val="accent2"/>
+          </a:solidFill>
+          <a:ln>
+            <a:noFill/>
+          </a:ln>
+        </p:spPr>
+        <p:style>
+          <a:lnRef idx="2">
+            <a:schemeClr val="accent1">
+              <a:shade val="50000"/>
+            </a:schemeClr>
+          </a:lnRef>
+          <a:fillRef idx="1">
+            <a:schemeClr val="accent1"/>
+          </a:fillRef>
+          <a:effectRef idx="0">
+            <a:schemeClr val="accent1"/>
+          </a:effectRef>
+          <a:fontRef idx="minor">
+            <a:schemeClr val="lt1"/>
+          </a:fontRef>
+        </p:style>
+        <p:txBody>
+          <a:bodyPr rtlCol="0" anchor="ctr"/>
+          <a:lstStyle/>
+          <a:p>
+            <a:pPr algn="ctr"/>
             <a:endParaRPr lang="en-US"/>
           </a:p>
         </p:txBody>
       </p:sp>
+      <p:sp>
+        <p:nvSpPr>
+          <p:cNvPr id="15" name="Rectangle 14">
+            <a:extLst>
+              <a:ext uri="{FF2B5EF4-FFF2-40B4-BE49-F238E27FC236}">
+                <a16:creationId xmlns:a16="http://schemas.microsoft.com/office/drawing/2014/main" id="{FB5D26B4-74AD-4118-8F13-7051DA3BFA87}"/>
+              </a:ext>
+              <a:ext uri="{C183D7F6-B498-43B3-948B-1728B52AA6E4}">
+                <adec:decorative xmlns:adec="http://schemas.microsoft.com/office/drawing/2017/decorative" val="1"/>
+              </a:ext>
+            </a:extLst>
+          </p:cNvPr>
+          <p:cNvSpPr>
+            <a:spLocks noGrp="1" noRot="1" noChangeAspect="1" noMove="1" noResize="1" noEditPoints="1" noAdjustHandles="1" noChangeArrowheads="1" noChangeShapeType="1" noTextEdit="1"/>
+          </p:cNvSpPr>
+          <p:nvPr>
+            <p:extLst>
+              <p:ext uri="{386F3935-93C4-4BCD-93E2-E3B085C9AB24}">
+                <p16:designElem xmlns:p16="http://schemas.microsoft.com/office/powerpoint/2015/main" val="1"/>
+              </p:ext>
+            </p:extLst>
+          </p:nvPr>
+        </p:nvSpPr>
+        <p:spPr>
+          <a:xfrm>
+            <a:off x="12073128" y="6172201"/>
+            <a:ext cx="118872" cy="685800"/>
+          </a:xfrm>
+          <a:prstGeom prst="rect">
+            <a:avLst/>
+          </a:prstGeom>
+          <a:solidFill>
+            <a:schemeClr val="accent2"/>
+          </a:solidFill>
+          <a:ln>
+            <a:noFill/>
+          </a:ln>
+        </p:spPr>
+        <p:style>
+          <a:lnRef idx="2">
+            <a:schemeClr val="accent1">
+              <a:shade val="50000"/>
+            </a:schemeClr>
+          </a:lnRef>
+          <a:fillRef idx="1">
+            <a:schemeClr val="accent1"/>
+          </a:fillRef>
+          <a:effectRef idx="0">
+            <a:schemeClr val="accent1"/>
+          </a:effectRef>
+          <a:fontRef idx="minor">
+            <a:schemeClr val="lt1"/>
+          </a:fontRef>
+        </p:style>
+        <p:txBody>
+          <a:bodyPr rtlCol="0" anchor="ctr"/>
+          <a:lstStyle/>
+          <a:p>
+            <a:pPr algn="ctr"/>
+            <a:endParaRPr lang="en-US"/>
+          </a:p>
+        </p:txBody>
+      </p:sp>
+      <p:pic>
+        <p:nvPicPr>
+          <p:cNvPr id="12" name="Picture 11">
+            <a:extLst>
+              <a:ext uri="{FF2B5EF4-FFF2-40B4-BE49-F238E27FC236}">
+                <a16:creationId xmlns:a16="http://schemas.microsoft.com/office/drawing/2014/main" id="{97D501FF-BDD6-4B5A-AB25-7F40E129DDB1}"/>
+              </a:ext>
+            </a:extLst>
+          </p:cNvPr>
+          <p:cNvPicPr>
+            <a:picLocks noChangeAspect="1"/>
+          </p:cNvPicPr>
+          <p:nvPr/>
+        </p:nvPicPr>
+        <p:blipFill>
+          <a:blip r:embed="rId4"/>
+          <a:stretch>
+            <a:fillRect/>
+          </a:stretch>
+        </p:blipFill>
+        <p:spPr>
+          <a:xfrm>
+            <a:off x="1826359" y="3809445"/>
+            <a:ext cx="8562975" cy="723900"/>
+          </a:xfrm>
+          <a:prstGeom prst="rect">
+            <a:avLst/>
+          </a:prstGeom>
+        </p:spPr>
+      </p:pic>
     </p:spTree>
     <p:extLst>
       <p:ext uri="{BB962C8B-B14F-4D97-AF65-F5344CB8AC3E}">
-        <p14:creationId xmlns:p14="http://schemas.microsoft.com/office/powerpoint/2010/main" val="3924658005"/>
+        <p14:creationId xmlns:p14="http://schemas.microsoft.com/office/powerpoint/2010/main" val="698715463"/>
       </p:ext>
     </p:extLst>
   </p:cSld>
@@ -8092,6 +12269,14 @@
 <file path=ppt/slides/slide25.xml><?xml version="1.0" encoding="utf-8"?>
 <p:sld xmlns:a="http://schemas.openxmlformats.org/drawingml/2006/main" xmlns:r="http://schemas.openxmlformats.org/officeDocument/2006/relationships" xmlns:p="http://schemas.openxmlformats.org/presentationml/2006/main">
   <p:cSld>
+    <p:bg>
+      <p:bgPr>
+        <a:solidFill>
+          <a:schemeClr val="bg1"/>
+        </a:solidFill>
+        <a:effectLst/>
+      </p:bgPr>
+    </p:bg>
     <p:spTree>
       <p:nvGrpSpPr>
         <p:cNvPr id="1" name=""/>
@@ -8106,12 +12291,133 @@
           <a:chExt cx="0" cy="0"/>
         </a:xfrm>
       </p:grpSpPr>
+      <p:cxnSp>
+        <p:nvCxnSpPr>
+          <p:cNvPr id="9" name="Straight Connector 8">
+            <a:extLst>
+              <a:ext uri="{FF2B5EF4-FFF2-40B4-BE49-F238E27FC236}">
+                <a16:creationId xmlns:a16="http://schemas.microsoft.com/office/drawing/2014/main" id="{D2E961F1-4A28-4A5F-BBD4-6E400E5E6C75}"/>
+              </a:ext>
+              <a:ext uri="{C183D7F6-B498-43B3-948B-1728B52AA6E4}">
+                <adec:decorative xmlns:adec="http://schemas.microsoft.com/office/drawing/2017/decorative" val="1"/>
+              </a:ext>
+            </a:extLst>
+          </p:cNvPr>
+          <p:cNvCxnSpPr>
+            <a:cxnSpLocks noGrp="1" noRot="1" noChangeAspect="1" noMove="1" noResize="1" noEditPoints="1" noAdjustHandles="1" noChangeArrowheads="1" noChangeShapeType="1"/>
+          </p:cNvCxnSpPr>
+          <p:nvPr>
+            <p:extLst>
+              <p:ext uri="{386F3935-93C4-4BCD-93E2-E3B085C9AB24}">
+                <p16:designElem xmlns:p16="http://schemas.microsoft.com/office/powerpoint/2015/main" val="1"/>
+              </p:ext>
+            </p:extLst>
+          </p:nvPr>
+        </p:nvCxnSpPr>
+        <p:spPr bwMode="white">
+          <a:xfrm>
+            <a:off x="0" y="272357"/>
+            <a:ext cx="12188824" cy="0"/>
+          </a:xfrm>
+          <a:prstGeom prst="line">
+            <a:avLst/>
+          </a:prstGeom>
+          <a:ln w="50800">
+            <a:solidFill>
+              <a:schemeClr val="tx1">
+                <a:lumMod val="75000"/>
+                <a:lumOff val="25000"/>
+              </a:schemeClr>
+            </a:solidFill>
+          </a:ln>
+        </p:spPr>
+        <p:style>
+          <a:lnRef idx="1">
+            <a:schemeClr val="accent1"/>
+          </a:lnRef>
+          <a:fillRef idx="0">
+            <a:schemeClr val="accent1"/>
+          </a:fillRef>
+          <a:effectRef idx="0">
+            <a:schemeClr val="accent1"/>
+          </a:effectRef>
+          <a:fontRef idx="minor">
+            <a:schemeClr val="tx1"/>
+          </a:fontRef>
+        </p:style>
+      </p:cxnSp>
+      <p:sp>
+        <p:nvSpPr>
+          <p:cNvPr id="11" name="Rectangle 10">
+            <a:extLst>
+              <a:ext uri="{FF2B5EF4-FFF2-40B4-BE49-F238E27FC236}">
+                <a16:creationId xmlns:a16="http://schemas.microsoft.com/office/drawing/2014/main" id="{7F57BEA8-497D-4AA8-8A18-BDCD696B25FE}"/>
+              </a:ext>
+              <a:ext uri="{C183D7F6-B498-43B3-948B-1728B52AA6E4}">
+                <adec:decorative xmlns:adec="http://schemas.microsoft.com/office/drawing/2017/decorative" val="1"/>
+              </a:ext>
+            </a:extLst>
+          </p:cNvPr>
+          <p:cNvSpPr>
+            <a:spLocks noGrp="1" noRot="1" noChangeAspect="1" noMove="1" noResize="1" noEditPoints="1" noAdjustHandles="1" noChangeArrowheads="1" noChangeShapeType="1" noTextEdit="1"/>
+          </p:cNvSpPr>
+          <p:nvPr>
+            <p:extLst>
+              <p:ext uri="{386F3935-93C4-4BCD-93E2-E3B085C9AB24}">
+                <p16:designElem xmlns:p16="http://schemas.microsoft.com/office/powerpoint/2015/main" val="1"/>
+              </p:ext>
+            </p:extLst>
+          </p:nvPr>
+        </p:nvSpPr>
+        <p:spPr>
+          <a:xfrm>
+            <a:off x="0" y="368596"/>
+            <a:ext cx="12192000" cy="1735555"/>
+          </a:xfrm>
+          <a:prstGeom prst="rect">
+            <a:avLst/>
+          </a:prstGeom>
+          <a:solidFill>
+            <a:schemeClr val="tx1">
+              <a:lumMod val="75000"/>
+              <a:lumOff val="25000"/>
+            </a:schemeClr>
+          </a:solidFill>
+          <a:ln>
+            <a:noFill/>
+          </a:ln>
+        </p:spPr>
+        <p:style>
+          <a:lnRef idx="2">
+            <a:schemeClr val="accent1">
+              <a:shade val="50000"/>
+            </a:schemeClr>
+          </a:lnRef>
+          <a:fillRef idx="1">
+            <a:schemeClr val="accent1"/>
+          </a:fillRef>
+          <a:effectRef idx="0">
+            <a:schemeClr val="accent1"/>
+          </a:effectRef>
+          <a:fontRef idx="minor">
+            <a:schemeClr val="lt1"/>
+          </a:fontRef>
+        </p:style>
+        <p:txBody>
+          <a:bodyPr rtlCol="0" anchor="ctr"/>
+          <a:lstStyle/>
+          <a:p>
+            <a:pPr algn="ctr"/>
+            <a:endParaRPr lang="en-US"/>
+          </a:p>
+        </p:txBody>
+      </p:sp>
       <p:sp>
         <p:nvSpPr>
           <p:cNvPr id="2" name="Title 1">
             <a:extLst>
               <a:ext uri="{FF2B5EF4-FFF2-40B4-BE49-F238E27FC236}">
-                <a16:creationId xmlns:a16="http://schemas.microsoft.com/office/drawing/2014/main" id="{6EFA2E8B-CA8F-40AD-AC05-3230142BD5E0}"/>
+                <a16:creationId xmlns:a16="http://schemas.microsoft.com/office/drawing/2014/main" id="{27AEA607-A0F9-4168-8DD6-2B5F01670AE9}"/>
               </a:ext>
             </a:extLst>
           </p:cNvPr>
@@ -8122,19 +12428,176 @@
             <p:ph type="title"/>
           </p:nvPr>
         </p:nvSpPr>
-        <p:spPr/>
-        <p:txBody>
-          <a:bodyPr/>
-          <a:lstStyle/>
-          <a:p>
-            <a:endParaRPr lang="en-US"/>
-          </a:p>
-        </p:txBody>
-      </p:sp>
+        <p:spPr>
+          <a:xfrm>
+            <a:off x="526073" y="489439"/>
+            <a:ext cx="11139854" cy="930447"/>
+          </a:xfrm>
+        </p:spPr>
+        <p:txBody>
+          <a:bodyPr vert="horz" lIns="91440" tIns="45720" rIns="91440" bIns="45720" rtlCol="0" anchor="b">
+            <a:normAutofit/>
+          </a:bodyPr>
+          <a:lstStyle/>
+          <a:p>
+            <a:pPr algn="ctr"/>
+            <a:r>
+              <a:rPr lang="en-US" sz="5400" kern="1200" dirty="0">
+                <a:solidFill>
+                  <a:schemeClr val="bg1"/>
+                </a:solidFill>
+                <a:latin typeface="+mj-lt"/>
+                <a:ea typeface="+mj-ea"/>
+                <a:cs typeface="+mj-cs"/>
+              </a:rPr>
+              <a:t>Invertible Matrix Test</a:t>
+            </a:r>
+          </a:p>
+        </p:txBody>
+      </p:sp>
+      <p:cxnSp>
+        <p:nvCxnSpPr>
+          <p:cNvPr id="13" name="Straight Connector 12">
+            <a:extLst>
+              <a:ext uri="{FF2B5EF4-FFF2-40B4-BE49-F238E27FC236}">
+                <a16:creationId xmlns:a16="http://schemas.microsoft.com/office/drawing/2014/main" id="{A82415D3-DDE5-4D63-8CB3-23A5EC581B27}"/>
+              </a:ext>
+              <a:ext uri="{C183D7F6-B498-43B3-948B-1728B52AA6E4}">
+                <adec:decorative xmlns:adec="http://schemas.microsoft.com/office/drawing/2017/decorative" val="1"/>
+              </a:ext>
+            </a:extLst>
+          </p:cNvPr>
+          <p:cNvCxnSpPr>
+            <a:cxnSpLocks noGrp="1" noRot="1" noChangeAspect="1" noMove="1" noResize="1" noEditPoints="1" noAdjustHandles="1" noChangeArrowheads="1" noChangeShapeType="1"/>
+          </p:cNvCxnSpPr>
+          <p:nvPr>
+            <p:extLst>
+              <p:ext uri="{386F3935-93C4-4BCD-93E2-E3B085C9AB24}">
+                <p16:designElem xmlns:p16="http://schemas.microsoft.com/office/powerpoint/2015/main" val="1"/>
+              </p:ext>
+            </p:extLst>
+          </p:nvPr>
+        </p:nvCxnSpPr>
+        <p:spPr>
+          <a:xfrm>
+            <a:off x="4724400" y="1479733"/>
+            <a:ext cx="2743200" cy="0"/>
+          </a:xfrm>
+          <a:prstGeom prst="line">
+            <a:avLst/>
+          </a:prstGeom>
+          <a:ln w="19050">
+            <a:solidFill>
+              <a:schemeClr val="bg1">
+                <a:alpha val="75000"/>
+              </a:schemeClr>
+            </a:solidFill>
+          </a:ln>
+        </p:spPr>
+        <p:style>
+          <a:lnRef idx="1">
+            <a:schemeClr val="accent1"/>
+          </a:lnRef>
+          <a:fillRef idx="0">
+            <a:schemeClr val="accent1"/>
+          </a:fillRef>
+          <a:effectRef idx="0">
+            <a:schemeClr val="accent1"/>
+          </a:effectRef>
+          <a:fontRef idx="minor">
+            <a:schemeClr val="tx1"/>
+          </a:fontRef>
+        </p:style>
+      </p:cxnSp>
+      <p:cxnSp>
+        <p:nvCxnSpPr>
+          <p:cNvPr id="15" name="Straight Connector 14">
+            <a:extLst>
+              <a:ext uri="{FF2B5EF4-FFF2-40B4-BE49-F238E27FC236}">
+                <a16:creationId xmlns:a16="http://schemas.microsoft.com/office/drawing/2014/main" id="{AD7193FB-6AE6-4B3B-8F89-56B55DD63B4D}"/>
+              </a:ext>
+              <a:ext uri="{C183D7F6-B498-43B3-948B-1728B52AA6E4}">
+                <adec:decorative xmlns:adec="http://schemas.microsoft.com/office/drawing/2017/decorative" val="1"/>
+              </a:ext>
+            </a:extLst>
+          </p:cNvPr>
+          <p:cNvCxnSpPr>
+            <a:cxnSpLocks noGrp="1" noRot="1" noChangeAspect="1" noMove="1" noResize="1" noEditPoints="1" noAdjustHandles="1" noChangeArrowheads="1" noChangeShapeType="1"/>
+          </p:cNvCxnSpPr>
+          <p:nvPr>
+            <p:extLst>
+              <p:ext uri="{386F3935-93C4-4BCD-93E2-E3B085C9AB24}">
+                <p16:designElem xmlns:p16="http://schemas.microsoft.com/office/powerpoint/2015/main" val="1"/>
+              </p:ext>
+            </p:extLst>
+          </p:nvPr>
+        </p:nvCxnSpPr>
+        <p:spPr bwMode="white">
+          <a:xfrm>
+            <a:off x="0" y="2201402"/>
+            <a:ext cx="12188824" cy="0"/>
+          </a:xfrm>
+          <a:prstGeom prst="line">
+            <a:avLst/>
+          </a:prstGeom>
+          <a:ln w="50800">
+            <a:solidFill>
+              <a:schemeClr val="tx1">
+                <a:lumMod val="75000"/>
+                <a:lumOff val="25000"/>
+              </a:schemeClr>
+            </a:solidFill>
+          </a:ln>
+        </p:spPr>
+        <p:style>
+          <a:lnRef idx="1">
+            <a:schemeClr val="accent1"/>
+          </a:lnRef>
+          <a:fillRef idx="0">
+            <a:schemeClr val="accent1"/>
+          </a:fillRef>
+          <a:effectRef idx="0">
+            <a:schemeClr val="accent1"/>
+          </a:effectRef>
+          <a:fontRef idx="minor">
+            <a:schemeClr val="tx1"/>
+          </a:fontRef>
+        </p:style>
+      </p:cxnSp>
+      <p:pic>
+        <p:nvPicPr>
+          <p:cNvPr id="4" name="Picture 3">
+            <a:extLst>
+              <a:ext uri="{FF2B5EF4-FFF2-40B4-BE49-F238E27FC236}">
+                <a16:creationId xmlns:a16="http://schemas.microsoft.com/office/drawing/2014/main" id="{22D162FA-9060-4D50-A932-2FD05AA20403}"/>
+              </a:ext>
+            </a:extLst>
+          </p:cNvPr>
+          <p:cNvPicPr>
+            <a:picLocks noChangeAspect="1"/>
+          </p:cNvPicPr>
+          <p:nvPr/>
+        </p:nvPicPr>
+        <p:blipFill>
+          <a:blip r:embed="rId2"/>
+          <a:stretch>
+            <a:fillRect/>
+          </a:stretch>
+        </p:blipFill>
+        <p:spPr>
+          <a:xfrm>
+            <a:off x="320040" y="3693437"/>
+            <a:ext cx="11496821" cy="1465845"/>
+          </a:xfrm>
+          <a:prstGeom prst="rect">
+            <a:avLst/>
+          </a:prstGeom>
+        </p:spPr>
+      </p:pic>
     </p:spTree>
     <p:extLst>
       <p:ext uri="{BB962C8B-B14F-4D97-AF65-F5344CB8AC3E}">
-        <p14:creationId xmlns:p14="http://schemas.microsoft.com/office/powerpoint/2010/main" val="2308443354"/>
+        <p14:creationId xmlns:p14="http://schemas.microsoft.com/office/powerpoint/2010/main" val="2063718745"/>
       </p:ext>
     </p:extLst>
   </p:cSld>
@@ -8147,6 +12610,14 @@
 <file path=ppt/slides/slide26.xml><?xml version="1.0" encoding="utf-8"?>
 <p:sld xmlns:a="http://schemas.openxmlformats.org/drawingml/2006/main" xmlns:r="http://schemas.openxmlformats.org/officeDocument/2006/relationships" xmlns:p="http://schemas.openxmlformats.org/presentationml/2006/main">
   <p:cSld>
+    <p:bg>
+      <p:bgPr>
+        <a:solidFill>
+          <a:schemeClr val="bg1"/>
+        </a:solidFill>
+        <a:effectLst/>
+      </p:bgPr>
+    </p:bg>
     <p:spTree>
       <p:nvGrpSpPr>
         <p:cNvPr id="1" name=""/>
@@ -8161,12 +12632,133 @@
           <a:chExt cx="0" cy="0"/>
         </a:xfrm>
       </p:grpSpPr>
+      <p:cxnSp>
+        <p:nvCxnSpPr>
+          <p:cNvPr id="9" name="Straight Connector 8">
+            <a:extLst>
+              <a:ext uri="{FF2B5EF4-FFF2-40B4-BE49-F238E27FC236}">
+                <a16:creationId xmlns:a16="http://schemas.microsoft.com/office/drawing/2014/main" id="{D2E961F1-4A28-4A5F-BBD4-6E400E5E6C75}"/>
+              </a:ext>
+              <a:ext uri="{C183D7F6-B498-43B3-948B-1728B52AA6E4}">
+                <adec:decorative xmlns:adec="http://schemas.microsoft.com/office/drawing/2017/decorative" val="1"/>
+              </a:ext>
+            </a:extLst>
+          </p:cNvPr>
+          <p:cNvCxnSpPr>
+            <a:cxnSpLocks noGrp="1" noRot="1" noChangeAspect="1" noMove="1" noResize="1" noEditPoints="1" noAdjustHandles="1" noChangeArrowheads="1" noChangeShapeType="1"/>
+          </p:cNvCxnSpPr>
+          <p:nvPr>
+            <p:extLst>
+              <p:ext uri="{386F3935-93C4-4BCD-93E2-E3B085C9AB24}">
+                <p16:designElem xmlns:p16="http://schemas.microsoft.com/office/powerpoint/2015/main" val="1"/>
+              </p:ext>
+            </p:extLst>
+          </p:nvPr>
+        </p:nvCxnSpPr>
+        <p:spPr bwMode="white">
+          <a:xfrm>
+            <a:off x="0" y="272357"/>
+            <a:ext cx="12188824" cy="0"/>
+          </a:xfrm>
+          <a:prstGeom prst="line">
+            <a:avLst/>
+          </a:prstGeom>
+          <a:ln w="50800">
+            <a:solidFill>
+              <a:schemeClr val="tx1">
+                <a:lumMod val="75000"/>
+                <a:lumOff val="25000"/>
+              </a:schemeClr>
+            </a:solidFill>
+          </a:ln>
+        </p:spPr>
+        <p:style>
+          <a:lnRef idx="1">
+            <a:schemeClr val="accent1"/>
+          </a:lnRef>
+          <a:fillRef idx="0">
+            <a:schemeClr val="accent1"/>
+          </a:fillRef>
+          <a:effectRef idx="0">
+            <a:schemeClr val="accent1"/>
+          </a:effectRef>
+          <a:fontRef idx="minor">
+            <a:schemeClr val="tx1"/>
+          </a:fontRef>
+        </p:style>
+      </p:cxnSp>
+      <p:sp>
+        <p:nvSpPr>
+          <p:cNvPr id="11" name="Rectangle 10">
+            <a:extLst>
+              <a:ext uri="{FF2B5EF4-FFF2-40B4-BE49-F238E27FC236}">
+                <a16:creationId xmlns:a16="http://schemas.microsoft.com/office/drawing/2014/main" id="{7F57BEA8-497D-4AA8-8A18-BDCD696B25FE}"/>
+              </a:ext>
+              <a:ext uri="{C183D7F6-B498-43B3-948B-1728B52AA6E4}">
+                <adec:decorative xmlns:adec="http://schemas.microsoft.com/office/drawing/2017/decorative" val="1"/>
+              </a:ext>
+            </a:extLst>
+          </p:cNvPr>
+          <p:cNvSpPr>
+            <a:spLocks noGrp="1" noRot="1" noChangeAspect="1" noMove="1" noResize="1" noEditPoints="1" noAdjustHandles="1" noChangeArrowheads="1" noChangeShapeType="1" noTextEdit="1"/>
+          </p:cNvSpPr>
+          <p:nvPr>
+            <p:extLst>
+              <p:ext uri="{386F3935-93C4-4BCD-93E2-E3B085C9AB24}">
+                <p16:designElem xmlns:p16="http://schemas.microsoft.com/office/powerpoint/2015/main" val="1"/>
+              </p:ext>
+            </p:extLst>
+          </p:nvPr>
+        </p:nvSpPr>
+        <p:spPr>
+          <a:xfrm>
+            <a:off x="0" y="368596"/>
+            <a:ext cx="12192000" cy="1735555"/>
+          </a:xfrm>
+          <a:prstGeom prst="rect">
+            <a:avLst/>
+          </a:prstGeom>
+          <a:solidFill>
+            <a:schemeClr val="tx1">
+              <a:lumMod val="75000"/>
+              <a:lumOff val="25000"/>
+            </a:schemeClr>
+          </a:solidFill>
+          <a:ln>
+            <a:noFill/>
+          </a:ln>
+        </p:spPr>
+        <p:style>
+          <a:lnRef idx="2">
+            <a:schemeClr val="accent1">
+              <a:shade val="50000"/>
+            </a:schemeClr>
+          </a:lnRef>
+          <a:fillRef idx="1">
+            <a:schemeClr val="accent1"/>
+          </a:fillRef>
+          <a:effectRef idx="0">
+            <a:schemeClr val="accent1"/>
+          </a:effectRef>
+          <a:fontRef idx="minor">
+            <a:schemeClr val="lt1"/>
+          </a:fontRef>
+        </p:style>
+        <p:txBody>
+          <a:bodyPr rtlCol="0" anchor="ctr"/>
+          <a:lstStyle/>
+          <a:p>
+            <a:pPr algn="ctr"/>
+            <a:endParaRPr lang="en-US"/>
+          </a:p>
+        </p:txBody>
+      </p:sp>
       <p:sp>
         <p:nvSpPr>
           <p:cNvPr id="2" name="Title 1">
             <a:extLst>
               <a:ext uri="{FF2B5EF4-FFF2-40B4-BE49-F238E27FC236}">
-                <a16:creationId xmlns:a16="http://schemas.microsoft.com/office/drawing/2014/main" id="{27AEA607-A0F9-4168-8DD6-2B5F01670AE9}"/>
+                <a16:creationId xmlns:a16="http://schemas.microsoft.com/office/drawing/2014/main" id="{7E3F400C-8895-434A-8D30-FF206CC53F01}"/>
               </a:ext>
             </a:extLst>
           </p:cNvPr>
@@ -8177,19 +12769,176 @@
             <p:ph type="title"/>
           </p:nvPr>
         </p:nvSpPr>
-        <p:spPr/>
-        <p:txBody>
-          <a:bodyPr/>
-          <a:lstStyle/>
-          <a:p>
-            <a:endParaRPr lang="en-US"/>
-          </a:p>
-        </p:txBody>
-      </p:sp>
+        <p:spPr>
+          <a:xfrm>
+            <a:off x="526073" y="489439"/>
+            <a:ext cx="11139854" cy="930447"/>
+          </a:xfrm>
+        </p:spPr>
+        <p:txBody>
+          <a:bodyPr vert="horz" lIns="91440" tIns="45720" rIns="91440" bIns="45720" rtlCol="0" anchor="b">
+            <a:normAutofit/>
+          </a:bodyPr>
+          <a:lstStyle/>
+          <a:p>
+            <a:pPr algn="ctr"/>
+            <a:r>
+              <a:rPr lang="en-US" sz="5400" kern="1200" dirty="0">
+                <a:solidFill>
+                  <a:schemeClr val="bg1"/>
+                </a:solidFill>
+                <a:latin typeface="+mj-lt"/>
+                <a:ea typeface="+mj-ea"/>
+                <a:cs typeface="+mj-cs"/>
+              </a:rPr>
+              <a:t>Determinant Invertibility Test</a:t>
+            </a:r>
+          </a:p>
+        </p:txBody>
+      </p:sp>
+      <p:cxnSp>
+        <p:nvCxnSpPr>
+          <p:cNvPr id="13" name="Straight Connector 12">
+            <a:extLst>
+              <a:ext uri="{FF2B5EF4-FFF2-40B4-BE49-F238E27FC236}">
+                <a16:creationId xmlns:a16="http://schemas.microsoft.com/office/drawing/2014/main" id="{A82415D3-DDE5-4D63-8CB3-23A5EC581B27}"/>
+              </a:ext>
+              <a:ext uri="{C183D7F6-B498-43B3-948B-1728B52AA6E4}">
+                <adec:decorative xmlns:adec="http://schemas.microsoft.com/office/drawing/2017/decorative" val="1"/>
+              </a:ext>
+            </a:extLst>
+          </p:cNvPr>
+          <p:cNvCxnSpPr>
+            <a:cxnSpLocks noGrp="1" noRot="1" noChangeAspect="1" noMove="1" noResize="1" noEditPoints="1" noAdjustHandles="1" noChangeArrowheads="1" noChangeShapeType="1"/>
+          </p:cNvCxnSpPr>
+          <p:nvPr>
+            <p:extLst>
+              <p:ext uri="{386F3935-93C4-4BCD-93E2-E3B085C9AB24}">
+                <p16:designElem xmlns:p16="http://schemas.microsoft.com/office/powerpoint/2015/main" val="1"/>
+              </p:ext>
+            </p:extLst>
+          </p:nvPr>
+        </p:nvCxnSpPr>
+        <p:spPr>
+          <a:xfrm>
+            <a:off x="4724400" y="1479733"/>
+            <a:ext cx="2743200" cy="0"/>
+          </a:xfrm>
+          <a:prstGeom prst="line">
+            <a:avLst/>
+          </a:prstGeom>
+          <a:ln w="19050">
+            <a:solidFill>
+              <a:schemeClr val="bg1">
+                <a:alpha val="75000"/>
+              </a:schemeClr>
+            </a:solidFill>
+          </a:ln>
+        </p:spPr>
+        <p:style>
+          <a:lnRef idx="1">
+            <a:schemeClr val="accent1"/>
+          </a:lnRef>
+          <a:fillRef idx="0">
+            <a:schemeClr val="accent1"/>
+          </a:fillRef>
+          <a:effectRef idx="0">
+            <a:schemeClr val="accent1"/>
+          </a:effectRef>
+          <a:fontRef idx="minor">
+            <a:schemeClr val="tx1"/>
+          </a:fontRef>
+        </p:style>
+      </p:cxnSp>
+      <p:cxnSp>
+        <p:nvCxnSpPr>
+          <p:cNvPr id="15" name="Straight Connector 14">
+            <a:extLst>
+              <a:ext uri="{FF2B5EF4-FFF2-40B4-BE49-F238E27FC236}">
+                <a16:creationId xmlns:a16="http://schemas.microsoft.com/office/drawing/2014/main" id="{AD7193FB-6AE6-4B3B-8F89-56B55DD63B4D}"/>
+              </a:ext>
+              <a:ext uri="{C183D7F6-B498-43B3-948B-1728B52AA6E4}">
+                <adec:decorative xmlns:adec="http://schemas.microsoft.com/office/drawing/2017/decorative" val="1"/>
+              </a:ext>
+            </a:extLst>
+          </p:cNvPr>
+          <p:cNvCxnSpPr>
+            <a:cxnSpLocks noGrp="1" noRot="1" noChangeAspect="1" noMove="1" noResize="1" noEditPoints="1" noAdjustHandles="1" noChangeArrowheads="1" noChangeShapeType="1"/>
+          </p:cNvCxnSpPr>
+          <p:nvPr>
+            <p:extLst>
+              <p:ext uri="{386F3935-93C4-4BCD-93E2-E3B085C9AB24}">
+                <p16:designElem xmlns:p16="http://schemas.microsoft.com/office/powerpoint/2015/main" val="1"/>
+              </p:ext>
+            </p:extLst>
+          </p:nvPr>
+        </p:nvCxnSpPr>
+        <p:spPr bwMode="white">
+          <a:xfrm>
+            <a:off x="0" y="2201402"/>
+            <a:ext cx="12188824" cy="0"/>
+          </a:xfrm>
+          <a:prstGeom prst="line">
+            <a:avLst/>
+          </a:prstGeom>
+          <a:ln w="50800">
+            <a:solidFill>
+              <a:schemeClr val="tx1">
+                <a:lumMod val="75000"/>
+                <a:lumOff val="25000"/>
+              </a:schemeClr>
+            </a:solidFill>
+          </a:ln>
+        </p:spPr>
+        <p:style>
+          <a:lnRef idx="1">
+            <a:schemeClr val="accent1"/>
+          </a:lnRef>
+          <a:fillRef idx="0">
+            <a:schemeClr val="accent1"/>
+          </a:fillRef>
+          <a:effectRef idx="0">
+            <a:schemeClr val="accent1"/>
+          </a:effectRef>
+          <a:fontRef idx="minor">
+            <a:schemeClr val="tx1"/>
+          </a:fontRef>
+        </p:style>
+      </p:cxnSp>
+      <p:pic>
+        <p:nvPicPr>
+          <p:cNvPr id="4" name="Picture 3">
+            <a:extLst>
+              <a:ext uri="{FF2B5EF4-FFF2-40B4-BE49-F238E27FC236}">
+                <a16:creationId xmlns:a16="http://schemas.microsoft.com/office/drawing/2014/main" id="{67363577-34DB-4E92-84EE-E901E4279454}"/>
+              </a:ext>
+            </a:extLst>
+          </p:cNvPr>
+          <p:cNvPicPr>
+            <a:picLocks noChangeAspect="1"/>
+          </p:cNvPicPr>
+          <p:nvPr/>
+        </p:nvPicPr>
+        <p:blipFill>
+          <a:blip r:embed="rId2"/>
+          <a:stretch>
+            <a:fillRect/>
+          </a:stretch>
+        </p:blipFill>
+        <p:spPr>
+          <a:xfrm>
+            <a:off x="320040" y="3679066"/>
+            <a:ext cx="11496821" cy="1494586"/>
+          </a:xfrm>
+          <a:prstGeom prst="rect">
+            <a:avLst/>
+          </a:prstGeom>
+        </p:spPr>
+      </p:pic>
     </p:spTree>
     <p:extLst>
       <p:ext uri="{BB962C8B-B14F-4D97-AF65-F5344CB8AC3E}">
-        <p14:creationId xmlns:p14="http://schemas.microsoft.com/office/powerpoint/2010/main" val="2063718745"/>
+        <p14:creationId xmlns:p14="http://schemas.microsoft.com/office/powerpoint/2010/main" val="1728493956"/>
       </p:ext>
     </p:extLst>
   </p:cSld>
@@ -8299,7 +13048,7 @@
           <p:nvPr/>
         </p:nvPicPr>
         <p:blipFill>
-          <a:blip r:embed="rId2"/>
+          <a:blip r:embed="rId3"/>
           <a:stretch>
             <a:fillRect/>
           </a:stretch>
@@ -8480,7 +13229,7 @@
                 <a:ea typeface="+mj-ea"/>
                 <a:cs typeface="+mj-cs"/>
               </a:rPr>
-              <a:t>Invertible  Unique Solution</a:t>
+              <a:t>Invertible Unique Solution</a:t>
             </a:r>
           </a:p>
         </p:txBody>
@@ -8588,7 +13337,7 @@
           <p:cNvPr id="4" name="Picture 3">
             <a:extLst>
               <a:ext uri="{FF2B5EF4-FFF2-40B4-BE49-F238E27FC236}">
-                <a16:creationId xmlns:a16="http://schemas.microsoft.com/office/drawing/2014/main" id="{EE9E8B91-C6B0-468C-A8F9-8E82E2064E95}"/>
+                <a16:creationId xmlns:a16="http://schemas.microsoft.com/office/drawing/2014/main" id="{B39324F7-C274-4783-96C3-2E06012F90DE}"/>
               </a:ext>
             </a:extLst>
           </p:cNvPr>
@@ -8598,15 +13347,15 @@
           <p:nvPr/>
         </p:nvPicPr>
         <p:blipFill>
-          <a:blip r:embed="rId2"/>
+          <a:blip r:embed="rId3"/>
           <a:stretch>
             <a:fillRect/>
           </a:stretch>
         </p:blipFill>
         <p:spPr>
           <a:xfrm>
-            <a:off x="1289303" y="1721230"/>
-            <a:ext cx="9613397" cy="1009407"/>
+            <a:off x="2200904" y="736440"/>
+            <a:ext cx="7867656" cy="3206070"/>
           </a:xfrm>
           <a:prstGeom prst="rect">
             <a:avLst/>
@@ -8747,7 +13496,7 @@
           <p:cNvPr id="2" name="Title 1">
             <a:extLst>
               <a:ext uri="{FF2B5EF4-FFF2-40B4-BE49-F238E27FC236}">
-                <a16:creationId xmlns:a16="http://schemas.microsoft.com/office/drawing/2014/main" id="{505BDEFF-4088-4BD0-B13F-11EAD5726040}"/>
+                <a16:creationId xmlns:a16="http://schemas.microsoft.com/office/drawing/2014/main" id="{680F8C69-9CA1-4A6F-A404-62AF57BFA10A}"/>
               </a:ext>
             </a:extLst>
           </p:cNvPr>
@@ -8760,7 +13509,7 @@
         </p:nvSpPr>
         <p:spPr>
           <a:xfrm>
-            <a:off x="1289304" y="3429000"/>
+            <a:off x="1146888" y="4408255"/>
             <a:ext cx="8921672" cy="1713305"/>
           </a:xfrm>
         </p:spPr>
@@ -8779,7 +13528,7 @@
                 <a:ea typeface="+mj-ea"/>
                 <a:cs typeface="+mj-cs"/>
               </a:rPr>
-              <a:t>Invertible Homogenous Solution</a:t>
+              <a:t>Fundamental Theorem of Invertible Matrices</a:t>
             </a:r>
           </a:p>
         </p:txBody>
@@ -8787,7 +13536,7 @@
     </p:spTree>
     <p:extLst>
       <p:ext uri="{BB962C8B-B14F-4D97-AF65-F5344CB8AC3E}">
-        <p14:creationId xmlns:p14="http://schemas.microsoft.com/office/powerpoint/2010/main" val="3436881607"/>
+        <p14:creationId xmlns:p14="http://schemas.microsoft.com/office/powerpoint/2010/main" val="2757558888"/>
       </p:ext>
     </p:extLst>
   </p:cSld>
@@ -8887,7 +13636,7 @@
           <p:cNvPr id="4" name="Picture 3">
             <a:extLst>
               <a:ext uri="{FF2B5EF4-FFF2-40B4-BE49-F238E27FC236}">
-                <a16:creationId xmlns:a16="http://schemas.microsoft.com/office/drawing/2014/main" id="{B39324F7-C274-4783-96C3-2E06012F90DE}"/>
+                <a16:creationId xmlns:a16="http://schemas.microsoft.com/office/drawing/2014/main" id="{7E0EC51D-D3FD-48E8-9D21-0061655C1B70}"/>
               </a:ext>
             </a:extLst>
           </p:cNvPr>
@@ -8897,15 +13646,15 @@
           <p:nvPr/>
         </p:nvPicPr>
         <p:blipFill>
-          <a:blip r:embed="rId2"/>
+          <a:blip r:embed="rId3"/>
           <a:stretch>
             <a:fillRect/>
           </a:stretch>
         </p:blipFill>
         <p:spPr>
           <a:xfrm>
-            <a:off x="2200904" y="736440"/>
-            <a:ext cx="7867656" cy="3206070"/>
+            <a:off x="1289303" y="1468878"/>
+            <a:ext cx="9613397" cy="1514110"/>
           </a:xfrm>
           <a:prstGeom prst="rect">
             <a:avLst/>
@@ -9046,7 +13795,7 @@
           <p:cNvPr id="2" name="Title 1">
             <a:extLst>
               <a:ext uri="{FF2B5EF4-FFF2-40B4-BE49-F238E27FC236}">
-                <a16:creationId xmlns:a16="http://schemas.microsoft.com/office/drawing/2014/main" id="{680F8C69-9CA1-4A6F-A404-62AF57BFA10A}"/>
+                <a16:creationId xmlns:a16="http://schemas.microsoft.com/office/drawing/2014/main" id="{20B5CE18-CA98-4B05-A4D5-CCA115C9B431}"/>
               </a:ext>
             </a:extLst>
           </p:cNvPr>
@@ -9059,13 +13808,13 @@
         </p:nvSpPr>
         <p:spPr>
           <a:xfrm>
-            <a:off x="1289304" y="3429000"/>
+            <a:off x="1100460" y="4127176"/>
             <a:ext cx="8921672" cy="1713305"/>
           </a:xfrm>
         </p:spPr>
         <p:txBody>
           <a:bodyPr vert="horz" lIns="91440" tIns="45720" rIns="91440" bIns="45720" rtlCol="0" anchor="b">
-            <a:normAutofit/>
+            <a:normAutofit fontScale="90000"/>
           </a:bodyPr>
           <a:lstStyle/>
           <a:p>
@@ -9078,46 +13827,7 @@
                 <a:ea typeface="+mj-ea"/>
                 <a:cs typeface="+mj-cs"/>
               </a:rPr>
-              <a:t>Invertible Properties</a:t>
-            </a:r>
-          </a:p>
-        </p:txBody>
-      </p:sp>
-      <p:sp>
-        <p:nvSpPr>
-          <p:cNvPr id="5" name="TextBox 4">
-            <a:extLst>
-              <a:ext uri="{FF2B5EF4-FFF2-40B4-BE49-F238E27FC236}">
-                <a16:creationId xmlns:a16="http://schemas.microsoft.com/office/drawing/2014/main" id="{A48E6A68-96F3-4FC9-B61D-D1224EB71820}"/>
-              </a:ext>
-            </a:extLst>
-          </p:cNvPr>
-          <p:cNvSpPr txBox="1"/>
-          <p:nvPr/>
-        </p:nvSpPr>
-        <p:spPr>
-          <a:xfrm>
-            <a:off x="3302000" y="5110194"/>
-            <a:ext cx="4440511" cy="369332"/>
-          </a:xfrm>
-          <a:prstGeom prst="rect">
-            <a:avLst/>
-          </a:prstGeom>
-          <a:noFill/>
-        </p:spPr>
-        <p:txBody>
-          <a:bodyPr wrap="none" rtlCol="0">
-            <a:spAutoFit/>
-          </a:bodyPr>
-          <a:lstStyle/>
-          <a:p>
-            <a:r>
-              <a:rPr lang="en-US" dirty="0">
-                <a:solidFill>
-                  <a:srgbClr val="FF0000"/>
-                </a:solidFill>
-              </a:rPr>
-              <a:t>Fundamental Theorem of Invertible Matrices</a:t>
+              <a:t>Finite, infinite subspaces</a:t>
             </a:r>
           </a:p>
         </p:txBody>
@@ -9125,7 +13835,7 @@
     </p:spTree>
     <p:extLst>
       <p:ext uri="{BB962C8B-B14F-4D97-AF65-F5344CB8AC3E}">
-        <p14:creationId xmlns:p14="http://schemas.microsoft.com/office/powerpoint/2010/main" val="2757558888"/>
+        <p14:creationId xmlns:p14="http://schemas.microsoft.com/office/powerpoint/2010/main" val="1991670598"/>
       </p:ext>
     </p:extLst>
   </p:cSld>
@@ -9225,7 +13935,7 @@
           <p:cNvPr id="4" name="Picture 3">
             <a:extLst>
               <a:ext uri="{FF2B5EF4-FFF2-40B4-BE49-F238E27FC236}">
-                <a16:creationId xmlns:a16="http://schemas.microsoft.com/office/drawing/2014/main" id="{7E0EC51D-D3FD-48E8-9D21-0061655C1B70}"/>
+                <a16:creationId xmlns:a16="http://schemas.microsoft.com/office/drawing/2014/main" id="{08170DEE-7735-45B0-AD43-C2974B88BA1B}"/>
               </a:ext>
             </a:extLst>
           </p:cNvPr>
@@ -9235,15 +13945,15 @@
           <p:nvPr/>
         </p:nvPicPr>
         <p:blipFill>
-          <a:blip r:embed="rId2"/>
+          <a:blip r:embed="rId3"/>
           <a:stretch>
             <a:fillRect/>
           </a:stretch>
         </p:blipFill>
         <p:spPr>
           <a:xfrm>
-            <a:off x="1289303" y="1468878"/>
-            <a:ext cx="9613397" cy="1514110"/>
+            <a:off x="1289303" y="1721230"/>
+            <a:ext cx="9613397" cy="1009407"/>
           </a:xfrm>
           <a:prstGeom prst="rect">
             <a:avLst/>
@@ -9384,7 +14094,7 @@
           <p:cNvPr id="2" name="Title 1">
             <a:extLst>
               <a:ext uri="{FF2B5EF4-FFF2-40B4-BE49-F238E27FC236}">
-                <a16:creationId xmlns:a16="http://schemas.microsoft.com/office/drawing/2014/main" id="{20B5CE18-CA98-4B05-A4D5-CCA115C9B431}"/>
+                <a16:creationId xmlns:a16="http://schemas.microsoft.com/office/drawing/2014/main" id="{07C7CC1C-7727-407C-BE37-78148E72947D}"/>
               </a:ext>
             </a:extLst>
           </p:cNvPr>
@@ -9403,7 +14113,7 @@
         </p:spPr>
         <p:txBody>
           <a:bodyPr vert="horz" lIns="91440" tIns="45720" rIns="91440" bIns="45720" rtlCol="0" anchor="b">
-            <a:normAutofit fontScale="90000"/>
+            <a:normAutofit/>
           </a:bodyPr>
           <a:lstStyle/>
           <a:p>
@@ -9416,27 +14126,15 @@
                 <a:ea typeface="+mj-ea"/>
                 <a:cs typeface="+mj-cs"/>
               </a:rPr>
-              <a:t>Subspace nonzero </a:t>
+              <a:t>Subspace</a:t>
             </a:r>
-            <a:r>
-              <a:rPr lang="en-US" sz="8000" dirty="0"/>
-              <a:t>Vector</a:t>
-            </a:r>
-            <a:endParaRPr lang="en-US" sz="8000" kern="1200" dirty="0">
-              <a:solidFill>
-                <a:schemeClr val="tx1"/>
-              </a:solidFill>
-              <a:latin typeface="+mj-lt"/>
-              <a:ea typeface="+mj-ea"/>
-              <a:cs typeface="+mj-cs"/>
-            </a:endParaRPr>
           </a:p>
         </p:txBody>
       </p:sp>
     </p:spTree>
     <p:extLst>
       <p:ext uri="{BB962C8B-B14F-4D97-AF65-F5344CB8AC3E}">
-        <p14:creationId xmlns:p14="http://schemas.microsoft.com/office/powerpoint/2010/main" val="1991670598"/>
+        <p14:creationId xmlns:p14="http://schemas.microsoft.com/office/powerpoint/2010/main" val="812683747"/>
       </p:ext>
     </p:extLst>
   </p:cSld>
@@ -9536,7 +14234,7 @@
           <p:cNvPr id="4" name="Picture 3">
             <a:extLst>
               <a:ext uri="{FF2B5EF4-FFF2-40B4-BE49-F238E27FC236}">
-                <a16:creationId xmlns:a16="http://schemas.microsoft.com/office/drawing/2014/main" id="{08170DEE-7735-45B0-AD43-C2974B88BA1B}"/>
+                <a16:creationId xmlns:a16="http://schemas.microsoft.com/office/drawing/2014/main" id="{CA103016-D841-4053-9034-E871B139188E}"/>
               </a:ext>
             </a:extLst>
           </p:cNvPr>
@@ -9546,15 +14244,15 @@
           <p:nvPr/>
         </p:nvPicPr>
         <p:blipFill>
-          <a:blip r:embed="rId2"/>
+          <a:blip r:embed="rId3"/>
           <a:stretch>
             <a:fillRect/>
           </a:stretch>
         </p:blipFill>
         <p:spPr>
           <a:xfrm>
-            <a:off x="1289303" y="1721230"/>
-            <a:ext cx="9613397" cy="1009407"/>
+            <a:off x="1289303" y="1552996"/>
+            <a:ext cx="9613397" cy="1345874"/>
           </a:xfrm>
           <a:prstGeom prst="rect">
             <a:avLst/>
@@ -9695,7 +14393,7 @@
           <p:cNvPr id="2" name="Title 1">
             <a:extLst>
               <a:ext uri="{FF2B5EF4-FFF2-40B4-BE49-F238E27FC236}">
-                <a16:creationId xmlns:a16="http://schemas.microsoft.com/office/drawing/2014/main" id="{07C7CC1C-7727-407C-BE37-78148E72947D}"/>
+                <a16:creationId xmlns:a16="http://schemas.microsoft.com/office/drawing/2014/main" id="{ACB835E5-0992-455E-8EC2-8CBED764D737}"/>
               </a:ext>
             </a:extLst>
           </p:cNvPr>
@@ -9719,7 +14417,7 @@
           <a:lstStyle/>
           <a:p>
             <a:r>
-              <a:rPr lang="en-US" sz="8000" kern="1200">
+              <a:rPr lang="en-US" sz="8000" kern="1200" dirty="0">
                 <a:solidFill>
                   <a:schemeClr val="tx1"/>
                 </a:solidFill>
@@ -9727,7 +14425,7 @@
                 <a:ea typeface="+mj-ea"/>
                 <a:cs typeface="+mj-cs"/>
               </a:rPr>
-              <a:t>Subspace and Span</a:t>
+              <a:t>Basis</a:t>
             </a:r>
           </a:p>
         </p:txBody>
@@ -9735,7 +14433,7 @@
     </p:spTree>
     <p:extLst>
       <p:ext uri="{BB962C8B-B14F-4D97-AF65-F5344CB8AC3E}">
-        <p14:creationId xmlns:p14="http://schemas.microsoft.com/office/powerpoint/2010/main" val="812683747"/>
+        <p14:creationId xmlns:p14="http://schemas.microsoft.com/office/powerpoint/2010/main" val="1853451456"/>
       </p:ext>
     </p:extLst>
   </p:cSld>
@@ -9835,7 +14533,7 @@
           <p:cNvPr id="4" name="Picture 3">
             <a:extLst>
               <a:ext uri="{FF2B5EF4-FFF2-40B4-BE49-F238E27FC236}">
-                <a16:creationId xmlns:a16="http://schemas.microsoft.com/office/drawing/2014/main" id="{CA103016-D841-4053-9034-E871B139188E}"/>
+                <a16:creationId xmlns:a16="http://schemas.microsoft.com/office/drawing/2014/main" id="{A4B90DDF-A8C8-4A00-931B-458E41CF00E3}"/>
               </a:ext>
             </a:extLst>
           </p:cNvPr>
@@ -9845,15 +14543,15 @@
           <p:nvPr/>
         </p:nvPicPr>
         <p:blipFill>
-          <a:blip r:embed="rId2"/>
+          <a:blip r:embed="rId3"/>
           <a:stretch>
             <a:fillRect/>
           </a:stretch>
         </p:blipFill>
         <p:spPr>
           <a:xfrm>
-            <a:off x="1289303" y="1552996"/>
-            <a:ext cx="9613397" cy="1345874"/>
+            <a:off x="1289303" y="1324677"/>
+            <a:ext cx="9613397" cy="1802512"/>
           </a:xfrm>
           <a:prstGeom prst="rect">
             <a:avLst/>
@@ -9994,7 +14692,7 @@
           <p:cNvPr id="2" name="Title 1">
             <a:extLst>
               <a:ext uri="{FF2B5EF4-FFF2-40B4-BE49-F238E27FC236}">
-                <a16:creationId xmlns:a16="http://schemas.microsoft.com/office/drawing/2014/main" id="{ACB835E5-0992-455E-8EC2-8CBED764D737}"/>
+                <a16:creationId xmlns:a16="http://schemas.microsoft.com/office/drawing/2014/main" id="{ACD2A192-E2B9-4439-ABD6-CB6A9D20A011}"/>
               </a:ext>
             </a:extLst>
           </p:cNvPr>
@@ -10018,23 +14716,24 @@
           <a:lstStyle/>
           <a:p>
             <a:r>
-              <a:rPr lang="en-US" sz="8000" kern="1200">
-                <a:solidFill>
-                  <a:schemeClr val="tx1"/>
-                </a:solidFill>
-                <a:latin typeface="+mj-lt"/>
-                <a:ea typeface="+mj-ea"/>
-                <a:cs typeface="+mj-cs"/>
-              </a:rPr>
-              <a:t>Basis and Span</a:t>
+              <a:rPr lang="en-US" sz="8000" dirty="0"/>
+              <a:t>Subspace’s basis</a:t>
             </a:r>
+            <a:endParaRPr lang="en-US" sz="8000" kern="1200" dirty="0">
+              <a:solidFill>
+                <a:schemeClr val="tx1"/>
+              </a:solidFill>
+              <a:latin typeface="+mj-lt"/>
+              <a:ea typeface="+mj-ea"/>
+              <a:cs typeface="+mj-cs"/>
+            </a:endParaRPr>
           </a:p>
         </p:txBody>
       </p:sp>
     </p:spTree>
     <p:extLst>
       <p:ext uri="{BB962C8B-B14F-4D97-AF65-F5344CB8AC3E}">
-        <p14:creationId xmlns:p14="http://schemas.microsoft.com/office/powerpoint/2010/main" val="1853451456"/>
+        <p14:creationId xmlns:p14="http://schemas.microsoft.com/office/powerpoint/2010/main" val="1416143624"/>
       </p:ext>
     </p:extLst>
   </p:cSld>
@@ -10134,7 +14833,7 @@
           <p:cNvPr id="4" name="Picture 3">
             <a:extLst>
               <a:ext uri="{FF2B5EF4-FFF2-40B4-BE49-F238E27FC236}">
-                <a16:creationId xmlns:a16="http://schemas.microsoft.com/office/drawing/2014/main" id="{A4B90DDF-A8C8-4A00-931B-458E41CF00E3}"/>
+                <a16:creationId xmlns:a16="http://schemas.microsoft.com/office/drawing/2014/main" id="{ACDE7D8F-DD79-4F4C-82AB-014479EFBA39}"/>
               </a:ext>
             </a:extLst>
           </p:cNvPr>
@@ -10144,15 +14843,15 @@
           <p:nvPr/>
         </p:nvPicPr>
         <p:blipFill>
-          <a:blip r:embed="rId2"/>
+          <a:blip r:embed="rId3"/>
           <a:stretch>
             <a:fillRect/>
           </a:stretch>
         </p:blipFill>
         <p:spPr>
           <a:xfrm>
-            <a:off x="1289303" y="1324677"/>
-            <a:ext cx="9613397" cy="1802512"/>
+            <a:off x="1289303" y="1119116"/>
+            <a:ext cx="6972078" cy="2213635"/>
           </a:xfrm>
           <a:prstGeom prst="rect">
             <a:avLst/>
@@ -10293,7 +14992,7 @@
           <p:cNvPr id="2" name="Title 1">
             <a:extLst>
               <a:ext uri="{FF2B5EF4-FFF2-40B4-BE49-F238E27FC236}">
-                <a16:creationId xmlns:a16="http://schemas.microsoft.com/office/drawing/2014/main" id="{ACD2A192-E2B9-4439-ABD6-CB6A9D20A011}"/>
+                <a16:creationId xmlns:a16="http://schemas.microsoft.com/office/drawing/2014/main" id="{D8507F17-F0EF-4A6C-BA74-C85C4CBC339B}"/>
               </a:ext>
             </a:extLst>
           </p:cNvPr>
@@ -10325,7 +15024,7 @@
                 <a:ea typeface="+mj-ea"/>
                 <a:cs typeface="+mj-cs"/>
               </a:rPr>
-              <a:t>Dupe Subspaces</a:t>
+              <a:t>Reduction Algorithm</a:t>
             </a:r>
           </a:p>
         </p:txBody>
@@ -10333,7 +15032,7 @@
     </p:spTree>
     <p:extLst>
       <p:ext uri="{BB962C8B-B14F-4D97-AF65-F5344CB8AC3E}">
-        <p14:creationId xmlns:p14="http://schemas.microsoft.com/office/powerpoint/2010/main" val="1416143624"/>
+        <p14:creationId xmlns:p14="http://schemas.microsoft.com/office/powerpoint/2010/main" val="1496410469"/>
       </p:ext>
     </p:extLst>
   </p:cSld>
@@ -10638,7 +15337,308 @@
 </a:theme>
 </file>
 
+<file path=ppt/theme/theme2.xml><?xml version="1.0" encoding="utf-8"?>
+<a:theme xmlns:a="http://schemas.openxmlformats.org/drawingml/2006/main" name="Office Theme">
+  <a:themeElements>
+    <a:clrScheme name="Office">
+      <a:dk1>
+        <a:sysClr val="windowText" lastClr="000000"/>
+      </a:dk1>
+      <a:lt1>
+        <a:sysClr val="window" lastClr="FFFFFF"/>
+      </a:lt1>
+      <a:dk2>
+        <a:srgbClr val="44546A"/>
+      </a:dk2>
+      <a:lt2>
+        <a:srgbClr val="E7E6E6"/>
+      </a:lt2>
+      <a:accent1>
+        <a:srgbClr val="4472C4"/>
+      </a:accent1>
+      <a:accent2>
+        <a:srgbClr val="ED7D31"/>
+      </a:accent2>
+      <a:accent3>
+        <a:srgbClr val="A5A5A5"/>
+      </a:accent3>
+      <a:accent4>
+        <a:srgbClr val="FFC000"/>
+      </a:accent4>
+      <a:accent5>
+        <a:srgbClr val="5B9BD5"/>
+      </a:accent5>
+      <a:accent6>
+        <a:srgbClr val="70AD47"/>
+      </a:accent6>
+      <a:hlink>
+        <a:srgbClr val="0563C1"/>
+      </a:hlink>
+      <a:folHlink>
+        <a:srgbClr val="954F72"/>
+      </a:folHlink>
+    </a:clrScheme>
+    <a:fontScheme name="Office">
+      <a:majorFont>
+        <a:latin typeface="Calibri Light" panose="020F0302020204030204"/>
+        <a:ea typeface=""/>
+        <a:cs typeface=""/>
+        <a:font script="Jpan" typeface="游ゴシック Light"/>
+        <a:font script="Hang" typeface="맑은 고딕"/>
+        <a:font script="Hans" typeface="等线 Light"/>
+        <a:font script="Hant" typeface="新細明體"/>
+        <a:font script="Arab" typeface="Times New Roman"/>
+        <a:font script="Hebr" typeface="Times New Roman"/>
+        <a:font script="Thai" typeface="Angsana New"/>
+        <a:font script="Ethi" typeface="Nyala"/>
+        <a:font script="Beng" typeface="Vrinda"/>
+        <a:font script="Gujr" typeface="Shruti"/>
+        <a:font script="Khmr" typeface="MoolBoran"/>
+        <a:font script="Knda" typeface="Tunga"/>
+        <a:font script="Guru" typeface="Raavi"/>
+        <a:font script="Cans" typeface="Euphemia"/>
+        <a:font script="Cher" typeface="Plantagenet Cherokee"/>
+        <a:font script="Yiii" typeface="Microsoft Yi Baiti"/>
+        <a:font script="Tibt" typeface="Microsoft Himalaya"/>
+        <a:font script="Thaa" typeface="MV Boli"/>
+        <a:font script="Deva" typeface="Mangal"/>
+        <a:font script="Telu" typeface="Gautami"/>
+        <a:font script="Taml" typeface="Latha"/>
+        <a:font script="Syrc" typeface="Estrangelo Edessa"/>
+        <a:font script="Orya" typeface="Kalinga"/>
+        <a:font script="Mlym" typeface="Kartika"/>
+        <a:font script="Laoo" typeface="DokChampa"/>
+        <a:font script="Sinh" typeface="Iskoola Pota"/>
+        <a:font script="Mong" typeface="Mongolian Baiti"/>
+        <a:font script="Viet" typeface="Times New Roman"/>
+        <a:font script="Uigh" typeface="Microsoft Uighur"/>
+        <a:font script="Geor" typeface="Sylfaen"/>
+        <a:font script="Armn" typeface="Arial"/>
+        <a:font script="Bugi" typeface="Leelawadee UI"/>
+        <a:font script="Bopo" typeface="Microsoft JhengHei"/>
+        <a:font script="Java" typeface="Javanese Text"/>
+        <a:font script="Lisu" typeface="Segoe UI"/>
+        <a:font script="Mymr" typeface="Myanmar Text"/>
+        <a:font script="Nkoo" typeface="Ebrima"/>
+        <a:font script="Olck" typeface="Nirmala UI"/>
+        <a:font script="Osma" typeface="Ebrima"/>
+        <a:font script="Phag" typeface="Phagspa"/>
+        <a:font script="Syrn" typeface="Estrangelo Edessa"/>
+        <a:font script="Syrj" typeface="Estrangelo Edessa"/>
+        <a:font script="Syre" typeface="Estrangelo Edessa"/>
+        <a:font script="Sora" typeface="Nirmala UI"/>
+        <a:font script="Tale" typeface="Microsoft Tai Le"/>
+        <a:font script="Talu" typeface="Microsoft New Tai Lue"/>
+        <a:font script="Tfng" typeface="Ebrima"/>
+      </a:majorFont>
+      <a:minorFont>
+        <a:latin typeface="Calibri" panose="020F0502020204030204"/>
+        <a:ea typeface=""/>
+        <a:cs typeface=""/>
+        <a:font script="Jpan" typeface="游ゴシック"/>
+        <a:font script="Hang" typeface="맑은 고딕"/>
+        <a:font script="Hans" typeface="等线"/>
+        <a:font script="Hant" typeface="新細明體"/>
+        <a:font script="Arab" typeface="Arial"/>
+        <a:font script="Hebr" typeface="Arial"/>
+        <a:font script="Thai" typeface="Cordia New"/>
+        <a:font script="Ethi" typeface="Nyala"/>
+        <a:font script="Beng" typeface="Vrinda"/>
+        <a:font script="Gujr" typeface="Shruti"/>
+        <a:font script="Khmr" typeface="DaunPenh"/>
+        <a:font script="Knda" typeface="Tunga"/>
+        <a:font script="Guru" typeface="Raavi"/>
+        <a:font script="Cans" typeface="Euphemia"/>
+        <a:font script="Cher" typeface="Plantagenet Cherokee"/>
+        <a:font script="Yiii" typeface="Microsoft Yi Baiti"/>
+        <a:font script="Tibt" typeface="Microsoft Himalaya"/>
+        <a:font script="Thaa" typeface="MV Boli"/>
+        <a:font script="Deva" typeface="Mangal"/>
+        <a:font script="Telu" typeface="Gautami"/>
+        <a:font script="Taml" typeface="Latha"/>
+        <a:font script="Syrc" typeface="Estrangelo Edessa"/>
+        <a:font script="Orya" typeface="Kalinga"/>
+        <a:font script="Mlym" typeface="Kartika"/>
+        <a:font script="Laoo" typeface="DokChampa"/>
+        <a:font script="Sinh" typeface="Iskoola Pota"/>
+        <a:font script="Mong" typeface="Mongolian Baiti"/>
+        <a:font script="Viet" typeface="Arial"/>
+        <a:font script="Uigh" typeface="Microsoft Uighur"/>
+        <a:font script="Geor" typeface="Sylfaen"/>
+        <a:font script="Armn" typeface="Arial"/>
+        <a:font script="Bugi" typeface="Leelawadee UI"/>
+        <a:font script="Bopo" typeface="Microsoft JhengHei"/>
+        <a:font script="Java" typeface="Javanese Text"/>
+        <a:font script="Lisu" typeface="Segoe UI"/>
+        <a:font script="Mymr" typeface="Myanmar Text"/>
+        <a:font script="Nkoo" typeface="Ebrima"/>
+        <a:font script="Olck" typeface="Nirmala UI"/>
+        <a:font script="Osma" typeface="Ebrima"/>
+        <a:font script="Phag" typeface="Phagspa"/>
+        <a:font script="Syrn" typeface="Estrangelo Edessa"/>
+        <a:font script="Syrj" typeface="Estrangelo Edessa"/>
+        <a:font script="Syre" typeface="Estrangelo Edessa"/>
+        <a:font script="Sora" typeface="Nirmala UI"/>
+        <a:font script="Tale" typeface="Microsoft Tai Le"/>
+        <a:font script="Talu" typeface="Microsoft New Tai Lue"/>
+        <a:font script="Tfng" typeface="Ebrima"/>
+      </a:minorFont>
+    </a:fontScheme>
+    <a:fmtScheme name="Office">
+      <a:fillStyleLst>
+        <a:solidFill>
+          <a:schemeClr val="phClr"/>
+        </a:solidFill>
+        <a:gradFill rotWithShape="1">
+          <a:gsLst>
+            <a:gs pos="0">
+              <a:schemeClr val="phClr">
+                <a:lumMod val="110000"/>
+                <a:satMod val="105000"/>
+                <a:tint val="67000"/>
+              </a:schemeClr>
+            </a:gs>
+            <a:gs pos="50000">
+              <a:schemeClr val="phClr">
+                <a:lumMod val="105000"/>
+                <a:satMod val="103000"/>
+                <a:tint val="73000"/>
+              </a:schemeClr>
+            </a:gs>
+            <a:gs pos="100000">
+              <a:schemeClr val="phClr">
+                <a:lumMod val="105000"/>
+                <a:satMod val="109000"/>
+                <a:tint val="81000"/>
+              </a:schemeClr>
+            </a:gs>
+          </a:gsLst>
+          <a:lin ang="5400000" scaled="0"/>
+        </a:gradFill>
+        <a:gradFill rotWithShape="1">
+          <a:gsLst>
+            <a:gs pos="0">
+              <a:schemeClr val="phClr">
+                <a:satMod val="103000"/>
+                <a:lumMod val="102000"/>
+                <a:tint val="94000"/>
+              </a:schemeClr>
+            </a:gs>
+            <a:gs pos="50000">
+              <a:schemeClr val="phClr">
+                <a:satMod val="110000"/>
+                <a:lumMod val="100000"/>
+                <a:shade val="100000"/>
+              </a:schemeClr>
+            </a:gs>
+            <a:gs pos="100000">
+              <a:schemeClr val="phClr">
+                <a:lumMod val="99000"/>
+                <a:satMod val="120000"/>
+                <a:shade val="78000"/>
+              </a:schemeClr>
+            </a:gs>
+          </a:gsLst>
+          <a:lin ang="5400000" scaled="0"/>
+        </a:gradFill>
+      </a:fillStyleLst>
+      <a:lnStyleLst>
+        <a:ln w="6350" cap="flat" cmpd="sng" algn="ctr">
+          <a:solidFill>
+            <a:schemeClr val="phClr"/>
+          </a:solidFill>
+          <a:prstDash val="solid"/>
+          <a:miter lim="800000"/>
+        </a:ln>
+        <a:ln w="12700" cap="flat" cmpd="sng" algn="ctr">
+          <a:solidFill>
+            <a:schemeClr val="phClr"/>
+          </a:solidFill>
+          <a:prstDash val="solid"/>
+          <a:miter lim="800000"/>
+        </a:ln>
+        <a:ln w="19050" cap="flat" cmpd="sng" algn="ctr">
+          <a:solidFill>
+            <a:schemeClr val="phClr"/>
+          </a:solidFill>
+          <a:prstDash val="solid"/>
+          <a:miter lim="800000"/>
+        </a:ln>
+      </a:lnStyleLst>
+      <a:effectStyleLst>
+        <a:effectStyle>
+          <a:effectLst/>
+        </a:effectStyle>
+        <a:effectStyle>
+          <a:effectLst/>
+        </a:effectStyle>
+        <a:effectStyle>
+          <a:effectLst>
+            <a:outerShdw blurRad="57150" dist="19050" dir="5400000" algn="ctr" rotWithShape="0">
+              <a:srgbClr val="000000">
+                <a:alpha val="63000"/>
+              </a:srgbClr>
+            </a:outerShdw>
+          </a:effectLst>
+        </a:effectStyle>
+      </a:effectStyleLst>
+      <a:bgFillStyleLst>
+        <a:solidFill>
+          <a:schemeClr val="phClr"/>
+        </a:solidFill>
+        <a:solidFill>
+          <a:schemeClr val="phClr">
+            <a:tint val="95000"/>
+            <a:satMod val="170000"/>
+          </a:schemeClr>
+        </a:solidFill>
+        <a:gradFill rotWithShape="1">
+          <a:gsLst>
+            <a:gs pos="0">
+              <a:schemeClr val="phClr">
+                <a:tint val="93000"/>
+                <a:satMod val="150000"/>
+                <a:shade val="98000"/>
+                <a:lumMod val="102000"/>
+              </a:schemeClr>
+            </a:gs>
+            <a:gs pos="50000">
+              <a:schemeClr val="phClr">
+                <a:tint val="98000"/>
+                <a:satMod val="130000"/>
+                <a:shade val="90000"/>
+                <a:lumMod val="103000"/>
+              </a:schemeClr>
+            </a:gs>
+            <a:gs pos="100000">
+              <a:schemeClr val="phClr">
+                <a:shade val="63000"/>
+                <a:satMod val="120000"/>
+              </a:schemeClr>
+            </a:gs>
+          </a:gsLst>
+          <a:lin ang="5400000" scaled="0"/>
+        </a:gradFill>
+      </a:bgFillStyleLst>
+    </a:fmtScheme>
+  </a:themeElements>
+  <a:objectDefaults/>
+  <a:extraClrSchemeLst/>
+  <a:extLst>
+    <a:ext uri="{05A4C25C-085E-4340-85A3-A5531E510DB2}">
+      <thm15:themeFamily xmlns:thm15="http://schemas.microsoft.com/office/thememl/2012/main" name="Office Theme" id="{62F939B6-93AF-4DB8-9C6B-D6C7DFDC589F}" vid="{4A3C46E8-61CC-4603-A589-7422A47A8E4A}"/>
+    </a:ext>
+  </a:extLst>
+</a:theme>
+</file>
+
 <file path=customXml/item1.xml><?xml version="1.0" encoding="utf-8"?>
+<p:properties xmlns:p="http://schemas.microsoft.com/office/2006/metadata/properties" xmlns:xsi="http://www.w3.org/2001/XMLSchema-instance" xmlns:pc="http://schemas.microsoft.com/office/infopath/2007/PartnerControls">
+  <documentManagement/>
+</p:properties>
+</file>
+
+<file path=customXml/item2.xml><?xml version="1.0" encoding="utf-8"?>
 <ct:contentTypeSchema xmlns:ct="http://schemas.microsoft.com/office/2006/metadata/contentType" xmlns:ma="http://schemas.microsoft.com/office/2006/metadata/properties/metaAttributes" ct:_="" ma:_="" ma:contentTypeName="Document" ma:contentTypeID="0x010100C7DE497FA346CD49B765B54AB6A367B5" ma:contentTypeVersion="4" ma:contentTypeDescription="Create a new document." ma:contentTypeScope="" ma:versionID="a3a5beb513839eaa00abdd1d143a0caa">
   <xsd:schema xmlns:xsd="http://www.w3.org/2001/XMLSchema" xmlns:xs="http://www.w3.org/2001/XMLSchema" xmlns:p="http://schemas.microsoft.com/office/2006/metadata/properties" xmlns:ns3="d9c5c803-e33e-4c61-8351-da4c9b99ae39" targetNamespace="http://schemas.microsoft.com/office/2006/metadata/properties" ma:root="true" ma:fieldsID="d1dcafc5a49a936c7c338c09e0f70733" ns3:_="">
     <xsd:import namespace="d9c5c803-e33e-4c61-8351-da4c9b99ae39"/>
@@ -10784,12 +15784,6 @@
 </ct:contentTypeSchema>
 </file>
 
-<file path=customXml/item2.xml><?xml version="1.0" encoding="utf-8"?>
-<p:properties xmlns:p="http://schemas.microsoft.com/office/2006/metadata/properties" xmlns:xsi="http://www.w3.org/2001/XMLSchema-instance" xmlns:pc="http://schemas.microsoft.com/office/infopath/2007/PartnerControls">
-  <documentManagement/>
-</p:properties>
-</file>
-
 <file path=customXml/item3.xml><?xml version="1.0" encoding="utf-8"?>
 <?mso-contentType ?>
 <FormTemplates xmlns="http://schemas.microsoft.com/sharepoint/v3/contenttype/forms">
@@ -10800,6 +15794,22 @@
 </file>
 
 <file path=customXml/itemProps1.xml><?xml version="1.0" encoding="utf-8"?>
+<ds:datastoreItem xmlns:ds="http://schemas.openxmlformats.org/officeDocument/2006/customXml" ds:itemID="{B1A9F696-FA5F-4B34-B731-F825EC19C60A}">
+  <ds:schemaRefs>
+    <ds:schemaRef ds:uri="http://purl.org/dc/dcmitype/"/>
+    <ds:schemaRef ds:uri="http://purl.org/dc/terms/"/>
+    <ds:schemaRef ds:uri="http://schemas.openxmlformats.org/package/2006/metadata/core-properties"/>
+    <ds:schemaRef ds:uri="http://purl.org/dc/elements/1.1/"/>
+    <ds:schemaRef ds:uri="http://www.w3.org/XML/1998/namespace"/>
+    <ds:schemaRef ds:uri="http://schemas.microsoft.com/office/infopath/2007/PartnerControls"/>
+    <ds:schemaRef ds:uri="http://schemas.microsoft.com/office/2006/documentManagement/types"/>
+    <ds:schemaRef ds:uri="d9c5c803-e33e-4c61-8351-da4c9b99ae39"/>
+    <ds:schemaRef ds:uri="http://schemas.microsoft.com/office/2006/metadata/properties"/>
+  </ds:schemaRefs>
+</ds:datastoreItem>
+</file>
+
+<file path=customXml/itemProps2.xml><?xml version="1.0" encoding="utf-8"?>
 <ds:datastoreItem xmlns:ds="http://schemas.openxmlformats.org/officeDocument/2006/customXml" ds:itemID="{721171E0-DFBF-4594-A591-62EE4EAC2B66}">
   <ds:schemaRefs>
     <ds:schemaRef ds:uri="http://schemas.microsoft.com/office/2006/metadata/contentType"/>
@@ -10817,22 +15827,6 @@
 </ds:datastoreItem>
 </file>
 
-<file path=customXml/itemProps2.xml><?xml version="1.0" encoding="utf-8"?>
-<ds:datastoreItem xmlns:ds="http://schemas.openxmlformats.org/officeDocument/2006/customXml" ds:itemID="{B1A9F696-FA5F-4B34-B731-F825EC19C60A}">
-  <ds:schemaRefs>
-    <ds:schemaRef ds:uri="http://purl.org/dc/dcmitype/"/>
-    <ds:schemaRef ds:uri="http://purl.org/dc/terms/"/>
-    <ds:schemaRef ds:uri="http://schemas.openxmlformats.org/package/2006/metadata/core-properties"/>
-    <ds:schemaRef ds:uri="http://purl.org/dc/elements/1.1/"/>
-    <ds:schemaRef ds:uri="http://www.w3.org/XML/1998/namespace"/>
-    <ds:schemaRef ds:uri="http://schemas.microsoft.com/office/infopath/2007/PartnerControls"/>
-    <ds:schemaRef ds:uri="http://schemas.microsoft.com/office/2006/documentManagement/types"/>
-    <ds:schemaRef ds:uri="d9c5c803-e33e-4c61-8351-da4c9b99ae39"/>
-    <ds:schemaRef ds:uri="http://schemas.microsoft.com/office/2006/metadata/properties"/>
-  </ds:schemaRefs>
-</ds:datastoreItem>
-</file>
-
 <file path=customXml/itemProps3.xml><?xml version="1.0" encoding="utf-8"?>
 <ds:datastoreItem xmlns:ds="http://schemas.openxmlformats.org/officeDocument/2006/customXml" ds:itemID="{97011689-39C2-4FF2-8A9A-B371DB6366C2}">
   <ds:schemaRefs>

--- a/Unit 3-4 Theorems.pptx
+++ b/Unit 3-4 Theorems.pptx
@@ -5,35 +5,38 @@
     <p:sldMasterId id="2147483648" r:id="rId4"/>
   </p:sldMasterIdLst>
   <p:notesMasterIdLst>
-    <p:notesMasterId r:id="rId31"/>
+    <p:notesMasterId r:id="rId34"/>
   </p:notesMasterIdLst>
   <p:sldIdLst>
     <p:sldId id="256" r:id="rId5"/>
     <p:sldId id="273" r:id="rId6"/>
     <p:sldId id="272" r:id="rId7"/>
     <p:sldId id="258" r:id="rId8"/>
-    <p:sldId id="259" r:id="rId9"/>
-    <p:sldId id="260" r:id="rId10"/>
-    <p:sldId id="261" r:id="rId11"/>
-    <p:sldId id="262" r:id="rId12"/>
-    <p:sldId id="263" r:id="rId13"/>
-    <p:sldId id="264" r:id="rId14"/>
-    <p:sldId id="265" r:id="rId15"/>
-    <p:sldId id="266" r:id="rId16"/>
-    <p:sldId id="267" r:id="rId17"/>
-    <p:sldId id="275" r:id="rId18"/>
-    <p:sldId id="268" r:id="rId19"/>
-    <p:sldId id="269" r:id="rId20"/>
-    <p:sldId id="270" r:id="rId21"/>
-    <p:sldId id="271" r:id="rId22"/>
-    <p:sldId id="276" r:id="rId23"/>
-    <p:sldId id="277" r:id="rId24"/>
-    <p:sldId id="278" r:id="rId25"/>
-    <p:sldId id="283" r:id="rId26"/>
-    <p:sldId id="280" r:id="rId27"/>
-    <p:sldId id="284" r:id="rId28"/>
-    <p:sldId id="282" r:id="rId29"/>
+    <p:sldId id="290" r:id="rId9"/>
+    <p:sldId id="259" r:id="rId10"/>
+    <p:sldId id="260" r:id="rId11"/>
+    <p:sldId id="261" r:id="rId12"/>
+    <p:sldId id="262" r:id="rId13"/>
+    <p:sldId id="263" r:id="rId14"/>
+    <p:sldId id="264" r:id="rId15"/>
+    <p:sldId id="265" r:id="rId16"/>
+    <p:sldId id="266" r:id="rId17"/>
+    <p:sldId id="267" r:id="rId18"/>
+    <p:sldId id="275" r:id="rId19"/>
+    <p:sldId id="268" r:id="rId20"/>
+    <p:sldId id="269" r:id="rId21"/>
+    <p:sldId id="270" r:id="rId22"/>
+    <p:sldId id="271" r:id="rId23"/>
+    <p:sldId id="276" r:id="rId24"/>
+    <p:sldId id="277" r:id="rId25"/>
+    <p:sldId id="278" r:id="rId26"/>
+    <p:sldId id="283" r:id="rId27"/>
+    <p:sldId id="280" r:id="rId28"/>
+    <p:sldId id="284" r:id="rId29"/>
     <p:sldId id="285" r:id="rId30"/>
+    <p:sldId id="286" r:id="rId31"/>
+    <p:sldId id="287" r:id="rId32"/>
+    <p:sldId id="288" r:id="rId33"/>
   </p:sldIdLst>
   <p:sldSz cx="12192000" cy="6858000"/>
   <p:notesSz cx="6858000" cy="9144000"/>
@@ -155,7 +158,7 @@
 <file path=ppt/revisionInfo.xml><?xml version="1.0" encoding="utf-8"?>
 <p1510:revInfo xmlns:a="http://schemas.openxmlformats.org/drawingml/2006/main" xmlns:r="http://schemas.openxmlformats.org/officeDocument/2006/relationships" xmlns:p1510="http://schemas.microsoft.com/office/powerpoint/2015/10/main">
   <p1510:revLst>
-    <p1510:client id="{80965980-7CDF-4379-9A6F-B1F09123E494}" v="1014" dt="2021-03-20T19:57:19.288"/>
+    <p1510:client id="{80965980-7CDF-4379-9A6F-B1F09123E494}" v="1021" dt="2021-03-21T23:54:19.145"/>
   </p1510:revLst>
 </p1510:revInfo>
 </file>
@@ -164,8 +167,8 @@
 <pc:chgInfo xmlns:a="http://schemas.openxmlformats.org/drawingml/2006/main" xmlns:r="http://schemas.openxmlformats.org/officeDocument/2006/relationships" xmlns:ac="http://schemas.microsoft.com/office/drawing/2013/main/command" xmlns:pc="http://schemas.microsoft.com/office/powerpoint/2013/main/command">
   <pc:docChgLst>
     <pc:chgData name="Chen, Jeff" userId="9a3224f5-9893-4468-acd0-6d03119f890b" providerId="ADAL" clId="{80965980-7CDF-4379-9A6F-B1F09123E494}"/>
-    <pc:docChg chg="custSel addSld delSld modSld">
-      <pc:chgData name="Chen, Jeff" userId="9a3224f5-9893-4468-acd0-6d03119f890b" providerId="ADAL" clId="{80965980-7CDF-4379-9A6F-B1F09123E494}" dt="2021-03-20T20:00:10.118" v="2734" actId="20577"/>
+    <pc:docChg chg="undo custSel addSld delSld modSld">
+      <pc:chgData name="Chen, Jeff" userId="9a3224f5-9893-4468-acd0-6d03119f890b" providerId="ADAL" clId="{80965980-7CDF-4379-9A6F-B1F09123E494}" dt="2021-03-21T23:54:33.637" v="3554" actId="20577"/>
       <pc:docMkLst>
         <pc:docMk/>
       </pc:docMkLst>
@@ -448,13 +451,13 @@
         </pc:picChg>
       </pc:sldChg>
       <pc:sldChg chg="addSp modSp new mod setBg">
-        <pc:chgData name="Chen, Jeff" userId="9a3224f5-9893-4468-acd0-6d03119f890b" providerId="ADAL" clId="{80965980-7CDF-4379-9A6F-B1F09123E494}" dt="2021-03-09T18:19:54.353" v="109" actId="26606"/>
+        <pc:chgData name="Chen, Jeff" userId="9a3224f5-9893-4468-acd0-6d03119f890b" providerId="ADAL" clId="{80965980-7CDF-4379-9A6F-B1F09123E494}" dt="2021-03-21T23:50:20.344" v="3392" actId="20577"/>
         <pc:sldMkLst>
           <pc:docMk/>
           <pc:sldMk cId="1594308202" sldId="276"/>
         </pc:sldMkLst>
         <pc:spChg chg="mod">
-          <ac:chgData name="Chen, Jeff" userId="9a3224f5-9893-4468-acd0-6d03119f890b" providerId="ADAL" clId="{80965980-7CDF-4379-9A6F-B1F09123E494}" dt="2021-03-09T18:19:54.353" v="109" actId="26606"/>
+          <ac:chgData name="Chen, Jeff" userId="9a3224f5-9893-4468-acd0-6d03119f890b" providerId="ADAL" clId="{80965980-7CDF-4379-9A6F-B1F09123E494}" dt="2021-03-21T23:50:20.344" v="3392" actId="20577"/>
           <ac:spMkLst>
             <pc:docMk/>
             <pc:sldMk cId="1594308202" sldId="276"/>
@@ -777,8 +780,8 @@
           </ac:picMkLst>
         </pc:picChg>
       </pc:sldChg>
-      <pc:sldChg chg="addSp modSp new mod setBg">
-        <pc:chgData name="Chen, Jeff" userId="9a3224f5-9893-4468-acd0-6d03119f890b" providerId="ADAL" clId="{80965980-7CDF-4379-9A6F-B1F09123E494}" dt="2021-03-20T19:58:19.441" v="2699" actId="20577"/>
+      <pc:sldChg chg="addSp modSp new del mod setBg">
+        <pc:chgData name="Chen, Jeff" userId="9a3224f5-9893-4468-acd0-6d03119f890b" providerId="ADAL" clId="{80965980-7CDF-4379-9A6F-B1F09123E494}" dt="2021-03-21T23:54:12.987" v="3524" actId="2696"/>
         <pc:sldMkLst>
           <pc:docMk/>
           <pc:sldMk cId="2063718745" sldId="282"/>
@@ -918,8 +921,8 @@
           </ac:picMkLst>
         </pc:picChg>
       </pc:sldChg>
-      <pc:sldChg chg="addSp modSp new mod setBg">
-        <pc:chgData name="Chen, Jeff" userId="9a3224f5-9893-4468-acd0-6d03119f890b" providerId="ADAL" clId="{80965980-7CDF-4379-9A6F-B1F09123E494}" dt="2021-03-20T20:00:10.118" v="2734" actId="20577"/>
+      <pc:sldChg chg="addSp modSp new mod setBg modNotesTx">
+        <pc:chgData name="Chen, Jeff" userId="9a3224f5-9893-4468-acd0-6d03119f890b" providerId="ADAL" clId="{80965980-7CDF-4379-9A6F-B1F09123E494}" dt="2021-03-21T23:54:33.637" v="3554" actId="20577"/>
         <pc:sldMkLst>
           <pc:docMk/>
           <pc:sldMk cId="1728493956" sldId="285"/>
@@ -941,11 +944,19 @@
           </ac:spMkLst>
         </pc:spChg>
         <pc:picChg chg="add mod">
-          <ac:chgData name="Chen, Jeff" userId="9a3224f5-9893-4468-acd0-6d03119f890b" providerId="ADAL" clId="{80965980-7CDF-4379-9A6F-B1F09123E494}" dt="2021-03-20T20:00:00.594" v="2702" actId="26606"/>
+          <ac:chgData name="Chen, Jeff" userId="9a3224f5-9893-4468-acd0-6d03119f890b" providerId="ADAL" clId="{80965980-7CDF-4379-9A6F-B1F09123E494}" dt="2021-03-21T23:54:18.651" v="3527" actId="1076"/>
           <ac:picMkLst>
             <pc:docMk/>
             <pc:sldMk cId="1728493956" sldId="285"/>
             <ac:picMk id="4" creationId="{67363577-34DB-4E92-84EE-E901E4279454}"/>
+          </ac:picMkLst>
+        </pc:picChg>
+        <pc:picChg chg="add mod">
+          <ac:chgData name="Chen, Jeff" userId="9a3224f5-9893-4468-acd0-6d03119f890b" providerId="ADAL" clId="{80965980-7CDF-4379-9A6F-B1F09123E494}" dt="2021-03-21T23:54:27.586" v="3530" actId="14100"/>
+          <ac:picMkLst>
+            <pc:docMk/>
+            <pc:sldMk cId="1728493956" sldId="285"/>
+            <ac:picMk id="8" creationId="{B88F157C-148E-4883-9B2F-44FC88EEFB3C}"/>
           </ac:picMkLst>
         </pc:picChg>
         <pc:cxnChg chg="add">
@@ -972,6 +983,264 @@
             <ac:cxnSpMk id="15" creationId="{AD7193FB-6AE6-4B3B-8F89-56B55DD63B4D}"/>
           </ac:cxnSpMkLst>
         </pc:cxnChg>
+      </pc:sldChg>
+      <pc:sldChg chg="addSp modSp new mod setBg modNotesTx">
+        <pc:chgData name="Chen, Jeff" userId="9a3224f5-9893-4468-acd0-6d03119f890b" providerId="ADAL" clId="{80965980-7CDF-4379-9A6F-B1F09123E494}" dt="2021-03-21T23:44:32.910" v="3275" actId="20577"/>
+        <pc:sldMkLst>
+          <pc:docMk/>
+          <pc:sldMk cId="3826916255" sldId="286"/>
+        </pc:sldMkLst>
+        <pc:spChg chg="mod">
+          <ac:chgData name="Chen, Jeff" userId="9a3224f5-9893-4468-acd0-6d03119f890b" providerId="ADAL" clId="{80965980-7CDF-4379-9A6F-B1F09123E494}" dt="2021-03-21T23:44:32.910" v="3275" actId="20577"/>
+          <ac:spMkLst>
+            <pc:docMk/>
+            <pc:sldMk cId="3826916255" sldId="286"/>
+            <ac:spMk id="2" creationId="{1003F869-A95F-4608-A9DC-20E07D627945}"/>
+          </ac:spMkLst>
+        </pc:spChg>
+        <pc:spChg chg="add">
+          <ac:chgData name="Chen, Jeff" userId="9a3224f5-9893-4468-acd0-6d03119f890b" providerId="ADAL" clId="{80965980-7CDF-4379-9A6F-B1F09123E494}" dt="2021-03-21T22:38:09.295" v="2737" actId="26606"/>
+          <ac:spMkLst>
+            <pc:docMk/>
+            <pc:sldMk cId="3826916255" sldId="286"/>
+            <ac:spMk id="11" creationId="{7F57BEA8-497D-4AA8-8A18-BDCD696B25FE}"/>
+          </ac:spMkLst>
+        </pc:spChg>
+        <pc:picChg chg="add mod">
+          <ac:chgData name="Chen, Jeff" userId="9a3224f5-9893-4468-acd0-6d03119f890b" providerId="ADAL" clId="{80965980-7CDF-4379-9A6F-B1F09123E494}" dt="2021-03-21T22:42:19.416" v="2843" actId="1076"/>
+          <ac:picMkLst>
+            <pc:docMk/>
+            <pc:sldMk cId="3826916255" sldId="286"/>
+            <ac:picMk id="4" creationId="{99B82CFC-FACE-49C4-A77E-36F8697C3565}"/>
+          </ac:picMkLst>
+        </pc:picChg>
+        <pc:picChg chg="add mod">
+          <ac:chgData name="Chen, Jeff" userId="9a3224f5-9893-4468-acd0-6d03119f890b" providerId="ADAL" clId="{80965980-7CDF-4379-9A6F-B1F09123E494}" dt="2021-03-21T22:42:27.697" v="2847" actId="1076"/>
+          <ac:picMkLst>
+            <pc:docMk/>
+            <pc:sldMk cId="3826916255" sldId="286"/>
+            <ac:picMk id="6" creationId="{16C7B570-3C5D-4F25-B1DD-889C049A8650}"/>
+          </ac:picMkLst>
+        </pc:picChg>
+        <pc:cxnChg chg="add">
+          <ac:chgData name="Chen, Jeff" userId="9a3224f5-9893-4468-acd0-6d03119f890b" providerId="ADAL" clId="{80965980-7CDF-4379-9A6F-B1F09123E494}" dt="2021-03-21T22:38:09.295" v="2737" actId="26606"/>
+          <ac:cxnSpMkLst>
+            <pc:docMk/>
+            <pc:sldMk cId="3826916255" sldId="286"/>
+            <ac:cxnSpMk id="9" creationId="{D2E961F1-4A28-4A5F-BBD4-6E400E5E6C75}"/>
+          </ac:cxnSpMkLst>
+        </pc:cxnChg>
+        <pc:cxnChg chg="add">
+          <ac:chgData name="Chen, Jeff" userId="9a3224f5-9893-4468-acd0-6d03119f890b" providerId="ADAL" clId="{80965980-7CDF-4379-9A6F-B1F09123E494}" dt="2021-03-21T22:38:09.295" v="2737" actId="26606"/>
+          <ac:cxnSpMkLst>
+            <pc:docMk/>
+            <pc:sldMk cId="3826916255" sldId="286"/>
+            <ac:cxnSpMk id="13" creationId="{A82415D3-DDE5-4D63-8CB3-23A5EC581B27}"/>
+          </ac:cxnSpMkLst>
+        </pc:cxnChg>
+        <pc:cxnChg chg="add">
+          <ac:chgData name="Chen, Jeff" userId="9a3224f5-9893-4468-acd0-6d03119f890b" providerId="ADAL" clId="{80965980-7CDF-4379-9A6F-B1F09123E494}" dt="2021-03-21T22:38:09.295" v="2737" actId="26606"/>
+          <ac:cxnSpMkLst>
+            <pc:docMk/>
+            <pc:sldMk cId="3826916255" sldId="286"/>
+            <ac:cxnSpMk id="15" creationId="{AD7193FB-6AE6-4B3B-8F89-56B55DD63B4D}"/>
+          </ac:cxnSpMkLst>
+        </pc:cxnChg>
+      </pc:sldChg>
+      <pc:sldChg chg="addSp delSp modSp new mod setBg modNotesTx">
+        <pc:chgData name="Chen, Jeff" userId="9a3224f5-9893-4468-acd0-6d03119f890b" providerId="ADAL" clId="{80965980-7CDF-4379-9A6F-B1F09123E494}" dt="2021-03-21T23:54:16.584" v="3526" actId="1076"/>
+        <pc:sldMkLst>
+          <pc:docMk/>
+          <pc:sldMk cId="1300920002" sldId="287"/>
+        </pc:sldMkLst>
+        <pc:spChg chg="mod">
+          <ac:chgData name="Chen, Jeff" userId="9a3224f5-9893-4468-acd0-6d03119f890b" providerId="ADAL" clId="{80965980-7CDF-4379-9A6F-B1F09123E494}" dt="2021-03-21T23:44:43.526" v="3283" actId="20577"/>
+          <ac:spMkLst>
+            <pc:docMk/>
+            <pc:sldMk cId="1300920002" sldId="287"/>
+            <ac:spMk id="2" creationId="{00B64DEF-7056-4013-B7B8-7EB06E3FFE23}"/>
+          </ac:spMkLst>
+        </pc:spChg>
+        <pc:spChg chg="add">
+          <ac:chgData name="Chen, Jeff" userId="9a3224f5-9893-4468-acd0-6d03119f890b" providerId="ADAL" clId="{80965980-7CDF-4379-9A6F-B1F09123E494}" dt="2021-03-21T22:40:01.408" v="2783" actId="26606"/>
+          <ac:spMkLst>
+            <pc:docMk/>
+            <pc:sldMk cId="1300920002" sldId="287"/>
+            <ac:spMk id="11" creationId="{7F57BEA8-497D-4AA8-8A18-BDCD696B25FE}"/>
+          </ac:spMkLst>
+        </pc:spChg>
+        <pc:picChg chg="add mod">
+          <ac:chgData name="Chen, Jeff" userId="9a3224f5-9893-4468-acd0-6d03119f890b" providerId="ADAL" clId="{80965980-7CDF-4379-9A6F-B1F09123E494}" dt="2021-03-21T23:54:16.584" v="3526" actId="1076"/>
+          <ac:picMkLst>
+            <pc:docMk/>
+            <pc:sldMk cId="1300920002" sldId="287"/>
+            <ac:picMk id="4" creationId="{D61DBCCB-9568-4F1B-9183-1E109200B6B7}"/>
+          </ac:picMkLst>
+        </pc:picChg>
+        <pc:picChg chg="add del mod">
+          <ac:chgData name="Chen, Jeff" userId="9a3224f5-9893-4468-acd0-6d03119f890b" providerId="ADAL" clId="{80965980-7CDF-4379-9A6F-B1F09123E494}" dt="2021-03-21T23:42:18.499" v="3202" actId="478"/>
+          <ac:picMkLst>
+            <pc:docMk/>
+            <pc:sldMk cId="1300920002" sldId="287"/>
+            <ac:picMk id="6" creationId="{93DAAE0F-7E2E-44B5-B9C1-C12D678DB1AA}"/>
+          </ac:picMkLst>
+        </pc:picChg>
+        <pc:cxnChg chg="add">
+          <ac:chgData name="Chen, Jeff" userId="9a3224f5-9893-4468-acd0-6d03119f890b" providerId="ADAL" clId="{80965980-7CDF-4379-9A6F-B1F09123E494}" dt="2021-03-21T22:40:01.408" v="2783" actId="26606"/>
+          <ac:cxnSpMkLst>
+            <pc:docMk/>
+            <pc:sldMk cId="1300920002" sldId="287"/>
+            <ac:cxnSpMk id="9" creationId="{D2E961F1-4A28-4A5F-BBD4-6E400E5E6C75}"/>
+          </ac:cxnSpMkLst>
+        </pc:cxnChg>
+        <pc:cxnChg chg="add">
+          <ac:chgData name="Chen, Jeff" userId="9a3224f5-9893-4468-acd0-6d03119f890b" providerId="ADAL" clId="{80965980-7CDF-4379-9A6F-B1F09123E494}" dt="2021-03-21T22:40:01.408" v="2783" actId="26606"/>
+          <ac:cxnSpMkLst>
+            <pc:docMk/>
+            <pc:sldMk cId="1300920002" sldId="287"/>
+            <ac:cxnSpMk id="13" creationId="{A82415D3-DDE5-4D63-8CB3-23A5EC581B27}"/>
+          </ac:cxnSpMkLst>
+        </pc:cxnChg>
+        <pc:cxnChg chg="add">
+          <ac:chgData name="Chen, Jeff" userId="9a3224f5-9893-4468-acd0-6d03119f890b" providerId="ADAL" clId="{80965980-7CDF-4379-9A6F-B1F09123E494}" dt="2021-03-21T22:40:01.408" v="2783" actId="26606"/>
+          <ac:cxnSpMkLst>
+            <pc:docMk/>
+            <pc:sldMk cId="1300920002" sldId="287"/>
+            <ac:cxnSpMk id="15" creationId="{AD7193FB-6AE6-4B3B-8F89-56B55DD63B4D}"/>
+          </ac:cxnSpMkLst>
+        </pc:cxnChg>
+      </pc:sldChg>
+      <pc:sldChg chg="addSp modSp new mod setBg modNotesTx">
+        <pc:chgData name="Chen, Jeff" userId="9a3224f5-9893-4468-acd0-6d03119f890b" providerId="ADAL" clId="{80965980-7CDF-4379-9A6F-B1F09123E494}" dt="2021-03-21T23:46:17.889" v="3376" actId="20577"/>
+        <pc:sldMkLst>
+          <pc:docMk/>
+          <pc:sldMk cId="238407052" sldId="288"/>
+        </pc:sldMkLst>
+        <pc:spChg chg="mod">
+          <ac:chgData name="Chen, Jeff" userId="9a3224f5-9893-4468-acd0-6d03119f890b" providerId="ADAL" clId="{80965980-7CDF-4379-9A6F-B1F09123E494}" dt="2021-03-21T23:42:34.274" v="3226" actId="20577"/>
+          <ac:spMkLst>
+            <pc:docMk/>
+            <pc:sldMk cId="238407052" sldId="288"/>
+            <ac:spMk id="2" creationId="{2472C947-0BE8-4C8A-A6B3-34AD6FEFCC80}"/>
+          </ac:spMkLst>
+        </pc:spChg>
+        <pc:spChg chg="add">
+          <ac:chgData name="Chen, Jeff" userId="9a3224f5-9893-4468-acd0-6d03119f890b" providerId="ADAL" clId="{80965980-7CDF-4379-9A6F-B1F09123E494}" dt="2021-03-21T23:42:25.246" v="3205" actId="26606"/>
+          <ac:spMkLst>
+            <pc:docMk/>
+            <pc:sldMk cId="238407052" sldId="288"/>
+            <ac:spMk id="10" creationId="{7F57BEA8-497D-4AA8-8A18-BDCD696B25FE}"/>
+          </ac:spMkLst>
+        </pc:spChg>
+        <pc:picChg chg="add mod">
+          <ac:chgData name="Chen, Jeff" userId="9a3224f5-9893-4468-acd0-6d03119f890b" providerId="ADAL" clId="{80965980-7CDF-4379-9A6F-B1F09123E494}" dt="2021-03-21T23:42:25.246" v="3205" actId="26606"/>
+          <ac:picMkLst>
+            <pc:docMk/>
+            <pc:sldMk cId="238407052" sldId="288"/>
+            <ac:picMk id="3" creationId="{161BDCA6-0B65-47C2-A345-ED5DBF96A124}"/>
+          </ac:picMkLst>
+        </pc:picChg>
+        <pc:cxnChg chg="add">
+          <ac:chgData name="Chen, Jeff" userId="9a3224f5-9893-4468-acd0-6d03119f890b" providerId="ADAL" clId="{80965980-7CDF-4379-9A6F-B1F09123E494}" dt="2021-03-21T23:42:25.246" v="3205" actId="26606"/>
+          <ac:cxnSpMkLst>
+            <pc:docMk/>
+            <pc:sldMk cId="238407052" sldId="288"/>
+            <ac:cxnSpMk id="8" creationId="{D2E961F1-4A28-4A5F-BBD4-6E400E5E6C75}"/>
+          </ac:cxnSpMkLst>
+        </pc:cxnChg>
+        <pc:cxnChg chg="add">
+          <ac:chgData name="Chen, Jeff" userId="9a3224f5-9893-4468-acd0-6d03119f890b" providerId="ADAL" clId="{80965980-7CDF-4379-9A6F-B1F09123E494}" dt="2021-03-21T23:42:25.246" v="3205" actId="26606"/>
+          <ac:cxnSpMkLst>
+            <pc:docMk/>
+            <pc:sldMk cId="238407052" sldId="288"/>
+            <ac:cxnSpMk id="12" creationId="{A82415D3-DDE5-4D63-8CB3-23A5EC581B27}"/>
+          </ac:cxnSpMkLst>
+        </pc:cxnChg>
+        <pc:cxnChg chg="add">
+          <ac:chgData name="Chen, Jeff" userId="9a3224f5-9893-4468-acd0-6d03119f890b" providerId="ADAL" clId="{80965980-7CDF-4379-9A6F-B1F09123E494}" dt="2021-03-21T23:42:25.246" v="3205" actId="26606"/>
+          <ac:cxnSpMkLst>
+            <pc:docMk/>
+            <pc:sldMk cId="238407052" sldId="288"/>
+            <ac:cxnSpMk id="14" creationId="{AD7193FB-6AE6-4B3B-8F89-56B55DD63B4D}"/>
+          </ac:cxnSpMkLst>
+        </pc:cxnChg>
+      </pc:sldChg>
+      <pc:sldChg chg="new del">
+        <pc:chgData name="Chen, Jeff" userId="9a3224f5-9893-4468-acd0-6d03119f890b" providerId="ADAL" clId="{80965980-7CDF-4379-9A6F-B1F09123E494}" dt="2021-03-21T23:38:16.574" v="2913" actId="2696"/>
+        <pc:sldMkLst>
+          <pc:docMk/>
+          <pc:sldMk cId="2175470886" sldId="288"/>
+        </pc:sldMkLst>
+      </pc:sldChg>
+      <pc:sldChg chg="addSp delSp modSp new del mod">
+        <pc:chgData name="Chen, Jeff" userId="9a3224f5-9893-4468-acd0-6d03119f890b" providerId="ADAL" clId="{80965980-7CDF-4379-9A6F-B1F09123E494}" dt="2021-03-21T23:49:05.021" v="3381" actId="2696"/>
+        <pc:sldMkLst>
+          <pc:docMk/>
+          <pc:sldMk cId="1251594894" sldId="289"/>
+        </pc:sldMkLst>
+        <pc:picChg chg="add del mod">
+          <ac:chgData name="Chen, Jeff" userId="9a3224f5-9893-4468-acd0-6d03119f890b" providerId="ADAL" clId="{80965980-7CDF-4379-9A6F-B1F09123E494}" dt="2021-03-21T23:48:58.726" v="3379" actId="478"/>
+          <ac:picMkLst>
+            <pc:docMk/>
+            <pc:sldMk cId="1251594894" sldId="289"/>
+            <ac:picMk id="3" creationId="{516E931B-CD46-4A05-9722-B824A380F578}"/>
+          </ac:picMkLst>
+        </pc:picChg>
+      </pc:sldChg>
+      <pc:sldChg chg="addSp delSp modSp add mod modNotesTx">
+        <pc:chgData name="Chen, Jeff" userId="9a3224f5-9893-4468-acd0-6d03119f890b" providerId="ADAL" clId="{80965980-7CDF-4379-9A6F-B1F09123E494}" dt="2021-03-21T23:53:29.394" v="3523" actId="5793"/>
+        <pc:sldMkLst>
+          <pc:docMk/>
+          <pc:sldMk cId="543444794" sldId="290"/>
+        </pc:sldMkLst>
+        <pc:spChg chg="mod">
+          <ac:chgData name="Chen, Jeff" userId="9a3224f5-9893-4468-acd0-6d03119f890b" providerId="ADAL" clId="{80965980-7CDF-4379-9A6F-B1F09123E494}" dt="2021-03-21T23:52:08.542" v="3447" actId="1076"/>
+          <ac:spMkLst>
+            <pc:docMk/>
+            <pc:sldMk cId="543444794" sldId="290"/>
+            <ac:spMk id="2" creationId="{680F8C69-9CA1-4A6F-A404-62AF57BFA10A}"/>
+          </ac:spMkLst>
+        </pc:spChg>
+        <pc:picChg chg="del">
+          <ac:chgData name="Chen, Jeff" userId="9a3224f5-9893-4468-acd0-6d03119f890b" providerId="ADAL" clId="{80965980-7CDF-4379-9A6F-B1F09123E494}" dt="2021-03-21T23:49:07.694" v="3382" actId="478"/>
+          <ac:picMkLst>
+            <pc:docMk/>
+            <pc:sldMk cId="543444794" sldId="290"/>
+            <ac:picMk id="4" creationId="{B39324F7-C274-4783-96C3-2E06012F90DE}"/>
+          </ac:picMkLst>
+        </pc:picChg>
+        <pc:picChg chg="add mod">
+          <ac:chgData name="Chen, Jeff" userId="9a3224f5-9893-4468-acd0-6d03119f890b" providerId="ADAL" clId="{80965980-7CDF-4379-9A6F-B1F09123E494}" dt="2021-03-21T23:52:50.888" v="3460" actId="1076"/>
+          <ac:picMkLst>
+            <pc:docMk/>
+            <pc:sldMk cId="543444794" sldId="290"/>
+            <ac:picMk id="7" creationId="{8514FE98-14EF-49C6-855C-147BA421548A}"/>
+          </ac:picMkLst>
+        </pc:picChg>
+        <pc:picChg chg="add mod">
+          <ac:chgData name="Chen, Jeff" userId="9a3224f5-9893-4468-acd0-6d03119f890b" providerId="ADAL" clId="{80965980-7CDF-4379-9A6F-B1F09123E494}" dt="2021-03-21T23:52:47.670" v="3459" actId="1076"/>
+          <ac:picMkLst>
+            <pc:docMk/>
+            <pc:sldMk cId="543444794" sldId="290"/>
+            <ac:picMk id="8" creationId="{637BFEE7-9A6D-4B9B-B314-26A83C1F2C20}"/>
+          </ac:picMkLst>
+        </pc:picChg>
+        <pc:picChg chg="add mod">
+          <ac:chgData name="Chen, Jeff" userId="9a3224f5-9893-4468-acd0-6d03119f890b" providerId="ADAL" clId="{80965980-7CDF-4379-9A6F-B1F09123E494}" dt="2021-03-21T23:52:36.293" v="3453" actId="1076"/>
+          <ac:picMkLst>
+            <pc:docMk/>
+            <pc:sldMk cId="543444794" sldId="290"/>
+            <ac:picMk id="10" creationId="{2CFEA745-C168-4015-A869-2FC3223706DE}"/>
+          </ac:picMkLst>
+        </pc:picChg>
+        <pc:picChg chg="add del mod">
+          <ac:chgData name="Chen, Jeff" userId="9a3224f5-9893-4468-acd0-6d03119f890b" providerId="ADAL" clId="{80965980-7CDF-4379-9A6F-B1F09123E494}" dt="2021-03-21T23:52:33.562" v="3452" actId="478"/>
+          <ac:picMkLst>
+            <pc:docMk/>
+            <pc:sldMk cId="543444794" sldId="290"/>
+            <ac:picMk id="12" creationId="{1A05AD11-B69D-4AF6-88EA-1F4404178EC9}"/>
+          </ac:picMkLst>
+        </pc:picChg>
       </pc:sldChg>
       <pc:sldChg chg="addSp delSp add del setBg delDesignElem">
         <pc:chgData name="Chen, Jeff" userId="9a3224f5-9893-4468-acd0-6d03119f890b" providerId="ADAL" clId="{80965980-7CDF-4379-9A6F-B1F09123E494}" dt="2021-03-20T19:55:08.361" v="2576"/>
@@ -1113,7 +1382,7 @@
           <a:p>
             <a:fld id="{9A3F3F89-75A5-4264-8D28-B8F9E037C0AE}" type="datetimeFigureOut">
               <a:rPr lang="en-US" smtClean="0"/>
-              <a:t>3/20/2021</a:t>
+              <a:t>3/21/2021</a:t>
             </a:fld>
             <a:endParaRPr lang="en-US"/>
           </a:p>
@@ -1409,8 +1678,8 @@
         </p:nvSpPr>
         <p:spPr/>
       </p:sp>
-      <mc:AlternateContent xmlns:mc="http://schemas.openxmlformats.org/markup-compatibility/2006">
-        <mc:Choice xmlns:a14="http://schemas.microsoft.com/office/drawing/2010/main" Requires="a14">
+      <mc:AlternateContent xmlns:mc="http://schemas.openxmlformats.org/markup-compatibility/2006" xmlns:a14="http://schemas.microsoft.com/office/drawing/2010/main">
+        <mc:Choice Requires="a14">
           <p:sp>
             <p:nvSpPr>
               <p:cNvPr id="3" name="Notes Placeholder 2"/>
@@ -1511,7 +1780,7 @@
             </p:txBody>
           </p:sp>
         </mc:Choice>
-        <mc:Fallback>
+        <mc:Fallback xmlns="">
           <p:sp>
             <p:nvSpPr>
               <p:cNvPr id="3" name="Notes Placeholder 2"/>
@@ -1632,8 +1901,95 @@
         </p:nvSpPr>
         <p:spPr/>
       </p:sp>
-      <mc:AlternateContent xmlns:mc="http://schemas.openxmlformats.org/markup-compatibility/2006">
-        <mc:Choice xmlns:a14="http://schemas.microsoft.com/office/drawing/2010/main" Requires="a14">
+      <p:sp>
+        <p:nvSpPr>
+          <p:cNvPr id="3" name="Notes Placeholder 2"/>
+          <p:cNvSpPr>
+            <a:spLocks noGrp="1"/>
+          </p:cNvSpPr>
+          <p:nvPr>
+            <p:ph type="body" idx="1"/>
+          </p:nvPr>
+        </p:nvSpPr>
+        <p:spPr/>
+        <p:txBody>
+          <a:bodyPr/>
+          <a:lstStyle/>
+          <a:p>
+            <a:r>
+              <a:rPr lang="en-US" dirty="0"/>
+              <a:t>Basically, how find the basis from a set of vectors. Look at the notes if you forgot how to find basis.</a:t>
+            </a:r>
+          </a:p>
+        </p:txBody>
+      </p:sp>
+      <p:sp>
+        <p:nvSpPr>
+          <p:cNvPr id="4" name="Slide Number Placeholder 3"/>
+          <p:cNvSpPr>
+            <a:spLocks noGrp="1"/>
+          </p:cNvSpPr>
+          <p:nvPr>
+            <p:ph type="sldNum" sz="quarter" idx="5"/>
+          </p:nvPr>
+        </p:nvSpPr>
+        <p:spPr/>
+        <p:txBody>
+          <a:bodyPr/>
+          <a:lstStyle/>
+          <a:p>
+            <a:fld id="{B2AFC0E1-9A48-4B26-9FCC-0F0ED76BE088}" type="slidenum">
+              <a:rPr lang="en-US" smtClean="0"/>
+              <a:t>10</a:t>
+            </a:fld>
+            <a:endParaRPr lang="en-US"/>
+          </a:p>
+        </p:txBody>
+      </p:sp>
+    </p:spTree>
+    <p:extLst>
+      <p:ext uri="{BB962C8B-B14F-4D97-AF65-F5344CB8AC3E}">
+        <p14:creationId xmlns:p14="http://schemas.microsoft.com/office/powerpoint/2010/main" val="3690950850"/>
+      </p:ext>
+    </p:extLst>
+  </p:cSld>
+  <p:clrMapOvr>
+    <a:masterClrMapping/>
+  </p:clrMapOvr>
+</p:notes>
+</file>
+
+<file path=ppt/notesSlides/notesSlide11.xml><?xml version="1.0" encoding="utf-8"?>
+<p:notes xmlns:a="http://schemas.openxmlformats.org/drawingml/2006/main" xmlns:r="http://schemas.openxmlformats.org/officeDocument/2006/relationships" xmlns:p="http://schemas.openxmlformats.org/presentationml/2006/main">
+  <p:cSld>
+    <p:spTree>
+      <p:nvGrpSpPr>
+        <p:cNvPr id="1" name=""/>
+        <p:cNvGrpSpPr/>
+        <p:nvPr/>
+      </p:nvGrpSpPr>
+      <p:grpSpPr>
+        <a:xfrm>
+          <a:off x="0" y="0"/>
+          <a:ext cx="0" cy="0"/>
+          <a:chOff x="0" y="0"/>
+          <a:chExt cx="0" cy="0"/>
+        </a:xfrm>
+      </p:grpSpPr>
+      <p:sp>
+        <p:nvSpPr>
+          <p:cNvPr id="2" name="Slide Image Placeholder 1"/>
+          <p:cNvSpPr>
+            <a:spLocks noGrp="1" noRot="1" noChangeAspect="1"/>
+          </p:cNvSpPr>
+          <p:nvPr>
+            <p:ph type="sldImg"/>
+          </p:nvPr>
+        </p:nvSpPr>
+        <p:spPr/>
+      </p:sp>
+      <mc:AlternateContent xmlns:mc="http://schemas.openxmlformats.org/markup-compatibility/2006" xmlns:a14="http://schemas.microsoft.com/office/drawing/2010/main">
+        <mc:Choice Requires="a14">
           <p:sp>
             <p:nvSpPr>
               <p:cNvPr id="3" name="Notes Placeholder 2"/>
@@ -1888,7 +2244,7 @@
             </p:txBody>
           </p:sp>
         </mc:Choice>
-        <mc:Fallback>
+        <mc:Fallback xmlns="">
           <p:sp>
             <p:nvSpPr>
               <p:cNvPr id="3" name="Notes Placeholder 2"/>
@@ -2023,7 +2379,7 @@
           <a:p>
             <a:fld id="{B2AFC0E1-9A48-4B26-9FCC-0F0ED76BE088}" type="slidenum">
               <a:rPr lang="en-US" smtClean="0"/>
-              <a:t>10</a:t>
+              <a:t>11</a:t>
             </a:fld>
             <a:endParaRPr lang="en-US"/>
           </a:p>
@@ -2042,7 +2398,7 @@
 </p:notes>
 </file>
 
-<file path=ppt/notesSlides/notesSlide11.xml><?xml version="1.0" encoding="utf-8"?>
+<file path=ppt/notesSlides/notesSlide12.xml><?xml version="1.0" encoding="utf-8"?>
 <p:notes xmlns:a="http://schemas.openxmlformats.org/drawingml/2006/main" xmlns:r="http://schemas.openxmlformats.org/officeDocument/2006/relationships" xmlns:p="http://schemas.openxmlformats.org/presentationml/2006/main">
   <p:cSld>
     <p:spTree>
@@ -2071,8 +2427,8 @@
         </p:nvSpPr>
         <p:spPr/>
       </p:sp>
-      <mc:AlternateContent xmlns:mc="http://schemas.openxmlformats.org/markup-compatibility/2006">
-        <mc:Choice xmlns:a14="http://schemas.microsoft.com/office/drawing/2010/main" Requires="a14">
+      <mc:AlternateContent xmlns:mc="http://schemas.openxmlformats.org/markup-compatibility/2006" xmlns:a14="http://schemas.microsoft.com/office/drawing/2010/main">
+        <mc:Choice Requires="a14">
           <p:sp>
             <p:nvSpPr>
               <p:cNvPr id="3" name="Notes Placeholder 2"/>
@@ -2251,7 +2607,7 @@
             </p:txBody>
           </p:sp>
         </mc:Choice>
-        <mc:Fallback>
+        <mc:Fallback xmlns="">
           <p:sp>
             <p:nvSpPr>
               <p:cNvPr id="3" name="Notes Placeholder 2"/>
@@ -2356,7 +2712,7 @@
           <a:p>
             <a:fld id="{B2AFC0E1-9A48-4B26-9FCC-0F0ED76BE088}" type="slidenum">
               <a:rPr lang="en-US" smtClean="0"/>
-              <a:t>11</a:t>
+              <a:t>12</a:t>
             </a:fld>
             <a:endParaRPr lang="en-US"/>
           </a:p>
@@ -2375,7 +2731,7 @@
 </p:notes>
 </file>
 
-<file path=ppt/notesSlides/notesSlide12.xml><?xml version="1.0" encoding="utf-8"?>
+<file path=ppt/notesSlides/notesSlide13.xml><?xml version="1.0" encoding="utf-8"?>
 <p:notes xmlns:a="http://schemas.openxmlformats.org/drawingml/2006/main" xmlns:r="http://schemas.openxmlformats.org/officeDocument/2006/relationships" xmlns:p="http://schemas.openxmlformats.org/presentationml/2006/main">
   <p:cSld>
     <p:spTree>
@@ -2404,8 +2760,8 @@
         </p:nvSpPr>
         <p:spPr/>
       </p:sp>
-      <mc:AlternateContent xmlns:mc="http://schemas.openxmlformats.org/markup-compatibility/2006">
-        <mc:Choice xmlns:a14="http://schemas.microsoft.com/office/drawing/2010/main" Requires="a14">
+      <mc:AlternateContent xmlns:mc="http://schemas.openxmlformats.org/markup-compatibility/2006" xmlns:a14="http://schemas.microsoft.com/office/drawing/2010/main">
+        <mc:Choice Requires="a14">
           <p:sp>
             <p:nvSpPr>
               <p:cNvPr id="3" name="Notes Placeholder 2"/>
@@ -2528,7 +2884,7 @@
             </p:txBody>
           </p:sp>
         </mc:Choice>
-        <mc:Fallback>
+        <mc:Fallback xmlns="">
           <p:sp>
             <p:nvSpPr>
               <p:cNvPr id="3" name="Notes Placeholder 2"/>
@@ -2623,7 +2979,7 @@
           <a:p>
             <a:fld id="{B2AFC0E1-9A48-4B26-9FCC-0F0ED76BE088}" type="slidenum">
               <a:rPr lang="en-US" smtClean="0"/>
-              <a:t>12</a:t>
+              <a:t>13</a:t>
             </a:fld>
             <a:endParaRPr lang="en-US"/>
           </a:p>
@@ -2633,90 +2989,6 @@
     <p:extLst>
       <p:ext uri="{BB962C8B-B14F-4D97-AF65-F5344CB8AC3E}">
         <p14:creationId xmlns:p14="http://schemas.microsoft.com/office/powerpoint/2010/main" val="1570073112"/>
-      </p:ext>
-    </p:extLst>
-  </p:cSld>
-  <p:clrMapOvr>
-    <a:masterClrMapping/>
-  </p:clrMapOvr>
-</p:notes>
-</file>
-
-<file path=ppt/notesSlides/notesSlide13.xml><?xml version="1.0" encoding="utf-8"?>
-<p:notes xmlns:a="http://schemas.openxmlformats.org/drawingml/2006/main" xmlns:r="http://schemas.openxmlformats.org/officeDocument/2006/relationships" xmlns:p="http://schemas.openxmlformats.org/presentationml/2006/main">
-  <p:cSld>
-    <p:spTree>
-      <p:nvGrpSpPr>
-        <p:cNvPr id="1" name=""/>
-        <p:cNvGrpSpPr/>
-        <p:nvPr/>
-      </p:nvGrpSpPr>
-      <p:grpSpPr>
-        <a:xfrm>
-          <a:off x="0" y="0"/>
-          <a:ext cx="0" cy="0"/>
-          <a:chOff x="0" y="0"/>
-          <a:chExt cx="0" cy="0"/>
-        </a:xfrm>
-      </p:grpSpPr>
-      <p:sp>
-        <p:nvSpPr>
-          <p:cNvPr id="2" name="Slide Image Placeholder 1"/>
-          <p:cNvSpPr>
-            <a:spLocks noGrp="1" noRot="1" noChangeAspect="1"/>
-          </p:cNvSpPr>
-          <p:nvPr>
-            <p:ph type="sldImg"/>
-          </p:nvPr>
-        </p:nvSpPr>
-        <p:spPr/>
-      </p:sp>
-      <p:sp>
-        <p:nvSpPr>
-          <p:cNvPr id="3" name="Notes Placeholder 2"/>
-          <p:cNvSpPr>
-            <a:spLocks noGrp="1"/>
-          </p:cNvSpPr>
-          <p:nvPr>
-            <p:ph type="body" idx="1"/>
-          </p:nvPr>
-        </p:nvSpPr>
-        <p:spPr/>
-        <p:txBody>
-          <a:bodyPr/>
-          <a:lstStyle/>
-          <a:p>
-            <a:endParaRPr lang="en-US" dirty="0"/>
-          </a:p>
-        </p:txBody>
-      </p:sp>
-      <p:sp>
-        <p:nvSpPr>
-          <p:cNvPr id="4" name="Slide Number Placeholder 3"/>
-          <p:cNvSpPr>
-            <a:spLocks noGrp="1"/>
-          </p:cNvSpPr>
-          <p:nvPr>
-            <p:ph type="sldNum" sz="quarter" idx="5"/>
-          </p:nvPr>
-        </p:nvSpPr>
-        <p:spPr/>
-        <p:txBody>
-          <a:bodyPr/>
-          <a:lstStyle/>
-          <a:p>
-            <a:fld id="{B2AFC0E1-9A48-4B26-9FCC-0F0ED76BE088}" type="slidenum">
-              <a:rPr lang="en-US" smtClean="0"/>
-              <a:t>13</a:t>
-            </a:fld>
-            <a:endParaRPr lang="en-US"/>
-          </a:p>
-        </p:txBody>
-      </p:sp>
-    </p:spTree>
-    <p:extLst>
-      <p:ext uri="{BB962C8B-B14F-4D97-AF65-F5344CB8AC3E}">
-        <p14:creationId xmlns:p14="http://schemas.microsoft.com/office/powerpoint/2010/main" val="1664312764"/>
       </p:ext>
     </p:extLst>
   </p:cSld>
@@ -2800,7 +3072,439 @@
     </p:spTree>
     <p:extLst>
       <p:ext uri="{BB962C8B-B14F-4D97-AF65-F5344CB8AC3E}">
+        <p14:creationId xmlns:p14="http://schemas.microsoft.com/office/powerpoint/2010/main" val="1664312764"/>
+      </p:ext>
+    </p:extLst>
+  </p:cSld>
+  <p:clrMapOvr>
+    <a:masterClrMapping/>
+  </p:clrMapOvr>
+</p:notes>
+</file>
+
+<file path=ppt/notesSlides/notesSlide15.xml><?xml version="1.0" encoding="utf-8"?>
+<p:notes xmlns:a="http://schemas.openxmlformats.org/drawingml/2006/main" xmlns:r="http://schemas.openxmlformats.org/officeDocument/2006/relationships" xmlns:p="http://schemas.openxmlformats.org/presentationml/2006/main">
+  <p:cSld>
+    <p:spTree>
+      <p:nvGrpSpPr>
+        <p:cNvPr id="1" name=""/>
+        <p:cNvGrpSpPr/>
+        <p:nvPr/>
+      </p:nvGrpSpPr>
+      <p:grpSpPr>
+        <a:xfrm>
+          <a:off x="0" y="0"/>
+          <a:ext cx="0" cy="0"/>
+          <a:chOff x="0" y="0"/>
+          <a:chExt cx="0" cy="0"/>
+        </a:xfrm>
+      </p:grpSpPr>
+      <p:sp>
+        <p:nvSpPr>
+          <p:cNvPr id="2" name="Slide Image Placeholder 1"/>
+          <p:cNvSpPr>
+            <a:spLocks noGrp="1" noRot="1" noChangeAspect="1"/>
+          </p:cNvSpPr>
+          <p:nvPr>
+            <p:ph type="sldImg"/>
+          </p:nvPr>
+        </p:nvSpPr>
+        <p:spPr/>
+      </p:sp>
+      <p:sp>
+        <p:nvSpPr>
+          <p:cNvPr id="3" name="Notes Placeholder 2"/>
+          <p:cNvSpPr>
+            <a:spLocks noGrp="1"/>
+          </p:cNvSpPr>
+          <p:nvPr>
+            <p:ph type="body" idx="1"/>
+          </p:nvPr>
+        </p:nvSpPr>
+        <p:spPr/>
+        <p:txBody>
+          <a:bodyPr/>
+          <a:lstStyle/>
+          <a:p>
+            <a:endParaRPr lang="en-US" dirty="0"/>
+          </a:p>
+        </p:txBody>
+      </p:sp>
+      <p:sp>
+        <p:nvSpPr>
+          <p:cNvPr id="4" name="Slide Number Placeholder 3"/>
+          <p:cNvSpPr>
+            <a:spLocks noGrp="1"/>
+          </p:cNvSpPr>
+          <p:nvPr>
+            <p:ph type="sldNum" sz="quarter" idx="5"/>
+          </p:nvPr>
+        </p:nvSpPr>
+        <p:spPr/>
+        <p:txBody>
+          <a:bodyPr/>
+          <a:lstStyle/>
+          <a:p>
+            <a:fld id="{B2AFC0E1-9A48-4B26-9FCC-0F0ED76BE088}" type="slidenum">
+              <a:rPr lang="en-US" smtClean="0"/>
+              <a:t>15</a:t>
+            </a:fld>
+            <a:endParaRPr lang="en-US"/>
+          </a:p>
+        </p:txBody>
+      </p:sp>
+    </p:spTree>
+    <p:extLst>
+      <p:ext uri="{BB962C8B-B14F-4D97-AF65-F5344CB8AC3E}">
         <p14:creationId xmlns:p14="http://schemas.microsoft.com/office/powerpoint/2010/main" val="1860395743"/>
+      </p:ext>
+    </p:extLst>
+  </p:cSld>
+  <p:clrMapOvr>
+    <a:masterClrMapping/>
+  </p:clrMapOvr>
+</p:notes>
+</file>
+
+<file path=ppt/notesSlides/notesSlide16.xml><?xml version="1.0" encoding="utf-8"?>
+<p:notes xmlns:a="http://schemas.openxmlformats.org/drawingml/2006/main" xmlns:r="http://schemas.openxmlformats.org/officeDocument/2006/relationships" xmlns:p="http://schemas.openxmlformats.org/presentationml/2006/main">
+  <p:cSld>
+    <p:spTree>
+      <p:nvGrpSpPr>
+        <p:cNvPr id="1" name=""/>
+        <p:cNvGrpSpPr/>
+        <p:nvPr/>
+      </p:nvGrpSpPr>
+      <p:grpSpPr>
+        <a:xfrm>
+          <a:off x="0" y="0"/>
+          <a:ext cx="0" cy="0"/>
+          <a:chOff x="0" y="0"/>
+          <a:chExt cx="0" cy="0"/>
+        </a:xfrm>
+      </p:grpSpPr>
+      <p:sp>
+        <p:nvSpPr>
+          <p:cNvPr id="2" name="Slide Image Placeholder 1"/>
+          <p:cNvSpPr>
+            <a:spLocks noGrp="1" noRot="1" noChangeAspect="1"/>
+          </p:cNvSpPr>
+          <p:nvPr>
+            <p:ph type="sldImg"/>
+          </p:nvPr>
+        </p:nvSpPr>
+        <p:spPr/>
+      </p:sp>
+      <p:sp>
+        <p:nvSpPr>
+          <p:cNvPr id="3" name="Notes Placeholder 2"/>
+          <p:cNvSpPr>
+            <a:spLocks noGrp="1"/>
+          </p:cNvSpPr>
+          <p:nvPr>
+            <p:ph type="body" idx="1"/>
+          </p:nvPr>
+        </p:nvSpPr>
+        <p:spPr/>
+        <p:txBody>
+          <a:bodyPr/>
+          <a:lstStyle/>
+          <a:p>
+            <a:r>
+              <a:rPr lang="en-US" dirty="0"/>
+              <a:t>They say the same thing.</a:t>
+            </a:r>
+          </a:p>
+        </p:txBody>
+      </p:sp>
+      <p:sp>
+        <p:nvSpPr>
+          <p:cNvPr id="4" name="Slide Number Placeholder 3"/>
+          <p:cNvSpPr>
+            <a:spLocks noGrp="1"/>
+          </p:cNvSpPr>
+          <p:nvPr>
+            <p:ph type="sldNum" sz="quarter" idx="5"/>
+          </p:nvPr>
+        </p:nvSpPr>
+        <p:spPr/>
+        <p:txBody>
+          <a:bodyPr/>
+          <a:lstStyle/>
+          <a:p>
+            <a:fld id="{B2AFC0E1-9A48-4B26-9FCC-0F0ED76BE088}" type="slidenum">
+              <a:rPr lang="en-US" smtClean="0"/>
+              <a:t>26</a:t>
+            </a:fld>
+            <a:endParaRPr lang="en-US"/>
+          </a:p>
+        </p:txBody>
+      </p:sp>
+    </p:spTree>
+    <p:extLst>
+      <p:ext uri="{BB962C8B-B14F-4D97-AF65-F5344CB8AC3E}">
+        <p14:creationId xmlns:p14="http://schemas.microsoft.com/office/powerpoint/2010/main" val="1045040207"/>
+      </p:ext>
+    </p:extLst>
+  </p:cSld>
+  <p:clrMapOvr>
+    <a:masterClrMapping/>
+  </p:clrMapOvr>
+</p:notes>
+</file>
+
+<file path=ppt/notesSlides/notesSlide17.xml><?xml version="1.0" encoding="utf-8"?>
+<p:notes xmlns:a="http://schemas.openxmlformats.org/drawingml/2006/main" xmlns:r="http://schemas.openxmlformats.org/officeDocument/2006/relationships" xmlns:p="http://schemas.openxmlformats.org/presentationml/2006/main">
+  <p:cSld>
+    <p:spTree>
+      <p:nvGrpSpPr>
+        <p:cNvPr id="1" name=""/>
+        <p:cNvGrpSpPr/>
+        <p:nvPr/>
+      </p:nvGrpSpPr>
+      <p:grpSpPr>
+        <a:xfrm>
+          <a:off x="0" y="0"/>
+          <a:ext cx="0" cy="0"/>
+          <a:chOff x="0" y="0"/>
+          <a:chExt cx="0" cy="0"/>
+        </a:xfrm>
+      </p:grpSpPr>
+      <p:sp>
+        <p:nvSpPr>
+          <p:cNvPr id="2" name="Slide Image Placeholder 1"/>
+          <p:cNvSpPr>
+            <a:spLocks noGrp="1" noRot="1" noChangeAspect="1"/>
+          </p:cNvSpPr>
+          <p:nvPr>
+            <p:ph type="sldImg"/>
+          </p:nvPr>
+        </p:nvSpPr>
+        <p:spPr/>
+      </p:sp>
+      <p:sp>
+        <p:nvSpPr>
+          <p:cNvPr id="3" name="Notes Placeholder 2"/>
+          <p:cNvSpPr>
+            <a:spLocks noGrp="1"/>
+          </p:cNvSpPr>
+          <p:nvPr>
+            <p:ph type="body" idx="1"/>
+          </p:nvPr>
+        </p:nvSpPr>
+        <p:spPr/>
+        <p:txBody>
+          <a:bodyPr/>
+          <a:lstStyle/>
+          <a:p>
+            <a:endParaRPr lang="en-US" dirty="0"/>
+          </a:p>
+        </p:txBody>
+      </p:sp>
+      <p:sp>
+        <p:nvSpPr>
+          <p:cNvPr id="4" name="Slide Number Placeholder 3"/>
+          <p:cNvSpPr>
+            <a:spLocks noGrp="1"/>
+          </p:cNvSpPr>
+          <p:nvPr>
+            <p:ph type="sldNum" sz="quarter" idx="5"/>
+          </p:nvPr>
+        </p:nvSpPr>
+        <p:spPr/>
+        <p:txBody>
+          <a:bodyPr/>
+          <a:lstStyle/>
+          <a:p>
+            <a:fld id="{B2AFC0E1-9A48-4B26-9FCC-0F0ED76BE088}" type="slidenum">
+              <a:rPr lang="en-US" smtClean="0"/>
+              <a:t>27</a:t>
+            </a:fld>
+            <a:endParaRPr lang="en-US"/>
+          </a:p>
+        </p:txBody>
+      </p:sp>
+    </p:spTree>
+    <p:extLst>
+      <p:ext uri="{BB962C8B-B14F-4D97-AF65-F5344CB8AC3E}">
+        <p14:creationId xmlns:p14="http://schemas.microsoft.com/office/powerpoint/2010/main" val="822385432"/>
+      </p:ext>
+    </p:extLst>
+  </p:cSld>
+  <p:clrMapOvr>
+    <a:masterClrMapping/>
+  </p:clrMapOvr>
+</p:notes>
+</file>
+
+<file path=ppt/notesSlides/notesSlide18.xml><?xml version="1.0" encoding="utf-8"?>
+<p:notes xmlns:a="http://schemas.openxmlformats.org/drawingml/2006/main" xmlns:r="http://schemas.openxmlformats.org/officeDocument/2006/relationships" xmlns:p="http://schemas.openxmlformats.org/presentationml/2006/main">
+  <p:cSld>
+    <p:spTree>
+      <p:nvGrpSpPr>
+        <p:cNvPr id="1" name=""/>
+        <p:cNvGrpSpPr/>
+        <p:nvPr/>
+      </p:nvGrpSpPr>
+      <p:grpSpPr>
+        <a:xfrm>
+          <a:off x="0" y="0"/>
+          <a:ext cx="0" cy="0"/>
+          <a:chOff x="0" y="0"/>
+          <a:chExt cx="0" cy="0"/>
+        </a:xfrm>
+      </p:grpSpPr>
+      <p:sp>
+        <p:nvSpPr>
+          <p:cNvPr id="2" name="Slide Image Placeholder 1"/>
+          <p:cNvSpPr>
+            <a:spLocks noGrp="1" noRot="1" noChangeAspect="1"/>
+          </p:cNvSpPr>
+          <p:nvPr>
+            <p:ph type="sldImg"/>
+          </p:nvPr>
+        </p:nvSpPr>
+        <p:spPr/>
+      </p:sp>
+      <p:sp>
+        <p:nvSpPr>
+          <p:cNvPr id="3" name="Notes Placeholder 2"/>
+          <p:cNvSpPr>
+            <a:spLocks noGrp="1"/>
+          </p:cNvSpPr>
+          <p:nvPr>
+            <p:ph type="body" idx="1"/>
+          </p:nvPr>
+        </p:nvSpPr>
+        <p:spPr/>
+        <p:txBody>
+          <a:bodyPr/>
+          <a:lstStyle/>
+          <a:p>
+            <a:r>
+              <a:rPr lang="en-US" dirty="0"/>
+              <a:t>Remember that nullity(A) = 0 means only the zero vectors makes the homogenous linear system Ax = b = 0.  According to the FTOIM, homogenous linear systems can only have the trivial solution x = 0; therefore, nullity must be zero.</a:t>
+            </a:r>
+          </a:p>
+          <a:p>
+            <a:endParaRPr lang="en-US" dirty="0"/>
+          </a:p>
+        </p:txBody>
+      </p:sp>
+      <p:sp>
+        <p:nvSpPr>
+          <p:cNvPr id="4" name="Slide Number Placeholder 3"/>
+          <p:cNvSpPr>
+            <a:spLocks noGrp="1"/>
+          </p:cNvSpPr>
+          <p:nvPr>
+            <p:ph type="sldNum" sz="quarter" idx="5"/>
+          </p:nvPr>
+        </p:nvSpPr>
+        <p:spPr/>
+        <p:txBody>
+          <a:bodyPr/>
+          <a:lstStyle/>
+          <a:p>
+            <a:fld id="{B2AFC0E1-9A48-4B26-9FCC-0F0ED76BE088}" type="slidenum">
+              <a:rPr lang="en-US" smtClean="0"/>
+              <a:t>28</a:t>
+            </a:fld>
+            <a:endParaRPr lang="en-US"/>
+          </a:p>
+        </p:txBody>
+      </p:sp>
+    </p:spTree>
+    <p:extLst>
+      <p:ext uri="{BB962C8B-B14F-4D97-AF65-F5344CB8AC3E}">
+        <p14:creationId xmlns:p14="http://schemas.microsoft.com/office/powerpoint/2010/main" val="1036935033"/>
+      </p:ext>
+    </p:extLst>
+  </p:cSld>
+  <p:clrMapOvr>
+    <a:masterClrMapping/>
+  </p:clrMapOvr>
+</p:notes>
+</file>
+
+<file path=ppt/notesSlides/notesSlide19.xml><?xml version="1.0" encoding="utf-8"?>
+<p:notes xmlns:a="http://schemas.openxmlformats.org/drawingml/2006/main" xmlns:r="http://schemas.openxmlformats.org/officeDocument/2006/relationships" xmlns:p="http://schemas.openxmlformats.org/presentationml/2006/main">
+  <p:cSld>
+    <p:spTree>
+      <p:nvGrpSpPr>
+        <p:cNvPr id="1" name=""/>
+        <p:cNvGrpSpPr/>
+        <p:nvPr/>
+      </p:nvGrpSpPr>
+      <p:grpSpPr>
+        <a:xfrm>
+          <a:off x="0" y="0"/>
+          <a:ext cx="0" cy="0"/>
+          <a:chOff x="0" y="0"/>
+          <a:chExt cx="0" cy="0"/>
+        </a:xfrm>
+      </p:grpSpPr>
+      <p:sp>
+        <p:nvSpPr>
+          <p:cNvPr id="2" name="Slide Image Placeholder 1"/>
+          <p:cNvSpPr>
+            <a:spLocks noGrp="1" noRot="1" noChangeAspect="1"/>
+          </p:cNvSpPr>
+          <p:nvPr>
+            <p:ph type="sldImg"/>
+          </p:nvPr>
+        </p:nvSpPr>
+        <p:spPr/>
+      </p:sp>
+      <p:sp>
+        <p:nvSpPr>
+          <p:cNvPr id="3" name="Notes Placeholder 2"/>
+          <p:cNvSpPr>
+            <a:spLocks noGrp="1"/>
+          </p:cNvSpPr>
+          <p:nvPr>
+            <p:ph type="body" idx="1"/>
+          </p:nvPr>
+        </p:nvSpPr>
+        <p:spPr/>
+        <p:txBody>
+          <a:bodyPr/>
+          <a:lstStyle/>
+          <a:p>
+            <a:r>
+              <a:rPr lang="en-US" dirty="0"/>
+              <a:t>Solving the determinant for lambda to find the eigenvalues of matrix A.</a:t>
+            </a:r>
+          </a:p>
+        </p:txBody>
+      </p:sp>
+      <p:sp>
+        <p:nvSpPr>
+          <p:cNvPr id="4" name="Slide Number Placeholder 3"/>
+          <p:cNvSpPr>
+            <a:spLocks noGrp="1"/>
+          </p:cNvSpPr>
+          <p:nvPr>
+            <p:ph type="sldNum" sz="quarter" idx="5"/>
+          </p:nvPr>
+        </p:nvSpPr>
+        <p:spPr/>
+        <p:txBody>
+          <a:bodyPr/>
+          <a:lstStyle/>
+          <a:p>
+            <a:fld id="{B2AFC0E1-9A48-4B26-9FCC-0F0ED76BE088}" type="slidenum">
+              <a:rPr lang="en-US" smtClean="0"/>
+              <a:t>29</a:t>
+            </a:fld>
+            <a:endParaRPr lang="en-US"/>
+          </a:p>
+        </p:txBody>
+      </p:sp>
+    </p:spTree>
+    <p:extLst>
+      <p:ext uri="{BB962C8B-B14F-4D97-AF65-F5344CB8AC3E}">
+        <p14:creationId xmlns:p14="http://schemas.microsoft.com/office/powerpoint/2010/main" val="674072280"/>
       </p:ext>
     </p:extLst>
   </p:cSld>
@@ -2926,8 +3630,8 @@
         </p:nvSpPr>
         <p:spPr/>
       </p:sp>
-      <mc:AlternateContent xmlns:mc="http://schemas.openxmlformats.org/markup-compatibility/2006">
-        <mc:Choice xmlns:a14="http://schemas.microsoft.com/office/drawing/2010/main" Requires="a14">
+      <mc:AlternateContent xmlns:mc="http://schemas.openxmlformats.org/markup-compatibility/2006" xmlns:a14="http://schemas.microsoft.com/office/drawing/2010/main">
+        <mc:Choice Requires="a14">
           <p:sp>
             <p:nvSpPr>
               <p:cNvPr id="3" name="Notes Placeholder 2"/>
@@ -2989,7 +3693,7 @@
             </p:txBody>
           </p:sp>
         </mc:Choice>
-        <mc:Fallback>
+        <mc:Fallback xmlns="">
           <p:sp>
             <p:nvSpPr>
               <p:cNvPr id="3" name="Notes Placeholder 2"/>
@@ -3085,8 +3789,8 @@
         </p:nvSpPr>
         <p:spPr/>
       </p:sp>
-      <mc:AlternateContent xmlns:mc="http://schemas.openxmlformats.org/markup-compatibility/2006">
-        <mc:Choice xmlns:a14="http://schemas.microsoft.com/office/drawing/2010/main" Requires="a14">
+      <mc:AlternateContent xmlns:mc="http://schemas.openxmlformats.org/markup-compatibility/2006" xmlns:a14="http://schemas.microsoft.com/office/drawing/2010/main">
+        <mc:Choice Requires="a14">
           <p:sp>
             <p:nvSpPr>
               <p:cNvPr id="3" name="Notes Placeholder 2"/>
@@ -3183,7 +3887,7 @@
             </p:txBody>
           </p:sp>
         </mc:Choice>
-        <mc:Fallback>
+        <mc:Fallback xmlns="">
           <p:sp>
             <p:nvSpPr>
               <p:cNvPr id="3" name="Notes Placeholder 2"/>
@@ -3338,16 +4042,10 @@
           <a:bodyPr/>
           <a:lstStyle/>
           <a:p>
-            <a:r>
-              <a:rPr lang="en-US" dirty="0"/>
-              <a:t>Subspace contain every linear combination of nonzero vectors contained in it.</a:t>
-            </a:r>
-          </a:p>
-          <a:p>
-            <a:r>
-              <a:rPr lang="en-US" dirty="0"/>
-              <a:t>Only subspace {0} is finite.</a:t>
-            </a:r>
+            <a:pPr marL="0" indent="0">
+              <a:buNone/>
+            </a:pPr>
+            <a:endParaRPr lang="en-US" dirty="0"/>
           </a:p>
         </p:txBody>
       </p:sp>
@@ -3377,7 +4075,7 @@
     </p:spTree>
     <p:extLst>
       <p:ext uri="{BB962C8B-B14F-4D97-AF65-F5344CB8AC3E}">
-        <p14:creationId xmlns:p14="http://schemas.microsoft.com/office/powerpoint/2010/main" val="3027415795"/>
+        <p14:creationId xmlns:p14="http://schemas.microsoft.com/office/powerpoint/2010/main" val="3071499583"/>
       </p:ext>
     </p:extLst>
   </p:cSld>
@@ -3416,8 +4114,101 @@
         </p:nvSpPr>
         <p:spPr/>
       </p:sp>
-      <mc:AlternateContent xmlns:mc="http://schemas.openxmlformats.org/markup-compatibility/2006">
-        <mc:Choice xmlns:a14="http://schemas.microsoft.com/office/drawing/2010/main" Requires="a14">
+      <p:sp>
+        <p:nvSpPr>
+          <p:cNvPr id="3" name="Notes Placeholder 2"/>
+          <p:cNvSpPr>
+            <a:spLocks noGrp="1"/>
+          </p:cNvSpPr>
+          <p:nvPr>
+            <p:ph type="body" idx="1"/>
+          </p:nvPr>
+        </p:nvSpPr>
+        <p:spPr/>
+        <p:txBody>
+          <a:bodyPr/>
+          <a:lstStyle/>
+          <a:p>
+            <a:r>
+              <a:rPr lang="en-US" dirty="0"/>
+              <a:t>Subspace contain every linear combination of nonzero vectors contained in it.</a:t>
+            </a:r>
+          </a:p>
+          <a:p>
+            <a:r>
+              <a:rPr lang="en-US" dirty="0"/>
+              <a:t>Only subspace {0} is finite.</a:t>
+            </a:r>
+          </a:p>
+        </p:txBody>
+      </p:sp>
+      <p:sp>
+        <p:nvSpPr>
+          <p:cNvPr id="4" name="Slide Number Placeholder 3"/>
+          <p:cNvSpPr>
+            <a:spLocks noGrp="1"/>
+          </p:cNvSpPr>
+          <p:nvPr>
+            <p:ph type="sldNum" sz="quarter" idx="5"/>
+          </p:nvPr>
+        </p:nvSpPr>
+        <p:spPr/>
+        <p:txBody>
+          <a:bodyPr/>
+          <a:lstStyle/>
+          <a:p>
+            <a:fld id="{B2AFC0E1-9A48-4B26-9FCC-0F0ED76BE088}" type="slidenum">
+              <a:rPr lang="en-US" smtClean="0"/>
+              <a:t>6</a:t>
+            </a:fld>
+            <a:endParaRPr lang="en-US"/>
+          </a:p>
+        </p:txBody>
+      </p:sp>
+    </p:spTree>
+    <p:extLst>
+      <p:ext uri="{BB962C8B-B14F-4D97-AF65-F5344CB8AC3E}">
+        <p14:creationId xmlns:p14="http://schemas.microsoft.com/office/powerpoint/2010/main" val="3027415795"/>
+      </p:ext>
+    </p:extLst>
+  </p:cSld>
+  <p:clrMapOvr>
+    <a:masterClrMapping/>
+  </p:clrMapOvr>
+</p:notes>
+</file>
+
+<file path=ppt/notesSlides/notesSlide7.xml><?xml version="1.0" encoding="utf-8"?>
+<p:notes xmlns:a="http://schemas.openxmlformats.org/drawingml/2006/main" xmlns:r="http://schemas.openxmlformats.org/officeDocument/2006/relationships" xmlns:p="http://schemas.openxmlformats.org/presentationml/2006/main">
+  <p:cSld>
+    <p:spTree>
+      <p:nvGrpSpPr>
+        <p:cNvPr id="1" name=""/>
+        <p:cNvGrpSpPr/>
+        <p:nvPr/>
+      </p:nvGrpSpPr>
+      <p:grpSpPr>
+        <a:xfrm>
+          <a:off x="0" y="0"/>
+          <a:ext cx="0" cy="0"/>
+          <a:chOff x="0" y="0"/>
+          <a:chExt cx="0" cy="0"/>
+        </a:xfrm>
+      </p:grpSpPr>
+      <p:sp>
+        <p:nvSpPr>
+          <p:cNvPr id="2" name="Slide Image Placeholder 1"/>
+          <p:cNvSpPr>
+            <a:spLocks noGrp="1" noRot="1" noChangeAspect="1"/>
+          </p:cNvSpPr>
+          <p:nvPr>
+            <p:ph type="sldImg"/>
+          </p:nvPr>
+        </p:nvSpPr>
+        <p:spPr/>
+      </p:sp>
+      <mc:AlternateContent xmlns:mc="http://schemas.openxmlformats.org/markup-compatibility/2006" xmlns:a14="http://schemas.microsoft.com/office/drawing/2010/main">
+        <mc:Choice Requires="a14">
           <p:sp>
             <p:nvSpPr>
               <p:cNvPr id="3" name="Notes Placeholder 2"/>
@@ -3511,7 +4302,7 @@
             </p:txBody>
           </p:sp>
         </mc:Choice>
-        <mc:Fallback>
+        <mc:Fallback xmlns="">
           <p:sp>
             <p:nvSpPr>
               <p:cNvPr id="3" name="Notes Placeholder 2"/>
@@ -3577,7 +4368,7 @@
           <a:p>
             <a:fld id="{B2AFC0E1-9A48-4B26-9FCC-0F0ED76BE088}" type="slidenum">
               <a:rPr lang="en-US" smtClean="0"/>
-              <a:t>6</a:t>
+              <a:t>7</a:t>
             </a:fld>
             <a:endParaRPr lang="en-US"/>
           </a:p>
@@ -3596,7 +4387,7 @@
 </p:notes>
 </file>
 
-<file path=ppt/notesSlides/notesSlide7.xml><?xml version="1.0" encoding="utf-8"?>
+<file path=ppt/notesSlides/notesSlide8.xml><?xml version="1.0" encoding="utf-8"?>
 <p:notes xmlns:a="http://schemas.openxmlformats.org/drawingml/2006/main" xmlns:r="http://schemas.openxmlformats.org/officeDocument/2006/relationships" xmlns:p="http://schemas.openxmlformats.org/presentationml/2006/main">
   <p:cSld>
     <p:spTree>
@@ -3664,7 +4455,7 @@
           <a:p>
             <a:fld id="{B2AFC0E1-9A48-4B26-9FCC-0F0ED76BE088}" type="slidenum">
               <a:rPr lang="en-US" smtClean="0"/>
-              <a:t>7</a:t>
+              <a:t>8</a:t>
             </a:fld>
             <a:endParaRPr lang="en-US"/>
           </a:p>
@@ -3683,7 +4474,7 @@
 </p:notes>
 </file>
 
-<file path=ppt/notesSlides/notesSlide8.xml><?xml version="1.0" encoding="utf-8"?>
+<file path=ppt/notesSlides/notesSlide9.xml><?xml version="1.0" encoding="utf-8"?>
 <p:notes xmlns:a="http://schemas.openxmlformats.org/drawingml/2006/main" xmlns:r="http://schemas.openxmlformats.org/officeDocument/2006/relationships" xmlns:p="http://schemas.openxmlformats.org/presentationml/2006/main">
   <p:cSld>
     <p:spTree>
@@ -3838,7 +4629,7 @@
           <a:p>
             <a:fld id="{B2AFC0E1-9A48-4B26-9FCC-0F0ED76BE088}" type="slidenum">
               <a:rPr lang="en-US" smtClean="0"/>
-              <a:t>8</a:t>
+              <a:t>9</a:t>
             </a:fld>
             <a:endParaRPr lang="en-US"/>
           </a:p>
@@ -3848,93 +4639,6 @@
     <p:extLst>
       <p:ext uri="{BB962C8B-B14F-4D97-AF65-F5344CB8AC3E}">
         <p14:creationId xmlns:p14="http://schemas.microsoft.com/office/powerpoint/2010/main" val="941598719"/>
-      </p:ext>
-    </p:extLst>
-  </p:cSld>
-  <p:clrMapOvr>
-    <a:masterClrMapping/>
-  </p:clrMapOvr>
-</p:notes>
-</file>
-
-<file path=ppt/notesSlides/notesSlide9.xml><?xml version="1.0" encoding="utf-8"?>
-<p:notes xmlns:a="http://schemas.openxmlformats.org/drawingml/2006/main" xmlns:r="http://schemas.openxmlformats.org/officeDocument/2006/relationships" xmlns:p="http://schemas.openxmlformats.org/presentationml/2006/main">
-  <p:cSld>
-    <p:spTree>
-      <p:nvGrpSpPr>
-        <p:cNvPr id="1" name=""/>
-        <p:cNvGrpSpPr/>
-        <p:nvPr/>
-      </p:nvGrpSpPr>
-      <p:grpSpPr>
-        <a:xfrm>
-          <a:off x="0" y="0"/>
-          <a:ext cx="0" cy="0"/>
-          <a:chOff x="0" y="0"/>
-          <a:chExt cx="0" cy="0"/>
-        </a:xfrm>
-      </p:grpSpPr>
-      <p:sp>
-        <p:nvSpPr>
-          <p:cNvPr id="2" name="Slide Image Placeholder 1"/>
-          <p:cNvSpPr>
-            <a:spLocks noGrp="1" noRot="1" noChangeAspect="1"/>
-          </p:cNvSpPr>
-          <p:nvPr>
-            <p:ph type="sldImg"/>
-          </p:nvPr>
-        </p:nvSpPr>
-        <p:spPr/>
-      </p:sp>
-      <p:sp>
-        <p:nvSpPr>
-          <p:cNvPr id="3" name="Notes Placeholder 2"/>
-          <p:cNvSpPr>
-            <a:spLocks noGrp="1"/>
-          </p:cNvSpPr>
-          <p:nvPr>
-            <p:ph type="body" idx="1"/>
-          </p:nvPr>
-        </p:nvSpPr>
-        <p:spPr/>
-        <p:txBody>
-          <a:bodyPr/>
-          <a:lstStyle/>
-          <a:p>
-            <a:r>
-              <a:rPr lang="en-US" dirty="0"/>
-              <a:t>Basically, how find the basis from a set of vectors. Look at the notes if you forgot how to find basis.</a:t>
-            </a:r>
-          </a:p>
-        </p:txBody>
-      </p:sp>
-      <p:sp>
-        <p:nvSpPr>
-          <p:cNvPr id="4" name="Slide Number Placeholder 3"/>
-          <p:cNvSpPr>
-            <a:spLocks noGrp="1"/>
-          </p:cNvSpPr>
-          <p:nvPr>
-            <p:ph type="sldNum" sz="quarter" idx="5"/>
-          </p:nvPr>
-        </p:nvSpPr>
-        <p:spPr/>
-        <p:txBody>
-          <a:bodyPr/>
-          <a:lstStyle/>
-          <a:p>
-            <a:fld id="{B2AFC0E1-9A48-4B26-9FCC-0F0ED76BE088}" type="slidenum">
-              <a:rPr lang="en-US" smtClean="0"/>
-              <a:t>9</a:t>
-            </a:fld>
-            <a:endParaRPr lang="en-US"/>
-          </a:p>
-        </p:txBody>
-      </p:sp>
-    </p:spTree>
-    <p:extLst>
-      <p:ext uri="{BB962C8B-B14F-4D97-AF65-F5344CB8AC3E}">
-        <p14:creationId xmlns:p14="http://schemas.microsoft.com/office/powerpoint/2010/main" val="3690950850"/>
       </p:ext>
     </p:extLst>
   </p:cSld>
@@ -4091,7 +4795,7 @@
           <a:p>
             <a:fld id="{C868AB9E-4FA6-4C7D-A415-A317424E55FE}" type="datetimeFigureOut">
               <a:rPr lang="en-US" smtClean="0"/>
-              <a:t>3/19/2021</a:t>
+              <a:t>3/21/2021</a:t>
             </a:fld>
             <a:endParaRPr lang="en-US"/>
           </a:p>
@@ -4289,7 +4993,7 @@
           <a:p>
             <a:fld id="{C868AB9E-4FA6-4C7D-A415-A317424E55FE}" type="datetimeFigureOut">
               <a:rPr lang="en-US" smtClean="0"/>
-              <a:t>3/19/2021</a:t>
+              <a:t>3/21/2021</a:t>
             </a:fld>
             <a:endParaRPr lang="en-US"/>
           </a:p>
@@ -4497,7 +5201,7 @@
           <a:p>
             <a:fld id="{C868AB9E-4FA6-4C7D-A415-A317424E55FE}" type="datetimeFigureOut">
               <a:rPr lang="en-US" smtClean="0"/>
-              <a:t>3/19/2021</a:t>
+              <a:t>3/21/2021</a:t>
             </a:fld>
             <a:endParaRPr lang="en-US"/>
           </a:p>
@@ -4695,7 +5399,7 @@
           <a:p>
             <a:fld id="{C868AB9E-4FA6-4C7D-A415-A317424E55FE}" type="datetimeFigureOut">
               <a:rPr lang="en-US" smtClean="0"/>
-              <a:t>3/19/2021</a:t>
+              <a:t>3/21/2021</a:t>
             </a:fld>
             <a:endParaRPr lang="en-US"/>
           </a:p>
@@ -4970,7 +5674,7 @@
           <a:p>
             <a:fld id="{C868AB9E-4FA6-4C7D-A415-A317424E55FE}" type="datetimeFigureOut">
               <a:rPr lang="en-US" smtClean="0"/>
-              <a:t>3/19/2021</a:t>
+              <a:t>3/21/2021</a:t>
             </a:fld>
             <a:endParaRPr lang="en-US"/>
           </a:p>
@@ -5235,7 +5939,7 @@
           <a:p>
             <a:fld id="{C868AB9E-4FA6-4C7D-A415-A317424E55FE}" type="datetimeFigureOut">
               <a:rPr lang="en-US" smtClean="0"/>
-              <a:t>3/19/2021</a:t>
+              <a:t>3/21/2021</a:t>
             </a:fld>
             <a:endParaRPr lang="en-US"/>
           </a:p>
@@ -5647,7 +6351,7 @@
           <a:p>
             <a:fld id="{C868AB9E-4FA6-4C7D-A415-A317424E55FE}" type="datetimeFigureOut">
               <a:rPr lang="en-US" smtClean="0"/>
-              <a:t>3/19/2021</a:t>
+              <a:t>3/21/2021</a:t>
             </a:fld>
             <a:endParaRPr lang="en-US"/>
           </a:p>
@@ -5788,7 +6492,7 @@
           <a:p>
             <a:fld id="{C868AB9E-4FA6-4C7D-A415-A317424E55FE}" type="datetimeFigureOut">
               <a:rPr lang="en-US" smtClean="0"/>
-              <a:t>3/19/2021</a:t>
+              <a:t>3/21/2021</a:t>
             </a:fld>
             <a:endParaRPr lang="en-US"/>
           </a:p>
@@ -5901,7 +6605,7 @@
           <a:p>
             <a:fld id="{C868AB9E-4FA6-4C7D-A415-A317424E55FE}" type="datetimeFigureOut">
               <a:rPr lang="en-US" smtClean="0"/>
-              <a:t>3/19/2021</a:t>
+              <a:t>3/21/2021</a:t>
             </a:fld>
             <a:endParaRPr lang="en-US"/>
           </a:p>
@@ -6212,7 +6916,7 @@
           <a:p>
             <a:fld id="{C868AB9E-4FA6-4C7D-A415-A317424E55FE}" type="datetimeFigureOut">
               <a:rPr lang="en-US" smtClean="0"/>
-              <a:t>3/19/2021</a:t>
+              <a:t>3/21/2021</a:t>
             </a:fld>
             <a:endParaRPr lang="en-US"/>
           </a:p>
@@ -6500,7 +7204,7 @@
           <a:p>
             <a:fld id="{C868AB9E-4FA6-4C7D-A415-A317424E55FE}" type="datetimeFigureOut">
               <a:rPr lang="en-US" smtClean="0"/>
-              <a:t>3/19/2021</a:t>
+              <a:t>3/21/2021</a:t>
             </a:fld>
             <a:endParaRPr lang="en-US"/>
           </a:p>
@@ -6741,7 +7445,7 @@
           <a:p>
             <a:fld id="{C868AB9E-4FA6-4C7D-A415-A317424E55FE}" type="datetimeFigureOut">
               <a:rPr lang="en-US" smtClean="0"/>
-              <a:t>3/19/2021</a:t>
+              <a:t>3/21/2021</a:t>
             </a:fld>
             <a:endParaRPr lang="en-US"/>
           </a:p>
@@ -7530,7 +8234,7 @@
           <p:cNvPr id="4" name="Picture 3">
             <a:extLst>
               <a:ext uri="{FF2B5EF4-FFF2-40B4-BE49-F238E27FC236}">
-                <a16:creationId xmlns:a16="http://schemas.microsoft.com/office/drawing/2014/main" id="{CE85D1CA-0826-41CB-B764-F19E73A83405}"/>
+                <a16:creationId xmlns:a16="http://schemas.microsoft.com/office/drawing/2014/main" id="{ACDE7D8F-DD79-4F4C-82AB-014479EFBA39}"/>
               </a:ext>
             </a:extLst>
           </p:cNvPr>
@@ -7547,8 +8251,8 @@
         </p:blipFill>
         <p:spPr>
           <a:xfrm>
-            <a:off x="1289303" y="1144426"/>
-            <a:ext cx="9613397" cy="2163015"/>
+            <a:off x="1289303" y="1119116"/>
+            <a:ext cx="6972078" cy="2213635"/>
           </a:xfrm>
           <a:prstGeom prst="rect">
             <a:avLst/>
@@ -7689,7 +8393,7 @@
           <p:cNvPr id="2" name="Title 1">
             <a:extLst>
               <a:ext uri="{FF2B5EF4-FFF2-40B4-BE49-F238E27FC236}">
-                <a16:creationId xmlns:a16="http://schemas.microsoft.com/office/drawing/2014/main" id="{D933ABDB-25D1-4D48-9320-2E0F5EDEB8C3}"/>
+                <a16:creationId xmlns:a16="http://schemas.microsoft.com/office/drawing/2014/main" id="{D8507F17-F0EF-4A6C-BA74-C85C4CBC339B}"/>
               </a:ext>
             </a:extLst>
           </p:cNvPr>
@@ -7721,7 +8425,7 @@
                 <a:ea typeface="+mj-ea"/>
                 <a:cs typeface="+mj-cs"/>
               </a:rPr>
-              <a:t>Reduction Corollary</a:t>
+              <a:t>Reduction Algorithm</a:t>
             </a:r>
           </a:p>
         </p:txBody>
@@ -7729,7 +8433,7 @@
     </p:spTree>
     <p:extLst>
       <p:ext uri="{BB962C8B-B14F-4D97-AF65-F5344CB8AC3E}">
-        <p14:creationId xmlns:p14="http://schemas.microsoft.com/office/powerpoint/2010/main" val="2795545218"/>
+        <p14:creationId xmlns:p14="http://schemas.microsoft.com/office/powerpoint/2010/main" val="1496410469"/>
       </p:ext>
     </p:extLst>
   </p:cSld>
@@ -7829,7 +8533,7 @@
           <p:cNvPr id="4" name="Picture 3">
             <a:extLst>
               <a:ext uri="{FF2B5EF4-FFF2-40B4-BE49-F238E27FC236}">
-                <a16:creationId xmlns:a16="http://schemas.microsoft.com/office/drawing/2014/main" id="{7BE8B9A2-7626-4F19-9B8F-153391264AF2}"/>
+                <a16:creationId xmlns:a16="http://schemas.microsoft.com/office/drawing/2014/main" id="{CE85D1CA-0826-41CB-B764-F19E73A83405}"/>
               </a:ext>
             </a:extLst>
           </p:cNvPr>
@@ -7988,7 +8692,7 @@
           <p:cNvPr id="2" name="Title 1">
             <a:extLst>
               <a:ext uri="{FF2B5EF4-FFF2-40B4-BE49-F238E27FC236}">
-                <a16:creationId xmlns:a16="http://schemas.microsoft.com/office/drawing/2014/main" id="{CBBE04A7-E9E6-4DCF-B773-BEF8A032D92E}"/>
+                <a16:creationId xmlns:a16="http://schemas.microsoft.com/office/drawing/2014/main" id="{D933ABDB-25D1-4D48-9320-2E0F5EDEB8C3}"/>
               </a:ext>
             </a:extLst>
           </p:cNvPr>
@@ -8020,7 +8724,7 @@
                 <a:ea typeface="+mj-ea"/>
                 <a:cs typeface="+mj-cs"/>
               </a:rPr>
-              <a:t>Extension Corollary</a:t>
+              <a:t>Reduction Corollary</a:t>
             </a:r>
           </a:p>
         </p:txBody>
@@ -8028,7 +8732,7 @@
     </p:spTree>
     <p:extLst>
       <p:ext uri="{BB962C8B-B14F-4D97-AF65-F5344CB8AC3E}">
-        <p14:creationId xmlns:p14="http://schemas.microsoft.com/office/powerpoint/2010/main" val="873162044"/>
+        <p14:creationId xmlns:p14="http://schemas.microsoft.com/office/powerpoint/2010/main" val="2795545218"/>
       </p:ext>
     </p:extLst>
   </p:cSld>
@@ -8128,7 +8832,7 @@
           <p:cNvPr id="4" name="Picture 3">
             <a:extLst>
               <a:ext uri="{FF2B5EF4-FFF2-40B4-BE49-F238E27FC236}">
-                <a16:creationId xmlns:a16="http://schemas.microsoft.com/office/drawing/2014/main" id="{B522859C-8734-4E6D-9355-E76FDCCC31DB}"/>
+                <a16:creationId xmlns:a16="http://schemas.microsoft.com/office/drawing/2014/main" id="{7BE8B9A2-7626-4F19-9B8F-153391264AF2}"/>
               </a:ext>
             </a:extLst>
           </p:cNvPr>
@@ -8145,8 +8849,8 @@
         </p:blipFill>
         <p:spPr>
           <a:xfrm>
-            <a:off x="1289303" y="1336695"/>
-            <a:ext cx="9613397" cy="1778477"/>
+            <a:off x="1289303" y="1144426"/>
+            <a:ext cx="9613397" cy="2163015"/>
           </a:xfrm>
           <a:prstGeom prst="rect">
             <a:avLst/>
@@ -8287,7 +8991,7 @@
           <p:cNvPr id="2" name="Title 1">
             <a:extLst>
               <a:ext uri="{FF2B5EF4-FFF2-40B4-BE49-F238E27FC236}">
-                <a16:creationId xmlns:a16="http://schemas.microsoft.com/office/drawing/2014/main" id="{905BD345-A718-4308-821A-8A397FD97143}"/>
+                <a16:creationId xmlns:a16="http://schemas.microsoft.com/office/drawing/2014/main" id="{CBBE04A7-E9E6-4DCF-B773-BEF8A032D92E}"/>
               </a:ext>
             </a:extLst>
           </p:cNvPr>
@@ -8319,7 +9023,7 @@
                 <a:ea typeface="+mj-ea"/>
                 <a:cs typeface="+mj-cs"/>
               </a:rPr>
-              <a:t>Subspace Properties</a:t>
+              <a:t>Extension Corollary</a:t>
             </a:r>
           </a:p>
         </p:txBody>
@@ -8327,7 +9031,7 @@
     </p:spTree>
     <p:extLst>
       <p:ext uri="{BB962C8B-B14F-4D97-AF65-F5344CB8AC3E}">
-        <p14:creationId xmlns:p14="http://schemas.microsoft.com/office/powerpoint/2010/main" val="456529095"/>
+        <p14:creationId xmlns:p14="http://schemas.microsoft.com/office/powerpoint/2010/main" val="873162044"/>
       </p:ext>
     </p:extLst>
   </p:cSld>
@@ -8427,7 +9131,7 @@
           <p:cNvPr id="4" name="Picture 3">
             <a:extLst>
               <a:ext uri="{FF2B5EF4-FFF2-40B4-BE49-F238E27FC236}">
-                <a16:creationId xmlns:a16="http://schemas.microsoft.com/office/drawing/2014/main" id="{F4AFAF6A-1497-4C3B-B030-18292727D1EC}"/>
+                <a16:creationId xmlns:a16="http://schemas.microsoft.com/office/drawing/2014/main" id="{B522859C-8734-4E6D-9355-E76FDCCC31DB}"/>
               </a:ext>
             </a:extLst>
           </p:cNvPr>
@@ -8444,8 +9148,8 @@
         </p:blipFill>
         <p:spPr>
           <a:xfrm>
-            <a:off x="1289303" y="1552996"/>
-            <a:ext cx="9613397" cy="1345874"/>
+            <a:off x="1289303" y="1336695"/>
+            <a:ext cx="9613397" cy="1778477"/>
           </a:xfrm>
           <a:prstGeom prst="rect">
             <a:avLst/>
@@ -8586,7 +9290,7 @@
           <p:cNvPr id="2" name="Title 1">
             <a:extLst>
               <a:ext uri="{FF2B5EF4-FFF2-40B4-BE49-F238E27FC236}">
-                <a16:creationId xmlns:a16="http://schemas.microsoft.com/office/drawing/2014/main" id="{53198689-4904-4F94-BE17-CF8C682A2A50}"/>
+                <a16:creationId xmlns:a16="http://schemas.microsoft.com/office/drawing/2014/main" id="{905BD345-A718-4308-821A-8A397FD97143}"/>
               </a:ext>
             </a:extLst>
           </p:cNvPr>
@@ -8610,7 +9314,7 @@
           <a:lstStyle/>
           <a:p>
             <a:r>
-              <a:rPr lang="en-US" sz="6200" kern="1200">
+              <a:rPr lang="en-US" sz="8000" kern="1200">
                 <a:solidFill>
                   <a:schemeClr val="tx1"/>
                 </a:solidFill>
@@ -8618,7 +9322,7 @@
                 <a:ea typeface="+mj-ea"/>
                 <a:cs typeface="+mj-cs"/>
               </a:rPr>
-              <a:t>Rank &amp; Column Dimension</a:t>
+              <a:t>Subspace Properties</a:t>
             </a:r>
           </a:p>
         </p:txBody>
@@ -8626,7 +9330,7 @@
     </p:spTree>
     <p:extLst>
       <p:ext uri="{BB962C8B-B14F-4D97-AF65-F5344CB8AC3E}">
-        <p14:creationId xmlns:p14="http://schemas.microsoft.com/office/powerpoint/2010/main" val="770335875"/>
+        <p14:creationId xmlns:p14="http://schemas.microsoft.com/office/powerpoint/2010/main" val="456529095"/>
       </p:ext>
     </p:extLst>
   </p:cSld>
@@ -8721,6 +9425,36 @@
           </a:p>
         </p:txBody>
       </p:sp>
+      <p:pic>
+        <p:nvPicPr>
+          <p:cNvPr id="4" name="Picture 3">
+            <a:extLst>
+              <a:ext uri="{FF2B5EF4-FFF2-40B4-BE49-F238E27FC236}">
+                <a16:creationId xmlns:a16="http://schemas.microsoft.com/office/drawing/2014/main" id="{F4AFAF6A-1497-4C3B-B030-18292727D1EC}"/>
+              </a:ext>
+            </a:extLst>
+          </p:cNvPr>
+          <p:cNvPicPr>
+            <a:picLocks noChangeAspect="1"/>
+          </p:cNvPicPr>
+          <p:nvPr/>
+        </p:nvPicPr>
+        <p:blipFill>
+          <a:blip r:embed="rId3"/>
+          <a:stretch>
+            <a:fillRect/>
+          </a:stretch>
+        </p:blipFill>
+        <p:spPr>
+          <a:xfrm>
+            <a:off x="1289303" y="1552996"/>
+            <a:ext cx="9613397" cy="1345874"/>
+          </a:xfrm>
+          <a:prstGeom prst="rect">
+            <a:avLst/>
+          </a:prstGeom>
+        </p:spPr>
+      </p:pic>
       <p:sp>
         <p:nvSpPr>
           <p:cNvPr id="11" name="Right Triangle 10">
@@ -8879,7 +9613,7 @@
           <a:lstStyle/>
           <a:p>
             <a:r>
-              <a:rPr lang="en-US" sz="6200" kern="1200" dirty="0">
+              <a:rPr lang="en-US" sz="6200" kern="1200">
                 <a:solidFill>
                   <a:schemeClr val="tx1"/>
                 </a:solidFill>
@@ -8887,45 +9621,15 @@
                 <a:ea typeface="+mj-ea"/>
                 <a:cs typeface="+mj-cs"/>
               </a:rPr>
-              <a:t>Null and Subspace</a:t>
+              <a:t>Rank &amp; Column Dimension</a:t>
             </a:r>
           </a:p>
         </p:txBody>
       </p:sp>
-      <p:pic>
-        <p:nvPicPr>
-          <p:cNvPr id="5" name="Picture 4">
-            <a:extLst>
-              <a:ext uri="{FF2B5EF4-FFF2-40B4-BE49-F238E27FC236}">
-                <a16:creationId xmlns:a16="http://schemas.microsoft.com/office/drawing/2014/main" id="{1483740A-C689-4018-81DC-C339F338AC20}"/>
-              </a:ext>
-            </a:extLst>
-          </p:cNvPr>
-          <p:cNvPicPr>
-            <a:picLocks noChangeAspect="1"/>
-          </p:cNvPicPr>
-          <p:nvPr/>
-        </p:nvPicPr>
-        <p:blipFill>
-          <a:blip r:embed="rId3"/>
-          <a:stretch>
-            <a:fillRect/>
-          </a:stretch>
-        </p:blipFill>
-        <p:spPr>
-          <a:xfrm>
-            <a:off x="1736612" y="2044873"/>
-            <a:ext cx="8715375" cy="590550"/>
-          </a:xfrm>
-          <a:prstGeom prst="rect">
-            <a:avLst/>
-          </a:prstGeom>
-        </p:spPr>
-      </p:pic>
     </p:spTree>
     <p:extLst>
       <p:ext uri="{BB962C8B-B14F-4D97-AF65-F5344CB8AC3E}">
-        <p14:creationId xmlns:p14="http://schemas.microsoft.com/office/powerpoint/2010/main" val="2220551215"/>
+        <p14:creationId xmlns:p14="http://schemas.microsoft.com/office/powerpoint/2010/main" val="770335875"/>
       </p:ext>
     </p:extLst>
   </p:cSld>
@@ -9020,36 +9724,6 @@
           </a:p>
         </p:txBody>
       </p:sp>
-      <p:pic>
-        <p:nvPicPr>
-          <p:cNvPr id="4" name="Picture 3">
-            <a:extLst>
-              <a:ext uri="{FF2B5EF4-FFF2-40B4-BE49-F238E27FC236}">
-                <a16:creationId xmlns:a16="http://schemas.microsoft.com/office/drawing/2014/main" id="{06BD9B59-5BCA-4A20-B938-99C0CCB7A0BA}"/>
-              </a:ext>
-            </a:extLst>
-          </p:cNvPr>
-          <p:cNvPicPr>
-            <a:picLocks noChangeAspect="1"/>
-          </p:cNvPicPr>
-          <p:nvPr/>
-        </p:nvPicPr>
-        <p:blipFill>
-          <a:blip r:embed="rId2"/>
-          <a:stretch>
-            <a:fillRect/>
-          </a:stretch>
-        </p:blipFill>
-        <p:spPr>
-          <a:xfrm>
-            <a:off x="1289303" y="1552996"/>
-            <a:ext cx="9613397" cy="1345874"/>
-          </a:xfrm>
-          <a:prstGeom prst="rect">
-            <a:avLst/>
-          </a:prstGeom>
-        </p:spPr>
-      </p:pic>
       <p:sp>
         <p:nvSpPr>
           <p:cNvPr id="11" name="Right Triangle 10">
@@ -9184,7 +9858,7 @@
           <p:cNvPr id="2" name="Title 1">
             <a:extLst>
               <a:ext uri="{FF2B5EF4-FFF2-40B4-BE49-F238E27FC236}">
-                <a16:creationId xmlns:a16="http://schemas.microsoft.com/office/drawing/2014/main" id="{87E36A2C-F8A6-487C-AF08-4C602521E1CB}"/>
+                <a16:creationId xmlns:a16="http://schemas.microsoft.com/office/drawing/2014/main" id="{53198689-4904-4F94-BE17-CF8C682A2A50}"/>
               </a:ext>
             </a:extLst>
           </p:cNvPr>
@@ -9208,7 +9882,7 @@
           <a:lstStyle/>
           <a:p>
             <a:r>
-              <a:rPr lang="en-US" sz="7400" kern="1200">
+              <a:rPr lang="en-US" sz="6200" kern="1200" dirty="0">
                 <a:solidFill>
                   <a:schemeClr val="tx1"/>
                 </a:solidFill>
@@ -9216,15 +9890,45 @@
                 <a:ea typeface="+mj-ea"/>
                 <a:cs typeface="+mj-cs"/>
               </a:rPr>
-              <a:t>Rank Nullity Theorem</a:t>
+              <a:t>Null and Subspace</a:t>
             </a:r>
           </a:p>
         </p:txBody>
       </p:sp>
+      <p:pic>
+        <p:nvPicPr>
+          <p:cNvPr id="5" name="Picture 4">
+            <a:extLst>
+              <a:ext uri="{FF2B5EF4-FFF2-40B4-BE49-F238E27FC236}">
+                <a16:creationId xmlns:a16="http://schemas.microsoft.com/office/drawing/2014/main" id="{1483740A-C689-4018-81DC-C339F338AC20}"/>
+              </a:ext>
+            </a:extLst>
+          </p:cNvPr>
+          <p:cNvPicPr>
+            <a:picLocks noChangeAspect="1"/>
+          </p:cNvPicPr>
+          <p:nvPr/>
+        </p:nvPicPr>
+        <p:blipFill>
+          <a:blip r:embed="rId3"/>
+          <a:stretch>
+            <a:fillRect/>
+          </a:stretch>
+        </p:blipFill>
+        <p:spPr>
+          <a:xfrm>
+            <a:off x="1736612" y="2044873"/>
+            <a:ext cx="8715375" cy="590550"/>
+          </a:xfrm>
+          <a:prstGeom prst="rect">
+            <a:avLst/>
+          </a:prstGeom>
+        </p:spPr>
+      </p:pic>
     </p:spTree>
     <p:extLst>
       <p:ext uri="{BB962C8B-B14F-4D97-AF65-F5344CB8AC3E}">
-        <p14:creationId xmlns:p14="http://schemas.microsoft.com/office/powerpoint/2010/main" val="845806760"/>
+        <p14:creationId xmlns:p14="http://schemas.microsoft.com/office/powerpoint/2010/main" val="2220551215"/>
       </p:ext>
     </p:extLst>
   </p:cSld>
@@ -9324,7 +10028,7 @@
           <p:cNvPr id="4" name="Picture 3">
             <a:extLst>
               <a:ext uri="{FF2B5EF4-FFF2-40B4-BE49-F238E27FC236}">
-                <a16:creationId xmlns:a16="http://schemas.microsoft.com/office/drawing/2014/main" id="{54D0DB54-31E9-4DF0-BED7-4366A0A93A06}"/>
+                <a16:creationId xmlns:a16="http://schemas.microsoft.com/office/drawing/2014/main" id="{06BD9B59-5BCA-4A20-B938-99C0CCB7A0BA}"/>
               </a:ext>
             </a:extLst>
           </p:cNvPr>
@@ -9341,8 +10045,8 @@
         </p:blipFill>
         <p:spPr>
           <a:xfrm>
-            <a:off x="1289303" y="1589047"/>
-            <a:ext cx="9613397" cy="1273773"/>
+            <a:off x="1289303" y="1552996"/>
+            <a:ext cx="9613397" cy="1345874"/>
           </a:xfrm>
           <a:prstGeom prst="rect">
             <a:avLst/>
@@ -9483,7 +10187,7 @@
           <p:cNvPr id="2" name="Title 1">
             <a:extLst>
               <a:ext uri="{FF2B5EF4-FFF2-40B4-BE49-F238E27FC236}">
-                <a16:creationId xmlns:a16="http://schemas.microsoft.com/office/drawing/2014/main" id="{62F6FF29-B927-4B81-BB79-EBC67A98BBCE}"/>
+                <a16:creationId xmlns:a16="http://schemas.microsoft.com/office/drawing/2014/main" id="{87E36A2C-F8A6-487C-AF08-4C602521E1CB}"/>
               </a:ext>
             </a:extLst>
           </p:cNvPr>
@@ -9496,7 +10200,7 @@
         </p:nvSpPr>
         <p:spPr>
           <a:xfrm>
-            <a:off x="1289303" y="3608124"/>
+            <a:off x="1289304" y="3429000"/>
             <a:ext cx="8921672" cy="1713305"/>
           </a:xfrm>
         </p:spPr>
@@ -9507,7 +10211,7 @@
           <a:lstStyle/>
           <a:p>
             <a:r>
-              <a:rPr lang="en-US" sz="8000" kern="1200" dirty="0">
+              <a:rPr lang="en-US" sz="7400" kern="1200">
                 <a:solidFill>
                   <a:schemeClr val="tx1"/>
                 </a:solidFill>
@@ -9515,75 +10219,15 @@
                 <a:ea typeface="+mj-ea"/>
                 <a:cs typeface="+mj-cs"/>
               </a:rPr>
-              <a:t>Row Equivalent Rank</a:t>
+              <a:t>Rank Nullity Theorem</a:t>
             </a:r>
           </a:p>
         </p:txBody>
       </p:sp>
-      <p:pic>
-        <p:nvPicPr>
-          <p:cNvPr id="6" name="Picture 5">
-            <a:extLst>
-              <a:ext uri="{FF2B5EF4-FFF2-40B4-BE49-F238E27FC236}">
-                <a16:creationId xmlns:a16="http://schemas.microsoft.com/office/drawing/2014/main" id="{B09B94B1-C64D-4FCC-9696-0BDE2A832080}"/>
-              </a:ext>
-            </a:extLst>
-          </p:cNvPr>
-          <p:cNvPicPr>
-            <a:picLocks noChangeAspect="1"/>
-          </p:cNvPicPr>
-          <p:nvPr/>
-        </p:nvPicPr>
-        <p:blipFill>
-          <a:blip r:embed="rId3"/>
-          <a:stretch>
-            <a:fillRect/>
-          </a:stretch>
-        </p:blipFill>
-        <p:spPr>
-          <a:xfrm>
-            <a:off x="1456592" y="2755413"/>
-            <a:ext cx="8839200" cy="723900"/>
-          </a:xfrm>
-          <a:prstGeom prst="rect">
-            <a:avLst/>
-          </a:prstGeom>
-        </p:spPr>
-      </p:pic>
-      <p:pic>
-        <p:nvPicPr>
-          <p:cNvPr id="8" name="Picture 7">
-            <a:extLst>
-              <a:ext uri="{FF2B5EF4-FFF2-40B4-BE49-F238E27FC236}">
-                <a16:creationId xmlns:a16="http://schemas.microsoft.com/office/drawing/2014/main" id="{036AFBDB-FE06-476A-A832-F04DC7276004}"/>
-              </a:ext>
-            </a:extLst>
-          </p:cNvPr>
-          <p:cNvPicPr>
-            <a:picLocks noChangeAspect="1"/>
-          </p:cNvPicPr>
-          <p:nvPr/>
-        </p:nvPicPr>
-        <p:blipFill>
-          <a:blip r:embed="rId4"/>
-          <a:stretch>
-            <a:fillRect/>
-          </a:stretch>
-        </p:blipFill>
-        <p:spPr>
-          <a:xfrm>
-            <a:off x="1456592" y="3360780"/>
-            <a:ext cx="8915400" cy="790575"/>
-          </a:xfrm>
-          <a:prstGeom prst="rect">
-            <a:avLst/>
-          </a:prstGeom>
-        </p:spPr>
-      </p:pic>
     </p:spTree>
     <p:extLst>
       <p:ext uri="{BB962C8B-B14F-4D97-AF65-F5344CB8AC3E}">
-        <p14:creationId xmlns:p14="http://schemas.microsoft.com/office/powerpoint/2010/main" val="3451654432"/>
+        <p14:creationId xmlns:p14="http://schemas.microsoft.com/office/powerpoint/2010/main" val="845806760"/>
       </p:ext>
     </p:extLst>
   </p:cSld>
@@ -9683,7 +10327,7 @@
           <p:cNvPr id="4" name="Picture 3">
             <a:extLst>
               <a:ext uri="{FF2B5EF4-FFF2-40B4-BE49-F238E27FC236}">
-                <a16:creationId xmlns:a16="http://schemas.microsoft.com/office/drawing/2014/main" id="{324EEEDC-E83B-442C-AF4F-A2684BECF8C1}"/>
+                <a16:creationId xmlns:a16="http://schemas.microsoft.com/office/drawing/2014/main" id="{54D0DB54-31E9-4DF0-BED7-4366A0A93A06}"/>
               </a:ext>
             </a:extLst>
           </p:cNvPr>
@@ -9700,8 +10344,8 @@
         </p:blipFill>
         <p:spPr>
           <a:xfrm>
-            <a:off x="1289303" y="1613079"/>
-            <a:ext cx="9613397" cy="1225708"/>
+            <a:off x="1289303" y="1589047"/>
+            <a:ext cx="9613397" cy="1273773"/>
           </a:xfrm>
           <a:prstGeom prst="rect">
             <a:avLst/>
@@ -9842,7 +10486,7 @@
           <p:cNvPr id="2" name="Title 1">
             <a:extLst>
               <a:ext uri="{FF2B5EF4-FFF2-40B4-BE49-F238E27FC236}">
-                <a16:creationId xmlns:a16="http://schemas.microsoft.com/office/drawing/2014/main" id="{D3AB2CBD-2410-413B-B053-FE09DE09C5F3}"/>
+                <a16:creationId xmlns:a16="http://schemas.microsoft.com/office/drawing/2014/main" id="{62F6FF29-B927-4B81-BB79-EBC67A98BBCE}"/>
               </a:ext>
             </a:extLst>
           </p:cNvPr>
@@ -9855,7 +10499,7 @@
         </p:nvSpPr>
         <p:spPr>
           <a:xfrm>
-            <a:off x="1289304" y="3429000"/>
+            <a:off x="1289303" y="3608124"/>
             <a:ext cx="8921672" cy="1713305"/>
           </a:xfrm>
         </p:spPr>
@@ -9866,7 +10510,7 @@
           <a:lstStyle/>
           <a:p>
             <a:r>
-              <a:rPr lang="en-US" sz="6800" kern="1200">
+              <a:rPr lang="en-US" sz="8000" kern="1200" dirty="0">
                 <a:solidFill>
                   <a:schemeClr val="tx1"/>
                 </a:solidFill>
@@ -9874,15 +10518,75 @@
                 <a:ea typeface="+mj-ea"/>
                 <a:cs typeface="+mj-cs"/>
               </a:rPr>
-              <a:t>Rank vs Rank Transpose</a:t>
+              <a:t>Row Equivalent Rank</a:t>
             </a:r>
           </a:p>
         </p:txBody>
       </p:sp>
+      <p:pic>
+        <p:nvPicPr>
+          <p:cNvPr id="6" name="Picture 5">
+            <a:extLst>
+              <a:ext uri="{FF2B5EF4-FFF2-40B4-BE49-F238E27FC236}">
+                <a16:creationId xmlns:a16="http://schemas.microsoft.com/office/drawing/2014/main" id="{B09B94B1-C64D-4FCC-9696-0BDE2A832080}"/>
+              </a:ext>
+            </a:extLst>
+          </p:cNvPr>
+          <p:cNvPicPr>
+            <a:picLocks noChangeAspect="1"/>
+          </p:cNvPicPr>
+          <p:nvPr/>
+        </p:nvPicPr>
+        <p:blipFill>
+          <a:blip r:embed="rId3"/>
+          <a:stretch>
+            <a:fillRect/>
+          </a:stretch>
+        </p:blipFill>
+        <p:spPr>
+          <a:xfrm>
+            <a:off x="1456592" y="2755413"/>
+            <a:ext cx="8839200" cy="723900"/>
+          </a:xfrm>
+          <a:prstGeom prst="rect">
+            <a:avLst/>
+          </a:prstGeom>
+        </p:spPr>
+      </p:pic>
+      <p:pic>
+        <p:nvPicPr>
+          <p:cNvPr id="8" name="Picture 7">
+            <a:extLst>
+              <a:ext uri="{FF2B5EF4-FFF2-40B4-BE49-F238E27FC236}">
+                <a16:creationId xmlns:a16="http://schemas.microsoft.com/office/drawing/2014/main" id="{036AFBDB-FE06-476A-A832-F04DC7276004}"/>
+              </a:ext>
+            </a:extLst>
+          </p:cNvPr>
+          <p:cNvPicPr>
+            <a:picLocks noChangeAspect="1"/>
+          </p:cNvPicPr>
+          <p:nvPr/>
+        </p:nvPicPr>
+        <p:blipFill>
+          <a:blip r:embed="rId4"/>
+          <a:stretch>
+            <a:fillRect/>
+          </a:stretch>
+        </p:blipFill>
+        <p:spPr>
+          <a:xfrm>
+            <a:off x="1456592" y="3360780"/>
+            <a:ext cx="8915400" cy="790575"/>
+          </a:xfrm>
+          <a:prstGeom prst="rect">
+            <a:avLst/>
+          </a:prstGeom>
+        </p:spPr>
+      </p:pic>
     </p:spTree>
     <p:extLst>
       <p:ext uri="{BB962C8B-B14F-4D97-AF65-F5344CB8AC3E}">
-        <p14:creationId xmlns:p14="http://schemas.microsoft.com/office/powerpoint/2010/main" val="2079620567"/>
+        <p14:creationId xmlns:p14="http://schemas.microsoft.com/office/powerpoint/2010/main" val="3451654432"/>
       </p:ext>
     </p:extLst>
   </p:cSld>
@@ -9922,7 +10626,7 @@
           <p:cNvPr id="9" name="Rectangle 8">
             <a:extLst>
               <a:ext uri="{FF2B5EF4-FFF2-40B4-BE49-F238E27FC236}">
-                <a16:creationId xmlns:a16="http://schemas.microsoft.com/office/drawing/2014/main" id="{EB270761-CC40-4F3F-A916-7E3BC3989348}"/>
+                <a16:creationId xmlns:a16="http://schemas.microsoft.com/office/drawing/2014/main" id="{19D32F93-50AC-4C46-A5DB-291C60DDB7BD}"/>
               </a:ext>
               <a:ext uri="{C183D7F6-B498-43B3-948B-1728B52AA6E4}">
                 <adec:decorative xmlns:adec="http://schemas.microsoft.com/office/drawing/2017/decorative" val="1"/>
@@ -9942,8 +10646,8 @@
         </p:nvSpPr>
         <p:spPr>
           <a:xfrm>
-            <a:off x="-1" y="0"/>
-            <a:ext cx="12191695" cy="6858000"/>
+            <a:off x="0" y="0"/>
+            <a:ext cx="12192000" cy="6858000"/>
           </a:xfrm>
           <a:prstGeom prst="rect">
             <a:avLst/>
@@ -9977,117 +10681,12 @@
           </a:p>
         </p:txBody>
       </p:sp>
-      <p:sp>
-        <p:nvSpPr>
-          <p:cNvPr id="2" name="Title 1">
-            <a:extLst>
-              <a:ext uri="{FF2B5EF4-FFF2-40B4-BE49-F238E27FC236}">
-                <a16:creationId xmlns:a16="http://schemas.microsoft.com/office/drawing/2014/main" id="{72FB57F0-9EAD-452E-BB40-52AE41C56EF7}"/>
-              </a:ext>
-            </a:extLst>
-          </p:cNvPr>
-          <p:cNvSpPr>
-            <a:spLocks noGrp="1"/>
-          </p:cNvSpPr>
-          <p:nvPr>
-            <p:ph type="title"/>
-          </p:nvPr>
-        </p:nvSpPr>
-        <p:spPr>
-          <a:xfrm>
-            <a:off x="1366160" y="4376508"/>
-            <a:ext cx="9623404" cy="1257202"/>
-          </a:xfrm>
-        </p:spPr>
-        <p:txBody>
-          <a:bodyPr vert="horz" lIns="91440" tIns="45720" rIns="91440" bIns="45720" rtlCol="0" anchor="b">
-            <a:normAutofit/>
-          </a:bodyPr>
-          <a:lstStyle/>
-          <a:p>
-            <a:r>
-              <a:rPr lang="en-US" sz="6600" kern="1200">
-                <a:solidFill>
-                  <a:schemeClr val="tx1"/>
-                </a:solidFill>
-                <a:latin typeface="+mj-lt"/>
-                <a:ea typeface="+mj-ea"/>
-                <a:cs typeface="+mj-cs"/>
-              </a:rPr>
-              <a:t>Standard Matrix</a:t>
-            </a:r>
-          </a:p>
-        </p:txBody>
-      </p:sp>
-      <p:sp>
-        <p:nvSpPr>
-          <p:cNvPr id="11" name="Rectangle 10">
-            <a:extLst>
-              <a:ext uri="{FF2B5EF4-FFF2-40B4-BE49-F238E27FC236}">
-                <a16:creationId xmlns:a16="http://schemas.microsoft.com/office/drawing/2014/main" id="{A2555B16-BE1D-4C33-A27C-FF0671B6C94C}"/>
-              </a:ext>
-              <a:ext uri="{C183D7F6-B498-43B3-948B-1728B52AA6E4}">
-                <adec:decorative xmlns:adec="http://schemas.microsoft.com/office/drawing/2017/decorative" val="1"/>
-              </a:ext>
-            </a:extLst>
-          </p:cNvPr>
-          <p:cNvSpPr>
-            <a:spLocks noGrp="1" noRot="1" noChangeAspect="1" noMove="1" noResize="1" noEditPoints="1" noAdjustHandles="1" noChangeArrowheads="1" noChangeShapeType="1" noTextEdit="1"/>
-          </p:cNvSpPr>
-          <p:nvPr>
-            <p:extLst>
-              <p:ext uri="{386F3935-93C4-4BCD-93E2-E3B085C9AB24}">
-                <p16:designElem xmlns:p16="http://schemas.microsoft.com/office/powerpoint/2015/main" val="1"/>
-              </p:ext>
-            </p:extLst>
-          </p:nvPr>
-        </p:nvSpPr>
-        <p:spPr>
-          <a:xfrm>
-            <a:off x="0" y="891540"/>
-            <a:ext cx="722376" cy="5071110"/>
-          </a:xfrm>
-          <a:prstGeom prst="rect">
-            <a:avLst/>
-          </a:prstGeom>
-          <a:solidFill>
-            <a:srgbClr val="4C5254"/>
-          </a:solidFill>
-          <a:ln>
-            <a:noFill/>
-          </a:ln>
-        </p:spPr>
-        <p:style>
-          <a:lnRef idx="2">
-            <a:schemeClr val="accent1">
-              <a:shade val="50000"/>
-            </a:schemeClr>
-          </a:lnRef>
-          <a:fillRef idx="1">
-            <a:schemeClr val="accent1"/>
-          </a:fillRef>
-          <a:effectRef idx="0">
-            <a:schemeClr val="accent1"/>
-          </a:effectRef>
-          <a:fontRef idx="minor">
-            <a:schemeClr val="lt1"/>
-          </a:fontRef>
-        </p:style>
-        <p:txBody>
-          <a:bodyPr rtlCol="0" anchor="ctr"/>
-          <a:lstStyle/>
-          <a:p>
-            <a:pPr algn="ctr"/>
-            <a:endParaRPr lang="en-US"/>
-          </a:p>
-        </p:txBody>
-      </p:sp>
       <p:pic>
         <p:nvPicPr>
           <p:cNvPr id="4" name="Picture 3">
             <a:extLst>
               <a:ext uri="{FF2B5EF4-FFF2-40B4-BE49-F238E27FC236}">
-                <a16:creationId xmlns:a16="http://schemas.microsoft.com/office/drawing/2014/main" id="{4FB498DD-189C-4050-86A0-F81D2616E3D8}"/>
+                <a16:creationId xmlns:a16="http://schemas.microsoft.com/office/drawing/2014/main" id="{324EEEDC-E83B-442C-AF4F-A2684BECF8C1}"/>
               </a:ext>
             </a:extLst>
           </p:cNvPr>
@@ -10104,25 +10703,189 @@
         </p:blipFill>
         <p:spPr>
           <a:xfrm>
-            <a:off x="1365855" y="1469492"/>
-            <a:ext cx="9934606" cy="2061429"/>
+            <a:off x="1289303" y="1613079"/>
+            <a:ext cx="9613397" cy="1225708"/>
           </a:xfrm>
           <a:prstGeom prst="rect">
             <a:avLst/>
           </a:prstGeom>
-          <a:effectLst>
-            <a:outerShdw blurRad="406400" dist="317500" dir="5400000" sx="89000" sy="89000" rotWithShape="0">
-              <a:prstClr val="black">
-                <a:alpha val="15000"/>
-              </a:prstClr>
-            </a:outerShdw>
-          </a:effectLst>
         </p:spPr>
       </p:pic>
+      <p:sp>
+        <p:nvSpPr>
+          <p:cNvPr id="11" name="Right Triangle 10">
+            <a:extLst>
+              <a:ext uri="{FF2B5EF4-FFF2-40B4-BE49-F238E27FC236}">
+                <a16:creationId xmlns:a16="http://schemas.microsoft.com/office/drawing/2014/main" id="{827DC2C4-B485-428A-BF4A-472D2967F47F}"/>
+              </a:ext>
+              <a:ext uri="{C183D7F6-B498-43B3-948B-1728B52AA6E4}">
+                <adec:decorative xmlns:adec="http://schemas.microsoft.com/office/drawing/2017/decorative" val="1"/>
+              </a:ext>
+            </a:extLst>
+          </p:cNvPr>
+          <p:cNvSpPr>
+            <a:spLocks noGrp="1" noRot="1" noChangeAspect="1" noMove="1" noResize="1" noEditPoints="1" noAdjustHandles="1" noChangeArrowheads="1" noChangeShapeType="1" noTextEdit="1"/>
+          </p:cNvSpPr>
+          <p:nvPr>
+            <p:extLst>
+              <p:ext uri="{386F3935-93C4-4BCD-93E2-E3B085C9AB24}">
+                <p16:designElem xmlns:p16="http://schemas.microsoft.com/office/powerpoint/2015/main" val="1"/>
+              </p:ext>
+            </p:extLst>
+          </p:nvPr>
+        </p:nvSpPr>
+        <p:spPr>
+          <a:xfrm flipH="1">
+            <a:off x="8576720" y="3335867"/>
+            <a:ext cx="3291840" cy="3200400"/>
+          </a:xfrm>
+          <a:prstGeom prst="rtTriangle">
+            <a:avLst/>
+          </a:prstGeom>
+          <a:solidFill>
+            <a:schemeClr val="accent4"/>
+          </a:solidFill>
+          <a:ln>
+            <a:noFill/>
+          </a:ln>
+        </p:spPr>
+        <p:style>
+          <a:lnRef idx="2">
+            <a:schemeClr val="accent1">
+              <a:shade val="50000"/>
+            </a:schemeClr>
+          </a:lnRef>
+          <a:fillRef idx="1">
+            <a:schemeClr val="accent1"/>
+          </a:fillRef>
+          <a:effectRef idx="0">
+            <a:schemeClr val="accent1"/>
+          </a:effectRef>
+          <a:fontRef idx="minor">
+            <a:schemeClr val="lt1"/>
+          </a:fontRef>
+        </p:style>
+        <p:txBody>
+          <a:bodyPr rtlCol="0" anchor="ctr"/>
+          <a:lstStyle/>
+          <a:p>
+            <a:pPr algn="ctr"/>
+            <a:endParaRPr lang="en-US" dirty="0"/>
+          </a:p>
+        </p:txBody>
+      </p:sp>
+      <p:sp>
+        <p:nvSpPr>
+          <p:cNvPr id="13" name="Rectangle 12">
+            <a:extLst>
+              <a:ext uri="{FF2B5EF4-FFF2-40B4-BE49-F238E27FC236}">
+                <a16:creationId xmlns:a16="http://schemas.microsoft.com/office/drawing/2014/main" id="{EE04B5EB-F158-4507-90DD-BD23620C7CC9}"/>
+              </a:ext>
+              <a:ext uri="{C183D7F6-B498-43B3-948B-1728B52AA6E4}">
+                <adec:decorative xmlns:adec="http://schemas.microsoft.com/office/drawing/2017/decorative" val="1"/>
+              </a:ext>
+            </a:extLst>
+          </p:cNvPr>
+          <p:cNvSpPr>
+            <a:spLocks noGrp="1" noRot="1" noChangeAspect="1" noMove="1" noResize="1" noEditPoints="1" noAdjustHandles="1" noChangeArrowheads="1" noChangeShapeType="1" noTextEdit="1"/>
+          </p:cNvSpPr>
+          <p:nvPr>
+            <p:extLst>
+              <p:ext uri="{386F3935-93C4-4BCD-93E2-E3B085C9AB24}">
+                <p16:designElem xmlns:p16="http://schemas.microsoft.com/office/powerpoint/2015/main" val="1"/>
+              </p:ext>
+            </p:extLst>
+          </p:nvPr>
+        </p:nvSpPr>
+        <p:spPr>
+          <a:xfrm>
+            <a:off x="641774" y="623275"/>
+            <a:ext cx="10905053" cy="5607882"/>
+          </a:xfrm>
+          <a:prstGeom prst="rect">
+            <a:avLst/>
+          </a:prstGeom>
+          <a:noFill/>
+          <a:ln w="19050">
+            <a:solidFill>
+              <a:schemeClr val="tx1">
+                <a:lumMod val="75000"/>
+                <a:lumOff val="25000"/>
+              </a:schemeClr>
+            </a:solidFill>
+          </a:ln>
+        </p:spPr>
+        <p:style>
+          <a:lnRef idx="2">
+            <a:schemeClr val="accent1">
+              <a:shade val="50000"/>
+            </a:schemeClr>
+          </a:lnRef>
+          <a:fillRef idx="1">
+            <a:schemeClr val="accent1"/>
+          </a:fillRef>
+          <a:effectRef idx="0">
+            <a:schemeClr val="accent1"/>
+          </a:effectRef>
+          <a:fontRef idx="minor">
+            <a:schemeClr val="lt1"/>
+          </a:fontRef>
+        </p:style>
+        <p:txBody>
+          <a:bodyPr rtlCol="0" anchor="ctr"/>
+          <a:lstStyle/>
+          <a:p>
+            <a:pPr algn="ctr"/>
+            <a:endParaRPr lang="en-US"/>
+          </a:p>
+        </p:txBody>
+      </p:sp>
+      <p:sp>
+        <p:nvSpPr>
+          <p:cNvPr id="2" name="Title 1">
+            <a:extLst>
+              <a:ext uri="{FF2B5EF4-FFF2-40B4-BE49-F238E27FC236}">
+                <a16:creationId xmlns:a16="http://schemas.microsoft.com/office/drawing/2014/main" id="{D3AB2CBD-2410-413B-B053-FE09DE09C5F3}"/>
+              </a:ext>
+            </a:extLst>
+          </p:cNvPr>
+          <p:cNvSpPr>
+            <a:spLocks noGrp="1"/>
+          </p:cNvSpPr>
+          <p:nvPr>
+            <p:ph type="title"/>
+          </p:nvPr>
+        </p:nvSpPr>
+        <p:spPr>
+          <a:xfrm>
+            <a:off x="1289304" y="3429000"/>
+            <a:ext cx="8921672" cy="1713305"/>
+          </a:xfrm>
+        </p:spPr>
+        <p:txBody>
+          <a:bodyPr vert="horz" lIns="91440" tIns="45720" rIns="91440" bIns="45720" rtlCol="0" anchor="b">
+            <a:normAutofit/>
+          </a:bodyPr>
+          <a:lstStyle/>
+          <a:p>
+            <a:r>
+              <a:rPr lang="en-US" sz="6800" kern="1200">
+                <a:solidFill>
+                  <a:schemeClr val="tx1"/>
+                </a:solidFill>
+                <a:latin typeface="+mj-lt"/>
+                <a:ea typeface="+mj-ea"/>
+                <a:cs typeface="+mj-cs"/>
+              </a:rPr>
+              <a:t>Rank vs Rank Transpose</a:t>
+            </a:r>
+          </a:p>
+        </p:txBody>
+      </p:sp>
     </p:spTree>
     <p:extLst>
       <p:ext uri="{BB962C8B-B14F-4D97-AF65-F5344CB8AC3E}">
-        <p14:creationId xmlns:p14="http://schemas.microsoft.com/office/powerpoint/2010/main" val="1612242428"/>
+        <p14:creationId xmlns:p14="http://schemas.microsoft.com/office/powerpoint/2010/main" val="2079620567"/>
       </p:ext>
     </p:extLst>
   </p:cSld>
@@ -10222,7 +10985,7 @@
           <p:cNvPr id="2" name="Title 1">
             <a:extLst>
               <a:ext uri="{FF2B5EF4-FFF2-40B4-BE49-F238E27FC236}">
-                <a16:creationId xmlns:a16="http://schemas.microsoft.com/office/drawing/2014/main" id="{3ED66A6E-D5D5-46CF-9374-C69149E57A1C}"/>
+                <a16:creationId xmlns:a16="http://schemas.microsoft.com/office/drawing/2014/main" id="{72FB57F0-9EAD-452E-BB40-52AE41C56EF7}"/>
               </a:ext>
             </a:extLst>
           </p:cNvPr>
@@ -10246,7 +11009,7 @@
           <a:lstStyle/>
           <a:p>
             <a:r>
-              <a:rPr lang="en-US" sz="5100" kern="1200">
+              <a:rPr lang="en-US" sz="6600" kern="1200">
                 <a:solidFill>
                   <a:schemeClr val="tx1"/>
                 </a:solidFill>
@@ -10254,7 +11017,7 @@
                 <a:ea typeface="+mj-ea"/>
                 <a:cs typeface="+mj-cs"/>
               </a:rPr>
-              <a:t>Standard Matrix Multiplication????</a:t>
+              <a:t>Standard Matrix</a:t>
             </a:r>
           </a:p>
         </p:txBody>
@@ -10327,7 +11090,7 @@
           <p:cNvPr id="4" name="Picture 3">
             <a:extLst>
               <a:ext uri="{FF2B5EF4-FFF2-40B4-BE49-F238E27FC236}">
-                <a16:creationId xmlns:a16="http://schemas.microsoft.com/office/drawing/2014/main" id="{177343F9-AD92-4E54-BF99-E754D618E9E7}"/>
+                <a16:creationId xmlns:a16="http://schemas.microsoft.com/office/drawing/2014/main" id="{4FB498DD-189C-4050-86A0-F81D2616E3D8}"/>
               </a:ext>
             </a:extLst>
           </p:cNvPr>
@@ -10344,8 +11107,8 @@
         </p:blipFill>
         <p:spPr>
           <a:xfrm>
-            <a:off x="1365855" y="1668183"/>
-            <a:ext cx="9934606" cy="1664046"/>
+            <a:off x="1365855" y="1469492"/>
+            <a:ext cx="9934606" cy="2061429"/>
           </a:xfrm>
           <a:prstGeom prst="rect">
             <a:avLst/>
@@ -10362,7 +11125,7 @@
     </p:spTree>
     <p:extLst>
       <p:ext uri="{BB962C8B-B14F-4D97-AF65-F5344CB8AC3E}">
-        <p14:creationId xmlns:p14="http://schemas.microsoft.com/office/powerpoint/2010/main" val="1594308202"/>
+        <p14:creationId xmlns:p14="http://schemas.microsoft.com/office/powerpoint/2010/main" val="1612242428"/>
       </p:ext>
     </p:extLst>
   </p:cSld>
@@ -10698,7 +11461,7 @@
       </p:grpSpPr>
       <p:sp useBgFill="1">
         <p:nvSpPr>
-          <p:cNvPr id="11" name="Rectangle 10">
+          <p:cNvPr id="9" name="Rectangle 8">
             <a:extLst>
               <a:ext uri="{FF2B5EF4-FFF2-40B4-BE49-F238E27FC236}">
                 <a16:creationId xmlns:a16="http://schemas.microsoft.com/office/drawing/2014/main" id="{EB270761-CC40-4F3F-A916-7E3BC3989348}"/>
@@ -10761,7 +11524,7 @@
           <p:cNvPr id="2" name="Title 1">
             <a:extLst>
               <a:ext uri="{FF2B5EF4-FFF2-40B4-BE49-F238E27FC236}">
-                <a16:creationId xmlns:a16="http://schemas.microsoft.com/office/drawing/2014/main" id="{2850A7ED-96D2-417C-B903-C6CAE2CE7669}"/>
+                <a16:creationId xmlns:a16="http://schemas.microsoft.com/office/drawing/2014/main" id="{3ED66A6E-D5D5-46CF-9374-C69149E57A1C}"/>
               </a:ext>
             </a:extLst>
           </p:cNvPr>
@@ -10785,7 +11548,7 @@
           <a:lstStyle/>
           <a:p>
             <a:r>
-              <a:rPr lang="en-US" sz="6600" kern="1200" dirty="0">
+              <a:rPr lang="en-US" sz="5100" kern="1200" dirty="0">
                 <a:solidFill>
                   <a:schemeClr val="tx1"/>
                 </a:solidFill>
@@ -10793,14 +11556,14 @@
                 <a:ea typeface="+mj-ea"/>
                 <a:cs typeface="+mj-cs"/>
               </a:rPr>
-              <a:t>Isomorphism</a:t>
+              <a:t>Standard Matrix Multiplication</a:t>
             </a:r>
           </a:p>
         </p:txBody>
       </p:sp>
       <p:sp>
         <p:nvSpPr>
-          <p:cNvPr id="13" name="Rectangle 12">
+          <p:cNvPr id="11" name="Rectangle 10">
             <a:extLst>
               <a:ext uri="{FF2B5EF4-FFF2-40B4-BE49-F238E27FC236}">
                 <a16:creationId xmlns:a16="http://schemas.microsoft.com/office/drawing/2014/main" id="{A2555B16-BE1D-4C33-A27C-FF0671B6C94C}"/>
@@ -10863,10 +11626,10 @@
       </p:sp>
       <p:pic>
         <p:nvPicPr>
-          <p:cNvPr id="6" name="Picture 5">
-            <a:extLst>
-              <a:ext uri="{FF2B5EF4-FFF2-40B4-BE49-F238E27FC236}">
-                <a16:creationId xmlns:a16="http://schemas.microsoft.com/office/drawing/2014/main" id="{7AE99F1D-800D-4B83-B3BD-6D467FF33D0C}"/>
+          <p:cNvPr id="4" name="Picture 3">
+            <a:extLst>
+              <a:ext uri="{FF2B5EF4-FFF2-40B4-BE49-F238E27FC236}">
+                <a16:creationId xmlns:a16="http://schemas.microsoft.com/office/drawing/2014/main" id="{177343F9-AD92-4E54-BF99-E754D618E9E7}"/>
               </a:ext>
             </a:extLst>
           </p:cNvPr>
@@ -10883,8 +11646,8 @@
         </p:blipFill>
         <p:spPr>
           <a:xfrm>
-            <a:off x="1365855" y="1904130"/>
-            <a:ext cx="9934606" cy="1192153"/>
+            <a:off x="1365855" y="1668183"/>
+            <a:ext cx="9934606" cy="1664046"/>
           </a:xfrm>
           <a:prstGeom prst="rect">
             <a:avLst/>
@@ -10901,7 +11664,7 @@
     </p:spTree>
     <p:extLst>
       <p:ext uri="{BB962C8B-B14F-4D97-AF65-F5344CB8AC3E}">
-        <p14:creationId xmlns:p14="http://schemas.microsoft.com/office/powerpoint/2010/main" val="955675857"/>
+        <p14:creationId xmlns:p14="http://schemas.microsoft.com/office/powerpoint/2010/main" val="1594308202"/>
       </p:ext>
     </p:extLst>
   </p:cSld>
@@ -10938,7 +11701,7 @@
       </p:grpSpPr>
       <p:sp useBgFill="1">
         <p:nvSpPr>
-          <p:cNvPr id="9" name="Rectangle 8">
+          <p:cNvPr id="11" name="Rectangle 10">
             <a:extLst>
               <a:ext uri="{FF2B5EF4-FFF2-40B4-BE49-F238E27FC236}">
                 <a16:creationId xmlns:a16="http://schemas.microsoft.com/office/drawing/2014/main" id="{EB270761-CC40-4F3F-A916-7E3BC3989348}"/>
@@ -11001,7 +11764,7 @@
           <p:cNvPr id="2" name="Title 1">
             <a:extLst>
               <a:ext uri="{FF2B5EF4-FFF2-40B4-BE49-F238E27FC236}">
-                <a16:creationId xmlns:a16="http://schemas.microsoft.com/office/drawing/2014/main" id="{55C4CDE4-E951-449C-A932-89AA243A481C}"/>
+                <a16:creationId xmlns:a16="http://schemas.microsoft.com/office/drawing/2014/main" id="{2850A7ED-96D2-417C-B903-C6CAE2CE7669}"/>
               </a:ext>
             </a:extLst>
           </p:cNvPr>
@@ -11025,7 +11788,7 @@
           <a:lstStyle/>
           <a:p>
             <a:r>
-              <a:rPr lang="en-US" sz="4100" kern="1200" dirty="0">
+              <a:rPr lang="en-US" sz="6600" kern="1200" dirty="0">
                 <a:solidFill>
                   <a:schemeClr val="tx1"/>
                 </a:solidFill>
@@ -11033,29 +11796,14 @@
                 <a:ea typeface="+mj-ea"/>
                 <a:cs typeface="+mj-cs"/>
               </a:rPr>
-              <a:t>Invertible Linear Transformation and Standard </a:t>
+              <a:t>Isomorphism</a:t>
             </a:r>
-            <a:r>
-              <a:rPr lang="en-US" sz="4100" dirty="0"/>
-              <a:t>M</a:t>
-            </a:r>
-            <a:r>
-              <a:rPr lang="en-US" sz="4100" kern="1200" dirty="0">
-                <a:solidFill>
-                  <a:schemeClr val="tx1"/>
-                </a:solidFill>
-                <a:latin typeface="+mj-lt"/>
-                <a:ea typeface="+mj-ea"/>
-                <a:cs typeface="+mj-cs"/>
-              </a:rPr>
-              <a:t>atrix</a:t>
-            </a:r>
-          </a:p>
-        </p:txBody>
-      </p:sp>
-      <p:sp>
-        <p:nvSpPr>
-          <p:cNvPr id="11" name="Rectangle 10">
+          </a:p>
+        </p:txBody>
+      </p:sp>
+      <p:sp>
+        <p:nvSpPr>
+          <p:cNvPr id="13" name="Rectangle 12">
             <a:extLst>
               <a:ext uri="{FF2B5EF4-FFF2-40B4-BE49-F238E27FC236}">
                 <a16:creationId xmlns:a16="http://schemas.microsoft.com/office/drawing/2014/main" id="{A2555B16-BE1D-4C33-A27C-FF0671B6C94C}"/>
@@ -11118,10 +11866,10 @@
       </p:sp>
       <p:pic>
         <p:nvPicPr>
-          <p:cNvPr id="4" name="Picture 3">
-            <a:extLst>
-              <a:ext uri="{FF2B5EF4-FFF2-40B4-BE49-F238E27FC236}">
-                <a16:creationId xmlns:a16="http://schemas.microsoft.com/office/drawing/2014/main" id="{71397B19-8B36-4F9A-837A-8B9638FAEAC6}"/>
+          <p:cNvPr id="6" name="Picture 5">
+            <a:extLst>
+              <a:ext uri="{FF2B5EF4-FFF2-40B4-BE49-F238E27FC236}">
+                <a16:creationId xmlns:a16="http://schemas.microsoft.com/office/drawing/2014/main" id="{7AE99F1D-800D-4B83-B3BD-6D467FF33D0C}"/>
               </a:ext>
             </a:extLst>
           </p:cNvPr>
@@ -11138,8 +11886,8 @@
         </p:blipFill>
         <p:spPr>
           <a:xfrm>
-            <a:off x="1365855" y="1941385"/>
-            <a:ext cx="9934606" cy="1117643"/>
+            <a:off x="1365855" y="1904130"/>
+            <a:ext cx="9934606" cy="1192153"/>
           </a:xfrm>
           <a:prstGeom prst="rect">
             <a:avLst/>
@@ -11156,7 +11904,7 @@
     </p:spTree>
     <p:extLst>
       <p:ext uri="{BB962C8B-B14F-4D97-AF65-F5344CB8AC3E}">
-        <p14:creationId xmlns:p14="http://schemas.microsoft.com/office/powerpoint/2010/main" val="1125068611"/>
+        <p14:creationId xmlns:p14="http://schemas.microsoft.com/office/powerpoint/2010/main" val="955675857"/>
       </p:ext>
     </p:extLst>
   </p:cSld>
@@ -11373,10 +12121,10 @@
       </p:sp>
       <p:pic>
         <p:nvPicPr>
-          <p:cNvPr id="5" name="Picture 4">
-            <a:extLst>
-              <a:ext uri="{FF2B5EF4-FFF2-40B4-BE49-F238E27FC236}">
-                <a16:creationId xmlns:a16="http://schemas.microsoft.com/office/drawing/2014/main" id="{14ABC56A-927A-4952-B432-56A0FE916C19}"/>
+          <p:cNvPr id="4" name="Picture 3">
+            <a:extLst>
+              <a:ext uri="{FF2B5EF4-FFF2-40B4-BE49-F238E27FC236}">
+                <a16:creationId xmlns:a16="http://schemas.microsoft.com/office/drawing/2014/main" id="{71397B19-8B36-4F9A-837A-8B9638FAEAC6}"/>
               </a:ext>
             </a:extLst>
           </p:cNvPr>
@@ -11393,48 +12141,25 @@
         </p:blipFill>
         <p:spPr>
           <a:xfrm>
-            <a:off x="1361921" y="2106953"/>
-            <a:ext cx="9467850" cy="1028700"/>
+            <a:off x="1365855" y="1941385"/>
+            <a:ext cx="9934606" cy="1117643"/>
           </a:xfrm>
           <a:prstGeom prst="rect">
             <a:avLst/>
           </a:prstGeom>
-        </p:spPr>
-      </p:pic>
-      <p:pic>
-        <p:nvPicPr>
-          <p:cNvPr id="7" name="Picture 6">
-            <a:extLst>
-              <a:ext uri="{FF2B5EF4-FFF2-40B4-BE49-F238E27FC236}">
-                <a16:creationId xmlns:a16="http://schemas.microsoft.com/office/drawing/2014/main" id="{4355A3DC-94E3-469F-9904-99CA9F73E02E}"/>
-              </a:ext>
-            </a:extLst>
-          </p:cNvPr>
-          <p:cNvPicPr>
-            <a:picLocks noChangeAspect="1"/>
-          </p:cNvPicPr>
-          <p:nvPr/>
-        </p:nvPicPr>
-        <p:blipFill>
-          <a:blip r:embed="rId3"/>
-          <a:stretch>
-            <a:fillRect/>
-          </a:stretch>
-        </p:blipFill>
-        <p:spPr>
-          <a:xfrm>
-            <a:off x="1312164" y="3041332"/>
-            <a:ext cx="9677400" cy="771525"/>
-          </a:xfrm>
-          <a:prstGeom prst="rect">
-            <a:avLst/>
-          </a:prstGeom>
+          <a:effectLst>
+            <a:outerShdw blurRad="406400" dist="317500" dir="5400000" sx="89000" sy="89000" rotWithShape="0">
+              <a:prstClr val="black">
+                <a:alpha val="15000"/>
+              </a:prstClr>
+            </a:outerShdw>
+          </a:effectLst>
         </p:spPr>
       </p:pic>
     </p:spTree>
     <p:extLst>
       <p:ext uri="{BB962C8B-B14F-4D97-AF65-F5344CB8AC3E}">
-        <p14:creationId xmlns:p14="http://schemas.microsoft.com/office/powerpoint/2010/main" val="713579245"/>
+        <p14:creationId xmlns:p14="http://schemas.microsoft.com/office/powerpoint/2010/main" val="1125068611"/>
       </p:ext>
     </p:extLst>
   </p:cSld>
@@ -11474,7 +12199,7 @@
           <p:cNvPr id="9" name="Rectangle 8">
             <a:extLst>
               <a:ext uri="{FF2B5EF4-FFF2-40B4-BE49-F238E27FC236}">
-                <a16:creationId xmlns:a16="http://schemas.microsoft.com/office/drawing/2014/main" id="{D17A94B4-8121-4ED6-AB0D-69EE9A6332E6}"/>
+                <a16:creationId xmlns:a16="http://schemas.microsoft.com/office/drawing/2014/main" id="{EB270761-CC40-4F3F-A916-7E3BC3989348}"/>
               </a:ext>
               <a:ext uri="{C183D7F6-B498-43B3-948B-1728B52AA6E4}">
                 <adec:decorative xmlns:adec="http://schemas.microsoft.com/office/drawing/2017/decorative" val="1"/>
@@ -11495,7 +12220,7 @@
         <p:spPr>
           <a:xfrm>
             <a:off x="-1" y="0"/>
-            <a:ext cx="12188952" cy="6858000"/>
+            <a:ext cx="12191695" cy="6858000"/>
           </a:xfrm>
           <a:prstGeom prst="rect">
             <a:avLst/>
@@ -11529,21 +12254,78 @@
           </a:p>
         </p:txBody>
       </p:sp>
-      <p:pic>
-        <p:nvPicPr>
-          <p:cNvPr id="11" name="Graphic 10">
-            <a:extLst>
-              <a:ext uri="{FF2B5EF4-FFF2-40B4-BE49-F238E27FC236}">
-                <a16:creationId xmlns:a16="http://schemas.microsoft.com/office/drawing/2014/main" id="{4741521E-DC76-41B9-8A47-448CD4F9FA46}"/>
+      <p:sp>
+        <p:nvSpPr>
+          <p:cNvPr id="2" name="Title 1">
+            <a:extLst>
+              <a:ext uri="{FF2B5EF4-FFF2-40B4-BE49-F238E27FC236}">
+                <a16:creationId xmlns:a16="http://schemas.microsoft.com/office/drawing/2014/main" id="{55C4CDE4-E951-449C-A932-89AA243A481C}"/>
+              </a:ext>
+            </a:extLst>
+          </p:cNvPr>
+          <p:cNvSpPr>
+            <a:spLocks noGrp="1"/>
+          </p:cNvSpPr>
+          <p:nvPr>
+            <p:ph type="title"/>
+          </p:nvPr>
+        </p:nvSpPr>
+        <p:spPr>
+          <a:xfrm>
+            <a:off x="1366160" y="4376508"/>
+            <a:ext cx="9623404" cy="1257202"/>
+          </a:xfrm>
+        </p:spPr>
+        <p:txBody>
+          <a:bodyPr vert="horz" lIns="91440" tIns="45720" rIns="91440" bIns="45720" rtlCol="0" anchor="b">
+            <a:normAutofit/>
+          </a:bodyPr>
+          <a:lstStyle/>
+          <a:p>
+            <a:r>
+              <a:rPr lang="en-US" sz="4100" kern="1200" dirty="0">
+                <a:solidFill>
+                  <a:schemeClr val="tx1"/>
+                </a:solidFill>
+                <a:latin typeface="+mj-lt"/>
+                <a:ea typeface="+mj-ea"/>
+                <a:cs typeface="+mj-cs"/>
+              </a:rPr>
+              <a:t>Invertible Linear Transformation and Standard </a:t>
+            </a:r>
+            <a:r>
+              <a:rPr lang="en-US" sz="4100" dirty="0"/>
+              <a:t>M</a:t>
+            </a:r>
+            <a:r>
+              <a:rPr lang="en-US" sz="4100" kern="1200" dirty="0">
+                <a:solidFill>
+                  <a:schemeClr val="tx1"/>
+                </a:solidFill>
+                <a:latin typeface="+mj-lt"/>
+                <a:ea typeface="+mj-ea"/>
+                <a:cs typeface="+mj-cs"/>
+              </a:rPr>
+              <a:t>atrix</a:t>
+            </a:r>
+          </a:p>
+        </p:txBody>
+      </p:sp>
+      <p:sp>
+        <p:nvSpPr>
+          <p:cNvPr id="11" name="Rectangle 10">
+            <a:extLst>
+              <a:ext uri="{FF2B5EF4-FFF2-40B4-BE49-F238E27FC236}">
+                <a16:creationId xmlns:a16="http://schemas.microsoft.com/office/drawing/2014/main" id="{A2555B16-BE1D-4C33-A27C-FF0671B6C94C}"/>
               </a:ext>
               <a:ext uri="{C183D7F6-B498-43B3-948B-1728B52AA6E4}">
                 <adec:decorative xmlns:adec="http://schemas.microsoft.com/office/drawing/2017/decorative" val="1"/>
               </a:ext>
             </a:extLst>
           </p:cNvPr>
-          <p:cNvPicPr>
-            <a:picLocks noGrp="1" noRot="1" noChangeAspect="1" noMove="1" noResize="1" noEditPoints="1" noAdjustHandles="1" noChangeArrowheads="1" noChangeShapeType="1" noCrop="1"/>
-          </p:cNvPicPr>
+          <p:cNvSpPr>
+            <a:spLocks noGrp="1" noRot="1" noChangeAspect="1" noMove="1" noResize="1" noEditPoints="1" noAdjustHandles="1" noChangeArrowheads="1" noChangeShapeType="1" noTextEdit="1"/>
+          </p:cNvSpPr>
           <p:nvPr>
             <p:extLst>
               <p:ext uri="{386F3935-93C4-4BCD-93E2-E3B085C9AB24}">
@@ -11551,109 +12333,17 @@
               </p:ext>
             </p:extLst>
           </p:nvPr>
-        </p:nvPicPr>
-        <p:blipFill>
-          <a:blip r:embed="rId2">
-            <a:extLst>
-              <a:ext uri="{28A0092B-C50C-407E-A947-70E740481C1C}">
-                <a14:useLocalDpi xmlns:a14="http://schemas.microsoft.com/office/drawing/2010/main" val="0"/>
-              </a:ext>
-              <a:ext uri="{96DAC541-7B7A-43D3-8B79-37D633B846F1}">
-                <asvg:svgBlip xmlns:asvg="http://schemas.microsoft.com/office/drawing/2016/SVG/main" r:embed="rId3"/>
-              </a:ext>
-            </a:extLst>
-          </a:blip>
-          <a:stretch>
-            <a:fillRect/>
-          </a:stretch>
-        </p:blipFill>
-        <p:spPr>
-          <a:xfrm rot="5400000">
-            <a:off x="3372661" y="-3359290"/>
-            <a:ext cx="5470372" cy="12188952"/>
-          </a:xfrm>
-          <a:prstGeom prst="rect">
-            <a:avLst/>
-          </a:prstGeom>
-        </p:spPr>
-      </p:pic>
-      <p:sp>
-        <p:nvSpPr>
-          <p:cNvPr id="2" name="Title 1">
-            <a:extLst>
-              <a:ext uri="{FF2B5EF4-FFF2-40B4-BE49-F238E27FC236}">
-                <a16:creationId xmlns:a16="http://schemas.microsoft.com/office/drawing/2014/main" id="{E2A30878-7531-452D-9EE5-AC3CB34AE565}"/>
-              </a:ext>
-            </a:extLst>
-          </p:cNvPr>
-          <p:cNvSpPr>
-            <a:spLocks noGrp="1"/>
-          </p:cNvSpPr>
-          <p:nvPr>
-            <p:ph type="title"/>
-          </p:nvPr>
         </p:nvSpPr>
         <p:spPr>
           <a:xfrm>
-            <a:off x="1403632" y="184336"/>
-            <a:ext cx="9283781" cy="1405965"/>
-          </a:xfrm>
-        </p:spPr>
-        <p:txBody>
-          <a:bodyPr vert="horz" lIns="91440" tIns="45720" rIns="91440" bIns="45720" rtlCol="0" anchor="b">
-            <a:normAutofit/>
-          </a:bodyPr>
-          <a:lstStyle/>
-          <a:p>
-            <a:pPr algn="ctr"/>
-            <a:r>
-              <a:rPr lang="en-US" sz="5000" dirty="0"/>
-              <a:t>Probability of State change</a:t>
-            </a:r>
-            <a:endParaRPr lang="en-US" sz="5000" kern="1200" dirty="0">
-              <a:solidFill>
-                <a:schemeClr val="tx1"/>
-              </a:solidFill>
-              <a:latin typeface="+mj-lt"/>
-              <a:ea typeface="+mj-ea"/>
-              <a:cs typeface="+mj-cs"/>
-            </a:endParaRPr>
-          </a:p>
-        </p:txBody>
-      </p:sp>
-      <p:sp>
-        <p:nvSpPr>
-          <p:cNvPr id="13" name="Rectangle 12">
-            <a:extLst>
-              <a:ext uri="{FF2B5EF4-FFF2-40B4-BE49-F238E27FC236}">
-                <a16:creationId xmlns:a16="http://schemas.microsoft.com/office/drawing/2014/main" id="{53FD85F6-ECDC-4124-9916-6444E142C663}"/>
-              </a:ext>
-              <a:ext uri="{C183D7F6-B498-43B3-948B-1728B52AA6E4}">
-                <adec:decorative xmlns:adec="http://schemas.microsoft.com/office/drawing/2017/decorative" val="1"/>
-              </a:ext>
-            </a:extLst>
-          </p:cNvPr>
-          <p:cNvSpPr>
-            <a:spLocks noGrp="1" noRot="1" noChangeAspect="1" noMove="1" noResize="1" noEditPoints="1" noAdjustHandles="1" noChangeArrowheads="1" noChangeShapeType="1" noTextEdit="1"/>
-          </p:cNvSpPr>
-          <p:nvPr>
-            <p:extLst>
-              <p:ext uri="{386F3935-93C4-4BCD-93E2-E3B085C9AB24}">
-                <p16:designElem xmlns:p16="http://schemas.microsoft.com/office/powerpoint/2015/main" val="1"/>
-              </p:ext>
-            </p:extLst>
-          </p:nvPr>
-        </p:nvSpPr>
-        <p:spPr>
-          <a:xfrm>
-            <a:off x="-1078" y="685797"/>
-            <a:ext cx="118872" cy="1550455"/>
+            <a:off x="0" y="891540"/>
+            <a:ext cx="722376" cy="5071110"/>
           </a:xfrm>
           <a:prstGeom prst="rect">
             <a:avLst/>
           </a:prstGeom>
           <a:solidFill>
-            <a:schemeClr val="accent2"/>
+            <a:srgbClr val="4C5254"/>
           </a:solidFill>
           <a:ln>
             <a:noFill/>
@@ -11684,75 +12374,12 @@
           </a:p>
         </p:txBody>
       </p:sp>
-      <p:sp>
-        <p:nvSpPr>
-          <p:cNvPr id="15" name="Rectangle 14">
-            <a:extLst>
-              <a:ext uri="{FF2B5EF4-FFF2-40B4-BE49-F238E27FC236}">
-                <a16:creationId xmlns:a16="http://schemas.microsoft.com/office/drawing/2014/main" id="{FB5D26B4-74AD-4118-8F13-7051DA3BFA87}"/>
-              </a:ext>
-              <a:ext uri="{C183D7F6-B498-43B3-948B-1728B52AA6E4}">
-                <adec:decorative xmlns:adec="http://schemas.microsoft.com/office/drawing/2017/decorative" val="1"/>
-              </a:ext>
-            </a:extLst>
-          </p:cNvPr>
-          <p:cNvSpPr>
-            <a:spLocks noGrp="1" noRot="1" noChangeAspect="1" noMove="1" noResize="1" noEditPoints="1" noAdjustHandles="1" noChangeArrowheads="1" noChangeShapeType="1" noTextEdit="1"/>
-          </p:cNvSpPr>
-          <p:nvPr>
-            <p:extLst>
-              <p:ext uri="{386F3935-93C4-4BCD-93E2-E3B085C9AB24}">
-                <p16:designElem xmlns:p16="http://schemas.microsoft.com/office/powerpoint/2015/main" val="1"/>
-              </p:ext>
-            </p:extLst>
-          </p:nvPr>
-        </p:nvSpPr>
-        <p:spPr>
-          <a:xfrm>
-            <a:off x="12073128" y="6172201"/>
-            <a:ext cx="118872" cy="685800"/>
-          </a:xfrm>
-          <a:prstGeom prst="rect">
-            <a:avLst/>
-          </a:prstGeom>
-          <a:solidFill>
-            <a:schemeClr val="accent2"/>
-          </a:solidFill>
-          <a:ln>
-            <a:noFill/>
-          </a:ln>
-        </p:spPr>
-        <p:style>
-          <a:lnRef idx="2">
-            <a:schemeClr val="accent1">
-              <a:shade val="50000"/>
-            </a:schemeClr>
-          </a:lnRef>
-          <a:fillRef idx="1">
-            <a:schemeClr val="accent1"/>
-          </a:fillRef>
-          <a:effectRef idx="0">
-            <a:schemeClr val="accent1"/>
-          </a:effectRef>
-          <a:fontRef idx="minor">
-            <a:schemeClr val="lt1"/>
-          </a:fontRef>
-        </p:style>
-        <p:txBody>
-          <a:bodyPr rtlCol="0" anchor="ctr"/>
-          <a:lstStyle/>
-          <a:p>
-            <a:pPr algn="ctr"/>
-            <a:endParaRPr lang="en-US"/>
-          </a:p>
-        </p:txBody>
-      </p:sp>
       <p:pic>
         <p:nvPicPr>
-          <p:cNvPr id="10" name="Picture 9">
-            <a:extLst>
-              <a:ext uri="{FF2B5EF4-FFF2-40B4-BE49-F238E27FC236}">
-                <a16:creationId xmlns:a16="http://schemas.microsoft.com/office/drawing/2014/main" id="{3C69FA36-1F89-4934-8185-252156F16280}"/>
+          <p:cNvPr id="5" name="Picture 4">
+            <a:extLst>
+              <a:ext uri="{FF2B5EF4-FFF2-40B4-BE49-F238E27FC236}">
+                <a16:creationId xmlns:a16="http://schemas.microsoft.com/office/drawing/2014/main" id="{14ABC56A-927A-4952-B432-56A0FE916C19}"/>
               </a:ext>
             </a:extLst>
           </p:cNvPr>
@@ -11762,155 +12389,55 @@
           <p:nvPr/>
         </p:nvPicPr>
         <p:blipFill>
-          <a:blip r:embed="rId4"/>
+          <a:blip r:embed="rId2"/>
           <a:stretch>
             <a:fillRect/>
           </a:stretch>
         </p:blipFill>
         <p:spPr>
           <a:xfrm>
-            <a:off x="1483131" y="3803724"/>
-            <a:ext cx="9629775" cy="714375"/>
+            <a:off x="1361921" y="2106953"/>
+            <a:ext cx="9467850" cy="1028700"/>
           </a:xfrm>
           <a:prstGeom prst="rect">
             <a:avLst/>
           </a:prstGeom>
         </p:spPr>
       </p:pic>
-      <p:sp>
-        <p:nvSpPr>
-          <p:cNvPr id="14" name="TextBox 13">
-            <a:extLst>
-              <a:ext uri="{FF2B5EF4-FFF2-40B4-BE49-F238E27FC236}">
-                <a16:creationId xmlns:a16="http://schemas.microsoft.com/office/drawing/2014/main" id="{043C79A1-3B38-4867-A5F1-1A6716FF29DF}"/>
-              </a:ext>
-            </a:extLst>
-          </p:cNvPr>
-          <p:cNvSpPr txBox="1"/>
+      <p:pic>
+        <p:nvPicPr>
+          <p:cNvPr id="7" name="Picture 6">
+            <a:extLst>
+              <a:ext uri="{FF2B5EF4-FFF2-40B4-BE49-F238E27FC236}">
+                <a16:creationId xmlns:a16="http://schemas.microsoft.com/office/drawing/2014/main" id="{4355A3DC-94E3-469F-9904-99CA9F73E02E}"/>
+              </a:ext>
+            </a:extLst>
+          </p:cNvPr>
+          <p:cNvPicPr>
+            <a:picLocks noChangeAspect="1"/>
+          </p:cNvPicPr>
           <p:nvPr/>
-        </p:nvSpPr>
+        </p:nvPicPr>
+        <p:blipFill>
+          <a:blip r:embed="rId3"/>
+          <a:stretch>
+            <a:fillRect/>
+          </a:stretch>
+        </p:blipFill>
         <p:spPr>
           <a:xfrm>
-            <a:off x="6772940" y="3791579"/>
-            <a:ext cx="770339" cy="369332"/>
+            <a:off x="1312164" y="3041332"/>
+            <a:ext cx="9677400" cy="771525"/>
           </a:xfrm>
           <a:prstGeom prst="rect">
             <a:avLst/>
           </a:prstGeom>
-          <a:noFill/>
-        </p:spPr>
-        <p:txBody>
-          <a:bodyPr wrap="none" rtlCol="0">
-            <a:spAutoFit/>
-          </a:bodyPr>
-          <a:lstStyle/>
-          <a:p>
-            <a:r>
-              <a:rPr lang="en-US" dirty="0">
-                <a:solidFill>
-                  <a:srgbClr val="FF0000"/>
-                </a:solidFill>
-              </a:rPr>
-              <a:t>State j</a:t>
-            </a:r>
-          </a:p>
-        </p:txBody>
-      </p:sp>
-      <p:sp>
-        <p:nvSpPr>
-          <p:cNvPr id="16" name="TextBox 15">
-            <a:extLst>
-              <a:ext uri="{FF2B5EF4-FFF2-40B4-BE49-F238E27FC236}">
-                <a16:creationId xmlns:a16="http://schemas.microsoft.com/office/drawing/2014/main" id="{EA08A5BC-E6C9-471E-BA2C-980B57AC91C7}"/>
-              </a:ext>
-            </a:extLst>
-          </p:cNvPr>
-          <p:cNvSpPr txBox="1"/>
-          <p:nvPr/>
-        </p:nvSpPr>
-        <p:spPr>
-          <a:xfrm>
-            <a:off x="9189983" y="3803724"/>
-            <a:ext cx="768737" cy="369332"/>
-          </a:xfrm>
-          <a:prstGeom prst="rect">
-            <a:avLst/>
-          </a:prstGeom>
-          <a:noFill/>
-        </p:spPr>
-        <p:txBody>
-          <a:bodyPr wrap="none" rtlCol="0">
-            <a:spAutoFit/>
-          </a:bodyPr>
-          <a:lstStyle/>
-          <a:p>
-            <a:r>
-              <a:rPr lang="en-US" dirty="0">
-                <a:solidFill>
-                  <a:srgbClr val="FF0000"/>
-                </a:solidFill>
-              </a:rPr>
-              <a:t>State </a:t>
-            </a:r>
-            <a:r>
-              <a:rPr lang="en-US" dirty="0" err="1">
-                <a:solidFill>
-                  <a:srgbClr val="FF0000"/>
-                </a:solidFill>
-              </a:rPr>
-              <a:t>i</a:t>
-            </a:r>
-            <a:endParaRPr lang="en-US" dirty="0">
-              <a:solidFill>
-                <a:srgbClr val="FF0000"/>
-              </a:solidFill>
-            </a:endParaRPr>
-          </a:p>
-        </p:txBody>
-      </p:sp>
-      <p:sp>
-        <p:nvSpPr>
-          <p:cNvPr id="17" name="TextBox 16">
-            <a:extLst>
-              <a:ext uri="{FF2B5EF4-FFF2-40B4-BE49-F238E27FC236}">
-                <a16:creationId xmlns:a16="http://schemas.microsoft.com/office/drawing/2014/main" id="{AE080991-D627-4E71-8643-B4DDF1CD8C46}"/>
-              </a:ext>
-            </a:extLst>
-          </p:cNvPr>
-          <p:cNvSpPr txBox="1"/>
-          <p:nvPr/>
-        </p:nvSpPr>
-        <p:spPr>
-          <a:xfrm>
-            <a:off x="2504881" y="4102524"/>
-            <a:ext cx="829266" cy="369332"/>
-          </a:xfrm>
-          <a:prstGeom prst="rect">
-            <a:avLst/>
-          </a:prstGeom>
-          <a:noFill/>
-        </p:spPr>
-        <p:txBody>
-          <a:bodyPr wrap="none" rtlCol="0">
-            <a:spAutoFit/>
-          </a:bodyPr>
-          <a:lstStyle/>
-          <a:p>
-            <a:r>
-              <a:rPr lang="en-US" dirty="0">
-                <a:solidFill>
-                  <a:srgbClr val="FF0000"/>
-                </a:solidFill>
-              </a:rPr>
-              <a:t>k steps</a:t>
-            </a:r>
-          </a:p>
-        </p:txBody>
-      </p:sp>
+        </p:spPr>
+      </p:pic>
     </p:spTree>
     <p:extLst>
       <p:ext uri="{BB962C8B-B14F-4D97-AF65-F5344CB8AC3E}">
-        <p14:creationId xmlns:p14="http://schemas.microsoft.com/office/powerpoint/2010/main" val="3924658005"/>
+        <p14:creationId xmlns:p14="http://schemas.microsoft.com/office/powerpoint/2010/main" val="713579245"/>
       </p:ext>
     </p:extLst>
   </p:cSld>
@@ -12084,7 +12611,7 @@
             <a:pPr algn="ctr"/>
             <a:r>
               <a:rPr lang="en-US" sz="5000" dirty="0"/>
-              <a:t>Infinite State change</a:t>
+              <a:t>Probability of State change</a:t>
             </a:r>
             <a:endParaRPr lang="en-US" sz="5000" kern="1200" dirty="0">
               <a:solidFill>
@@ -12225,10 +12752,10 @@
       </p:sp>
       <p:pic>
         <p:nvPicPr>
-          <p:cNvPr id="12" name="Picture 11">
-            <a:extLst>
-              <a:ext uri="{FF2B5EF4-FFF2-40B4-BE49-F238E27FC236}">
-                <a16:creationId xmlns:a16="http://schemas.microsoft.com/office/drawing/2014/main" id="{97D501FF-BDD6-4B5A-AB25-7F40E129DDB1}"/>
+          <p:cNvPr id="10" name="Picture 9">
+            <a:extLst>
+              <a:ext uri="{FF2B5EF4-FFF2-40B4-BE49-F238E27FC236}">
+                <a16:creationId xmlns:a16="http://schemas.microsoft.com/office/drawing/2014/main" id="{3C69FA36-1F89-4934-8185-252156F16280}"/>
               </a:ext>
             </a:extLst>
           </p:cNvPr>
@@ -12245,18 +12772,148 @@
         </p:blipFill>
         <p:spPr>
           <a:xfrm>
-            <a:off x="1826359" y="3809445"/>
-            <a:ext cx="8562975" cy="723900"/>
+            <a:off x="1483131" y="3803724"/>
+            <a:ext cx="9629775" cy="714375"/>
           </a:xfrm>
           <a:prstGeom prst="rect">
             <a:avLst/>
           </a:prstGeom>
         </p:spPr>
       </p:pic>
+      <p:sp>
+        <p:nvSpPr>
+          <p:cNvPr id="14" name="TextBox 13">
+            <a:extLst>
+              <a:ext uri="{FF2B5EF4-FFF2-40B4-BE49-F238E27FC236}">
+                <a16:creationId xmlns:a16="http://schemas.microsoft.com/office/drawing/2014/main" id="{043C79A1-3B38-4867-A5F1-1A6716FF29DF}"/>
+              </a:ext>
+            </a:extLst>
+          </p:cNvPr>
+          <p:cNvSpPr txBox="1"/>
+          <p:nvPr/>
+        </p:nvSpPr>
+        <p:spPr>
+          <a:xfrm>
+            <a:off x="6772940" y="3791579"/>
+            <a:ext cx="770339" cy="369332"/>
+          </a:xfrm>
+          <a:prstGeom prst="rect">
+            <a:avLst/>
+          </a:prstGeom>
+          <a:noFill/>
+        </p:spPr>
+        <p:txBody>
+          <a:bodyPr wrap="none" rtlCol="0">
+            <a:spAutoFit/>
+          </a:bodyPr>
+          <a:lstStyle/>
+          <a:p>
+            <a:r>
+              <a:rPr lang="en-US" dirty="0">
+                <a:solidFill>
+                  <a:srgbClr val="FF0000"/>
+                </a:solidFill>
+              </a:rPr>
+              <a:t>State j</a:t>
+            </a:r>
+          </a:p>
+        </p:txBody>
+      </p:sp>
+      <p:sp>
+        <p:nvSpPr>
+          <p:cNvPr id="16" name="TextBox 15">
+            <a:extLst>
+              <a:ext uri="{FF2B5EF4-FFF2-40B4-BE49-F238E27FC236}">
+                <a16:creationId xmlns:a16="http://schemas.microsoft.com/office/drawing/2014/main" id="{EA08A5BC-E6C9-471E-BA2C-980B57AC91C7}"/>
+              </a:ext>
+            </a:extLst>
+          </p:cNvPr>
+          <p:cNvSpPr txBox="1"/>
+          <p:nvPr/>
+        </p:nvSpPr>
+        <p:spPr>
+          <a:xfrm>
+            <a:off x="9189983" y="3803724"/>
+            <a:ext cx="768737" cy="369332"/>
+          </a:xfrm>
+          <a:prstGeom prst="rect">
+            <a:avLst/>
+          </a:prstGeom>
+          <a:noFill/>
+        </p:spPr>
+        <p:txBody>
+          <a:bodyPr wrap="none" rtlCol="0">
+            <a:spAutoFit/>
+          </a:bodyPr>
+          <a:lstStyle/>
+          <a:p>
+            <a:r>
+              <a:rPr lang="en-US" dirty="0">
+                <a:solidFill>
+                  <a:srgbClr val="FF0000"/>
+                </a:solidFill>
+              </a:rPr>
+              <a:t>State </a:t>
+            </a:r>
+            <a:r>
+              <a:rPr lang="en-US" dirty="0" err="1">
+                <a:solidFill>
+                  <a:srgbClr val="FF0000"/>
+                </a:solidFill>
+              </a:rPr>
+              <a:t>i</a:t>
+            </a:r>
+            <a:endParaRPr lang="en-US" dirty="0">
+              <a:solidFill>
+                <a:srgbClr val="FF0000"/>
+              </a:solidFill>
+            </a:endParaRPr>
+          </a:p>
+        </p:txBody>
+      </p:sp>
+      <p:sp>
+        <p:nvSpPr>
+          <p:cNvPr id="17" name="TextBox 16">
+            <a:extLst>
+              <a:ext uri="{FF2B5EF4-FFF2-40B4-BE49-F238E27FC236}">
+                <a16:creationId xmlns:a16="http://schemas.microsoft.com/office/drawing/2014/main" id="{AE080991-D627-4E71-8643-B4DDF1CD8C46}"/>
+              </a:ext>
+            </a:extLst>
+          </p:cNvPr>
+          <p:cNvSpPr txBox="1"/>
+          <p:nvPr/>
+        </p:nvSpPr>
+        <p:spPr>
+          <a:xfrm>
+            <a:off x="2504881" y="4102524"/>
+            <a:ext cx="829266" cy="369332"/>
+          </a:xfrm>
+          <a:prstGeom prst="rect">
+            <a:avLst/>
+          </a:prstGeom>
+          <a:noFill/>
+        </p:spPr>
+        <p:txBody>
+          <a:bodyPr wrap="none" rtlCol="0">
+            <a:spAutoFit/>
+          </a:bodyPr>
+          <a:lstStyle/>
+          <a:p>
+            <a:r>
+              <a:rPr lang="en-US" dirty="0">
+                <a:solidFill>
+                  <a:srgbClr val="FF0000"/>
+                </a:solidFill>
+              </a:rPr>
+              <a:t>k steps</a:t>
+            </a:r>
+          </a:p>
+        </p:txBody>
+      </p:sp>
     </p:spTree>
     <p:extLst>
       <p:ext uri="{BB962C8B-B14F-4D97-AF65-F5344CB8AC3E}">
-        <p14:creationId xmlns:p14="http://schemas.microsoft.com/office/powerpoint/2010/main" val="698715463"/>
+        <p14:creationId xmlns:p14="http://schemas.microsoft.com/office/powerpoint/2010/main" val="3924658005"/>
       </p:ext>
     </p:extLst>
   </p:cSld>
@@ -12291,21 +12948,21 @@
           <a:chExt cx="0" cy="0"/>
         </a:xfrm>
       </p:grpSpPr>
-      <p:cxnSp>
-        <p:nvCxnSpPr>
-          <p:cNvPr id="9" name="Straight Connector 8">
-            <a:extLst>
-              <a:ext uri="{FF2B5EF4-FFF2-40B4-BE49-F238E27FC236}">
-                <a16:creationId xmlns:a16="http://schemas.microsoft.com/office/drawing/2014/main" id="{D2E961F1-4A28-4A5F-BBD4-6E400E5E6C75}"/>
+      <p:sp useBgFill="1">
+        <p:nvSpPr>
+          <p:cNvPr id="9" name="Rectangle 8">
+            <a:extLst>
+              <a:ext uri="{FF2B5EF4-FFF2-40B4-BE49-F238E27FC236}">
+                <a16:creationId xmlns:a16="http://schemas.microsoft.com/office/drawing/2014/main" id="{D17A94B4-8121-4ED6-AB0D-69EE9A6332E6}"/>
               </a:ext>
               <a:ext uri="{C183D7F6-B498-43B3-948B-1728B52AA6E4}">
                 <adec:decorative xmlns:adec="http://schemas.microsoft.com/office/drawing/2017/decorative" val="1"/>
               </a:ext>
             </a:extLst>
           </p:cNvPr>
-          <p:cNvCxnSpPr>
-            <a:cxnSpLocks noGrp="1" noRot="1" noChangeAspect="1" noMove="1" noResize="1" noEditPoints="1" noAdjustHandles="1" noChangeArrowheads="1" noChangeShapeType="1"/>
-          </p:cNvCxnSpPr>
+          <p:cNvSpPr>
+            <a:spLocks noGrp="1" noRot="1" noChangeAspect="1" noMove="1" noResize="1" noEditPoints="1" noAdjustHandles="1" noChangeArrowheads="1" noChangeShapeType="1" noTextEdit="1"/>
+          </p:cNvSpPr>
           <p:nvPr>
             <p:extLst>
               <p:ext uri="{386F3935-93C4-4BCD-93E2-E3B085C9AB24}">
@@ -12313,76 +12970,15 @@
               </p:ext>
             </p:extLst>
           </p:nvPr>
-        </p:nvCxnSpPr>
-        <p:spPr bwMode="white">
+        </p:nvSpPr>
+        <p:spPr>
           <a:xfrm>
-            <a:off x="0" y="272357"/>
-            <a:ext cx="12188824" cy="0"/>
-          </a:xfrm>
-          <a:prstGeom prst="line">
-            <a:avLst/>
-          </a:prstGeom>
-          <a:ln w="50800">
-            <a:solidFill>
-              <a:schemeClr val="tx1">
-                <a:lumMod val="75000"/>
-                <a:lumOff val="25000"/>
-              </a:schemeClr>
-            </a:solidFill>
-          </a:ln>
-        </p:spPr>
-        <p:style>
-          <a:lnRef idx="1">
-            <a:schemeClr val="accent1"/>
-          </a:lnRef>
-          <a:fillRef idx="0">
-            <a:schemeClr val="accent1"/>
-          </a:fillRef>
-          <a:effectRef idx="0">
-            <a:schemeClr val="accent1"/>
-          </a:effectRef>
-          <a:fontRef idx="minor">
-            <a:schemeClr val="tx1"/>
-          </a:fontRef>
-        </p:style>
-      </p:cxnSp>
-      <p:sp>
-        <p:nvSpPr>
-          <p:cNvPr id="11" name="Rectangle 10">
-            <a:extLst>
-              <a:ext uri="{FF2B5EF4-FFF2-40B4-BE49-F238E27FC236}">
-                <a16:creationId xmlns:a16="http://schemas.microsoft.com/office/drawing/2014/main" id="{7F57BEA8-497D-4AA8-8A18-BDCD696B25FE}"/>
-              </a:ext>
-              <a:ext uri="{C183D7F6-B498-43B3-948B-1728B52AA6E4}">
-                <adec:decorative xmlns:adec="http://schemas.microsoft.com/office/drawing/2017/decorative" val="1"/>
-              </a:ext>
-            </a:extLst>
-          </p:cNvPr>
-          <p:cNvSpPr>
-            <a:spLocks noGrp="1" noRot="1" noChangeAspect="1" noMove="1" noResize="1" noEditPoints="1" noAdjustHandles="1" noChangeArrowheads="1" noChangeShapeType="1" noTextEdit="1"/>
-          </p:cNvSpPr>
-          <p:nvPr>
-            <p:extLst>
-              <p:ext uri="{386F3935-93C4-4BCD-93E2-E3B085C9AB24}">
-                <p16:designElem xmlns:p16="http://schemas.microsoft.com/office/powerpoint/2015/main" val="1"/>
-              </p:ext>
-            </p:extLst>
-          </p:nvPr>
-        </p:nvSpPr>
-        <p:spPr>
-          <a:xfrm>
-            <a:off x="0" y="368596"/>
-            <a:ext cx="12192000" cy="1735555"/>
+            <a:off x="-1" y="0"/>
+            <a:ext cx="12188952" cy="6858000"/>
           </a:xfrm>
           <a:prstGeom prst="rect">
             <a:avLst/>
           </a:prstGeom>
-          <a:solidFill>
-            <a:schemeClr val="tx1">
-              <a:lumMod val="75000"/>
-              <a:lumOff val="25000"/>
-            </a:schemeClr>
-          </a:solidFill>
           <a:ln>
             <a:noFill/>
           </a:ln>
@@ -12412,64 +13008,21 @@
           </a:p>
         </p:txBody>
       </p:sp>
-      <p:sp>
-        <p:nvSpPr>
-          <p:cNvPr id="2" name="Title 1">
-            <a:extLst>
-              <a:ext uri="{FF2B5EF4-FFF2-40B4-BE49-F238E27FC236}">
-                <a16:creationId xmlns:a16="http://schemas.microsoft.com/office/drawing/2014/main" id="{27AEA607-A0F9-4168-8DD6-2B5F01670AE9}"/>
-              </a:ext>
-            </a:extLst>
-          </p:cNvPr>
-          <p:cNvSpPr>
-            <a:spLocks noGrp="1"/>
-          </p:cNvSpPr>
-          <p:nvPr>
-            <p:ph type="title"/>
-          </p:nvPr>
-        </p:nvSpPr>
-        <p:spPr>
-          <a:xfrm>
-            <a:off x="526073" y="489439"/>
-            <a:ext cx="11139854" cy="930447"/>
-          </a:xfrm>
-        </p:spPr>
-        <p:txBody>
-          <a:bodyPr vert="horz" lIns="91440" tIns="45720" rIns="91440" bIns="45720" rtlCol="0" anchor="b">
-            <a:normAutofit/>
-          </a:bodyPr>
-          <a:lstStyle/>
-          <a:p>
-            <a:pPr algn="ctr"/>
-            <a:r>
-              <a:rPr lang="en-US" sz="5400" kern="1200" dirty="0">
-                <a:solidFill>
-                  <a:schemeClr val="bg1"/>
-                </a:solidFill>
-                <a:latin typeface="+mj-lt"/>
-                <a:ea typeface="+mj-ea"/>
-                <a:cs typeface="+mj-cs"/>
-              </a:rPr>
-              <a:t>Invertible Matrix Test</a:t>
-            </a:r>
-          </a:p>
-        </p:txBody>
-      </p:sp>
-      <p:cxnSp>
-        <p:nvCxnSpPr>
-          <p:cNvPr id="13" name="Straight Connector 12">
-            <a:extLst>
-              <a:ext uri="{FF2B5EF4-FFF2-40B4-BE49-F238E27FC236}">
-                <a16:creationId xmlns:a16="http://schemas.microsoft.com/office/drawing/2014/main" id="{A82415D3-DDE5-4D63-8CB3-23A5EC581B27}"/>
+      <p:pic>
+        <p:nvPicPr>
+          <p:cNvPr id="11" name="Graphic 10">
+            <a:extLst>
+              <a:ext uri="{FF2B5EF4-FFF2-40B4-BE49-F238E27FC236}">
+                <a16:creationId xmlns:a16="http://schemas.microsoft.com/office/drawing/2014/main" id="{4741521E-DC76-41B9-8A47-448CD4F9FA46}"/>
               </a:ext>
               <a:ext uri="{C183D7F6-B498-43B3-948B-1728B52AA6E4}">
                 <adec:decorative xmlns:adec="http://schemas.microsoft.com/office/drawing/2017/decorative" val="1"/>
               </a:ext>
             </a:extLst>
           </p:cNvPr>
-          <p:cNvCxnSpPr>
-            <a:cxnSpLocks noGrp="1" noRot="1" noChangeAspect="1" noMove="1" noResize="1" noEditPoints="1" noAdjustHandles="1" noChangeArrowheads="1" noChangeShapeType="1"/>
-          </p:cNvCxnSpPr>
+          <p:cNvPicPr>
+            <a:picLocks noGrp="1" noRot="1" noChangeAspect="1" noMove="1" noResize="1" noEditPoints="1" noAdjustHandles="1" noChangeArrowheads="1" noChangeShapeType="1" noCrop="1"/>
+          </p:cNvPicPr>
           <p:nvPr>
             <p:extLst>
               <p:ext uri="{386F3935-93C4-4BCD-93E2-E3B085C9AB24}">
@@ -12477,53 +13030,91 @@
               </p:ext>
             </p:extLst>
           </p:nvPr>
-        </p:nvCxnSpPr>
-        <p:spPr>
-          <a:xfrm>
-            <a:off x="4724400" y="1479733"/>
-            <a:ext cx="2743200" cy="0"/>
-          </a:xfrm>
-          <a:prstGeom prst="line">
+        </p:nvPicPr>
+        <p:blipFill>
+          <a:blip r:embed="rId2">
+            <a:extLst>
+              <a:ext uri="{28A0092B-C50C-407E-A947-70E740481C1C}">
+                <a14:useLocalDpi xmlns:a14="http://schemas.microsoft.com/office/drawing/2010/main" val="0"/>
+              </a:ext>
+              <a:ext uri="{96DAC541-7B7A-43D3-8B79-37D633B846F1}">
+                <asvg:svgBlip xmlns:asvg="http://schemas.microsoft.com/office/drawing/2016/SVG/main" r:embed="rId3"/>
+              </a:ext>
+            </a:extLst>
+          </a:blip>
+          <a:stretch>
+            <a:fillRect/>
+          </a:stretch>
+        </p:blipFill>
+        <p:spPr>
+          <a:xfrm rot="5400000">
+            <a:off x="3372661" y="-3359290"/>
+            <a:ext cx="5470372" cy="12188952"/>
+          </a:xfrm>
+          <a:prstGeom prst="rect">
             <a:avLst/>
           </a:prstGeom>
-          <a:ln w="19050">
-            <a:solidFill>
-              <a:schemeClr val="bg1">
-                <a:alpha val="75000"/>
-              </a:schemeClr>
-            </a:solidFill>
-          </a:ln>
-        </p:spPr>
-        <p:style>
-          <a:lnRef idx="1">
-            <a:schemeClr val="accent1"/>
-          </a:lnRef>
-          <a:fillRef idx="0">
-            <a:schemeClr val="accent1"/>
-          </a:fillRef>
-          <a:effectRef idx="0">
-            <a:schemeClr val="accent1"/>
-          </a:effectRef>
-          <a:fontRef idx="minor">
-            <a:schemeClr val="tx1"/>
-          </a:fontRef>
-        </p:style>
-      </p:cxnSp>
-      <p:cxnSp>
-        <p:nvCxnSpPr>
-          <p:cNvPr id="15" name="Straight Connector 14">
-            <a:extLst>
-              <a:ext uri="{FF2B5EF4-FFF2-40B4-BE49-F238E27FC236}">
-                <a16:creationId xmlns:a16="http://schemas.microsoft.com/office/drawing/2014/main" id="{AD7193FB-6AE6-4B3B-8F89-56B55DD63B4D}"/>
+        </p:spPr>
+      </p:pic>
+      <p:sp>
+        <p:nvSpPr>
+          <p:cNvPr id="2" name="Title 1">
+            <a:extLst>
+              <a:ext uri="{FF2B5EF4-FFF2-40B4-BE49-F238E27FC236}">
+                <a16:creationId xmlns:a16="http://schemas.microsoft.com/office/drawing/2014/main" id="{E2A30878-7531-452D-9EE5-AC3CB34AE565}"/>
+              </a:ext>
+            </a:extLst>
+          </p:cNvPr>
+          <p:cNvSpPr>
+            <a:spLocks noGrp="1"/>
+          </p:cNvSpPr>
+          <p:nvPr>
+            <p:ph type="title"/>
+          </p:nvPr>
+        </p:nvSpPr>
+        <p:spPr>
+          <a:xfrm>
+            <a:off x="1403632" y="184336"/>
+            <a:ext cx="9283781" cy="1405965"/>
+          </a:xfrm>
+        </p:spPr>
+        <p:txBody>
+          <a:bodyPr vert="horz" lIns="91440" tIns="45720" rIns="91440" bIns="45720" rtlCol="0" anchor="b">
+            <a:normAutofit/>
+          </a:bodyPr>
+          <a:lstStyle/>
+          <a:p>
+            <a:pPr algn="ctr"/>
+            <a:r>
+              <a:rPr lang="en-US" sz="5000" dirty="0"/>
+              <a:t>Infinite State change</a:t>
+            </a:r>
+            <a:endParaRPr lang="en-US" sz="5000" kern="1200" dirty="0">
+              <a:solidFill>
+                <a:schemeClr val="tx1"/>
+              </a:solidFill>
+              <a:latin typeface="+mj-lt"/>
+              <a:ea typeface="+mj-ea"/>
+              <a:cs typeface="+mj-cs"/>
+            </a:endParaRPr>
+          </a:p>
+        </p:txBody>
+      </p:sp>
+      <p:sp>
+        <p:nvSpPr>
+          <p:cNvPr id="13" name="Rectangle 12">
+            <a:extLst>
+              <a:ext uri="{FF2B5EF4-FFF2-40B4-BE49-F238E27FC236}">
+                <a16:creationId xmlns:a16="http://schemas.microsoft.com/office/drawing/2014/main" id="{53FD85F6-ECDC-4124-9916-6444E142C663}"/>
               </a:ext>
               <a:ext uri="{C183D7F6-B498-43B3-948B-1728B52AA6E4}">
                 <adec:decorative xmlns:adec="http://schemas.microsoft.com/office/drawing/2017/decorative" val="1"/>
               </a:ext>
             </a:extLst>
           </p:cNvPr>
-          <p:cNvCxnSpPr>
-            <a:cxnSpLocks noGrp="1" noRot="1" noChangeAspect="1" noMove="1" noResize="1" noEditPoints="1" noAdjustHandles="1" noChangeArrowheads="1" noChangeShapeType="1"/>
-          </p:cNvCxnSpPr>
+          <p:cNvSpPr>
+            <a:spLocks noGrp="1" noRot="1" noChangeAspect="1" noMove="1" noResize="1" noEditPoints="1" noAdjustHandles="1" noChangeArrowheads="1" noChangeShapeType="1" noTextEdit="1"/>
+          </p:cNvSpPr>
           <p:nvPr>
             <p:extLst>
               <p:ext uri="{386F3935-93C4-4BCD-93E2-E3B085C9AB24}">
@@ -12531,45 +13122,116 @@
               </p:ext>
             </p:extLst>
           </p:nvPr>
-        </p:nvCxnSpPr>
-        <p:spPr bwMode="white">
+        </p:nvSpPr>
+        <p:spPr>
           <a:xfrm>
-            <a:off x="0" y="2201402"/>
-            <a:ext cx="12188824" cy="0"/>
-          </a:xfrm>
-          <a:prstGeom prst="line">
+            <a:off x="-1078" y="685797"/>
+            <a:ext cx="118872" cy="1550455"/>
+          </a:xfrm>
+          <a:prstGeom prst="rect">
             <a:avLst/>
           </a:prstGeom>
-          <a:ln w="50800">
-            <a:solidFill>
-              <a:schemeClr val="tx1">
-                <a:lumMod val="75000"/>
-                <a:lumOff val="25000"/>
-              </a:schemeClr>
-            </a:solidFill>
+          <a:solidFill>
+            <a:schemeClr val="accent2"/>
+          </a:solidFill>
+          <a:ln>
+            <a:noFill/>
           </a:ln>
         </p:spPr>
         <p:style>
-          <a:lnRef idx="1">
-            <a:schemeClr val="accent1"/>
+          <a:lnRef idx="2">
+            <a:schemeClr val="accent1">
+              <a:shade val="50000"/>
+            </a:schemeClr>
           </a:lnRef>
-          <a:fillRef idx="0">
+          <a:fillRef idx="1">
             <a:schemeClr val="accent1"/>
           </a:fillRef>
           <a:effectRef idx="0">
             <a:schemeClr val="accent1"/>
           </a:effectRef>
           <a:fontRef idx="minor">
-            <a:schemeClr val="tx1"/>
+            <a:schemeClr val="lt1"/>
           </a:fontRef>
         </p:style>
-      </p:cxnSp>
+        <p:txBody>
+          <a:bodyPr rtlCol="0" anchor="ctr"/>
+          <a:lstStyle/>
+          <a:p>
+            <a:pPr algn="ctr"/>
+            <a:endParaRPr lang="en-US"/>
+          </a:p>
+        </p:txBody>
+      </p:sp>
+      <p:sp>
+        <p:nvSpPr>
+          <p:cNvPr id="15" name="Rectangle 14">
+            <a:extLst>
+              <a:ext uri="{FF2B5EF4-FFF2-40B4-BE49-F238E27FC236}">
+                <a16:creationId xmlns:a16="http://schemas.microsoft.com/office/drawing/2014/main" id="{FB5D26B4-74AD-4118-8F13-7051DA3BFA87}"/>
+              </a:ext>
+              <a:ext uri="{C183D7F6-B498-43B3-948B-1728B52AA6E4}">
+                <adec:decorative xmlns:adec="http://schemas.microsoft.com/office/drawing/2017/decorative" val="1"/>
+              </a:ext>
+            </a:extLst>
+          </p:cNvPr>
+          <p:cNvSpPr>
+            <a:spLocks noGrp="1" noRot="1" noChangeAspect="1" noMove="1" noResize="1" noEditPoints="1" noAdjustHandles="1" noChangeArrowheads="1" noChangeShapeType="1" noTextEdit="1"/>
+          </p:cNvSpPr>
+          <p:nvPr>
+            <p:extLst>
+              <p:ext uri="{386F3935-93C4-4BCD-93E2-E3B085C9AB24}">
+                <p16:designElem xmlns:p16="http://schemas.microsoft.com/office/powerpoint/2015/main" val="1"/>
+              </p:ext>
+            </p:extLst>
+          </p:nvPr>
+        </p:nvSpPr>
+        <p:spPr>
+          <a:xfrm>
+            <a:off x="12073128" y="6172201"/>
+            <a:ext cx="118872" cy="685800"/>
+          </a:xfrm>
+          <a:prstGeom prst="rect">
+            <a:avLst/>
+          </a:prstGeom>
+          <a:solidFill>
+            <a:schemeClr val="accent2"/>
+          </a:solidFill>
+          <a:ln>
+            <a:noFill/>
+          </a:ln>
+        </p:spPr>
+        <p:style>
+          <a:lnRef idx="2">
+            <a:schemeClr val="accent1">
+              <a:shade val="50000"/>
+            </a:schemeClr>
+          </a:lnRef>
+          <a:fillRef idx="1">
+            <a:schemeClr val="accent1"/>
+          </a:fillRef>
+          <a:effectRef idx="0">
+            <a:schemeClr val="accent1"/>
+          </a:effectRef>
+          <a:fontRef idx="minor">
+            <a:schemeClr val="lt1"/>
+          </a:fontRef>
+        </p:style>
+        <p:txBody>
+          <a:bodyPr rtlCol="0" anchor="ctr"/>
+          <a:lstStyle/>
+          <a:p>
+            <a:pPr algn="ctr"/>
+            <a:endParaRPr lang="en-US"/>
+          </a:p>
+        </p:txBody>
+      </p:sp>
       <p:pic>
         <p:nvPicPr>
-          <p:cNvPr id="4" name="Picture 3">
-            <a:extLst>
-              <a:ext uri="{FF2B5EF4-FFF2-40B4-BE49-F238E27FC236}">
-                <a16:creationId xmlns:a16="http://schemas.microsoft.com/office/drawing/2014/main" id="{22D162FA-9060-4D50-A932-2FD05AA20403}"/>
+          <p:cNvPr id="12" name="Picture 11">
+            <a:extLst>
+              <a:ext uri="{FF2B5EF4-FFF2-40B4-BE49-F238E27FC236}">
+                <a16:creationId xmlns:a16="http://schemas.microsoft.com/office/drawing/2014/main" id="{97D501FF-BDD6-4B5A-AB25-7F40E129DDB1}"/>
               </a:ext>
             </a:extLst>
           </p:cNvPr>
@@ -12579,15 +13241,15 @@
           <p:nvPr/>
         </p:nvPicPr>
         <p:blipFill>
-          <a:blip r:embed="rId2"/>
+          <a:blip r:embed="rId4"/>
           <a:stretch>
             <a:fillRect/>
           </a:stretch>
         </p:blipFill>
         <p:spPr>
           <a:xfrm>
-            <a:off x="320040" y="3693437"/>
-            <a:ext cx="11496821" cy="1465845"/>
+            <a:off x="1826359" y="3809445"/>
+            <a:ext cx="8562975" cy="723900"/>
           </a:xfrm>
           <a:prstGeom prst="rect">
             <a:avLst/>
@@ -12597,7 +13259,7 @@
     </p:spTree>
     <p:extLst>
       <p:ext uri="{BB962C8B-B14F-4D97-AF65-F5344CB8AC3E}">
-        <p14:creationId xmlns:p14="http://schemas.microsoft.com/office/powerpoint/2010/main" val="2063718745"/>
+        <p14:creationId xmlns:p14="http://schemas.microsoft.com/office/powerpoint/2010/main" val="698715463"/>
       </p:ext>
     </p:extLst>
   </p:cSld>
@@ -12920,15 +13582,45 @@
           <p:nvPr/>
         </p:nvPicPr>
         <p:blipFill>
-          <a:blip r:embed="rId2"/>
+          <a:blip r:embed="rId3"/>
           <a:stretch>
             <a:fillRect/>
           </a:stretch>
         </p:blipFill>
         <p:spPr>
           <a:xfrm>
-            <a:off x="320040" y="3679066"/>
+            <a:off x="526073" y="2681707"/>
             <a:ext cx="11496821" cy="1494586"/>
+          </a:xfrm>
+          <a:prstGeom prst="rect">
+            <a:avLst/>
+          </a:prstGeom>
+        </p:spPr>
+      </p:pic>
+      <p:pic>
+        <p:nvPicPr>
+          <p:cNvPr id="8" name="Picture 7">
+            <a:extLst>
+              <a:ext uri="{FF2B5EF4-FFF2-40B4-BE49-F238E27FC236}">
+                <a16:creationId xmlns:a16="http://schemas.microsoft.com/office/drawing/2014/main" id="{B88F157C-148E-4883-9B2F-44FC88EEFB3C}"/>
+              </a:ext>
+            </a:extLst>
+          </p:cNvPr>
+          <p:cNvPicPr>
+            <a:picLocks noChangeAspect="1"/>
+          </p:cNvPicPr>
+          <p:nvPr/>
+        </p:nvPicPr>
+        <p:blipFill>
+          <a:blip r:embed="rId4"/>
+          <a:stretch>
+            <a:fillRect/>
+          </a:stretch>
+        </p:blipFill>
+        <p:spPr>
+          <a:xfrm>
+            <a:off x="526072" y="4176294"/>
+            <a:ext cx="11139855" cy="1420332"/>
           </a:xfrm>
           <a:prstGeom prst="rect">
             <a:avLst/>
@@ -12939,6 +13631,1059 @@
     <p:extLst>
       <p:ext uri="{BB962C8B-B14F-4D97-AF65-F5344CB8AC3E}">
         <p14:creationId xmlns:p14="http://schemas.microsoft.com/office/powerpoint/2010/main" val="1728493956"/>
+      </p:ext>
+    </p:extLst>
+  </p:cSld>
+  <p:clrMapOvr>
+    <a:masterClrMapping/>
+  </p:clrMapOvr>
+</p:sld>
+</file>
+
+<file path=ppt/slides/slide27.xml><?xml version="1.0" encoding="utf-8"?>
+<p:sld xmlns:a="http://schemas.openxmlformats.org/drawingml/2006/main" xmlns:r="http://schemas.openxmlformats.org/officeDocument/2006/relationships" xmlns:p="http://schemas.openxmlformats.org/presentationml/2006/main">
+  <p:cSld>
+    <p:bg>
+      <p:bgPr>
+        <a:solidFill>
+          <a:schemeClr val="bg1"/>
+        </a:solidFill>
+        <a:effectLst/>
+      </p:bgPr>
+    </p:bg>
+    <p:spTree>
+      <p:nvGrpSpPr>
+        <p:cNvPr id="1" name=""/>
+        <p:cNvGrpSpPr/>
+        <p:nvPr/>
+      </p:nvGrpSpPr>
+      <p:grpSpPr>
+        <a:xfrm>
+          <a:off x="0" y="0"/>
+          <a:ext cx="0" cy="0"/>
+          <a:chOff x="0" y="0"/>
+          <a:chExt cx="0" cy="0"/>
+        </a:xfrm>
+      </p:grpSpPr>
+      <p:cxnSp>
+        <p:nvCxnSpPr>
+          <p:cNvPr id="9" name="Straight Connector 8">
+            <a:extLst>
+              <a:ext uri="{FF2B5EF4-FFF2-40B4-BE49-F238E27FC236}">
+                <a16:creationId xmlns:a16="http://schemas.microsoft.com/office/drawing/2014/main" id="{D2E961F1-4A28-4A5F-BBD4-6E400E5E6C75}"/>
+              </a:ext>
+              <a:ext uri="{C183D7F6-B498-43B3-948B-1728B52AA6E4}">
+                <adec:decorative xmlns:adec="http://schemas.microsoft.com/office/drawing/2017/decorative" val="1"/>
+              </a:ext>
+            </a:extLst>
+          </p:cNvPr>
+          <p:cNvCxnSpPr>
+            <a:cxnSpLocks noGrp="1" noRot="1" noChangeAspect="1" noMove="1" noResize="1" noEditPoints="1" noAdjustHandles="1" noChangeArrowheads="1" noChangeShapeType="1"/>
+          </p:cNvCxnSpPr>
+          <p:nvPr>
+            <p:extLst>
+              <p:ext uri="{386F3935-93C4-4BCD-93E2-E3B085C9AB24}">
+                <p16:designElem xmlns:p16="http://schemas.microsoft.com/office/powerpoint/2015/main" val="1"/>
+              </p:ext>
+            </p:extLst>
+          </p:nvPr>
+        </p:nvCxnSpPr>
+        <p:spPr bwMode="white">
+          <a:xfrm>
+            <a:off x="0" y="272357"/>
+            <a:ext cx="12188824" cy="0"/>
+          </a:xfrm>
+          <a:prstGeom prst="line">
+            <a:avLst/>
+          </a:prstGeom>
+          <a:ln w="50800">
+            <a:solidFill>
+              <a:schemeClr val="tx1">
+                <a:lumMod val="75000"/>
+                <a:lumOff val="25000"/>
+              </a:schemeClr>
+            </a:solidFill>
+          </a:ln>
+        </p:spPr>
+        <p:style>
+          <a:lnRef idx="1">
+            <a:schemeClr val="accent1"/>
+          </a:lnRef>
+          <a:fillRef idx="0">
+            <a:schemeClr val="accent1"/>
+          </a:fillRef>
+          <a:effectRef idx="0">
+            <a:schemeClr val="accent1"/>
+          </a:effectRef>
+          <a:fontRef idx="minor">
+            <a:schemeClr val="tx1"/>
+          </a:fontRef>
+        </p:style>
+      </p:cxnSp>
+      <p:sp>
+        <p:nvSpPr>
+          <p:cNvPr id="11" name="Rectangle 10">
+            <a:extLst>
+              <a:ext uri="{FF2B5EF4-FFF2-40B4-BE49-F238E27FC236}">
+                <a16:creationId xmlns:a16="http://schemas.microsoft.com/office/drawing/2014/main" id="{7F57BEA8-497D-4AA8-8A18-BDCD696B25FE}"/>
+              </a:ext>
+              <a:ext uri="{C183D7F6-B498-43B3-948B-1728B52AA6E4}">
+                <adec:decorative xmlns:adec="http://schemas.microsoft.com/office/drawing/2017/decorative" val="1"/>
+              </a:ext>
+            </a:extLst>
+          </p:cNvPr>
+          <p:cNvSpPr>
+            <a:spLocks noGrp="1" noRot="1" noChangeAspect="1" noMove="1" noResize="1" noEditPoints="1" noAdjustHandles="1" noChangeArrowheads="1" noChangeShapeType="1" noTextEdit="1"/>
+          </p:cNvSpPr>
+          <p:nvPr>
+            <p:extLst>
+              <p:ext uri="{386F3935-93C4-4BCD-93E2-E3B085C9AB24}">
+                <p16:designElem xmlns:p16="http://schemas.microsoft.com/office/powerpoint/2015/main" val="1"/>
+              </p:ext>
+            </p:extLst>
+          </p:nvPr>
+        </p:nvSpPr>
+        <p:spPr>
+          <a:xfrm>
+            <a:off x="0" y="368596"/>
+            <a:ext cx="12192000" cy="1735555"/>
+          </a:xfrm>
+          <a:prstGeom prst="rect">
+            <a:avLst/>
+          </a:prstGeom>
+          <a:solidFill>
+            <a:schemeClr val="tx1">
+              <a:lumMod val="75000"/>
+              <a:lumOff val="25000"/>
+            </a:schemeClr>
+          </a:solidFill>
+          <a:ln>
+            <a:noFill/>
+          </a:ln>
+        </p:spPr>
+        <p:style>
+          <a:lnRef idx="2">
+            <a:schemeClr val="accent1">
+              <a:shade val="50000"/>
+            </a:schemeClr>
+          </a:lnRef>
+          <a:fillRef idx="1">
+            <a:schemeClr val="accent1"/>
+          </a:fillRef>
+          <a:effectRef idx="0">
+            <a:schemeClr val="accent1"/>
+          </a:effectRef>
+          <a:fontRef idx="minor">
+            <a:schemeClr val="lt1"/>
+          </a:fontRef>
+        </p:style>
+        <p:txBody>
+          <a:bodyPr rtlCol="0" anchor="ctr"/>
+          <a:lstStyle/>
+          <a:p>
+            <a:pPr algn="ctr"/>
+            <a:endParaRPr lang="en-US"/>
+          </a:p>
+        </p:txBody>
+      </p:sp>
+      <p:sp>
+        <p:nvSpPr>
+          <p:cNvPr id="2" name="Title 1">
+            <a:extLst>
+              <a:ext uri="{FF2B5EF4-FFF2-40B4-BE49-F238E27FC236}">
+                <a16:creationId xmlns:a16="http://schemas.microsoft.com/office/drawing/2014/main" id="{1003F869-A95F-4608-A9DC-20E07D627945}"/>
+              </a:ext>
+            </a:extLst>
+          </p:cNvPr>
+          <p:cNvSpPr>
+            <a:spLocks noGrp="1"/>
+          </p:cNvSpPr>
+          <p:nvPr>
+            <p:ph type="title"/>
+          </p:nvPr>
+        </p:nvSpPr>
+        <p:spPr>
+          <a:xfrm>
+            <a:off x="526073" y="489439"/>
+            <a:ext cx="11139854" cy="930447"/>
+          </a:xfrm>
+        </p:spPr>
+        <p:txBody>
+          <a:bodyPr vert="horz" lIns="91440" tIns="45720" rIns="91440" bIns="45720" rtlCol="0" anchor="b">
+            <a:normAutofit/>
+          </a:bodyPr>
+          <a:lstStyle/>
+          <a:p>
+            <a:pPr algn="ctr"/>
+            <a:r>
+              <a:rPr lang="en-US" sz="5400" kern="1200" dirty="0">
+                <a:solidFill>
+                  <a:schemeClr val="bg1"/>
+                </a:solidFill>
+                <a:latin typeface="+mj-lt"/>
+                <a:ea typeface="+mj-ea"/>
+                <a:cs typeface="+mj-cs"/>
+              </a:rPr>
+              <a:t>Eigenvalue and Eigenvectors</a:t>
+            </a:r>
+          </a:p>
+        </p:txBody>
+      </p:sp>
+      <p:cxnSp>
+        <p:nvCxnSpPr>
+          <p:cNvPr id="13" name="Straight Connector 12">
+            <a:extLst>
+              <a:ext uri="{FF2B5EF4-FFF2-40B4-BE49-F238E27FC236}">
+                <a16:creationId xmlns:a16="http://schemas.microsoft.com/office/drawing/2014/main" id="{A82415D3-DDE5-4D63-8CB3-23A5EC581B27}"/>
+              </a:ext>
+              <a:ext uri="{C183D7F6-B498-43B3-948B-1728B52AA6E4}">
+                <adec:decorative xmlns:adec="http://schemas.microsoft.com/office/drawing/2017/decorative" val="1"/>
+              </a:ext>
+            </a:extLst>
+          </p:cNvPr>
+          <p:cNvCxnSpPr>
+            <a:cxnSpLocks noGrp="1" noRot="1" noChangeAspect="1" noMove="1" noResize="1" noEditPoints="1" noAdjustHandles="1" noChangeArrowheads="1" noChangeShapeType="1"/>
+          </p:cNvCxnSpPr>
+          <p:nvPr>
+            <p:extLst>
+              <p:ext uri="{386F3935-93C4-4BCD-93E2-E3B085C9AB24}">
+                <p16:designElem xmlns:p16="http://schemas.microsoft.com/office/powerpoint/2015/main" val="1"/>
+              </p:ext>
+            </p:extLst>
+          </p:nvPr>
+        </p:nvCxnSpPr>
+        <p:spPr>
+          <a:xfrm>
+            <a:off x="4724400" y="1479733"/>
+            <a:ext cx="2743200" cy="0"/>
+          </a:xfrm>
+          <a:prstGeom prst="line">
+            <a:avLst/>
+          </a:prstGeom>
+          <a:ln w="19050">
+            <a:solidFill>
+              <a:schemeClr val="bg1">
+                <a:alpha val="75000"/>
+              </a:schemeClr>
+            </a:solidFill>
+          </a:ln>
+        </p:spPr>
+        <p:style>
+          <a:lnRef idx="1">
+            <a:schemeClr val="accent1"/>
+          </a:lnRef>
+          <a:fillRef idx="0">
+            <a:schemeClr val="accent1"/>
+          </a:fillRef>
+          <a:effectRef idx="0">
+            <a:schemeClr val="accent1"/>
+          </a:effectRef>
+          <a:fontRef idx="minor">
+            <a:schemeClr val="tx1"/>
+          </a:fontRef>
+        </p:style>
+      </p:cxnSp>
+      <p:cxnSp>
+        <p:nvCxnSpPr>
+          <p:cNvPr id="15" name="Straight Connector 14">
+            <a:extLst>
+              <a:ext uri="{FF2B5EF4-FFF2-40B4-BE49-F238E27FC236}">
+                <a16:creationId xmlns:a16="http://schemas.microsoft.com/office/drawing/2014/main" id="{AD7193FB-6AE6-4B3B-8F89-56B55DD63B4D}"/>
+              </a:ext>
+              <a:ext uri="{C183D7F6-B498-43B3-948B-1728B52AA6E4}">
+                <adec:decorative xmlns:adec="http://schemas.microsoft.com/office/drawing/2017/decorative" val="1"/>
+              </a:ext>
+            </a:extLst>
+          </p:cNvPr>
+          <p:cNvCxnSpPr>
+            <a:cxnSpLocks noGrp="1" noRot="1" noChangeAspect="1" noMove="1" noResize="1" noEditPoints="1" noAdjustHandles="1" noChangeArrowheads="1" noChangeShapeType="1"/>
+          </p:cNvCxnSpPr>
+          <p:nvPr>
+            <p:extLst>
+              <p:ext uri="{386F3935-93C4-4BCD-93E2-E3B085C9AB24}">
+                <p16:designElem xmlns:p16="http://schemas.microsoft.com/office/powerpoint/2015/main" val="1"/>
+              </p:ext>
+            </p:extLst>
+          </p:nvPr>
+        </p:nvCxnSpPr>
+        <p:spPr bwMode="white">
+          <a:xfrm>
+            <a:off x="0" y="2201402"/>
+            <a:ext cx="12188824" cy="0"/>
+          </a:xfrm>
+          <a:prstGeom prst="line">
+            <a:avLst/>
+          </a:prstGeom>
+          <a:ln w="50800">
+            <a:solidFill>
+              <a:schemeClr val="tx1">
+                <a:lumMod val="75000"/>
+                <a:lumOff val="25000"/>
+              </a:schemeClr>
+            </a:solidFill>
+          </a:ln>
+        </p:spPr>
+        <p:style>
+          <a:lnRef idx="1">
+            <a:schemeClr val="accent1"/>
+          </a:lnRef>
+          <a:fillRef idx="0">
+            <a:schemeClr val="accent1"/>
+          </a:fillRef>
+          <a:effectRef idx="0">
+            <a:schemeClr val="accent1"/>
+          </a:effectRef>
+          <a:fontRef idx="minor">
+            <a:schemeClr val="tx1"/>
+          </a:fontRef>
+        </p:style>
+      </p:cxnSp>
+      <p:pic>
+        <p:nvPicPr>
+          <p:cNvPr id="4" name="Picture 3">
+            <a:extLst>
+              <a:ext uri="{FF2B5EF4-FFF2-40B4-BE49-F238E27FC236}">
+                <a16:creationId xmlns:a16="http://schemas.microsoft.com/office/drawing/2014/main" id="{99B82CFC-FACE-49C4-A77E-36F8697C3565}"/>
+              </a:ext>
+            </a:extLst>
+          </p:cNvPr>
+          <p:cNvPicPr>
+            <a:picLocks noChangeAspect="1"/>
+          </p:cNvPicPr>
+          <p:nvPr/>
+        </p:nvPicPr>
+        <p:blipFill>
+          <a:blip r:embed="rId3"/>
+          <a:stretch>
+            <a:fillRect/>
+          </a:stretch>
+        </p:blipFill>
+        <p:spPr>
+          <a:xfrm>
+            <a:off x="346001" y="2437399"/>
+            <a:ext cx="11496821" cy="1983202"/>
+          </a:xfrm>
+          <a:prstGeom prst="rect">
+            <a:avLst/>
+          </a:prstGeom>
+        </p:spPr>
+      </p:pic>
+      <p:pic>
+        <p:nvPicPr>
+          <p:cNvPr id="6" name="Picture 5">
+            <a:extLst>
+              <a:ext uri="{FF2B5EF4-FFF2-40B4-BE49-F238E27FC236}">
+                <a16:creationId xmlns:a16="http://schemas.microsoft.com/office/drawing/2014/main" id="{16C7B570-3C5D-4F25-B1DD-889C049A8650}"/>
+              </a:ext>
+            </a:extLst>
+          </p:cNvPr>
+          <p:cNvPicPr>
+            <a:picLocks noChangeAspect="1"/>
+          </p:cNvPicPr>
+          <p:nvPr/>
+        </p:nvPicPr>
+        <p:blipFill>
+          <a:blip r:embed="rId4"/>
+          <a:stretch>
+            <a:fillRect/>
+          </a:stretch>
+        </p:blipFill>
+        <p:spPr>
+          <a:xfrm>
+            <a:off x="437625" y="4550012"/>
+            <a:ext cx="11316749" cy="1988385"/>
+          </a:xfrm>
+          <a:prstGeom prst="rect">
+            <a:avLst/>
+          </a:prstGeom>
+        </p:spPr>
+      </p:pic>
+    </p:spTree>
+    <p:extLst>
+      <p:ext uri="{BB962C8B-B14F-4D97-AF65-F5344CB8AC3E}">
+        <p14:creationId xmlns:p14="http://schemas.microsoft.com/office/powerpoint/2010/main" val="3826916255"/>
+      </p:ext>
+    </p:extLst>
+  </p:cSld>
+  <p:clrMapOvr>
+    <a:masterClrMapping/>
+  </p:clrMapOvr>
+</p:sld>
+</file>
+
+<file path=ppt/slides/slide28.xml><?xml version="1.0" encoding="utf-8"?>
+<p:sld xmlns:a="http://schemas.openxmlformats.org/drawingml/2006/main" xmlns:r="http://schemas.openxmlformats.org/officeDocument/2006/relationships" xmlns:p="http://schemas.openxmlformats.org/presentationml/2006/main">
+  <p:cSld>
+    <p:bg>
+      <p:bgPr>
+        <a:solidFill>
+          <a:schemeClr val="bg1"/>
+        </a:solidFill>
+        <a:effectLst/>
+      </p:bgPr>
+    </p:bg>
+    <p:spTree>
+      <p:nvGrpSpPr>
+        <p:cNvPr id="1" name=""/>
+        <p:cNvGrpSpPr/>
+        <p:nvPr/>
+      </p:nvGrpSpPr>
+      <p:grpSpPr>
+        <a:xfrm>
+          <a:off x="0" y="0"/>
+          <a:ext cx="0" cy="0"/>
+          <a:chOff x="0" y="0"/>
+          <a:chExt cx="0" cy="0"/>
+        </a:xfrm>
+      </p:grpSpPr>
+      <p:cxnSp>
+        <p:nvCxnSpPr>
+          <p:cNvPr id="9" name="Straight Connector 8">
+            <a:extLst>
+              <a:ext uri="{FF2B5EF4-FFF2-40B4-BE49-F238E27FC236}">
+                <a16:creationId xmlns:a16="http://schemas.microsoft.com/office/drawing/2014/main" id="{D2E961F1-4A28-4A5F-BBD4-6E400E5E6C75}"/>
+              </a:ext>
+              <a:ext uri="{C183D7F6-B498-43B3-948B-1728B52AA6E4}">
+                <adec:decorative xmlns:adec="http://schemas.microsoft.com/office/drawing/2017/decorative" val="1"/>
+              </a:ext>
+            </a:extLst>
+          </p:cNvPr>
+          <p:cNvCxnSpPr>
+            <a:cxnSpLocks noGrp="1" noRot="1" noChangeAspect="1" noMove="1" noResize="1" noEditPoints="1" noAdjustHandles="1" noChangeArrowheads="1" noChangeShapeType="1"/>
+          </p:cNvCxnSpPr>
+          <p:nvPr>
+            <p:extLst>
+              <p:ext uri="{386F3935-93C4-4BCD-93E2-E3B085C9AB24}">
+                <p16:designElem xmlns:p16="http://schemas.microsoft.com/office/powerpoint/2015/main" val="1"/>
+              </p:ext>
+            </p:extLst>
+          </p:nvPr>
+        </p:nvCxnSpPr>
+        <p:spPr bwMode="white">
+          <a:xfrm>
+            <a:off x="0" y="272357"/>
+            <a:ext cx="12188824" cy="0"/>
+          </a:xfrm>
+          <a:prstGeom prst="line">
+            <a:avLst/>
+          </a:prstGeom>
+          <a:ln w="50800">
+            <a:solidFill>
+              <a:schemeClr val="tx1">
+                <a:lumMod val="75000"/>
+                <a:lumOff val="25000"/>
+              </a:schemeClr>
+            </a:solidFill>
+          </a:ln>
+        </p:spPr>
+        <p:style>
+          <a:lnRef idx="1">
+            <a:schemeClr val="accent1"/>
+          </a:lnRef>
+          <a:fillRef idx="0">
+            <a:schemeClr val="accent1"/>
+          </a:fillRef>
+          <a:effectRef idx="0">
+            <a:schemeClr val="accent1"/>
+          </a:effectRef>
+          <a:fontRef idx="minor">
+            <a:schemeClr val="tx1"/>
+          </a:fontRef>
+        </p:style>
+      </p:cxnSp>
+      <p:sp>
+        <p:nvSpPr>
+          <p:cNvPr id="11" name="Rectangle 10">
+            <a:extLst>
+              <a:ext uri="{FF2B5EF4-FFF2-40B4-BE49-F238E27FC236}">
+                <a16:creationId xmlns:a16="http://schemas.microsoft.com/office/drawing/2014/main" id="{7F57BEA8-497D-4AA8-8A18-BDCD696B25FE}"/>
+              </a:ext>
+              <a:ext uri="{C183D7F6-B498-43B3-948B-1728B52AA6E4}">
+                <adec:decorative xmlns:adec="http://schemas.microsoft.com/office/drawing/2017/decorative" val="1"/>
+              </a:ext>
+            </a:extLst>
+          </p:cNvPr>
+          <p:cNvSpPr>
+            <a:spLocks noGrp="1" noRot="1" noChangeAspect="1" noMove="1" noResize="1" noEditPoints="1" noAdjustHandles="1" noChangeArrowheads="1" noChangeShapeType="1" noTextEdit="1"/>
+          </p:cNvSpPr>
+          <p:nvPr>
+            <p:extLst>
+              <p:ext uri="{386F3935-93C4-4BCD-93E2-E3B085C9AB24}">
+                <p16:designElem xmlns:p16="http://schemas.microsoft.com/office/powerpoint/2015/main" val="1"/>
+              </p:ext>
+            </p:extLst>
+          </p:nvPr>
+        </p:nvSpPr>
+        <p:spPr>
+          <a:xfrm>
+            <a:off x="0" y="368596"/>
+            <a:ext cx="12192000" cy="1735555"/>
+          </a:xfrm>
+          <a:prstGeom prst="rect">
+            <a:avLst/>
+          </a:prstGeom>
+          <a:solidFill>
+            <a:schemeClr val="tx1">
+              <a:lumMod val="75000"/>
+              <a:lumOff val="25000"/>
+            </a:schemeClr>
+          </a:solidFill>
+          <a:ln>
+            <a:noFill/>
+          </a:ln>
+        </p:spPr>
+        <p:style>
+          <a:lnRef idx="2">
+            <a:schemeClr val="accent1">
+              <a:shade val="50000"/>
+            </a:schemeClr>
+          </a:lnRef>
+          <a:fillRef idx="1">
+            <a:schemeClr val="accent1"/>
+          </a:fillRef>
+          <a:effectRef idx="0">
+            <a:schemeClr val="accent1"/>
+          </a:effectRef>
+          <a:fontRef idx="minor">
+            <a:schemeClr val="lt1"/>
+          </a:fontRef>
+        </p:style>
+        <p:txBody>
+          <a:bodyPr rtlCol="0" anchor="ctr"/>
+          <a:lstStyle/>
+          <a:p>
+            <a:pPr algn="ctr"/>
+            <a:endParaRPr lang="en-US"/>
+          </a:p>
+        </p:txBody>
+      </p:sp>
+      <p:sp>
+        <p:nvSpPr>
+          <p:cNvPr id="2" name="Title 1">
+            <a:extLst>
+              <a:ext uri="{FF2B5EF4-FFF2-40B4-BE49-F238E27FC236}">
+                <a16:creationId xmlns:a16="http://schemas.microsoft.com/office/drawing/2014/main" id="{00B64DEF-7056-4013-B7B8-7EB06E3FFE23}"/>
+              </a:ext>
+            </a:extLst>
+          </p:cNvPr>
+          <p:cNvSpPr>
+            <a:spLocks noGrp="1"/>
+          </p:cNvSpPr>
+          <p:nvPr>
+            <p:ph type="title"/>
+          </p:nvPr>
+        </p:nvSpPr>
+        <p:spPr>
+          <a:xfrm>
+            <a:off x="526073" y="489439"/>
+            <a:ext cx="11139854" cy="930447"/>
+          </a:xfrm>
+        </p:spPr>
+        <p:txBody>
+          <a:bodyPr vert="horz" lIns="91440" tIns="45720" rIns="91440" bIns="45720" rtlCol="0" anchor="b">
+            <a:normAutofit/>
+          </a:bodyPr>
+          <a:lstStyle/>
+          <a:p>
+            <a:pPr algn="ctr"/>
+            <a:r>
+              <a:rPr lang="en-US" sz="5400" kern="1200" dirty="0">
+                <a:solidFill>
+                  <a:schemeClr val="bg1"/>
+                </a:solidFill>
+                <a:latin typeface="+mj-lt"/>
+                <a:ea typeface="+mj-ea"/>
+                <a:cs typeface="+mj-cs"/>
+              </a:rPr>
+              <a:t>Rule For Eigenvalue</a:t>
+            </a:r>
+          </a:p>
+        </p:txBody>
+      </p:sp>
+      <p:cxnSp>
+        <p:nvCxnSpPr>
+          <p:cNvPr id="13" name="Straight Connector 12">
+            <a:extLst>
+              <a:ext uri="{FF2B5EF4-FFF2-40B4-BE49-F238E27FC236}">
+                <a16:creationId xmlns:a16="http://schemas.microsoft.com/office/drawing/2014/main" id="{A82415D3-DDE5-4D63-8CB3-23A5EC581B27}"/>
+              </a:ext>
+              <a:ext uri="{C183D7F6-B498-43B3-948B-1728B52AA6E4}">
+                <adec:decorative xmlns:adec="http://schemas.microsoft.com/office/drawing/2017/decorative" val="1"/>
+              </a:ext>
+            </a:extLst>
+          </p:cNvPr>
+          <p:cNvCxnSpPr>
+            <a:cxnSpLocks noGrp="1" noRot="1" noChangeAspect="1" noMove="1" noResize="1" noEditPoints="1" noAdjustHandles="1" noChangeArrowheads="1" noChangeShapeType="1"/>
+          </p:cNvCxnSpPr>
+          <p:nvPr>
+            <p:extLst>
+              <p:ext uri="{386F3935-93C4-4BCD-93E2-E3B085C9AB24}">
+                <p16:designElem xmlns:p16="http://schemas.microsoft.com/office/powerpoint/2015/main" val="1"/>
+              </p:ext>
+            </p:extLst>
+          </p:nvPr>
+        </p:nvCxnSpPr>
+        <p:spPr>
+          <a:xfrm>
+            <a:off x="4724400" y="1479733"/>
+            <a:ext cx="2743200" cy="0"/>
+          </a:xfrm>
+          <a:prstGeom prst="line">
+            <a:avLst/>
+          </a:prstGeom>
+          <a:ln w="19050">
+            <a:solidFill>
+              <a:schemeClr val="bg1">
+                <a:alpha val="75000"/>
+              </a:schemeClr>
+            </a:solidFill>
+          </a:ln>
+        </p:spPr>
+        <p:style>
+          <a:lnRef idx="1">
+            <a:schemeClr val="accent1"/>
+          </a:lnRef>
+          <a:fillRef idx="0">
+            <a:schemeClr val="accent1"/>
+          </a:fillRef>
+          <a:effectRef idx="0">
+            <a:schemeClr val="accent1"/>
+          </a:effectRef>
+          <a:fontRef idx="minor">
+            <a:schemeClr val="tx1"/>
+          </a:fontRef>
+        </p:style>
+      </p:cxnSp>
+      <p:cxnSp>
+        <p:nvCxnSpPr>
+          <p:cNvPr id="15" name="Straight Connector 14">
+            <a:extLst>
+              <a:ext uri="{FF2B5EF4-FFF2-40B4-BE49-F238E27FC236}">
+                <a16:creationId xmlns:a16="http://schemas.microsoft.com/office/drawing/2014/main" id="{AD7193FB-6AE6-4B3B-8F89-56B55DD63B4D}"/>
+              </a:ext>
+              <a:ext uri="{C183D7F6-B498-43B3-948B-1728B52AA6E4}">
+                <adec:decorative xmlns:adec="http://schemas.microsoft.com/office/drawing/2017/decorative" val="1"/>
+              </a:ext>
+            </a:extLst>
+          </p:cNvPr>
+          <p:cNvCxnSpPr>
+            <a:cxnSpLocks noGrp="1" noRot="1" noChangeAspect="1" noMove="1" noResize="1" noEditPoints="1" noAdjustHandles="1" noChangeArrowheads="1" noChangeShapeType="1"/>
+          </p:cNvCxnSpPr>
+          <p:nvPr>
+            <p:extLst>
+              <p:ext uri="{386F3935-93C4-4BCD-93E2-E3B085C9AB24}">
+                <p16:designElem xmlns:p16="http://schemas.microsoft.com/office/powerpoint/2015/main" val="1"/>
+              </p:ext>
+            </p:extLst>
+          </p:nvPr>
+        </p:nvCxnSpPr>
+        <p:spPr bwMode="white">
+          <a:xfrm>
+            <a:off x="0" y="2201402"/>
+            <a:ext cx="12188824" cy="0"/>
+          </a:xfrm>
+          <a:prstGeom prst="line">
+            <a:avLst/>
+          </a:prstGeom>
+          <a:ln w="50800">
+            <a:solidFill>
+              <a:schemeClr val="tx1">
+                <a:lumMod val="75000"/>
+                <a:lumOff val="25000"/>
+              </a:schemeClr>
+            </a:solidFill>
+          </a:ln>
+        </p:spPr>
+        <p:style>
+          <a:lnRef idx="1">
+            <a:schemeClr val="accent1"/>
+          </a:lnRef>
+          <a:fillRef idx="0">
+            <a:schemeClr val="accent1"/>
+          </a:fillRef>
+          <a:effectRef idx="0">
+            <a:schemeClr val="accent1"/>
+          </a:effectRef>
+          <a:fontRef idx="minor">
+            <a:schemeClr val="tx1"/>
+          </a:fontRef>
+        </p:style>
+      </p:cxnSp>
+      <p:pic>
+        <p:nvPicPr>
+          <p:cNvPr id="4" name="Picture 3">
+            <a:extLst>
+              <a:ext uri="{FF2B5EF4-FFF2-40B4-BE49-F238E27FC236}">
+                <a16:creationId xmlns:a16="http://schemas.microsoft.com/office/drawing/2014/main" id="{D61DBCCB-9568-4F1B-9183-1E109200B6B7}"/>
+              </a:ext>
+            </a:extLst>
+          </p:cNvPr>
+          <p:cNvPicPr>
+            <a:picLocks noChangeAspect="1"/>
+          </p:cNvPicPr>
+          <p:nvPr/>
+        </p:nvPicPr>
+        <p:blipFill>
+          <a:blip r:embed="rId3"/>
+          <a:stretch>
+            <a:fillRect/>
+          </a:stretch>
+        </p:blipFill>
+        <p:spPr>
+          <a:xfrm>
+            <a:off x="346001" y="2298654"/>
+            <a:ext cx="11496821" cy="2816720"/>
+          </a:xfrm>
+          <a:prstGeom prst="rect">
+            <a:avLst/>
+          </a:prstGeom>
+        </p:spPr>
+      </p:pic>
+    </p:spTree>
+    <p:extLst>
+      <p:ext uri="{BB962C8B-B14F-4D97-AF65-F5344CB8AC3E}">
+        <p14:creationId xmlns:p14="http://schemas.microsoft.com/office/powerpoint/2010/main" val="1300920002"/>
+      </p:ext>
+    </p:extLst>
+  </p:cSld>
+  <p:clrMapOvr>
+    <a:masterClrMapping/>
+  </p:clrMapOvr>
+</p:sld>
+</file>
+
+<file path=ppt/slides/slide29.xml><?xml version="1.0" encoding="utf-8"?>
+<p:sld xmlns:a="http://schemas.openxmlformats.org/drawingml/2006/main" xmlns:r="http://schemas.openxmlformats.org/officeDocument/2006/relationships" xmlns:p="http://schemas.openxmlformats.org/presentationml/2006/main">
+  <p:cSld>
+    <p:bg>
+      <p:bgPr>
+        <a:solidFill>
+          <a:schemeClr val="bg1"/>
+        </a:solidFill>
+        <a:effectLst/>
+      </p:bgPr>
+    </p:bg>
+    <p:spTree>
+      <p:nvGrpSpPr>
+        <p:cNvPr id="1" name=""/>
+        <p:cNvGrpSpPr/>
+        <p:nvPr/>
+      </p:nvGrpSpPr>
+      <p:grpSpPr>
+        <a:xfrm>
+          <a:off x="0" y="0"/>
+          <a:ext cx="0" cy="0"/>
+          <a:chOff x="0" y="0"/>
+          <a:chExt cx="0" cy="0"/>
+        </a:xfrm>
+      </p:grpSpPr>
+      <p:cxnSp>
+        <p:nvCxnSpPr>
+          <p:cNvPr id="8" name="Straight Connector 7">
+            <a:extLst>
+              <a:ext uri="{FF2B5EF4-FFF2-40B4-BE49-F238E27FC236}">
+                <a16:creationId xmlns:a16="http://schemas.microsoft.com/office/drawing/2014/main" id="{D2E961F1-4A28-4A5F-BBD4-6E400E5E6C75}"/>
+              </a:ext>
+              <a:ext uri="{C183D7F6-B498-43B3-948B-1728B52AA6E4}">
+                <adec:decorative xmlns:adec="http://schemas.microsoft.com/office/drawing/2017/decorative" val="1"/>
+              </a:ext>
+            </a:extLst>
+          </p:cNvPr>
+          <p:cNvCxnSpPr>
+            <a:cxnSpLocks noGrp="1" noRot="1" noChangeAspect="1" noMove="1" noResize="1" noEditPoints="1" noAdjustHandles="1" noChangeArrowheads="1" noChangeShapeType="1"/>
+          </p:cNvCxnSpPr>
+          <p:nvPr>
+            <p:extLst>
+              <p:ext uri="{386F3935-93C4-4BCD-93E2-E3B085C9AB24}">
+                <p16:designElem xmlns:p16="http://schemas.microsoft.com/office/powerpoint/2015/main" val="1"/>
+              </p:ext>
+            </p:extLst>
+          </p:nvPr>
+        </p:nvCxnSpPr>
+        <p:spPr bwMode="white">
+          <a:xfrm>
+            <a:off x="0" y="272357"/>
+            <a:ext cx="12188824" cy="0"/>
+          </a:xfrm>
+          <a:prstGeom prst="line">
+            <a:avLst/>
+          </a:prstGeom>
+          <a:ln w="50800">
+            <a:solidFill>
+              <a:schemeClr val="tx1">
+                <a:lumMod val="75000"/>
+                <a:lumOff val="25000"/>
+              </a:schemeClr>
+            </a:solidFill>
+          </a:ln>
+        </p:spPr>
+        <p:style>
+          <a:lnRef idx="1">
+            <a:schemeClr val="accent1"/>
+          </a:lnRef>
+          <a:fillRef idx="0">
+            <a:schemeClr val="accent1"/>
+          </a:fillRef>
+          <a:effectRef idx="0">
+            <a:schemeClr val="accent1"/>
+          </a:effectRef>
+          <a:fontRef idx="minor">
+            <a:schemeClr val="tx1"/>
+          </a:fontRef>
+        </p:style>
+      </p:cxnSp>
+      <p:sp>
+        <p:nvSpPr>
+          <p:cNvPr id="10" name="Rectangle 9">
+            <a:extLst>
+              <a:ext uri="{FF2B5EF4-FFF2-40B4-BE49-F238E27FC236}">
+                <a16:creationId xmlns:a16="http://schemas.microsoft.com/office/drawing/2014/main" id="{7F57BEA8-497D-4AA8-8A18-BDCD696B25FE}"/>
+              </a:ext>
+              <a:ext uri="{C183D7F6-B498-43B3-948B-1728B52AA6E4}">
+                <adec:decorative xmlns:adec="http://schemas.microsoft.com/office/drawing/2017/decorative" val="1"/>
+              </a:ext>
+            </a:extLst>
+          </p:cNvPr>
+          <p:cNvSpPr>
+            <a:spLocks noGrp="1" noRot="1" noChangeAspect="1" noMove="1" noResize="1" noEditPoints="1" noAdjustHandles="1" noChangeArrowheads="1" noChangeShapeType="1" noTextEdit="1"/>
+          </p:cNvSpPr>
+          <p:nvPr>
+            <p:extLst>
+              <p:ext uri="{386F3935-93C4-4BCD-93E2-E3B085C9AB24}">
+                <p16:designElem xmlns:p16="http://schemas.microsoft.com/office/powerpoint/2015/main" val="1"/>
+              </p:ext>
+            </p:extLst>
+          </p:nvPr>
+        </p:nvSpPr>
+        <p:spPr>
+          <a:xfrm>
+            <a:off x="0" y="368596"/>
+            <a:ext cx="12192000" cy="1735555"/>
+          </a:xfrm>
+          <a:prstGeom prst="rect">
+            <a:avLst/>
+          </a:prstGeom>
+          <a:solidFill>
+            <a:schemeClr val="tx1">
+              <a:lumMod val="75000"/>
+              <a:lumOff val="25000"/>
+            </a:schemeClr>
+          </a:solidFill>
+          <a:ln>
+            <a:noFill/>
+          </a:ln>
+        </p:spPr>
+        <p:style>
+          <a:lnRef idx="2">
+            <a:schemeClr val="accent1">
+              <a:shade val="50000"/>
+            </a:schemeClr>
+          </a:lnRef>
+          <a:fillRef idx="1">
+            <a:schemeClr val="accent1"/>
+          </a:fillRef>
+          <a:effectRef idx="0">
+            <a:schemeClr val="accent1"/>
+          </a:effectRef>
+          <a:fontRef idx="minor">
+            <a:schemeClr val="lt1"/>
+          </a:fontRef>
+        </p:style>
+        <p:txBody>
+          <a:bodyPr rtlCol="0" anchor="ctr"/>
+          <a:lstStyle/>
+          <a:p>
+            <a:pPr algn="ctr"/>
+            <a:endParaRPr lang="en-US"/>
+          </a:p>
+        </p:txBody>
+      </p:sp>
+      <p:sp>
+        <p:nvSpPr>
+          <p:cNvPr id="2" name="Title 1">
+            <a:extLst>
+              <a:ext uri="{FF2B5EF4-FFF2-40B4-BE49-F238E27FC236}">
+                <a16:creationId xmlns:a16="http://schemas.microsoft.com/office/drawing/2014/main" id="{2472C947-0BE8-4C8A-A6B3-34AD6FEFCC80}"/>
+              </a:ext>
+            </a:extLst>
+          </p:cNvPr>
+          <p:cNvSpPr>
+            <a:spLocks noGrp="1"/>
+          </p:cNvSpPr>
+          <p:nvPr>
+            <p:ph type="title"/>
+          </p:nvPr>
+        </p:nvSpPr>
+        <p:spPr>
+          <a:xfrm>
+            <a:off x="526073" y="489439"/>
+            <a:ext cx="11139854" cy="930447"/>
+          </a:xfrm>
+        </p:spPr>
+        <p:txBody>
+          <a:bodyPr vert="horz" lIns="91440" tIns="45720" rIns="91440" bIns="45720" rtlCol="0" anchor="b">
+            <a:normAutofit/>
+          </a:bodyPr>
+          <a:lstStyle/>
+          <a:p>
+            <a:pPr algn="ctr"/>
+            <a:r>
+              <a:rPr lang="en-US" sz="5400" kern="1200" dirty="0">
+                <a:solidFill>
+                  <a:schemeClr val="bg1"/>
+                </a:solidFill>
+                <a:latin typeface="+mj-lt"/>
+                <a:ea typeface="+mj-ea"/>
+                <a:cs typeface="+mj-cs"/>
+              </a:rPr>
+              <a:t>Finding Eigenvalues</a:t>
+            </a:r>
+          </a:p>
+        </p:txBody>
+      </p:sp>
+      <p:cxnSp>
+        <p:nvCxnSpPr>
+          <p:cNvPr id="12" name="Straight Connector 11">
+            <a:extLst>
+              <a:ext uri="{FF2B5EF4-FFF2-40B4-BE49-F238E27FC236}">
+                <a16:creationId xmlns:a16="http://schemas.microsoft.com/office/drawing/2014/main" id="{A82415D3-DDE5-4D63-8CB3-23A5EC581B27}"/>
+              </a:ext>
+              <a:ext uri="{C183D7F6-B498-43B3-948B-1728B52AA6E4}">
+                <adec:decorative xmlns:adec="http://schemas.microsoft.com/office/drawing/2017/decorative" val="1"/>
+              </a:ext>
+            </a:extLst>
+          </p:cNvPr>
+          <p:cNvCxnSpPr>
+            <a:cxnSpLocks noGrp="1" noRot="1" noChangeAspect="1" noMove="1" noResize="1" noEditPoints="1" noAdjustHandles="1" noChangeArrowheads="1" noChangeShapeType="1"/>
+          </p:cNvCxnSpPr>
+          <p:nvPr>
+            <p:extLst>
+              <p:ext uri="{386F3935-93C4-4BCD-93E2-E3B085C9AB24}">
+                <p16:designElem xmlns:p16="http://schemas.microsoft.com/office/powerpoint/2015/main" val="1"/>
+              </p:ext>
+            </p:extLst>
+          </p:nvPr>
+        </p:nvCxnSpPr>
+        <p:spPr>
+          <a:xfrm>
+            <a:off x="4724400" y="1479733"/>
+            <a:ext cx="2743200" cy="0"/>
+          </a:xfrm>
+          <a:prstGeom prst="line">
+            <a:avLst/>
+          </a:prstGeom>
+          <a:ln w="19050">
+            <a:solidFill>
+              <a:schemeClr val="bg1">
+                <a:alpha val="75000"/>
+              </a:schemeClr>
+            </a:solidFill>
+          </a:ln>
+        </p:spPr>
+        <p:style>
+          <a:lnRef idx="1">
+            <a:schemeClr val="accent1"/>
+          </a:lnRef>
+          <a:fillRef idx="0">
+            <a:schemeClr val="accent1"/>
+          </a:fillRef>
+          <a:effectRef idx="0">
+            <a:schemeClr val="accent1"/>
+          </a:effectRef>
+          <a:fontRef idx="minor">
+            <a:schemeClr val="tx1"/>
+          </a:fontRef>
+        </p:style>
+      </p:cxnSp>
+      <p:cxnSp>
+        <p:nvCxnSpPr>
+          <p:cNvPr id="14" name="Straight Connector 13">
+            <a:extLst>
+              <a:ext uri="{FF2B5EF4-FFF2-40B4-BE49-F238E27FC236}">
+                <a16:creationId xmlns:a16="http://schemas.microsoft.com/office/drawing/2014/main" id="{AD7193FB-6AE6-4B3B-8F89-56B55DD63B4D}"/>
+              </a:ext>
+              <a:ext uri="{C183D7F6-B498-43B3-948B-1728B52AA6E4}">
+                <adec:decorative xmlns:adec="http://schemas.microsoft.com/office/drawing/2017/decorative" val="1"/>
+              </a:ext>
+            </a:extLst>
+          </p:cNvPr>
+          <p:cNvCxnSpPr>
+            <a:cxnSpLocks noGrp="1" noRot="1" noChangeAspect="1" noMove="1" noResize="1" noEditPoints="1" noAdjustHandles="1" noChangeArrowheads="1" noChangeShapeType="1"/>
+          </p:cNvCxnSpPr>
+          <p:nvPr>
+            <p:extLst>
+              <p:ext uri="{386F3935-93C4-4BCD-93E2-E3B085C9AB24}">
+                <p16:designElem xmlns:p16="http://schemas.microsoft.com/office/powerpoint/2015/main" val="1"/>
+              </p:ext>
+            </p:extLst>
+          </p:nvPr>
+        </p:nvCxnSpPr>
+        <p:spPr bwMode="white">
+          <a:xfrm>
+            <a:off x="0" y="2201402"/>
+            <a:ext cx="12188824" cy="0"/>
+          </a:xfrm>
+          <a:prstGeom prst="line">
+            <a:avLst/>
+          </a:prstGeom>
+          <a:ln w="50800">
+            <a:solidFill>
+              <a:schemeClr val="tx1">
+                <a:lumMod val="75000"/>
+                <a:lumOff val="25000"/>
+              </a:schemeClr>
+            </a:solidFill>
+          </a:ln>
+        </p:spPr>
+        <p:style>
+          <a:lnRef idx="1">
+            <a:schemeClr val="accent1"/>
+          </a:lnRef>
+          <a:fillRef idx="0">
+            <a:schemeClr val="accent1"/>
+          </a:fillRef>
+          <a:effectRef idx="0">
+            <a:schemeClr val="accent1"/>
+          </a:effectRef>
+          <a:fontRef idx="minor">
+            <a:schemeClr val="tx1"/>
+          </a:fontRef>
+        </p:style>
+      </p:cxnSp>
+      <p:pic>
+        <p:nvPicPr>
+          <p:cNvPr id="3" name="Picture 2">
+            <a:extLst>
+              <a:ext uri="{FF2B5EF4-FFF2-40B4-BE49-F238E27FC236}">
+                <a16:creationId xmlns:a16="http://schemas.microsoft.com/office/drawing/2014/main" id="{161BDCA6-0B65-47C2-A345-ED5DBF96A124}"/>
+              </a:ext>
+            </a:extLst>
+          </p:cNvPr>
+          <p:cNvPicPr>
+            <a:picLocks noChangeAspect="1"/>
+          </p:cNvPicPr>
+          <p:nvPr/>
+        </p:nvPicPr>
+        <p:blipFill>
+          <a:blip r:embed="rId3"/>
+          <a:stretch>
+            <a:fillRect/>
+          </a:stretch>
+        </p:blipFill>
+        <p:spPr>
+          <a:xfrm>
+            <a:off x="320040" y="3693437"/>
+            <a:ext cx="11496821" cy="1465845"/>
+          </a:xfrm>
+          <a:prstGeom prst="rect">
+            <a:avLst/>
+          </a:prstGeom>
+        </p:spPr>
+      </p:pic>
+    </p:spTree>
+    <p:extLst>
+      <p:ext uri="{BB962C8B-B14F-4D97-AF65-F5344CB8AC3E}">
+        <p14:creationId xmlns:p14="http://schemas.microsoft.com/office/powerpoint/2010/main" val="238407052"/>
       </p:ext>
     </p:extLst>
   </p:cSld>
@@ -13631,36 +15376,6 @@
           </a:p>
         </p:txBody>
       </p:sp>
-      <p:pic>
-        <p:nvPicPr>
-          <p:cNvPr id="4" name="Picture 3">
-            <a:extLst>
-              <a:ext uri="{FF2B5EF4-FFF2-40B4-BE49-F238E27FC236}">
-                <a16:creationId xmlns:a16="http://schemas.microsoft.com/office/drawing/2014/main" id="{7E0EC51D-D3FD-48E8-9D21-0061655C1B70}"/>
-              </a:ext>
-            </a:extLst>
-          </p:cNvPr>
-          <p:cNvPicPr>
-            <a:picLocks noChangeAspect="1"/>
-          </p:cNvPicPr>
-          <p:nvPr/>
-        </p:nvPicPr>
-        <p:blipFill>
-          <a:blip r:embed="rId3"/>
-          <a:stretch>
-            <a:fillRect/>
-          </a:stretch>
-        </p:blipFill>
-        <p:spPr>
-          <a:xfrm>
-            <a:off x="1289303" y="1468878"/>
-            <a:ext cx="9613397" cy="1514110"/>
-          </a:xfrm>
-          <a:prstGeom prst="rect">
-            <a:avLst/>
-          </a:prstGeom>
-        </p:spPr>
-      </p:pic>
       <p:sp>
         <p:nvSpPr>
           <p:cNvPr id="11" name="Right Triangle 10">
@@ -13795,7 +15510,7 @@
           <p:cNvPr id="2" name="Title 1">
             <a:extLst>
               <a:ext uri="{FF2B5EF4-FFF2-40B4-BE49-F238E27FC236}">
-                <a16:creationId xmlns:a16="http://schemas.microsoft.com/office/drawing/2014/main" id="{20B5CE18-CA98-4B05-A4D5-CCA115C9B431}"/>
+                <a16:creationId xmlns:a16="http://schemas.microsoft.com/office/drawing/2014/main" id="{680F8C69-9CA1-4A6F-A404-62AF57BFA10A}"/>
               </a:ext>
             </a:extLst>
           </p:cNvPr>
@@ -13808,8 +15523,8 @@
         </p:nvSpPr>
         <p:spPr>
           <a:xfrm>
-            <a:off x="1100460" y="4127176"/>
-            <a:ext cx="8921672" cy="1713305"/>
+            <a:off x="866112" y="4651375"/>
+            <a:ext cx="10548926" cy="1713305"/>
           </a:xfrm>
         </p:spPr>
         <p:txBody>
@@ -13827,15 +15542,112 @@
                 <a:ea typeface="+mj-ea"/>
                 <a:cs typeface="+mj-cs"/>
               </a:rPr>
-              <a:t>Finite, infinite subspaces</a:t>
+              <a:t>Other Invertible Properties</a:t>
             </a:r>
           </a:p>
         </p:txBody>
       </p:sp>
+      <p:pic>
+        <p:nvPicPr>
+          <p:cNvPr id="7" name="Picture 6">
+            <a:extLst>
+              <a:ext uri="{FF2B5EF4-FFF2-40B4-BE49-F238E27FC236}">
+                <a16:creationId xmlns:a16="http://schemas.microsoft.com/office/drawing/2014/main" id="{8514FE98-14EF-49C6-855C-147BA421548A}"/>
+              </a:ext>
+            </a:extLst>
+          </p:cNvPr>
+          <p:cNvPicPr>
+            <a:picLocks noChangeAspect="1"/>
+          </p:cNvPicPr>
+          <p:nvPr/>
+        </p:nvPicPr>
+        <p:blipFill>
+          <a:blip r:embed="rId3"/>
+          <a:stretch>
+            <a:fillRect/>
+          </a:stretch>
+        </p:blipFill>
+        <p:spPr>
+          <a:xfrm>
+            <a:off x="1146888" y="815471"/>
+            <a:ext cx="9706931" cy="1237634"/>
+          </a:xfrm>
+          <a:prstGeom prst="rect">
+            <a:avLst/>
+          </a:prstGeom>
+        </p:spPr>
+      </p:pic>
+      <p:pic>
+        <p:nvPicPr>
+          <p:cNvPr id="8" name="Picture 7">
+            <a:extLst>
+              <a:ext uri="{FF2B5EF4-FFF2-40B4-BE49-F238E27FC236}">
+                <a16:creationId xmlns:a16="http://schemas.microsoft.com/office/drawing/2014/main" id="{637BFEE7-9A6D-4B9B-B314-26A83C1F2C20}"/>
+              </a:ext>
+            </a:extLst>
+          </p:cNvPr>
+          <p:cNvPicPr>
+            <a:picLocks noChangeAspect="1"/>
+          </p:cNvPicPr>
+          <p:nvPr/>
+        </p:nvPicPr>
+        <p:blipFill>
+          <a:blip r:embed="rId4"/>
+          <a:stretch>
+            <a:fillRect/>
+          </a:stretch>
+        </p:blipFill>
+        <p:spPr>
+          <a:xfrm>
+            <a:off x="1146888" y="2144139"/>
+            <a:ext cx="9739404" cy="1058205"/>
+          </a:xfrm>
+          <a:prstGeom prst="rect">
+            <a:avLst/>
+          </a:prstGeom>
+        </p:spPr>
+      </p:pic>
+      <p:pic>
+        <p:nvPicPr>
+          <p:cNvPr id="10" name="Picture 9">
+            <a:extLst>
+              <a:ext uri="{FF2B5EF4-FFF2-40B4-BE49-F238E27FC236}">
+                <a16:creationId xmlns:a16="http://schemas.microsoft.com/office/drawing/2014/main" id="{2CFEA745-C168-4015-A869-2FC3223706DE}"/>
+              </a:ext>
+            </a:extLst>
+          </p:cNvPr>
+          <p:cNvPicPr>
+            <a:picLocks noChangeAspect="1"/>
+          </p:cNvPicPr>
+          <p:nvPr/>
+        </p:nvPicPr>
+        <p:blipFill>
+          <a:blip r:embed="rId5"/>
+          <a:stretch>
+            <a:fillRect/>
+          </a:stretch>
+        </p:blipFill>
+        <p:spPr>
+          <a:xfrm>
+            <a:off x="1146888" y="3242787"/>
+            <a:ext cx="9934606" cy="1117643"/>
+          </a:xfrm>
+          <a:prstGeom prst="rect">
+            <a:avLst/>
+          </a:prstGeom>
+          <a:effectLst>
+            <a:outerShdw blurRad="406400" dist="317500" dir="5400000" sx="89000" sy="89000" rotWithShape="0">
+              <a:prstClr val="black">
+                <a:alpha val="15000"/>
+              </a:prstClr>
+            </a:outerShdw>
+          </a:effectLst>
+        </p:spPr>
+      </p:pic>
     </p:spTree>
     <p:extLst>
       <p:ext uri="{BB962C8B-B14F-4D97-AF65-F5344CB8AC3E}">
-        <p14:creationId xmlns:p14="http://schemas.microsoft.com/office/powerpoint/2010/main" val="1991670598"/>
+        <p14:creationId xmlns:p14="http://schemas.microsoft.com/office/powerpoint/2010/main" val="543444794"/>
       </p:ext>
     </p:extLst>
   </p:cSld>
@@ -13935,7 +15747,7 @@
           <p:cNvPr id="4" name="Picture 3">
             <a:extLst>
               <a:ext uri="{FF2B5EF4-FFF2-40B4-BE49-F238E27FC236}">
-                <a16:creationId xmlns:a16="http://schemas.microsoft.com/office/drawing/2014/main" id="{08170DEE-7735-45B0-AD43-C2974B88BA1B}"/>
+                <a16:creationId xmlns:a16="http://schemas.microsoft.com/office/drawing/2014/main" id="{7E0EC51D-D3FD-48E8-9D21-0061655C1B70}"/>
               </a:ext>
             </a:extLst>
           </p:cNvPr>
@@ -13952,8 +15764,8 @@
         </p:blipFill>
         <p:spPr>
           <a:xfrm>
-            <a:off x="1289303" y="1721230"/>
-            <a:ext cx="9613397" cy="1009407"/>
+            <a:off x="1289303" y="1468878"/>
+            <a:ext cx="9613397" cy="1514110"/>
           </a:xfrm>
           <a:prstGeom prst="rect">
             <a:avLst/>
@@ -14094,7 +15906,7 @@
           <p:cNvPr id="2" name="Title 1">
             <a:extLst>
               <a:ext uri="{FF2B5EF4-FFF2-40B4-BE49-F238E27FC236}">
-                <a16:creationId xmlns:a16="http://schemas.microsoft.com/office/drawing/2014/main" id="{07C7CC1C-7727-407C-BE37-78148E72947D}"/>
+                <a16:creationId xmlns:a16="http://schemas.microsoft.com/office/drawing/2014/main" id="{20B5CE18-CA98-4B05-A4D5-CCA115C9B431}"/>
               </a:ext>
             </a:extLst>
           </p:cNvPr>
@@ -14107,13 +15919,13 @@
         </p:nvSpPr>
         <p:spPr>
           <a:xfrm>
-            <a:off x="1289304" y="3429000"/>
+            <a:off x="1100460" y="4127176"/>
             <a:ext cx="8921672" cy="1713305"/>
           </a:xfrm>
         </p:spPr>
         <p:txBody>
           <a:bodyPr vert="horz" lIns="91440" tIns="45720" rIns="91440" bIns="45720" rtlCol="0" anchor="b">
-            <a:normAutofit/>
+            <a:normAutofit fontScale="90000"/>
           </a:bodyPr>
           <a:lstStyle/>
           <a:p>
@@ -14126,7 +15938,7 @@
                 <a:ea typeface="+mj-ea"/>
                 <a:cs typeface="+mj-cs"/>
               </a:rPr>
-              <a:t>Subspace</a:t>
+              <a:t>Finite, infinite subspaces</a:t>
             </a:r>
           </a:p>
         </p:txBody>
@@ -14134,7 +15946,7 @@
     </p:spTree>
     <p:extLst>
       <p:ext uri="{BB962C8B-B14F-4D97-AF65-F5344CB8AC3E}">
-        <p14:creationId xmlns:p14="http://schemas.microsoft.com/office/powerpoint/2010/main" val="812683747"/>
+        <p14:creationId xmlns:p14="http://schemas.microsoft.com/office/powerpoint/2010/main" val="1991670598"/>
       </p:ext>
     </p:extLst>
   </p:cSld>
@@ -14234,7 +16046,7 @@
           <p:cNvPr id="4" name="Picture 3">
             <a:extLst>
               <a:ext uri="{FF2B5EF4-FFF2-40B4-BE49-F238E27FC236}">
-                <a16:creationId xmlns:a16="http://schemas.microsoft.com/office/drawing/2014/main" id="{CA103016-D841-4053-9034-E871B139188E}"/>
+                <a16:creationId xmlns:a16="http://schemas.microsoft.com/office/drawing/2014/main" id="{08170DEE-7735-45B0-AD43-C2974B88BA1B}"/>
               </a:ext>
             </a:extLst>
           </p:cNvPr>
@@ -14251,8 +16063,8 @@
         </p:blipFill>
         <p:spPr>
           <a:xfrm>
-            <a:off x="1289303" y="1552996"/>
-            <a:ext cx="9613397" cy="1345874"/>
+            <a:off x="1289303" y="1721230"/>
+            <a:ext cx="9613397" cy="1009407"/>
           </a:xfrm>
           <a:prstGeom prst="rect">
             <a:avLst/>
@@ -14393,7 +16205,7 @@
           <p:cNvPr id="2" name="Title 1">
             <a:extLst>
               <a:ext uri="{FF2B5EF4-FFF2-40B4-BE49-F238E27FC236}">
-                <a16:creationId xmlns:a16="http://schemas.microsoft.com/office/drawing/2014/main" id="{ACB835E5-0992-455E-8EC2-8CBED764D737}"/>
+                <a16:creationId xmlns:a16="http://schemas.microsoft.com/office/drawing/2014/main" id="{07C7CC1C-7727-407C-BE37-78148E72947D}"/>
               </a:ext>
             </a:extLst>
           </p:cNvPr>
@@ -14425,7 +16237,7 @@
                 <a:ea typeface="+mj-ea"/>
                 <a:cs typeface="+mj-cs"/>
               </a:rPr>
-              <a:t>Basis</a:t>
+              <a:t>Subspace</a:t>
             </a:r>
           </a:p>
         </p:txBody>
@@ -14433,7 +16245,7 @@
     </p:spTree>
     <p:extLst>
       <p:ext uri="{BB962C8B-B14F-4D97-AF65-F5344CB8AC3E}">
-        <p14:creationId xmlns:p14="http://schemas.microsoft.com/office/powerpoint/2010/main" val="1853451456"/>
+        <p14:creationId xmlns:p14="http://schemas.microsoft.com/office/powerpoint/2010/main" val="812683747"/>
       </p:ext>
     </p:extLst>
   </p:cSld>
@@ -14533,7 +16345,7 @@
           <p:cNvPr id="4" name="Picture 3">
             <a:extLst>
               <a:ext uri="{FF2B5EF4-FFF2-40B4-BE49-F238E27FC236}">
-                <a16:creationId xmlns:a16="http://schemas.microsoft.com/office/drawing/2014/main" id="{A4B90DDF-A8C8-4A00-931B-458E41CF00E3}"/>
+                <a16:creationId xmlns:a16="http://schemas.microsoft.com/office/drawing/2014/main" id="{CA103016-D841-4053-9034-E871B139188E}"/>
               </a:ext>
             </a:extLst>
           </p:cNvPr>
@@ -14550,8 +16362,8 @@
         </p:blipFill>
         <p:spPr>
           <a:xfrm>
-            <a:off x="1289303" y="1324677"/>
-            <a:ext cx="9613397" cy="1802512"/>
+            <a:off x="1289303" y="1552996"/>
+            <a:ext cx="9613397" cy="1345874"/>
           </a:xfrm>
           <a:prstGeom prst="rect">
             <a:avLst/>
@@ -14692,7 +16504,7 @@
           <p:cNvPr id="2" name="Title 1">
             <a:extLst>
               <a:ext uri="{FF2B5EF4-FFF2-40B4-BE49-F238E27FC236}">
-                <a16:creationId xmlns:a16="http://schemas.microsoft.com/office/drawing/2014/main" id="{ACD2A192-E2B9-4439-ABD6-CB6A9D20A011}"/>
+                <a16:creationId xmlns:a16="http://schemas.microsoft.com/office/drawing/2014/main" id="{ACB835E5-0992-455E-8EC2-8CBED764D737}"/>
               </a:ext>
             </a:extLst>
           </p:cNvPr>
@@ -14716,24 +16528,23 @@
           <a:lstStyle/>
           <a:p>
             <a:r>
-              <a:rPr lang="en-US" sz="8000" dirty="0"/>
-              <a:t>Subspace’s basis</a:t>
+              <a:rPr lang="en-US" sz="8000" kern="1200" dirty="0">
+                <a:solidFill>
+                  <a:schemeClr val="tx1"/>
+                </a:solidFill>
+                <a:latin typeface="+mj-lt"/>
+                <a:ea typeface="+mj-ea"/>
+                <a:cs typeface="+mj-cs"/>
+              </a:rPr>
+              <a:t>Basis</a:t>
             </a:r>
-            <a:endParaRPr lang="en-US" sz="8000" kern="1200" dirty="0">
-              <a:solidFill>
-                <a:schemeClr val="tx1"/>
-              </a:solidFill>
-              <a:latin typeface="+mj-lt"/>
-              <a:ea typeface="+mj-ea"/>
-              <a:cs typeface="+mj-cs"/>
-            </a:endParaRPr>
           </a:p>
         </p:txBody>
       </p:sp>
     </p:spTree>
     <p:extLst>
       <p:ext uri="{BB962C8B-B14F-4D97-AF65-F5344CB8AC3E}">
-        <p14:creationId xmlns:p14="http://schemas.microsoft.com/office/powerpoint/2010/main" val="1416143624"/>
+        <p14:creationId xmlns:p14="http://schemas.microsoft.com/office/powerpoint/2010/main" val="1853451456"/>
       </p:ext>
     </p:extLst>
   </p:cSld>
@@ -14833,7 +16644,7 @@
           <p:cNvPr id="4" name="Picture 3">
             <a:extLst>
               <a:ext uri="{FF2B5EF4-FFF2-40B4-BE49-F238E27FC236}">
-                <a16:creationId xmlns:a16="http://schemas.microsoft.com/office/drawing/2014/main" id="{ACDE7D8F-DD79-4F4C-82AB-014479EFBA39}"/>
+                <a16:creationId xmlns:a16="http://schemas.microsoft.com/office/drawing/2014/main" id="{A4B90DDF-A8C8-4A00-931B-458E41CF00E3}"/>
               </a:ext>
             </a:extLst>
           </p:cNvPr>
@@ -14850,8 +16661,8 @@
         </p:blipFill>
         <p:spPr>
           <a:xfrm>
-            <a:off x="1289303" y="1119116"/>
-            <a:ext cx="6972078" cy="2213635"/>
+            <a:off x="1289303" y="1324677"/>
+            <a:ext cx="9613397" cy="1802512"/>
           </a:xfrm>
           <a:prstGeom prst="rect">
             <a:avLst/>
@@ -14992,7 +16803,7 @@
           <p:cNvPr id="2" name="Title 1">
             <a:extLst>
               <a:ext uri="{FF2B5EF4-FFF2-40B4-BE49-F238E27FC236}">
-                <a16:creationId xmlns:a16="http://schemas.microsoft.com/office/drawing/2014/main" id="{D8507F17-F0EF-4A6C-BA74-C85C4CBC339B}"/>
+                <a16:creationId xmlns:a16="http://schemas.microsoft.com/office/drawing/2014/main" id="{ACD2A192-E2B9-4439-ABD6-CB6A9D20A011}"/>
               </a:ext>
             </a:extLst>
           </p:cNvPr>
@@ -15016,23 +16827,24 @@
           <a:lstStyle/>
           <a:p>
             <a:r>
-              <a:rPr lang="en-US" sz="8000" kern="1200">
-                <a:solidFill>
-                  <a:schemeClr val="tx1"/>
-                </a:solidFill>
-                <a:latin typeface="+mj-lt"/>
-                <a:ea typeface="+mj-ea"/>
-                <a:cs typeface="+mj-cs"/>
-              </a:rPr>
-              <a:t>Reduction Algorithm</a:t>
+              <a:rPr lang="en-US" sz="8000" dirty="0"/>
+              <a:t>Subspace’s basis</a:t>
             </a:r>
+            <a:endParaRPr lang="en-US" sz="8000" kern="1200" dirty="0">
+              <a:solidFill>
+                <a:schemeClr val="tx1"/>
+              </a:solidFill>
+              <a:latin typeface="+mj-lt"/>
+              <a:ea typeface="+mj-ea"/>
+              <a:cs typeface="+mj-cs"/>
+            </a:endParaRPr>
           </a:p>
         </p:txBody>
       </p:sp>
     </p:spTree>
     <p:extLst>
       <p:ext uri="{BB962C8B-B14F-4D97-AF65-F5344CB8AC3E}">
-        <p14:creationId xmlns:p14="http://schemas.microsoft.com/office/powerpoint/2010/main" val="1496410469"/>
+        <p14:creationId xmlns:p14="http://schemas.microsoft.com/office/powerpoint/2010/main" val="1416143624"/>
       </p:ext>
     </p:extLst>
   </p:cSld>
@@ -15633,12 +17445,6 @@
 </file>
 
 <file path=customXml/item1.xml><?xml version="1.0" encoding="utf-8"?>
-<p:properties xmlns:p="http://schemas.microsoft.com/office/2006/metadata/properties" xmlns:xsi="http://www.w3.org/2001/XMLSchema-instance" xmlns:pc="http://schemas.microsoft.com/office/infopath/2007/PartnerControls">
-  <documentManagement/>
-</p:properties>
-</file>
-
-<file path=customXml/item2.xml><?xml version="1.0" encoding="utf-8"?>
 <ct:contentTypeSchema xmlns:ct="http://schemas.microsoft.com/office/2006/metadata/contentType" xmlns:ma="http://schemas.microsoft.com/office/2006/metadata/properties/metaAttributes" ct:_="" ma:_="" ma:contentTypeName="Document" ma:contentTypeID="0x010100C7DE497FA346CD49B765B54AB6A367B5" ma:contentTypeVersion="4" ma:contentTypeDescription="Create a new document." ma:contentTypeScope="" ma:versionID="a3a5beb513839eaa00abdd1d143a0caa">
   <xsd:schema xmlns:xsd="http://www.w3.org/2001/XMLSchema" xmlns:xs="http://www.w3.org/2001/XMLSchema" xmlns:p="http://schemas.microsoft.com/office/2006/metadata/properties" xmlns:ns3="d9c5c803-e33e-4c61-8351-da4c9b99ae39" targetNamespace="http://schemas.microsoft.com/office/2006/metadata/properties" ma:root="true" ma:fieldsID="d1dcafc5a49a936c7c338c09e0f70733" ns3:_="">
     <xsd:import namespace="d9c5c803-e33e-4c61-8351-da4c9b99ae39"/>
@@ -15784,6 +17590,12 @@
 </ct:contentTypeSchema>
 </file>
 
+<file path=customXml/item2.xml><?xml version="1.0" encoding="utf-8"?>
+<p:properties xmlns:p="http://schemas.microsoft.com/office/2006/metadata/properties" xmlns:xsi="http://www.w3.org/2001/XMLSchema-instance" xmlns:pc="http://schemas.microsoft.com/office/infopath/2007/PartnerControls">
+  <documentManagement/>
+</p:properties>
+</file>
+
 <file path=customXml/item3.xml><?xml version="1.0" encoding="utf-8"?>
 <?mso-contentType ?>
 <FormTemplates xmlns="http://schemas.microsoft.com/sharepoint/v3/contenttype/forms">
@@ -15794,22 +17606,6 @@
 </file>
 
 <file path=customXml/itemProps1.xml><?xml version="1.0" encoding="utf-8"?>
-<ds:datastoreItem xmlns:ds="http://schemas.openxmlformats.org/officeDocument/2006/customXml" ds:itemID="{B1A9F696-FA5F-4B34-B731-F825EC19C60A}">
-  <ds:schemaRefs>
-    <ds:schemaRef ds:uri="http://purl.org/dc/dcmitype/"/>
-    <ds:schemaRef ds:uri="http://purl.org/dc/terms/"/>
-    <ds:schemaRef ds:uri="http://schemas.openxmlformats.org/package/2006/metadata/core-properties"/>
-    <ds:schemaRef ds:uri="http://purl.org/dc/elements/1.1/"/>
-    <ds:schemaRef ds:uri="http://www.w3.org/XML/1998/namespace"/>
-    <ds:schemaRef ds:uri="http://schemas.microsoft.com/office/infopath/2007/PartnerControls"/>
-    <ds:schemaRef ds:uri="http://schemas.microsoft.com/office/2006/documentManagement/types"/>
-    <ds:schemaRef ds:uri="d9c5c803-e33e-4c61-8351-da4c9b99ae39"/>
-    <ds:schemaRef ds:uri="http://schemas.microsoft.com/office/2006/metadata/properties"/>
-  </ds:schemaRefs>
-</ds:datastoreItem>
-</file>
-
-<file path=customXml/itemProps2.xml><?xml version="1.0" encoding="utf-8"?>
 <ds:datastoreItem xmlns:ds="http://schemas.openxmlformats.org/officeDocument/2006/customXml" ds:itemID="{721171E0-DFBF-4594-A591-62EE4EAC2B66}">
   <ds:schemaRefs>
     <ds:schemaRef ds:uri="http://schemas.microsoft.com/office/2006/metadata/contentType"/>
@@ -15827,6 +17623,22 @@
 </ds:datastoreItem>
 </file>
 
+<file path=customXml/itemProps2.xml><?xml version="1.0" encoding="utf-8"?>
+<ds:datastoreItem xmlns:ds="http://schemas.openxmlformats.org/officeDocument/2006/customXml" ds:itemID="{B1A9F696-FA5F-4B34-B731-F825EC19C60A}">
+  <ds:schemaRefs>
+    <ds:schemaRef ds:uri="http://purl.org/dc/dcmitype/"/>
+    <ds:schemaRef ds:uri="http://purl.org/dc/terms/"/>
+    <ds:schemaRef ds:uri="http://schemas.openxmlformats.org/package/2006/metadata/core-properties"/>
+    <ds:schemaRef ds:uri="http://purl.org/dc/elements/1.1/"/>
+    <ds:schemaRef ds:uri="http://www.w3.org/XML/1998/namespace"/>
+    <ds:schemaRef ds:uri="http://schemas.microsoft.com/office/infopath/2007/PartnerControls"/>
+    <ds:schemaRef ds:uri="http://schemas.microsoft.com/office/2006/documentManagement/types"/>
+    <ds:schemaRef ds:uri="d9c5c803-e33e-4c61-8351-da4c9b99ae39"/>
+    <ds:schemaRef ds:uri="http://schemas.microsoft.com/office/2006/metadata/properties"/>
+  </ds:schemaRefs>
+</ds:datastoreItem>
+</file>
+
 <file path=customXml/itemProps3.xml><?xml version="1.0" encoding="utf-8"?>
 <ds:datastoreItem xmlns:ds="http://schemas.openxmlformats.org/officeDocument/2006/customXml" ds:itemID="{97011689-39C2-4FF2-8A9A-B371DB6366C2}">
   <ds:schemaRefs>

--- a/Unit 3-4 Theorems.pptx
+++ b/Unit 3-4 Theorems.pptx
@@ -5,7 +5,7 @@
     <p:sldMasterId id="2147483648" r:id="rId4"/>
   </p:sldMasterIdLst>
   <p:notesMasterIdLst>
-    <p:notesMasterId r:id="rId34"/>
+    <p:notesMasterId r:id="rId36"/>
   </p:notesMasterIdLst>
   <p:sldIdLst>
     <p:sldId id="256" r:id="rId5"/>
@@ -37,6 +37,8 @@
     <p:sldId id="286" r:id="rId31"/>
     <p:sldId id="287" r:id="rId32"/>
     <p:sldId id="288" r:id="rId33"/>
+    <p:sldId id="291" r:id="rId34"/>
+    <p:sldId id="292" r:id="rId35"/>
   </p:sldIdLst>
   <p:sldSz cx="12192000" cy="6858000"/>
   <p:notesSz cx="6858000" cy="9144000"/>
@@ -158,7 +160,7 @@
 <file path=ppt/revisionInfo.xml><?xml version="1.0" encoding="utf-8"?>
 <p1510:revInfo xmlns:a="http://schemas.openxmlformats.org/drawingml/2006/main" xmlns:r="http://schemas.openxmlformats.org/officeDocument/2006/relationships" xmlns:p1510="http://schemas.microsoft.com/office/powerpoint/2015/10/main">
   <p1510:revLst>
-    <p1510:client id="{80965980-7CDF-4379-9A6F-B1F09123E494}" v="1021" dt="2021-03-21T23:54:19.145"/>
+    <p1510:client id="{80965980-7CDF-4379-9A6F-B1F09123E494}" v="1022" dt="2021-03-28T17:43:31.568"/>
   </p1510:revLst>
 </p1510:revInfo>
 </file>
@@ -168,7 +170,7 @@
   <pc:docChgLst>
     <pc:chgData name="Chen, Jeff" userId="9a3224f5-9893-4468-acd0-6d03119f890b" providerId="ADAL" clId="{80965980-7CDF-4379-9A6F-B1F09123E494}"/>
     <pc:docChg chg="undo custSel addSld delSld modSld">
-      <pc:chgData name="Chen, Jeff" userId="9a3224f5-9893-4468-acd0-6d03119f890b" providerId="ADAL" clId="{80965980-7CDF-4379-9A6F-B1F09123E494}" dt="2021-03-21T23:54:33.637" v="3554" actId="20577"/>
+      <pc:chgData name="Chen, Jeff" userId="9a3224f5-9893-4468-acd0-6d03119f890b" providerId="ADAL" clId="{80965980-7CDF-4379-9A6F-B1F09123E494}" dt="2021-03-29T00:23:49.736" v="3646" actId="20577"/>
       <pc:docMkLst>
         <pc:docMk/>
       </pc:docMkLst>
@@ -248,7 +250,7 @@
         </pc:spChg>
       </pc:sldChg>
       <pc:sldChg chg="modSp mod modNotesTx">
-        <pc:chgData name="Chen, Jeff" userId="9a3224f5-9893-4468-acd0-6d03119f890b" providerId="ADAL" clId="{80965980-7CDF-4379-9A6F-B1F09123E494}" dt="2021-03-20T18:16:38.907" v="1367" actId="20577"/>
+        <pc:chgData name="Chen, Jeff" userId="9a3224f5-9893-4468-acd0-6d03119f890b" providerId="ADAL" clId="{80965980-7CDF-4379-9A6F-B1F09123E494}" dt="2021-03-28T17:49:50.658" v="3586" actId="20577"/>
         <pc:sldMkLst>
           <pc:docMk/>
           <pc:sldMk cId="1853451456" sldId="261"/>
@@ -1281,6 +1283,170 @@
           </ac:picMkLst>
         </pc:picChg>
       </pc:sldChg>
+      <pc:sldChg chg="addSp modSp new mod setBg">
+        <pc:chgData name="Chen, Jeff" userId="9a3224f5-9893-4468-acd0-6d03119f890b" providerId="ADAL" clId="{80965980-7CDF-4379-9A6F-B1F09123E494}" dt="2021-03-29T00:23:21.282" v="3613" actId="20577"/>
+        <pc:sldMkLst>
+          <pc:docMk/>
+          <pc:sldMk cId="2018740186" sldId="291"/>
+        </pc:sldMkLst>
+        <pc:spChg chg="mod">
+          <ac:chgData name="Chen, Jeff" userId="9a3224f5-9893-4468-acd0-6d03119f890b" providerId="ADAL" clId="{80965980-7CDF-4379-9A6F-B1F09123E494}" dt="2021-03-29T00:23:21.282" v="3613" actId="20577"/>
+          <ac:spMkLst>
+            <pc:docMk/>
+            <pc:sldMk cId="2018740186" sldId="291"/>
+            <ac:spMk id="2" creationId="{86E22EB3-3CE5-4203-93F3-8F613DC9F1E5}"/>
+          </ac:spMkLst>
+        </pc:spChg>
+        <pc:spChg chg="add">
+          <ac:chgData name="Chen, Jeff" userId="9a3224f5-9893-4468-acd0-6d03119f890b" providerId="ADAL" clId="{80965980-7CDF-4379-9A6F-B1F09123E494}" dt="2021-03-29T00:23:09.475" v="3589" actId="26606"/>
+          <ac:spMkLst>
+            <pc:docMk/>
+            <pc:sldMk cId="2018740186" sldId="291"/>
+            <ac:spMk id="11" creationId="{7F57BEA8-497D-4AA8-8A18-BDCD696B25FE}"/>
+          </ac:spMkLst>
+        </pc:spChg>
+        <pc:picChg chg="add mod">
+          <ac:chgData name="Chen, Jeff" userId="9a3224f5-9893-4468-acd0-6d03119f890b" providerId="ADAL" clId="{80965980-7CDF-4379-9A6F-B1F09123E494}" dt="2021-03-29T00:23:09.475" v="3589" actId="26606"/>
+          <ac:picMkLst>
+            <pc:docMk/>
+            <pc:sldMk cId="2018740186" sldId="291"/>
+            <ac:picMk id="4" creationId="{CD2E47CE-515E-4CA0-977F-DCEA1B8EB8E2}"/>
+          </ac:picMkLst>
+        </pc:picChg>
+        <pc:cxnChg chg="add">
+          <ac:chgData name="Chen, Jeff" userId="9a3224f5-9893-4468-acd0-6d03119f890b" providerId="ADAL" clId="{80965980-7CDF-4379-9A6F-B1F09123E494}" dt="2021-03-29T00:23:09.475" v="3589" actId="26606"/>
+          <ac:cxnSpMkLst>
+            <pc:docMk/>
+            <pc:sldMk cId="2018740186" sldId="291"/>
+            <ac:cxnSpMk id="9" creationId="{D2E961F1-4A28-4A5F-BBD4-6E400E5E6C75}"/>
+          </ac:cxnSpMkLst>
+        </pc:cxnChg>
+        <pc:cxnChg chg="add">
+          <ac:chgData name="Chen, Jeff" userId="9a3224f5-9893-4468-acd0-6d03119f890b" providerId="ADAL" clId="{80965980-7CDF-4379-9A6F-B1F09123E494}" dt="2021-03-29T00:23:09.475" v="3589" actId="26606"/>
+          <ac:cxnSpMkLst>
+            <pc:docMk/>
+            <pc:sldMk cId="2018740186" sldId="291"/>
+            <ac:cxnSpMk id="13" creationId="{A82415D3-DDE5-4D63-8CB3-23A5EC581B27}"/>
+          </ac:cxnSpMkLst>
+        </pc:cxnChg>
+        <pc:cxnChg chg="add">
+          <ac:chgData name="Chen, Jeff" userId="9a3224f5-9893-4468-acd0-6d03119f890b" providerId="ADAL" clId="{80965980-7CDF-4379-9A6F-B1F09123E494}" dt="2021-03-29T00:23:09.475" v="3589" actId="26606"/>
+          <ac:cxnSpMkLst>
+            <pc:docMk/>
+            <pc:sldMk cId="2018740186" sldId="291"/>
+            <ac:cxnSpMk id="15" creationId="{AD7193FB-6AE6-4B3B-8F89-56B55DD63B4D}"/>
+          </ac:cxnSpMkLst>
+        </pc:cxnChg>
+      </pc:sldChg>
+      <pc:sldChg chg="new del">
+        <pc:chgData name="Chen, Jeff" userId="9a3224f5-9893-4468-acd0-6d03119f890b" providerId="ADAL" clId="{80965980-7CDF-4379-9A6F-B1F09123E494}" dt="2021-03-28T17:43:11.105" v="3557" actId="2696"/>
+        <pc:sldMkLst>
+          <pc:docMk/>
+          <pc:sldMk cId="2020230749" sldId="291"/>
+        </pc:sldMkLst>
+      </pc:sldChg>
+      <pc:sldChg chg="addSp modSp new mod setBg">
+        <pc:chgData name="Chen, Jeff" userId="9a3224f5-9893-4468-acd0-6d03119f890b" providerId="ADAL" clId="{80965980-7CDF-4379-9A6F-B1F09123E494}" dt="2021-03-29T00:23:49.736" v="3646" actId="20577"/>
+        <pc:sldMkLst>
+          <pc:docMk/>
+          <pc:sldMk cId="1679726043" sldId="292"/>
+        </pc:sldMkLst>
+        <pc:spChg chg="mod">
+          <ac:chgData name="Chen, Jeff" userId="9a3224f5-9893-4468-acd0-6d03119f890b" providerId="ADAL" clId="{80965980-7CDF-4379-9A6F-B1F09123E494}" dt="2021-03-29T00:23:49.736" v="3646" actId="20577"/>
+          <ac:spMkLst>
+            <pc:docMk/>
+            <pc:sldMk cId="1679726043" sldId="292"/>
+            <ac:spMk id="2" creationId="{E7665C4C-7593-4738-8F3D-0C7D6EB8C2F7}"/>
+          </ac:spMkLst>
+        </pc:spChg>
+        <pc:spChg chg="add">
+          <ac:chgData name="Chen, Jeff" userId="9a3224f5-9893-4468-acd0-6d03119f890b" providerId="ADAL" clId="{80965980-7CDF-4379-9A6F-B1F09123E494}" dt="2021-03-29T00:23:42.081" v="3616" actId="26606"/>
+          <ac:spMkLst>
+            <pc:docMk/>
+            <pc:sldMk cId="1679726043" sldId="292"/>
+            <ac:spMk id="11" creationId="{7F57BEA8-497D-4AA8-8A18-BDCD696B25FE}"/>
+          </ac:spMkLst>
+        </pc:spChg>
+        <pc:picChg chg="add mod">
+          <ac:chgData name="Chen, Jeff" userId="9a3224f5-9893-4468-acd0-6d03119f890b" providerId="ADAL" clId="{80965980-7CDF-4379-9A6F-B1F09123E494}" dt="2021-03-29T00:23:42.081" v="3616" actId="26606"/>
+          <ac:picMkLst>
+            <pc:docMk/>
+            <pc:sldMk cId="1679726043" sldId="292"/>
+            <ac:picMk id="4" creationId="{418D9299-54CF-4E1E-9D4B-B58FF7809355}"/>
+          </ac:picMkLst>
+        </pc:picChg>
+        <pc:cxnChg chg="add">
+          <ac:chgData name="Chen, Jeff" userId="9a3224f5-9893-4468-acd0-6d03119f890b" providerId="ADAL" clId="{80965980-7CDF-4379-9A6F-B1F09123E494}" dt="2021-03-29T00:23:42.081" v="3616" actId="26606"/>
+          <ac:cxnSpMkLst>
+            <pc:docMk/>
+            <pc:sldMk cId="1679726043" sldId="292"/>
+            <ac:cxnSpMk id="9" creationId="{D2E961F1-4A28-4A5F-BBD4-6E400E5E6C75}"/>
+          </ac:cxnSpMkLst>
+        </pc:cxnChg>
+        <pc:cxnChg chg="add">
+          <ac:chgData name="Chen, Jeff" userId="9a3224f5-9893-4468-acd0-6d03119f890b" providerId="ADAL" clId="{80965980-7CDF-4379-9A6F-B1F09123E494}" dt="2021-03-29T00:23:42.081" v="3616" actId="26606"/>
+          <ac:cxnSpMkLst>
+            <pc:docMk/>
+            <pc:sldMk cId="1679726043" sldId="292"/>
+            <ac:cxnSpMk id="13" creationId="{A82415D3-DDE5-4D63-8CB3-23A5EC581B27}"/>
+          </ac:cxnSpMkLst>
+        </pc:cxnChg>
+        <pc:cxnChg chg="add">
+          <ac:chgData name="Chen, Jeff" userId="9a3224f5-9893-4468-acd0-6d03119f890b" providerId="ADAL" clId="{80965980-7CDF-4379-9A6F-B1F09123E494}" dt="2021-03-29T00:23:42.081" v="3616" actId="26606"/>
+          <ac:cxnSpMkLst>
+            <pc:docMk/>
+            <pc:sldMk cId="1679726043" sldId="292"/>
+            <ac:cxnSpMk id="15" creationId="{AD7193FB-6AE6-4B3B-8F89-56B55DD63B4D}"/>
+          </ac:cxnSpMkLst>
+        </pc:cxnChg>
+      </pc:sldChg>
+      <pc:sldChg chg="addSp delSp modSp add del mod">
+        <pc:chgData name="Chen, Jeff" userId="9a3224f5-9893-4468-acd0-6d03119f890b" providerId="ADAL" clId="{80965980-7CDF-4379-9A6F-B1F09123E494}" dt="2021-03-28T17:43:53.017" v="3584" actId="2696"/>
+        <pc:sldMkLst>
+          <pc:docMk/>
+          <pc:sldMk cId="3081927128" sldId="292"/>
+        </pc:sldMkLst>
+        <pc:spChg chg="mod">
+          <ac:chgData name="Chen, Jeff" userId="9a3224f5-9893-4468-acd0-6d03119f890b" providerId="ADAL" clId="{80965980-7CDF-4379-9A6F-B1F09123E494}" dt="2021-03-28T17:43:17.300" v="3577" actId="20577"/>
+          <ac:spMkLst>
+            <pc:docMk/>
+            <pc:sldMk cId="3081927128" sldId="292"/>
+            <ac:spMk id="2" creationId="{680F8C69-9CA1-4A6F-A404-62AF57BFA10A}"/>
+          </ac:spMkLst>
+        </pc:spChg>
+        <pc:spChg chg="add del mod">
+          <ac:chgData name="Chen, Jeff" userId="9a3224f5-9893-4468-acd0-6d03119f890b" providerId="ADAL" clId="{80965980-7CDF-4379-9A6F-B1F09123E494}" dt="2021-03-28T17:43:44.536" v="3583"/>
+          <ac:spMkLst>
+            <pc:docMk/>
+            <pc:sldMk cId="3081927128" sldId="292"/>
+            <ac:spMk id="3" creationId="{CD2E17BD-49CC-435F-BB50-705BDB7B344B}"/>
+          </ac:spMkLst>
+        </pc:spChg>
+        <pc:picChg chg="del">
+          <ac:chgData name="Chen, Jeff" userId="9a3224f5-9893-4468-acd0-6d03119f890b" providerId="ADAL" clId="{80965980-7CDF-4379-9A6F-B1F09123E494}" dt="2021-03-28T17:43:22.815" v="3580" actId="478"/>
+          <ac:picMkLst>
+            <pc:docMk/>
+            <pc:sldMk cId="3081927128" sldId="292"/>
+            <ac:picMk id="7" creationId="{8514FE98-14EF-49C6-855C-147BA421548A}"/>
+          </ac:picMkLst>
+        </pc:picChg>
+        <pc:picChg chg="del">
+          <ac:chgData name="Chen, Jeff" userId="9a3224f5-9893-4468-acd0-6d03119f890b" providerId="ADAL" clId="{80965980-7CDF-4379-9A6F-B1F09123E494}" dt="2021-03-28T17:43:22.393" v="3579" actId="478"/>
+          <ac:picMkLst>
+            <pc:docMk/>
+            <pc:sldMk cId="3081927128" sldId="292"/>
+            <ac:picMk id="8" creationId="{637BFEE7-9A6D-4B9B-B314-26A83C1F2C20}"/>
+          </ac:picMkLst>
+        </pc:picChg>
+        <pc:picChg chg="del">
+          <ac:chgData name="Chen, Jeff" userId="9a3224f5-9893-4468-acd0-6d03119f890b" providerId="ADAL" clId="{80965980-7CDF-4379-9A6F-B1F09123E494}" dt="2021-03-28T17:43:21.795" v="3578" actId="478"/>
+          <ac:picMkLst>
+            <pc:docMk/>
+            <pc:sldMk cId="3081927128" sldId="292"/>
+            <ac:picMk id="10" creationId="{2CFEA745-C168-4015-A869-2FC3223706DE}"/>
+          </ac:picMkLst>
+        </pc:picChg>
+      </pc:sldChg>
     </pc:docChg>
   </pc:docChgLst>
 </pc:chgInfo>
@@ -1382,7 +1548,7 @@
           <a:p>
             <a:fld id="{9A3F3F89-75A5-4264-8D28-B8F9E037C0AE}" type="datetimeFigureOut">
               <a:rPr lang="en-US" smtClean="0"/>
-              <a:t>3/21/2021</a:t>
+              <a:t>3/28/2021</a:t>
             </a:fld>
             <a:endParaRPr lang="en-US"/>
           </a:p>
@@ -4433,7 +4599,7 @@
           <a:p>
             <a:r>
               <a:rPr lang="en-US" dirty="0"/>
-              <a:t>Basis is the set of linearly independent vectors that represent subspace W which is not an empty set.  (refer to slide 5)</a:t>
+              <a:t>Basis is the set of linearly independent vectors that represent subspace W which is not an empty set.  (refer to slide 6)</a:t>
             </a:r>
           </a:p>
         </p:txBody>
@@ -4795,7 +4961,7 @@
           <a:p>
             <a:fld id="{C868AB9E-4FA6-4C7D-A415-A317424E55FE}" type="datetimeFigureOut">
               <a:rPr lang="en-US" smtClean="0"/>
-              <a:t>3/21/2021</a:t>
+              <a:t>3/28/2021</a:t>
             </a:fld>
             <a:endParaRPr lang="en-US"/>
           </a:p>
@@ -4993,7 +5159,7 @@
           <a:p>
             <a:fld id="{C868AB9E-4FA6-4C7D-A415-A317424E55FE}" type="datetimeFigureOut">
               <a:rPr lang="en-US" smtClean="0"/>
-              <a:t>3/21/2021</a:t>
+              <a:t>3/28/2021</a:t>
             </a:fld>
             <a:endParaRPr lang="en-US"/>
           </a:p>
@@ -5201,7 +5367,7 @@
           <a:p>
             <a:fld id="{C868AB9E-4FA6-4C7D-A415-A317424E55FE}" type="datetimeFigureOut">
               <a:rPr lang="en-US" smtClean="0"/>
-              <a:t>3/21/2021</a:t>
+              <a:t>3/28/2021</a:t>
             </a:fld>
             <a:endParaRPr lang="en-US"/>
           </a:p>
@@ -5399,7 +5565,7 @@
           <a:p>
             <a:fld id="{C868AB9E-4FA6-4C7D-A415-A317424E55FE}" type="datetimeFigureOut">
               <a:rPr lang="en-US" smtClean="0"/>
-              <a:t>3/21/2021</a:t>
+              <a:t>3/28/2021</a:t>
             </a:fld>
             <a:endParaRPr lang="en-US"/>
           </a:p>
@@ -5674,7 +5840,7 @@
           <a:p>
             <a:fld id="{C868AB9E-4FA6-4C7D-A415-A317424E55FE}" type="datetimeFigureOut">
               <a:rPr lang="en-US" smtClean="0"/>
-              <a:t>3/21/2021</a:t>
+              <a:t>3/28/2021</a:t>
             </a:fld>
             <a:endParaRPr lang="en-US"/>
           </a:p>
@@ -5939,7 +6105,7 @@
           <a:p>
             <a:fld id="{C868AB9E-4FA6-4C7D-A415-A317424E55FE}" type="datetimeFigureOut">
               <a:rPr lang="en-US" smtClean="0"/>
-              <a:t>3/21/2021</a:t>
+              <a:t>3/28/2021</a:t>
             </a:fld>
             <a:endParaRPr lang="en-US"/>
           </a:p>
@@ -6351,7 +6517,7 @@
           <a:p>
             <a:fld id="{C868AB9E-4FA6-4C7D-A415-A317424E55FE}" type="datetimeFigureOut">
               <a:rPr lang="en-US" smtClean="0"/>
-              <a:t>3/21/2021</a:t>
+              <a:t>3/28/2021</a:t>
             </a:fld>
             <a:endParaRPr lang="en-US"/>
           </a:p>
@@ -6492,7 +6658,7 @@
           <a:p>
             <a:fld id="{C868AB9E-4FA6-4C7D-A415-A317424E55FE}" type="datetimeFigureOut">
               <a:rPr lang="en-US" smtClean="0"/>
-              <a:t>3/21/2021</a:t>
+              <a:t>3/28/2021</a:t>
             </a:fld>
             <a:endParaRPr lang="en-US"/>
           </a:p>
@@ -6605,7 +6771,7 @@
           <a:p>
             <a:fld id="{C868AB9E-4FA6-4C7D-A415-A317424E55FE}" type="datetimeFigureOut">
               <a:rPr lang="en-US" smtClean="0"/>
-              <a:t>3/21/2021</a:t>
+              <a:t>3/28/2021</a:t>
             </a:fld>
             <a:endParaRPr lang="en-US"/>
           </a:p>
@@ -6916,7 +7082,7 @@
           <a:p>
             <a:fld id="{C868AB9E-4FA6-4C7D-A415-A317424E55FE}" type="datetimeFigureOut">
               <a:rPr lang="en-US" smtClean="0"/>
-              <a:t>3/21/2021</a:t>
+              <a:t>3/28/2021</a:t>
             </a:fld>
             <a:endParaRPr lang="en-US"/>
           </a:p>
@@ -7204,7 +7370,7 @@
           <a:p>
             <a:fld id="{C868AB9E-4FA6-4C7D-A415-A317424E55FE}" type="datetimeFigureOut">
               <a:rPr lang="en-US" smtClean="0"/>
-              <a:t>3/21/2021</a:t>
+              <a:t>3/28/2021</a:t>
             </a:fld>
             <a:endParaRPr lang="en-US"/>
           </a:p>
@@ -7445,7 +7611,7 @@
           <a:p>
             <a:fld id="{C868AB9E-4FA6-4C7D-A415-A317424E55FE}" type="datetimeFigureOut">
               <a:rPr lang="en-US" smtClean="0"/>
-              <a:t>3/21/2021</a:t>
+              <a:t>3/28/2021</a:t>
             </a:fld>
             <a:endParaRPr lang="en-US"/>
           </a:p>
@@ -14983,6 +15149,688 @@
     <p:extLst>
       <p:ext uri="{BB962C8B-B14F-4D97-AF65-F5344CB8AC3E}">
         <p14:creationId xmlns:p14="http://schemas.microsoft.com/office/powerpoint/2010/main" val="3313180855"/>
+      </p:ext>
+    </p:extLst>
+  </p:cSld>
+  <p:clrMapOvr>
+    <a:masterClrMapping/>
+  </p:clrMapOvr>
+</p:sld>
+</file>
+
+<file path=ppt/slides/slide30.xml><?xml version="1.0" encoding="utf-8"?>
+<p:sld xmlns:a="http://schemas.openxmlformats.org/drawingml/2006/main" xmlns:r="http://schemas.openxmlformats.org/officeDocument/2006/relationships" xmlns:p="http://schemas.openxmlformats.org/presentationml/2006/main">
+  <p:cSld>
+    <p:bg>
+      <p:bgPr>
+        <a:solidFill>
+          <a:schemeClr val="bg1"/>
+        </a:solidFill>
+        <a:effectLst/>
+      </p:bgPr>
+    </p:bg>
+    <p:spTree>
+      <p:nvGrpSpPr>
+        <p:cNvPr id="1" name=""/>
+        <p:cNvGrpSpPr/>
+        <p:nvPr/>
+      </p:nvGrpSpPr>
+      <p:grpSpPr>
+        <a:xfrm>
+          <a:off x="0" y="0"/>
+          <a:ext cx="0" cy="0"/>
+          <a:chOff x="0" y="0"/>
+          <a:chExt cx="0" cy="0"/>
+        </a:xfrm>
+      </p:grpSpPr>
+      <p:cxnSp>
+        <p:nvCxnSpPr>
+          <p:cNvPr id="9" name="Straight Connector 8">
+            <a:extLst>
+              <a:ext uri="{FF2B5EF4-FFF2-40B4-BE49-F238E27FC236}">
+                <a16:creationId xmlns:a16="http://schemas.microsoft.com/office/drawing/2014/main" id="{D2E961F1-4A28-4A5F-BBD4-6E400E5E6C75}"/>
+              </a:ext>
+              <a:ext uri="{C183D7F6-B498-43B3-948B-1728B52AA6E4}">
+                <adec:decorative xmlns:adec="http://schemas.microsoft.com/office/drawing/2017/decorative" val="1"/>
+              </a:ext>
+            </a:extLst>
+          </p:cNvPr>
+          <p:cNvCxnSpPr>
+            <a:cxnSpLocks noGrp="1" noRot="1" noChangeAspect="1" noMove="1" noResize="1" noEditPoints="1" noAdjustHandles="1" noChangeArrowheads="1" noChangeShapeType="1"/>
+          </p:cNvCxnSpPr>
+          <p:nvPr>
+            <p:extLst>
+              <p:ext uri="{386F3935-93C4-4BCD-93E2-E3B085C9AB24}">
+                <p16:designElem xmlns:p16="http://schemas.microsoft.com/office/powerpoint/2015/main" val="1"/>
+              </p:ext>
+            </p:extLst>
+          </p:nvPr>
+        </p:nvCxnSpPr>
+        <p:spPr bwMode="white">
+          <a:xfrm>
+            <a:off x="0" y="272357"/>
+            <a:ext cx="12188824" cy="0"/>
+          </a:xfrm>
+          <a:prstGeom prst="line">
+            <a:avLst/>
+          </a:prstGeom>
+          <a:ln w="50800">
+            <a:solidFill>
+              <a:schemeClr val="tx1">
+                <a:lumMod val="75000"/>
+                <a:lumOff val="25000"/>
+              </a:schemeClr>
+            </a:solidFill>
+          </a:ln>
+        </p:spPr>
+        <p:style>
+          <a:lnRef idx="1">
+            <a:schemeClr val="accent1"/>
+          </a:lnRef>
+          <a:fillRef idx="0">
+            <a:schemeClr val="accent1"/>
+          </a:fillRef>
+          <a:effectRef idx="0">
+            <a:schemeClr val="accent1"/>
+          </a:effectRef>
+          <a:fontRef idx="minor">
+            <a:schemeClr val="tx1"/>
+          </a:fontRef>
+        </p:style>
+      </p:cxnSp>
+      <p:sp>
+        <p:nvSpPr>
+          <p:cNvPr id="11" name="Rectangle 10">
+            <a:extLst>
+              <a:ext uri="{FF2B5EF4-FFF2-40B4-BE49-F238E27FC236}">
+                <a16:creationId xmlns:a16="http://schemas.microsoft.com/office/drawing/2014/main" id="{7F57BEA8-497D-4AA8-8A18-BDCD696B25FE}"/>
+              </a:ext>
+              <a:ext uri="{C183D7F6-B498-43B3-948B-1728B52AA6E4}">
+                <adec:decorative xmlns:adec="http://schemas.microsoft.com/office/drawing/2017/decorative" val="1"/>
+              </a:ext>
+            </a:extLst>
+          </p:cNvPr>
+          <p:cNvSpPr>
+            <a:spLocks noGrp="1" noRot="1" noChangeAspect="1" noMove="1" noResize="1" noEditPoints="1" noAdjustHandles="1" noChangeArrowheads="1" noChangeShapeType="1" noTextEdit="1"/>
+          </p:cNvSpPr>
+          <p:nvPr>
+            <p:extLst>
+              <p:ext uri="{386F3935-93C4-4BCD-93E2-E3B085C9AB24}">
+                <p16:designElem xmlns:p16="http://schemas.microsoft.com/office/powerpoint/2015/main" val="1"/>
+              </p:ext>
+            </p:extLst>
+          </p:nvPr>
+        </p:nvSpPr>
+        <p:spPr>
+          <a:xfrm>
+            <a:off x="0" y="368596"/>
+            <a:ext cx="12192000" cy="1735555"/>
+          </a:xfrm>
+          <a:prstGeom prst="rect">
+            <a:avLst/>
+          </a:prstGeom>
+          <a:solidFill>
+            <a:schemeClr val="tx1">
+              <a:lumMod val="75000"/>
+              <a:lumOff val="25000"/>
+            </a:schemeClr>
+          </a:solidFill>
+          <a:ln>
+            <a:noFill/>
+          </a:ln>
+        </p:spPr>
+        <p:style>
+          <a:lnRef idx="2">
+            <a:schemeClr val="accent1">
+              <a:shade val="50000"/>
+            </a:schemeClr>
+          </a:lnRef>
+          <a:fillRef idx="1">
+            <a:schemeClr val="accent1"/>
+          </a:fillRef>
+          <a:effectRef idx="0">
+            <a:schemeClr val="accent1"/>
+          </a:effectRef>
+          <a:fontRef idx="minor">
+            <a:schemeClr val="lt1"/>
+          </a:fontRef>
+        </p:style>
+        <p:txBody>
+          <a:bodyPr rtlCol="0" anchor="ctr"/>
+          <a:lstStyle/>
+          <a:p>
+            <a:pPr algn="ctr"/>
+            <a:endParaRPr lang="en-US"/>
+          </a:p>
+        </p:txBody>
+      </p:sp>
+      <p:sp>
+        <p:nvSpPr>
+          <p:cNvPr id="2" name="Title 1">
+            <a:extLst>
+              <a:ext uri="{FF2B5EF4-FFF2-40B4-BE49-F238E27FC236}">
+                <a16:creationId xmlns:a16="http://schemas.microsoft.com/office/drawing/2014/main" id="{86E22EB3-3CE5-4203-93F3-8F613DC9F1E5}"/>
+              </a:ext>
+            </a:extLst>
+          </p:cNvPr>
+          <p:cNvSpPr>
+            <a:spLocks noGrp="1"/>
+          </p:cNvSpPr>
+          <p:nvPr>
+            <p:ph type="title"/>
+          </p:nvPr>
+        </p:nvSpPr>
+        <p:spPr>
+          <a:xfrm>
+            <a:off x="526073" y="489439"/>
+            <a:ext cx="11139854" cy="930447"/>
+          </a:xfrm>
+        </p:spPr>
+        <p:txBody>
+          <a:bodyPr vert="horz" lIns="91440" tIns="45720" rIns="91440" bIns="45720" rtlCol="0" anchor="b">
+            <a:normAutofit/>
+          </a:bodyPr>
+          <a:lstStyle/>
+          <a:p>
+            <a:pPr algn="ctr"/>
+            <a:r>
+              <a:rPr lang="en-US" sz="5400" kern="1200" dirty="0">
+                <a:solidFill>
+                  <a:schemeClr val="bg1"/>
+                </a:solidFill>
+                <a:latin typeface="+mj-lt"/>
+                <a:ea typeface="+mj-ea"/>
+                <a:cs typeface="+mj-cs"/>
+              </a:rPr>
+              <a:t>Complex Number Shortcuts</a:t>
+            </a:r>
+          </a:p>
+        </p:txBody>
+      </p:sp>
+      <p:cxnSp>
+        <p:nvCxnSpPr>
+          <p:cNvPr id="13" name="Straight Connector 12">
+            <a:extLst>
+              <a:ext uri="{FF2B5EF4-FFF2-40B4-BE49-F238E27FC236}">
+                <a16:creationId xmlns:a16="http://schemas.microsoft.com/office/drawing/2014/main" id="{A82415D3-DDE5-4D63-8CB3-23A5EC581B27}"/>
+              </a:ext>
+              <a:ext uri="{C183D7F6-B498-43B3-948B-1728B52AA6E4}">
+                <adec:decorative xmlns:adec="http://schemas.microsoft.com/office/drawing/2017/decorative" val="1"/>
+              </a:ext>
+            </a:extLst>
+          </p:cNvPr>
+          <p:cNvCxnSpPr>
+            <a:cxnSpLocks noGrp="1" noRot="1" noChangeAspect="1" noMove="1" noResize="1" noEditPoints="1" noAdjustHandles="1" noChangeArrowheads="1" noChangeShapeType="1"/>
+          </p:cNvCxnSpPr>
+          <p:nvPr>
+            <p:extLst>
+              <p:ext uri="{386F3935-93C4-4BCD-93E2-E3B085C9AB24}">
+                <p16:designElem xmlns:p16="http://schemas.microsoft.com/office/powerpoint/2015/main" val="1"/>
+              </p:ext>
+            </p:extLst>
+          </p:nvPr>
+        </p:nvCxnSpPr>
+        <p:spPr>
+          <a:xfrm>
+            <a:off x="4724400" y="1479733"/>
+            <a:ext cx="2743200" cy="0"/>
+          </a:xfrm>
+          <a:prstGeom prst="line">
+            <a:avLst/>
+          </a:prstGeom>
+          <a:ln w="19050">
+            <a:solidFill>
+              <a:schemeClr val="bg1">
+                <a:alpha val="75000"/>
+              </a:schemeClr>
+            </a:solidFill>
+          </a:ln>
+        </p:spPr>
+        <p:style>
+          <a:lnRef idx="1">
+            <a:schemeClr val="accent1"/>
+          </a:lnRef>
+          <a:fillRef idx="0">
+            <a:schemeClr val="accent1"/>
+          </a:fillRef>
+          <a:effectRef idx="0">
+            <a:schemeClr val="accent1"/>
+          </a:effectRef>
+          <a:fontRef idx="minor">
+            <a:schemeClr val="tx1"/>
+          </a:fontRef>
+        </p:style>
+      </p:cxnSp>
+      <p:cxnSp>
+        <p:nvCxnSpPr>
+          <p:cNvPr id="15" name="Straight Connector 14">
+            <a:extLst>
+              <a:ext uri="{FF2B5EF4-FFF2-40B4-BE49-F238E27FC236}">
+                <a16:creationId xmlns:a16="http://schemas.microsoft.com/office/drawing/2014/main" id="{AD7193FB-6AE6-4B3B-8F89-56B55DD63B4D}"/>
+              </a:ext>
+              <a:ext uri="{C183D7F6-B498-43B3-948B-1728B52AA6E4}">
+                <adec:decorative xmlns:adec="http://schemas.microsoft.com/office/drawing/2017/decorative" val="1"/>
+              </a:ext>
+            </a:extLst>
+          </p:cNvPr>
+          <p:cNvCxnSpPr>
+            <a:cxnSpLocks noGrp="1" noRot="1" noChangeAspect="1" noMove="1" noResize="1" noEditPoints="1" noAdjustHandles="1" noChangeArrowheads="1" noChangeShapeType="1"/>
+          </p:cNvCxnSpPr>
+          <p:nvPr>
+            <p:extLst>
+              <p:ext uri="{386F3935-93C4-4BCD-93E2-E3B085C9AB24}">
+                <p16:designElem xmlns:p16="http://schemas.microsoft.com/office/powerpoint/2015/main" val="1"/>
+              </p:ext>
+            </p:extLst>
+          </p:nvPr>
+        </p:nvCxnSpPr>
+        <p:spPr bwMode="white">
+          <a:xfrm>
+            <a:off x="0" y="2201402"/>
+            <a:ext cx="12188824" cy="0"/>
+          </a:xfrm>
+          <a:prstGeom prst="line">
+            <a:avLst/>
+          </a:prstGeom>
+          <a:ln w="50800">
+            <a:solidFill>
+              <a:schemeClr val="tx1">
+                <a:lumMod val="75000"/>
+                <a:lumOff val="25000"/>
+              </a:schemeClr>
+            </a:solidFill>
+          </a:ln>
+        </p:spPr>
+        <p:style>
+          <a:lnRef idx="1">
+            <a:schemeClr val="accent1"/>
+          </a:lnRef>
+          <a:fillRef idx="0">
+            <a:schemeClr val="accent1"/>
+          </a:fillRef>
+          <a:effectRef idx="0">
+            <a:schemeClr val="accent1"/>
+          </a:effectRef>
+          <a:fontRef idx="minor">
+            <a:schemeClr val="tx1"/>
+          </a:fontRef>
+        </p:style>
+      </p:cxnSp>
+      <p:pic>
+        <p:nvPicPr>
+          <p:cNvPr id="4" name="Picture 3">
+            <a:extLst>
+              <a:ext uri="{FF2B5EF4-FFF2-40B4-BE49-F238E27FC236}">
+                <a16:creationId xmlns:a16="http://schemas.microsoft.com/office/drawing/2014/main" id="{CD2E47CE-515E-4CA0-977F-DCEA1B8EB8E2}"/>
+              </a:ext>
+            </a:extLst>
+          </p:cNvPr>
+          <p:cNvPicPr>
+            <a:picLocks noChangeAspect="1"/>
+          </p:cNvPicPr>
+          <p:nvPr/>
+        </p:nvPicPr>
+        <p:blipFill>
+          <a:blip r:embed="rId2"/>
+          <a:stretch>
+            <a:fillRect/>
+          </a:stretch>
+        </p:blipFill>
+        <p:spPr>
+          <a:xfrm>
+            <a:off x="320040" y="3650324"/>
+            <a:ext cx="11496821" cy="1552071"/>
+          </a:xfrm>
+          <a:prstGeom prst="rect">
+            <a:avLst/>
+          </a:prstGeom>
+        </p:spPr>
+      </p:pic>
+    </p:spTree>
+    <p:extLst>
+      <p:ext uri="{BB962C8B-B14F-4D97-AF65-F5344CB8AC3E}">
+        <p14:creationId xmlns:p14="http://schemas.microsoft.com/office/powerpoint/2010/main" val="2018740186"/>
+      </p:ext>
+    </p:extLst>
+  </p:cSld>
+  <p:clrMapOvr>
+    <a:masterClrMapping/>
+  </p:clrMapOvr>
+</p:sld>
+</file>
+
+<file path=ppt/slides/slide31.xml><?xml version="1.0" encoding="utf-8"?>
+<p:sld xmlns:a="http://schemas.openxmlformats.org/drawingml/2006/main" xmlns:r="http://schemas.openxmlformats.org/officeDocument/2006/relationships" xmlns:p="http://schemas.openxmlformats.org/presentationml/2006/main">
+  <p:cSld>
+    <p:bg>
+      <p:bgPr>
+        <a:solidFill>
+          <a:schemeClr val="bg1"/>
+        </a:solidFill>
+        <a:effectLst/>
+      </p:bgPr>
+    </p:bg>
+    <p:spTree>
+      <p:nvGrpSpPr>
+        <p:cNvPr id="1" name=""/>
+        <p:cNvGrpSpPr/>
+        <p:nvPr/>
+      </p:nvGrpSpPr>
+      <p:grpSpPr>
+        <a:xfrm>
+          <a:off x="0" y="0"/>
+          <a:ext cx="0" cy="0"/>
+          <a:chOff x="0" y="0"/>
+          <a:chExt cx="0" cy="0"/>
+        </a:xfrm>
+      </p:grpSpPr>
+      <p:cxnSp>
+        <p:nvCxnSpPr>
+          <p:cNvPr id="9" name="Straight Connector 8">
+            <a:extLst>
+              <a:ext uri="{FF2B5EF4-FFF2-40B4-BE49-F238E27FC236}">
+                <a16:creationId xmlns:a16="http://schemas.microsoft.com/office/drawing/2014/main" id="{D2E961F1-4A28-4A5F-BBD4-6E400E5E6C75}"/>
+              </a:ext>
+              <a:ext uri="{C183D7F6-B498-43B3-948B-1728B52AA6E4}">
+                <adec:decorative xmlns:adec="http://schemas.microsoft.com/office/drawing/2017/decorative" val="1"/>
+              </a:ext>
+            </a:extLst>
+          </p:cNvPr>
+          <p:cNvCxnSpPr>
+            <a:cxnSpLocks noGrp="1" noRot="1" noChangeAspect="1" noMove="1" noResize="1" noEditPoints="1" noAdjustHandles="1" noChangeArrowheads="1" noChangeShapeType="1"/>
+          </p:cNvCxnSpPr>
+          <p:nvPr>
+            <p:extLst>
+              <p:ext uri="{386F3935-93C4-4BCD-93E2-E3B085C9AB24}">
+                <p16:designElem xmlns:p16="http://schemas.microsoft.com/office/powerpoint/2015/main" val="1"/>
+              </p:ext>
+            </p:extLst>
+          </p:nvPr>
+        </p:nvCxnSpPr>
+        <p:spPr bwMode="white">
+          <a:xfrm>
+            <a:off x="0" y="272357"/>
+            <a:ext cx="12188824" cy="0"/>
+          </a:xfrm>
+          <a:prstGeom prst="line">
+            <a:avLst/>
+          </a:prstGeom>
+          <a:ln w="50800">
+            <a:solidFill>
+              <a:schemeClr val="tx1">
+                <a:lumMod val="75000"/>
+                <a:lumOff val="25000"/>
+              </a:schemeClr>
+            </a:solidFill>
+          </a:ln>
+        </p:spPr>
+        <p:style>
+          <a:lnRef idx="1">
+            <a:schemeClr val="accent1"/>
+          </a:lnRef>
+          <a:fillRef idx="0">
+            <a:schemeClr val="accent1"/>
+          </a:fillRef>
+          <a:effectRef idx="0">
+            <a:schemeClr val="accent1"/>
+          </a:effectRef>
+          <a:fontRef idx="minor">
+            <a:schemeClr val="tx1"/>
+          </a:fontRef>
+        </p:style>
+      </p:cxnSp>
+      <p:sp>
+        <p:nvSpPr>
+          <p:cNvPr id="11" name="Rectangle 10">
+            <a:extLst>
+              <a:ext uri="{FF2B5EF4-FFF2-40B4-BE49-F238E27FC236}">
+                <a16:creationId xmlns:a16="http://schemas.microsoft.com/office/drawing/2014/main" id="{7F57BEA8-497D-4AA8-8A18-BDCD696B25FE}"/>
+              </a:ext>
+              <a:ext uri="{C183D7F6-B498-43B3-948B-1728B52AA6E4}">
+                <adec:decorative xmlns:adec="http://schemas.microsoft.com/office/drawing/2017/decorative" val="1"/>
+              </a:ext>
+            </a:extLst>
+          </p:cNvPr>
+          <p:cNvSpPr>
+            <a:spLocks noGrp="1" noRot="1" noChangeAspect="1" noMove="1" noResize="1" noEditPoints="1" noAdjustHandles="1" noChangeArrowheads="1" noChangeShapeType="1" noTextEdit="1"/>
+          </p:cNvSpPr>
+          <p:nvPr>
+            <p:extLst>
+              <p:ext uri="{386F3935-93C4-4BCD-93E2-E3B085C9AB24}">
+                <p16:designElem xmlns:p16="http://schemas.microsoft.com/office/powerpoint/2015/main" val="1"/>
+              </p:ext>
+            </p:extLst>
+          </p:nvPr>
+        </p:nvSpPr>
+        <p:spPr>
+          <a:xfrm>
+            <a:off x="0" y="368596"/>
+            <a:ext cx="12192000" cy="1735555"/>
+          </a:xfrm>
+          <a:prstGeom prst="rect">
+            <a:avLst/>
+          </a:prstGeom>
+          <a:solidFill>
+            <a:schemeClr val="tx1">
+              <a:lumMod val="75000"/>
+              <a:lumOff val="25000"/>
+            </a:schemeClr>
+          </a:solidFill>
+          <a:ln>
+            <a:noFill/>
+          </a:ln>
+        </p:spPr>
+        <p:style>
+          <a:lnRef idx="2">
+            <a:schemeClr val="accent1">
+              <a:shade val="50000"/>
+            </a:schemeClr>
+          </a:lnRef>
+          <a:fillRef idx="1">
+            <a:schemeClr val="accent1"/>
+          </a:fillRef>
+          <a:effectRef idx="0">
+            <a:schemeClr val="accent1"/>
+          </a:effectRef>
+          <a:fontRef idx="minor">
+            <a:schemeClr val="lt1"/>
+          </a:fontRef>
+        </p:style>
+        <p:txBody>
+          <a:bodyPr rtlCol="0" anchor="ctr"/>
+          <a:lstStyle/>
+          <a:p>
+            <a:pPr algn="ctr"/>
+            <a:endParaRPr lang="en-US"/>
+          </a:p>
+        </p:txBody>
+      </p:sp>
+      <p:sp>
+        <p:nvSpPr>
+          <p:cNvPr id="2" name="Title 1">
+            <a:extLst>
+              <a:ext uri="{FF2B5EF4-FFF2-40B4-BE49-F238E27FC236}">
+                <a16:creationId xmlns:a16="http://schemas.microsoft.com/office/drawing/2014/main" id="{E7665C4C-7593-4738-8F3D-0C7D6EB8C2F7}"/>
+              </a:ext>
+            </a:extLst>
+          </p:cNvPr>
+          <p:cNvSpPr>
+            <a:spLocks noGrp="1"/>
+          </p:cNvSpPr>
+          <p:nvPr>
+            <p:ph type="title"/>
+          </p:nvPr>
+        </p:nvSpPr>
+        <p:spPr>
+          <a:xfrm>
+            <a:off x="526073" y="489439"/>
+            <a:ext cx="11139854" cy="930447"/>
+          </a:xfrm>
+        </p:spPr>
+        <p:txBody>
+          <a:bodyPr vert="horz" lIns="91440" tIns="45720" rIns="91440" bIns="45720" rtlCol="0" anchor="b">
+            <a:normAutofit/>
+          </a:bodyPr>
+          <a:lstStyle/>
+          <a:p>
+            <a:pPr algn="ctr"/>
+            <a:r>
+              <a:rPr lang="en-US" sz="5400" kern="1200" dirty="0">
+                <a:solidFill>
+                  <a:schemeClr val="bg1"/>
+                </a:solidFill>
+                <a:latin typeface="+mj-lt"/>
+                <a:ea typeface="+mj-ea"/>
+                <a:cs typeface="+mj-cs"/>
+              </a:rPr>
+              <a:t>Complex Number Shortcuts</a:t>
+            </a:r>
+          </a:p>
+        </p:txBody>
+      </p:sp>
+      <p:cxnSp>
+        <p:nvCxnSpPr>
+          <p:cNvPr id="13" name="Straight Connector 12">
+            <a:extLst>
+              <a:ext uri="{FF2B5EF4-FFF2-40B4-BE49-F238E27FC236}">
+                <a16:creationId xmlns:a16="http://schemas.microsoft.com/office/drawing/2014/main" id="{A82415D3-DDE5-4D63-8CB3-23A5EC581B27}"/>
+              </a:ext>
+              <a:ext uri="{C183D7F6-B498-43B3-948B-1728B52AA6E4}">
+                <adec:decorative xmlns:adec="http://schemas.microsoft.com/office/drawing/2017/decorative" val="1"/>
+              </a:ext>
+            </a:extLst>
+          </p:cNvPr>
+          <p:cNvCxnSpPr>
+            <a:cxnSpLocks noGrp="1" noRot="1" noChangeAspect="1" noMove="1" noResize="1" noEditPoints="1" noAdjustHandles="1" noChangeArrowheads="1" noChangeShapeType="1"/>
+          </p:cNvCxnSpPr>
+          <p:nvPr>
+            <p:extLst>
+              <p:ext uri="{386F3935-93C4-4BCD-93E2-E3B085C9AB24}">
+                <p16:designElem xmlns:p16="http://schemas.microsoft.com/office/powerpoint/2015/main" val="1"/>
+              </p:ext>
+            </p:extLst>
+          </p:nvPr>
+        </p:nvCxnSpPr>
+        <p:spPr>
+          <a:xfrm>
+            <a:off x="4724400" y="1479733"/>
+            <a:ext cx="2743200" cy="0"/>
+          </a:xfrm>
+          <a:prstGeom prst="line">
+            <a:avLst/>
+          </a:prstGeom>
+          <a:ln w="19050">
+            <a:solidFill>
+              <a:schemeClr val="bg1">
+                <a:alpha val="75000"/>
+              </a:schemeClr>
+            </a:solidFill>
+          </a:ln>
+        </p:spPr>
+        <p:style>
+          <a:lnRef idx="1">
+            <a:schemeClr val="accent1"/>
+          </a:lnRef>
+          <a:fillRef idx="0">
+            <a:schemeClr val="accent1"/>
+          </a:fillRef>
+          <a:effectRef idx="0">
+            <a:schemeClr val="accent1"/>
+          </a:effectRef>
+          <a:fontRef idx="minor">
+            <a:schemeClr val="tx1"/>
+          </a:fontRef>
+        </p:style>
+      </p:cxnSp>
+      <p:cxnSp>
+        <p:nvCxnSpPr>
+          <p:cNvPr id="15" name="Straight Connector 14">
+            <a:extLst>
+              <a:ext uri="{FF2B5EF4-FFF2-40B4-BE49-F238E27FC236}">
+                <a16:creationId xmlns:a16="http://schemas.microsoft.com/office/drawing/2014/main" id="{AD7193FB-6AE6-4B3B-8F89-56B55DD63B4D}"/>
+              </a:ext>
+              <a:ext uri="{C183D7F6-B498-43B3-948B-1728B52AA6E4}">
+                <adec:decorative xmlns:adec="http://schemas.microsoft.com/office/drawing/2017/decorative" val="1"/>
+              </a:ext>
+            </a:extLst>
+          </p:cNvPr>
+          <p:cNvCxnSpPr>
+            <a:cxnSpLocks noGrp="1" noRot="1" noChangeAspect="1" noMove="1" noResize="1" noEditPoints="1" noAdjustHandles="1" noChangeArrowheads="1" noChangeShapeType="1"/>
+          </p:cNvCxnSpPr>
+          <p:nvPr>
+            <p:extLst>
+              <p:ext uri="{386F3935-93C4-4BCD-93E2-E3B085C9AB24}">
+                <p16:designElem xmlns:p16="http://schemas.microsoft.com/office/powerpoint/2015/main" val="1"/>
+              </p:ext>
+            </p:extLst>
+          </p:nvPr>
+        </p:nvCxnSpPr>
+        <p:spPr bwMode="white">
+          <a:xfrm>
+            <a:off x="0" y="2201402"/>
+            <a:ext cx="12188824" cy="0"/>
+          </a:xfrm>
+          <a:prstGeom prst="line">
+            <a:avLst/>
+          </a:prstGeom>
+          <a:ln w="50800">
+            <a:solidFill>
+              <a:schemeClr val="tx1">
+                <a:lumMod val="75000"/>
+                <a:lumOff val="25000"/>
+              </a:schemeClr>
+            </a:solidFill>
+          </a:ln>
+        </p:spPr>
+        <p:style>
+          <a:lnRef idx="1">
+            <a:schemeClr val="accent1"/>
+          </a:lnRef>
+          <a:fillRef idx="0">
+            <a:schemeClr val="accent1"/>
+          </a:fillRef>
+          <a:effectRef idx="0">
+            <a:schemeClr val="accent1"/>
+          </a:effectRef>
+          <a:fontRef idx="minor">
+            <a:schemeClr val="tx1"/>
+          </a:fontRef>
+        </p:style>
+      </p:cxnSp>
+      <p:pic>
+        <p:nvPicPr>
+          <p:cNvPr id="4" name="Picture 3">
+            <a:extLst>
+              <a:ext uri="{FF2B5EF4-FFF2-40B4-BE49-F238E27FC236}">
+                <a16:creationId xmlns:a16="http://schemas.microsoft.com/office/drawing/2014/main" id="{418D9299-54CF-4E1E-9D4B-B58FF7809355}"/>
+              </a:ext>
+            </a:extLst>
+          </p:cNvPr>
+          <p:cNvPicPr>
+            <a:picLocks noChangeAspect="1"/>
+          </p:cNvPicPr>
+          <p:nvPr/>
+        </p:nvPicPr>
+        <p:blipFill>
+          <a:blip r:embed="rId2"/>
+          <a:stretch>
+            <a:fillRect/>
+          </a:stretch>
+        </p:blipFill>
+        <p:spPr>
+          <a:xfrm>
+            <a:off x="320040" y="3607211"/>
+            <a:ext cx="11496821" cy="1638297"/>
+          </a:xfrm>
+          <a:prstGeom prst="rect">
+            <a:avLst/>
+          </a:prstGeom>
+        </p:spPr>
+      </p:pic>
+    </p:spTree>
+    <p:extLst>
+      <p:ext uri="{BB962C8B-B14F-4D97-AF65-F5344CB8AC3E}">
+        <p14:creationId xmlns:p14="http://schemas.microsoft.com/office/powerpoint/2010/main" val="1679726043"/>
       </p:ext>
     </p:extLst>
   </p:cSld>
@@ -17591,18 +18439,18 @@
 </file>
 
 <file path=customXml/item2.xml><?xml version="1.0" encoding="utf-8"?>
-<p:properties xmlns:p="http://schemas.microsoft.com/office/2006/metadata/properties" xmlns:xsi="http://www.w3.org/2001/XMLSchema-instance" xmlns:pc="http://schemas.microsoft.com/office/infopath/2007/PartnerControls">
-  <documentManagement/>
-</p:properties>
-</file>
-
-<file path=customXml/item3.xml><?xml version="1.0" encoding="utf-8"?>
 <?mso-contentType ?>
 <FormTemplates xmlns="http://schemas.microsoft.com/sharepoint/v3/contenttype/forms">
   <Display>DocumentLibraryForm</Display>
   <Edit>DocumentLibraryForm</Edit>
   <New>DocumentLibraryForm</New>
 </FormTemplates>
+</file>
+
+<file path=customXml/item3.xml><?xml version="1.0" encoding="utf-8"?>
+<p:properties xmlns:p="http://schemas.microsoft.com/office/2006/metadata/properties" xmlns:xsi="http://www.w3.org/2001/XMLSchema-instance" xmlns:pc="http://schemas.microsoft.com/office/infopath/2007/PartnerControls">
+  <documentManagement/>
+</p:properties>
 </file>
 
 <file path=customXml/itemProps1.xml><?xml version="1.0" encoding="utf-8"?>
@@ -17624,6 +18472,14 @@
 </file>
 
 <file path=customXml/itemProps2.xml><?xml version="1.0" encoding="utf-8"?>
+<ds:datastoreItem xmlns:ds="http://schemas.openxmlformats.org/officeDocument/2006/customXml" ds:itemID="{97011689-39C2-4FF2-8A9A-B371DB6366C2}">
+  <ds:schemaRefs>
+    <ds:schemaRef ds:uri="http://schemas.microsoft.com/sharepoint/v3/contenttype/forms"/>
+  </ds:schemaRefs>
+</ds:datastoreItem>
+</file>
+
+<file path=customXml/itemProps3.xml><?xml version="1.0" encoding="utf-8"?>
 <ds:datastoreItem xmlns:ds="http://schemas.openxmlformats.org/officeDocument/2006/customXml" ds:itemID="{B1A9F696-FA5F-4B34-B731-F825EC19C60A}">
   <ds:schemaRefs>
     <ds:schemaRef ds:uri="http://purl.org/dc/dcmitype/"/>
@@ -17637,12 +18493,4 @@
     <ds:schemaRef ds:uri="http://schemas.microsoft.com/office/2006/metadata/properties"/>
   </ds:schemaRefs>
 </ds:datastoreItem>
-</file>
-
-<file path=customXml/itemProps3.xml><?xml version="1.0" encoding="utf-8"?>
-<ds:datastoreItem xmlns:ds="http://schemas.openxmlformats.org/officeDocument/2006/customXml" ds:itemID="{97011689-39C2-4FF2-8A9A-B371DB6366C2}">
-  <ds:schemaRefs>
-    <ds:schemaRef ds:uri="http://schemas.microsoft.com/sharepoint/v3/contenttype/forms"/>
-  </ds:schemaRefs>
-</ds:datastoreItem>
 </file>
--- a/Unit 3-4 Theorems.pptx
+++ b/Unit 3-4 Theorems.pptx
@@ -30,15 +30,15 @@
     <p:sldId id="276" r:id="rId24"/>
     <p:sldId id="277" r:id="rId25"/>
     <p:sldId id="278" r:id="rId26"/>
-    <p:sldId id="283" r:id="rId27"/>
-    <p:sldId id="280" r:id="rId28"/>
-    <p:sldId id="284" r:id="rId29"/>
-    <p:sldId id="285" r:id="rId30"/>
-    <p:sldId id="286" r:id="rId31"/>
-    <p:sldId id="287" r:id="rId32"/>
-    <p:sldId id="288" r:id="rId33"/>
-    <p:sldId id="291" r:id="rId34"/>
-    <p:sldId id="292" r:id="rId35"/>
+    <p:sldId id="280" r:id="rId27"/>
+    <p:sldId id="284" r:id="rId28"/>
+    <p:sldId id="285" r:id="rId29"/>
+    <p:sldId id="286" r:id="rId30"/>
+    <p:sldId id="287" r:id="rId31"/>
+    <p:sldId id="288" r:id="rId32"/>
+    <p:sldId id="291" r:id="rId33"/>
+    <p:sldId id="292" r:id="rId34"/>
+    <p:sldId id="294" r:id="rId35"/>
   </p:sldIdLst>
   <p:sldSz cx="12192000" cy="6858000"/>
   <p:notesSz cx="6858000" cy="9144000"/>
@@ -160,7 +160,7 @@
 <file path=ppt/revisionInfo.xml><?xml version="1.0" encoding="utf-8"?>
 <p1510:revInfo xmlns:a="http://schemas.openxmlformats.org/drawingml/2006/main" xmlns:r="http://schemas.openxmlformats.org/officeDocument/2006/relationships" xmlns:p1510="http://schemas.microsoft.com/office/powerpoint/2015/10/main">
   <p1510:revLst>
-    <p1510:client id="{80965980-7CDF-4379-9A6F-B1F09123E494}" v="1022" dt="2021-03-28T17:43:31.568"/>
+    <p1510:client id="{80965980-7CDF-4379-9A6F-B1F09123E494}" v="1130" dt="2021-03-29T18:49:01.888"/>
   </p1510:revLst>
 </p1510:revInfo>
 </file>
@@ -170,12 +170,12 @@
   <pc:docChgLst>
     <pc:chgData name="Chen, Jeff" userId="9a3224f5-9893-4468-acd0-6d03119f890b" providerId="ADAL" clId="{80965980-7CDF-4379-9A6F-B1F09123E494}"/>
     <pc:docChg chg="undo custSel addSld delSld modSld">
-      <pc:chgData name="Chen, Jeff" userId="9a3224f5-9893-4468-acd0-6d03119f890b" providerId="ADAL" clId="{80965980-7CDF-4379-9A6F-B1F09123E494}" dt="2021-03-29T00:23:49.736" v="3646" actId="20577"/>
+      <pc:chgData name="Chen, Jeff" userId="9a3224f5-9893-4468-acd0-6d03119f890b" providerId="ADAL" clId="{80965980-7CDF-4379-9A6F-B1F09123E494}" dt="2021-03-29T18:47:30.852" v="6054"/>
       <pc:docMkLst>
         <pc:docMk/>
       </pc:docMkLst>
       <pc:sldChg chg="addSp delSp modSp mod modNotesTx">
-        <pc:chgData name="Chen, Jeff" userId="9a3224f5-9893-4468-acd0-6d03119f890b" providerId="ADAL" clId="{80965980-7CDF-4379-9A6F-B1F09123E494}" dt="2021-03-20T19:54:20.571" v="2563" actId="478"/>
+        <pc:chgData name="Chen, Jeff" userId="9a3224f5-9893-4468-acd0-6d03119f890b" providerId="ADAL" clId="{80965980-7CDF-4379-9A6F-B1F09123E494}" dt="2021-03-29T17:56:39.849" v="3743" actId="20577"/>
         <pc:sldMkLst>
           <pc:docMk/>
           <pc:sldMk cId="29733914" sldId="256"/>
@@ -197,7 +197,7 @@
         </pc:sldMkLst>
       </pc:sldChg>
       <pc:sldChg chg="delSp modSp mod modNotesTx">
-        <pc:chgData name="Chen, Jeff" userId="9a3224f5-9893-4468-acd0-6d03119f890b" providerId="ADAL" clId="{80965980-7CDF-4379-9A6F-B1F09123E494}" dt="2021-03-20T18:06:38.901" v="770" actId="1076"/>
+        <pc:chgData name="Chen, Jeff" userId="9a3224f5-9893-4468-acd0-6d03119f890b" providerId="ADAL" clId="{80965980-7CDF-4379-9A6F-B1F09123E494}" dt="2021-03-29T17:55:33.762" v="3742" actId="20577"/>
         <pc:sldMkLst>
           <pc:docMk/>
           <pc:sldMk cId="2757558888" sldId="258"/>
@@ -250,7 +250,7 @@
         </pc:spChg>
       </pc:sldChg>
       <pc:sldChg chg="modSp mod modNotesTx">
-        <pc:chgData name="Chen, Jeff" userId="9a3224f5-9893-4468-acd0-6d03119f890b" providerId="ADAL" clId="{80965980-7CDF-4379-9A6F-B1F09123E494}" dt="2021-03-28T17:49:50.658" v="3586" actId="20577"/>
+        <pc:chgData name="Chen, Jeff" userId="9a3224f5-9893-4468-acd0-6d03119f890b" providerId="ADAL" clId="{80965980-7CDF-4379-9A6F-B1F09123E494}" dt="2021-03-29T17:58:40.234" v="3873" actId="20577"/>
         <pc:sldMkLst>
           <pc:docMk/>
           <pc:sldMk cId="1853451456" sldId="261"/>
@@ -280,7 +280,7 @@
         </pc:spChg>
       </pc:sldChg>
       <pc:sldChg chg="modNotesTx">
-        <pc:chgData name="Chen, Jeff" userId="9a3224f5-9893-4468-acd0-6d03119f890b" providerId="ADAL" clId="{80965980-7CDF-4379-9A6F-B1F09123E494}" dt="2021-03-20T18:28:31.658" v="1550" actId="20577"/>
+        <pc:chgData name="Chen, Jeff" userId="9a3224f5-9893-4468-acd0-6d03119f890b" providerId="ADAL" clId="{80965980-7CDF-4379-9A6F-B1F09123E494}" dt="2021-03-29T17:59:35.318" v="3986" actId="20577"/>
         <pc:sldMkLst>
           <pc:docMk/>
           <pc:sldMk cId="1496410469" sldId="263"/>
@@ -308,10 +308,17 @@
         </pc:sldMkLst>
       </pc:sldChg>
       <pc:sldChg chg="modNotesTx">
-        <pc:chgData name="Chen, Jeff" userId="9a3224f5-9893-4468-acd0-6d03119f890b" providerId="ADAL" clId="{80965980-7CDF-4379-9A6F-B1F09123E494}" dt="2021-03-20T19:03:52.315" v="2445" actId="20577"/>
+        <pc:chgData name="Chen, Jeff" userId="9a3224f5-9893-4468-acd0-6d03119f890b" providerId="ADAL" clId="{80965980-7CDF-4379-9A6F-B1F09123E494}" dt="2021-03-29T18:01:55.727" v="4000" actId="20577"/>
         <pc:sldMkLst>
           <pc:docMk/>
           <pc:sldMk cId="770335875" sldId="267"/>
+        </pc:sldMkLst>
+      </pc:sldChg>
+      <pc:sldChg chg="modNotesTx">
+        <pc:chgData name="Chen, Jeff" userId="9a3224f5-9893-4468-acd0-6d03119f890b" providerId="ADAL" clId="{80965980-7CDF-4379-9A6F-B1F09123E494}" dt="2021-03-29T18:02:54.690" v="4074" actId="20577"/>
+        <pc:sldMkLst>
+          <pc:docMk/>
+          <pc:sldMk cId="845806760" sldId="268"/>
         </pc:sldMkLst>
       </pc:sldChg>
       <pc:sldChg chg="modSp mod">
@@ -329,8 +336,8 @@
           </ac:spMkLst>
         </pc:spChg>
       </pc:sldChg>
-      <pc:sldChg chg="addSp modSp mod setBg">
-        <pc:chgData name="Chen, Jeff" userId="9a3224f5-9893-4468-acd0-6d03119f890b" providerId="ADAL" clId="{80965980-7CDF-4379-9A6F-B1F09123E494}" dt="2021-03-09T18:18:22.418" v="60" actId="26606"/>
+      <pc:sldChg chg="addSp modSp mod setBg modNotesTx">
+        <pc:chgData name="Chen, Jeff" userId="9a3224f5-9893-4468-acd0-6d03119f890b" providerId="ADAL" clId="{80965980-7CDF-4379-9A6F-B1F09123E494}" dt="2021-03-29T18:04:26.465" v="4169" actId="20577"/>
         <pc:sldMkLst>
           <pc:docMk/>
           <pc:sldMk cId="1612242428" sldId="271"/>
@@ -421,8 +428,8 @@
           </ac:picMkLst>
         </pc:picChg>
       </pc:sldChg>
-      <pc:sldChg chg="addSp delSp modSp add mod">
-        <pc:chgData name="Chen, Jeff" userId="9a3224f5-9893-4468-acd0-6d03119f890b" providerId="ADAL" clId="{80965980-7CDF-4379-9A6F-B1F09123E494}" dt="2021-03-08T22:43:12.505" v="43" actId="1076"/>
+      <pc:sldChg chg="addSp delSp modSp add mod modNotesTx">
+        <pc:chgData name="Chen, Jeff" userId="9a3224f5-9893-4468-acd0-6d03119f890b" providerId="ADAL" clId="{80965980-7CDF-4379-9A6F-B1F09123E494}" dt="2021-03-29T18:02:45.921" v="4066" actId="20577"/>
         <pc:sldMkLst>
           <pc:docMk/>
           <pc:sldMk cId="2220551215" sldId="275"/>
@@ -452,8 +459,8 @@
           </ac:picMkLst>
         </pc:picChg>
       </pc:sldChg>
-      <pc:sldChg chg="addSp modSp new mod setBg">
-        <pc:chgData name="Chen, Jeff" userId="9a3224f5-9893-4468-acd0-6d03119f890b" providerId="ADAL" clId="{80965980-7CDF-4379-9A6F-B1F09123E494}" dt="2021-03-21T23:50:20.344" v="3392" actId="20577"/>
+      <pc:sldChg chg="addSp modSp new mod setBg modNotesTx">
+        <pc:chgData name="Chen, Jeff" userId="9a3224f5-9893-4468-acd0-6d03119f890b" providerId="ADAL" clId="{80965980-7CDF-4379-9A6F-B1F09123E494}" dt="2021-03-29T18:06:52.208" v="4367" actId="20577"/>
         <pc:sldMkLst>
           <pc:docMk/>
           <pc:sldMk cId="1594308202" sldId="276"/>
@@ -491,8 +498,8 @@
           </ac:picMkLst>
         </pc:picChg>
       </pc:sldChg>
-      <pc:sldChg chg="addSp delSp modSp new mod setBg">
-        <pc:chgData name="Chen, Jeff" userId="9a3224f5-9893-4468-acd0-6d03119f890b" providerId="ADAL" clId="{80965980-7CDF-4379-9A6F-B1F09123E494}" dt="2021-03-09T18:22:57.569" v="140" actId="478"/>
+      <pc:sldChg chg="addSp delSp modSp new mod setBg modNotesTx">
+        <pc:chgData name="Chen, Jeff" userId="9a3224f5-9893-4468-acd0-6d03119f890b" providerId="ADAL" clId="{80965980-7CDF-4379-9A6F-B1F09123E494}" dt="2021-03-29T18:07:41.633" v="4485" actId="20577"/>
         <pc:sldMkLst>
           <pc:docMk/>
           <pc:sldMk cId="955675857" sldId="277"/>
@@ -546,8 +553,8 @@
           </ac:picMkLst>
         </pc:picChg>
       </pc:sldChg>
-      <pc:sldChg chg="addSp modSp new mod setBg addCm modCm">
-        <pc:chgData name="Chen, Jeff" userId="9a3224f5-9893-4468-acd0-6d03119f890b" providerId="ADAL" clId="{80965980-7CDF-4379-9A6F-B1F09123E494}" dt="2021-03-09T18:25:33.935" v="221"/>
+      <pc:sldChg chg="addSp modSp new mod setBg addCm delCm modCm modNotesTx">
+        <pc:chgData name="Chen, Jeff" userId="9a3224f5-9893-4468-acd0-6d03119f890b" providerId="ADAL" clId="{80965980-7CDF-4379-9A6F-B1F09123E494}" dt="2021-03-29T18:08:20.305" v="4489" actId="1592"/>
         <pc:sldMkLst>
           <pc:docMk/>
           <pc:sldMk cId="1125068611" sldId="278"/>
@@ -656,8 +663,8 @@
           </ac:picMkLst>
         </pc:picChg>
       </pc:sldChg>
-      <pc:sldChg chg="addSp delSp modSp new mod setBg">
-        <pc:chgData name="Chen, Jeff" userId="9a3224f5-9893-4468-acd0-6d03119f890b" providerId="ADAL" clId="{80965980-7CDF-4379-9A6F-B1F09123E494}" dt="2021-03-20T19:57:01.427" v="2639" actId="478"/>
+      <pc:sldChg chg="addSp delSp modSp new mod setBg modNotesTx">
+        <pc:chgData name="Chen, Jeff" userId="9a3224f5-9893-4468-acd0-6d03119f890b" providerId="ADAL" clId="{80965980-7CDF-4379-9A6F-B1F09123E494}" dt="2021-03-29T18:21:55.787" v="5297" actId="20577"/>
         <pc:sldMkLst>
           <pc:docMk/>
           <pc:sldMk cId="3924658005" sldId="280"/>
@@ -837,8 +844,8 @@
           </ac:cxnSpMkLst>
         </pc:cxnChg>
       </pc:sldChg>
-      <pc:sldChg chg="addSp delSp modSp add mod">
-        <pc:chgData name="Chen, Jeff" userId="9a3224f5-9893-4468-acd0-6d03119f890b" providerId="ADAL" clId="{80965980-7CDF-4379-9A6F-B1F09123E494}" dt="2021-03-20T19:09:42.704" v="2454" actId="1076"/>
+      <pc:sldChg chg="addSp delSp modSp add del mod">
+        <pc:chgData name="Chen, Jeff" userId="9a3224f5-9893-4468-acd0-6d03119f890b" providerId="ADAL" clId="{80965980-7CDF-4379-9A6F-B1F09123E494}" dt="2021-03-29T18:08:09.545" v="4487" actId="2696"/>
         <pc:sldMkLst>
           <pc:docMk/>
           <pc:sldMk cId="713579245" sldId="283"/>
@@ -868,8 +875,8 @@
           </ac:picMkLst>
         </pc:picChg>
       </pc:sldChg>
-      <pc:sldChg chg="addSp delSp modSp add mod">
-        <pc:chgData name="Chen, Jeff" userId="9a3224f5-9893-4468-acd0-6d03119f890b" providerId="ADAL" clId="{80965980-7CDF-4379-9A6F-B1F09123E494}" dt="2021-03-20T19:57:41.759" v="2674" actId="1076"/>
+      <pc:sldChg chg="addSp delSp modSp add mod modNotesTx">
+        <pc:chgData name="Chen, Jeff" userId="9a3224f5-9893-4468-acd0-6d03119f890b" providerId="ADAL" clId="{80965980-7CDF-4379-9A6F-B1F09123E494}" dt="2021-03-29T18:19:19.459" v="5244" actId="20577"/>
         <pc:sldMkLst>
           <pc:docMk/>
           <pc:sldMk cId="698715463" sldId="284"/>
@@ -924,7 +931,7 @@
         </pc:picChg>
       </pc:sldChg>
       <pc:sldChg chg="addSp modSp new mod setBg modNotesTx">
-        <pc:chgData name="Chen, Jeff" userId="9a3224f5-9893-4468-acd0-6d03119f890b" providerId="ADAL" clId="{80965980-7CDF-4379-9A6F-B1F09123E494}" dt="2021-03-21T23:54:33.637" v="3554" actId="20577"/>
+        <pc:chgData name="Chen, Jeff" userId="9a3224f5-9893-4468-acd0-6d03119f890b" providerId="ADAL" clId="{80965980-7CDF-4379-9A6F-B1F09123E494}" dt="2021-03-29T18:24:52.904" v="5341" actId="20577"/>
         <pc:sldMkLst>
           <pc:docMk/>
           <pc:sldMk cId="1728493956" sldId="285"/>
@@ -1050,7 +1057,7 @@
         </pc:cxnChg>
       </pc:sldChg>
       <pc:sldChg chg="addSp delSp modSp new mod setBg modNotesTx">
-        <pc:chgData name="Chen, Jeff" userId="9a3224f5-9893-4468-acd0-6d03119f890b" providerId="ADAL" clId="{80965980-7CDF-4379-9A6F-B1F09123E494}" dt="2021-03-21T23:54:16.584" v="3526" actId="1076"/>
+        <pc:chgData name="Chen, Jeff" userId="9a3224f5-9893-4468-acd0-6d03119f890b" providerId="ADAL" clId="{80965980-7CDF-4379-9A6F-B1F09123E494}" dt="2021-03-29T18:36:21.026" v="5866" actId="20577"/>
         <pc:sldMkLst>
           <pc:docMk/>
           <pc:sldMk cId="1300920002" sldId="287"/>
@@ -1190,7 +1197,7 @@
         </pc:picChg>
       </pc:sldChg>
       <pc:sldChg chg="addSp delSp modSp add mod modNotesTx">
-        <pc:chgData name="Chen, Jeff" userId="9a3224f5-9893-4468-acd0-6d03119f890b" providerId="ADAL" clId="{80965980-7CDF-4379-9A6F-B1F09123E494}" dt="2021-03-21T23:53:29.394" v="3523" actId="5793"/>
+        <pc:chgData name="Chen, Jeff" userId="9a3224f5-9893-4468-acd0-6d03119f890b" providerId="ADAL" clId="{80965980-7CDF-4379-9A6F-B1F09123E494}" dt="2021-03-29T17:57:28.221" v="3849" actId="20577"/>
         <pc:sldMkLst>
           <pc:docMk/>
           <pc:sldMk cId="543444794" sldId="290"/>
@@ -1447,23 +1454,110 @@
           </ac:picMkLst>
         </pc:picChg>
       </pc:sldChg>
+      <pc:sldChg chg="modSp new del mod">
+        <pc:chgData name="Chen, Jeff" userId="9a3224f5-9893-4468-acd0-6d03119f890b" providerId="ADAL" clId="{80965980-7CDF-4379-9A6F-B1F09123E494}" dt="2021-03-29T18:25:42.935" v="5370" actId="2696"/>
+        <pc:sldMkLst>
+          <pc:docMk/>
+          <pc:sldMk cId="3663761084" sldId="293"/>
+        </pc:sldMkLst>
+        <pc:spChg chg="mod">
+          <ac:chgData name="Chen, Jeff" userId="9a3224f5-9893-4468-acd0-6d03119f890b" providerId="ADAL" clId="{80965980-7CDF-4379-9A6F-B1F09123E494}" dt="2021-03-29T18:25:36.660" v="5368" actId="20577"/>
+          <ac:spMkLst>
+            <pc:docMk/>
+            <pc:sldMk cId="3663761084" sldId="293"/>
+            <ac:spMk id="2" creationId="{356547D2-4772-4CD2-8A94-90B77B2F7FB8}"/>
+          </ac:spMkLst>
+        </pc:spChg>
+      </pc:sldChg>
+      <pc:sldChg chg="addSp delSp modSp add mod modNotesTx">
+        <pc:chgData name="Chen, Jeff" userId="9a3224f5-9893-4468-acd0-6d03119f890b" providerId="ADAL" clId="{80965980-7CDF-4379-9A6F-B1F09123E494}" dt="2021-03-29T18:47:30.852" v="6054"/>
+        <pc:sldMkLst>
+          <pc:docMk/>
+          <pc:sldMk cId="2943352970" sldId="294"/>
+        </pc:sldMkLst>
+        <pc:spChg chg="mod">
+          <ac:chgData name="Chen, Jeff" userId="9a3224f5-9893-4468-acd0-6d03119f890b" providerId="ADAL" clId="{80965980-7CDF-4379-9A6F-B1F09123E494}" dt="2021-03-29T18:25:56.368" v="5416" actId="20577"/>
+          <ac:spMkLst>
+            <pc:docMk/>
+            <pc:sldMk cId="2943352970" sldId="294"/>
+            <ac:spMk id="2" creationId="{E7665C4C-7593-4738-8F3D-0C7D6EB8C2F7}"/>
+          </ac:spMkLst>
+        </pc:spChg>
+        <pc:spChg chg="add mod">
+          <ac:chgData name="Chen, Jeff" userId="9a3224f5-9893-4468-acd0-6d03119f890b" providerId="ADAL" clId="{80965980-7CDF-4379-9A6F-B1F09123E494}" dt="2021-03-29T18:36:32.922" v="5868" actId="255"/>
+          <ac:spMkLst>
+            <pc:docMk/>
+            <pc:sldMk cId="2943352970" sldId="294"/>
+            <ac:spMk id="3" creationId="{400533D0-30BF-4BE0-87B9-3929A09BEC0C}"/>
+          </ac:spMkLst>
+        </pc:spChg>
+        <pc:picChg chg="del">
+          <ac:chgData name="Chen, Jeff" userId="9a3224f5-9893-4468-acd0-6d03119f890b" providerId="ADAL" clId="{80965980-7CDF-4379-9A6F-B1F09123E494}" dt="2021-03-29T18:25:58.331" v="5417" actId="478"/>
+          <ac:picMkLst>
+            <pc:docMk/>
+            <pc:sldMk cId="2943352970" sldId="294"/>
+            <ac:picMk id="4" creationId="{418D9299-54CF-4E1E-9D4B-B58FF7809355}"/>
+          </ac:picMkLst>
+        </pc:picChg>
+      </pc:sldChg>
+      <pc:sldChg chg="addSp delSp modSp new del mod setBg">
+        <pc:chgData name="Chen, Jeff" userId="9a3224f5-9893-4468-acd0-6d03119f890b" providerId="ADAL" clId="{80965980-7CDF-4379-9A6F-B1F09123E494}" dt="2021-03-29T18:35:21.775" v="5739" actId="680"/>
+        <pc:sldMkLst>
+          <pc:docMk/>
+          <pc:sldMk cId="700718416" sldId="295"/>
+        </pc:sldMkLst>
+        <pc:spChg chg="mod">
+          <ac:chgData name="Chen, Jeff" userId="9a3224f5-9893-4468-acd0-6d03119f890b" providerId="ADAL" clId="{80965980-7CDF-4379-9A6F-B1F09123E494}" dt="2021-03-29T18:35:20.190" v="5737" actId="26606"/>
+          <ac:spMkLst>
+            <pc:docMk/>
+            <pc:sldMk cId="700718416" sldId="295"/>
+            <ac:spMk id="2" creationId="{8CC10D23-E39A-4C65-B629-98034891A96B}"/>
+          </ac:spMkLst>
+        </pc:spChg>
+        <pc:spChg chg="add del">
+          <ac:chgData name="Chen, Jeff" userId="9a3224f5-9893-4468-acd0-6d03119f890b" providerId="ADAL" clId="{80965980-7CDF-4379-9A6F-B1F09123E494}" dt="2021-03-29T18:35:20.190" v="5737" actId="26606"/>
+          <ac:spMkLst>
+            <pc:docMk/>
+            <pc:sldMk cId="700718416" sldId="295"/>
+            <ac:spMk id="11" creationId="{7F57BEA8-497D-4AA8-8A18-BDCD696B25FE}"/>
+          </ac:spMkLst>
+        </pc:spChg>
+        <pc:picChg chg="add del mod">
+          <ac:chgData name="Chen, Jeff" userId="9a3224f5-9893-4468-acd0-6d03119f890b" providerId="ADAL" clId="{80965980-7CDF-4379-9A6F-B1F09123E494}" dt="2021-03-29T18:35:21.162" v="5738" actId="22"/>
+          <ac:picMkLst>
+            <pc:docMk/>
+            <pc:sldMk cId="700718416" sldId="295"/>
+            <ac:picMk id="4" creationId="{72AC78B9-6E26-4AE7-938A-5C9B10BC50C3}"/>
+          </ac:picMkLst>
+        </pc:picChg>
+        <pc:cxnChg chg="add del">
+          <ac:chgData name="Chen, Jeff" userId="9a3224f5-9893-4468-acd0-6d03119f890b" providerId="ADAL" clId="{80965980-7CDF-4379-9A6F-B1F09123E494}" dt="2021-03-29T18:35:20.190" v="5737" actId="26606"/>
+          <ac:cxnSpMkLst>
+            <pc:docMk/>
+            <pc:sldMk cId="700718416" sldId="295"/>
+            <ac:cxnSpMk id="9" creationId="{D2E961F1-4A28-4A5F-BBD4-6E400E5E6C75}"/>
+          </ac:cxnSpMkLst>
+        </pc:cxnChg>
+        <pc:cxnChg chg="add del">
+          <ac:chgData name="Chen, Jeff" userId="9a3224f5-9893-4468-acd0-6d03119f890b" providerId="ADAL" clId="{80965980-7CDF-4379-9A6F-B1F09123E494}" dt="2021-03-29T18:35:20.190" v="5737" actId="26606"/>
+          <ac:cxnSpMkLst>
+            <pc:docMk/>
+            <pc:sldMk cId="700718416" sldId="295"/>
+            <ac:cxnSpMk id="13" creationId="{A82415D3-DDE5-4D63-8CB3-23A5EC581B27}"/>
+          </ac:cxnSpMkLst>
+        </pc:cxnChg>
+        <pc:cxnChg chg="add del">
+          <ac:chgData name="Chen, Jeff" userId="9a3224f5-9893-4468-acd0-6d03119f890b" providerId="ADAL" clId="{80965980-7CDF-4379-9A6F-B1F09123E494}" dt="2021-03-29T18:35:20.190" v="5737" actId="26606"/>
+          <ac:cxnSpMkLst>
+            <pc:docMk/>
+            <pc:sldMk cId="700718416" sldId="295"/>
+            <ac:cxnSpMk id="15" creationId="{AD7193FB-6AE6-4B3B-8F89-56B55DD63B4D}"/>
+          </ac:cxnSpMkLst>
+        </pc:cxnChg>
+      </pc:sldChg>
     </pc:docChg>
   </pc:docChgLst>
 </pc:chgInfo>
-</file>
-
-<file path=ppt/comments/comment1.xml><?xml version="1.0" encoding="utf-8"?>
-<p:cmLst xmlns:a="http://schemas.openxmlformats.org/drawingml/2006/main" xmlns:r="http://schemas.openxmlformats.org/officeDocument/2006/relationships" xmlns:p="http://schemas.openxmlformats.org/presentationml/2006/main">
-  <p:cm authorId="1" dt="2021-03-09T13:25:20.796" idx="1">
-    <p:pos x="10" y="10"/>
-    <p:text>Stopped before Eigenvalues</p:text>
-    <p:extLst>
-      <p:ext uri="{C676402C-5697-4E1C-873F-D02D1690AC5C}">
-        <p15:threadingInfo xmlns:p15="http://schemas.microsoft.com/office/powerpoint/2012/main" timeZoneBias="300"/>
-      </p:ext>
-    </p:extLst>
-  </p:cm>
-</p:cmLst>
 </file>
 
 <file path=ppt/notesMasters/notesMaster1.xml><?xml version="1.0" encoding="utf-8"?>
@@ -1548,7 +1642,7 @@
           <a:p>
             <a:fld id="{9A3F3F89-75A5-4264-8D28-B8F9E037C0AE}" type="datetimeFigureOut">
               <a:rPr lang="en-US" smtClean="0"/>
-              <a:t>3/28/2021</a:t>
+              <a:t>3/29/2021</a:t>
             </a:fld>
             <a:endParaRPr lang="en-US"/>
           </a:p>
@@ -1936,13 +2030,6 @@
                   <a:t> B is invertible with inverse A. </a:t>
                 </a:r>
               </a:p>
-              <a:p>
-                <a:r>
-                  <a:rPr lang="en-US" baseline="0" dirty="0"/>
-                  <a:t>Listed another theorem </a:t>
-                </a:r>
-                <a:endParaRPr lang="en-US" dirty="0"/>
-              </a:p>
             </p:txBody>
           </p:sp>
         </mc:Choice>
@@ -2085,6 +2172,12 @@
             <a:r>
               <a:rPr lang="en-US" dirty="0"/>
               <a:t>Basically, how find the basis from a set of vectors. Look at the notes if you forgot how to find basis.</a:t>
+            </a:r>
+          </a:p>
+          <a:p>
+            <a:r>
+              <a:rPr lang="en-US" dirty="0"/>
+              <a:t>Note that you can row reduce the vectors; however, you must use the original vectors in your answer.</a:t>
             </a:r>
           </a:p>
         </p:txBody>
@@ -3208,7 +3301,10 @@
           <a:bodyPr/>
           <a:lstStyle/>
           <a:p>
-            <a:endParaRPr lang="en-US" dirty="0"/>
+            <a:r>
+              <a:rPr lang="en-US" dirty="0"/>
+              <a:t>Memorize this.</a:t>
+            </a:r>
           </a:p>
         </p:txBody>
       </p:sp>
@@ -3292,7 +3388,10 @@
           <a:bodyPr/>
           <a:lstStyle/>
           <a:p>
-            <a:endParaRPr lang="en-US" dirty="0"/>
+            <a:r>
+              <a:rPr lang="en-US" dirty="0"/>
+              <a:t>Null(A) is the subspace at which matrix Ax = 0.</a:t>
+            </a:r>
           </a:p>
         </p:txBody>
       </p:sp>
@@ -3378,7 +3477,7 @@
           <a:p>
             <a:r>
               <a:rPr lang="en-US" dirty="0"/>
-              <a:t>They say the same thing.</a:t>
+              <a:t>Memorize</a:t>
             </a:r>
           </a:p>
         </p:txBody>
@@ -3400,7 +3499,7 @@
           <a:p>
             <a:fld id="{B2AFC0E1-9A48-4B26-9FCC-0F0ED76BE088}" type="slidenum">
               <a:rPr lang="en-US" smtClean="0"/>
-              <a:t>26</a:t>
+              <a:t>16</a:t>
             </a:fld>
             <a:endParaRPr lang="en-US"/>
           </a:p>
@@ -3409,7 +3508,7 @@
     </p:spTree>
     <p:extLst>
       <p:ext uri="{BB962C8B-B14F-4D97-AF65-F5344CB8AC3E}">
-        <p14:creationId xmlns:p14="http://schemas.microsoft.com/office/powerpoint/2010/main" val="1045040207"/>
+        <p14:creationId xmlns:p14="http://schemas.microsoft.com/office/powerpoint/2010/main" val="3433906691"/>
       </p:ext>
     </p:extLst>
   </p:cSld>
@@ -3484,7 +3583,7 @@
           <a:p>
             <a:fld id="{B2AFC0E1-9A48-4B26-9FCC-0F0ED76BE088}" type="slidenum">
               <a:rPr lang="en-US" smtClean="0"/>
-              <a:t>27</a:t>
+              <a:t>17</a:t>
             </a:fld>
             <a:endParaRPr lang="en-US"/>
           </a:p>
@@ -3493,7 +3592,7 @@
     </p:spTree>
     <p:extLst>
       <p:ext uri="{BB962C8B-B14F-4D97-AF65-F5344CB8AC3E}">
-        <p14:creationId xmlns:p14="http://schemas.microsoft.com/office/powerpoint/2010/main" val="822385432"/>
+        <p14:creationId xmlns:p14="http://schemas.microsoft.com/office/powerpoint/2010/main" val="441805558"/>
       </p:ext>
     </p:extLst>
   </p:cSld>
@@ -3547,12 +3646,6 @@
           <a:bodyPr/>
           <a:lstStyle/>
           <a:p>
-            <a:r>
-              <a:rPr lang="en-US" dirty="0"/>
-              <a:t>Remember that nullity(A) = 0 means only the zero vectors makes the homogenous linear system Ax = b = 0.  According to the FTOIM, homogenous linear systems can only have the trivial solution x = 0; therefore, nullity must be zero.</a:t>
-            </a:r>
-          </a:p>
-          <a:p>
             <a:endParaRPr lang="en-US" dirty="0"/>
           </a:p>
         </p:txBody>
@@ -3574,7 +3667,7 @@
           <a:p>
             <a:fld id="{B2AFC0E1-9A48-4B26-9FCC-0F0ED76BE088}" type="slidenum">
               <a:rPr lang="en-US" smtClean="0"/>
-              <a:t>28</a:t>
+              <a:t>18</a:t>
             </a:fld>
             <a:endParaRPr lang="en-US"/>
           </a:p>
@@ -3583,7 +3676,7 @@
     </p:spTree>
     <p:extLst>
       <p:ext uri="{BB962C8B-B14F-4D97-AF65-F5344CB8AC3E}">
-        <p14:creationId xmlns:p14="http://schemas.microsoft.com/office/powerpoint/2010/main" val="1036935033"/>
+        <p14:creationId xmlns:p14="http://schemas.microsoft.com/office/powerpoint/2010/main" val="250395584"/>
       </p:ext>
     </p:extLst>
   </p:cSld>
@@ -3637,10 +3730,10 @@
           <a:bodyPr/>
           <a:lstStyle/>
           <a:p>
-            <a:r>
-              <a:rPr lang="en-US" dirty="0"/>
-              <a:t>Solving the determinant for lambda to find the eigenvalues of matrix A.</a:t>
-            </a:r>
+            <a:endParaRPr lang="en-US" dirty="0"/>
+          </a:p>
+          <a:p>
+            <a:endParaRPr lang="en-US" dirty="0"/>
           </a:p>
         </p:txBody>
       </p:sp>
@@ -3661,7 +3754,7 @@
           <a:p>
             <a:fld id="{B2AFC0E1-9A48-4B26-9FCC-0F0ED76BE088}" type="slidenum">
               <a:rPr lang="en-US" smtClean="0"/>
-              <a:t>29</a:t>
+              <a:t>19</a:t>
             </a:fld>
             <a:endParaRPr lang="en-US"/>
           </a:p>
@@ -3670,7 +3763,7 @@
     </p:spTree>
     <p:extLst>
       <p:ext uri="{BB962C8B-B14F-4D97-AF65-F5344CB8AC3E}">
-        <p14:creationId xmlns:p14="http://schemas.microsoft.com/office/powerpoint/2010/main" val="674072280"/>
+        <p14:creationId xmlns:p14="http://schemas.microsoft.com/office/powerpoint/2010/main" val="3526441860"/>
       </p:ext>
     </p:extLst>
   </p:cSld>
@@ -3758,6 +3851,1344 @@
     <p:extLst>
       <p:ext uri="{BB962C8B-B14F-4D97-AF65-F5344CB8AC3E}">
         <p14:creationId xmlns:p14="http://schemas.microsoft.com/office/powerpoint/2010/main" val="2431700241"/>
+      </p:ext>
+    </p:extLst>
+  </p:cSld>
+  <p:clrMapOvr>
+    <a:masterClrMapping/>
+  </p:clrMapOvr>
+</p:notes>
+</file>
+
+<file path=ppt/notesSlides/notesSlide20.xml><?xml version="1.0" encoding="utf-8"?>
+<p:notes xmlns:a="http://schemas.openxmlformats.org/drawingml/2006/main" xmlns:r="http://schemas.openxmlformats.org/officeDocument/2006/relationships" xmlns:p="http://schemas.openxmlformats.org/presentationml/2006/main">
+  <p:cSld>
+    <p:spTree>
+      <p:nvGrpSpPr>
+        <p:cNvPr id="1" name=""/>
+        <p:cNvGrpSpPr/>
+        <p:nvPr/>
+      </p:nvGrpSpPr>
+      <p:grpSpPr>
+        <a:xfrm>
+          <a:off x="0" y="0"/>
+          <a:ext cx="0" cy="0"/>
+          <a:chOff x="0" y="0"/>
+          <a:chExt cx="0" cy="0"/>
+        </a:xfrm>
+      </p:grpSpPr>
+      <p:sp>
+        <p:nvSpPr>
+          <p:cNvPr id="2" name="Slide Image Placeholder 1"/>
+          <p:cNvSpPr>
+            <a:spLocks noGrp="1" noRot="1" noChangeAspect="1"/>
+          </p:cNvSpPr>
+          <p:nvPr>
+            <p:ph type="sldImg"/>
+          </p:nvPr>
+        </p:nvSpPr>
+        <p:spPr/>
+      </p:sp>
+      <p:sp>
+        <p:nvSpPr>
+          <p:cNvPr id="3" name="Notes Placeholder 2"/>
+          <p:cNvSpPr>
+            <a:spLocks noGrp="1"/>
+          </p:cNvSpPr>
+          <p:nvPr>
+            <p:ph type="body" idx="1"/>
+          </p:nvPr>
+        </p:nvSpPr>
+        <p:spPr/>
+        <p:txBody>
+          <a:bodyPr/>
+          <a:lstStyle/>
+          <a:p>
+            <a:r>
+              <a:rPr lang="en-US" dirty="0"/>
+              <a:t>Think about multiplying matrices: Matrix 2x5 multiplying matrix 5x8 = Matrix size 2x8. In this case, you start off with T and multiply it by S to get Rm to Rp. </a:t>
+            </a:r>
+          </a:p>
+        </p:txBody>
+      </p:sp>
+      <p:sp>
+        <p:nvSpPr>
+          <p:cNvPr id="4" name="Slide Number Placeholder 3"/>
+          <p:cNvSpPr>
+            <a:spLocks noGrp="1"/>
+          </p:cNvSpPr>
+          <p:nvPr>
+            <p:ph type="sldNum" sz="quarter" idx="5"/>
+          </p:nvPr>
+        </p:nvSpPr>
+        <p:spPr/>
+        <p:txBody>
+          <a:bodyPr/>
+          <a:lstStyle/>
+          <a:p>
+            <a:fld id="{B2AFC0E1-9A48-4B26-9FCC-0F0ED76BE088}" type="slidenum">
+              <a:rPr lang="en-US" smtClean="0"/>
+              <a:t>20</a:t>
+            </a:fld>
+            <a:endParaRPr lang="en-US"/>
+          </a:p>
+        </p:txBody>
+      </p:sp>
+    </p:spTree>
+    <p:extLst>
+      <p:ext uri="{BB962C8B-B14F-4D97-AF65-F5344CB8AC3E}">
+        <p14:creationId xmlns:p14="http://schemas.microsoft.com/office/powerpoint/2010/main" val="1732126292"/>
+      </p:ext>
+    </p:extLst>
+  </p:cSld>
+  <p:clrMapOvr>
+    <a:masterClrMapping/>
+  </p:clrMapOvr>
+</p:notes>
+</file>
+
+<file path=ppt/notesSlides/notesSlide21.xml><?xml version="1.0" encoding="utf-8"?>
+<p:notes xmlns:a="http://schemas.openxmlformats.org/drawingml/2006/main" xmlns:r="http://schemas.openxmlformats.org/officeDocument/2006/relationships" xmlns:p="http://schemas.openxmlformats.org/presentationml/2006/main">
+  <p:cSld>
+    <p:spTree>
+      <p:nvGrpSpPr>
+        <p:cNvPr id="1" name=""/>
+        <p:cNvGrpSpPr/>
+        <p:nvPr/>
+      </p:nvGrpSpPr>
+      <p:grpSpPr>
+        <a:xfrm>
+          <a:off x="0" y="0"/>
+          <a:ext cx="0" cy="0"/>
+          <a:chOff x="0" y="0"/>
+          <a:chExt cx="0" cy="0"/>
+        </a:xfrm>
+      </p:grpSpPr>
+      <p:sp>
+        <p:nvSpPr>
+          <p:cNvPr id="2" name="Slide Image Placeholder 1"/>
+          <p:cNvSpPr>
+            <a:spLocks noGrp="1" noRot="1" noChangeAspect="1"/>
+          </p:cNvSpPr>
+          <p:nvPr>
+            <p:ph type="sldImg"/>
+          </p:nvPr>
+        </p:nvSpPr>
+        <p:spPr/>
+      </p:sp>
+      <p:sp>
+        <p:nvSpPr>
+          <p:cNvPr id="3" name="Notes Placeholder 2"/>
+          <p:cNvSpPr>
+            <a:spLocks noGrp="1"/>
+          </p:cNvSpPr>
+          <p:nvPr>
+            <p:ph type="body" idx="1"/>
+          </p:nvPr>
+        </p:nvSpPr>
+        <p:spPr/>
+        <p:txBody>
+          <a:bodyPr/>
+          <a:lstStyle/>
+          <a:p>
+            <a:r>
+              <a:rPr lang="en-US" dirty="0"/>
+              <a:t>This theorem is included on slide 5: Other invertible properties.</a:t>
+            </a:r>
+          </a:p>
+        </p:txBody>
+      </p:sp>
+      <p:sp>
+        <p:nvSpPr>
+          <p:cNvPr id="4" name="Slide Number Placeholder 3"/>
+          <p:cNvSpPr>
+            <a:spLocks noGrp="1"/>
+          </p:cNvSpPr>
+          <p:nvPr>
+            <p:ph type="sldNum" sz="quarter" idx="5"/>
+          </p:nvPr>
+        </p:nvSpPr>
+        <p:spPr/>
+        <p:txBody>
+          <a:bodyPr/>
+          <a:lstStyle/>
+          <a:p>
+            <a:fld id="{B2AFC0E1-9A48-4B26-9FCC-0F0ED76BE088}" type="slidenum">
+              <a:rPr lang="en-US" smtClean="0"/>
+              <a:t>21</a:t>
+            </a:fld>
+            <a:endParaRPr lang="en-US"/>
+          </a:p>
+        </p:txBody>
+      </p:sp>
+    </p:spTree>
+    <p:extLst>
+      <p:ext uri="{BB962C8B-B14F-4D97-AF65-F5344CB8AC3E}">
+        <p14:creationId xmlns:p14="http://schemas.microsoft.com/office/powerpoint/2010/main" val="1619664657"/>
+      </p:ext>
+    </p:extLst>
+  </p:cSld>
+  <p:clrMapOvr>
+    <a:masterClrMapping/>
+  </p:clrMapOvr>
+</p:notes>
+</file>
+
+<file path=ppt/notesSlides/notesSlide22.xml><?xml version="1.0" encoding="utf-8"?>
+<p:notes xmlns:a="http://schemas.openxmlformats.org/drawingml/2006/main" xmlns:r="http://schemas.openxmlformats.org/officeDocument/2006/relationships" xmlns:p="http://schemas.openxmlformats.org/presentationml/2006/main">
+  <p:cSld>
+    <p:spTree>
+      <p:nvGrpSpPr>
+        <p:cNvPr id="1" name=""/>
+        <p:cNvGrpSpPr/>
+        <p:nvPr/>
+      </p:nvGrpSpPr>
+      <p:grpSpPr>
+        <a:xfrm>
+          <a:off x="0" y="0"/>
+          <a:ext cx="0" cy="0"/>
+          <a:chOff x="0" y="0"/>
+          <a:chExt cx="0" cy="0"/>
+        </a:xfrm>
+      </p:grpSpPr>
+      <p:sp>
+        <p:nvSpPr>
+          <p:cNvPr id="2" name="Slide Image Placeholder 1"/>
+          <p:cNvSpPr>
+            <a:spLocks noGrp="1" noRot="1" noChangeAspect="1"/>
+          </p:cNvSpPr>
+          <p:nvPr>
+            <p:ph type="sldImg"/>
+          </p:nvPr>
+        </p:nvSpPr>
+        <p:spPr/>
+      </p:sp>
+      <p:sp>
+        <p:nvSpPr>
+          <p:cNvPr id="3" name="Notes Placeholder 2"/>
+          <p:cNvSpPr>
+            <a:spLocks noGrp="1"/>
+          </p:cNvSpPr>
+          <p:nvPr>
+            <p:ph type="body" idx="1"/>
+          </p:nvPr>
+        </p:nvSpPr>
+        <p:spPr/>
+        <p:txBody>
+          <a:bodyPr/>
+          <a:lstStyle/>
+          <a:p>
+            <a:pPr marL="0" marR="0" lvl="0" indent="0" algn="l" defTabSz="914400" rtl="0" eaLnBrk="1" fontAlgn="auto" latinLnBrk="0" hangingPunct="1">
+              <a:lnSpc>
+                <a:spcPct val="100000"/>
+              </a:lnSpc>
+              <a:spcBef>
+                <a:spcPts val="0"/>
+              </a:spcBef>
+              <a:spcAft>
+                <a:spcPts val="0"/>
+              </a:spcAft>
+              <a:buClrTx/>
+              <a:buSzTx/>
+              <a:buFontTx/>
+              <a:buNone/>
+              <a:tabLst/>
+              <a:defRPr/>
+            </a:pPr>
+            <a:r>
+              <a:rPr lang="en-US" dirty="0"/>
+              <a:t>This theorem is included on slide 5: Other invertible properties. </a:t>
+            </a:r>
+          </a:p>
+          <a:p>
+            <a:endParaRPr lang="en-US" dirty="0"/>
+          </a:p>
+        </p:txBody>
+      </p:sp>
+      <p:sp>
+        <p:nvSpPr>
+          <p:cNvPr id="4" name="Slide Number Placeholder 3"/>
+          <p:cNvSpPr>
+            <a:spLocks noGrp="1"/>
+          </p:cNvSpPr>
+          <p:nvPr>
+            <p:ph type="sldNum" sz="quarter" idx="5"/>
+          </p:nvPr>
+        </p:nvSpPr>
+        <p:spPr/>
+        <p:txBody>
+          <a:bodyPr/>
+          <a:lstStyle/>
+          <a:p>
+            <a:fld id="{B2AFC0E1-9A48-4B26-9FCC-0F0ED76BE088}" type="slidenum">
+              <a:rPr lang="en-US" smtClean="0"/>
+              <a:t>22</a:t>
+            </a:fld>
+            <a:endParaRPr lang="en-US"/>
+          </a:p>
+        </p:txBody>
+      </p:sp>
+    </p:spTree>
+    <p:extLst>
+      <p:ext uri="{BB962C8B-B14F-4D97-AF65-F5344CB8AC3E}">
+        <p14:creationId xmlns:p14="http://schemas.microsoft.com/office/powerpoint/2010/main" val="1183622710"/>
+      </p:ext>
+    </p:extLst>
+  </p:cSld>
+  <p:clrMapOvr>
+    <a:masterClrMapping/>
+  </p:clrMapOvr>
+</p:notes>
+</file>
+
+<file path=ppt/notesSlides/notesSlide23.xml><?xml version="1.0" encoding="utf-8"?>
+<p:notes xmlns:a="http://schemas.openxmlformats.org/drawingml/2006/main" xmlns:r="http://schemas.openxmlformats.org/officeDocument/2006/relationships" xmlns:p="http://schemas.openxmlformats.org/presentationml/2006/main">
+  <p:cSld>
+    <p:spTree>
+      <p:nvGrpSpPr>
+        <p:cNvPr id="1" name=""/>
+        <p:cNvGrpSpPr/>
+        <p:nvPr/>
+      </p:nvGrpSpPr>
+      <p:grpSpPr>
+        <a:xfrm>
+          <a:off x="0" y="0"/>
+          <a:ext cx="0" cy="0"/>
+          <a:chOff x="0" y="0"/>
+          <a:chExt cx="0" cy="0"/>
+        </a:xfrm>
+      </p:grpSpPr>
+      <p:sp>
+        <p:nvSpPr>
+          <p:cNvPr id="2" name="Slide Image Placeholder 1"/>
+          <p:cNvSpPr>
+            <a:spLocks noGrp="1" noRot="1" noChangeAspect="1"/>
+          </p:cNvSpPr>
+          <p:nvPr>
+            <p:ph type="sldImg"/>
+          </p:nvPr>
+        </p:nvSpPr>
+        <p:spPr/>
+      </p:sp>
+      <p:sp>
+        <p:nvSpPr>
+          <p:cNvPr id="3" name="Notes Placeholder 2"/>
+          <p:cNvSpPr>
+            <a:spLocks noGrp="1"/>
+          </p:cNvSpPr>
+          <p:nvPr>
+            <p:ph type="body" idx="1"/>
+          </p:nvPr>
+        </p:nvSpPr>
+        <p:spPr/>
+        <p:txBody>
+          <a:bodyPr/>
+          <a:lstStyle/>
+          <a:p>
+            <a:r>
+              <a:rPr lang="en-US" dirty="0"/>
+              <a:t>For instance, if I wanted to see the probability of raining on Wednesday while it is sunny today (Sunny is S1 and Rainy is S2), I would calculate (P</a:t>
+            </a:r>
+            <a:r>
+              <a:rPr lang="en-US" baseline="30000" dirty="0"/>
+              <a:t>2</a:t>
+            </a:r>
+            <a:r>
+              <a:rPr lang="en-US" baseline="0" dirty="0"/>
+              <a:t>)</a:t>
+            </a:r>
+            <a:r>
+              <a:rPr lang="en-US" baseline="-25000" dirty="0"/>
+              <a:t>21, </a:t>
+            </a:r>
+            <a:r>
+              <a:rPr lang="en-US" baseline="0" dirty="0"/>
+              <a:t>note that the power 2 means in 2 steps or days and from matrix, column 1, row 2. I lose points somehow (reason was wrong) using this method on the homework so you can try P</a:t>
+            </a:r>
+            <a:r>
+              <a:rPr lang="en-US" baseline="30000" dirty="0"/>
+              <a:t>2</a:t>
+            </a:r>
+            <a:r>
+              <a:rPr lang="en-US" baseline="0" dirty="0"/>
+              <a:t>x</a:t>
+            </a:r>
+            <a:r>
+              <a:rPr lang="en-US" baseline="-25000" dirty="0"/>
+              <a:t>0 </a:t>
+            </a:r>
+            <a:r>
+              <a:rPr lang="en-US" baseline="0" dirty="0"/>
+              <a:t>where x</a:t>
+            </a:r>
+            <a:r>
+              <a:rPr lang="en-US" baseline="-25000" dirty="0"/>
+              <a:t>0</a:t>
+            </a:r>
+            <a:r>
+              <a:rPr lang="en-US" baseline="0" dirty="0"/>
+              <a:t> is the initial state vector when it is sunny. Got the same answer either way. You can also do x</a:t>
+            </a:r>
+            <a:r>
+              <a:rPr lang="en-US" baseline="-25000" dirty="0"/>
+              <a:t>n+1</a:t>
+            </a:r>
+            <a:r>
+              <a:rPr lang="en-US" baseline="0" dirty="0"/>
+              <a:t>=</a:t>
+            </a:r>
+            <a:r>
+              <a:rPr lang="en-US" baseline="0" dirty="0" err="1"/>
+              <a:t>Px</a:t>
+            </a:r>
+            <a:r>
+              <a:rPr lang="en-US" baseline="-25000" dirty="0" err="1"/>
+              <a:t>n</a:t>
+            </a:r>
+            <a:r>
+              <a:rPr lang="en-US" baseline="0" dirty="0"/>
+              <a:t> to move one step at a time. </a:t>
+            </a:r>
+            <a:endParaRPr lang="en-US" dirty="0"/>
+          </a:p>
+        </p:txBody>
+      </p:sp>
+      <p:sp>
+        <p:nvSpPr>
+          <p:cNvPr id="4" name="Slide Number Placeholder 3"/>
+          <p:cNvSpPr>
+            <a:spLocks noGrp="1"/>
+          </p:cNvSpPr>
+          <p:nvPr>
+            <p:ph type="sldNum" sz="quarter" idx="5"/>
+          </p:nvPr>
+        </p:nvSpPr>
+        <p:spPr/>
+        <p:txBody>
+          <a:bodyPr/>
+          <a:lstStyle/>
+          <a:p>
+            <a:fld id="{B2AFC0E1-9A48-4B26-9FCC-0F0ED76BE088}" type="slidenum">
+              <a:rPr lang="en-US" smtClean="0"/>
+              <a:t>23</a:t>
+            </a:fld>
+            <a:endParaRPr lang="en-US"/>
+          </a:p>
+        </p:txBody>
+      </p:sp>
+    </p:spTree>
+    <p:extLst>
+      <p:ext uri="{BB962C8B-B14F-4D97-AF65-F5344CB8AC3E}">
+        <p14:creationId xmlns:p14="http://schemas.microsoft.com/office/powerpoint/2010/main" val="341614521"/>
+      </p:ext>
+    </p:extLst>
+  </p:cSld>
+  <p:clrMapOvr>
+    <a:masterClrMapping/>
+  </p:clrMapOvr>
+</p:notes>
+</file>
+
+<file path=ppt/notesSlides/notesSlide24.xml><?xml version="1.0" encoding="utf-8"?>
+<p:notes xmlns:a="http://schemas.openxmlformats.org/drawingml/2006/main" xmlns:r="http://schemas.openxmlformats.org/officeDocument/2006/relationships" xmlns:p="http://schemas.openxmlformats.org/presentationml/2006/main">
+  <p:cSld>
+    <p:spTree>
+      <p:nvGrpSpPr>
+        <p:cNvPr id="1" name=""/>
+        <p:cNvGrpSpPr/>
+        <p:nvPr/>
+      </p:nvGrpSpPr>
+      <p:grpSpPr>
+        <a:xfrm>
+          <a:off x="0" y="0"/>
+          <a:ext cx="0" cy="0"/>
+          <a:chOff x="0" y="0"/>
+          <a:chExt cx="0" cy="0"/>
+        </a:xfrm>
+      </p:grpSpPr>
+      <p:sp>
+        <p:nvSpPr>
+          <p:cNvPr id="2" name="Slide Image Placeholder 1"/>
+          <p:cNvSpPr>
+            <a:spLocks noGrp="1" noRot="1" noChangeAspect="1"/>
+          </p:cNvSpPr>
+          <p:nvPr>
+            <p:ph type="sldImg"/>
+          </p:nvPr>
+        </p:nvSpPr>
+        <p:spPr/>
+      </p:sp>
+      <p:sp>
+        <p:nvSpPr>
+          <p:cNvPr id="3" name="Notes Placeholder 2"/>
+          <p:cNvSpPr>
+            <a:spLocks noGrp="1"/>
+          </p:cNvSpPr>
+          <p:nvPr>
+            <p:ph type="body" idx="1"/>
+          </p:nvPr>
+        </p:nvSpPr>
+        <p:spPr/>
+        <p:txBody>
+          <a:bodyPr/>
+          <a:lstStyle/>
+          <a:p>
+            <a:r>
+              <a:rPr lang="en-US" dirty="0"/>
+              <a:t>Null(P-I</a:t>
+            </a:r>
+            <a:r>
+              <a:rPr lang="en-US" baseline="-25000" dirty="0"/>
+              <a:t>n</a:t>
+            </a:r>
+            <a:r>
+              <a:rPr lang="en-US" dirty="0"/>
+              <a:t>) then solve the resulting x</a:t>
+            </a:r>
+            <a:r>
+              <a:rPr lang="en-US" baseline="-25000" dirty="0"/>
+              <a:t>1</a:t>
+            </a:r>
+            <a:r>
+              <a:rPr lang="en-US" baseline="0" dirty="0"/>
+              <a:t>…</a:t>
+            </a:r>
+            <a:r>
+              <a:rPr lang="en-US" baseline="0" dirty="0" err="1"/>
+              <a:t>x</a:t>
+            </a:r>
+            <a:r>
+              <a:rPr lang="en-US" baseline="-25000" dirty="0" err="1"/>
+              <a:t>n</a:t>
+            </a:r>
+            <a:r>
+              <a:rPr lang="en-US" baseline="0" dirty="0"/>
+              <a:t> for t (for instance, x</a:t>
+            </a:r>
+            <a:r>
+              <a:rPr lang="en-US" baseline="-25000" dirty="0"/>
+              <a:t>1</a:t>
+            </a:r>
+            <a:r>
+              <a:rPr lang="en-US" baseline="0" dirty="0"/>
+              <a:t>+x</a:t>
+            </a:r>
+            <a:r>
+              <a:rPr lang="en-US" baseline="-25000" dirty="0"/>
+              <a:t>2</a:t>
+            </a:r>
+            <a:r>
+              <a:rPr lang="en-US" baseline="0" dirty="0"/>
+              <a:t>+x</a:t>
+            </a:r>
+            <a:r>
+              <a:rPr lang="en-US" baseline="-25000" dirty="0"/>
+              <a:t>3</a:t>
+            </a:r>
+            <a:r>
+              <a:rPr lang="en-US" baseline="0" dirty="0"/>
+              <a:t>=1) to get the steady state probability vector. Your vector must add up to one.</a:t>
+            </a:r>
+          </a:p>
+          <a:p>
+            <a:endParaRPr lang="en-US" dirty="0"/>
+          </a:p>
+        </p:txBody>
+      </p:sp>
+      <p:sp>
+        <p:nvSpPr>
+          <p:cNvPr id="4" name="Slide Number Placeholder 3"/>
+          <p:cNvSpPr>
+            <a:spLocks noGrp="1"/>
+          </p:cNvSpPr>
+          <p:nvPr>
+            <p:ph type="sldNum" sz="quarter" idx="5"/>
+          </p:nvPr>
+        </p:nvSpPr>
+        <p:spPr/>
+        <p:txBody>
+          <a:bodyPr/>
+          <a:lstStyle/>
+          <a:p>
+            <a:fld id="{B2AFC0E1-9A48-4B26-9FCC-0F0ED76BE088}" type="slidenum">
+              <a:rPr lang="en-US" smtClean="0"/>
+              <a:t>24</a:t>
+            </a:fld>
+            <a:endParaRPr lang="en-US"/>
+          </a:p>
+        </p:txBody>
+      </p:sp>
+    </p:spTree>
+    <p:extLst>
+      <p:ext uri="{BB962C8B-B14F-4D97-AF65-F5344CB8AC3E}">
+        <p14:creationId xmlns:p14="http://schemas.microsoft.com/office/powerpoint/2010/main" val="3144259643"/>
+      </p:ext>
+    </p:extLst>
+  </p:cSld>
+  <p:clrMapOvr>
+    <a:masterClrMapping/>
+  </p:clrMapOvr>
+</p:notes>
+</file>
+
+<file path=ppt/notesSlides/notesSlide25.xml><?xml version="1.0" encoding="utf-8"?>
+<p:notes xmlns:a="http://schemas.openxmlformats.org/drawingml/2006/main" xmlns:r="http://schemas.openxmlformats.org/officeDocument/2006/relationships" xmlns:p="http://schemas.openxmlformats.org/presentationml/2006/main">
+  <p:cSld>
+    <p:spTree>
+      <p:nvGrpSpPr>
+        <p:cNvPr id="1" name=""/>
+        <p:cNvGrpSpPr/>
+        <p:nvPr/>
+      </p:nvGrpSpPr>
+      <p:grpSpPr>
+        <a:xfrm>
+          <a:off x="0" y="0"/>
+          <a:ext cx="0" cy="0"/>
+          <a:chOff x="0" y="0"/>
+          <a:chExt cx="0" cy="0"/>
+        </a:xfrm>
+      </p:grpSpPr>
+      <p:sp>
+        <p:nvSpPr>
+          <p:cNvPr id="2" name="Slide Image Placeholder 1"/>
+          <p:cNvSpPr>
+            <a:spLocks noGrp="1" noRot="1" noChangeAspect="1"/>
+          </p:cNvSpPr>
+          <p:nvPr>
+            <p:ph type="sldImg"/>
+          </p:nvPr>
+        </p:nvSpPr>
+        <p:spPr/>
+      </p:sp>
+      <p:sp>
+        <p:nvSpPr>
+          <p:cNvPr id="3" name="Notes Placeholder 2"/>
+          <p:cNvSpPr>
+            <a:spLocks noGrp="1"/>
+          </p:cNvSpPr>
+          <p:nvPr>
+            <p:ph type="body" idx="1"/>
+          </p:nvPr>
+        </p:nvSpPr>
+        <p:spPr/>
+        <p:txBody>
+          <a:bodyPr/>
+          <a:lstStyle/>
+          <a:p>
+            <a:r>
+              <a:rPr lang="en-US" dirty="0"/>
+              <a:t>This theorem is included on slide 5: Other invertible properties. They both mean the same thing.</a:t>
+            </a:r>
+          </a:p>
+        </p:txBody>
+      </p:sp>
+      <p:sp>
+        <p:nvSpPr>
+          <p:cNvPr id="4" name="Slide Number Placeholder 3"/>
+          <p:cNvSpPr>
+            <a:spLocks noGrp="1"/>
+          </p:cNvSpPr>
+          <p:nvPr>
+            <p:ph type="sldNum" sz="quarter" idx="5"/>
+          </p:nvPr>
+        </p:nvSpPr>
+        <p:spPr/>
+        <p:txBody>
+          <a:bodyPr/>
+          <a:lstStyle/>
+          <a:p>
+            <a:fld id="{B2AFC0E1-9A48-4B26-9FCC-0F0ED76BE088}" type="slidenum">
+              <a:rPr lang="en-US" smtClean="0"/>
+              <a:t>25</a:t>
+            </a:fld>
+            <a:endParaRPr lang="en-US"/>
+          </a:p>
+        </p:txBody>
+      </p:sp>
+    </p:spTree>
+    <p:extLst>
+      <p:ext uri="{BB962C8B-B14F-4D97-AF65-F5344CB8AC3E}">
+        <p14:creationId xmlns:p14="http://schemas.microsoft.com/office/powerpoint/2010/main" val="1045040207"/>
+      </p:ext>
+    </p:extLst>
+  </p:cSld>
+  <p:clrMapOvr>
+    <a:masterClrMapping/>
+  </p:clrMapOvr>
+</p:notes>
+</file>
+
+<file path=ppt/notesSlides/notesSlide26.xml><?xml version="1.0" encoding="utf-8"?>
+<p:notes xmlns:a="http://schemas.openxmlformats.org/drawingml/2006/main" xmlns:r="http://schemas.openxmlformats.org/officeDocument/2006/relationships" xmlns:p="http://schemas.openxmlformats.org/presentationml/2006/main">
+  <p:cSld>
+    <p:spTree>
+      <p:nvGrpSpPr>
+        <p:cNvPr id="1" name=""/>
+        <p:cNvGrpSpPr/>
+        <p:nvPr/>
+      </p:nvGrpSpPr>
+      <p:grpSpPr>
+        <a:xfrm>
+          <a:off x="0" y="0"/>
+          <a:ext cx="0" cy="0"/>
+          <a:chOff x="0" y="0"/>
+          <a:chExt cx="0" cy="0"/>
+        </a:xfrm>
+      </p:grpSpPr>
+      <p:sp>
+        <p:nvSpPr>
+          <p:cNvPr id="2" name="Slide Image Placeholder 1"/>
+          <p:cNvSpPr>
+            <a:spLocks noGrp="1" noRot="1" noChangeAspect="1"/>
+          </p:cNvSpPr>
+          <p:nvPr>
+            <p:ph type="sldImg"/>
+          </p:nvPr>
+        </p:nvSpPr>
+        <p:spPr/>
+      </p:sp>
+      <p:sp>
+        <p:nvSpPr>
+          <p:cNvPr id="3" name="Notes Placeholder 2"/>
+          <p:cNvSpPr>
+            <a:spLocks noGrp="1"/>
+          </p:cNvSpPr>
+          <p:nvPr>
+            <p:ph type="body" idx="1"/>
+          </p:nvPr>
+        </p:nvSpPr>
+        <p:spPr/>
+        <p:txBody>
+          <a:bodyPr/>
+          <a:lstStyle/>
+          <a:p>
+            <a:endParaRPr lang="en-US" dirty="0"/>
+          </a:p>
+        </p:txBody>
+      </p:sp>
+      <p:sp>
+        <p:nvSpPr>
+          <p:cNvPr id="4" name="Slide Number Placeholder 3"/>
+          <p:cNvSpPr>
+            <a:spLocks noGrp="1"/>
+          </p:cNvSpPr>
+          <p:nvPr>
+            <p:ph type="sldNum" sz="quarter" idx="5"/>
+          </p:nvPr>
+        </p:nvSpPr>
+        <p:spPr/>
+        <p:txBody>
+          <a:bodyPr/>
+          <a:lstStyle/>
+          <a:p>
+            <a:fld id="{B2AFC0E1-9A48-4B26-9FCC-0F0ED76BE088}" type="slidenum">
+              <a:rPr lang="en-US" smtClean="0"/>
+              <a:t>26</a:t>
+            </a:fld>
+            <a:endParaRPr lang="en-US"/>
+          </a:p>
+        </p:txBody>
+      </p:sp>
+    </p:spTree>
+    <p:extLst>
+      <p:ext uri="{BB962C8B-B14F-4D97-AF65-F5344CB8AC3E}">
+        <p14:creationId xmlns:p14="http://schemas.microsoft.com/office/powerpoint/2010/main" val="822385432"/>
+      </p:ext>
+    </p:extLst>
+  </p:cSld>
+  <p:clrMapOvr>
+    <a:masterClrMapping/>
+  </p:clrMapOvr>
+</p:notes>
+</file>
+
+<file path=ppt/notesSlides/notesSlide27.xml><?xml version="1.0" encoding="utf-8"?>
+<p:notes xmlns:a="http://schemas.openxmlformats.org/drawingml/2006/main" xmlns:r="http://schemas.openxmlformats.org/officeDocument/2006/relationships" xmlns:p="http://schemas.openxmlformats.org/presentationml/2006/main">
+  <p:cSld>
+    <p:spTree>
+      <p:nvGrpSpPr>
+        <p:cNvPr id="1" name=""/>
+        <p:cNvGrpSpPr/>
+        <p:nvPr/>
+      </p:nvGrpSpPr>
+      <p:grpSpPr>
+        <a:xfrm>
+          <a:off x="0" y="0"/>
+          <a:ext cx="0" cy="0"/>
+          <a:chOff x="0" y="0"/>
+          <a:chExt cx="0" cy="0"/>
+        </a:xfrm>
+      </p:grpSpPr>
+      <p:sp>
+        <p:nvSpPr>
+          <p:cNvPr id="2" name="Slide Image Placeholder 1"/>
+          <p:cNvSpPr>
+            <a:spLocks noGrp="1" noRot="1" noChangeAspect="1"/>
+          </p:cNvSpPr>
+          <p:nvPr>
+            <p:ph type="sldImg"/>
+          </p:nvPr>
+        </p:nvSpPr>
+        <p:spPr/>
+      </p:sp>
+      <p:sp>
+        <p:nvSpPr>
+          <p:cNvPr id="3" name="Notes Placeholder 2"/>
+          <p:cNvSpPr>
+            <a:spLocks noGrp="1"/>
+          </p:cNvSpPr>
+          <p:nvPr>
+            <p:ph type="body" idx="1"/>
+          </p:nvPr>
+        </p:nvSpPr>
+        <p:spPr/>
+        <p:txBody>
+          <a:bodyPr/>
+          <a:lstStyle/>
+          <a:p>
+            <a:r>
+              <a:rPr lang="en-US" dirty="0"/>
+              <a:t>Remember that nullity(A) = 0 means only the zero vector makes the homogenous linear system Ax = b = 0.  According to the FTOIM, homogenous linear systems can only have the trivial solution x = 0; therefore, nullity must be zero.</a:t>
+            </a:r>
+          </a:p>
+          <a:p>
+            <a:r>
+              <a:rPr lang="en-US" dirty="0"/>
+              <a:t>Look at the cheat sheet, you need a nonempty null space to find an eigenvalue of a matrix.</a:t>
+            </a:r>
+          </a:p>
+          <a:p>
+            <a:endParaRPr lang="en-US" dirty="0"/>
+          </a:p>
+          <a:p>
+            <a:endParaRPr lang="en-US" dirty="0"/>
+          </a:p>
+        </p:txBody>
+      </p:sp>
+      <p:sp>
+        <p:nvSpPr>
+          <p:cNvPr id="4" name="Slide Number Placeholder 3"/>
+          <p:cNvSpPr>
+            <a:spLocks noGrp="1"/>
+          </p:cNvSpPr>
+          <p:nvPr>
+            <p:ph type="sldNum" sz="quarter" idx="5"/>
+          </p:nvPr>
+        </p:nvSpPr>
+        <p:spPr/>
+        <p:txBody>
+          <a:bodyPr/>
+          <a:lstStyle/>
+          <a:p>
+            <a:fld id="{B2AFC0E1-9A48-4B26-9FCC-0F0ED76BE088}" type="slidenum">
+              <a:rPr lang="en-US" smtClean="0"/>
+              <a:t>27</a:t>
+            </a:fld>
+            <a:endParaRPr lang="en-US"/>
+          </a:p>
+        </p:txBody>
+      </p:sp>
+    </p:spTree>
+    <p:extLst>
+      <p:ext uri="{BB962C8B-B14F-4D97-AF65-F5344CB8AC3E}">
+        <p14:creationId xmlns:p14="http://schemas.microsoft.com/office/powerpoint/2010/main" val="1036935033"/>
+      </p:ext>
+    </p:extLst>
+  </p:cSld>
+  <p:clrMapOvr>
+    <a:masterClrMapping/>
+  </p:clrMapOvr>
+</p:notes>
+</file>
+
+<file path=ppt/notesSlides/notesSlide28.xml><?xml version="1.0" encoding="utf-8"?>
+<p:notes xmlns:a="http://schemas.openxmlformats.org/drawingml/2006/main" xmlns:r="http://schemas.openxmlformats.org/officeDocument/2006/relationships" xmlns:p="http://schemas.openxmlformats.org/presentationml/2006/main">
+  <p:cSld>
+    <p:spTree>
+      <p:nvGrpSpPr>
+        <p:cNvPr id="1" name=""/>
+        <p:cNvGrpSpPr/>
+        <p:nvPr/>
+      </p:nvGrpSpPr>
+      <p:grpSpPr>
+        <a:xfrm>
+          <a:off x="0" y="0"/>
+          <a:ext cx="0" cy="0"/>
+          <a:chOff x="0" y="0"/>
+          <a:chExt cx="0" cy="0"/>
+        </a:xfrm>
+      </p:grpSpPr>
+      <p:sp>
+        <p:nvSpPr>
+          <p:cNvPr id="2" name="Slide Image Placeholder 1"/>
+          <p:cNvSpPr>
+            <a:spLocks noGrp="1" noRot="1" noChangeAspect="1"/>
+          </p:cNvSpPr>
+          <p:nvPr>
+            <p:ph type="sldImg"/>
+          </p:nvPr>
+        </p:nvSpPr>
+        <p:spPr/>
+      </p:sp>
+      <p:sp>
+        <p:nvSpPr>
+          <p:cNvPr id="3" name="Notes Placeholder 2"/>
+          <p:cNvSpPr>
+            <a:spLocks noGrp="1"/>
+          </p:cNvSpPr>
+          <p:nvPr>
+            <p:ph type="body" idx="1"/>
+          </p:nvPr>
+        </p:nvSpPr>
+        <p:spPr/>
+        <p:txBody>
+          <a:bodyPr/>
+          <a:lstStyle/>
+          <a:p>
+            <a:r>
+              <a:rPr lang="en-US" dirty="0"/>
+              <a:t>Solving the determinant for lambda to find the eigenvalues of matrix A.</a:t>
+            </a:r>
+          </a:p>
+        </p:txBody>
+      </p:sp>
+      <p:sp>
+        <p:nvSpPr>
+          <p:cNvPr id="4" name="Slide Number Placeholder 3"/>
+          <p:cNvSpPr>
+            <a:spLocks noGrp="1"/>
+          </p:cNvSpPr>
+          <p:nvPr>
+            <p:ph type="sldNum" sz="quarter" idx="5"/>
+          </p:nvPr>
+        </p:nvSpPr>
+        <p:spPr/>
+        <p:txBody>
+          <a:bodyPr/>
+          <a:lstStyle/>
+          <a:p>
+            <a:fld id="{B2AFC0E1-9A48-4B26-9FCC-0F0ED76BE088}" type="slidenum">
+              <a:rPr lang="en-US" smtClean="0"/>
+              <a:t>28</a:t>
+            </a:fld>
+            <a:endParaRPr lang="en-US"/>
+          </a:p>
+        </p:txBody>
+      </p:sp>
+    </p:spTree>
+    <p:extLst>
+      <p:ext uri="{BB962C8B-B14F-4D97-AF65-F5344CB8AC3E}">
+        <p14:creationId xmlns:p14="http://schemas.microsoft.com/office/powerpoint/2010/main" val="674072280"/>
+      </p:ext>
+    </p:extLst>
+  </p:cSld>
+  <p:clrMapOvr>
+    <a:masterClrMapping/>
+  </p:clrMapOvr>
+</p:notes>
+</file>
+
+<file path=ppt/notesSlides/notesSlide29.xml><?xml version="1.0" encoding="utf-8"?>
+<p:notes xmlns:a="http://schemas.openxmlformats.org/drawingml/2006/main" xmlns:r="http://schemas.openxmlformats.org/officeDocument/2006/relationships" xmlns:p="http://schemas.openxmlformats.org/presentationml/2006/main">
+  <p:cSld>
+    <p:spTree>
+      <p:nvGrpSpPr>
+        <p:cNvPr id="1" name=""/>
+        <p:cNvGrpSpPr/>
+        <p:nvPr/>
+      </p:nvGrpSpPr>
+      <p:grpSpPr>
+        <a:xfrm>
+          <a:off x="0" y="0"/>
+          <a:ext cx="0" cy="0"/>
+          <a:chOff x="0" y="0"/>
+          <a:chExt cx="0" cy="0"/>
+        </a:xfrm>
+      </p:grpSpPr>
+      <p:sp>
+        <p:nvSpPr>
+          <p:cNvPr id="2" name="Slide Image Placeholder 1"/>
+          <p:cNvSpPr>
+            <a:spLocks noGrp="1" noRot="1" noChangeAspect="1"/>
+          </p:cNvSpPr>
+          <p:nvPr>
+            <p:ph type="sldImg"/>
+          </p:nvPr>
+        </p:nvSpPr>
+        <p:spPr/>
+      </p:sp>
+      <mc:AlternateContent xmlns:mc="http://schemas.openxmlformats.org/markup-compatibility/2006">
+        <mc:Choice xmlns:a14="http://schemas.microsoft.com/office/drawing/2010/main" Requires="a14">
+          <p:sp>
+            <p:nvSpPr>
+              <p:cNvPr id="3" name="Notes Placeholder 2"/>
+              <p:cNvSpPr>
+                <a:spLocks noGrp="1"/>
+              </p:cNvSpPr>
+              <p:nvPr>
+                <p:ph type="body" idx="1"/>
+              </p:nvPr>
+            </p:nvSpPr>
+            <p:spPr/>
+            <p:txBody>
+              <a:bodyPr/>
+              <a:lstStyle/>
+              <a:p>
+                <a:r>
+                  <a:rPr lang="en-US" dirty="0"/>
+                  <a:t>Note that </a:t>
+                </a:r>
+                <a14:m>
+                  <m:oMath xmlns:m="http://schemas.openxmlformats.org/officeDocument/2006/math">
+                    <m:sSub>
+                      <m:sSubPr>
+                        <m:ctrlPr>
+                          <a:rPr lang="en-US" sz="1200" i="1" smtClean="0">
+                            <a:solidFill>
+                              <a:srgbClr val="202124"/>
+                            </a:solidFill>
+                            <a:latin typeface="Cambria Math" panose="02040503050406030204" pitchFamily="18" charset="0"/>
+                          </a:rPr>
+                        </m:ctrlPr>
+                      </m:sSubPr>
+                      <m:e>
+                        <m:r>
+                          <a:rPr lang="en-US" sz="1200" b="0" i="1" smtClean="0">
+                            <a:solidFill>
+                              <a:srgbClr val="202124"/>
+                            </a:solidFill>
+                            <a:latin typeface="Cambria Math" panose="02040503050406030204" pitchFamily="18" charset="0"/>
+                          </a:rPr>
+                          <m:t>𝐸</m:t>
+                        </m:r>
+                      </m:e>
+                      <m:sub>
+                        <m:r>
+                          <m:rPr>
+                            <m:nor/>
+                          </m:rPr>
+                          <a:rPr lang="el-GR" sz="1200" b="1" dirty="0">
+                            <a:solidFill>
+                              <a:srgbClr val="202124"/>
+                            </a:solidFill>
+                          </a:rPr>
+                          <m:t>λ</m:t>
+                        </m:r>
+                      </m:sub>
+                    </m:sSub>
+                  </m:oMath>
+                </a14:m>
+                <a:r>
+                  <a:rPr lang="en-US" sz="1200" b="1" i="0" dirty="0">
+                    <a:solidFill>
+                      <a:srgbClr val="202124"/>
+                    </a:solidFill>
+                    <a:effectLst/>
+                  </a:rPr>
+                  <a:t>=</a:t>
+                </a:r>
+                <a:r>
+                  <a:rPr lang="en-US" dirty="0"/>
+                  <a:t>null(A-</a:t>
+                </a:r>
+                <a:r>
+                  <a:rPr lang="el-GR" sz="1200" b="1" dirty="0">
+                    <a:solidFill>
+                      <a:srgbClr val="202124"/>
+                    </a:solidFill>
+                  </a:rPr>
+                  <a:t>λ</a:t>
+                </a:r>
+                <a:r>
+                  <a:rPr lang="en-US" sz="1200" dirty="0">
+                    <a:solidFill>
+                      <a:srgbClr val="202124"/>
+                    </a:solidFill>
+                  </a:rPr>
+                  <a:t>I</a:t>
+                </a:r>
+                <a:r>
+                  <a:rPr lang="en-US" sz="1200" baseline="-25000" dirty="0">
+                    <a:solidFill>
+                      <a:srgbClr val="202124"/>
+                    </a:solidFill>
+                  </a:rPr>
+                  <a:t>n</a:t>
+                </a:r>
+                <a:r>
+                  <a:rPr lang="en-US" sz="1200" baseline="0" dirty="0">
+                    <a:solidFill>
+                      <a:srgbClr val="202124"/>
+                    </a:solidFill>
+                  </a:rPr>
+                  <a:t>) is </a:t>
+                </a:r>
+                <a:r>
+                  <a:rPr lang="en-US" sz="1200" baseline="0">
+                    <a:solidFill>
+                      <a:srgbClr val="202124"/>
+                    </a:solidFill>
+                  </a:rPr>
+                  <a:t>a subspace of R</a:t>
+                </a:r>
+                <a:r>
+                  <a:rPr lang="en-US" sz="1200" baseline="30000">
+                    <a:solidFill>
+                      <a:srgbClr val="202124"/>
+                    </a:solidFill>
+                  </a:rPr>
+                  <a:t>n</a:t>
+                </a:r>
+                <a:r>
+                  <a:rPr lang="en-US" sz="1200" baseline="0">
+                    <a:solidFill>
+                      <a:srgbClr val="202124"/>
+                    </a:solidFill>
+                  </a:rPr>
+                  <a:t>, </a:t>
+                </a:r>
+                <a:r>
+                  <a:rPr lang="en-US" sz="1200" baseline="0" dirty="0">
+                    <a:solidFill>
+                      <a:srgbClr val="202124"/>
+                    </a:solidFill>
+                  </a:rPr>
+                  <a:t>therefore, </a:t>
+                </a:r>
+                <a:r>
+                  <a:rPr lang="en-US" sz="1200" baseline="0">
+                    <a:solidFill>
+                      <a:srgbClr val="202124"/>
+                    </a:solidFill>
+                  </a:rPr>
+                  <a:t>(A-2I</a:t>
+                </a:r>
+                <a:r>
+                  <a:rPr lang="en-US" sz="1200" baseline="-25000" dirty="0">
+                    <a:solidFill>
+                      <a:srgbClr val="202124"/>
+                    </a:solidFill>
+                  </a:rPr>
+                  <a:t>3</a:t>
+                </a:r>
+                <a:r>
+                  <a:rPr lang="en-US" sz="1200" baseline="0">
+                    <a:solidFill>
+                      <a:srgbClr val="202124"/>
+                    </a:solidFill>
+                  </a:rPr>
+                  <a:t>)[</a:t>
+                </a:r>
+                <a:r>
+                  <a:rPr lang="en-US" sz="1200" baseline="0" dirty="0">
+                    <a:solidFill>
+                      <a:srgbClr val="202124"/>
+                    </a:solidFill>
+                  </a:rPr>
+                  <a:t>1,1,1]=[0,0,0] will have eigenvalue equal to 2 for all linear combinations of eigenvector [1,1,1] but [0,0,0]</a:t>
+                </a:r>
+                <a:endParaRPr lang="en-US" dirty="0"/>
+              </a:p>
+            </p:txBody>
+          </p:sp>
+        </mc:Choice>
+        <mc:Fallback>
+          <p:sp>
+            <p:nvSpPr>
+              <p:cNvPr id="3" name="Notes Placeholder 2"/>
+              <p:cNvSpPr>
+                <a:spLocks noGrp="1"/>
+              </p:cNvSpPr>
+              <p:nvPr>
+                <p:ph type="body" idx="1"/>
+              </p:nvPr>
+            </p:nvSpPr>
+            <p:spPr/>
+            <p:txBody>
+              <a:bodyPr/>
+              <a:lstStyle/>
+              <a:p>
+                <a:r>
+                  <a:rPr lang="en-US" dirty="0"/>
+                  <a:t>Note that </a:t>
+                </a:r>
+                <a:r>
+                  <a:rPr lang="en-US" sz="1200" b="0" i="0">
+                    <a:solidFill>
+                      <a:srgbClr val="202124"/>
+                    </a:solidFill>
+                    <a:latin typeface="Cambria Math" panose="02040503050406030204" pitchFamily="18" charset="0"/>
+                  </a:rPr>
+                  <a:t>𝐸_</a:t>
+                </a:r>
+                <a:r>
+                  <a:rPr lang="el-GR" sz="1200" b="1" i="0" dirty="0">
+                    <a:solidFill>
+                      <a:srgbClr val="202124"/>
+                    </a:solidFill>
+                    <a:latin typeface="Cambria Math" panose="02040503050406030204" pitchFamily="18" charset="0"/>
+                  </a:rPr>
+                  <a:t>"</a:t>
+                </a:r>
+                <a:r>
+                  <a:rPr lang="el-GR" sz="1200" b="1" i="0" dirty="0">
+                    <a:solidFill>
+                      <a:srgbClr val="202124"/>
+                    </a:solidFill>
+                  </a:rPr>
+                  <a:t>λ</a:t>
+                </a:r>
+                <a:r>
+                  <a:rPr lang="el-GR" sz="1200" b="1" i="0" dirty="0">
+                    <a:solidFill>
+                      <a:srgbClr val="202124"/>
+                    </a:solidFill>
+                    <a:latin typeface="Cambria Math" panose="02040503050406030204" pitchFamily="18" charset="0"/>
+                  </a:rPr>
+                  <a:t>" </a:t>
+                </a:r>
+                <a:r>
+                  <a:rPr lang="en-US" sz="1200" b="1" i="0" dirty="0">
+                    <a:solidFill>
+                      <a:srgbClr val="202124"/>
+                    </a:solidFill>
+                    <a:effectLst/>
+                  </a:rPr>
+                  <a:t>=</a:t>
+                </a:r>
+                <a:r>
+                  <a:rPr lang="en-US" dirty="0"/>
+                  <a:t>null(A-</a:t>
+                </a:r>
+                <a:r>
+                  <a:rPr lang="el-GR" sz="1200" b="1" dirty="0">
+                    <a:solidFill>
+                      <a:srgbClr val="202124"/>
+                    </a:solidFill>
+                  </a:rPr>
+                  <a:t>λ</a:t>
+                </a:r>
+                <a:r>
+                  <a:rPr lang="en-US" sz="1200" dirty="0">
+                    <a:solidFill>
+                      <a:srgbClr val="202124"/>
+                    </a:solidFill>
+                  </a:rPr>
+                  <a:t>I</a:t>
+                </a:r>
+                <a:r>
+                  <a:rPr lang="en-US" sz="1200" baseline="-25000" dirty="0">
+                    <a:solidFill>
+                      <a:srgbClr val="202124"/>
+                    </a:solidFill>
+                  </a:rPr>
+                  <a:t>n</a:t>
+                </a:r>
+                <a:r>
+                  <a:rPr lang="en-US" sz="1200" baseline="0" dirty="0">
+                    <a:solidFill>
+                      <a:srgbClr val="202124"/>
+                    </a:solidFill>
+                  </a:rPr>
+                  <a:t>) is </a:t>
+                </a:r>
+                <a:r>
+                  <a:rPr lang="en-US" sz="1200" baseline="0">
+                    <a:solidFill>
+                      <a:srgbClr val="202124"/>
+                    </a:solidFill>
+                  </a:rPr>
+                  <a:t>a subspace of R</a:t>
+                </a:r>
+                <a:r>
+                  <a:rPr lang="en-US" sz="1200" baseline="30000">
+                    <a:solidFill>
+                      <a:srgbClr val="202124"/>
+                    </a:solidFill>
+                  </a:rPr>
+                  <a:t>n</a:t>
+                </a:r>
+                <a:r>
+                  <a:rPr lang="en-US" sz="1200" baseline="0">
+                    <a:solidFill>
+                      <a:srgbClr val="202124"/>
+                    </a:solidFill>
+                  </a:rPr>
+                  <a:t>, </a:t>
+                </a:r>
+                <a:r>
+                  <a:rPr lang="en-US" sz="1200" baseline="0" dirty="0">
+                    <a:solidFill>
+                      <a:srgbClr val="202124"/>
+                    </a:solidFill>
+                  </a:rPr>
+                  <a:t>therefore, </a:t>
+                </a:r>
+                <a:r>
+                  <a:rPr lang="en-US" sz="1200" baseline="0">
+                    <a:solidFill>
+                      <a:srgbClr val="202124"/>
+                    </a:solidFill>
+                  </a:rPr>
+                  <a:t>(A-2I</a:t>
+                </a:r>
+                <a:r>
+                  <a:rPr lang="en-US" sz="1200" baseline="-25000" dirty="0">
+                    <a:solidFill>
+                      <a:srgbClr val="202124"/>
+                    </a:solidFill>
+                  </a:rPr>
+                  <a:t>3</a:t>
+                </a:r>
+                <a:r>
+                  <a:rPr lang="en-US" sz="1200" baseline="0">
+                    <a:solidFill>
+                      <a:srgbClr val="202124"/>
+                    </a:solidFill>
+                  </a:rPr>
+                  <a:t>)[</a:t>
+                </a:r>
+                <a:r>
+                  <a:rPr lang="en-US" sz="1200" baseline="0" dirty="0">
+                    <a:solidFill>
+                      <a:srgbClr val="202124"/>
+                    </a:solidFill>
+                  </a:rPr>
+                  <a:t>1,1,1]=[0,0,0] will have eigenvalue equal to 2 for all linear combinations of eigenvector [1,1,1] but [0,0,0]</a:t>
+                </a:r>
+                <a:endParaRPr lang="en-US" dirty="0"/>
+              </a:p>
+            </p:txBody>
+          </p:sp>
+        </mc:Fallback>
+      </mc:AlternateContent>
+      <p:sp>
+        <p:nvSpPr>
+          <p:cNvPr id="4" name="Slide Number Placeholder 3"/>
+          <p:cNvSpPr>
+            <a:spLocks noGrp="1"/>
+          </p:cNvSpPr>
+          <p:nvPr>
+            <p:ph type="sldNum" sz="quarter" idx="5"/>
+          </p:nvPr>
+        </p:nvSpPr>
+        <p:spPr/>
+        <p:txBody>
+          <a:bodyPr/>
+          <a:lstStyle/>
+          <a:p>
+            <a:fld id="{B2AFC0E1-9A48-4B26-9FCC-0F0ED76BE088}" type="slidenum">
+              <a:rPr lang="en-US" smtClean="0"/>
+              <a:t>31</a:t>
+            </a:fld>
+            <a:endParaRPr lang="en-US"/>
+          </a:p>
+        </p:txBody>
+      </p:sp>
+    </p:spTree>
+    <p:extLst>
+      <p:ext uri="{BB962C8B-B14F-4D97-AF65-F5344CB8AC3E}">
+        <p14:creationId xmlns:p14="http://schemas.microsoft.com/office/powerpoint/2010/main" val="3413696427"/>
       </p:ext>
     </p:extLst>
   </p:cSld>
@@ -3971,6 +5402,15 @@
             <p:txBody>
               <a:bodyPr/>
               <a:lstStyle/>
+              <a:p>
+                <a:pPr marL="0" indent="0">
+                  <a:buNone/>
+                </a:pPr>
+                <a:r>
+                  <a:rPr lang="en-US" b="1" dirty="0"/>
+                  <a:t>Memorize this, is pretty much used in most of this unit</a:t>
+                </a:r>
+              </a:p>
               <a:p>
                 <a:pPr marL="228600" indent="-228600">
                   <a:buAutoNum type="arabicParenR"/>
@@ -4211,7 +5651,10 @@
             <a:pPr marL="0" indent="0">
               <a:buNone/>
             </a:pPr>
-            <a:endParaRPr lang="en-US" dirty="0"/>
+            <a:r>
+              <a:rPr lang="en-US" dirty="0"/>
+              <a:t>Theorem 7 must be memorized. The previous slide can be used for Theorem 1’s case.</a:t>
+            </a:r>
           </a:p>
         </p:txBody>
       </p:sp>
@@ -4599,7 +6042,7 @@
           <a:p>
             <a:r>
               <a:rPr lang="en-US" dirty="0"/>
-              <a:t>Basis is the set of linearly independent vectors that represent subspace W which is not an empty set.  (refer to slide 6)</a:t>
+              <a:t>Basis is the set of linearly independent vectors that represent subspace W which is not an empty set.  (refer to slide 6 for info on subspaces)</a:t>
             </a:r>
           </a:p>
         </p:txBody>
@@ -4961,7 +6404,7 @@
           <a:p>
             <a:fld id="{C868AB9E-4FA6-4C7D-A415-A317424E55FE}" type="datetimeFigureOut">
               <a:rPr lang="en-US" smtClean="0"/>
-              <a:t>3/28/2021</a:t>
+              <a:t>3/29/2021</a:t>
             </a:fld>
             <a:endParaRPr lang="en-US"/>
           </a:p>
@@ -5159,7 +6602,7 @@
           <a:p>
             <a:fld id="{C868AB9E-4FA6-4C7D-A415-A317424E55FE}" type="datetimeFigureOut">
               <a:rPr lang="en-US" smtClean="0"/>
-              <a:t>3/28/2021</a:t>
+              <a:t>3/29/2021</a:t>
             </a:fld>
             <a:endParaRPr lang="en-US"/>
           </a:p>
@@ -5367,7 +6810,7 @@
           <a:p>
             <a:fld id="{C868AB9E-4FA6-4C7D-A415-A317424E55FE}" type="datetimeFigureOut">
               <a:rPr lang="en-US" smtClean="0"/>
-              <a:t>3/28/2021</a:t>
+              <a:t>3/29/2021</a:t>
             </a:fld>
             <a:endParaRPr lang="en-US"/>
           </a:p>
@@ -5565,7 +7008,7 @@
           <a:p>
             <a:fld id="{C868AB9E-4FA6-4C7D-A415-A317424E55FE}" type="datetimeFigureOut">
               <a:rPr lang="en-US" smtClean="0"/>
-              <a:t>3/28/2021</a:t>
+              <a:t>3/29/2021</a:t>
             </a:fld>
             <a:endParaRPr lang="en-US"/>
           </a:p>
@@ -5840,7 +7283,7 @@
           <a:p>
             <a:fld id="{C868AB9E-4FA6-4C7D-A415-A317424E55FE}" type="datetimeFigureOut">
               <a:rPr lang="en-US" smtClean="0"/>
-              <a:t>3/28/2021</a:t>
+              <a:t>3/29/2021</a:t>
             </a:fld>
             <a:endParaRPr lang="en-US"/>
           </a:p>
@@ -6105,7 +7548,7 @@
           <a:p>
             <a:fld id="{C868AB9E-4FA6-4C7D-A415-A317424E55FE}" type="datetimeFigureOut">
               <a:rPr lang="en-US" smtClean="0"/>
-              <a:t>3/28/2021</a:t>
+              <a:t>3/29/2021</a:t>
             </a:fld>
             <a:endParaRPr lang="en-US"/>
           </a:p>
@@ -6517,7 +7960,7 @@
           <a:p>
             <a:fld id="{C868AB9E-4FA6-4C7D-A415-A317424E55FE}" type="datetimeFigureOut">
               <a:rPr lang="en-US" smtClean="0"/>
-              <a:t>3/28/2021</a:t>
+              <a:t>3/29/2021</a:t>
             </a:fld>
             <a:endParaRPr lang="en-US"/>
           </a:p>
@@ -6658,7 +8101,7 @@
           <a:p>
             <a:fld id="{C868AB9E-4FA6-4C7D-A415-A317424E55FE}" type="datetimeFigureOut">
               <a:rPr lang="en-US" smtClean="0"/>
-              <a:t>3/28/2021</a:t>
+              <a:t>3/29/2021</a:t>
             </a:fld>
             <a:endParaRPr lang="en-US"/>
           </a:p>
@@ -6771,7 +8214,7 @@
           <a:p>
             <a:fld id="{C868AB9E-4FA6-4C7D-A415-A317424E55FE}" type="datetimeFigureOut">
               <a:rPr lang="en-US" smtClean="0"/>
-              <a:t>3/28/2021</a:t>
+              <a:t>3/29/2021</a:t>
             </a:fld>
             <a:endParaRPr lang="en-US"/>
           </a:p>
@@ -7082,7 +8525,7 @@
           <a:p>
             <a:fld id="{C868AB9E-4FA6-4C7D-A415-A317424E55FE}" type="datetimeFigureOut">
               <a:rPr lang="en-US" smtClean="0"/>
-              <a:t>3/28/2021</a:t>
+              <a:t>3/29/2021</a:t>
             </a:fld>
             <a:endParaRPr lang="en-US"/>
           </a:p>
@@ -7370,7 +8813,7 @@
           <a:p>
             <a:fld id="{C868AB9E-4FA6-4C7D-A415-A317424E55FE}" type="datetimeFigureOut">
               <a:rPr lang="en-US" smtClean="0"/>
-              <a:t>3/28/2021</a:t>
+              <a:t>3/29/2021</a:t>
             </a:fld>
             <a:endParaRPr lang="en-US"/>
           </a:p>
@@ -7611,7 +9054,7 @@
           <a:p>
             <a:fld id="{C868AB9E-4FA6-4C7D-A415-A317424E55FE}" type="datetimeFigureOut">
               <a:rPr lang="en-US" smtClean="0"/>
-              <a:t>3/28/2021</a:t>
+              <a:t>3/29/2021</a:t>
             </a:fld>
             <a:endParaRPr lang="en-US"/>
           </a:p>
@@ -10204,7 +11647,7 @@
           <p:nvPr/>
         </p:nvPicPr>
         <p:blipFill>
-          <a:blip r:embed="rId2"/>
+          <a:blip r:embed="rId3"/>
           <a:stretch>
             <a:fillRect/>
           </a:stretch>
@@ -10503,7 +11946,7 @@
           <p:nvPr/>
         </p:nvPicPr>
         <p:blipFill>
-          <a:blip r:embed="rId2"/>
+          <a:blip r:embed="rId3"/>
           <a:stretch>
             <a:fillRect/>
           </a:stretch>
@@ -10704,7 +12147,7 @@
           <p:nvPr/>
         </p:nvPicPr>
         <p:blipFill>
-          <a:blip r:embed="rId3"/>
+          <a:blip r:embed="rId4"/>
           <a:stretch>
             <a:fillRect/>
           </a:stretch>
@@ -10734,7 +12177,7 @@
           <p:nvPr/>
         </p:nvPicPr>
         <p:blipFill>
-          <a:blip r:embed="rId4"/>
+          <a:blip r:embed="rId5"/>
           <a:stretch>
             <a:fillRect/>
           </a:stretch>
@@ -10862,7 +12305,7 @@
           <p:nvPr/>
         </p:nvPicPr>
         <p:blipFill>
-          <a:blip r:embed="rId2"/>
+          <a:blip r:embed="rId3"/>
           <a:stretch>
             <a:fillRect/>
           </a:stretch>
@@ -11266,7 +12709,7 @@
           <p:nvPr/>
         </p:nvPicPr>
         <p:blipFill>
-          <a:blip r:embed="rId2"/>
+          <a:blip r:embed="rId3"/>
           <a:stretch>
             <a:fillRect/>
           </a:stretch>
@@ -11805,7 +13248,7 @@
           <p:nvPr/>
         </p:nvPicPr>
         <p:blipFill>
-          <a:blip r:embed="rId2"/>
+          <a:blip r:embed="rId3"/>
           <a:stretch>
             <a:fillRect/>
           </a:stretch>
@@ -12045,7 +13488,7 @@
           <p:nvPr/>
         </p:nvPicPr>
         <p:blipFill>
-          <a:blip r:embed="rId2"/>
+          <a:blip r:embed="rId3"/>
           <a:stretch>
             <a:fillRect/>
           </a:stretch>
@@ -12300,7 +13743,7 @@
           <p:nvPr/>
         </p:nvPicPr>
         <p:blipFill>
-          <a:blip r:embed="rId2"/>
+          <a:blip r:embed="rId3"/>
           <a:stretch>
             <a:fillRect/>
           </a:stretch>
@@ -12365,7 +13808,7 @@
           <p:cNvPr id="9" name="Rectangle 8">
             <a:extLst>
               <a:ext uri="{FF2B5EF4-FFF2-40B4-BE49-F238E27FC236}">
-                <a16:creationId xmlns:a16="http://schemas.microsoft.com/office/drawing/2014/main" id="{EB270761-CC40-4F3F-A916-7E3BC3989348}"/>
+                <a16:creationId xmlns:a16="http://schemas.microsoft.com/office/drawing/2014/main" id="{D17A94B4-8121-4ED6-AB0D-69EE9A6332E6}"/>
               </a:ext>
               <a:ext uri="{C183D7F6-B498-43B3-948B-1728B52AA6E4}">
                 <adec:decorative xmlns:adec="http://schemas.microsoft.com/office/drawing/2017/decorative" val="1"/>
@@ -12386,7 +13829,7 @@
         <p:spPr>
           <a:xfrm>
             <a:off x="-1" y="0"/>
-            <a:ext cx="12191695" cy="6858000"/>
+            <a:ext cx="12188952" cy="6858000"/>
           </a:xfrm>
           <a:prstGeom prst="rect">
             <a:avLst/>
@@ -12420,78 +13863,21 @@
           </a:p>
         </p:txBody>
       </p:sp>
-      <p:sp>
-        <p:nvSpPr>
-          <p:cNvPr id="2" name="Title 1">
-            <a:extLst>
-              <a:ext uri="{FF2B5EF4-FFF2-40B4-BE49-F238E27FC236}">
-                <a16:creationId xmlns:a16="http://schemas.microsoft.com/office/drawing/2014/main" id="{55C4CDE4-E951-449C-A932-89AA243A481C}"/>
-              </a:ext>
-            </a:extLst>
-          </p:cNvPr>
-          <p:cNvSpPr>
-            <a:spLocks noGrp="1"/>
-          </p:cNvSpPr>
-          <p:nvPr>
-            <p:ph type="title"/>
-          </p:nvPr>
-        </p:nvSpPr>
-        <p:spPr>
-          <a:xfrm>
-            <a:off x="1366160" y="4376508"/>
-            <a:ext cx="9623404" cy="1257202"/>
-          </a:xfrm>
-        </p:spPr>
-        <p:txBody>
-          <a:bodyPr vert="horz" lIns="91440" tIns="45720" rIns="91440" bIns="45720" rtlCol="0" anchor="b">
-            <a:normAutofit/>
-          </a:bodyPr>
-          <a:lstStyle/>
-          <a:p>
-            <a:r>
-              <a:rPr lang="en-US" sz="4100" kern="1200" dirty="0">
-                <a:solidFill>
-                  <a:schemeClr val="tx1"/>
-                </a:solidFill>
-                <a:latin typeface="+mj-lt"/>
-                <a:ea typeface="+mj-ea"/>
-                <a:cs typeface="+mj-cs"/>
-              </a:rPr>
-              <a:t>Invertible Linear Transformation and Standard </a:t>
-            </a:r>
-            <a:r>
-              <a:rPr lang="en-US" sz="4100" dirty="0"/>
-              <a:t>M</a:t>
-            </a:r>
-            <a:r>
-              <a:rPr lang="en-US" sz="4100" kern="1200" dirty="0">
-                <a:solidFill>
-                  <a:schemeClr val="tx1"/>
-                </a:solidFill>
-                <a:latin typeface="+mj-lt"/>
-                <a:ea typeface="+mj-ea"/>
-                <a:cs typeface="+mj-cs"/>
-              </a:rPr>
-              <a:t>atrix</a:t>
-            </a:r>
-          </a:p>
-        </p:txBody>
-      </p:sp>
-      <p:sp>
-        <p:nvSpPr>
-          <p:cNvPr id="11" name="Rectangle 10">
-            <a:extLst>
-              <a:ext uri="{FF2B5EF4-FFF2-40B4-BE49-F238E27FC236}">
-                <a16:creationId xmlns:a16="http://schemas.microsoft.com/office/drawing/2014/main" id="{A2555B16-BE1D-4C33-A27C-FF0671B6C94C}"/>
+      <p:pic>
+        <p:nvPicPr>
+          <p:cNvPr id="11" name="Graphic 10">
+            <a:extLst>
+              <a:ext uri="{FF2B5EF4-FFF2-40B4-BE49-F238E27FC236}">
+                <a16:creationId xmlns:a16="http://schemas.microsoft.com/office/drawing/2014/main" id="{4741521E-DC76-41B9-8A47-448CD4F9FA46}"/>
               </a:ext>
               <a:ext uri="{C183D7F6-B498-43B3-948B-1728B52AA6E4}">
                 <adec:decorative xmlns:adec="http://schemas.microsoft.com/office/drawing/2017/decorative" val="1"/>
               </a:ext>
             </a:extLst>
           </p:cNvPr>
-          <p:cNvSpPr>
-            <a:spLocks noGrp="1" noRot="1" noChangeAspect="1" noMove="1" noResize="1" noEditPoints="1" noAdjustHandles="1" noChangeArrowheads="1" noChangeShapeType="1" noTextEdit="1"/>
-          </p:cNvSpPr>
+          <p:cNvPicPr>
+            <a:picLocks noGrp="1" noRot="1" noChangeAspect="1" noMove="1" noResize="1" noEditPoints="1" noAdjustHandles="1" noChangeArrowheads="1" noChangeShapeType="1" noCrop="1"/>
+          </p:cNvPicPr>
           <p:nvPr>
             <p:extLst>
               <p:ext uri="{386F3935-93C4-4BCD-93E2-E3B085C9AB24}">
@@ -12499,17 +13885,109 @@
               </p:ext>
             </p:extLst>
           </p:nvPr>
+        </p:nvPicPr>
+        <p:blipFill>
+          <a:blip r:embed="rId3">
+            <a:extLst>
+              <a:ext uri="{28A0092B-C50C-407E-A947-70E740481C1C}">
+                <a14:useLocalDpi xmlns:a14="http://schemas.microsoft.com/office/drawing/2010/main" val="0"/>
+              </a:ext>
+              <a:ext uri="{96DAC541-7B7A-43D3-8B79-37D633B846F1}">
+                <asvg:svgBlip xmlns:asvg="http://schemas.microsoft.com/office/drawing/2016/SVG/main" r:embed="rId4"/>
+              </a:ext>
+            </a:extLst>
+          </a:blip>
+          <a:stretch>
+            <a:fillRect/>
+          </a:stretch>
+        </p:blipFill>
+        <p:spPr>
+          <a:xfrm rot="5400000">
+            <a:off x="3372661" y="-3359290"/>
+            <a:ext cx="5470372" cy="12188952"/>
+          </a:xfrm>
+          <a:prstGeom prst="rect">
+            <a:avLst/>
+          </a:prstGeom>
+        </p:spPr>
+      </p:pic>
+      <p:sp>
+        <p:nvSpPr>
+          <p:cNvPr id="2" name="Title 1">
+            <a:extLst>
+              <a:ext uri="{FF2B5EF4-FFF2-40B4-BE49-F238E27FC236}">
+                <a16:creationId xmlns:a16="http://schemas.microsoft.com/office/drawing/2014/main" id="{E2A30878-7531-452D-9EE5-AC3CB34AE565}"/>
+              </a:ext>
+            </a:extLst>
+          </p:cNvPr>
+          <p:cNvSpPr>
+            <a:spLocks noGrp="1"/>
+          </p:cNvSpPr>
+          <p:nvPr>
+            <p:ph type="title"/>
+          </p:nvPr>
         </p:nvSpPr>
         <p:spPr>
           <a:xfrm>
-            <a:off x="0" y="891540"/>
-            <a:ext cx="722376" cy="5071110"/>
+            <a:off x="1403632" y="184336"/>
+            <a:ext cx="9283781" cy="1405965"/>
+          </a:xfrm>
+        </p:spPr>
+        <p:txBody>
+          <a:bodyPr vert="horz" lIns="91440" tIns="45720" rIns="91440" bIns="45720" rtlCol="0" anchor="b">
+            <a:normAutofit/>
+          </a:bodyPr>
+          <a:lstStyle/>
+          <a:p>
+            <a:pPr algn="ctr"/>
+            <a:r>
+              <a:rPr lang="en-US" sz="5000" dirty="0"/>
+              <a:t>Probability of State change</a:t>
+            </a:r>
+            <a:endParaRPr lang="en-US" sz="5000" kern="1200" dirty="0">
+              <a:solidFill>
+                <a:schemeClr val="tx1"/>
+              </a:solidFill>
+              <a:latin typeface="+mj-lt"/>
+              <a:ea typeface="+mj-ea"/>
+              <a:cs typeface="+mj-cs"/>
+            </a:endParaRPr>
+          </a:p>
+        </p:txBody>
+      </p:sp>
+      <p:sp>
+        <p:nvSpPr>
+          <p:cNvPr id="13" name="Rectangle 12">
+            <a:extLst>
+              <a:ext uri="{FF2B5EF4-FFF2-40B4-BE49-F238E27FC236}">
+                <a16:creationId xmlns:a16="http://schemas.microsoft.com/office/drawing/2014/main" id="{53FD85F6-ECDC-4124-9916-6444E142C663}"/>
+              </a:ext>
+              <a:ext uri="{C183D7F6-B498-43B3-948B-1728B52AA6E4}">
+                <adec:decorative xmlns:adec="http://schemas.microsoft.com/office/drawing/2017/decorative" val="1"/>
+              </a:ext>
+            </a:extLst>
+          </p:cNvPr>
+          <p:cNvSpPr>
+            <a:spLocks noGrp="1" noRot="1" noChangeAspect="1" noMove="1" noResize="1" noEditPoints="1" noAdjustHandles="1" noChangeArrowheads="1" noChangeShapeType="1" noTextEdit="1"/>
+          </p:cNvSpPr>
+          <p:nvPr>
+            <p:extLst>
+              <p:ext uri="{386F3935-93C4-4BCD-93E2-E3B085C9AB24}">
+                <p16:designElem xmlns:p16="http://schemas.microsoft.com/office/powerpoint/2015/main" val="1"/>
+              </p:ext>
+            </p:extLst>
+          </p:nvPr>
+        </p:nvSpPr>
+        <p:spPr>
+          <a:xfrm>
+            <a:off x="-1078" y="685797"/>
+            <a:ext cx="118872" cy="1550455"/>
           </a:xfrm>
           <a:prstGeom prst="rect">
             <a:avLst/>
           </a:prstGeom>
           <a:solidFill>
-            <a:srgbClr val="4C5254"/>
+            <a:schemeClr val="accent2"/>
           </a:solidFill>
           <a:ln>
             <a:noFill/>
@@ -12540,12 +14018,75 @@
           </a:p>
         </p:txBody>
       </p:sp>
+      <p:sp>
+        <p:nvSpPr>
+          <p:cNvPr id="15" name="Rectangle 14">
+            <a:extLst>
+              <a:ext uri="{FF2B5EF4-FFF2-40B4-BE49-F238E27FC236}">
+                <a16:creationId xmlns:a16="http://schemas.microsoft.com/office/drawing/2014/main" id="{FB5D26B4-74AD-4118-8F13-7051DA3BFA87}"/>
+              </a:ext>
+              <a:ext uri="{C183D7F6-B498-43B3-948B-1728B52AA6E4}">
+                <adec:decorative xmlns:adec="http://schemas.microsoft.com/office/drawing/2017/decorative" val="1"/>
+              </a:ext>
+            </a:extLst>
+          </p:cNvPr>
+          <p:cNvSpPr>
+            <a:spLocks noGrp="1" noRot="1" noChangeAspect="1" noMove="1" noResize="1" noEditPoints="1" noAdjustHandles="1" noChangeArrowheads="1" noChangeShapeType="1" noTextEdit="1"/>
+          </p:cNvSpPr>
+          <p:nvPr>
+            <p:extLst>
+              <p:ext uri="{386F3935-93C4-4BCD-93E2-E3B085C9AB24}">
+                <p16:designElem xmlns:p16="http://schemas.microsoft.com/office/powerpoint/2015/main" val="1"/>
+              </p:ext>
+            </p:extLst>
+          </p:nvPr>
+        </p:nvSpPr>
+        <p:spPr>
+          <a:xfrm>
+            <a:off x="12073128" y="6172201"/>
+            <a:ext cx="118872" cy="685800"/>
+          </a:xfrm>
+          <a:prstGeom prst="rect">
+            <a:avLst/>
+          </a:prstGeom>
+          <a:solidFill>
+            <a:schemeClr val="accent2"/>
+          </a:solidFill>
+          <a:ln>
+            <a:noFill/>
+          </a:ln>
+        </p:spPr>
+        <p:style>
+          <a:lnRef idx="2">
+            <a:schemeClr val="accent1">
+              <a:shade val="50000"/>
+            </a:schemeClr>
+          </a:lnRef>
+          <a:fillRef idx="1">
+            <a:schemeClr val="accent1"/>
+          </a:fillRef>
+          <a:effectRef idx="0">
+            <a:schemeClr val="accent1"/>
+          </a:effectRef>
+          <a:fontRef idx="minor">
+            <a:schemeClr val="lt1"/>
+          </a:fontRef>
+        </p:style>
+        <p:txBody>
+          <a:bodyPr rtlCol="0" anchor="ctr"/>
+          <a:lstStyle/>
+          <a:p>
+            <a:pPr algn="ctr"/>
+            <a:endParaRPr lang="en-US"/>
+          </a:p>
+        </p:txBody>
+      </p:sp>
       <p:pic>
         <p:nvPicPr>
-          <p:cNvPr id="5" name="Picture 4">
-            <a:extLst>
-              <a:ext uri="{FF2B5EF4-FFF2-40B4-BE49-F238E27FC236}">
-                <a16:creationId xmlns:a16="http://schemas.microsoft.com/office/drawing/2014/main" id="{14ABC56A-927A-4952-B432-56A0FE916C19}"/>
+          <p:cNvPr id="10" name="Picture 9">
+            <a:extLst>
+              <a:ext uri="{FF2B5EF4-FFF2-40B4-BE49-F238E27FC236}">
+                <a16:creationId xmlns:a16="http://schemas.microsoft.com/office/drawing/2014/main" id="{3C69FA36-1F89-4934-8185-252156F16280}"/>
               </a:ext>
             </a:extLst>
           </p:cNvPr>
@@ -12555,55 +14096,155 @@
           <p:nvPr/>
         </p:nvPicPr>
         <p:blipFill>
-          <a:blip r:embed="rId2"/>
+          <a:blip r:embed="rId5"/>
           <a:stretch>
             <a:fillRect/>
           </a:stretch>
         </p:blipFill>
         <p:spPr>
           <a:xfrm>
-            <a:off x="1361921" y="2106953"/>
-            <a:ext cx="9467850" cy="1028700"/>
+            <a:off x="1483131" y="3803724"/>
+            <a:ext cx="9629775" cy="714375"/>
           </a:xfrm>
           <a:prstGeom prst="rect">
             <a:avLst/>
           </a:prstGeom>
         </p:spPr>
       </p:pic>
-      <p:pic>
-        <p:nvPicPr>
-          <p:cNvPr id="7" name="Picture 6">
-            <a:extLst>
-              <a:ext uri="{FF2B5EF4-FFF2-40B4-BE49-F238E27FC236}">
-                <a16:creationId xmlns:a16="http://schemas.microsoft.com/office/drawing/2014/main" id="{4355A3DC-94E3-469F-9904-99CA9F73E02E}"/>
-              </a:ext>
-            </a:extLst>
-          </p:cNvPr>
-          <p:cNvPicPr>
-            <a:picLocks noChangeAspect="1"/>
-          </p:cNvPicPr>
+      <p:sp>
+        <p:nvSpPr>
+          <p:cNvPr id="14" name="TextBox 13">
+            <a:extLst>
+              <a:ext uri="{FF2B5EF4-FFF2-40B4-BE49-F238E27FC236}">
+                <a16:creationId xmlns:a16="http://schemas.microsoft.com/office/drawing/2014/main" id="{043C79A1-3B38-4867-A5F1-1A6716FF29DF}"/>
+              </a:ext>
+            </a:extLst>
+          </p:cNvPr>
+          <p:cNvSpPr txBox="1"/>
           <p:nvPr/>
-        </p:nvPicPr>
-        <p:blipFill>
-          <a:blip r:embed="rId3"/>
-          <a:stretch>
-            <a:fillRect/>
-          </a:stretch>
-        </p:blipFill>
+        </p:nvSpPr>
         <p:spPr>
           <a:xfrm>
-            <a:off x="1312164" y="3041332"/>
-            <a:ext cx="9677400" cy="771525"/>
+            <a:off x="6772940" y="3791579"/>
+            <a:ext cx="770339" cy="369332"/>
           </a:xfrm>
           <a:prstGeom prst="rect">
             <a:avLst/>
           </a:prstGeom>
+          <a:noFill/>
         </p:spPr>
-      </p:pic>
+        <p:txBody>
+          <a:bodyPr wrap="none" rtlCol="0">
+            <a:spAutoFit/>
+          </a:bodyPr>
+          <a:lstStyle/>
+          <a:p>
+            <a:r>
+              <a:rPr lang="en-US" dirty="0">
+                <a:solidFill>
+                  <a:srgbClr val="FF0000"/>
+                </a:solidFill>
+              </a:rPr>
+              <a:t>State j</a:t>
+            </a:r>
+          </a:p>
+        </p:txBody>
+      </p:sp>
+      <p:sp>
+        <p:nvSpPr>
+          <p:cNvPr id="16" name="TextBox 15">
+            <a:extLst>
+              <a:ext uri="{FF2B5EF4-FFF2-40B4-BE49-F238E27FC236}">
+                <a16:creationId xmlns:a16="http://schemas.microsoft.com/office/drawing/2014/main" id="{EA08A5BC-E6C9-471E-BA2C-980B57AC91C7}"/>
+              </a:ext>
+            </a:extLst>
+          </p:cNvPr>
+          <p:cNvSpPr txBox="1"/>
+          <p:nvPr/>
+        </p:nvSpPr>
+        <p:spPr>
+          <a:xfrm>
+            <a:off x="9189983" y="3803724"/>
+            <a:ext cx="768737" cy="369332"/>
+          </a:xfrm>
+          <a:prstGeom prst="rect">
+            <a:avLst/>
+          </a:prstGeom>
+          <a:noFill/>
+        </p:spPr>
+        <p:txBody>
+          <a:bodyPr wrap="none" rtlCol="0">
+            <a:spAutoFit/>
+          </a:bodyPr>
+          <a:lstStyle/>
+          <a:p>
+            <a:r>
+              <a:rPr lang="en-US" dirty="0">
+                <a:solidFill>
+                  <a:srgbClr val="FF0000"/>
+                </a:solidFill>
+              </a:rPr>
+              <a:t>State </a:t>
+            </a:r>
+            <a:r>
+              <a:rPr lang="en-US" dirty="0" err="1">
+                <a:solidFill>
+                  <a:srgbClr val="FF0000"/>
+                </a:solidFill>
+              </a:rPr>
+              <a:t>i</a:t>
+            </a:r>
+            <a:endParaRPr lang="en-US" dirty="0">
+              <a:solidFill>
+                <a:srgbClr val="FF0000"/>
+              </a:solidFill>
+            </a:endParaRPr>
+          </a:p>
+        </p:txBody>
+      </p:sp>
+      <p:sp>
+        <p:nvSpPr>
+          <p:cNvPr id="17" name="TextBox 16">
+            <a:extLst>
+              <a:ext uri="{FF2B5EF4-FFF2-40B4-BE49-F238E27FC236}">
+                <a16:creationId xmlns:a16="http://schemas.microsoft.com/office/drawing/2014/main" id="{AE080991-D627-4E71-8643-B4DDF1CD8C46}"/>
+              </a:ext>
+            </a:extLst>
+          </p:cNvPr>
+          <p:cNvSpPr txBox="1"/>
+          <p:nvPr/>
+        </p:nvSpPr>
+        <p:spPr>
+          <a:xfrm>
+            <a:off x="2504881" y="4102524"/>
+            <a:ext cx="829266" cy="369332"/>
+          </a:xfrm>
+          <a:prstGeom prst="rect">
+            <a:avLst/>
+          </a:prstGeom>
+          <a:noFill/>
+        </p:spPr>
+        <p:txBody>
+          <a:bodyPr wrap="none" rtlCol="0">
+            <a:spAutoFit/>
+          </a:bodyPr>
+          <a:lstStyle/>
+          <a:p>
+            <a:r>
+              <a:rPr lang="en-US" dirty="0">
+                <a:solidFill>
+                  <a:srgbClr val="FF0000"/>
+                </a:solidFill>
+              </a:rPr>
+              <a:t>k steps</a:t>
+            </a:r>
+          </a:p>
+        </p:txBody>
+      </p:sp>
     </p:spTree>
     <p:extLst>
       <p:ext uri="{BB962C8B-B14F-4D97-AF65-F5344CB8AC3E}">
-        <p14:creationId xmlns:p14="http://schemas.microsoft.com/office/powerpoint/2010/main" val="713579245"/>
+        <p14:creationId xmlns:p14="http://schemas.microsoft.com/office/powerpoint/2010/main" val="3924658005"/>
       </p:ext>
     </p:extLst>
   </p:cSld>
@@ -12722,13 +14363,13 @@
           </p:nvPr>
         </p:nvPicPr>
         <p:blipFill>
-          <a:blip r:embed="rId2">
+          <a:blip r:embed="rId3">
             <a:extLst>
               <a:ext uri="{28A0092B-C50C-407E-A947-70E740481C1C}">
                 <a14:useLocalDpi xmlns:a14="http://schemas.microsoft.com/office/drawing/2010/main" val="0"/>
               </a:ext>
               <a:ext uri="{96DAC541-7B7A-43D3-8B79-37D633B846F1}">
-                <asvg:svgBlip xmlns:asvg="http://schemas.microsoft.com/office/drawing/2016/SVG/main" r:embed="rId3"/>
+                <asvg:svgBlip xmlns:asvg="http://schemas.microsoft.com/office/drawing/2016/SVG/main" r:embed="rId4"/>
               </a:ext>
             </a:extLst>
           </a:blip>
@@ -12777,7 +14418,7 @@
             <a:pPr algn="ctr"/>
             <a:r>
               <a:rPr lang="en-US" sz="5000" dirty="0"/>
-              <a:t>Probability of State change</a:t>
+              <a:t>Infinite State change</a:t>
             </a:r>
             <a:endParaRPr lang="en-US" sz="5000" kern="1200" dirty="0">
               <a:solidFill>
@@ -12918,10 +14559,10 @@
       </p:sp>
       <p:pic>
         <p:nvPicPr>
-          <p:cNvPr id="10" name="Picture 9">
-            <a:extLst>
-              <a:ext uri="{FF2B5EF4-FFF2-40B4-BE49-F238E27FC236}">
-                <a16:creationId xmlns:a16="http://schemas.microsoft.com/office/drawing/2014/main" id="{3C69FA36-1F89-4934-8185-252156F16280}"/>
+          <p:cNvPr id="12" name="Picture 11">
+            <a:extLst>
+              <a:ext uri="{FF2B5EF4-FFF2-40B4-BE49-F238E27FC236}">
+                <a16:creationId xmlns:a16="http://schemas.microsoft.com/office/drawing/2014/main" id="{97D501FF-BDD6-4B5A-AB25-7F40E129DDB1}"/>
               </a:ext>
             </a:extLst>
           </p:cNvPr>
@@ -12931,155 +14572,25 @@
           <p:nvPr/>
         </p:nvPicPr>
         <p:blipFill>
-          <a:blip r:embed="rId4"/>
+          <a:blip r:embed="rId5"/>
           <a:stretch>
             <a:fillRect/>
           </a:stretch>
         </p:blipFill>
         <p:spPr>
           <a:xfrm>
-            <a:off x="1483131" y="3803724"/>
-            <a:ext cx="9629775" cy="714375"/>
+            <a:off x="1826359" y="3809445"/>
+            <a:ext cx="8562975" cy="723900"/>
           </a:xfrm>
           <a:prstGeom prst="rect">
             <a:avLst/>
           </a:prstGeom>
         </p:spPr>
       </p:pic>
-      <p:sp>
-        <p:nvSpPr>
-          <p:cNvPr id="14" name="TextBox 13">
-            <a:extLst>
-              <a:ext uri="{FF2B5EF4-FFF2-40B4-BE49-F238E27FC236}">
-                <a16:creationId xmlns:a16="http://schemas.microsoft.com/office/drawing/2014/main" id="{043C79A1-3B38-4867-A5F1-1A6716FF29DF}"/>
-              </a:ext>
-            </a:extLst>
-          </p:cNvPr>
-          <p:cNvSpPr txBox="1"/>
-          <p:nvPr/>
-        </p:nvSpPr>
-        <p:spPr>
-          <a:xfrm>
-            <a:off x="6772940" y="3791579"/>
-            <a:ext cx="770339" cy="369332"/>
-          </a:xfrm>
-          <a:prstGeom prst="rect">
-            <a:avLst/>
-          </a:prstGeom>
-          <a:noFill/>
-        </p:spPr>
-        <p:txBody>
-          <a:bodyPr wrap="none" rtlCol="0">
-            <a:spAutoFit/>
-          </a:bodyPr>
-          <a:lstStyle/>
-          <a:p>
-            <a:r>
-              <a:rPr lang="en-US" dirty="0">
-                <a:solidFill>
-                  <a:srgbClr val="FF0000"/>
-                </a:solidFill>
-              </a:rPr>
-              <a:t>State j</a:t>
-            </a:r>
-          </a:p>
-        </p:txBody>
-      </p:sp>
-      <p:sp>
-        <p:nvSpPr>
-          <p:cNvPr id="16" name="TextBox 15">
-            <a:extLst>
-              <a:ext uri="{FF2B5EF4-FFF2-40B4-BE49-F238E27FC236}">
-                <a16:creationId xmlns:a16="http://schemas.microsoft.com/office/drawing/2014/main" id="{EA08A5BC-E6C9-471E-BA2C-980B57AC91C7}"/>
-              </a:ext>
-            </a:extLst>
-          </p:cNvPr>
-          <p:cNvSpPr txBox="1"/>
-          <p:nvPr/>
-        </p:nvSpPr>
-        <p:spPr>
-          <a:xfrm>
-            <a:off x="9189983" y="3803724"/>
-            <a:ext cx="768737" cy="369332"/>
-          </a:xfrm>
-          <a:prstGeom prst="rect">
-            <a:avLst/>
-          </a:prstGeom>
-          <a:noFill/>
-        </p:spPr>
-        <p:txBody>
-          <a:bodyPr wrap="none" rtlCol="0">
-            <a:spAutoFit/>
-          </a:bodyPr>
-          <a:lstStyle/>
-          <a:p>
-            <a:r>
-              <a:rPr lang="en-US" dirty="0">
-                <a:solidFill>
-                  <a:srgbClr val="FF0000"/>
-                </a:solidFill>
-              </a:rPr>
-              <a:t>State </a:t>
-            </a:r>
-            <a:r>
-              <a:rPr lang="en-US" dirty="0" err="1">
-                <a:solidFill>
-                  <a:srgbClr val="FF0000"/>
-                </a:solidFill>
-              </a:rPr>
-              <a:t>i</a:t>
-            </a:r>
-            <a:endParaRPr lang="en-US" dirty="0">
-              <a:solidFill>
-                <a:srgbClr val="FF0000"/>
-              </a:solidFill>
-            </a:endParaRPr>
-          </a:p>
-        </p:txBody>
-      </p:sp>
-      <p:sp>
-        <p:nvSpPr>
-          <p:cNvPr id="17" name="TextBox 16">
-            <a:extLst>
-              <a:ext uri="{FF2B5EF4-FFF2-40B4-BE49-F238E27FC236}">
-                <a16:creationId xmlns:a16="http://schemas.microsoft.com/office/drawing/2014/main" id="{AE080991-D627-4E71-8643-B4DDF1CD8C46}"/>
-              </a:ext>
-            </a:extLst>
-          </p:cNvPr>
-          <p:cNvSpPr txBox="1"/>
-          <p:nvPr/>
-        </p:nvSpPr>
-        <p:spPr>
-          <a:xfrm>
-            <a:off x="2504881" y="4102524"/>
-            <a:ext cx="829266" cy="369332"/>
-          </a:xfrm>
-          <a:prstGeom prst="rect">
-            <a:avLst/>
-          </a:prstGeom>
-          <a:noFill/>
-        </p:spPr>
-        <p:txBody>
-          <a:bodyPr wrap="none" rtlCol="0">
-            <a:spAutoFit/>
-          </a:bodyPr>
-          <a:lstStyle/>
-          <a:p>
-            <a:r>
-              <a:rPr lang="en-US" dirty="0">
-                <a:solidFill>
-                  <a:srgbClr val="FF0000"/>
-                </a:solidFill>
-              </a:rPr>
-              <a:t>k steps</a:t>
-            </a:r>
-          </a:p>
-        </p:txBody>
-      </p:sp>
     </p:spTree>
     <p:extLst>
       <p:ext uri="{BB962C8B-B14F-4D97-AF65-F5344CB8AC3E}">
-        <p14:creationId xmlns:p14="http://schemas.microsoft.com/office/powerpoint/2010/main" val="3924658005"/>
+        <p14:creationId xmlns:p14="http://schemas.microsoft.com/office/powerpoint/2010/main" val="698715463"/>
       </p:ext>
     </p:extLst>
   </p:cSld>
@@ -13114,21 +14625,21 @@
           <a:chExt cx="0" cy="0"/>
         </a:xfrm>
       </p:grpSpPr>
-      <p:sp useBgFill="1">
-        <p:nvSpPr>
-          <p:cNvPr id="9" name="Rectangle 8">
-            <a:extLst>
-              <a:ext uri="{FF2B5EF4-FFF2-40B4-BE49-F238E27FC236}">
-                <a16:creationId xmlns:a16="http://schemas.microsoft.com/office/drawing/2014/main" id="{D17A94B4-8121-4ED6-AB0D-69EE9A6332E6}"/>
+      <p:cxnSp>
+        <p:nvCxnSpPr>
+          <p:cNvPr id="9" name="Straight Connector 8">
+            <a:extLst>
+              <a:ext uri="{FF2B5EF4-FFF2-40B4-BE49-F238E27FC236}">
+                <a16:creationId xmlns:a16="http://schemas.microsoft.com/office/drawing/2014/main" id="{D2E961F1-4A28-4A5F-BBD4-6E400E5E6C75}"/>
               </a:ext>
               <a:ext uri="{C183D7F6-B498-43B3-948B-1728B52AA6E4}">
                 <adec:decorative xmlns:adec="http://schemas.microsoft.com/office/drawing/2017/decorative" val="1"/>
               </a:ext>
             </a:extLst>
           </p:cNvPr>
-          <p:cNvSpPr>
-            <a:spLocks noGrp="1" noRot="1" noChangeAspect="1" noMove="1" noResize="1" noEditPoints="1" noAdjustHandles="1" noChangeArrowheads="1" noChangeShapeType="1" noTextEdit="1"/>
-          </p:cNvSpPr>
+          <p:cNvCxnSpPr>
+            <a:cxnSpLocks noGrp="1" noRot="1" noChangeAspect="1" noMove="1" noResize="1" noEditPoints="1" noAdjustHandles="1" noChangeArrowheads="1" noChangeShapeType="1"/>
+          </p:cNvCxnSpPr>
           <p:nvPr>
             <p:extLst>
               <p:ext uri="{386F3935-93C4-4BCD-93E2-E3B085C9AB24}">
@@ -13136,59 +14647,54 @@
               </p:ext>
             </p:extLst>
           </p:nvPr>
-        </p:nvSpPr>
-        <p:spPr>
+        </p:nvCxnSpPr>
+        <p:spPr bwMode="white">
           <a:xfrm>
-            <a:off x="-1" y="0"/>
-            <a:ext cx="12188952" cy="6858000"/>
+            <a:off x="0" y="272357"/>
+            <a:ext cx="12188824" cy="0"/>
           </a:xfrm>
-          <a:prstGeom prst="rect">
+          <a:prstGeom prst="line">
             <a:avLst/>
           </a:prstGeom>
-          <a:ln>
-            <a:noFill/>
+          <a:ln w="50800">
+            <a:solidFill>
+              <a:schemeClr val="tx1">
+                <a:lumMod val="75000"/>
+                <a:lumOff val="25000"/>
+              </a:schemeClr>
+            </a:solidFill>
           </a:ln>
         </p:spPr>
         <p:style>
-          <a:lnRef idx="2">
-            <a:schemeClr val="accent1">
-              <a:shade val="50000"/>
-            </a:schemeClr>
+          <a:lnRef idx="1">
+            <a:schemeClr val="accent1"/>
           </a:lnRef>
-          <a:fillRef idx="1">
+          <a:fillRef idx="0">
             <a:schemeClr val="accent1"/>
           </a:fillRef>
           <a:effectRef idx="0">
             <a:schemeClr val="accent1"/>
           </a:effectRef>
           <a:fontRef idx="minor">
-            <a:schemeClr val="lt1"/>
+            <a:schemeClr val="tx1"/>
           </a:fontRef>
         </p:style>
-        <p:txBody>
-          <a:bodyPr rtlCol="0" anchor="ctr"/>
-          <a:lstStyle/>
-          <a:p>
-            <a:pPr algn="ctr"/>
-            <a:endParaRPr lang="en-US"/>
-          </a:p>
-        </p:txBody>
-      </p:sp>
-      <p:pic>
-        <p:nvPicPr>
-          <p:cNvPr id="11" name="Graphic 10">
-            <a:extLst>
-              <a:ext uri="{FF2B5EF4-FFF2-40B4-BE49-F238E27FC236}">
-                <a16:creationId xmlns:a16="http://schemas.microsoft.com/office/drawing/2014/main" id="{4741521E-DC76-41B9-8A47-448CD4F9FA46}"/>
+      </p:cxnSp>
+      <p:sp>
+        <p:nvSpPr>
+          <p:cNvPr id="11" name="Rectangle 10">
+            <a:extLst>
+              <a:ext uri="{FF2B5EF4-FFF2-40B4-BE49-F238E27FC236}">
+                <a16:creationId xmlns:a16="http://schemas.microsoft.com/office/drawing/2014/main" id="{7F57BEA8-497D-4AA8-8A18-BDCD696B25FE}"/>
               </a:ext>
               <a:ext uri="{C183D7F6-B498-43B3-948B-1728B52AA6E4}">
                 <adec:decorative xmlns:adec="http://schemas.microsoft.com/office/drawing/2017/decorative" val="1"/>
               </a:ext>
             </a:extLst>
           </p:cNvPr>
-          <p:cNvPicPr>
-            <a:picLocks noGrp="1" noRot="1" noChangeAspect="1" noMove="1" noResize="1" noEditPoints="1" noAdjustHandles="1" noChangeArrowheads="1" noChangeShapeType="1" noCrop="1"/>
-          </p:cNvPicPr>
+          <p:cNvSpPr>
+            <a:spLocks noGrp="1" noRot="1" noChangeAspect="1" noMove="1" noResize="1" noEditPoints="1" noAdjustHandles="1" noChangeArrowheads="1" noChangeShapeType="1" noTextEdit="1"/>
+          </p:cNvSpPr>
           <p:nvPr>
             <p:extLst>
               <p:ext uri="{386F3935-93C4-4BCD-93E2-E3B085C9AB24}">
@@ -13196,109 +14702,20 @@
               </p:ext>
             </p:extLst>
           </p:nvPr>
-        </p:nvPicPr>
-        <p:blipFill>
-          <a:blip r:embed="rId2">
-            <a:extLst>
-              <a:ext uri="{28A0092B-C50C-407E-A947-70E740481C1C}">
-                <a14:useLocalDpi xmlns:a14="http://schemas.microsoft.com/office/drawing/2010/main" val="0"/>
-              </a:ext>
-              <a:ext uri="{96DAC541-7B7A-43D3-8B79-37D633B846F1}">
-                <asvg:svgBlip xmlns:asvg="http://schemas.microsoft.com/office/drawing/2016/SVG/main" r:embed="rId3"/>
-              </a:ext>
-            </a:extLst>
-          </a:blip>
-          <a:stretch>
-            <a:fillRect/>
-          </a:stretch>
-        </p:blipFill>
-        <p:spPr>
-          <a:xfrm rot="5400000">
-            <a:off x="3372661" y="-3359290"/>
-            <a:ext cx="5470372" cy="12188952"/>
-          </a:xfrm>
-          <a:prstGeom prst="rect">
-            <a:avLst/>
-          </a:prstGeom>
-        </p:spPr>
-      </p:pic>
-      <p:sp>
-        <p:nvSpPr>
-          <p:cNvPr id="2" name="Title 1">
-            <a:extLst>
-              <a:ext uri="{FF2B5EF4-FFF2-40B4-BE49-F238E27FC236}">
-                <a16:creationId xmlns:a16="http://schemas.microsoft.com/office/drawing/2014/main" id="{E2A30878-7531-452D-9EE5-AC3CB34AE565}"/>
-              </a:ext>
-            </a:extLst>
-          </p:cNvPr>
-          <p:cNvSpPr>
-            <a:spLocks noGrp="1"/>
-          </p:cNvSpPr>
-          <p:nvPr>
-            <p:ph type="title"/>
-          </p:nvPr>
         </p:nvSpPr>
         <p:spPr>
           <a:xfrm>
-            <a:off x="1403632" y="184336"/>
-            <a:ext cx="9283781" cy="1405965"/>
-          </a:xfrm>
-        </p:spPr>
-        <p:txBody>
-          <a:bodyPr vert="horz" lIns="91440" tIns="45720" rIns="91440" bIns="45720" rtlCol="0" anchor="b">
-            <a:normAutofit/>
-          </a:bodyPr>
-          <a:lstStyle/>
-          <a:p>
-            <a:pPr algn="ctr"/>
-            <a:r>
-              <a:rPr lang="en-US" sz="5000" dirty="0"/>
-              <a:t>Infinite State change</a:t>
-            </a:r>
-            <a:endParaRPr lang="en-US" sz="5000" kern="1200" dirty="0">
-              <a:solidFill>
-                <a:schemeClr val="tx1"/>
-              </a:solidFill>
-              <a:latin typeface="+mj-lt"/>
-              <a:ea typeface="+mj-ea"/>
-              <a:cs typeface="+mj-cs"/>
-            </a:endParaRPr>
-          </a:p>
-        </p:txBody>
-      </p:sp>
-      <p:sp>
-        <p:nvSpPr>
-          <p:cNvPr id="13" name="Rectangle 12">
-            <a:extLst>
-              <a:ext uri="{FF2B5EF4-FFF2-40B4-BE49-F238E27FC236}">
-                <a16:creationId xmlns:a16="http://schemas.microsoft.com/office/drawing/2014/main" id="{53FD85F6-ECDC-4124-9916-6444E142C663}"/>
-              </a:ext>
-              <a:ext uri="{C183D7F6-B498-43B3-948B-1728B52AA6E4}">
-                <adec:decorative xmlns:adec="http://schemas.microsoft.com/office/drawing/2017/decorative" val="1"/>
-              </a:ext>
-            </a:extLst>
-          </p:cNvPr>
-          <p:cNvSpPr>
-            <a:spLocks noGrp="1" noRot="1" noChangeAspect="1" noMove="1" noResize="1" noEditPoints="1" noAdjustHandles="1" noChangeArrowheads="1" noChangeShapeType="1" noTextEdit="1"/>
-          </p:cNvSpPr>
-          <p:nvPr>
-            <p:extLst>
-              <p:ext uri="{386F3935-93C4-4BCD-93E2-E3B085C9AB24}">
-                <p16:designElem xmlns:p16="http://schemas.microsoft.com/office/powerpoint/2015/main" val="1"/>
-              </p:ext>
-            </p:extLst>
-          </p:nvPr>
-        </p:nvSpPr>
-        <p:spPr>
-          <a:xfrm>
-            <a:off x="-1078" y="685797"/>
-            <a:ext cx="118872" cy="1550455"/>
+            <a:off x="0" y="368596"/>
+            <a:ext cx="12192000" cy="1735555"/>
           </a:xfrm>
           <a:prstGeom prst="rect">
             <a:avLst/>
           </a:prstGeom>
           <a:solidFill>
-            <a:schemeClr val="accent2"/>
+            <a:schemeClr val="tx1">
+              <a:lumMod val="75000"/>
+              <a:lumOff val="25000"/>
+            </a:schemeClr>
           </a:solidFill>
           <a:ln>
             <a:noFill/>
@@ -13331,19 +14748,62 @@
       </p:sp>
       <p:sp>
         <p:nvSpPr>
-          <p:cNvPr id="15" name="Rectangle 14">
-            <a:extLst>
-              <a:ext uri="{FF2B5EF4-FFF2-40B4-BE49-F238E27FC236}">
-                <a16:creationId xmlns:a16="http://schemas.microsoft.com/office/drawing/2014/main" id="{FB5D26B4-74AD-4118-8F13-7051DA3BFA87}"/>
+          <p:cNvPr id="2" name="Title 1">
+            <a:extLst>
+              <a:ext uri="{FF2B5EF4-FFF2-40B4-BE49-F238E27FC236}">
+                <a16:creationId xmlns:a16="http://schemas.microsoft.com/office/drawing/2014/main" id="{7E3F400C-8895-434A-8D30-FF206CC53F01}"/>
+              </a:ext>
+            </a:extLst>
+          </p:cNvPr>
+          <p:cNvSpPr>
+            <a:spLocks noGrp="1"/>
+          </p:cNvSpPr>
+          <p:nvPr>
+            <p:ph type="title"/>
+          </p:nvPr>
+        </p:nvSpPr>
+        <p:spPr>
+          <a:xfrm>
+            <a:off x="526073" y="489439"/>
+            <a:ext cx="11139854" cy="930447"/>
+          </a:xfrm>
+        </p:spPr>
+        <p:txBody>
+          <a:bodyPr vert="horz" lIns="91440" tIns="45720" rIns="91440" bIns="45720" rtlCol="0" anchor="b">
+            <a:normAutofit/>
+          </a:bodyPr>
+          <a:lstStyle/>
+          <a:p>
+            <a:pPr algn="ctr"/>
+            <a:r>
+              <a:rPr lang="en-US" sz="5400" kern="1200" dirty="0">
+                <a:solidFill>
+                  <a:schemeClr val="bg1"/>
+                </a:solidFill>
+                <a:latin typeface="+mj-lt"/>
+                <a:ea typeface="+mj-ea"/>
+                <a:cs typeface="+mj-cs"/>
+              </a:rPr>
+              <a:t>Determinant Invertibility Test</a:t>
+            </a:r>
+          </a:p>
+        </p:txBody>
+      </p:sp>
+      <p:cxnSp>
+        <p:nvCxnSpPr>
+          <p:cNvPr id="13" name="Straight Connector 12">
+            <a:extLst>
+              <a:ext uri="{FF2B5EF4-FFF2-40B4-BE49-F238E27FC236}">
+                <a16:creationId xmlns:a16="http://schemas.microsoft.com/office/drawing/2014/main" id="{A82415D3-DDE5-4D63-8CB3-23A5EC581B27}"/>
               </a:ext>
               <a:ext uri="{C183D7F6-B498-43B3-948B-1728B52AA6E4}">
                 <adec:decorative xmlns:adec="http://schemas.microsoft.com/office/drawing/2017/decorative" val="1"/>
               </a:ext>
             </a:extLst>
           </p:cNvPr>
-          <p:cNvSpPr>
-            <a:spLocks noGrp="1" noRot="1" noChangeAspect="1" noMove="1" noResize="1" noEditPoints="1" noAdjustHandles="1" noChangeArrowheads="1" noChangeShapeType="1" noTextEdit="1"/>
-          </p:cNvSpPr>
+          <p:cNvCxnSpPr>
+            <a:cxnSpLocks noGrp="1" noRot="1" noChangeAspect="1" noMove="1" noResize="1" noEditPoints="1" noAdjustHandles="1" noChangeArrowheads="1" noChangeShapeType="1"/>
+          </p:cNvCxnSpPr>
           <p:nvPr>
             <p:extLst>
               <p:ext uri="{386F3935-93C4-4BCD-93E2-E3B085C9AB24}">
@@ -13351,53 +14811,129 @@
               </p:ext>
             </p:extLst>
           </p:nvPr>
-        </p:nvSpPr>
+        </p:nvCxnSpPr>
         <p:spPr>
           <a:xfrm>
-            <a:off x="12073128" y="6172201"/>
-            <a:ext cx="118872" cy="685800"/>
+            <a:off x="4724400" y="1479733"/>
+            <a:ext cx="2743200" cy="0"/>
+          </a:xfrm>
+          <a:prstGeom prst="line">
+            <a:avLst/>
+          </a:prstGeom>
+          <a:ln w="19050">
+            <a:solidFill>
+              <a:schemeClr val="bg1">
+                <a:alpha val="75000"/>
+              </a:schemeClr>
+            </a:solidFill>
+          </a:ln>
+        </p:spPr>
+        <p:style>
+          <a:lnRef idx="1">
+            <a:schemeClr val="accent1"/>
+          </a:lnRef>
+          <a:fillRef idx="0">
+            <a:schemeClr val="accent1"/>
+          </a:fillRef>
+          <a:effectRef idx="0">
+            <a:schemeClr val="accent1"/>
+          </a:effectRef>
+          <a:fontRef idx="minor">
+            <a:schemeClr val="tx1"/>
+          </a:fontRef>
+        </p:style>
+      </p:cxnSp>
+      <p:cxnSp>
+        <p:nvCxnSpPr>
+          <p:cNvPr id="15" name="Straight Connector 14">
+            <a:extLst>
+              <a:ext uri="{FF2B5EF4-FFF2-40B4-BE49-F238E27FC236}">
+                <a16:creationId xmlns:a16="http://schemas.microsoft.com/office/drawing/2014/main" id="{AD7193FB-6AE6-4B3B-8F89-56B55DD63B4D}"/>
+              </a:ext>
+              <a:ext uri="{C183D7F6-B498-43B3-948B-1728B52AA6E4}">
+                <adec:decorative xmlns:adec="http://schemas.microsoft.com/office/drawing/2017/decorative" val="1"/>
+              </a:ext>
+            </a:extLst>
+          </p:cNvPr>
+          <p:cNvCxnSpPr>
+            <a:cxnSpLocks noGrp="1" noRot="1" noChangeAspect="1" noMove="1" noResize="1" noEditPoints="1" noAdjustHandles="1" noChangeArrowheads="1" noChangeShapeType="1"/>
+          </p:cNvCxnSpPr>
+          <p:nvPr>
+            <p:extLst>
+              <p:ext uri="{386F3935-93C4-4BCD-93E2-E3B085C9AB24}">
+                <p16:designElem xmlns:p16="http://schemas.microsoft.com/office/powerpoint/2015/main" val="1"/>
+              </p:ext>
+            </p:extLst>
+          </p:nvPr>
+        </p:nvCxnSpPr>
+        <p:spPr bwMode="white">
+          <a:xfrm>
+            <a:off x="0" y="2201402"/>
+            <a:ext cx="12188824" cy="0"/>
+          </a:xfrm>
+          <a:prstGeom prst="line">
+            <a:avLst/>
+          </a:prstGeom>
+          <a:ln w="50800">
+            <a:solidFill>
+              <a:schemeClr val="tx1">
+                <a:lumMod val="75000"/>
+                <a:lumOff val="25000"/>
+              </a:schemeClr>
+            </a:solidFill>
+          </a:ln>
+        </p:spPr>
+        <p:style>
+          <a:lnRef idx="1">
+            <a:schemeClr val="accent1"/>
+          </a:lnRef>
+          <a:fillRef idx="0">
+            <a:schemeClr val="accent1"/>
+          </a:fillRef>
+          <a:effectRef idx="0">
+            <a:schemeClr val="accent1"/>
+          </a:effectRef>
+          <a:fontRef idx="minor">
+            <a:schemeClr val="tx1"/>
+          </a:fontRef>
+        </p:style>
+      </p:cxnSp>
+      <p:pic>
+        <p:nvPicPr>
+          <p:cNvPr id="4" name="Picture 3">
+            <a:extLst>
+              <a:ext uri="{FF2B5EF4-FFF2-40B4-BE49-F238E27FC236}">
+                <a16:creationId xmlns:a16="http://schemas.microsoft.com/office/drawing/2014/main" id="{67363577-34DB-4E92-84EE-E901E4279454}"/>
+              </a:ext>
+            </a:extLst>
+          </p:cNvPr>
+          <p:cNvPicPr>
+            <a:picLocks noChangeAspect="1"/>
+          </p:cNvPicPr>
+          <p:nvPr/>
+        </p:nvPicPr>
+        <p:blipFill>
+          <a:blip r:embed="rId3"/>
+          <a:stretch>
+            <a:fillRect/>
+          </a:stretch>
+        </p:blipFill>
+        <p:spPr>
+          <a:xfrm>
+            <a:off x="526073" y="2681707"/>
+            <a:ext cx="11496821" cy="1494586"/>
           </a:xfrm>
           <a:prstGeom prst="rect">
             <a:avLst/>
           </a:prstGeom>
-          <a:solidFill>
-            <a:schemeClr val="accent2"/>
-          </a:solidFill>
-          <a:ln>
-            <a:noFill/>
-          </a:ln>
         </p:spPr>
-        <p:style>
-          <a:lnRef idx="2">
-            <a:schemeClr val="accent1">
-              <a:shade val="50000"/>
-            </a:schemeClr>
-          </a:lnRef>
-          <a:fillRef idx="1">
-            <a:schemeClr val="accent1"/>
-          </a:fillRef>
-          <a:effectRef idx="0">
-            <a:schemeClr val="accent1"/>
-          </a:effectRef>
-          <a:fontRef idx="minor">
-            <a:schemeClr val="lt1"/>
-          </a:fontRef>
-        </p:style>
-        <p:txBody>
-          <a:bodyPr rtlCol="0" anchor="ctr"/>
-          <a:lstStyle/>
-          <a:p>
-            <a:pPr algn="ctr"/>
-            <a:endParaRPr lang="en-US"/>
-          </a:p>
-        </p:txBody>
-      </p:sp>
+      </p:pic>
       <p:pic>
         <p:nvPicPr>
-          <p:cNvPr id="12" name="Picture 11">
-            <a:extLst>
-              <a:ext uri="{FF2B5EF4-FFF2-40B4-BE49-F238E27FC236}">
-                <a16:creationId xmlns:a16="http://schemas.microsoft.com/office/drawing/2014/main" id="{97D501FF-BDD6-4B5A-AB25-7F40E129DDB1}"/>
+          <p:cNvPr id="8" name="Picture 7">
+            <a:extLst>
+              <a:ext uri="{FF2B5EF4-FFF2-40B4-BE49-F238E27FC236}">
+                <a16:creationId xmlns:a16="http://schemas.microsoft.com/office/drawing/2014/main" id="{B88F157C-148E-4883-9B2F-44FC88EEFB3C}"/>
               </a:ext>
             </a:extLst>
           </p:cNvPr>
@@ -13414,8 +14950,8 @@
         </p:blipFill>
         <p:spPr>
           <a:xfrm>
-            <a:off x="1826359" y="3809445"/>
-            <a:ext cx="8562975" cy="723900"/>
+            <a:off x="526072" y="4176294"/>
+            <a:ext cx="11139855" cy="1420332"/>
           </a:xfrm>
           <a:prstGeom prst="rect">
             <a:avLst/>
@@ -13425,7 +14961,7 @@
     </p:spTree>
     <p:extLst>
       <p:ext uri="{BB962C8B-B14F-4D97-AF65-F5344CB8AC3E}">
-        <p14:creationId xmlns:p14="http://schemas.microsoft.com/office/powerpoint/2010/main" val="698715463"/>
+        <p14:creationId xmlns:p14="http://schemas.microsoft.com/office/powerpoint/2010/main" val="1728493956"/>
       </p:ext>
     </p:extLst>
   </p:cSld>
@@ -13586,7 +15122,7 @@
           <p:cNvPr id="2" name="Title 1">
             <a:extLst>
               <a:ext uri="{FF2B5EF4-FFF2-40B4-BE49-F238E27FC236}">
-                <a16:creationId xmlns:a16="http://schemas.microsoft.com/office/drawing/2014/main" id="{7E3F400C-8895-434A-8D30-FF206CC53F01}"/>
+                <a16:creationId xmlns:a16="http://schemas.microsoft.com/office/drawing/2014/main" id="{1003F869-A95F-4608-A9DC-20E07D627945}"/>
               </a:ext>
             </a:extLst>
           </p:cNvPr>
@@ -13619,7 +15155,7 @@
                 <a:ea typeface="+mj-ea"/>
                 <a:cs typeface="+mj-cs"/>
               </a:rPr>
-              <a:t>Determinant Invertibility Test</a:t>
+              <a:t>Eigenvalue and Eigenvectors</a:t>
             </a:r>
           </a:p>
         </p:txBody>
@@ -13738,7 +15274,7 @@
           <p:cNvPr id="4" name="Picture 3">
             <a:extLst>
               <a:ext uri="{FF2B5EF4-FFF2-40B4-BE49-F238E27FC236}">
-                <a16:creationId xmlns:a16="http://schemas.microsoft.com/office/drawing/2014/main" id="{67363577-34DB-4E92-84EE-E901E4279454}"/>
+                <a16:creationId xmlns:a16="http://schemas.microsoft.com/office/drawing/2014/main" id="{99B82CFC-FACE-49C4-A77E-36F8697C3565}"/>
               </a:ext>
             </a:extLst>
           </p:cNvPr>
@@ -13755,8 +15291,8 @@
         </p:blipFill>
         <p:spPr>
           <a:xfrm>
-            <a:off x="526073" y="2681707"/>
-            <a:ext cx="11496821" cy="1494586"/>
+            <a:off x="346001" y="2437399"/>
+            <a:ext cx="11496821" cy="1983202"/>
           </a:xfrm>
           <a:prstGeom prst="rect">
             <a:avLst/>
@@ -13765,10 +15301,10 @@
       </p:pic>
       <p:pic>
         <p:nvPicPr>
-          <p:cNvPr id="8" name="Picture 7">
-            <a:extLst>
-              <a:ext uri="{FF2B5EF4-FFF2-40B4-BE49-F238E27FC236}">
-                <a16:creationId xmlns:a16="http://schemas.microsoft.com/office/drawing/2014/main" id="{B88F157C-148E-4883-9B2F-44FC88EEFB3C}"/>
+          <p:cNvPr id="6" name="Picture 5">
+            <a:extLst>
+              <a:ext uri="{FF2B5EF4-FFF2-40B4-BE49-F238E27FC236}">
+                <a16:creationId xmlns:a16="http://schemas.microsoft.com/office/drawing/2014/main" id="{16C7B570-3C5D-4F25-B1DD-889C049A8650}"/>
               </a:ext>
             </a:extLst>
           </p:cNvPr>
@@ -13785,8 +15321,8 @@
         </p:blipFill>
         <p:spPr>
           <a:xfrm>
-            <a:off x="526072" y="4176294"/>
-            <a:ext cx="11139855" cy="1420332"/>
+            <a:off x="437625" y="4550012"/>
+            <a:ext cx="11316749" cy="1988385"/>
           </a:xfrm>
           <a:prstGeom prst="rect">
             <a:avLst/>
@@ -13796,7 +15332,7 @@
     </p:spTree>
     <p:extLst>
       <p:ext uri="{BB962C8B-B14F-4D97-AF65-F5344CB8AC3E}">
-        <p14:creationId xmlns:p14="http://schemas.microsoft.com/office/powerpoint/2010/main" val="1728493956"/>
+        <p14:creationId xmlns:p14="http://schemas.microsoft.com/office/powerpoint/2010/main" val="3826916255"/>
       </p:ext>
     </p:extLst>
   </p:cSld>
@@ -13957,7 +15493,7 @@
           <p:cNvPr id="2" name="Title 1">
             <a:extLst>
               <a:ext uri="{FF2B5EF4-FFF2-40B4-BE49-F238E27FC236}">
-                <a16:creationId xmlns:a16="http://schemas.microsoft.com/office/drawing/2014/main" id="{1003F869-A95F-4608-A9DC-20E07D627945}"/>
+                <a16:creationId xmlns:a16="http://schemas.microsoft.com/office/drawing/2014/main" id="{00B64DEF-7056-4013-B7B8-7EB06E3FFE23}"/>
               </a:ext>
             </a:extLst>
           </p:cNvPr>
@@ -13990,7 +15526,7 @@
                 <a:ea typeface="+mj-ea"/>
                 <a:cs typeface="+mj-cs"/>
               </a:rPr>
-              <a:t>Eigenvalue and Eigenvectors</a:t>
+              <a:t>Rule For Eigenvalue</a:t>
             </a:r>
           </a:p>
         </p:txBody>
@@ -14109,7 +15645,7 @@
           <p:cNvPr id="4" name="Picture 3">
             <a:extLst>
               <a:ext uri="{FF2B5EF4-FFF2-40B4-BE49-F238E27FC236}">
-                <a16:creationId xmlns:a16="http://schemas.microsoft.com/office/drawing/2014/main" id="{99B82CFC-FACE-49C4-A77E-36F8697C3565}"/>
+                <a16:creationId xmlns:a16="http://schemas.microsoft.com/office/drawing/2014/main" id="{D61DBCCB-9568-4F1B-9183-1E109200B6B7}"/>
               </a:ext>
             </a:extLst>
           </p:cNvPr>
@@ -14126,38 +15662,8 @@
         </p:blipFill>
         <p:spPr>
           <a:xfrm>
-            <a:off x="346001" y="2437399"/>
-            <a:ext cx="11496821" cy="1983202"/>
-          </a:xfrm>
-          <a:prstGeom prst="rect">
-            <a:avLst/>
-          </a:prstGeom>
-        </p:spPr>
-      </p:pic>
-      <p:pic>
-        <p:nvPicPr>
-          <p:cNvPr id="6" name="Picture 5">
-            <a:extLst>
-              <a:ext uri="{FF2B5EF4-FFF2-40B4-BE49-F238E27FC236}">
-                <a16:creationId xmlns:a16="http://schemas.microsoft.com/office/drawing/2014/main" id="{16C7B570-3C5D-4F25-B1DD-889C049A8650}"/>
-              </a:ext>
-            </a:extLst>
-          </p:cNvPr>
-          <p:cNvPicPr>
-            <a:picLocks noChangeAspect="1"/>
-          </p:cNvPicPr>
-          <p:nvPr/>
-        </p:nvPicPr>
-        <p:blipFill>
-          <a:blip r:embed="rId4"/>
-          <a:stretch>
-            <a:fillRect/>
-          </a:stretch>
-        </p:blipFill>
-        <p:spPr>
-          <a:xfrm>
-            <a:off x="437625" y="4550012"/>
-            <a:ext cx="11316749" cy="1988385"/>
+            <a:off x="346001" y="2298654"/>
+            <a:ext cx="11496821" cy="2816720"/>
           </a:xfrm>
           <a:prstGeom prst="rect">
             <a:avLst/>
@@ -14167,7 +15673,7 @@
     </p:spTree>
     <p:extLst>
       <p:ext uri="{BB962C8B-B14F-4D97-AF65-F5344CB8AC3E}">
-        <p14:creationId xmlns:p14="http://schemas.microsoft.com/office/powerpoint/2010/main" val="3826916255"/>
+        <p14:creationId xmlns:p14="http://schemas.microsoft.com/office/powerpoint/2010/main" val="1300920002"/>
       </p:ext>
     </p:extLst>
   </p:cSld>
@@ -14204,7 +15710,7 @@
       </p:grpSpPr>
       <p:cxnSp>
         <p:nvCxnSpPr>
-          <p:cNvPr id="9" name="Straight Connector 8">
+          <p:cNvPr id="8" name="Straight Connector 7">
             <a:extLst>
               <a:ext uri="{FF2B5EF4-FFF2-40B4-BE49-F238E27FC236}">
                 <a16:creationId xmlns:a16="http://schemas.microsoft.com/office/drawing/2014/main" id="{D2E961F1-4A28-4A5F-BBD4-6E400E5E6C75}"/>
@@ -14259,7 +15765,7 @@
       </p:cxnSp>
       <p:sp>
         <p:nvSpPr>
-          <p:cNvPr id="11" name="Rectangle 10">
+          <p:cNvPr id="10" name="Rectangle 9">
             <a:extLst>
               <a:ext uri="{FF2B5EF4-FFF2-40B4-BE49-F238E27FC236}">
                 <a16:creationId xmlns:a16="http://schemas.microsoft.com/office/drawing/2014/main" id="{7F57BEA8-497D-4AA8-8A18-BDCD696B25FE}"/>
@@ -14328,7 +15834,7 @@
           <p:cNvPr id="2" name="Title 1">
             <a:extLst>
               <a:ext uri="{FF2B5EF4-FFF2-40B4-BE49-F238E27FC236}">
-                <a16:creationId xmlns:a16="http://schemas.microsoft.com/office/drawing/2014/main" id="{00B64DEF-7056-4013-B7B8-7EB06E3FFE23}"/>
+                <a16:creationId xmlns:a16="http://schemas.microsoft.com/office/drawing/2014/main" id="{2472C947-0BE8-4C8A-A6B3-34AD6FEFCC80}"/>
               </a:ext>
             </a:extLst>
           </p:cNvPr>
@@ -14361,14 +15867,14 @@
                 <a:ea typeface="+mj-ea"/>
                 <a:cs typeface="+mj-cs"/>
               </a:rPr>
-              <a:t>Rule For Eigenvalue</a:t>
+              <a:t>Finding Eigenvalues</a:t>
             </a:r>
           </a:p>
         </p:txBody>
       </p:sp>
       <p:cxnSp>
         <p:nvCxnSpPr>
-          <p:cNvPr id="13" name="Straight Connector 12">
+          <p:cNvPr id="12" name="Straight Connector 11">
             <a:extLst>
               <a:ext uri="{FF2B5EF4-FFF2-40B4-BE49-F238E27FC236}">
                 <a16:creationId xmlns:a16="http://schemas.microsoft.com/office/drawing/2014/main" id="{A82415D3-DDE5-4D63-8CB3-23A5EC581B27}"/>
@@ -14422,7 +15928,7 @@
       </p:cxnSp>
       <p:cxnSp>
         <p:nvCxnSpPr>
-          <p:cNvPr id="15" name="Straight Connector 14">
+          <p:cNvPr id="14" name="Straight Connector 13">
             <a:extLst>
               <a:ext uri="{FF2B5EF4-FFF2-40B4-BE49-F238E27FC236}">
                 <a16:creationId xmlns:a16="http://schemas.microsoft.com/office/drawing/2014/main" id="{AD7193FB-6AE6-4B3B-8F89-56B55DD63B4D}"/>
@@ -14477,10 +15983,10 @@
       </p:cxnSp>
       <p:pic>
         <p:nvPicPr>
-          <p:cNvPr id="4" name="Picture 3">
-            <a:extLst>
-              <a:ext uri="{FF2B5EF4-FFF2-40B4-BE49-F238E27FC236}">
-                <a16:creationId xmlns:a16="http://schemas.microsoft.com/office/drawing/2014/main" id="{D61DBCCB-9568-4F1B-9183-1E109200B6B7}"/>
+          <p:cNvPr id="3" name="Picture 2">
+            <a:extLst>
+              <a:ext uri="{FF2B5EF4-FFF2-40B4-BE49-F238E27FC236}">
+                <a16:creationId xmlns:a16="http://schemas.microsoft.com/office/drawing/2014/main" id="{161BDCA6-0B65-47C2-A345-ED5DBF96A124}"/>
               </a:ext>
             </a:extLst>
           </p:cNvPr>
@@ -14497,8 +16003,8 @@
         </p:blipFill>
         <p:spPr>
           <a:xfrm>
-            <a:off x="346001" y="2298654"/>
-            <a:ext cx="11496821" cy="2816720"/>
+            <a:off x="320040" y="3693437"/>
+            <a:ext cx="11496821" cy="1465845"/>
           </a:xfrm>
           <a:prstGeom prst="rect">
             <a:avLst/>
@@ -14508,7 +16014,7 @@
     </p:spTree>
     <p:extLst>
       <p:ext uri="{BB962C8B-B14F-4D97-AF65-F5344CB8AC3E}">
-        <p14:creationId xmlns:p14="http://schemas.microsoft.com/office/powerpoint/2010/main" val="1300920002"/>
+        <p14:creationId xmlns:p14="http://schemas.microsoft.com/office/powerpoint/2010/main" val="238407052"/>
       </p:ext>
     </p:extLst>
   </p:cSld>
@@ -14545,7 +16051,7 @@
       </p:grpSpPr>
       <p:cxnSp>
         <p:nvCxnSpPr>
-          <p:cNvPr id="8" name="Straight Connector 7">
+          <p:cNvPr id="9" name="Straight Connector 8">
             <a:extLst>
               <a:ext uri="{FF2B5EF4-FFF2-40B4-BE49-F238E27FC236}">
                 <a16:creationId xmlns:a16="http://schemas.microsoft.com/office/drawing/2014/main" id="{D2E961F1-4A28-4A5F-BBD4-6E400E5E6C75}"/>
@@ -14600,7 +16106,7 @@
       </p:cxnSp>
       <p:sp>
         <p:nvSpPr>
-          <p:cNvPr id="10" name="Rectangle 9">
+          <p:cNvPr id="11" name="Rectangle 10">
             <a:extLst>
               <a:ext uri="{FF2B5EF4-FFF2-40B4-BE49-F238E27FC236}">
                 <a16:creationId xmlns:a16="http://schemas.microsoft.com/office/drawing/2014/main" id="{7F57BEA8-497D-4AA8-8A18-BDCD696B25FE}"/>
@@ -14669,7 +16175,7 @@
           <p:cNvPr id="2" name="Title 1">
             <a:extLst>
               <a:ext uri="{FF2B5EF4-FFF2-40B4-BE49-F238E27FC236}">
-                <a16:creationId xmlns:a16="http://schemas.microsoft.com/office/drawing/2014/main" id="{2472C947-0BE8-4C8A-A6B3-34AD6FEFCC80}"/>
+                <a16:creationId xmlns:a16="http://schemas.microsoft.com/office/drawing/2014/main" id="{86E22EB3-3CE5-4203-93F3-8F613DC9F1E5}"/>
               </a:ext>
             </a:extLst>
           </p:cNvPr>
@@ -14702,14 +16208,14 @@
                 <a:ea typeface="+mj-ea"/>
                 <a:cs typeface="+mj-cs"/>
               </a:rPr>
-              <a:t>Finding Eigenvalues</a:t>
+              <a:t>Complex Number Shortcuts</a:t>
             </a:r>
           </a:p>
         </p:txBody>
       </p:sp>
       <p:cxnSp>
         <p:nvCxnSpPr>
-          <p:cNvPr id="12" name="Straight Connector 11">
+          <p:cNvPr id="13" name="Straight Connector 12">
             <a:extLst>
               <a:ext uri="{FF2B5EF4-FFF2-40B4-BE49-F238E27FC236}">
                 <a16:creationId xmlns:a16="http://schemas.microsoft.com/office/drawing/2014/main" id="{A82415D3-DDE5-4D63-8CB3-23A5EC581B27}"/>
@@ -14763,7 +16269,7 @@
       </p:cxnSp>
       <p:cxnSp>
         <p:nvCxnSpPr>
-          <p:cNvPr id="14" name="Straight Connector 13">
+          <p:cNvPr id="15" name="Straight Connector 14">
             <a:extLst>
               <a:ext uri="{FF2B5EF4-FFF2-40B4-BE49-F238E27FC236}">
                 <a16:creationId xmlns:a16="http://schemas.microsoft.com/office/drawing/2014/main" id="{AD7193FB-6AE6-4B3B-8F89-56B55DD63B4D}"/>
@@ -14818,10 +16324,10 @@
       </p:cxnSp>
       <p:pic>
         <p:nvPicPr>
-          <p:cNvPr id="3" name="Picture 2">
-            <a:extLst>
-              <a:ext uri="{FF2B5EF4-FFF2-40B4-BE49-F238E27FC236}">
-                <a16:creationId xmlns:a16="http://schemas.microsoft.com/office/drawing/2014/main" id="{161BDCA6-0B65-47C2-A345-ED5DBF96A124}"/>
+          <p:cNvPr id="4" name="Picture 3">
+            <a:extLst>
+              <a:ext uri="{FF2B5EF4-FFF2-40B4-BE49-F238E27FC236}">
+                <a16:creationId xmlns:a16="http://schemas.microsoft.com/office/drawing/2014/main" id="{CD2E47CE-515E-4CA0-977F-DCEA1B8EB8E2}"/>
               </a:ext>
             </a:extLst>
           </p:cNvPr>
@@ -14831,15 +16337,15 @@
           <p:nvPr/>
         </p:nvPicPr>
         <p:blipFill>
-          <a:blip r:embed="rId3"/>
+          <a:blip r:embed="rId2"/>
           <a:stretch>
             <a:fillRect/>
           </a:stretch>
         </p:blipFill>
         <p:spPr>
           <a:xfrm>
-            <a:off x="320040" y="3693437"/>
-            <a:ext cx="11496821" cy="1465845"/>
+            <a:off x="320040" y="3650324"/>
+            <a:ext cx="11496821" cy="1552071"/>
           </a:xfrm>
           <a:prstGeom prst="rect">
             <a:avLst/>
@@ -14849,7 +16355,7 @@
     </p:spTree>
     <p:extLst>
       <p:ext uri="{BB962C8B-B14F-4D97-AF65-F5344CB8AC3E}">
-        <p14:creationId xmlns:p14="http://schemas.microsoft.com/office/powerpoint/2010/main" val="238407052"/>
+        <p14:creationId xmlns:p14="http://schemas.microsoft.com/office/powerpoint/2010/main" val="2018740186"/>
       </p:ext>
     </p:extLst>
   </p:cSld>
@@ -15309,7 +16815,7 @@
           <p:cNvPr id="2" name="Title 1">
             <a:extLst>
               <a:ext uri="{FF2B5EF4-FFF2-40B4-BE49-F238E27FC236}">
-                <a16:creationId xmlns:a16="http://schemas.microsoft.com/office/drawing/2014/main" id="{86E22EB3-3CE5-4203-93F3-8F613DC9F1E5}"/>
+                <a16:creationId xmlns:a16="http://schemas.microsoft.com/office/drawing/2014/main" id="{E7665C4C-7593-4738-8F3D-0C7D6EB8C2F7}"/>
               </a:ext>
             </a:extLst>
           </p:cNvPr>
@@ -15461,7 +16967,7 @@
           <p:cNvPr id="4" name="Picture 3">
             <a:extLst>
               <a:ext uri="{FF2B5EF4-FFF2-40B4-BE49-F238E27FC236}">
-                <a16:creationId xmlns:a16="http://schemas.microsoft.com/office/drawing/2014/main" id="{CD2E47CE-515E-4CA0-977F-DCEA1B8EB8E2}"/>
+                <a16:creationId xmlns:a16="http://schemas.microsoft.com/office/drawing/2014/main" id="{418D9299-54CF-4E1E-9D4B-B58FF7809355}"/>
               </a:ext>
             </a:extLst>
           </p:cNvPr>
@@ -15478,8 +16984,8 @@
         </p:blipFill>
         <p:spPr>
           <a:xfrm>
-            <a:off x="320040" y="3650324"/>
-            <a:ext cx="11496821" cy="1552071"/>
+            <a:off x="320040" y="3607211"/>
+            <a:ext cx="11496821" cy="1638297"/>
           </a:xfrm>
           <a:prstGeom prst="rect">
             <a:avLst/>
@@ -15489,7 +16995,7 @@
     </p:spTree>
     <p:extLst>
       <p:ext uri="{BB962C8B-B14F-4D97-AF65-F5344CB8AC3E}">
-        <p14:creationId xmlns:p14="http://schemas.microsoft.com/office/powerpoint/2010/main" val="2018740186"/>
+        <p14:creationId xmlns:p14="http://schemas.microsoft.com/office/powerpoint/2010/main" val="1679726043"/>
       </p:ext>
     </p:extLst>
   </p:cSld>
@@ -15683,7 +17189,7 @@
                 <a:ea typeface="+mj-ea"/>
                 <a:cs typeface="+mj-cs"/>
               </a:rPr>
-              <a:t>Complex Number Shortcuts</a:t>
+              <a:t>Eigenvalue and Eigenvector cheat sheet</a:t>
             </a:r>
           </a:p>
         </p:txBody>
@@ -15797,40 +17303,275 @@
           </a:fontRef>
         </p:style>
       </p:cxnSp>
-      <p:pic>
-        <p:nvPicPr>
-          <p:cNvPr id="4" name="Picture 3">
-            <a:extLst>
-              <a:ext uri="{FF2B5EF4-FFF2-40B4-BE49-F238E27FC236}">
-                <a16:creationId xmlns:a16="http://schemas.microsoft.com/office/drawing/2014/main" id="{418D9299-54CF-4E1E-9D4B-B58FF7809355}"/>
-              </a:ext>
-            </a:extLst>
-          </p:cNvPr>
-          <p:cNvPicPr>
-            <a:picLocks noChangeAspect="1"/>
-          </p:cNvPicPr>
-          <p:nvPr/>
-        </p:nvPicPr>
-        <p:blipFill>
-          <a:blip r:embed="rId2"/>
-          <a:stretch>
-            <a:fillRect/>
-          </a:stretch>
-        </p:blipFill>
-        <p:spPr>
-          <a:xfrm>
-            <a:off x="320040" y="3607211"/>
-            <a:ext cx="11496821" cy="1638297"/>
-          </a:xfrm>
-          <a:prstGeom prst="rect">
-            <a:avLst/>
-          </a:prstGeom>
-        </p:spPr>
-      </p:pic>
+      <mc:AlternateContent xmlns:mc="http://schemas.openxmlformats.org/markup-compatibility/2006">
+        <mc:Choice xmlns:a14="http://schemas.microsoft.com/office/drawing/2010/main" Requires="a14">
+          <p:sp>
+            <p:nvSpPr>
+              <p:cNvPr id="3" name="TextBox 2">
+                <a:extLst>
+                  <a:ext uri="{FF2B5EF4-FFF2-40B4-BE49-F238E27FC236}">
+                    <a16:creationId xmlns:a16="http://schemas.microsoft.com/office/drawing/2014/main" id="{400533D0-30BF-4BE0-87B9-3929A09BEC0C}"/>
+                  </a:ext>
+                </a:extLst>
+              </p:cNvPr>
+              <p:cNvSpPr txBox="1"/>
+              <p:nvPr/>
+            </p:nvSpPr>
+            <p:spPr>
+              <a:xfrm>
+                <a:off x="526073" y="2775097"/>
+                <a:ext cx="11139854" cy="1404359"/>
+              </a:xfrm>
+              <a:prstGeom prst="rect">
+                <a:avLst/>
+              </a:prstGeom>
+              <a:noFill/>
+            </p:spPr>
+            <p:txBody>
+              <a:bodyPr wrap="square" rtlCol="0">
+                <a:spAutoFit/>
+              </a:bodyPr>
+              <a:lstStyle/>
+              <a:p>
+                <a:r>
+                  <a:rPr lang="en-US" sz="2100" dirty="0"/>
+                  <a:t>Eigenvalues of matrix: det(A-</a:t>
+                </a:r>
+                <a:r>
+                  <a:rPr lang="el-GR" sz="2100" b="1" i="0" dirty="0">
+                    <a:solidFill>
+                      <a:srgbClr val="202124"/>
+                    </a:solidFill>
+                    <a:effectLst/>
+                  </a:rPr>
+                  <a:t>λ</a:t>
+                </a:r>
+                <a:r>
+                  <a:rPr lang="en-US" sz="2100" i="0" dirty="0">
+                    <a:solidFill>
+                      <a:srgbClr val="202124"/>
+                    </a:solidFill>
+                    <a:effectLst/>
+                  </a:rPr>
+                  <a:t>I</a:t>
+                </a:r>
+                <a:r>
+                  <a:rPr lang="en-US" sz="2100" i="0" baseline="-25000" dirty="0">
+                    <a:solidFill>
+                      <a:srgbClr val="202124"/>
+                    </a:solidFill>
+                    <a:effectLst/>
+                  </a:rPr>
+                  <a:t>n</a:t>
+                </a:r>
+                <a:r>
+                  <a:rPr lang="en-US" sz="2100" i="0" dirty="0">
+                    <a:solidFill>
+                      <a:srgbClr val="202124"/>
+                    </a:solidFill>
+                    <a:effectLst/>
+                  </a:rPr>
+                  <a:t>) solve for </a:t>
+                </a:r>
+                <a:r>
+                  <a:rPr lang="el-GR" sz="2100" b="1" i="0" dirty="0">
+                    <a:solidFill>
+                      <a:srgbClr val="202124"/>
+                    </a:solidFill>
+                    <a:effectLst/>
+                  </a:rPr>
+                  <a:t>λ</a:t>
+                </a:r>
+                <a:endParaRPr lang="en-US" sz="2100" b="1" i="0" dirty="0">
+                  <a:solidFill>
+                    <a:srgbClr val="202124"/>
+                  </a:solidFill>
+                  <a:effectLst/>
+                </a:endParaRPr>
+              </a:p>
+              <a:p>
+                <a:r>
+                  <a:rPr lang="en-US" sz="2100" dirty="0">
+                    <a:solidFill>
+                      <a:srgbClr val="202124"/>
+                    </a:solidFill>
+                  </a:rPr>
+                  <a:t>Eigenvalue of an Eigenvector: Av = </a:t>
+                </a:r>
+                <a:r>
+                  <a:rPr lang="el-GR" sz="2100" b="1" i="0" dirty="0">
+                    <a:solidFill>
+                      <a:srgbClr val="202124"/>
+                    </a:solidFill>
+                    <a:effectLst/>
+                  </a:rPr>
+                  <a:t>λ</a:t>
+                </a:r>
+                <a:r>
+                  <a:rPr lang="en-US" sz="2100" i="0" dirty="0">
+                    <a:solidFill>
+                      <a:srgbClr val="202124"/>
+                    </a:solidFill>
+                    <a:effectLst/>
+                  </a:rPr>
+                  <a:t>v</a:t>
+                </a:r>
+              </a:p>
+              <a:p>
+                <a:r>
+                  <a:rPr lang="en-US" sz="2100" dirty="0">
+                    <a:solidFill>
+                      <a:srgbClr val="202124"/>
+                    </a:solidFill>
+                  </a:rPr>
+                  <a:t>Eigenvector with an Eigenvalue: </a:t>
+                </a:r>
+                <a14:m>
+                  <m:oMath xmlns:m="http://schemas.openxmlformats.org/officeDocument/2006/math">
+                    <m:sSub>
+                      <m:sSubPr>
+                        <m:ctrlPr>
+                          <a:rPr lang="en-US" sz="2100" i="1" smtClean="0">
+                            <a:solidFill>
+                              <a:srgbClr val="202124"/>
+                            </a:solidFill>
+                            <a:latin typeface="Cambria Math" panose="02040503050406030204" pitchFamily="18" charset="0"/>
+                          </a:rPr>
+                        </m:ctrlPr>
+                      </m:sSubPr>
+                      <m:e>
+                        <m:r>
+                          <a:rPr lang="en-US" sz="2100" b="0" i="1" smtClean="0">
+                            <a:solidFill>
+                              <a:srgbClr val="202124"/>
+                            </a:solidFill>
+                            <a:latin typeface="Cambria Math" panose="02040503050406030204" pitchFamily="18" charset="0"/>
+                          </a:rPr>
+                          <m:t>𝐸</m:t>
+                        </m:r>
+                      </m:e>
+                      <m:sub>
+                        <m:r>
+                          <m:rPr>
+                            <m:nor/>
+                          </m:rPr>
+                          <a:rPr lang="el-GR" sz="2100" b="1" dirty="0">
+                            <a:solidFill>
+                              <a:srgbClr val="202124"/>
+                            </a:solidFill>
+                          </a:rPr>
+                          <m:t>λ</m:t>
+                        </m:r>
+                      </m:sub>
+                    </m:sSub>
+                  </m:oMath>
+                </a14:m>
+                <a:r>
+                  <a:rPr lang="en-US" sz="2100" b="1" i="0" dirty="0">
+                    <a:solidFill>
+                      <a:srgbClr val="202124"/>
+                    </a:solidFill>
+                    <a:effectLst/>
+                  </a:rPr>
+                  <a:t> </a:t>
+                </a:r>
+                <a:r>
+                  <a:rPr lang="en-US" sz="2100" i="0" dirty="0">
+                    <a:solidFill>
+                      <a:srgbClr val="202124"/>
+                    </a:solidFill>
+                    <a:effectLst/>
+                  </a:rPr>
+                  <a:t>= null(A- </a:t>
+                </a:r>
+                <a:r>
+                  <a:rPr lang="el-GR" sz="2100" b="1" dirty="0">
+                    <a:solidFill>
+                      <a:srgbClr val="202124"/>
+                    </a:solidFill>
+                  </a:rPr>
+                  <a:t>λ</a:t>
+                </a:r>
+                <a:r>
+                  <a:rPr lang="en-US" sz="2100" dirty="0">
+                    <a:solidFill>
+                      <a:srgbClr val="202124"/>
+                    </a:solidFill>
+                  </a:rPr>
+                  <a:t>I</a:t>
+                </a:r>
+                <a:r>
+                  <a:rPr lang="en-US" sz="2100" baseline="-25000" dirty="0">
+                    <a:solidFill>
+                      <a:srgbClr val="202124"/>
+                    </a:solidFill>
+                  </a:rPr>
+                  <a:t>n</a:t>
+                </a:r>
+                <a:r>
+                  <a:rPr lang="en-US" sz="2100" dirty="0">
+                    <a:solidFill>
+                      <a:srgbClr val="202124"/>
+                    </a:solidFill>
+                  </a:rPr>
+                  <a:t>), find the basis and choose an eigenvector from that</a:t>
+                </a:r>
+              </a:p>
+              <a:p>
+                <a:endParaRPr lang="en-US" sz="2100" dirty="0"/>
+              </a:p>
+            </p:txBody>
+          </p:sp>
+        </mc:Choice>
+        <mc:Fallback>
+          <p:sp>
+            <p:nvSpPr>
+              <p:cNvPr id="3" name="TextBox 2">
+                <a:extLst>
+                  <a:ext uri="{FF2B5EF4-FFF2-40B4-BE49-F238E27FC236}">
+                    <a16:creationId xmlns:a16="http://schemas.microsoft.com/office/drawing/2014/main" id="{400533D0-30BF-4BE0-87B9-3929A09BEC0C}"/>
+                  </a:ext>
+                </a:extLst>
+              </p:cNvPr>
+              <p:cNvSpPr txBox="1">
+                <a:spLocks noRot="1" noChangeAspect="1" noMove="1" noResize="1" noEditPoints="1" noAdjustHandles="1" noChangeArrowheads="1" noChangeShapeType="1" noTextEdit="1"/>
+              </p:cNvSpPr>
+              <p:nvPr/>
+            </p:nvSpPr>
+            <p:spPr>
+              <a:xfrm>
+                <a:off x="526073" y="2775097"/>
+                <a:ext cx="11139854" cy="1404359"/>
+              </a:xfrm>
+              <a:prstGeom prst="rect">
+                <a:avLst/>
+              </a:prstGeom>
+              <a:blipFill>
+                <a:blip r:embed="rId3"/>
+                <a:stretch>
+                  <a:fillRect l="-656" t="-2597"/>
+                </a:stretch>
+              </a:blipFill>
+            </p:spPr>
+            <p:txBody>
+              <a:bodyPr/>
+              <a:lstStyle/>
+              <a:p>
+                <a:r>
+                  <a:rPr lang="en-US">
+                    <a:noFill/>
+                  </a:rPr>
+                  <a:t> </a:t>
+                </a:r>
+              </a:p>
+            </p:txBody>
+          </p:sp>
+        </mc:Fallback>
+      </mc:AlternateContent>
     </p:spTree>
     <p:extLst>
       <p:ext uri="{BB962C8B-B14F-4D97-AF65-F5344CB8AC3E}">
-        <p14:creationId xmlns:p14="http://schemas.microsoft.com/office/powerpoint/2010/main" val="1679726043"/>
+        <p14:creationId xmlns:p14="http://schemas.microsoft.com/office/powerpoint/2010/main" val="2943352970"/>
       </p:ext>
     </p:extLst>
   </p:cSld>
@@ -18439,18 +20180,18 @@
 </file>
 
 <file path=customXml/item2.xml><?xml version="1.0" encoding="utf-8"?>
+<p:properties xmlns:p="http://schemas.microsoft.com/office/2006/metadata/properties" xmlns:xsi="http://www.w3.org/2001/XMLSchema-instance" xmlns:pc="http://schemas.microsoft.com/office/infopath/2007/PartnerControls">
+  <documentManagement/>
+</p:properties>
+</file>
+
+<file path=customXml/item3.xml><?xml version="1.0" encoding="utf-8"?>
 <?mso-contentType ?>
 <FormTemplates xmlns="http://schemas.microsoft.com/sharepoint/v3/contenttype/forms">
   <Display>DocumentLibraryForm</Display>
   <Edit>DocumentLibraryForm</Edit>
   <New>DocumentLibraryForm</New>
 </FormTemplates>
-</file>
-
-<file path=customXml/item3.xml><?xml version="1.0" encoding="utf-8"?>
-<p:properties xmlns:p="http://schemas.microsoft.com/office/2006/metadata/properties" xmlns:xsi="http://www.w3.org/2001/XMLSchema-instance" xmlns:pc="http://schemas.microsoft.com/office/infopath/2007/PartnerControls">
-  <documentManagement/>
-</p:properties>
 </file>
 
 <file path=customXml/itemProps1.xml><?xml version="1.0" encoding="utf-8"?>
@@ -18472,14 +20213,6 @@
 </file>
 
 <file path=customXml/itemProps2.xml><?xml version="1.0" encoding="utf-8"?>
-<ds:datastoreItem xmlns:ds="http://schemas.openxmlformats.org/officeDocument/2006/customXml" ds:itemID="{97011689-39C2-4FF2-8A9A-B371DB6366C2}">
-  <ds:schemaRefs>
-    <ds:schemaRef ds:uri="http://schemas.microsoft.com/sharepoint/v3/contenttype/forms"/>
-  </ds:schemaRefs>
-</ds:datastoreItem>
-</file>
-
-<file path=customXml/itemProps3.xml><?xml version="1.0" encoding="utf-8"?>
 <ds:datastoreItem xmlns:ds="http://schemas.openxmlformats.org/officeDocument/2006/customXml" ds:itemID="{B1A9F696-FA5F-4B34-B731-F825EC19C60A}">
   <ds:schemaRefs>
     <ds:schemaRef ds:uri="http://purl.org/dc/dcmitype/"/>
@@ -18493,4 +20226,12 @@
     <ds:schemaRef ds:uri="http://schemas.microsoft.com/office/2006/metadata/properties"/>
   </ds:schemaRefs>
 </ds:datastoreItem>
+</file>
+
+<file path=customXml/itemProps3.xml><?xml version="1.0" encoding="utf-8"?>
+<ds:datastoreItem xmlns:ds="http://schemas.openxmlformats.org/officeDocument/2006/customXml" ds:itemID="{97011689-39C2-4FF2-8A9A-B371DB6366C2}">
+  <ds:schemaRefs>
+    <ds:schemaRef ds:uri="http://schemas.microsoft.com/sharepoint/v3/contenttype/forms"/>
+  </ds:schemaRefs>
+</ds:datastoreItem>
 </file>